--- a/Step05-Infrastructure_as_a_Code_presentation.pptx
+++ b/Step05-Infrastructure_as_a_Code_presentation.pptx
@@ -6,7 +6,7 @@
     <p:sldMasterId id="2147483648" r:id="rId2"/>
   </p:sldMasterIdLst>
   <p:notesMasterIdLst>
-    <p:notesMasterId r:id="rId21"/>
+    <p:notesMasterId r:id="rId28"/>
   </p:notesMasterIdLst>
   <p:sldIdLst>
     <p:sldId id="302" r:id="rId3"/>
@@ -27,6 +27,13 @@
     <p:sldId id="315" r:id="rId18"/>
     <p:sldId id="316" r:id="rId19"/>
     <p:sldId id="317" r:id="rId20"/>
+    <p:sldId id="318" r:id="rId21"/>
+    <p:sldId id="319" r:id="rId22"/>
+    <p:sldId id="320" r:id="rId23"/>
+    <p:sldId id="321" r:id="rId24"/>
+    <p:sldId id="322" r:id="rId25"/>
+    <p:sldId id="323" r:id="rId26"/>
+    <p:sldId id="324" r:id="rId27"/>
   </p:sldIdLst>
   <p:sldSz cx="12192000" cy="6858000"/>
   <p:notesSz cx="6858000" cy="9144000"/>
@@ -155,7 +162,15 @@
           </p14:sldIdLst>
         </p14:section>
         <p14:section name="Ansible" id="{84DFBF41-92CA-4C22-9634-50F1DFDC41A5}">
-          <p14:sldIdLst/>
+          <p14:sldIdLst>
+            <p14:sldId id="318"/>
+            <p14:sldId id="319"/>
+            <p14:sldId id="320"/>
+            <p14:sldId id="321"/>
+            <p14:sldId id="322"/>
+            <p14:sldId id="323"/>
+            <p14:sldId id="324"/>
+          </p14:sldIdLst>
         </p14:section>
       </p14:sectionLst>
     </p:ext>
@@ -170,7 +185,7 @@
 <p1510:revInfo xmlns:a="http://schemas.openxmlformats.org/drawingml/2006/main" xmlns:r="http://schemas.openxmlformats.org/officeDocument/2006/relationships" xmlns:p1510="http://schemas.microsoft.com/office/powerpoint/2015/10/main">
   <p1510:revLst>
     <p1510:client id="{1BA64282-8772-44DD-ADE1-6DE4E20DF9D4}" v="54" dt="2024-01-31T08:21:47.738"/>
-    <p1510:client id="{CD6A1DE1-ACF9-4B80-94F3-F58CA81605B6}" v="2" dt="2024-01-31T14:09:40.233"/>
+    <p1510:client id="{CD6A1DE1-ACF9-4B80-94F3-F58CA81605B6}" v="41" dt="2024-01-31T16:36:23.744"/>
   </p1510:revLst>
 </p1510:revInfo>
 </file>
@@ -4195,7 +4210,7 @@
   <pc:docChgLst>
     <pc:chgData name="Ihor Aleksandrov" userId="c3051032-6b87-4db2-b257-777a0106fbd9" providerId="ADAL" clId="{CD6A1DE1-ACF9-4B80-94F3-F58CA81605B6}"/>
     <pc:docChg chg="undo redo custSel addSld delSld modSld sldOrd addSection delSection modSection">
-      <pc:chgData name="Ihor Aleksandrov" userId="c3051032-6b87-4db2-b257-777a0106fbd9" providerId="ADAL" clId="{CD6A1DE1-ACF9-4B80-94F3-F58CA81605B6}" dt="2024-01-31T15:06:54.085" v="166" actId="17846"/>
+      <pc:chgData name="Ihor Aleksandrov" userId="c3051032-6b87-4db2-b257-777a0106fbd9" providerId="ADAL" clId="{CD6A1DE1-ACF9-4B80-94F3-F58CA81605B6}" dt="2024-01-31T16:36:06.805" v="251" actId="20577"/>
       <pc:docMkLst>
         <pc:docMk/>
       </pc:docMkLst>
@@ -4268,6 +4283,21 @@
           </ac:spMkLst>
         </pc:spChg>
       </pc:sldChg>
+      <pc:sldChg chg="modSp">
+        <pc:chgData name="Ihor Aleksandrov" userId="c3051032-6b87-4db2-b257-777a0106fbd9" providerId="ADAL" clId="{CD6A1DE1-ACF9-4B80-94F3-F58CA81605B6}" dt="2024-01-31T16:36:06.805" v="251" actId="20577"/>
+        <pc:sldMkLst>
+          <pc:docMk/>
+          <pc:sldMk cId="2972731808" sldId="303"/>
+        </pc:sldMkLst>
+        <pc:graphicFrameChg chg="mod">
+          <ac:chgData name="Ihor Aleksandrov" userId="c3051032-6b87-4db2-b257-777a0106fbd9" providerId="ADAL" clId="{CD6A1DE1-ACF9-4B80-94F3-F58CA81605B6}" dt="2024-01-31T16:36:06.805" v="251" actId="20577"/>
+          <ac:graphicFrameMkLst>
+            <pc:docMk/>
+            <pc:sldMk cId="2972731808" sldId="303"/>
+            <ac:graphicFrameMk id="50" creationId="{438840ED-2B50-ED19-12CF-99B1789AE150}"/>
+          </ac:graphicFrameMkLst>
+        </pc:graphicFrameChg>
+      </pc:sldChg>
       <pc:sldChg chg="add">
         <pc:chgData name="Ihor Aleksandrov" userId="c3051032-6b87-4db2-b257-777a0106fbd9" providerId="ADAL" clId="{CD6A1DE1-ACF9-4B80-94F3-F58CA81605B6}" dt="2024-01-31T14:07:59.482" v="22" actId="2890"/>
         <pc:sldMkLst>
@@ -4615,6 +4645,21 @@
           <pc:sldMk cId="1315442765" sldId="318"/>
         </pc:sldMkLst>
       </pc:sldChg>
+      <pc:sldChg chg="modSp add mod ord">
+        <pc:chgData name="Ihor Aleksandrov" userId="c3051032-6b87-4db2-b257-777a0106fbd9" providerId="ADAL" clId="{CD6A1DE1-ACF9-4B80-94F3-F58CA81605B6}" dt="2024-01-31T16:18:42.992" v="170"/>
+        <pc:sldMkLst>
+          <pc:docMk/>
+          <pc:sldMk cId="2690505772" sldId="318"/>
+        </pc:sldMkLst>
+        <pc:spChg chg="mod">
+          <ac:chgData name="Ihor Aleksandrov" userId="c3051032-6b87-4db2-b257-777a0106fbd9" providerId="ADAL" clId="{CD6A1DE1-ACF9-4B80-94F3-F58CA81605B6}" dt="2024-01-31T16:18:42.992" v="170"/>
+          <ac:spMkLst>
+            <pc:docMk/>
+            <pc:sldMk cId="2690505772" sldId="318"/>
+            <ac:spMk id="2" creationId="{18C18207-A109-5552-1541-0ABBAA316282}"/>
+          </ac:spMkLst>
+        </pc:spChg>
+      </pc:sldChg>
       <pc:sldChg chg="del">
         <pc:chgData name="Ihor Aleksandrov" userId="c3051032-6b87-4db2-b257-777a0106fbd9" providerId="ADAL" clId="{CD6A1DE1-ACF9-4B80-94F3-F58CA81605B6}" dt="2024-01-31T09:09:41.621" v="12" actId="2696"/>
         <pc:sldMkLst>
@@ -4622,6 +4667,68 @@
           <pc:sldMk cId="2257188714" sldId="319"/>
         </pc:sldMkLst>
       </pc:sldChg>
+      <pc:sldChg chg="addSp delSp modSp add mod ord">
+        <pc:chgData name="Ihor Aleksandrov" userId="c3051032-6b87-4db2-b257-777a0106fbd9" providerId="ADAL" clId="{CD6A1DE1-ACF9-4B80-94F3-F58CA81605B6}" dt="2024-01-31T16:20:55.716" v="179" actId="1076"/>
+        <pc:sldMkLst>
+          <pc:docMk/>
+          <pc:sldMk cId="3618741339" sldId="319"/>
+        </pc:sldMkLst>
+        <pc:spChg chg="mod">
+          <ac:chgData name="Ihor Aleksandrov" userId="c3051032-6b87-4db2-b257-777a0106fbd9" providerId="ADAL" clId="{CD6A1DE1-ACF9-4B80-94F3-F58CA81605B6}" dt="2024-01-31T16:20:19.318" v="174"/>
+          <ac:spMkLst>
+            <pc:docMk/>
+            <pc:sldMk cId="3618741339" sldId="319"/>
+            <ac:spMk id="2" creationId="{53C5D828-9666-E312-B574-9FE965A7D6BE}"/>
+          </ac:spMkLst>
+        </pc:spChg>
+        <pc:spChg chg="del">
+          <ac:chgData name="Ihor Aleksandrov" userId="c3051032-6b87-4db2-b257-777a0106fbd9" providerId="ADAL" clId="{CD6A1DE1-ACF9-4B80-94F3-F58CA81605B6}" dt="2024-01-31T16:20:22.303" v="175" actId="478"/>
+          <ac:spMkLst>
+            <pc:docMk/>
+            <pc:sldMk cId="3618741339" sldId="319"/>
+            <ac:spMk id="4" creationId="{A7A10FCB-73CC-EC25-5BA2-8A25FEB14B6A}"/>
+          </ac:spMkLst>
+        </pc:spChg>
+        <pc:picChg chg="add mod">
+          <ac:chgData name="Ihor Aleksandrov" userId="c3051032-6b87-4db2-b257-777a0106fbd9" providerId="ADAL" clId="{CD6A1DE1-ACF9-4B80-94F3-F58CA81605B6}" dt="2024-01-31T16:20:55.716" v="179" actId="1076"/>
+          <ac:picMkLst>
+            <pc:docMk/>
+            <pc:sldMk cId="3618741339" sldId="319"/>
+            <ac:picMk id="5" creationId="{F532E8B4-0BE7-0CB3-9EF5-566DC21B1A9C}"/>
+          </ac:picMkLst>
+        </pc:picChg>
+      </pc:sldChg>
+      <pc:sldChg chg="addSp delSp modSp add mod">
+        <pc:chgData name="Ihor Aleksandrov" userId="c3051032-6b87-4db2-b257-777a0106fbd9" providerId="ADAL" clId="{CD6A1DE1-ACF9-4B80-94F3-F58CA81605B6}" dt="2024-01-31T16:23:53.931" v="186" actId="1076"/>
+        <pc:sldMkLst>
+          <pc:docMk/>
+          <pc:sldMk cId="955539517" sldId="320"/>
+        </pc:sldMkLst>
+        <pc:spChg chg="mod">
+          <ac:chgData name="Ihor Aleksandrov" userId="c3051032-6b87-4db2-b257-777a0106fbd9" providerId="ADAL" clId="{CD6A1DE1-ACF9-4B80-94F3-F58CA81605B6}" dt="2024-01-31T16:23:45.804" v="183"/>
+          <ac:spMkLst>
+            <pc:docMk/>
+            <pc:sldMk cId="955539517" sldId="320"/>
+            <ac:spMk id="2" creationId="{53C5D828-9666-E312-B574-9FE965A7D6BE}"/>
+          </ac:spMkLst>
+        </pc:spChg>
+        <pc:picChg chg="add mod">
+          <ac:chgData name="Ihor Aleksandrov" userId="c3051032-6b87-4db2-b257-777a0106fbd9" providerId="ADAL" clId="{CD6A1DE1-ACF9-4B80-94F3-F58CA81605B6}" dt="2024-01-31T16:23:53.931" v="186" actId="1076"/>
+          <ac:picMkLst>
+            <pc:docMk/>
+            <pc:sldMk cId="955539517" sldId="320"/>
+            <ac:picMk id="4" creationId="{28A2D3FD-7D05-8035-871B-BC18824DA49F}"/>
+          </ac:picMkLst>
+        </pc:picChg>
+        <pc:picChg chg="del">
+          <ac:chgData name="Ihor Aleksandrov" userId="c3051032-6b87-4db2-b257-777a0106fbd9" providerId="ADAL" clId="{CD6A1DE1-ACF9-4B80-94F3-F58CA81605B6}" dt="2024-01-31T16:23:47.155" v="184" actId="478"/>
+          <ac:picMkLst>
+            <pc:docMk/>
+            <pc:sldMk cId="955539517" sldId="320"/>
+            <ac:picMk id="5" creationId="{F532E8B4-0BE7-0CB3-9EF5-566DC21B1A9C}"/>
+          </ac:picMkLst>
+        </pc:picChg>
+      </pc:sldChg>
       <pc:sldChg chg="del">
         <pc:chgData name="Ihor Aleksandrov" userId="c3051032-6b87-4db2-b257-777a0106fbd9" providerId="ADAL" clId="{CD6A1DE1-ACF9-4B80-94F3-F58CA81605B6}" dt="2024-01-31T09:09:41.621" v="12" actId="2696"/>
         <pc:sldMkLst>
@@ -4636,6 +4743,37 @@
           <pc:sldMk cId="2741142378" sldId="321"/>
         </pc:sldMkLst>
       </pc:sldChg>
+      <pc:sldChg chg="addSp delSp modSp add mod">
+        <pc:chgData name="Ihor Aleksandrov" userId="c3051032-6b87-4db2-b257-777a0106fbd9" providerId="ADAL" clId="{CD6A1DE1-ACF9-4B80-94F3-F58CA81605B6}" dt="2024-01-31T16:27:29.733" v="196" actId="1076"/>
+        <pc:sldMkLst>
+          <pc:docMk/>
+          <pc:sldMk cId="3974958853" sldId="321"/>
+        </pc:sldMkLst>
+        <pc:spChg chg="mod">
+          <ac:chgData name="Ihor Aleksandrov" userId="c3051032-6b87-4db2-b257-777a0106fbd9" providerId="ADAL" clId="{CD6A1DE1-ACF9-4B80-94F3-F58CA81605B6}" dt="2024-01-31T16:27:07.186" v="192"/>
+          <ac:spMkLst>
+            <pc:docMk/>
+            <pc:sldMk cId="3974958853" sldId="321"/>
+            <ac:spMk id="2" creationId="{53C5D828-9666-E312-B574-9FE965A7D6BE}"/>
+          </ac:spMkLst>
+        </pc:spChg>
+        <pc:picChg chg="del">
+          <ac:chgData name="Ihor Aleksandrov" userId="c3051032-6b87-4db2-b257-777a0106fbd9" providerId="ADAL" clId="{CD6A1DE1-ACF9-4B80-94F3-F58CA81605B6}" dt="2024-01-31T16:27:22.384" v="193" actId="478"/>
+          <ac:picMkLst>
+            <pc:docMk/>
+            <pc:sldMk cId="3974958853" sldId="321"/>
+            <ac:picMk id="4" creationId="{28A2D3FD-7D05-8035-871B-BC18824DA49F}"/>
+          </ac:picMkLst>
+        </pc:picChg>
+        <pc:picChg chg="add mod">
+          <ac:chgData name="Ihor Aleksandrov" userId="c3051032-6b87-4db2-b257-777a0106fbd9" providerId="ADAL" clId="{CD6A1DE1-ACF9-4B80-94F3-F58CA81605B6}" dt="2024-01-31T16:27:29.733" v="196" actId="1076"/>
+          <ac:picMkLst>
+            <pc:docMk/>
+            <pc:sldMk cId="3974958853" sldId="321"/>
+            <ac:picMk id="6" creationId="{B6424C26-77F8-976F-095A-C034C68F13F1}"/>
+          </ac:picMkLst>
+        </pc:picChg>
+      </pc:sldChg>
       <pc:sldChg chg="del">
         <pc:chgData name="Ihor Aleksandrov" userId="c3051032-6b87-4db2-b257-777a0106fbd9" providerId="ADAL" clId="{CD6A1DE1-ACF9-4B80-94F3-F58CA81605B6}" dt="2024-01-31T09:09:41.621" v="12" actId="2696"/>
         <pc:sldMkLst>
@@ -4643,6 +4781,68 @@
           <pc:sldMk cId="1250702623" sldId="322"/>
         </pc:sldMkLst>
       </pc:sldChg>
+      <pc:sldChg chg="addSp delSp modSp add mod">
+        <pc:chgData name="Ihor Aleksandrov" userId="c3051032-6b87-4db2-b257-777a0106fbd9" providerId="ADAL" clId="{CD6A1DE1-ACF9-4B80-94F3-F58CA81605B6}" dt="2024-01-31T16:30:11.818" v="204"/>
+        <pc:sldMkLst>
+          <pc:docMk/>
+          <pc:sldMk cId="3021423085" sldId="322"/>
+        </pc:sldMkLst>
+        <pc:spChg chg="mod">
+          <ac:chgData name="Ihor Aleksandrov" userId="c3051032-6b87-4db2-b257-777a0106fbd9" providerId="ADAL" clId="{CD6A1DE1-ACF9-4B80-94F3-F58CA81605B6}" dt="2024-01-31T16:30:11.818" v="204"/>
+          <ac:spMkLst>
+            <pc:docMk/>
+            <pc:sldMk cId="3021423085" sldId="322"/>
+            <ac:spMk id="2" creationId="{53C5D828-9666-E312-B574-9FE965A7D6BE}"/>
+          </ac:spMkLst>
+        </pc:spChg>
+        <pc:picChg chg="add mod">
+          <ac:chgData name="Ihor Aleksandrov" userId="c3051032-6b87-4db2-b257-777a0106fbd9" providerId="ADAL" clId="{CD6A1DE1-ACF9-4B80-94F3-F58CA81605B6}" dt="2024-01-31T16:29:33.614" v="201" actId="1076"/>
+          <ac:picMkLst>
+            <pc:docMk/>
+            <pc:sldMk cId="3021423085" sldId="322"/>
+            <ac:picMk id="5" creationId="{79E04EF6-B44B-E770-0D59-0AE9905B0613}"/>
+          </ac:picMkLst>
+        </pc:picChg>
+        <pc:picChg chg="del">
+          <ac:chgData name="Ihor Aleksandrov" userId="c3051032-6b87-4db2-b257-777a0106fbd9" providerId="ADAL" clId="{CD6A1DE1-ACF9-4B80-94F3-F58CA81605B6}" dt="2024-01-31T16:29:27.557" v="198" actId="478"/>
+          <ac:picMkLst>
+            <pc:docMk/>
+            <pc:sldMk cId="3021423085" sldId="322"/>
+            <ac:picMk id="6" creationId="{B6424C26-77F8-976F-095A-C034C68F13F1}"/>
+          </ac:picMkLst>
+        </pc:picChg>
+      </pc:sldChg>
+      <pc:sldChg chg="addSp delSp modSp add mod">
+        <pc:chgData name="Ihor Aleksandrov" userId="c3051032-6b87-4db2-b257-777a0106fbd9" providerId="ADAL" clId="{CD6A1DE1-ACF9-4B80-94F3-F58CA81605B6}" dt="2024-01-31T16:32:26.979" v="210" actId="11529"/>
+        <pc:sldMkLst>
+          <pc:docMk/>
+          <pc:sldMk cId="816537371" sldId="323"/>
+        </pc:sldMkLst>
+        <pc:spChg chg="mod">
+          <ac:chgData name="Ihor Aleksandrov" userId="c3051032-6b87-4db2-b257-777a0106fbd9" providerId="ADAL" clId="{CD6A1DE1-ACF9-4B80-94F3-F58CA81605B6}" dt="2024-01-31T16:32:20.906" v="208"/>
+          <ac:spMkLst>
+            <pc:docMk/>
+            <pc:sldMk cId="816537371" sldId="323"/>
+            <ac:spMk id="2" creationId="{53C5D828-9666-E312-B574-9FE965A7D6BE}"/>
+          </ac:spMkLst>
+        </pc:spChg>
+        <pc:spChg chg="add">
+          <ac:chgData name="Ihor Aleksandrov" userId="c3051032-6b87-4db2-b257-777a0106fbd9" providerId="ADAL" clId="{CD6A1DE1-ACF9-4B80-94F3-F58CA81605B6}" dt="2024-01-31T16:32:26.979" v="210" actId="11529"/>
+          <ac:spMkLst>
+            <pc:docMk/>
+            <pc:sldMk cId="816537371" sldId="323"/>
+            <ac:spMk id="4" creationId="{03542100-9D21-41B2-EBC8-F5312B69ACDA}"/>
+          </ac:spMkLst>
+        </pc:spChg>
+        <pc:picChg chg="del">
+          <ac:chgData name="Ihor Aleksandrov" userId="c3051032-6b87-4db2-b257-777a0106fbd9" providerId="ADAL" clId="{CD6A1DE1-ACF9-4B80-94F3-F58CA81605B6}" dt="2024-01-31T16:32:22.331" v="209" actId="478"/>
+          <ac:picMkLst>
+            <pc:docMk/>
+            <pc:sldMk cId="816537371" sldId="323"/>
+            <ac:picMk id="5" creationId="{79E04EF6-B44B-E770-0D59-0AE9905B0613}"/>
+          </ac:picMkLst>
+        </pc:picChg>
+      </pc:sldChg>
       <pc:sldChg chg="del">
         <pc:chgData name="Ihor Aleksandrov" userId="c3051032-6b87-4db2-b257-777a0106fbd9" providerId="ADAL" clId="{CD6A1DE1-ACF9-4B80-94F3-F58CA81605B6}" dt="2024-01-31T09:09:41.621" v="12" actId="2696"/>
         <pc:sldMkLst>
@@ -4656,6 +4856,21 @@
           <pc:docMk/>
           <pc:sldMk cId="3008917412" sldId="324"/>
         </pc:sldMkLst>
+      </pc:sldChg>
+      <pc:sldChg chg="modSp add mod">
+        <pc:chgData name="Ihor Aleksandrov" userId="c3051032-6b87-4db2-b257-777a0106fbd9" providerId="ADAL" clId="{CD6A1DE1-ACF9-4B80-94F3-F58CA81605B6}" dt="2024-01-31T16:33:14.683" v="218" actId="20577"/>
+        <pc:sldMkLst>
+          <pc:docMk/>
+          <pc:sldMk cId="3114329589" sldId="324"/>
+        </pc:sldMkLst>
+        <pc:spChg chg="mod">
+          <ac:chgData name="Ihor Aleksandrov" userId="c3051032-6b87-4db2-b257-777a0106fbd9" providerId="ADAL" clId="{CD6A1DE1-ACF9-4B80-94F3-F58CA81605B6}" dt="2024-01-31T16:33:14.683" v="218" actId="20577"/>
+          <ac:spMkLst>
+            <pc:docMk/>
+            <pc:sldMk cId="3114329589" sldId="324"/>
+            <ac:spMk id="2" creationId="{53C5D828-9666-E312-B574-9FE965A7D6BE}"/>
+          </ac:spMkLst>
+        </pc:spChg>
       </pc:sldChg>
       <pc:sldChg chg="del">
         <pc:chgData name="Ihor Aleksandrov" userId="c3051032-6b87-4db2-b257-777a0106fbd9" providerId="ADAL" clId="{CD6A1DE1-ACF9-4B80-94F3-F58CA81605B6}" dt="2024-01-31T09:09:41.621" v="12" actId="2696"/>
@@ -5551,7 +5766,7 @@
         <a:p>
           <a:r>
             <a:rPr lang="en-US" dirty="0"/>
-            <a:t>Cloud Computing</a:t>
+            <a:t>Terraform</a:t>
           </a:r>
         </a:p>
       </dgm:t>
@@ -5593,9 +5808,10 @@
         <a:lstStyle/>
         <a:p>
           <a:r>
-            <a:rPr lang="en-US" dirty="0"/>
-            <a:t>AWS</a:t>
+            <a:rPr lang="en-US"/>
+            <a:t>Ansible</a:t>
           </a:r>
+          <a:endParaRPr lang="en-US" dirty="0"/>
         </a:p>
       </dgm:t>
       <dgm:extLst>
@@ -5628,49 +5844,6 @@
         </a:p>
       </dgm:t>
     </dgm:pt>
-    <dgm:pt modelId="{2B7ED56E-EBC9-461A-8FD4-163FA2169B7C}">
-      <dgm:prSet/>
-      <dgm:spPr/>
-      <dgm:t>
-        <a:bodyPr/>
-        <a:lstStyle/>
-        <a:p>
-          <a:r>
-            <a:rPr lang="en-US" dirty="0"/>
-            <a:t>Azure</a:t>
-          </a:r>
-        </a:p>
-      </dgm:t>
-      <dgm:extLst>
-        <a:ext uri="{E40237B7-FDA0-4F09-8148-C483321AD2D9}">
-          <dgm14:cNvPr xmlns:dgm14="http://schemas.microsoft.com/office/drawing/2010/diagram" id="0" name="">
-            <a:hlinkClick xmlns:r="http://schemas.openxmlformats.org/officeDocument/2006/relationships" r:id="" action="ppaction://noaction"/>
-          </dgm14:cNvPr>
-        </a:ext>
-      </dgm:extLst>
-    </dgm:pt>
-    <dgm:pt modelId="{C71D7821-CC2C-4ED6-BFBE-FAE3CC2E8DA1}" type="parTrans" cxnId="{BF555944-BDA0-488C-8626-E7431C0B2A69}">
-      <dgm:prSet/>
-      <dgm:spPr/>
-      <dgm:t>
-        <a:bodyPr/>
-        <a:lstStyle/>
-        <a:p>
-          <a:endParaRPr lang="ru-UA"/>
-        </a:p>
-      </dgm:t>
-    </dgm:pt>
-    <dgm:pt modelId="{CD9A4AA0-7D39-41C7-9C1A-118ECBD08BD8}" type="sibTrans" cxnId="{BF555944-BDA0-488C-8626-E7431C0B2A69}">
-      <dgm:prSet/>
-      <dgm:spPr/>
-      <dgm:t>
-        <a:bodyPr/>
-        <a:lstStyle/>
-        <a:p>
-          <a:endParaRPr lang="ru-UA"/>
-        </a:p>
-      </dgm:t>
-    </dgm:pt>
     <dgm:pt modelId="{76D6B6BC-F8F0-4466-930A-673E438AD175}" type="pres">
       <dgm:prSet presAssocID="{1C600E66-A0CB-470F-8514-C91590285CB3}" presName="Name0" presStyleCnt="0">
         <dgm:presLayoutVars>
@@ -5686,7 +5859,7 @@
       <dgm:spPr/>
     </dgm:pt>
     <dgm:pt modelId="{FF5931E5-6577-45BF-AE5E-698950A6CB7C}" type="pres">
-      <dgm:prSet presAssocID="{64E9ACE6-9AFD-4BBA-80CB-01DA1300E087}" presName="parentText" presStyleLbl="node1" presStyleIdx="0" presStyleCnt="3">
+      <dgm:prSet presAssocID="{64E9ACE6-9AFD-4BBA-80CB-01DA1300E087}" presName="parentText" presStyleLbl="node1" presStyleIdx="0" presStyleCnt="2">
         <dgm:presLayoutVars>
           <dgm:chMax val="1"/>
           <dgm:bulletEnabled val="1"/>
@@ -5703,24 +5876,7 @@
       <dgm:spPr/>
     </dgm:pt>
     <dgm:pt modelId="{B6CE390F-56AC-45A8-A0DF-3A7B8C2FEB1E}" type="pres">
-      <dgm:prSet presAssocID="{2240D41D-9269-4094-AEBC-1664425632DB}" presName="parentText" presStyleLbl="node1" presStyleIdx="1" presStyleCnt="3">
-        <dgm:presLayoutVars>
-          <dgm:chMax val="1"/>
-          <dgm:bulletEnabled val="1"/>
-        </dgm:presLayoutVars>
-      </dgm:prSet>
-      <dgm:spPr/>
-    </dgm:pt>
-    <dgm:pt modelId="{FF48DE76-B89B-4A74-A00B-7781F893FA11}" type="pres">
-      <dgm:prSet presAssocID="{474E530C-8388-441E-8514-9E5C43069E6C}" presName="sp" presStyleCnt="0"/>
-      <dgm:spPr/>
-    </dgm:pt>
-    <dgm:pt modelId="{3E340D75-502F-4147-A22B-12FB71A3EA65}" type="pres">
-      <dgm:prSet presAssocID="{2B7ED56E-EBC9-461A-8FD4-163FA2169B7C}" presName="linNode" presStyleCnt="0"/>
-      <dgm:spPr/>
-    </dgm:pt>
-    <dgm:pt modelId="{9C41D13D-9CC8-48E3-B766-D9CB4071F417}" type="pres">
-      <dgm:prSet presAssocID="{2B7ED56E-EBC9-461A-8FD4-163FA2169B7C}" presName="parentText" presStyleLbl="node1" presStyleIdx="2" presStyleCnt="3">
+      <dgm:prSet presAssocID="{2240D41D-9269-4094-AEBC-1664425632DB}" presName="parentText" presStyleLbl="node1" presStyleIdx="1" presStyleCnt="2">
         <dgm:presLayoutVars>
           <dgm:chMax val="1"/>
           <dgm:bulletEnabled val="1"/>
@@ -5730,8 +5886,6 @@
     </dgm:pt>
   </dgm:ptLst>
   <dgm:cxnLst>
-    <dgm:cxn modelId="{20091702-3A6F-42AF-AB1A-21EEAB08BD84}" type="presOf" srcId="{2B7ED56E-EBC9-461A-8FD4-163FA2169B7C}" destId="{9C41D13D-9CC8-48E3-B766-D9CB4071F417}" srcOrd="0" destOrd="0" presId="urn:microsoft.com/office/officeart/2005/8/layout/vList5"/>
-    <dgm:cxn modelId="{BF555944-BDA0-488C-8626-E7431C0B2A69}" srcId="{1C600E66-A0CB-470F-8514-C91590285CB3}" destId="{2B7ED56E-EBC9-461A-8FD4-163FA2169B7C}" srcOrd="2" destOrd="0" parTransId="{C71D7821-CC2C-4ED6-BFBE-FAE3CC2E8DA1}" sibTransId="{CD9A4AA0-7D39-41C7-9C1A-118ECBD08BD8}"/>
     <dgm:cxn modelId="{5164DF79-C7E6-4470-A977-53A07031A3C0}" type="presOf" srcId="{1C600E66-A0CB-470F-8514-C91590285CB3}" destId="{76D6B6BC-F8F0-4466-930A-673E438AD175}" srcOrd="0" destOrd="0" presId="urn:microsoft.com/office/officeart/2005/8/layout/vList5"/>
     <dgm:cxn modelId="{99A6CC83-AE40-4A47-9C08-1C60E1C3B682}" srcId="{1C600E66-A0CB-470F-8514-C91590285CB3}" destId="{2240D41D-9269-4094-AEBC-1664425632DB}" srcOrd="1" destOrd="0" parTransId="{23766FE5-DD90-4BD8-82A9-33CBDF55210E}" sibTransId="{474E530C-8388-441E-8514-9E5C43069E6C}"/>
     <dgm:cxn modelId="{30C6AD8A-2368-4D50-9E5F-AACEB3623078}" type="presOf" srcId="{2240D41D-9269-4094-AEBC-1664425632DB}" destId="{B6CE390F-56AC-45A8-A0DF-3A7B8C2FEB1E}" srcOrd="0" destOrd="0" presId="urn:microsoft.com/office/officeart/2005/8/layout/vList5"/>
@@ -5742,9 +5896,6 @@
     <dgm:cxn modelId="{A1CEFADC-E666-418E-A8EF-60AF891E80F1}" type="presParOf" srcId="{76D6B6BC-F8F0-4466-930A-673E438AD175}" destId="{4ECE9EB2-DDA7-42FC-BF9E-18B0138FE3B5}" srcOrd="1" destOrd="0" presId="urn:microsoft.com/office/officeart/2005/8/layout/vList5"/>
     <dgm:cxn modelId="{EA31EEF1-153D-49E7-9DDC-711023DD751D}" type="presParOf" srcId="{76D6B6BC-F8F0-4466-930A-673E438AD175}" destId="{365DAA1E-0EA2-4779-BA2C-86211B24E914}" srcOrd="2" destOrd="0" presId="urn:microsoft.com/office/officeart/2005/8/layout/vList5"/>
     <dgm:cxn modelId="{6BFF6DAC-E656-484E-8838-F79ECABD3DD1}" type="presParOf" srcId="{365DAA1E-0EA2-4779-BA2C-86211B24E914}" destId="{B6CE390F-56AC-45A8-A0DF-3A7B8C2FEB1E}" srcOrd="0" destOrd="0" presId="urn:microsoft.com/office/officeart/2005/8/layout/vList5"/>
-    <dgm:cxn modelId="{D765BC93-E9CA-4FCD-9D9E-58F39FC16382}" type="presParOf" srcId="{76D6B6BC-F8F0-4466-930A-673E438AD175}" destId="{FF48DE76-B89B-4A74-A00B-7781F893FA11}" srcOrd="3" destOrd="0" presId="urn:microsoft.com/office/officeart/2005/8/layout/vList5"/>
-    <dgm:cxn modelId="{A14AD7B0-BB9C-48B0-8938-D227B4AFC8CB}" type="presParOf" srcId="{76D6B6BC-F8F0-4466-930A-673E438AD175}" destId="{3E340D75-502F-4147-A22B-12FB71A3EA65}" srcOrd="4" destOrd="0" presId="urn:microsoft.com/office/officeart/2005/8/layout/vList5"/>
-    <dgm:cxn modelId="{F4703A48-C8E3-48BF-8498-747A5B122CF1}" type="presParOf" srcId="{3E340D75-502F-4147-A22B-12FB71A3EA65}" destId="{9C41D13D-9CC8-48E3-B766-D9CB4071F417}" srcOrd="0" destOrd="0" presId="urn:microsoft.com/office/officeart/2005/8/layout/vList5"/>
   </dgm:cxnLst>
   <dgm:bg/>
   <dgm:whole/>
@@ -5771,8 +5922,8 @@
       </dsp:nvSpPr>
       <dsp:spPr>
         <a:xfrm>
-          <a:off x="2044999" y="1711"/>
-          <a:ext cx="2300624" cy="1129605"/>
+          <a:off x="2044999" y="42"/>
+          <a:ext cx="2300624" cy="1709811"/>
         </a:xfrm>
         <a:prstGeom prst="roundRect">
           <a:avLst/>
@@ -5814,12 +5965,12 @@
         </a:fontRef>
       </dsp:style>
       <dsp:txBody>
-        <a:bodyPr spcFirstLastPara="0" vert="horz" wrap="square" lIns="121920" tIns="60960" rIns="121920" bIns="60960" numCol="1" spcCol="1270" anchor="ctr" anchorCtr="0">
+        <a:bodyPr spcFirstLastPara="0" vert="horz" wrap="square" lIns="133350" tIns="66675" rIns="133350" bIns="66675" numCol="1" spcCol="1270" anchor="ctr" anchorCtr="0">
           <a:noAutofit/>
         </a:bodyPr>
         <a:lstStyle/>
         <a:p>
-          <a:pPr marL="0" lvl="0" indent="0" algn="ctr" defTabSz="1422400">
+          <a:pPr marL="0" lvl="0" indent="0" algn="ctr" defTabSz="1555750">
             <a:lnSpc>
               <a:spcPct val="90000"/>
             </a:lnSpc>
@@ -5832,14 +5983,14 @@
             <a:buNone/>
           </a:pPr>
           <a:r>
-            <a:rPr lang="en-US" sz="3200" kern="1200" dirty="0"/>
-            <a:t>Cloud Computing</a:t>
+            <a:rPr lang="en-US" sz="3500" kern="1200" dirty="0"/>
+            <a:t>Terraform</a:t>
           </a:r>
         </a:p>
       </dsp:txBody>
       <dsp:txXfrm>
-        <a:off x="2100142" y="56854"/>
-        <a:ext cx="2190338" cy="1019319"/>
+        <a:off x="2128465" y="83508"/>
+        <a:ext cx="2133692" cy="1542879"/>
       </dsp:txXfrm>
     </dsp:sp>
     <dsp:sp modelId="{B6CE390F-56AC-45A8-A0DF-3A7B8C2FEB1E}">
@@ -5849,8 +6000,8 @@
       </dsp:nvSpPr>
       <dsp:spPr>
         <a:xfrm>
-          <a:off x="2044999" y="1187797"/>
-          <a:ext cx="2300624" cy="1129605"/>
+          <a:off x="2044999" y="1795345"/>
+          <a:ext cx="2300624" cy="1709811"/>
         </a:xfrm>
         <a:prstGeom prst="roundRect">
           <a:avLst/>
@@ -5892,12 +6043,12 @@
         </a:fontRef>
       </dsp:style>
       <dsp:txBody>
-        <a:bodyPr spcFirstLastPara="0" vert="horz" wrap="square" lIns="121920" tIns="60960" rIns="121920" bIns="60960" numCol="1" spcCol="1270" anchor="ctr" anchorCtr="0">
+        <a:bodyPr spcFirstLastPara="0" vert="horz" wrap="square" lIns="133350" tIns="66675" rIns="133350" bIns="66675" numCol="1" spcCol="1270" anchor="ctr" anchorCtr="0">
           <a:noAutofit/>
         </a:bodyPr>
         <a:lstStyle/>
         <a:p>
-          <a:pPr marL="0" lvl="0" indent="0" algn="ctr" defTabSz="1422400">
+          <a:pPr marL="0" lvl="0" indent="0" algn="ctr" defTabSz="1555750">
             <a:lnSpc>
               <a:spcPct val="90000"/>
             </a:lnSpc>
@@ -5910,92 +6061,15 @@
             <a:buNone/>
           </a:pPr>
           <a:r>
-            <a:rPr lang="en-US" sz="3200" kern="1200" dirty="0"/>
-            <a:t>AWS</a:t>
+            <a:rPr lang="en-US" sz="3500" kern="1200"/>
+            <a:t>Ansible</a:t>
           </a:r>
+          <a:endParaRPr lang="en-US" sz="3500" kern="1200" dirty="0"/>
         </a:p>
       </dsp:txBody>
       <dsp:txXfrm>
-        <a:off x="2100142" y="1242940"/>
-        <a:ext cx="2190338" cy="1019319"/>
-      </dsp:txXfrm>
-    </dsp:sp>
-    <dsp:sp modelId="{9C41D13D-9CC8-48E3-B766-D9CB4071F417}">
-      <dsp:nvSpPr>
-        <dsp:cNvPr id="0" name=""/>
-        <dsp:cNvSpPr/>
-      </dsp:nvSpPr>
-      <dsp:spPr>
-        <a:xfrm>
-          <a:off x="2044999" y="2373883"/>
-          <a:ext cx="2300624" cy="1129605"/>
-        </a:xfrm>
-        <a:prstGeom prst="roundRect">
-          <a:avLst/>
-        </a:prstGeom>
-        <a:solidFill>
-          <a:schemeClr val="accent1">
-            <a:hueOff val="0"/>
-            <a:satOff val="0"/>
-            <a:lumOff val="0"/>
-            <a:alphaOff val="0"/>
-          </a:schemeClr>
-        </a:solidFill>
-        <a:ln w="12700" cap="flat" cmpd="sng" algn="ctr">
-          <a:solidFill>
-            <a:schemeClr val="lt1">
-              <a:hueOff val="0"/>
-              <a:satOff val="0"/>
-              <a:lumOff val="0"/>
-              <a:alphaOff val="0"/>
-            </a:schemeClr>
-          </a:solidFill>
-          <a:prstDash val="solid"/>
-          <a:miter lim="800000"/>
-        </a:ln>
-        <a:effectLst/>
-      </dsp:spPr>
-      <dsp:style>
-        <a:lnRef idx="2">
-          <a:scrgbClr r="0" g="0" b="0"/>
-        </a:lnRef>
-        <a:fillRef idx="1">
-          <a:scrgbClr r="0" g="0" b="0"/>
-        </a:fillRef>
-        <a:effectRef idx="0">
-          <a:scrgbClr r="0" g="0" b="0"/>
-        </a:effectRef>
-        <a:fontRef idx="minor">
-          <a:schemeClr val="lt1"/>
-        </a:fontRef>
-      </dsp:style>
-      <dsp:txBody>
-        <a:bodyPr spcFirstLastPara="0" vert="horz" wrap="square" lIns="121920" tIns="60960" rIns="121920" bIns="60960" numCol="1" spcCol="1270" anchor="ctr" anchorCtr="0">
-          <a:noAutofit/>
-        </a:bodyPr>
-        <a:lstStyle/>
-        <a:p>
-          <a:pPr marL="0" lvl="0" indent="0" algn="ctr" defTabSz="1422400">
-            <a:lnSpc>
-              <a:spcPct val="90000"/>
-            </a:lnSpc>
-            <a:spcBef>
-              <a:spcPct val="0"/>
-            </a:spcBef>
-            <a:spcAft>
-              <a:spcPct val="35000"/>
-            </a:spcAft>
-            <a:buNone/>
-          </a:pPr>
-          <a:r>
-            <a:rPr lang="en-US" sz="3200" kern="1200" dirty="0"/>
-            <a:t>Azure</a:t>
-          </a:r>
-        </a:p>
-      </dsp:txBody>
-      <dsp:txXfrm>
-        <a:off x="2100142" y="2429026"/>
-        <a:ext cx="2190338" cy="1019319"/>
+        <a:off x="2128465" y="1878811"/>
+        <a:ext cx="2133692" cy="1542879"/>
       </dsp:txXfrm>
     </dsp:sp>
   </dsp:spTree>
@@ -14260,6 +14334,269 @@
 </p:sld>
 </file>
 
+<file path=ppt/slides/slide19.xml><?xml version="1.0" encoding="utf-8"?>
+<p:sld xmlns:a="http://schemas.openxmlformats.org/drawingml/2006/main" xmlns:r="http://schemas.openxmlformats.org/officeDocument/2006/relationships" xmlns:p="http://schemas.openxmlformats.org/presentationml/2006/main">
+  <p:cSld>
+    <p:bg>
+      <p:bgPr>
+        <a:solidFill>
+          <a:schemeClr val="bg1"/>
+        </a:solidFill>
+        <a:effectLst/>
+      </p:bgPr>
+    </p:bg>
+    <p:spTree>
+      <p:nvGrpSpPr>
+        <p:cNvPr id="1" name=""/>
+        <p:cNvGrpSpPr/>
+        <p:nvPr/>
+      </p:nvGrpSpPr>
+      <p:grpSpPr>
+        <a:xfrm>
+          <a:off x="0" y="0"/>
+          <a:ext cx="0" cy="0"/>
+          <a:chOff x="0" y="0"/>
+          <a:chExt cx="0" cy="0"/>
+        </a:xfrm>
+      </p:grpSpPr>
+      <p:sp>
+        <p:nvSpPr>
+          <p:cNvPr id="9" name="Rectangle 8">
+            <a:extLst>
+              <a:ext uri="{FF2B5EF4-FFF2-40B4-BE49-F238E27FC236}">
+                <a16:creationId xmlns:a16="http://schemas.microsoft.com/office/drawing/2014/main" id="{C3896A03-3945-419A-B66B-4EE266EDD152}"/>
+              </a:ext>
+              <a:ext uri="{C183D7F6-B498-43B3-948B-1728B52AA6E4}">
+                <adec:decorative xmlns:adec="http://schemas.microsoft.com/office/drawing/2017/decorative" val="1"/>
+              </a:ext>
+            </a:extLst>
+          </p:cNvPr>
+          <p:cNvSpPr>
+            <a:spLocks noGrp="1" noRot="1" noChangeAspect="1" noMove="1" noResize="1" noEditPoints="1" noAdjustHandles="1" noChangeArrowheads="1" noChangeShapeType="1" noTextEdit="1"/>
+          </p:cNvSpPr>
+          <p:nvPr>
+            <p:extLst>
+              <p:ext uri="{386F3935-93C4-4BCD-93E2-E3B085C9AB24}">
+                <p16:designElem xmlns:p16="http://schemas.microsoft.com/office/powerpoint/2015/main" val="1"/>
+              </p:ext>
+            </p:extLst>
+          </p:nvPr>
+        </p:nvSpPr>
+        <p:spPr>
+          <a:xfrm>
+            <a:off x="10" y="0"/>
+            <a:ext cx="6083447" cy="6858001"/>
+          </a:xfrm>
+          <a:prstGeom prst="rect">
+            <a:avLst/>
+          </a:prstGeom>
+          <a:solidFill>
+            <a:schemeClr val="tx1">
+              <a:lumMod val="85000"/>
+              <a:lumOff val="15000"/>
+            </a:schemeClr>
+          </a:solidFill>
+          <a:ln>
+            <a:noFill/>
+          </a:ln>
+        </p:spPr>
+        <p:style>
+          <a:lnRef idx="2">
+            <a:schemeClr val="accent1">
+              <a:shade val="50000"/>
+            </a:schemeClr>
+          </a:lnRef>
+          <a:fillRef idx="1">
+            <a:schemeClr val="accent1"/>
+          </a:fillRef>
+          <a:effectRef idx="0">
+            <a:schemeClr val="accent1"/>
+          </a:effectRef>
+          <a:fontRef idx="minor">
+            <a:schemeClr val="lt1"/>
+          </a:fontRef>
+        </p:style>
+        <p:txBody>
+          <a:bodyPr rtlCol="0" anchor="ctr"/>
+          <a:lstStyle/>
+          <a:p>
+            <a:pPr algn="ctr"/>
+            <a:endParaRPr lang="en-US"/>
+          </a:p>
+        </p:txBody>
+      </p:sp>
+      <p:sp>
+        <p:nvSpPr>
+          <p:cNvPr id="2" name="Title 1">
+            <a:extLst>
+              <a:ext uri="{FF2B5EF4-FFF2-40B4-BE49-F238E27FC236}">
+                <a16:creationId xmlns:a16="http://schemas.microsoft.com/office/drawing/2014/main" id="{18C18207-A109-5552-1541-0ABBAA316282}"/>
+              </a:ext>
+            </a:extLst>
+          </p:cNvPr>
+          <p:cNvSpPr>
+            <a:spLocks noGrp="1"/>
+          </p:cNvSpPr>
+          <p:nvPr>
+            <p:ph type="ctrTitle"/>
+          </p:nvPr>
+        </p:nvSpPr>
+        <p:spPr>
+          <a:xfrm>
+            <a:off x="1155558" y="637762"/>
+            <a:ext cx="4284397" cy="5576770"/>
+          </a:xfrm>
+        </p:spPr>
+        <p:txBody>
+          <a:bodyPr anchor="ctr">
+            <a:normAutofit/>
+          </a:bodyPr>
+          <a:lstStyle/>
+          <a:p>
+            <a:pPr algn="l"/>
+            <a:r>
+              <a:rPr lang="en-US" sz="5600" dirty="0">
+                <a:solidFill>
+                  <a:schemeClr val="bg1"/>
+                </a:solidFill>
+              </a:rPr>
+              <a:t>Ansible</a:t>
+            </a:r>
+            <a:endParaRPr lang="ru-UA" sz="5600" dirty="0">
+              <a:solidFill>
+                <a:schemeClr val="bg1"/>
+              </a:solidFill>
+            </a:endParaRPr>
+          </a:p>
+        </p:txBody>
+      </p:sp>
+      <p:sp>
+        <p:nvSpPr>
+          <p:cNvPr id="11" name="Rectangle 10">
+            <a:extLst>
+              <a:ext uri="{FF2B5EF4-FFF2-40B4-BE49-F238E27FC236}">
+                <a16:creationId xmlns:a16="http://schemas.microsoft.com/office/drawing/2014/main" id="{B34F5AD2-EDBD-4BBD-A55C-EAFFD0C7097A}"/>
+              </a:ext>
+              <a:ext uri="{C183D7F6-B498-43B3-948B-1728B52AA6E4}">
+                <adec:decorative xmlns:adec="http://schemas.microsoft.com/office/drawing/2017/decorative" val="1"/>
+              </a:ext>
+            </a:extLst>
+          </p:cNvPr>
+          <p:cNvSpPr>
+            <a:spLocks noGrp="1" noRot="1" noChangeAspect="1" noMove="1" noResize="1" noEditPoints="1" noAdjustHandles="1" noChangeArrowheads="1" noChangeShapeType="1" noTextEdit="1"/>
+          </p:cNvSpPr>
+          <p:nvPr>
+            <p:extLst>
+              <p:ext uri="{386F3935-93C4-4BCD-93E2-E3B085C9AB24}">
+                <p16:designElem xmlns:p16="http://schemas.microsoft.com/office/powerpoint/2015/main" val="1"/>
+              </p:ext>
+            </p:extLst>
+          </p:nvPr>
+        </p:nvSpPr>
+        <p:spPr>
+          <a:xfrm>
+            <a:off x="6096000" y="0"/>
+            <a:ext cx="6095990" cy="6858001"/>
+          </a:xfrm>
+          <a:prstGeom prst="rect">
+            <a:avLst/>
+          </a:prstGeom>
+          <a:solidFill>
+            <a:schemeClr val="bg1">
+              <a:lumMod val="95000"/>
+            </a:schemeClr>
+          </a:solidFill>
+          <a:ln>
+            <a:noFill/>
+          </a:ln>
+        </p:spPr>
+        <p:style>
+          <a:lnRef idx="2">
+            <a:schemeClr val="accent1">
+              <a:shade val="50000"/>
+            </a:schemeClr>
+          </a:lnRef>
+          <a:fillRef idx="1">
+            <a:schemeClr val="accent1"/>
+          </a:fillRef>
+          <a:effectRef idx="0">
+            <a:schemeClr val="accent1"/>
+          </a:effectRef>
+          <a:fontRef idx="minor">
+            <a:schemeClr val="lt1"/>
+          </a:fontRef>
+        </p:style>
+        <p:txBody>
+          <a:bodyPr rtlCol="0" anchor="ctr"/>
+          <a:lstStyle/>
+          <a:p>
+            <a:pPr algn="ctr"/>
+            <a:endParaRPr lang="en-US"/>
+          </a:p>
+        </p:txBody>
+      </p:sp>
+      <p:sp>
+        <p:nvSpPr>
+          <p:cNvPr id="4" name="Footer Placeholder 3">
+            <a:extLst>
+              <a:ext uri="{FF2B5EF4-FFF2-40B4-BE49-F238E27FC236}">
+                <a16:creationId xmlns:a16="http://schemas.microsoft.com/office/drawing/2014/main" id="{C99D0D71-05C2-1881-DCFB-D99C1C10CBB8}"/>
+              </a:ext>
+            </a:extLst>
+          </p:cNvPr>
+          <p:cNvSpPr>
+            <a:spLocks noGrp="1"/>
+          </p:cNvSpPr>
+          <p:nvPr>
+            <p:ph type="ftr" sz="quarter" idx="11"/>
+          </p:nvPr>
+        </p:nvSpPr>
+        <p:spPr>
+          <a:xfrm rot="5400000">
+            <a:off x="-349845" y="5226028"/>
+            <a:ext cx="1663495" cy="313512"/>
+          </a:xfrm>
+        </p:spPr>
+        <p:txBody>
+          <a:bodyPr anchor="ctr">
+            <a:normAutofit/>
+          </a:bodyPr>
+          <a:lstStyle/>
+          <a:p>
+            <a:pPr algn="r">
+              <a:spcAft>
+                <a:spcPts val="600"/>
+              </a:spcAft>
+            </a:pPr>
+            <a:r>
+              <a:rPr lang="es-ES" sz="900">
+                <a:solidFill>
+                  <a:schemeClr val="bg1"/>
+                </a:solidFill>
+              </a:rPr>
+              <a:t>Step 1 - Model - ver. 1</a:t>
+            </a:r>
+            <a:endParaRPr lang="ru-UA" sz="900">
+              <a:solidFill>
+                <a:schemeClr val="bg1"/>
+              </a:solidFill>
+            </a:endParaRPr>
+          </a:p>
+        </p:txBody>
+      </p:sp>
+    </p:spTree>
+    <p:extLst>
+      <p:ext uri="{BB962C8B-B14F-4D97-AF65-F5344CB8AC3E}">
+        <p14:creationId xmlns:p14="http://schemas.microsoft.com/office/powerpoint/2010/main" val="2690505772"/>
+      </p:ext>
+    </p:extLst>
+  </p:cSld>
+  <p:clrMapOvr>
+    <a:masterClrMapping/>
+  </p:clrMapOvr>
+</p:sld>
+</file>
+
 <file path=ppt/slides/slide2.xml><?xml version="1.0" encoding="utf-8"?>
 <p:sld xmlns:a="http://schemas.openxmlformats.org/drawingml/2006/main" xmlns:r="http://schemas.openxmlformats.org/officeDocument/2006/relationships" xmlns:p="http://schemas.openxmlformats.org/presentationml/2006/main">
   <p:cSld>
@@ -14588,7 +14925,7 @@
             <p:ph idx="1"/>
             <p:extLst>
               <p:ext uri="{D42A27DB-BD31-4B8C-83A1-F6EECF244321}">
-                <p14:modId xmlns:p14="http://schemas.microsoft.com/office/powerpoint/2010/main" val="1793774275"/>
+                <p14:modId xmlns:p14="http://schemas.microsoft.com/office/powerpoint/2010/main" val="3158303876"/>
               </p:ext>
             </p:extLst>
           </p:nvPr>
@@ -14607,6 +14944,1318 @@
     <p:extLst>
       <p:ext uri="{BB962C8B-B14F-4D97-AF65-F5344CB8AC3E}">
         <p14:creationId xmlns:p14="http://schemas.microsoft.com/office/powerpoint/2010/main" val="2972731808"/>
+      </p:ext>
+    </p:extLst>
+  </p:cSld>
+  <p:clrMapOvr>
+    <a:masterClrMapping/>
+  </p:clrMapOvr>
+</p:sld>
+</file>
+
+<file path=ppt/slides/slide20.xml><?xml version="1.0" encoding="utf-8"?>
+<p:sld xmlns:a="http://schemas.openxmlformats.org/drawingml/2006/main" xmlns:r="http://schemas.openxmlformats.org/officeDocument/2006/relationships" xmlns:p="http://schemas.openxmlformats.org/presentationml/2006/main">
+  <p:cSld>
+    <p:bg>
+      <p:bgPr>
+        <a:solidFill>
+          <a:schemeClr val="bg1"/>
+        </a:solidFill>
+        <a:effectLst/>
+      </p:bgPr>
+    </p:bg>
+    <p:spTree>
+      <p:nvGrpSpPr>
+        <p:cNvPr id="1" name=""/>
+        <p:cNvGrpSpPr/>
+        <p:nvPr/>
+      </p:nvGrpSpPr>
+      <p:grpSpPr>
+        <a:xfrm>
+          <a:off x="0" y="0"/>
+          <a:ext cx="0" cy="0"/>
+          <a:chOff x="0" y="0"/>
+          <a:chExt cx="0" cy="0"/>
+        </a:xfrm>
+      </p:grpSpPr>
+      <p:sp>
+        <p:nvSpPr>
+          <p:cNvPr id="24" name="Down Arrow 7">
+            <a:extLst>
+              <a:ext uri="{FF2B5EF4-FFF2-40B4-BE49-F238E27FC236}">
+                <a16:creationId xmlns:a16="http://schemas.microsoft.com/office/drawing/2014/main" id="{D4771268-CB57-404A-9271-370EB28F6090}"/>
+              </a:ext>
+              <a:ext uri="{C183D7F6-B498-43B3-948B-1728B52AA6E4}">
+                <adec:decorative xmlns:adec="http://schemas.microsoft.com/office/drawing/2017/decorative" val="1"/>
+              </a:ext>
+            </a:extLst>
+          </p:cNvPr>
+          <p:cNvSpPr>
+            <a:spLocks noGrp="1" noRot="1" noChangeAspect="1" noMove="1" noResize="1" noEditPoints="1" noAdjustHandles="1" noChangeArrowheads="1" noChangeShapeType="1" noTextEdit="1"/>
+          </p:cNvSpPr>
+          <p:nvPr>
+            <p:extLst>
+              <p:ext uri="{386F3935-93C4-4BCD-93E2-E3B085C9AB24}">
+                <p16:designElem xmlns:p16="http://schemas.microsoft.com/office/powerpoint/2015/main" val="1"/>
+              </p:ext>
+            </p:extLst>
+          </p:nvPr>
+        </p:nvSpPr>
+        <p:spPr>
+          <a:xfrm rot="16200000">
+            <a:off x="800100" y="1491343"/>
+            <a:ext cx="3333749" cy="3499103"/>
+          </a:xfrm>
+          <a:prstGeom prst="downArrow">
+            <a:avLst>
+              <a:gd name="adj1" fmla="val 100000"/>
+              <a:gd name="adj2" fmla="val 15788"/>
+            </a:avLst>
+          </a:prstGeom>
+          <a:solidFill>
+            <a:srgbClr val="404040"/>
+          </a:solidFill>
+          <a:ln w="53975">
+            <a:noFill/>
+          </a:ln>
+        </p:spPr>
+        <p:style>
+          <a:lnRef idx="2">
+            <a:schemeClr val="accent1">
+              <a:shade val="50000"/>
+            </a:schemeClr>
+          </a:lnRef>
+          <a:fillRef idx="1">
+            <a:schemeClr val="accent1"/>
+          </a:fillRef>
+          <a:effectRef idx="0">
+            <a:schemeClr val="accent1"/>
+          </a:effectRef>
+          <a:fontRef idx="minor">
+            <a:schemeClr val="lt1"/>
+          </a:fontRef>
+        </p:style>
+        <p:txBody>
+          <a:bodyPr rtlCol="0" anchor="ctr"/>
+          <a:lstStyle/>
+          <a:p>
+            <a:pPr algn="ctr"/>
+            <a:endParaRPr lang="en-US"/>
+          </a:p>
+        </p:txBody>
+      </p:sp>
+      <p:sp>
+        <p:nvSpPr>
+          <p:cNvPr id="2" name="Title 1">
+            <a:extLst>
+              <a:ext uri="{FF2B5EF4-FFF2-40B4-BE49-F238E27FC236}">
+                <a16:creationId xmlns:a16="http://schemas.microsoft.com/office/drawing/2014/main" id="{53C5D828-9666-E312-B574-9FE965A7D6BE}"/>
+              </a:ext>
+            </a:extLst>
+          </p:cNvPr>
+          <p:cNvSpPr>
+            <a:spLocks noGrp="1"/>
+          </p:cNvSpPr>
+          <p:nvPr>
+            <p:ph type="title"/>
+          </p:nvPr>
+        </p:nvSpPr>
+        <p:spPr>
+          <a:xfrm>
+            <a:off x="889000" y="1967266"/>
+            <a:ext cx="2602345" cy="2547257"/>
+          </a:xfrm>
+          <a:noFill/>
+        </p:spPr>
+        <p:txBody>
+          <a:bodyPr vert="horz" lIns="91440" tIns="45720" rIns="91440" bIns="45720" rtlCol="0" anchor="ctr">
+            <a:normAutofit/>
+          </a:bodyPr>
+          <a:lstStyle/>
+          <a:p>
+            <a:pPr algn="ctr"/>
+            <a:r>
+              <a:rPr lang="en-US" sz="3600" dirty="0">
+                <a:solidFill>
+                  <a:srgbClr val="FFFFFF"/>
+                </a:solidFill>
+              </a:rPr>
+              <a:t>What Is Ansible?</a:t>
+            </a:r>
+            <a:endParaRPr lang="en-US" sz="3600" kern="1200" dirty="0">
+              <a:solidFill>
+                <a:srgbClr val="FFFFFF"/>
+              </a:solidFill>
+              <a:latin typeface="+mj-lt"/>
+              <a:ea typeface="+mj-ea"/>
+              <a:cs typeface="+mj-cs"/>
+            </a:endParaRPr>
+          </a:p>
+        </p:txBody>
+      </p:sp>
+      <p:sp>
+        <p:nvSpPr>
+          <p:cNvPr id="3" name="Footer Placeholder 2">
+            <a:extLst>
+              <a:ext uri="{FF2B5EF4-FFF2-40B4-BE49-F238E27FC236}">
+                <a16:creationId xmlns:a16="http://schemas.microsoft.com/office/drawing/2014/main" id="{5AA19FA0-A765-8169-03F1-928E3EF7B595}"/>
+              </a:ext>
+            </a:extLst>
+          </p:cNvPr>
+          <p:cNvSpPr>
+            <a:spLocks noGrp="1"/>
+          </p:cNvSpPr>
+          <p:nvPr>
+            <p:ph type="ftr" sz="quarter" idx="11"/>
+          </p:nvPr>
+        </p:nvSpPr>
+        <p:spPr/>
+        <p:txBody>
+          <a:bodyPr/>
+          <a:lstStyle/>
+          <a:p>
+            <a:r>
+              <a:rPr lang="es-ES"/>
+              <a:t>Step 1 - Model - ver. 1</a:t>
+            </a:r>
+            <a:endParaRPr lang="ru-UA"/>
+          </a:p>
+        </p:txBody>
+      </p:sp>
+      <p:pic>
+        <p:nvPicPr>
+          <p:cNvPr id="5" name="Picture 4">
+            <a:extLst>
+              <a:ext uri="{FF2B5EF4-FFF2-40B4-BE49-F238E27FC236}">
+                <a16:creationId xmlns:a16="http://schemas.microsoft.com/office/drawing/2014/main" id="{F532E8B4-0BE7-0CB3-9EF5-566DC21B1A9C}"/>
+              </a:ext>
+            </a:extLst>
+          </p:cNvPr>
+          <p:cNvPicPr>
+            <a:picLocks noChangeAspect="1"/>
+          </p:cNvPicPr>
+          <p:nvPr/>
+        </p:nvPicPr>
+        <p:blipFill>
+          <a:blip r:embed="rId2">
+            <a:duotone>
+              <a:schemeClr val="accent6">
+                <a:shade val="45000"/>
+                <a:satMod val="135000"/>
+              </a:schemeClr>
+              <a:prstClr val="white"/>
+            </a:duotone>
+          </a:blip>
+          <a:stretch>
+            <a:fillRect/>
+          </a:stretch>
+        </p:blipFill>
+        <p:spPr>
+          <a:xfrm>
+            <a:off x="5310187" y="697719"/>
+            <a:ext cx="5686425" cy="5086350"/>
+          </a:xfrm>
+          <a:prstGeom prst="rect">
+            <a:avLst/>
+          </a:prstGeom>
+        </p:spPr>
+      </p:pic>
+    </p:spTree>
+    <p:extLst>
+      <p:ext uri="{BB962C8B-B14F-4D97-AF65-F5344CB8AC3E}">
+        <p14:creationId xmlns:p14="http://schemas.microsoft.com/office/powerpoint/2010/main" val="3618741339"/>
+      </p:ext>
+    </p:extLst>
+  </p:cSld>
+  <p:clrMapOvr>
+    <a:masterClrMapping/>
+  </p:clrMapOvr>
+</p:sld>
+</file>
+
+<file path=ppt/slides/slide21.xml><?xml version="1.0" encoding="utf-8"?>
+<p:sld xmlns:a="http://schemas.openxmlformats.org/drawingml/2006/main" xmlns:r="http://schemas.openxmlformats.org/officeDocument/2006/relationships" xmlns:p="http://schemas.openxmlformats.org/presentationml/2006/main">
+  <p:cSld>
+    <p:bg>
+      <p:bgPr>
+        <a:solidFill>
+          <a:schemeClr val="bg1"/>
+        </a:solidFill>
+        <a:effectLst/>
+      </p:bgPr>
+    </p:bg>
+    <p:spTree>
+      <p:nvGrpSpPr>
+        <p:cNvPr id="1" name=""/>
+        <p:cNvGrpSpPr/>
+        <p:nvPr/>
+      </p:nvGrpSpPr>
+      <p:grpSpPr>
+        <a:xfrm>
+          <a:off x="0" y="0"/>
+          <a:ext cx="0" cy="0"/>
+          <a:chOff x="0" y="0"/>
+          <a:chExt cx="0" cy="0"/>
+        </a:xfrm>
+      </p:grpSpPr>
+      <p:sp>
+        <p:nvSpPr>
+          <p:cNvPr id="24" name="Down Arrow 7">
+            <a:extLst>
+              <a:ext uri="{FF2B5EF4-FFF2-40B4-BE49-F238E27FC236}">
+                <a16:creationId xmlns:a16="http://schemas.microsoft.com/office/drawing/2014/main" id="{D4771268-CB57-404A-9271-370EB28F6090}"/>
+              </a:ext>
+              <a:ext uri="{C183D7F6-B498-43B3-948B-1728B52AA6E4}">
+                <adec:decorative xmlns:adec="http://schemas.microsoft.com/office/drawing/2017/decorative" val="1"/>
+              </a:ext>
+            </a:extLst>
+          </p:cNvPr>
+          <p:cNvSpPr>
+            <a:spLocks noGrp="1" noRot="1" noChangeAspect="1" noMove="1" noResize="1" noEditPoints="1" noAdjustHandles="1" noChangeArrowheads="1" noChangeShapeType="1" noTextEdit="1"/>
+          </p:cNvSpPr>
+          <p:nvPr>
+            <p:extLst>
+              <p:ext uri="{386F3935-93C4-4BCD-93E2-E3B085C9AB24}">
+                <p16:designElem xmlns:p16="http://schemas.microsoft.com/office/powerpoint/2015/main" val="1"/>
+              </p:ext>
+            </p:extLst>
+          </p:nvPr>
+        </p:nvSpPr>
+        <p:spPr>
+          <a:xfrm rot="16200000">
+            <a:off x="800100" y="1491343"/>
+            <a:ext cx="3333749" cy="3499103"/>
+          </a:xfrm>
+          <a:prstGeom prst="downArrow">
+            <a:avLst>
+              <a:gd name="adj1" fmla="val 100000"/>
+              <a:gd name="adj2" fmla="val 15788"/>
+            </a:avLst>
+          </a:prstGeom>
+          <a:solidFill>
+            <a:srgbClr val="404040"/>
+          </a:solidFill>
+          <a:ln w="53975">
+            <a:noFill/>
+          </a:ln>
+        </p:spPr>
+        <p:style>
+          <a:lnRef idx="2">
+            <a:schemeClr val="accent1">
+              <a:shade val="50000"/>
+            </a:schemeClr>
+          </a:lnRef>
+          <a:fillRef idx="1">
+            <a:schemeClr val="accent1"/>
+          </a:fillRef>
+          <a:effectRef idx="0">
+            <a:schemeClr val="accent1"/>
+          </a:effectRef>
+          <a:fontRef idx="minor">
+            <a:schemeClr val="lt1"/>
+          </a:fontRef>
+        </p:style>
+        <p:txBody>
+          <a:bodyPr rtlCol="0" anchor="ctr"/>
+          <a:lstStyle/>
+          <a:p>
+            <a:pPr algn="ctr"/>
+            <a:endParaRPr lang="en-US"/>
+          </a:p>
+        </p:txBody>
+      </p:sp>
+      <p:sp>
+        <p:nvSpPr>
+          <p:cNvPr id="2" name="Title 1">
+            <a:extLst>
+              <a:ext uri="{FF2B5EF4-FFF2-40B4-BE49-F238E27FC236}">
+                <a16:creationId xmlns:a16="http://schemas.microsoft.com/office/drawing/2014/main" id="{53C5D828-9666-E312-B574-9FE965A7D6BE}"/>
+              </a:ext>
+            </a:extLst>
+          </p:cNvPr>
+          <p:cNvSpPr>
+            <a:spLocks noGrp="1"/>
+          </p:cNvSpPr>
+          <p:nvPr>
+            <p:ph type="title"/>
+          </p:nvPr>
+        </p:nvSpPr>
+        <p:spPr>
+          <a:xfrm>
+            <a:off x="889000" y="1967266"/>
+            <a:ext cx="2602345" cy="2547257"/>
+          </a:xfrm>
+          <a:noFill/>
+        </p:spPr>
+        <p:txBody>
+          <a:bodyPr vert="horz" lIns="91440" tIns="45720" rIns="91440" bIns="45720" rtlCol="0" anchor="ctr">
+            <a:normAutofit/>
+          </a:bodyPr>
+          <a:lstStyle/>
+          <a:p>
+            <a:pPr algn="ctr"/>
+            <a:r>
+              <a:rPr lang="en-US" sz="3600" dirty="0">
+                <a:solidFill>
+                  <a:srgbClr val="FFFFFF"/>
+                </a:solidFill>
+              </a:rPr>
+              <a:t>Ansible Architecture</a:t>
+            </a:r>
+            <a:endParaRPr lang="en-US" sz="3600" kern="1200" dirty="0">
+              <a:solidFill>
+                <a:srgbClr val="FFFFFF"/>
+              </a:solidFill>
+              <a:latin typeface="+mj-lt"/>
+              <a:ea typeface="+mj-ea"/>
+              <a:cs typeface="+mj-cs"/>
+            </a:endParaRPr>
+          </a:p>
+        </p:txBody>
+      </p:sp>
+      <p:sp>
+        <p:nvSpPr>
+          <p:cNvPr id="3" name="Footer Placeholder 2">
+            <a:extLst>
+              <a:ext uri="{FF2B5EF4-FFF2-40B4-BE49-F238E27FC236}">
+                <a16:creationId xmlns:a16="http://schemas.microsoft.com/office/drawing/2014/main" id="{5AA19FA0-A765-8169-03F1-928E3EF7B595}"/>
+              </a:ext>
+            </a:extLst>
+          </p:cNvPr>
+          <p:cNvSpPr>
+            <a:spLocks noGrp="1"/>
+          </p:cNvSpPr>
+          <p:nvPr>
+            <p:ph type="ftr" sz="quarter" idx="11"/>
+          </p:nvPr>
+        </p:nvSpPr>
+        <p:spPr/>
+        <p:txBody>
+          <a:bodyPr/>
+          <a:lstStyle/>
+          <a:p>
+            <a:r>
+              <a:rPr lang="es-ES"/>
+              <a:t>Step 1 - Model - ver. 1</a:t>
+            </a:r>
+            <a:endParaRPr lang="ru-UA"/>
+          </a:p>
+        </p:txBody>
+      </p:sp>
+      <p:pic>
+        <p:nvPicPr>
+          <p:cNvPr id="4" name="Picture 3">
+            <a:extLst>
+              <a:ext uri="{FF2B5EF4-FFF2-40B4-BE49-F238E27FC236}">
+                <a16:creationId xmlns:a16="http://schemas.microsoft.com/office/drawing/2014/main" id="{28A2D3FD-7D05-8035-871B-BC18824DA49F}"/>
+              </a:ext>
+            </a:extLst>
+          </p:cNvPr>
+          <p:cNvPicPr>
+            <a:picLocks noChangeAspect="1"/>
+          </p:cNvPicPr>
+          <p:nvPr/>
+        </p:nvPicPr>
+        <p:blipFill>
+          <a:blip r:embed="rId2"/>
+          <a:stretch>
+            <a:fillRect/>
+          </a:stretch>
+        </p:blipFill>
+        <p:spPr>
+          <a:xfrm>
+            <a:off x="4343400" y="1483964"/>
+            <a:ext cx="7620000" cy="3810000"/>
+          </a:xfrm>
+          <a:prstGeom prst="rect">
+            <a:avLst/>
+          </a:prstGeom>
+        </p:spPr>
+      </p:pic>
+    </p:spTree>
+    <p:extLst>
+      <p:ext uri="{BB962C8B-B14F-4D97-AF65-F5344CB8AC3E}">
+        <p14:creationId xmlns:p14="http://schemas.microsoft.com/office/powerpoint/2010/main" val="955539517"/>
+      </p:ext>
+    </p:extLst>
+  </p:cSld>
+  <p:clrMapOvr>
+    <a:masterClrMapping/>
+  </p:clrMapOvr>
+</p:sld>
+</file>
+
+<file path=ppt/slides/slide22.xml><?xml version="1.0" encoding="utf-8"?>
+<p:sld xmlns:a="http://schemas.openxmlformats.org/drawingml/2006/main" xmlns:r="http://schemas.openxmlformats.org/officeDocument/2006/relationships" xmlns:p="http://schemas.openxmlformats.org/presentationml/2006/main">
+  <p:cSld>
+    <p:bg>
+      <p:bgPr>
+        <a:solidFill>
+          <a:schemeClr val="bg1"/>
+        </a:solidFill>
+        <a:effectLst/>
+      </p:bgPr>
+    </p:bg>
+    <p:spTree>
+      <p:nvGrpSpPr>
+        <p:cNvPr id="1" name=""/>
+        <p:cNvGrpSpPr/>
+        <p:nvPr/>
+      </p:nvGrpSpPr>
+      <p:grpSpPr>
+        <a:xfrm>
+          <a:off x="0" y="0"/>
+          <a:ext cx="0" cy="0"/>
+          <a:chOff x="0" y="0"/>
+          <a:chExt cx="0" cy="0"/>
+        </a:xfrm>
+      </p:grpSpPr>
+      <p:sp>
+        <p:nvSpPr>
+          <p:cNvPr id="24" name="Down Arrow 7">
+            <a:extLst>
+              <a:ext uri="{FF2B5EF4-FFF2-40B4-BE49-F238E27FC236}">
+                <a16:creationId xmlns:a16="http://schemas.microsoft.com/office/drawing/2014/main" id="{D4771268-CB57-404A-9271-370EB28F6090}"/>
+              </a:ext>
+              <a:ext uri="{C183D7F6-B498-43B3-948B-1728B52AA6E4}">
+                <adec:decorative xmlns:adec="http://schemas.microsoft.com/office/drawing/2017/decorative" val="1"/>
+              </a:ext>
+            </a:extLst>
+          </p:cNvPr>
+          <p:cNvSpPr>
+            <a:spLocks noGrp="1" noRot="1" noChangeAspect="1" noMove="1" noResize="1" noEditPoints="1" noAdjustHandles="1" noChangeArrowheads="1" noChangeShapeType="1" noTextEdit="1"/>
+          </p:cNvSpPr>
+          <p:nvPr>
+            <p:extLst>
+              <p:ext uri="{386F3935-93C4-4BCD-93E2-E3B085C9AB24}">
+                <p16:designElem xmlns:p16="http://schemas.microsoft.com/office/powerpoint/2015/main" val="1"/>
+              </p:ext>
+            </p:extLst>
+          </p:nvPr>
+        </p:nvSpPr>
+        <p:spPr>
+          <a:xfrm rot="16200000">
+            <a:off x="800100" y="1491343"/>
+            <a:ext cx="3333749" cy="3499103"/>
+          </a:xfrm>
+          <a:prstGeom prst="downArrow">
+            <a:avLst>
+              <a:gd name="adj1" fmla="val 100000"/>
+              <a:gd name="adj2" fmla="val 15788"/>
+            </a:avLst>
+          </a:prstGeom>
+          <a:solidFill>
+            <a:srgbClr val="404040"/>
+          </a:solidFill>
+          <a:ln w="53975">
+            <a:noFill/>
+          </a:ln>
+        </p:spPr>
+        <p:style>
+          <a:lnRef idx="2">
+            <a:schemeClr val="accent1">
+              <a:shade val="50000"/>
+            </a:schemeClr>
+          </a:lnRef>
+          <a:fillRef idx="1">
+            <a:schemeClr val="accent1"/>
+          </a:fillRef>
+          <a:effectRef idx="0">
+            <a:schemeClr val="accent1"/>
+          </a:effectRef>
+          <a:fontRef idx="minor">
+            <a:schemeClr val="lt1"/>
+          </a:fontRef>
+        </p:style>
+        <p:txBody>
+          <a:bodyPr rtlCol="0" anchor="ctr"/>
+          <a:lstStyle/>
+          <a:p>
+            <a:pPr algn="ctr"/>
+            <a:endParaRPr lang="en-US"/>
+          </a:p>
+        </p:txBody>
+      </p:sp>
+      <p:sp>
+        <p:nvSpPr>
+          <p:cNvPr id="2" name="Title 1">
+            <a:extLst>
+              <a:ext uri="{FF2B5EF4-FFF2-40B4-BE49-F238E27FC236}">
+                <a16:creationId xmlns:a16="http://schemas.microsoft.com/office/drawing/2014/main" id="{53C5D828-9666-E312-B574-9FE965A7D6BE}"/>
+              </a:ext>
+            </a:extLst>
+          </p:cNvPr>
+          <p:cNvSpPr>
+            <a:spLocks noGrp="1"/>
+          </p:cNvSpPr>
+          <p:nvPr>
+            <p:ph type="title"/>
+          </p:nvPr>
+        </p:nvSpPr>
+        <p:spPr>
+          <a:xfrm>
+            <a:off x="889000" y="1967266"/>
+            <a:ext cx="2602345" cy="2547257"/>
+          </a:xfrm>
+          <a:noFill/>
+        </p:spPr>
+        <p:txBody>
+          <a:bodyPr vert="horz" lIns="91440" tIns="45720" rIns="91440" bIns="45720" rtlCol="0" anchor="ctr">
+            <a:normAutofit/>
+          </a:bodyPr>
+          <a:lstStyle/>
+          <a:p>
+            <a:pPr algn="ctr"/>
+            <a:r>
+              <a:rPr lang="en-US" sz="3600" dirty="0">
+                <a:solidFill>
+                  <a:srgbClr val="FFFFFF"/>
+                </a:solidFill>
+              </a:rPr>
+              <a:t>Ansible - Building an inventory</a:t>
+            </a:r>
+            <a:endParaRPr lang="en-US" sz="3600" kern="1200" dirty="0">
+              <a:solidFill>
+                <a:srgbClr val="FFFFFF"/>
+              </a:solidFill>
+              <a:latin typeface="+mj-lt"/>
+              <a:ea typeface="+mj-ea"/>
+              <a:cs typeface="+mj-cs"/>
+            </a:endParaRPr>
+          </a:p>
+        </p:txBody>
+      </p:sp>
+      <p:sp>
+        <p:nvSpPr>
+          <p:cNvPr id="3" name="Footer Placeholder 2">
+            <a:extLst>
+              <a:ext uri="{FF2B5EF4-FFF2-40B4-BE49-F238E27FC236}">
+                <a16:creationId xmlns:a16="http://schemas.microsoft.com/office/drawing/2014/main" id="{5AA19FA0-A765-8169-03F1-928E3EF7B595}"/>
+              </a:ext>
+            </a:extLst>
+          </p:cNvPr>
+          <p:cNvSpPr>
+            <a:spLocks noGrp="1"/>
+          </p:cNvSpPr>
+          <p:nvPr>
+            <p:ph type="ftr" sz="quarter" idx="11"/>
+          </p:nvPr>
+        </p:nvSpPr>
+        <p:spPr/>
+        <p:txBody>
+          <a:bodyPr/>
+          <a:lstStyle/>
+          <a:p>
+            <a:r>
+              <a:rPr lang="es-ES"/>
+              <a:t>Step 1 - Model - ver. 1</a:t>
+            </a:r>
+            <a:endParaRPr lang="ru-UA"/>
+          </a:p>
+        </p:txBody>
+      </p:sp>
+      <p:pic>
+        <p:nvPicPr>
+          <p:cNvPr id="6" name="Picture 5">
+            <a:extLst>
+              <a:ext uri="{FF2B5EF4-FFF2-40B4-BE49-F238E27FC236}">
+                <a16:creationId xmlns:a16="http://schemas.microsoft.com/office/drawing/2014/main" id="{B6424C26-77F8-976F-095A-C034C68F13F1}"/>
+              </a:ext>
+            </a:extLst>
+          </p:cNvPr>
+          <p:cNvPicPr>
+            <a:picLocks noChangeAspect="1"/>
+          </p:cNvPicPr>
+          <p:nvPr/>
+        </p:nvPicPr>
+        <p:blipFill>
+          <a:blip r:embed="rId2"/>
+          <a:stretch>
+            <a:fillRect/>
+          </a:stretch>
+        </p:blipFill>
+        <p:spPr>
+          <a:xfrm>
+            <a:off x="5540735" y="1967266"/>
+            <a:ext cx="5570610" cy="2682779"/>
+          </a:xfrm>
+          <a:prstGeom prst="rect">
+            <a:avLst/>
+          </a:prstGeom>
+        </p:spPr>
+      </p:pic>
+    </p:spTree>
+    <p:extLst>
+      <p:ext uri="{BB962C8B-B14F-4D97-AF65-F5344CB8AC3E}">
+        <p14:creationId xmlns:p14="http://schemas.microsoft.com/office/powerpoint/2010/main" val="3974958853"/>
+      </p:ext>
+    </p:extLst>
+  </p:cSld>
+  <p:clrMapOvr>
+    <a:masterClrMapping/>
+  </p:clrMapOvr>
+</p:sld>
+</file>
+
+<file path=ppt/slides/slide23.xml><?xml version="1.0" encoding="utf-8"?>
+<p:sld xmlns:a="http://schemas.openxmlformats.org/drawingml/2006/main" xmlns:r="http://schemas.openxmlformats.org/officeDocument/2006/relationships" xmlns:p="http://schemas.openxmlformats.org/presentationml/2006/main">
+  <p:cSld>
+    <p:bg>
+      <p:bgPr>
+        <a:solidFill>
+          <a:schemeClr val="bg1"/>
+        </a:solidFill>
+        <a:effectLst/>
+      </p:bgPr>
+    </p:bg>
+    <p:spTree>
+      <p:nvGrpSpPr>
+        <p:cNvPr id="1" name=""/>
+        <p:cNvGrpSpPr/>
+        <p:nvPr/>
+      </p:nvGrpSpPr>
+      <p:grpSpPr>
+        <a:xfrm>
+          <a:off x="0" y="0"/>
+          <a:ext cx="0" cy="0"/>
+          <a:chOff x="0" y="0"/>
+          <a:chExt cx="0" cy="0"/>
+        </a:xfrm>
+      </p:grpSpPr>
+      <p:sp>
+        <p:nvSpPr>
+          <p:cNvPr id="24" name="Down Arrow 7">
+            <a:extLst>
+              <a:ext uri="{FF2B5EF4-FFF2-40B4-BE49-F238E27FC236}">
+                <a16:creationId xmlns:a16="http://schemas.microsoft.com/office/drawing/2014/main" id="{D4771268-CB57-404A-9271-370EB28F6090}"/>
+              </a:ext>
+              <a:ext uri="{C183D7F6-B498-43B3-948B-1728B52AA6E4}">
+                <adec:decorative xmlns:adec="http://schemas.microsoft.com/office/drawing/2017/decorative" val="1"/>
+              </a:ext>
+            </a:extLst>
+          </p:cNvPr>
+          <p:cNvSpPr>
+            <a:spLocks noGrp="1" noRot="1" noChangeAspect="1" noMove="1" noResize="1" noEditPoints="1" noAdjustHandles="1" noChangeArrowheads="1" noChangeShapeType="1" noTextEdit="1"/>
+          </p:cNvSpPr>
+          <p:nvPr>
+            <p:extLst>
+              <p:ext uri="{386F3935-93C4-4BCD-93E2-E3B085C9AB24}">
+                <p16:designElem xmlns:p16="http://schemas.microsoft.com/office/powerpoint/2015/main" val="1"/>
+              </p:ext>
+            </p:extLst>
+          </p:nvPr>
+        </p:nvSpPr>
+        <p:spPr>
+          <a:xfrm rot="16200000">
+            <a:off x="800100" y="1491343"/>
+            <a:ext cx="3333749" cy="3499103"/>
+          </a:xfrm>
+          <a:prstGeom prst="downArrow">
+            <a:avLst>
+              <a:gd name="adj1" fmla="val 100000"/>
+              <a:gd name="adj2" fmla="val 15788"/>
+            </a:avLst>
+          </a:prstGeom>
+          <a:solidFill>
+            <a:srgbClr val="404040"/>
+          </a:solidFill>
+          <a:ln w="53975">
+            <a:noFill/>
+          </a:ln>
+        </p:spPr>
+        <p:style>
+          <a:lnRef idx="2">
+            <a:schemeClr val="accent1">
+              <a:shade val="50000"/>
+            </a:schemeClr>
+          </a:lnRef>
+          <a:fillRef idx="1">
+            <a:schemeClr val="accent1"/>
+          </a:fillRef>
+          <a:effectRef idx="0">
+            <a:schemeClr val="accent1"/>
+          </a:effectRef>
+          <a:fontRef idx="minor">
+            <a:schemeClr val="lt1"/>
+          </a:fontRef>
+        </p:style>
+        <p:txBody>
+          <a:bodyPr rtlCol="0" anchor="ctr"/>
+          <a:lstStyle/>
+          <a:p>
+            <a:pPr algn="ctr"/>
+            <a:endParaRPr lang="en-US"/>
+          </a:p>
+        </p:txBody>
+      </p:sp>
+      <p:sp>
+        <p:nvSpPr>
+          <p:cNvPr id="2" name="Title 1">
+            <a:extLst>
+              <a:ext uri="{FF2B5EF4-FFF2-40B4-BE49-F238E27FC236}">
+                <a16:creationId xmlns:a16="http://schemas.microsoft.com/office/drawing/2014/main" id="{53C5D828-9666-E312-B574-9FE965A7D6BE}"/>
+              </a:ext>
+            </a:extLst>
+          </p:cNvPr>
+          <p:cNvSpPr>
+            <a:spLocks noGrp="1"/>
+          </p:cNvSpPr>
+          <p:nvPr>
+            <p:ph type="title"/>
+          </p:nvPr>
+        </p:nvSpPr>
+        <p:spPr>
+          <a:xfrm>
+            <a:off x="889000" y="1967266"/>
+            <a:ext cx="2602345" cy="2547257"/>
+          </a:xfrm>
+          <a:noFill/>
+        </p:spPr>
+        <p:txBody>
+          <a:bodyPr vert="horz" lIns="91440" tIns="45720" rIns="91440" bIns="45720" rtlCol="0" anchor="ctr">
+            <a:normAutofit/>
+          </a:bodyPr>
+          <a:lstStyle/>
+          <a:p>
+            <a:pPr algn="ctr"/>
+            <a:r>
+              <a:rPr lang="en-US" sz="3600" dirty="0">
+                <a:solidFill>
+                  <a:srgbClr val="FFFFFF"/>
+                </a:solidFill>
+              </a:rPr>
+              <a:t>Ansible - Creating a playbook</a:t>
+            </a:r>
+            <a:endParaRPr lang="en-US" sz="3600" kern="1200" dirty="0">
+              <a:solidFill>
+                <a:srgbClr val="FFFFFF"/>
+              </a:solidFill>
+              <a:latin typeface="+mj-lt"/>
+              <a:ea typeface="+mj-ea"/>
+              <a:cs typeface="+mj-cs"/>
+            </a:endParaRPr>
+          </a:p>
+        </p:txBody>
+      </p:sp>
+      <p:sp>
+        <p:nvSpPr>
+          <p:cNvPr id="3" name="Footer Placeholder 2">
+            <a:extLst>
+              <a:ext uri="{FF2B5EF4-FFF2-40B4-BE49-F238E27FC236}">
+                <a16:creationId xmlns:a16="http://schemas.microsoft.com/office/drawing/2014/main" id="{5AA19FA0-A765-8169-03F1-928E3EF7B595}"/>
+              </a:ext>
+            </a:extLst>
+          </p:cNvPr>
+          <p:cNvSpPr>
+            <a:spLocks noGrp="1"/>
+          </p:cNvSpPr>
+          <p:nvPr>
+            <p:ph type="ftr" sz="quarter" idx="11"/>
+          </p:nvPr>
+        </p:nvSpPr>
+        <p:spPr/>
+        <p:txBody>
+          <a:bodyPr/>
+          <a:lstStyle/>
+          <a:p>
+            <a:r>
+              <a:rPr lang="es-ES"/>
+              <a:t>Step 1 - Model - ver. 1</a:t>
+            </a:r>
+            <a:endParaRPr lang="ru-UA"/>
+          </a:p>
+        </p:txBody>
+      </p:sp>
+      <p:pic>
+        <p:nvPicPr>
+          <p:cNvPr id="5" name="Picture 4">
+            <a:extLst>
+              <a:ext uri="{FF2B5EF4-FFF2-40B4-BE49-F238E27FC236}">
+                <a16:creationId xmlns:a16="http://schemas.microsoft.com/office/drawing/2014/main" id="{79E04EF6-B44B-E770-0D59-0AE9905B0613}"/>
+              </a:ext>
+            </a:extLst>
+          </p:cNvPr>
+          <p:cNvPicPr>
+            <a:picLocks noChangeAspect="1"/>
+          </p:cNvPicPr>
+          <p:nvPr/>
+        </p:nvPicPr>
+        <p:blipFill>
+          <a:blip r:embed="rId2"/>
+          <a:stretch>
+            <a:fillRect/>
+          </a:stretch>
+        </p:blipFill>
+        <p:spPr>
+          <a:xfrm>
+            <a:off x="5401230" y="1861154"/>
+            <a:ext cx="5504340" cy="3403745"/>
+          </a:xfrm>
+          <a:prstGeom prst="rect">
+            <a:avLst/>
+          </a:prstGeom>
+        </p:spPr>
+      </p:pic>
+    </p:spTree>
+    <p:extLst>
+      <p:ext uri="{BB962C8B-B14F-4D97-AF65-F5344CB8AC3E}">
+        <p14:creationId xmlns:p14="http://schemas.microsoft.com/office/powerpoint/2010/main" val="3021423085"/>
+      </p:ext>
+    </p:extLst>
+  </p:cSld>
+  <p:clrMapOvr>
+    <a:masterClrMapping/>
+  </p:clrMapOvr>
+</p:sld>
+</file>
+
+<file path=ppt/slides/slide24.xml><?xml version="1.0" encoding="utf-8"?>
+<p:sld xmlns:a="http://schemas.openxmlformats.org/drawingml/2006/main" xmlns:r="http://schemas.openxmlformats.org/officeDocument/2006/relationships" xmlns:p="http://schemas.openxmlformats.org/presentationml/2006/main">
+  <p:cSld>
+    <p:bg>
+      <p:bgPr>
+        <a:solidFill>
+          <a:schemeClr val="bg1"/>
+        </a:solidFill>
+        <a:effectLst/>
+      </p:bgPr>
+    </p:bg>
+    <p:spTree>
+      <p:nvGrpSpPr>
+        <p:cNvPr id="1" name=""/>
+        <p:cNvGrpSpPr/>
+        <p:nvPr/>
+      </p:nvGrpSpPr>
+      <p:grpSpPr>
+        <a:xfrm>
+          <a:off x="0" y="0"/>
+          <a:ext cx="0" cy="0"/>
+          <a:chOff x="0" y="0"/>
+          <a:chExt cx="0" cy="0"/>
+        </a:xfrm>
+      </p:grpSpPr>
+      <p:sp>
+        <p:nvSpPr>
+          <p:cNvPr id="24" name="Down Arrow 7">
+            <a:extLst>
+              <a:ext uri="{FF2B5EF4-FFF2-40B4-BE49-F238E27FC236}">
+                <a16:creationId xmlns:a16="http://schemas.microsoft.com/office/drawing/2014/main" id="{D4771268-CB57-404A-9271-370EB28F6090}"/>
+              </a:ext>
+              <a:ext uri="{C183D7F6-B498-43B3-948B-1728B52AA6E4}">
+                <adec:decorative xmlns:adec="http://schemas.microsoft.com/office/drawing/2017/decorative" val="1"/>
+              </a:ext>
+            </a:extLst>
+          </p:cNvPr>
+          <p:cNvSpPr>
+            <a:spLocks noGrp="1" noRot="1" noChangeAspect="1" noMove="1" noResize="1" noEditPoints="1" noAdjustHandles="1" noChangeArrowheads="1" noChangeShapeType="1" noTextEdit="1"/>
+          </p:cNvSpPr>
+          <p:nvPr>
+            <p:extLst>
+              <p:ext uri="{386F3935-93C4-4BCD-93E2-E3B085C9AB24}">
+                <p16:designElem xmlns:p16="http://schemas.microsoft.com/office/powerpoint/2015/main" val="1"/>
+              </p:ext>
+            </p:extLst>
+          </p:nvPr>
+        </p:nvSpPr>
+        <p:spPr>
+          <a:xfrm rot="16200000">
+            <a:off x="800100" y="1491343"/>
+            <a:ext cx="3333749" cy="3499103"/>
+          </a:xfrm>
+          <a:prstGeom prst="downArrow">
+            <a:avLst>
+              <a:gd name="adj1" fmla="val 100000"/>
+              <a:gd name="adj2" fmla="val 15788"/>
+            </a:avLst>
+          </a:prstGeom>
+          <a:solidFill>
+            <a:srgbClr val="404040"/>
+          </a:solidFill>
+          <a:ln w="53975">
+            <a:noFill/>
+          </a:ln>
+        </p:spPr>
+        <p:style>
+          <a:lnRef idx="2">
+            <a:schemeClr val="accent1">
+              <a:shade val="50000"/>
+            </a:schemeClr>
+          </a:lnRef>
+          <a:fillRef idx="1">
+            <a:schemeClr val="accent1"/>
+          </a:fillRef>
+          <a:effectRef idx="0">
+            <a:schemeClr val="accent1"/>
+          </a:effectRef>
+          <a:fontRef idx="minor">
+            <a:schemeClr val="lt1"/>
+          </a:fontRef>
+        </p:style>
+        <p:txBody>
+          <a:bodyPr rtlCol="0" anchor="ctr"/>
+          <a:lstStyle/>
+          <a:p>
+            <a:pPr algn="ctr"/>
+            <a:endParaRPr lang="en-US"/>
+          </a:p>
+        </p:txBody>
+      </p:sp>
+      <p:sp>
+        <p:nvSpPr>
+          <p:cNvPr id="2" name="Title 1">
+            <a:extLst>
+              <a:ext uri="{FF2B5EF4-FFF2-40B4-BE49-F238E27FC236}">
+                <a16:creationId xmlns:a16="http://schemas.microsoft.com/office/drawing/2014/main" id="{53C5D828-9666-E312-B574-9FE965A7D6BE}"/>
+              </a:ext>
+            </a:extLst>
+          </p:cNvPr>
+          <p:cNvSpPr>
+            <a:spLocks noGrp="1"/>
+          </p:cNvSpPr>
+          <p:nvPr>
+            <p:ph type="title"/>
+          </p:nvPr>
+        </p:nvSpPr>
+        <p:spPr>
+          <a:xfrm>
+            <a:off x="889000" y="1967266"/>
+            <a:ext cx="2602345" cy="2547257"/>
+          </a:xfrm>
+          <a:noFill/>
+        </p:spPr>
+        <p:txBody>
+          <a:bodyPr vert="horz" lIns="91440" tIns="45720" rIns="91440" bIns="45720" rtlCol="0" anchor="ctr">
+            <a:normAutofit/>
+          </a:bodyPr>
+          <a:lstStyle/>
+          <a:p>
+            <a:pPr algn="ctr"/>
+            <a:r>
+              <a:rPr lang="en-US" sz="3600" dirty="0">
+                <a:solidFill>
+                  <a:srgbClr val="FFFFFF"/>
+                </a:solidFill>
+              </a:rPr>
+              <a:t>Ansible Roles</a:t>
+            </a:r>
+            <a:endParaRPr lang="en-US" sz="3600" kern="1200" dirty="0">
+              <a:solidFill>
+                <a:srgbClr val="FFFFFF"/>
+              </a:solidFill>
+              <a:latin typeface="+mj-lt"/>
+              <a:ea typeface="+mj-ea"/>
+              <a:cs typeface="+mj-cs"/>
+            </a:endParaRPr>
+          </a:p>
+        </p:txBody>
+      </p:sp>
+      <p:sp>
+        <p:nvSpPr>
+          <p:cNvPr id="3" name="Footer Placeholder 2">
+            <a:extLst>
+              <a:ext uri="{FF2B5EF4-FFF2-40B4-BE49-F238E27FC236}">
+                <a16:creationId xmlns:a16="http://schemas.microsoft.com/office/drawing/2014/main" id="{5AA19FA0-A765-8169-03F1-928E3EF7B595}"/>
+              </a:ext>
+            </a:extLst>
+          </p:cNvPr>
+          <p:cNvSpPr>
+            <a:spLocks noGrp="1"/>
+          </p:cNvSpPr>
+          <p:nvPr>
+            <p:ph type="ftr" sz="quarter" idx="11"/>
+          </p:nvPr>
+        </p:nvSpPr>
+        <p:spPr/>
+        <p:txBody>
+          <a:bodyPr/>
+          <a:lstStyle/>
+          <a:p>
+            <a:r>
+              <a:rPr lang="es-ES"/>
+              <a:t>Step 1 - Model - ver. 1</a:t>
+            </a:r>
+            <a:endParaRPr lang="ru-UA"/>
+          </a:p>
+        </p:txBody>
+      </p:sp>
+      <p:sp>
+        <p:nvSpPr>
+          <p:cNvPr id="4" name="Rectangle 3">
+            <a:extLst>
+              <a:ext uri="{FF2B5EF4-FFF2-40B4-BE49-F238E27FC236}">
+                <a16:creationId xmlns:a16="http://schemas.microsoft.com/office/drawing/2014/main" id="{03542100-9D21-41B2-EBC8-F5312B69ACDA}"/>
+              </a:ext>
+            </a:extLst>
+          </p:cNvPr>
+          <p:cNvSpPr/>
+          <p:nvPr/>
+        </p:nvSpPr>
+        <p:spPr>
+          <a:xfrm>
+            <a:off x="5777345" y="1967266"/>
+            <a:ext cx="5084619" cy="2940503"/>
+          </a:xfrm>
+          <a:prstGeom prst="rect">
+            <a:avLst/>
+          </a:prstGeom>
+        </p:spPr>
+        <p:style>
+          <a:lnRef idx="2">
+            <a:schemeClr val="accent1">
+              <a:shade val="15000"/>
+            </a:schemeClr>
+          </a:lnRef>
+          <a:fillRef idx="1">
+            <a:schemeClr val="accent1"/>
+          </a:fillRef>
+          <a:effectRef idx="0">
+            <a:schemeClr val="accent1"/>
+          </a:effectRef>
+          <a:fontRef idx="minor">
+            <a:schemeClr val="lt1"/>
+          </a:fontRef>
+        </p:style>
+        <p:txBody>
+          <a:bodyPr rtlCol="0" anchor="ctr"/>
+          <a:lstStyle/>
+          <a:p>
+            <a:pPr algn="ctr"/>
+            <a:endParaRPr lang="ru-UA"/>
+          </a:p>
+        </p:txBody>
+      </p:sp>
+    </p:spTree>
+    <p:extLst>
+      <p:ext uri="{BB962C8B-B14F-4D97-AF65-F5344CB8AC3E}">
+        <p14:creationId xmlns:p14="http://schemas.microsoft.com/office/powerpoint/2010/main" val="816537371"/>
+      </p:ext>
+    </p:extLst>
+  </p:cSld>
+  <p:clrMapOvr>
+    <a:masterClrMapping/>
+  </p:clrMapOvr>
+</p:sld>
+</file>
+
+<file path=ppt/slides/slide25.xml><?xml version="1.0" encoding="utf-8"?>
+<p:sld xmlns:a="http://schemas.openxmlformats.org/drawingml/2006/main" xmlns:r="http://schemas.openxmlformats.org/officeDocument/2006/relationships" xmlns:p="http://schemas.openxmlformats.org/presentationml/2006/main">
+  <p:cSld>
+    <p:bg>
+      <p:bgPr>
+        <a:solidFill>
+          <a:schemeClr val="bg1"/>
+        </a:solidFill>
+        <a:effectLst/>
+      </p:bgPr>
+    </p:bg>
+    <p:spTree>
+      <p:nvGrpSpPr>
+        <p:cNvPr id="1" name=""/>
+        <p:cNvGrpSpPr/>
+        <p:nvPr/>
+      </p:nvGrpSpPr>
+      <p:grpSpPr>
+        <a:xfrm>
+          <a:off x="0" y="0"/>
+          <a:ext cx="0" cy="0"/>
+          <a:chOff x="0" y="0"/>
+          <a:chExt cx="0" cy="0"/>
+        </a:xfrm>
+      </p:grpSpPr>
+      <p:sp>
+        <p:nvSpPr>
+          <p:cNvPr id="24" name="Down Arrow 7">
+            <a:extLst>
+              <a:ext uri="{FF2B5EF4-FFF2-40B4-BE49-F238E27FC236}">
+                <a16:creationId xmlns:a16="http://schemas.microsoft.com/office/drawing/2014/main" id="{D4771268-CB57-404A-9271-370EB28F6090}"/>
+              </a:ext>
+              <a:ext uri="{C183D7F6-B498-43B3-948B-1728B52AA6E4}">
+                <adec:decorative xmlns:adec="http://schemas.microsoft.com/office/drawing/2017/decorative" val="1"/>
+              </a:ext>
+            </a:extLst>
+          </p:cNvPr>
+          <p:cNvSpPr>
+            <a:spLocks noGrp="1" noRot="1" noChangeAspect="1" noMove="1" noResize="1" noEditPoints="1" noAdjustHandles="1" noChangeArrowheads="1" noChangeShapeType="1" noTextEdit="1"/>
+          </p:cNvSpPr>
+          <p:nvPr>
+            <p:extLst>
+              <p:ext uri="{386F3935-93C4-4BCD-93E2-E3B085C9AB24}">
+                <p16:designElem xmlns:p16="http://schemas.microsoft.com/office/powerpoint/2015/main" val="1"/>
+              </p:ext>
+            </p:extLst>
+          </p:nvPr>
+        </p:nvSpPr>
+        <p:spPr>
+          <a:xfrm rot="16200000">
+            <a:off x="800100" y="1491343"/>
+            <a:ext cx="3333749" cy="3499103"/>
+          </a:xfrm>
+          <a:prstGeom prst="downArrow">
+            <a:avLst>
+              <a:gd name="adj1" fmla="val 100000"/>
+              <a:gd name="adj2" fmla="val 15788"/>
+            </a:avLst>
+          </a:prstGeom>
+          <a:solidFill>
+            <a:srgbClr val="404040"/>
+          </a:solidFill>
+          <a:ln w="53975">
+            <a:noFill/>
+          </a:ln>
+        </p:spPr>
+        <p:style>
+          <a:lnRef idx="2">
+            <a:schemeClr val="accent1">
+              <a:shade val="50000"/>
+            </a:schemeClr>
+          </a:lnRef>
+          <a:fillRef idx="1">
+            <a:schemeClr val="accent1"/>
+          </a:fillRef>
+          <a:effectRef idx="0">
+            <a:schemeClr val="accent1"/>
+          </a:effectRef>
+          <a:fontRef idx="minor">
+            <a:schemeClr val="lt1"/>
+          </a:fontRef>
+        </p:style>
+        <p:txBody>
+          <a:bodyPr rtlCol="0" anchor="ctr"/>
+          <a:lstStyle/>
+          <a:p>
+            <a:pPr algn="ctr"/>
+            <a:endParaRPr lang="en-US"/>
+          </a:p>
+        </p:txBody>
+      </p:sp>
+      <p:sp>
+        <p:nvSpPr>
+          <p:cNvPr id="2" name="Title 1">
+            <a:extLst>
+              <a:ext uri="{FF2B5EF4-FFF2-40B4-BE49-F238E27FC236}">
+                <a16:creationId xmlns:a16="http://schemas.microsoft.com/office/drawing/2014/main" id="{53C5D828-9666-E312-B574-9FE965A7D6BE}"/>
+              </a:ext>
+            </a:extLst>
+          </p:cNvPr>
+          <p:cNvSpPr>
+            <a:spLocks noGrp="1"/>
+          </p:cNvSpPr>
+          <p:nvPr>
+            <p:ph type="title"/>
+          </p:nvPr>
+        </p:nvSpPr>
+        <p:spPr>
+          <a:xfrm>
+            <a:off x="889000" y="1967266"/>
+            <a:ext cx="2602345" cy="2547257"/>
+          </a:xfrm>
+          <a:noFill/>
+        </p:spPr>
+        <p:txBody>
+          <a:bodyPr vert="horz" lIns="91440" tIns="45720" rIns="91440" bIns="45720" rtlCol="0" anchor="ctr">
+            <a:normAutofit/>
+          </a:bodyPr>
+          <a:lstStyle/>
+          <a:p>
+            <a:pPr algn="ctr"/>
+            <a:r>
+              <a:rPr lang="en-US" sz="3600" dirty="0">
+                <a:solidFill>
+                  <a:srgbClr val="FFFFFF"/>
+                </a:solidFill>
+              </a:rPr>
+              <a:t>Ansible -  Demo</a:t>
+            </a:r>
+            <a:endParaRPr lang="en-US" sz="3600" kern="1200" dirty="0">
+              <a:solidFill>
+                <a:srgbClr val="FFFFFF"/>
+              </a:solidFill>
+              <a:latin typeface="+mj-lt"/>
+              <a:ea typeface="+mj-ea"/>
+              <a:cs typeface="+mj-cs"/>
+            </a:endParaRPr>
+          </a:p>
+        </p:txBody>
+      </p:sp>
+      <p:sp>
+        <p:nvSpPr>
+          <p:cNvPr id="3" name="Footer Placeholder 2">
+            <a:extLst>
+              <a:ext uri="{FF2B5EF4-FFF2-40B4-BE49-F238E27FC236}">
+                <a16:creationId xmlns:a16="http://schemas.microsoft.com/office/drawing/2014/main" id="{5AA19FA0-A765-8169-03F1-928E3EF7B595}"/>
+              </a:ext>
+            </a:extLst>
+          </p:cNvPr>
+          <p:cNvSpPr>
+            <a:spLocks noGrp="1"/>
+          </p:cNvSpPr>
+          <p:nvPr>
+            <p:ph type="ftr" sz="quarter" idx="11"/>
+          </p:nvPr>
+        </p:nvSpPr>
+        <p:spPr/>
+        <p:txBody>
+          <a:bodyPr/>
+          <a:lstStyle/>
+          <a:p>
+            <a:r>
+              <a:rPr lang="es-ES"/>
+              <a:t>Step 1 - Model - ver. 1</a:t>
+            </a:r>
+            <a:endParaRPr lang="ru-UA"/>
+          </a:p>
+        </p:txBody>
+      </p:sp>
+      <p:sp>
+        <p:nvSpPr>
+          <p:cNvPr id="4" name="Rectangle 3">
+            <a:extLst>
+              <a:ext uri="{FF2B5EF4-FFF2-40B4-BE49-F238E27FC236}">
+                <a16:creationId xmlns:a16="http://schemas.microsoft.com/office/drawing/2014/main" id="{03542100-9D21-41B2-EBC8-F5312B69ACDA}"/>
+              </a:ext>
+            </a:extLst>
+          </p:cNvPr>
+          <p:cNvSpPr/>
+          <p:nvPr/>
+        </p:nvSpPr>
+        <p:spPr>
+          <a:xfrm>
+            <a:off x="5777345" y="1967266"/>
+            <a:ext cx="5084619" cy="2940503"/>
+          </a:xfrm>
+          <a:prstGeom prst="rect">
+            <a:avLst/>
+          </a:prstGeom>
+        </p:spPr>
+        <p:style>
+          <a:lnRef idx="2">
+            <a:schemeClr val="accent1">
+              <a:shade val="15000"/>
+            </a:schemeClr>
+          </a:lnRef>
+          <a:fillRef idx="1">
+            <a:schemeClr val="accent1"/>
+          </a:fillRef>
+          <a:effectRef idx="0">
+            <a:schemeClr val="accent1"/>
+          </a:effectRef>
+          <a:fontRef idx="minor">
+            <a:schemeClr val="lt1"/>
+          </a:fontRef>
+        </p:style>
+        <p:txBody>
+          <a:bodyPr rtlCol="0" anchor="ctr"/>
+          <a:lstStyle/>
+          <a:p>
+            <a:pPr algn="ctr"/>
+            <a:endParaRPr lang="ru-UA"/>
+          </a:p>
+        </p:txBody>
+      </p:sp>
+    </p:spTree>
+    <p:extLst>
+      <p:ext uri="{BB962C8B-B14F-4D97-AF65-F5344CB8AC3E}">
+        <p14:creationId xmlns:p14="http://schemas.microsoft.com/office/powerpoint/2010/main" val="3114329589"/>
       </p:ext>
     </p:extLst>
   </p:cSld>

--- a/Step05-Infrastructure_as_a_Code_presentation.pptx
+++ b/Step05-Infrastructure_as_a_Code_presentation.pptx
@@ -1459,6 +1459,1755 @@
     </pc:docChg>
   </pc:docChgLst>
   <pc:docChgLst>
+    <pc:chgData name="Ihor Aleksandrov" userId="c3051032-6b87-4db2-b257-777a0106fbd9" providerId="ADAL" clId="{DF783FCC-C35F-4D2C-B134-D1A27E72D448}"/>
+    <pc:docChg chg="undo custSel addSld delSld modSld sldOrd addMainMaster delMainMaster addSection modSection">
+      <pc:chgData name="Ihor Aleksandrov" userId="c3051032-6b87-4db2-b257-777a0106fbd9" providerId="ADAL" clId="{DF783FCC-C35F-4D2C-B134-D1A27E72D448}" dt="2024-01-26T13:49:38.017" v="476" actId="1076"/>
+      <pc:docMkLst>
+        <pc:docMk/>
+      </pc:docMkLst>
+      <pc:sldChg chg="modSp add del mod">
+        <pc:chgData name="Ihor Aleksandrov" userId="c3051032-6b87-4db2-b257-777a0106fbd9" providerId="ADAL" clId="{DF783FCC-C35F-4D2C-B134-D1A27E72D448}" dt="2024-01-26T09:37:02.125" v="21" actId="20577"/>
+        <pc:sldMkLst>
+          <pc:docMk/>
+          <pc:sldMk cId="552267186" sldId="256"/>
+        </pc:sldMkLst>
+        <pc:spChg chg="mod">
+          <ac:chgData name="Ihor Aleksandrov" userId="c3051032-6b87-4db2-b257-777a0106fbd9" providerId="ADAL" clId="{DF783FCC-C35F-4D2C-B134-D1A27E72D448}" dt="2024-01-26T09:37:02.125" v="21" actId="20577"/>
+          <ac:spMkLst>
+            <pc:docMk/>
+            <pc:sldMk cId="552267186" sldId="256"/>
+            <ac:spMk id="2" creationId="{18C18207-A109-5552-1541-0ABBAA316282}"/>
+          </ac:spMkLst>
+        </pc:spChg>
+      </pc:sldChg>
+      <pc:sldChg chg="addSp delSp modSp add del mod">
+        <pc:chgData name="Ihor Aleksandrov" userId="c3051032-6b87-4db2-b257-777a0106fbd9" providerId="ADAL" clId="{DF783FCC-C35F-4D2C-B134-D1A27E72D448}" dt="2024-01-26T10:34:00.196" v="47"/>
+        <pc:sldMkLst>
+          <pc:docMk/>
+          <pc:sldMk cId="4197480136" sldId="268"/>
+        </pc:sldMkLst>
+        <pc:spChg chg="mod">
+          <ac:chgData name="Ihor Aleksandrov" userId="c3051032-6b87-4db2-b257-777a0106fbd9" providerId="ADAL" clId="{DF783FCC-C35F-4D2C-B134-D1A27E72D448}" dt="2024-01-26T10:32:58.017" v="35" actId="20577"/>
+          <ac:spMkLst>
+            <pc:docMk/>
+            <pc:sldMk cId="4197480136" sldId="268"/>
+            <ac:spMk id="2" creationId="{53C5D828-9666-E312-B574-9FE965A7D6BE}"/>
+          </ac:spMkLst>
+        </pc:spChg>
+        <pc:picChg chg="add mod">
+          <ac:chgData name="Ihor Aleksandrov" userId="c3051032-6b87-4db2-b257-777a0106fbd9" providerId="ADAL" clId="{DF783FCC-C35F-4D2C-B134-D1A27E72D448}" dt="2024-01-26T10:34:00.196" v="47"/>
+          <ac:picMkLst>
+            <pc:docMk/>
+            <pc:sldMk cId="4197480136" sldId="268"/>
+            <ac:picMk id="5" creationId="{48B8D675-CA93-B1DA-C8B0-E9A8D9721494}"/>
+          </ac:picMkLst>
+        </pc:picChg>
+        <pc:picChg chg="del">
+          <ac:chgData name="Ihor Aleksandrov" userId="c3051032-6b87-4db2-b257-777a0106fbd9" providerId="ADAL" clId="{DF783FCC-C35F-4D2C-B134-D1A27E72D448}" dt="2024-01-26T10:33:12.173" v="36" actId="478"/>
+          <ac:picMkLst>
+            <pc:docMk/>
+            <pc:sldMk cId="4197480136" sldId="268"/>
+            <ac:picMk id="6" creationId="{96E01597-C9C0-8F09-1E61-63CEB43A5D58}"/>
+          </ac:picMkLst>
+        </pc:picChg>
+      </pc:sldChg>
+      <pc:sldChg chg="modSp mod">
+        <pc:chgData name="Ihor Aleksandrov" userId="c3051032-6b87-4db2-b257-777a0106fbd9" providerId="ADAL" clId="{DF783FCC-C35F-4D2C-B134-D1A27E72D448}" dt="2024-01-26T09:35:41.705" v="4"/>
+        <pc:sldMkLst>
+          <pc:docMk/>
+          <pc:sldMk cId="2052164358" sldId="302"/>
+        </pc:sldMkLst>
+        <pc:spChg chg="mod">
+          <ac:chgData name="Ihor Aleksandrov" userId="c3051032-6b87-4db2-b257-777a0106fbd9" providerId="ADAL" clId="{DF783FCC-C35F-4D2C-B134-D1A27E72D448}" dt="2024-01-26T09:35:41.705" v="4"/>
+          <ac:spMkLst>
+            <pc:docMk/>
+            <pc:sldMk cId="2052164358" sldId="302"/>
+            <ac:spMk id="2" creationId="{5DF8ECE0-DBF5-C309-B35B-C6A0C6C847B2}"/>
+          </ac:spMkLst>
+        </pc:spChg>
+      </pc:sldChg>
+      <pc:sldChg chg="modSp mod">
+        <pc:chgData name="Ihor Aleksandrov" userId="c3051032-6b87-4db2-b257-777a0106fbd9" providerId="ADAL" clId="{DF783FCC-C35F-4D2C-B134-D1A27E72D448}" dt="2024-01-26T13:46:17.622" v="472" actId="14100"/>
+        <pc:sldMkLst>
+          <pc:docMk/>
+          <pc:sldMk cId="2972731808" sldId="303"/>
+        </pc:sldMkLst>
+        <pc:graphicFrameChg chg="mod">
+          <ac:chgData name="Ihor Aleksandrov" userId="c3051032-6b87-4db2-b257-777a0106fbd9" providerId="ADAL" clId="{DF783FCC-C35F-4D2C-B134-D1A27E72D448}" dt="2024-01-26T13:46:17.622" v="472" actId="14100"/>
+          <ac:graphicFrameMkLst>
+            <pc:docMk/>
+            <pc:sldMk cId="2972731808" sldId="303"/>
+            <ac:graphicFrameMk id="50" creationId="{438840ED-2B50-ED19-12CF-99B1789AE150}"/>
+          </ac:graphicFrameMkLst>
+        </pc:graphicFrameChg>
+      </pc:sldChg>
+      <pc:sldChg chg="add del">
+        <pc:chgData name="Ihor Aleksandrov" userId="c3051032-6b87-4db2-b257-777a0106fbd9" providerId="ADAL" clId="{DF783FCC-C35F-4D2C-B134-D1A27E72D448}" dt="2024-01-26T09:36:38.278" v="7" actId="2696"/>
+        <pc:sldMkLst>
+          <pc:docMk/>
+          <pc:sldMk cId="2437677464" sldId="304"/>
+        </pc:sldMkLst>
+      </pc:sldChg>
+      <pc:sldChg chg="addSp delSp modSp add mod">
+        <pc:chgData name="Ihor Aleksandrov" userId="c3051032-6b87-4db2-b257-777a0106fbd9" providerId="ADAL" clId="{DF783FCC-C35F-4D2C-B134-D1A27E72D448}" dt="2024-01-26T10:37:47.393" v="72" actId="1076"/>
+        <pc:sldMkLst>
+          <pc:docMk/>
+          <pc:sldMk cId="2663829398" sldId="304"/>
+        </pc:sldMkLst>
+        <pc:spChg chg="mod">
+          <ac:chgData name="Ihor Aleksandrov" userId="c3051032-6b87-4db2-b257-777a0106fbd9" providerId="ADAL" clId="{DF783FCC-C35F-4D2C-B134-D1A27E72D448}" dt="2024-01-26T10:36:14.718" v="52"/>
+          <ac:spMkLst>
+            <pc:docMk/>
+            <pc:sldMk cId="2663829398" sldId="304"/>
+            <ac:spMk id="2" creationId="{53C5D828-9666-E312-B574-9FE965A7D6BE}"/>
+          </ac:spMkLst>
+        </pc:spChg>
+        <pc:picChg chg="add mod">
+          <ac:chgData name="Ihor Aleksandrov" userId="c3051032-6b87-4db2-b257-777a0106fbd9" providerId="ADAL" clId="{DF783FCC-C35F-4D2C-B134-D1A27E72D448}" dt="2024-01-26T10:37:47.393" v="72" actId="1076"/>
+          <ac:picMkLst>
+            <pc:docMk/>
+            <pc:sldMk cId="2663829398" sldId="304"/>
+            <ac:picMk id="4" creationId="{FCFA766F-83CB-5C1C-AAE0-E7EBDC3565E1}"/>
+          </ac:picMkLst>
+        </pc:picChg>
+        <pc:picChg chg="del">
+          <ac:chgData name="Ihor Aleksandrov" userId="c3051032-6b87-4db2-b257-777a0106fbd9" providerId="ADAL" clId="{DF783FCC-C35F-4D2C-B134-D1A27E72D448}" dt="2024-01-26T10:36:17.274" v="53" actId="478"/>
+          <ac:picMkLst>
+            <pc:docMk/>
+            <pc:sldMk cId="2663829398" sldId="304"/>
+            <ac:picMk id="5" creationId="{48B8D675-CA93-B1DA-C8B0-E9A8D9721494}"/>
+          </ac:picMkLst>
+        </pc:picChg>
+      </pc:sldChg>
+      <pc:sldChg chg="addSp delSp modSp add mod">
+        <pc:chgData name="Ihor Aleksandrov" userId="c3051032-6b87-4db2-b257-777a0106fbd9" providerId="ADAL" clId="{DF783FCC-C35F-4D2C-B134-D1A27E72D448}" dt="2024-01-26T11:02:50.166" v="113" actId="1036"/>
+        <pc:sldMkLst>
+          <pc:docMk/>
+          <pc:sldMk cId="90847877" sldId="305"/>
+        </pc:sldMkLst>
+        <pc:spChg chg="mod">
+          <ac:chgData name="Ihor Aleksandrov" userId="c3051032-6b87-4db2-b257-777a0106fbd9" providerId="ADAL" clId="{DF783FCC-C35F-4D2C-B134-D1A27E72D448}" dt="2024-01-26T11:00:56.843" v="75" actId="20577"/>
+          <ac:spMkLst>
+            <pc:docMk/>
+            <pc:sldMk cId="90847877" sldId="305"/>
+            <ac:spMk id="2" creationId="{53C5D828-9666-E312-B574-9FE965A7D6BE}"/>
+          </ac:spMkLst>
+        </pc:spChg>
+        <pc:picChg chg="del">
+          <ac:chgData name="Ihor Aleksandrov" userId="c3051032-6b87-4db2-b257-777a0106fbd9" providerId="ADAL" clId="{DF783FCC-C35F-4D2C-B134-D1A27E72D448}" dt="2024-01-26T11:01:32.422" v="76" actId="478"/>
+          <ac:picMkLst>
+            <pc:docMk/>
+            <pc:sldMk cId="90847877" sldId="305"/>
+            <ac:picMk id="4" creationId="{FCFA766F-83CB-5C1C-AAE0-E7EBDC3565E1}"/>
+          </ac:picMkLst>
+        </pc:picChg>
+        <pc:picChg chg="add mod">
+          <ac:chgData name="Ihor Aleksandrov" userId="c3051032-6b87-4db2-b257-777a0106fbd9" providerId="ADAL" clId="{DF783FCC-C35F-4D2C-B134-D1A27E72D448}" dt="2024-01-26T11:02:07.815" v="78" actId="1076"/>
+          <ac:picMkLst>
+            <pc:docMk/>
+            <pc:sldMk cId="90847877" sldId="305"/>
+            <ac:picMk id="6" creationId="{8E098978-CBA3-C53D-2AC7-6E736F346038}"/>
+          </ac:picMkLst>
+        </pc:picChg>
+        <pc:picChg chg="add mod">
+          <ac:chgData name="Ihor Aleksandrov" userId="c3051032-6b87-4db2-b257-777a0106fbd9" providerId="ADAL" clId="{DF783FCC-C35F-4D2C-B134-D1A27E72D448}" dt="2024-01-26T11:02:23.689" v="89" actId="1036"/>
+          <ac:picMkLst>
+            <pc:docMk/>
+            <pc:sldMk cId="90847877" sldId="305"/>
+            <ac:picMk id="8" creationId="{048150D0-EEA6-F03D-53F3-560A3ECE73ED}"/>
+          </ac:picMkLst>
+        </pc:picChg>
+        <pc:picChg chg="add mod">
+          <ac:chgData name="Ihor Aleksandrov" userId="c3051032-6b87-4db2-b257-777a0106fbd9" providerId="ADAL" clId="{DF783FCC-C35F-4D2C-B134-D1A27E72D448}" dt="2024-01-26T11:02:50.166" v="113" actId="1036"/>
+          <ac:picMkLst>
+            <pc:docMk/>
+            <pc:sldMk cId="90847877" sldId="305"/>
+            <ac:picMk id="10" creationId="{0D805EFE-1FBF-FD52-8DDC-4879878D0844}"/>
+          </ac:picMkLst>
+        </pc:picChg>
+      </pc:sldChg>
+      <pc:sldChg chg="add del">
+        <pc:chgData name="Ihor Aleksandrov" userId="c3051032-6b87-4db2-b257-777a0106fbd9" providerId="ADAL" clId="{DF783FCC-C35F-4D2C-B134-D1A27E72D448}" dt="2024-01-26T09:36:38.278" v="7" actId="2696"/>
+        <pc:sldMkLst>
+          <pc:docMk/>
+          <pc:sldMk cId="3615190178" sldId="305"/>
+        </pc:sldMkLst>
+      </pc:sldChg>
+      <pc:sldChg chg="addSp delSp modSp add mod">
+        <pc:chgData name="Ihor Aleksandrov" userId="c3051032-6b87-4db2-b257-777a0106fbd9" providerId="ADAL" clId="{DF783FCC-C35F-4D2C-B134-D1A27E72D448}" dt="2024-01-26T11:08:25.726" v="126" actId="1076"/>
+        <pc:sldMkLst>
+          <pc:docMk/>
+          <pc:sldMk cId="420494837" sldId="306"/>
+        </pc:sldMkLst>
+        <pc:spChg chg="mod">
+          <ac:chgData name="Ihor Aleksandrov" userId="c3051032-6b87-4db2-b257-777a0106fbd9" providerId="ADAL" clId="{DF783FCC-C35F-4D2C-B134-D1A27E72D448}" dt="2024-01-26T11:05:03.395" v="117" actId="20577"/>
+          <ac:spMkLst>
+            <pc:docMk/>
+            <pc:sldMk cId="420494837" sldId="306"/>
+            <ac:spMk id="2" creationId="{53C5D828-9666-E312-B574-9FE965A7D6BE}"/>
+          </ac:spMkLst>
+        </pc:spChg>
+        <pc:picChg chg="add mod">
+          <ac:chgData name="Ihor Aleksandrov" userId="c3051032-6b87-4db2-b257-777a0106fbd9" providerId="ADAL" clId="{DF783FCC-C35F-4D2C-B134-D1A27E72D448}" dt="2024-01-26T11:08:16.399" v="123" actId="1076"/>
+          <ac:picMkLst>
+            <pc:docMk/>
+            <pc:sldMk cId="420494837" sldId="306"/>
+            <ac:picMk id="5" creationId="{F9F6D8B4-95C0-C160-F6BC-F60E1B8389DC}"/>
+          </ac:picMkLst>
+        </pc:picChg>
+        <pc:picChg chg="del">
+          <ac:chgData name="Ihor Aleksandrov" userId="c3051032-6b87-4db2-b257-777a0106fbd9" providerId="ADAL" clId="{DF783FCC-C35F-4D2C-B134-D1A27E72D448}" dt="2024-01-26T11:05:47.639" v="118" actId="478"/>
+          <ac:picMkLst>
+            <pc:docMk/>
+            <pc:sldMk cId="420494837" sldId="306"/>
+            <ac:picMk id="6" creationId="{8E098978-CBA3-C53D-2AC7-6E736F346038}"/>
+          </ac:picMkLst>
+        </pc:picChg>
+        <pc:picChg chg="del">
+          <ac:chgData name="Ihor Aleksandrov" userId="c3051032-6b87-4db2-b257-777a0106fbd9" providerId="ADAL" clId="{DF783FCC-C35F-4D2C-B134-D1A27E72D448}" dt="2024-01-26T11:05:49.948" v="119" actId="478"/>
+          <ac:picMkLst>
+            <pc:docMk/>
+            <pc:sldMk cId="420494837" sldId="306"/>
+            <ac:picMk id="8" creationId="{048150D0-EEA6-F03D-53F3-560A3ECE73ED}"/>
+          </ac:picMkLst>
+        </pc:picChg>
+        <pc:picChg chg="add mod">
+          <ac:chgData name="Ihor Aleksandrov" userId="c3051032-6b87-4db2-b257-777a0106fbd9" providerId="ADAL" clId="{DF783FCC-C35F-4D2C-B134-D1A27E72D448}" dt="2024-01-26T11:08:25.726" v="126" actId="1076"/>
+          <ac:picMkLst>
+            <pc:docMk/>
+            <pc:sldMk cId="420494837" sldId="306"/>
+            <ac:picMk id="9" creationId="{8DE22683-1DCE-F916-E898-47CF6229B7CE}"/>
+          </ac:picMkLst>
+        </pc:picChg>
+        <pc:picChg chg="del">
+          <ac:chgData name="Ihor Aleksandrov" userId="c3051032-6b87-4db2-b257-777a0106fbd9" providerId="ADAL" clId="{DF783FCC-C35F-4D2C-B134-D1A27E72D448}" dt="2024-01-26T11:05:53.464" v="120" actId="478"/>
+          <ac:picMkLst>
+            <pc:docMk/>
+            <pc:sldMk cId="420494837" sldId="306"/>
+            <ac:picMk id="10" creationId="{0D805EFE-1FBF-FD52-8DDC-4879878D0844}"/>
+          </ac:picMkLst>
+        </pc:picChg>
+      </pc:sldChg>
+      <pc:sldChg chg="add del">
+        <pc:chgData name="Ihor Aleksandrov" userId="c3051032-6b87-4db2-b257-777a0106fbd9" providerId="ADAL" clId="{DF783FCC-C35F-4D2C-B134-D1A27E72D448}" dt="2024-01-26T09:36:38.278" v="7" actId="2696"/>
+        <pc:sldMkLst>
+          <pc:docMk/>
+          <pc:sldMk cId="1836256656" sldId="306"/>
+        </pc:sldMkLst>
+      </pc:sldChg>
+      <pc:sldChg chg="add del">
+        <pc:chgData name="Ihor Aleksandrov" userId="c3051032-6b87-4db2-b257-777a0106fbd9" providerId="ADAL" clId="{DF783FCC-C35F-4D2C-B134-D1A27E72D448}" dt="2024-01-26T09:36:38.278" v="7" actId="2696"/>
+        <pc:sldMkLst>
+          <pc:docMk/>
+          <pc:sldMk cId="198741980" sldId="307"/>
+        </pc:sldMkLst>
+      </pc:sldChg>
+      <pc:sldChg chg="addSp delSp modSp add mod">
+        <pc:chgData name="Ihor Aleksandrov" userId="c3051032-6b87-4db2-b257-777a0106fbd9" providerId="ADAL" clId="{DF783FCC-C35F-4D2C-B134-D1A27E72D448}" dt="2024-01-26T11:13:08.952" v="138" actId="1076"/>
+        <pc:sldMkLst>
+          <pc:docMk/>
+          <pc:sldMk cId="1938047355" sldId="307"/>
+        </pc:sldMkLst>
+        <pc:spChg chg="mod">
+          <ac:chgData name="Ihor Aleksandrov" userId="c3051032-6b87-4db2-b257-777a0106fbd9" providerId="ADAL" clId="{DF783FCC-C35F-4D2C-B134-D1A27E72D448}" dt="2024-01-26T11:11:00.832" v="133" actId="20577"/>
+          <ac:spMkLst>
+            <pc:docMk/>
+            <pc:sldMk cId="1938047355" sldId="307"/>
+            <ac:spMk id="2" creationId="{53C5D828-9666-E312-B574-9FE965A7D6BE}"/>
+          </ac:spMkLst>
+        </pc:spChg>
+        <pc:picChg chg="del">
+          <ac:chgData name="Ihor Aleksandrov" userId="c3051032-6b87-4db2-b257-777a0106fbd9" providerId="ADAL" clId="{DF783FCC-C35F-4D2C-B134-D1A27E72D448}" dt="2024-01-26T11:11:31.596" v="134" actId="478"/>
+          <ac:picMkLst>
+            <pc:docMk/>
+            <pc:sldMk cId="1938047355" sldId="307"/>
+            <ac:picMk id="5" creationId="{F9F6D8B4-95C0-C160-F6BC-F60E1B8389DC}"/>
+          </ac:picMkLst>
+        </pc:picChg>
+        <pc:picChg chg="add mod">
+          <ac:chgData name="Ihor Aleksandrov" userId="c3051032-6b87-4db2-b257-777a0106fbd9" providerId="ADAL" clId="{DF783FCC-C35F-4D2C-B134-D1A27E72D448}" dt="2024-01-26T11:13:08.952" v="138" actId="1076"/>
+          <ac:picMkLst>
+            <pc:docMk/>
+            <pc:sldMk cId="1938047355" sldId="307"/>
+            <ac:picMk id="6" creationId="{9E283F72-3A1C-C9B6-B2F7-8739C40F746A}"/>
+          </ac:picMkLst>
+        </pc:picChg>
+        <pc:picChg chg="del">
+          <ac:chgData name="Ihor Aleksandrov" userId="c3051032-6b87-4db2-b257-777a0106fbd9" providerId="ADAL" clId="{DF783FCC-C35F-4D2C-B134-D1A27E72D448}" dt="2024-01-26T11:11:33.613" v="135" actId="478"/>
+          <ac:picMkLst>
+            <pc:docMk/>
+            <pc:sldMk cId="1938047355" sldId="307"/>
+            <ac:picMk id="9" creationId="{8DE22683-1DCE-F916-E898-47CF6229B7CE}"/>
+          </ac:picMkLst>
+        </pc:picChg>
+      </pc:sldChg>
+      <pc:sldChg chg="add del">
+        <pc:chgData name="Ihor Aleksandrov" userId="c3051032-6b87-4db2-b257-777a0106fbd9" providerId="ADAL" clId="{DF783FCC-C35F-4D2C-B134-D1A27E72D448}" dt="2024-01-26T09:36:41.344" v="8" actId="2696"/>
+        <pc:sldMkLst>
+          <pc:docMk/>
+          <pc:sldMk cId="2347286244" sldId="308"/>
+        </pc:sldMkLst>
+      </pc:sldChg>
+      <pc:sldChg chg="addSp delSp modSp add mod">
+        <pc:chgData name="Ihor Aleksandrov" userId="c3051032-6b87-4db2-b257-777a0106fbd9" providerId="ADAL" clId="{DF783FCC-C35F-4D2C-B134-D1A27E72D448}" dt="2024-01-26T13:49:38.017" v="476" actId="1076"/>
+        <pc:sldMkLst>
+          <pc:docMk/>
+          <pc:sldMk cId="4274413980" sldId="308"/>
+        </pc:sldMkLst>
+        <pc:spChg chg="mod">
+          <ac:chgData name="Ihor Aleksandrov" userId="c3051032-6b87-4db2-b257-777a0106fbd9" providerId="ADAL" clId="{DF783FCC-C35F-4D2C-B134-D1A27E72D448}" dt="2024-01-26T11:17:29.617" v="150" actId="20577"/>
+          <ac:spMkLst>
+            <pc:docMk/>
+            <pc:sldMk cId="4274413980" sldId="308"/>
+            <ac:spMk id="2" creationId="{53C5D828-9666-E312-B574-9FE965A7D6BE}"/>
+          </ac:spMkLst>
+        </pc:spChg>
+        <pc:spChg chg="add del">
+          <ac:chgData name="Ihor Aleksandrov" userId="c3051032-6b87-4db2-b257-777a0106fbd9" providerId="ADAL" clId="{DF783FCC-C35F-4D2C-B134-D1A27E72D448}" dt="2024-01-26T13:49:34.226" v="475" actId="478"/>
+          <ac:spMkLst>
+            <pc:docMk/>
+            <pc:sldMk cId="4274413980" sldId="308"/>
+            <ac:spMk id="4" creationId="{91F87B49-5965-0686-132C-82FF71BF90C4}"/>
+          </ac:spMkLst>
+        </pc:spChg>
+        <pc:picChg chg="add mod">
+          <ac:chgData name="Ihor Aleksandrov" userId="c3051032-6b87-4db2-b257-777a0106fbd9" providerId="ADAL" clId="{DF783FCC-C35F-4D2C-B134-D1A27E72D448}" dt="2024-01-26T13:49:38.017" v="476" actId="1076"/>
+          <ac:picMkLst>
+            <pc:docMk/>
+            <pc:sldMk cId="4274413980" sldId="308"/>
+            <ac:picMk id="5" creationId="{CE7009DE-0262-AC3D-D9CE-67DDCC6CEE93}"/>
+          </ac:picMkLst>
+        </pc:picChg>
+        <pc:picChg chg="del">
+          <ac:chgData name="Ihor Aleksandrov" userId="c3051032-6b87-4db2-b257-777a0106fbd9" providerId="ADAL" clId="{DF783FCC-C35F-4D2C-B134-D1A27E72D448}" dt="2024-01-26T11:14:40.895" v="149" actId="478"/>
+          <ac:picMkLst>
+            <pc:docMk/>
+            <pc:sldMk cId="4274413980" sldId="308"/>
+            <ac:picMk id="6" creationId="{9E283F72-3A1C-C9B6-B2F7-8739C40F746A}"/>
+          </ac:picMkLst>
+        </pc:picChg>
+      </pc:sldChg>
+      <pc:sldChg chg="addSp delSp modSp add mod">
+        <pc:chgData name="Ihor Aleksandrov" userId="c3051032-6b87-4db2-b257-777a0106fbd9" providerId="ADAL" clId="{DF783FCC-C35F-4D2C-B134-D1A27E72D448}" dt="2024-01-26T11:21:29.316" v="167" actId="1076"/>
+        <pc:sldMkLst>
+          <pc:docMk/>
+          <pc:sldMk cId="3572219502" sldId="309"/>
+        </pc:sldMkLst>
+        <pc:spChg chg="mod">
+          <ac:chgData name="Ihor Aleksandrov" userId="c3051032-6b87-4db2-b257-777a0106fbd9" providerId="ADAL" clId="{DF783FCC-C35F-4D2C-B134-D1A27E72D448}" dt="2024-01-26T11:20:09.576" v="160" actId="20577"/>
+          <ac:spMkLst>
+            <pc:docMk/>
+            <pc:sldMk cId="3572219502" sldId="309"/>
+            <ac:spMk id="2" creationId="{53C5D828-9666-E312-B574-9FE965A7D6BE}"/>
+          </ac:spMkLst>
+        </pc:spChg>
+        <pc:spChg chg="del">
+          <ac:chgData name="Ihor Aleksandrov" userId="c3051032-6b87-4db2-b257-777a0106fbd9" providerId="ADAL" clId="{DF783FCC-C35F-4D2C-B134-D1A27E72D448}" dt="2024-01-26T11:21:20.104" v="163" actId="478"/>
+          <ac:spMkLst>
+            <pc:docMk/>
+            <pc:sldMk cId="3572219502" sldId="309"/>
+            <ac:spMk id="4" creationId="{91F87B49-5965-0686-132C-82FF71BF90C4}"/>
+          </ac:spMkLst>
+        </pc:spChg>
+        <pc:picChg chg="add mod">
+          <ac:chgData name="Ihor Aleksandrov" userId="c3051032-6b87-4db2-b257-777a0106fbd9" providerId="ADAL" clId="{DF783FCC-C35F-4D2C-B134-D1A27E72D448}" dt="2024-01-26T11:21:29.316" v="167" actId="1076"/>
+          <ac:picMkLst>
+            <pc:docMk/>
+            <pc:sldMk cId="3572219502" sldId="309"/>
+            <ac:picMk id="5" creationId="{7CADBF52-3379-A0DB-C2D3-AD13E50F4810}"/>
+          </ac:picMkLst>
+        </pc:picChg>
+      </pc:sldChg>
+      <pc:sldChg chg="addSp delSp modSp add mod">
+        <pc:chgData name="Ihor Aleksandrov" userId="c3051032-6b87-4db2-b257-777a0106fbd9" providerId="ADAL" clId="{DF783FCC-C35F-4D2C-B134-D1A27E72D448}" dt="2024-01-26T11:25:23.338" v="173" actId="1076"/>
+        <pc:sldMkLst>
+          <pc:docMk/>
+          <pc:sldMk cId="2777986827" sldId="310"/>
+        </pc:sldMkLst>
+        <pc:spChg chg="mod">
+          <ac:chgData name="Ihor Aleksandrov" userId="c3051032-6b87-4db2-b257-777a0106fbd9" providerId="ADAL" clId="{DF783FCC-C35F-4D2C-B134-D1A27E72D448}" dt="2024-01-26T11:25:12.797" v="169" actId="20577"/>
+          <ac:spMkLst>
+            <pc:docMk/>
+            <pc:sldMk cId="2777986827" sldId="310"/>
+            <ac:spMk id="2" creationId="{53C5D828-9666-E312-B574-9FE965A7D6BE}"/>
+          </ac:spMkLst>
+        </pc:spChg>
+        <pc:picChg chg="del">
+          <ac:chgData name="Ihor Aleksandrov" userId="c3051032-6b87-4db2-b257-777a0106fbd9" providerId="ADAL" clId="{DF783FCC-C35F-4D2C-B134-D1A27E72D448}" dt="2024-01-26T11:25:15.201" v="170" actId="478"/>
+          <ac:picMkLst>
+            <pc:docMk/>
+            <pc:sldMk cId="2777986827" sldId="310"/>
+            <ac:picMk id="5" creationId="{7CADBF52-3379-A0DB-C2D3-AD13E50F4810}"/>
+          </ac:picMkLst>
+        </pc:picChg>
+        <pc:picChg chg="add mod">
+          <ac:chgData name="Ihor Aleksandrov" userId="c3051032-6b87-4db2-b257-777a0106fbd9" providerId="ADAL" clId="{DF783FCC-C35F-4D2C-B134-D1A27E72D448}" dt="2024-01-26T11:25:23.338" v="173" actId="1076"/>
+          <ac:picMkLst>
+            <pc:docMk/>
+            <pc:sldMk cId="2777986827" sldId="310"/>
+            <ac:picMk id="6" creationId="{0FF2F593-A13B-5DDB-88EB-006260BEE328}"/>
+          </ac:picMkLst>
+        </pc:picChg>
+      </pc:sldChg>
+      <pc:sldChg chg="modSp add mod ord">
+        <pc:chgData name="Ihor Aleksandrov" userId="c3051032-6b87-4db2-b257-777a0106fbd9" providerId="ADAL" clId="{DF783FCC-C35F-4D2C-B134-D1A27E72D448}" dt="2024-01-26T11:50:15.315" v="188" actId="20577"/>
+        <pc:sldMkLst>
+          <pc:docMk/>
+          <pc:sldMk cId="484484455" sldId="311"/>
+        </pc:sldMkLst>
+        <pc:spChg chg="mod">
+          <ac:chgData name="Ihor Aleksandrov" userId="c3051032-6b87-4db2-b257-777a0106fbd9" providerId="ADAL" clId="{DF783FCC-C35F-4D2C-B134-D1A27E72D448}" dt="2024-01-26T11:50:15.315" v="188" actId="20577"/>
+          <ac:spMkLst>
+            <pc:docMk/>
+            <pc:sldMk cId="484484455" sldId="311"/>
+            <ac:spMk id="2" creationId="{18C18207-A109-5552-1541-0ABBAA316282}"/>
+          </ac:spMkLst>
+        </pc:spChg>
+      </pc:sldChg>
+      <pc:sldChg chg="addSp delSp modSp add mod ord">
+        <pc:chgData name="Ihor Aleksandrov" userId="c3051032-6b87-4db2-b257-777a0106fbd9" providerId="ADAL" clId="{DF783FCC-C35F-4D2C-B134-D1A27E72D448}" dt="2024-01-26T11:59:10.243" v="218" actId="1076"/>
+        <pc:sldMkLst>
+          <pc:docMk/>
+          <pc:sldMk cId="3071951183" sldId="312"/>
+        </pc:sldMkLst>
+        <pc:spChg chg="mod">
+          <ac:chgData name="Ihor Aleksandrov" userId="c3051032-6b87-4db2-b257-777a0106fbd9" providerId="ADAL" clId="{DF783FCC-C35F-4D2C-B134-D1A27E72D448}" dt="2024-01-26T11:58:37.056" v="212" actId="20577"/>
+          <ac:spMkLst>
+            <pc:docMk/>
+            <pc:sldMk cId="3071951183" sldId="312"/>
+            <ac:spMk id="2" creationId="{53C5D828-9666-E312-B574-9FE965A7D6BE}"/>
+          </ac:spMkLst>
+        </pc:spChg>
+        <pc:picChg chg="add mod">
+          <ac:chgData name="Ihor Aleksandrov" userId="c3051032-6b87-4db2-b257-777a0106fbd9" providerId="ADAL" clId="{DF783FCC-C35F-4D2C-B134-D1A27E72D448}" dt="2024-01-26T11:59:10.243" v="218" actId="1076"/>
+          <ac:picMkLst>
+            <pc:docMk/>
+            <pc:sldMk cId="3071951183" sldId="312"/>
+            <ac:picMk id="5" creationId="{A4BEC793-F7E8-D57E-E495-4A952075089A}"/>
+          </ac:picMkLst>
+        </pc:picChg>
+        <pc:picChg chg="del">
+          <ac:chgData name="Ihor Aleksandrov" userId="c3051032-6b87-4db2-b257-777a0106fbd9" providerId="ADAL" clId="{DF783FCC-C35F-4D2C-B134-D1A27E72D448}" dt="2024-01-26T11:58:39.250" v="213" actId="478"/>
+          <ac:picMkLst>
+            <pc:docMk/>
+            <pc:sldMk cId="3071951183" sldId="312"/>
+            <ac:picMk id="6" creationId="{0FF2F593-A13B-5DDB-88EB-006260BEE328}"/>
+          </ac:picMkLst>
+        </pc:picChg>
+      </pc:sldChg>
+      <pc:sldChg chg="addSp delSp modSp add mod">
+        <pc:chgData name="Ihor Aleksandrov" userId="c3051032-6b87-4db2-b257-777a0106fbd9" providerId="ADAL" clId="{DF783FCC-C35F-4D2C-B134-D1A27E72D448}" dt="2024-01-26T12:31:57.105" v="243"/>
+        <pc:sldMkLst>
+          <pc:docMk/>
+          <pc:sldMk cId="4014532755" sldId="313"/>
+        </pc:sldMkLst>
+        <pc:spChg chg="mod">
+          <ac:chgData name="Ihor Aleksandrov" userId="c3051032-6b87-4db2-b257-777a0106fbd9" providerId="ADAL" clId="{DF783FCC-C35F-4D2C-B134-D1A27E72D448}" dt="2024-01-26T12:26:21.004" v="225" actId="20577"/>
+          <ac:spMkLst>
+            <pc:docMk/>
+            <pc:sldMk cId="4014532755" sldId="313"/>
+            <ac:spMk id="2" creationId="{53C5D828-9666-E312-B574-9FE965A7D6BE}"/>
+          </ac:spMkLst>
+        </pc:spChg>
+        <pc:picChg chg="del">
+          <ac:chgData name="Ihor Aleksandrov" userId="c3051032-6b87-4db2-b257-777a0106fbd9" providerId="ADAL" clId="{DF783FCC-C35F-4D2C-B134-D1A27E72D448}" dt="2024-01-26T12:26:40.665" v="226" actId="478"/>
+          <ac:picMkLst>
+            <pc:docMk/>
+            <pc:sldMk cId="4014532755" sldId="313"/>
+            <ac:picMk id="5" creationId="{A4BEC793-F7E8-D57E-E495-4A952075089A}"/>
+          </ac:picMkLst>
+        </pc:picChg>
+        <pc:picChg chg="add mod">
+          <ac:chgData name="Ihor Aleksandrov" userId="c3051032-6b87-4db2-b257-777a0106fbd9" providerId="ADAL" clId="{DF783FCC-C35F-4D2C-B134-D1A27E72D448}" dt="2024-01-26T12:26:48.160" v="230" actId="1076"/>
+          <ac:picMkLst>
+            <pc:docMk/>
+            <pc:sldMk cId="4014532755" sldId="313"/>
+            <ac:picMk id="6" creationId="{B022E9A4-52AD-1F66-AC22-B0AE53D1145C}"/>
+          </ac:picMkLst>
+        </pc:picChg>
+        <pc:picChg chg="add mod">
+          <ac:chgData name="Ihor Aleksandrov" userId="c3051032-6b87-4db2-b257-777a0106fbd9" providerId="ADAL" clId="{DF783FCC-C35F-4D2C-B134-D1A27E72D448}" dt="2024-01-26T12:31:57.105" v="243"/>
+          <ac:picMkLst>
+            <pc:docMk/>
+            <pc:sldMk cId="4014532755" sldId="313"/>
+            <ac:picMk id="8" creationId="{C31A8AEA-045D-CA8D-2F87-86C7BC7F2140}"/>
+          </ac:picMkLst>
+        </pc:picChg>
+      </pc:sldChg>
+      <pc:sldChg chg="addSp delSp modSp add mod">
+        <pc:chgData name="Ihor Aleksandrov" userId="c3051032-6b87-4db2-b257-777a0106fbd9" providerId="ADAL" clId="{DF783FCC-C35F-4D2C-B134-D1A27E72D448}" dt="2024-01-26T12:32:51.622" v="251" actId="1076"/>
+        <pc:sldMkLst>
+          <pc:docMk/>
+          <pc:sldMk cId="2667496052" sldId="314"/>
+        </pc:sldMkLst>
+        <pc:spChg chg="mod">
+          <ac:chgData name="Ihor Aleksandrov" userId="c3051032-6b87-4db2-b257-777a0106fbd9" providerId="ADAL" clId="{DF783FCC-C35F-4D2C-B134-D1A27E72D448}" dt="2024-01-26T12:31:25.149" v="239" actId="20577"/>
+          <ac:spMkLst>
+            <pc:docMk/>
+            <pc:sldMk cId="2667496052" sldId="314"/>
+            <ac:spMk id="2" creationId="{53C5D828-9666-E312-B574-9FE965A7D6BE}"/>
+          </ac:spMkLst>
+        </pc:spChg>
+        <pc:picChg chg="add mod">
+          <ac:chgData name="Ihor Aleksandrov" userId="c3051032-6b87-4db2-b257-777a0106fbd9" providerId="ADAL" clId="{DF783FCC-C35F-4D2C-B134-D1A27E72D448}" dt="2024-01-26T12:32:22.536" v="247" actId="1076"/>
+          <ac:picMkLst>
+            <pc:docMk/>
+            <pc:sldMk cId="2667496052" sldId="314"/>
+            <ac:picMk id="5" creationId="{2A84FB53-5035-A5A9-7433-F22FB7E72F74}"/>
+          </ac:picMkLst>
+        </pc:picChg>
+        <pc:picChg chg="del">
+          <ac:chgData name="Ihor Aleksandrov" userId="c3051032-6b87-4db2-b257-777a0106fbd9" providerId="ADAL" clId="{DF783FCC-C35F-4D2C-B134-D1A27E72D448}" dt="2024-01-26T12:31:28.180" v="240" actId="478"/>
+          <ac:picMkLst>
+            <pc:docMk/>
+            <pc:sldMk cId="2667496052" sldId="314"/>
+            <ac:picMk id="6" creationId="{B022E9A4-52AD-1F66-AC22-B0AE53D1145C}"/>
+          </ac:picMkLst>
+        </pc:picChg>
+        <pc:picChg chg="add mod">
+          <ac:chgData name="Ihor Aleksandrov" userId="c3051032-6b87-4db2-b257-777a0106fbd9" providerId="ADAL" clId="{DF783FCC-C35F-4D2C-B134-D1A27E72D448}" dt="2024-01-26T12:32:51.622" v="251" actId="1076"/>
+          <ac:picMkLst>
+            <pc:docMk/>
+            <pc:sldMk cId="2667496052" sldId="314"/>
+            <ac:picMk id="8" creationId="{788EF69A-41E4-9FC3-E1EB-9468A0CB8CE3}"/>
+          </ac:picMkLst>
+        </pc:picChg>
+      </pc:sldChg>
+      <pc:sldChg chg="addSp delSp modSp add mod">
+        <pc:chgData name="Ihor Aleksandrov" userId="c3051032-6b87-4db2-b257-777a0106fbd9" providerId="ADAL" clId="{DF783FCC-C35F-4D2C-B134-D1A27E72D448}" dt="2024-01-26T12:35:46.374" v="267" actId="14100"/>
+        <pc:sldMkLst>
+          <pc:docMk/>
+          <pc:sldMk cId="2503154780" sldId="315"/>
+        </pc:sldMkLst>
+        <pc:spChg chg="mod">
+          <ac:chgData name="Ihor Aleksandrov" userId="c3051032-6b87-4db2-b257-777a0106fbd9" providerId="ADAL" clId="{DF783FCC-C35F-4D2C-B134-D1A27E72D448}" dt="2024-01-26T12:35:02.030" v="257" actId="20577"/>
+          <ac:spMkLst>
+            <pc:docMk/>
+            <pc:sldMk cId="2503154780" sldId="315"/>
+            <ac:spMk id="2" creationId="{53C5D828-9666-E312-B574-9FE965A7D6BE}"/>
+          </ac:spMkLst>
+        </pc:spChg>
+        <pc:picChg chg="del">
+          <ac:chgData name="Ihor Aleksandrov" userId="c3051032-6b87-4db2-b257-777a0106fbd9" providerId="ADAL" clId="{DF783FCC-C35F-4D2C-B134-D1A27E72D448}" dt="2024-01-26T12:35:05.874" v="258" actId="478"/>
+          <ac:picMkLst>
+            <pc:docMk/>
+            <pc:sldMk cId="2503154780" sldId="315"/>
+            <ac:picMk id="5" creationId="{2A84FB53-5035-A5A9-7433-F22FB7E72F74}"/>
+          </ac:picMkLst>
+        </pc:picChg>
+        <pc:picChg chg="add mod">
+          <ac:chgData name="Ihor Aleksandrov" userId="c3051032-6b87-4db2-b257-777a0106fbd9" providerId="ADAL" clId="{DF783FCC-C35F-4D2C-B134-D1A27E72D448}" dt="2024-01-26T12:35:23.497" v="262" actId="1076"/>
+          <ac:picMkLst>
+            <pc:docMk/>
+            <pc:sldMk cId="2503154780" sldId="315"/>
+            <ac:picMk id="6" creationId="{9A2F53BF-A25F-C5EF-07AB-3F824C4EA8C5}"/>
+          </ac:picMkLst>
+        </pc:picChg>
+        <pc:picChg chg="del">
+          <ac:chgData name="Ihor Aleksandrov" userId="c3051032-6b87-4db2-b257-777a0106fbd9" providerId="ADAL" clId="{DF783FCC-C35F-4D2C-B134-D1A27E72D448}" dt="2024-01-26T12:35:07.679" v="259" actId="478"/>
+          <ac:picMkLst>
+            <pc:docMk/>
+            <pc:sldMk cId="2503154780" sldId="315"/>
+            <ac:picMk id="8" creationId="{788EF69A-41E4-9FC3-E1EB-9468A0CB8CE3}"/>
+          </ac:picMkLst>
+        </pc:picChg>
+        <pc:picChg chg="add mod">
+          <ac:chgData name="Ihor Aleksandrov" userId="c3051032-6b87-4db2-b257-777a0106fbd9" providerId="ADAL" clId="{DF783FCC-C35F-4D2C-B134-D1A27E72D448}" dt="2024-01-26T12:35:46.374" v="267" actId="14100"/>
+          <ac:picMkLst>
+            <pc:docMk/>
+            <pc:sldMk cId="2503154780" sldId="315"/>
+            <ac:picMk id="9" creationId="{34F80E18-578A-16A9-85C5-532F9FD4B0B9}"/>
+          </ac:picMkLst>
+        </pc:picChg>
+      </pc:sldChg>
+      <pc:sldChg chg="addSp delSp modSp add mod">
+        <pc:chgData name="Ihor Aleksandrov" userId="c3051032-6b87-4db2-b257-777a0106fbd9" providerId="ADAL" clId="{DF783FCC-C35F-4D2C-B134-D1A27E72D448}" dt="2024-01-26T12:38:40.524" v="289"/>
+        <pc:sldMkLst>
+          <pc:docMk/>
+          <pc:sldMk cId="4210310787" sldId="316"/>
+        </pc:sldMkLst>
+        <pc:spChg chg="mod">
+          <ac:chgData name="Ihor Aleksandrov" userId="c3051032-6b87-4db2-b257-777a0106fbd9" providerId="ADAL" clId="{DF783FCC-C35F-4D2C-B134-D1A27E72D448}" dt="2024-01-26T12:37:58.438" v="279" actId="20577"/>
+          <ac:spMkLst>
+            <pc:docMk/>
+            <pc:sldMk cId="4210310787" sldId="316"/>
+            <ac:spMk id="2" creationId="{53C5D828-9666-E312-B574-9FE965A7D6BE}"/>
+          </ac:spMkLst>
+        </pc:spChg>
+        <pc:picChg chg="add mod">
+          <ac:chgData name="Ihor Aleksandrov" userId="c3051032-6b87-4db2-b257-777a0106fbd9" providerId="ADAL" clId="{DF783FCC-C35F-4D2C-B134-D1A27E72D448}" dt="2024-01-26T12:38:18.643" v="284" actId="1076"/>
+          <ac:picMkLst>
+            <pc:docMk/>
+            <pc:sldMk cId="4210310787" sldId="316"/>
+            <ac:picMk id="5" creationId="{8E7A6064-484E-B30C-7E3A-19B2D5316902}"/>
+          </ac:picMkLst>
+        </pc:picChg>
+        <pc:picChg chg="del">
+          <ac:chgData name="Ihor Aleksandrov" userId="c3051032-6b87-4db2-b257-777a0106fbd9" providerId="ADAL" clId="{DF783FCC-C35F-4D2C-B134-D1A27E72D448}" dt="2024-01-26T12:37:50.476" v="269" actId="478"/>
+          <ac:picMkLst>
+            <pc:docMk/>
+            <pc:sldMk cId="4210310787" sldId="316"/>
+            <ac:picMk id="6" creationId="{9A2F53BF-A25F-C5EF-07AB-3F824C4EA8C5}"/>
+          </ac:picMkLst>
+        </pc:picChg>
+        <pc:picChg chg="add mod">
+          <ac:chgData name="Ihor Aleksandrov" userId="c3051032-6b87-4db2-b257-777a0106fbd9" providerId="ADAL" clId="{DF783FCC-C35F-4D2C-B134-D1A27E72D448}" dt="2024-01-26T12:38:40.524" v="289"/>
+          <ac:picMkLst>
+            <pc:docMk/>
+            <pc:sldMk cId="4210310787" sldId="316"/>
+            <ac:picMk id="8" creationId="{5275D103-485B-C43F-327E-ED0BECCAB575}"/>
+          </ac:picMkLst>
+        </pc:picChg>
+        <pc:picChg chg="del">
+          <ac:chgData name="Ihor Aleksandrov" userId="c3051032-6b87-4db2-b257-777a0106fbd9" providerId="ADAL" clId="{DF783FCC-C35F-4D2C-B134-D1A27E72D448}" dt="2024-01-26T12:38:02.286" v="280" actId="478"/>
+          <ac:picMkLst>
+            <pc:docMk/>
+            <pc:sldMk cId="4210310787" sldId="316"/>
+            <ac:picMk id="9" creationId="{34F80E18-578A-16A9-85C5-532F9FD4B0B9}"/>
+          </ac:picMkLst>
+        </pc:picChg>
+      </pc:sldChg>
+      <pc:sldChg chg="addSp delSp modSp add mod">
+        <pc:chgData name="Ihor Aleksandrov" userId="c3051032-6b87-4db2-b257-777a0106fbd9" providerId="ADAL" clId="{DF783FCC-C35F-4D2C-B134-D1A27E72D448}" dt="2024-01-26T12:40:46.440" v="310" actId="1076"/>
+        <pc:sldMkLst>
+          <pc:docMk/>
+          <pc:sldMk cId="1401046882" sldId="317"/>
+        </pc:sldMkLst>
+        <pc:spChg chg="mod">
+          <ac:chgData name="Ihor Aleksandrov" userId="c3051032-6b87-4db2-b257-777a0106fbd9" providerId="ADAL" clId="{DF783FCC-C35F-4D2C-B134-D1A27E72D448}" dt="2024-01-26T12:39:56.941" v="299" actId="20577"/>
+          <ac:spMkLst>
+            <pc:docMk/>
+            <pc:sldMk cId="1401046882" sldId="317"/>
+            <ac:spMk id="2" creationId="{53C5D828-9666-E312-B574-9FE965A7D6BE}"/>
+          </ac:spMkLst>
+        </pc:spChg>
+        <pc:picChg chg="del">
+          <ac:chgData name="Ihor Aleksandrov" userId="c3051032-6b87-4db2-b257-777a0106fbd9" providerId="ADAL" clId="{DF783FCC-C35F-4D2C-B134-D1A27E72D448}" dt="2024-01-26T12:40:00.564" v="300" actId="478"/>
+          <ac:picMkLst>
+            <pc:docMk/>
+            <pc:sldMk cId="1401046882" sldId="317"/>
+            <ac:picMk id="5" creationId="{8E7A6064-484E-B30C-7E3A-19B2D5316902}"/>
+          </ac:picMkLst>
+        </pc:picChg>
+        <pc:picChg chg="add mod">
+          <ac:chgData name="Ihor Aleksandrov" userId="c3051032-6b87-4db2-b257-777a0106fbd9" providerId="ADAL" clId="{DF783FCC-C35F-4D2C-B134-D1A27E72D448}" dt="2024-01-26T12:40:42.603" v="309" actId="1076"/>
+          <ac:picMkLst>
+            <pc:docMk/>
+            <pc:sldMk cId="1401046882" sldId="317"/>
+            <ac:picMk id="6" creationId="{C1BEC785-1A5C-BC57-8AF1-75EF2EF4F5B0}"/>
+          </ac:picMkLst>
+        </pc:picChg>
+        <pc:picChg chg="del">
+          <ac:chgData name="Ihor Aleksandrov" userId="c3051032-6b87-4db2-b257-777a0106fbd9" providerId="ADAL" clId="{DF783FCC-C35F-4D2C-B134-D1A27E72D448}" dt="2024-01-26T12:40:02.322" v="301" actId="478"/>
+          <ac:picMkLst>
+            <pc:docMk/>
+            <pc:sldMk cId="1401046882" sldId="317"/>
+            <ac:picMk id="8" creationId="{5275D103-485B-C43F-327E-ED0BECCAB575}"/>
+          </ac:picMkLst>
+        </pc:picChg>
+        <pc:picChg chg="add mod">
+          <ac:chgData name="Ihor Aleksandrov" userId="c3051032-6b87-4db2-b257-777a0106fbd9" providerId="ADAL" clId="{DF783FCC-C35F-4D2C-B134-D1A27E72D448}" dt="2024-01-26T12:40:46.440" v="310" actId="1076"/>
+          <ac:picMkLst>
+            <pc:docMk/>
+            <pc:sldMk cId="1401046882" sldId="317"/>
+            <ac:picMk id="9" creationId="{25716AD4-AC61-DD67-E0EB-5B1D649196E5}"/>
+          </ac:picMkLst>
+        </pc:picChg>
+      </pc:sldChg>
+      <pc:sldChg chg="addSp delSp modSp add mod">
+        <pc:chgData name="Ihor Aleksandrov" userId="c3051032-6b87-4db2-b257-777a0106fbd9" providerId="ADAL" clId="{DF783FCC-C35F-4D2C-B134-D1A27E72D448}" dt="2024-01-26T12:43:27.844" v="342" actId="1076"/>
+        <pc:sldMkLst>
+          <pc:docMk/>
+          <pc:sldMk cId="701027107" sldId="318"/>
+        </pc:sldMkLst>
+        <pc:spChg chg="mod">
+          <ac:chgData name="Ihor Aleksandrov" userId="c3051032-6b87-4db2-b257-777a0106fbd9" providerId="ADAL" clId="{DF783FCC-C35F-4D2C-B134-D1A27E72D448}" dt="2024-01-26T12:42:31.864" v="330" actId="20577"/>
+          <ac:spMkLst>
+            <pc:docMk/>
+            <pc:sldMk cId="701027107" sldId="318"/>
+            <ac:spMk id="2" creationId="{53C5D828-9666-E312-B574-9FE965A7D6BE}"/>
+          </ac:spMkLst>
+        </pc:spChg>
+        <pc:picChg chg="add mod">
+          <ac:chgData name="Ihor Aleksandrov" userId="c3051032-6b87-4db2-b257-777a0106fbd9" providerId="ADAL" clId="{DF783FCC-C35F-4D2C-B134-D1A27E72D448}" dt="2024-01-26T12:43:04.267" v="336" actId="1076"/>
+          <ac:picMkLst>
+            <pc:docMk/>
+            <pc:sldMk cId="701027107" sldId="318"/>
+            <ac:picMk id="5" creationId="{C9E7A61D-7A9F-90BF-2073-99800DC02183}"/>
+          </ac:picMkLst>
+        </pc:picChg>
+        <pc:picChg chg="del">
+          <ac:chgData name="Ihor Aleksandrov" userId="c3051032-6b87-4db2-b257-777a0106fbd9" providerId="ADAL" clId="{DF783FCC-C35F-4D2C-B134-D1A27E72D448}" dt="2024-01-26T12:42:35.321" v="331" actId="478"/>
+          <ac:picMkLst>
+            <pc:docMk/>
+            <pc:sldMk cId="701027107" sldId="318"/>
+            <ac:picMk id="6" creationId="{C1BEC785-1A5C-BC57-8AF1-75EF2EF4F5B0}"/>
+          </ac:picMkLst>
+        </pc:picChg>
+        <pc:picChg chg="add mod">
+          <ac:chgData name="Ihor Aleksandrov" userId="c3051032-6b87-4db2-b257-777a0106fbd9" providerId="ADAL" clId="{DF783FCC-C35F-4D2C-B134-D1A27E72D448}" dt="2024-01-26T12:43:27.844" v="342" actId="1076"/>
+          <ac:picMkLst>
+            <pc:docMk/>
+            <pc:sldMk cId="701027107" sldId="318"/>
+            <ac:picMk id="8" creationId="{38F011CA-CFEE-3631-F749-FEC935A4A03A}"/>
+          </ac:picMkLst>
+        </pc:picChg>
+        <pc:picChg chg="del">
+          <ac:chgData name="Ihor Aleksandrov" userId="c3051032-6b87-4db2-b257-777a0106fbd9" providerId="ADAL" clId="{DF783FCC-C35F-4D2C-B134-D1A27E72D448}" dt="2024-01-26T12:42:37.555" v="332" actId="478"/>
+          <ac:picMkLst>
+            <pc:docMk/>
+            <pc:sldMk cId="701027107" sldId="318"/>
+            <ac:picMk id="9" creationId="{25716AD4-AC61-DD67-E0EB-5B1D649196E5}"/>
+          </ac:picMkLst>
+        </pc:picChg>
+      </pc:sldChg>
+      <pc:sldChg chg="addSp delSp modSp add mod">
+        <pc:chgData name="Ihor Aleksandrov" userId="c3051032-6b87-4db2-b257-777a0106fbd9" providerId="ADAL" clId="{DF783FCC-C35F-4D2C-B134-D1A27E72D448}" dt="2024-01-26T12:57:35.107" v="378" actId="1076"/>
+        <pc:sldMkLst>
+          <pc:docMk/>
+          <pc:sldMk cId="166848246" sldId="319"/>
+        </pc:sldMkLst>
+        <pc:spChg chg="mod">
+          <ac:chgData name="Ihor Aleksandrov" userId="c3051032-6b87-4db2-b257-777a0106fbd9" providerId="ADAL" clId="{DF783FCC-C35F-4D2C-B134-D1A27E72D448}" dt="2024-01-26T12:52:25.573" v="373" actId="20577"/>
+          <ac:spMkLst>
+            <pc:docMk/>
+            <pc:sldMk cId="166848246" sldId="319"/>
+            <ac:spMk id="2" creationId="{53C5D828-9666-E312-B574-9FE965A7D6BE}"/>
+          </ac:spMkLst>
+        </pc:spChg>
+        <pc:picChg chg="del">
+          <ac:chgData name="Ihor Aleksandrov" userId="c3051032-6b87-4db2-b257-777a0106fbd9" providerId="ADAL" clId="{DF783FCC-C35F-4D2C-B134-D1A27E72D448}" dt="2024-01-26T12:52:30.351" v="374" actId="478"/>
+          <ac:picMkLst>
+            <pc:docMk/>
+            <pc:sldMk cId="166848246" sldId="319"/>
+            <ac:picMk id="5" creationId="{C9E7A61D-7A9F-90BF-2073-99800DC02183}"/>
+          </ac:picMkLst>
+        </pc:picChg>
+        <pc:picChg chg="add mod">
+          <ac:chgData name="Ihor Aleksandrov" userId="c3051032-6b87-4db2-b257-777a0106fbd9" providerId="ADAL" clId="{DF783FCC-C35F-4D2C-B134-D1A27E72D448}" dt="2024-01-26T12:57:35.107" v="378" actId="1076"/>
+          <ac:picMkLst>
+            <pc:docMk/>
+            <pc:sldMk cId="166848246" sldId="319"/>
+            <ac:picMk id="6" creationId="{A6296786-68CA-315E-9A7E-1157749A9EE6}"/>
+          </ac:picMkLst>
+        </pc:picChg>
+        <pc:picChg chg="del">
+          <ac:chgData name="Ihor Aleksandrov" userId="c3051032-6b87-4db2-b257-777a0106fbd9" providerId="ADAL" clId="{DF783FCC-C35F-4D2C-B134-D1A27E72D448}" dt="2024-01-26T12:52:32.169" v="375" actId="478"/>
+          <ac:picMkLst>
+            <pc:docMk/>
+            <pc:sldMk cId="166848246" sldId="319"/>
+            <ac:picMk id="8" creationId="{38F011CA-CFEE-3631-F749-FEC935A4A03A}"/>
+          </ac:picMkLst>
+        </pc:picChg>
+      </pc:sldChg>
+      <pc:sldChg chg="addSp delSp modSp add mod">
+        <pc:chgData name="Ihor Aleksandrov" userId="c3051032-6b87-4db2-b257-777a0106fbd9" providerId="ADAL" clId="{DF783FCC-C35F-4D2C-B134-D1A27E72D448}" dt="2024-01-26T13:05:10.980" v="418" actId="22"/>
+        <pc:sldMkLst>
+          <pc:docMk/>
+          <pc:sldMk cId="2292472459" sldId="320"/>
+        </pc:sldMkLst>
+        <pc:spChg chg="mod">
+          <ac:chgData name="Ihor Aleksandrov" userId="c3051032-6b87-4db2-b257-777a0106fbd9" providerId="ADAL" clId="{DF783FCC-C35F-4D2C-B134-D1A27E72D448}" dt="2024-01-26T13:05:00.672" v="415" actId="20577"/>
+          <ac:spMkLst>
+            <pc:docMk/>
+            <pc:sldMk cId="2292472459" sldId="320"/>
+            <ac:spMk id="2" creationId="{53C5D828-9666-E312-B574-9FE965A7D6BE}"/>
+          </ac:spMkLst>
+        </pc:spChg>
+        <pc:picChg chg="add mod">
+          <ac:chgData name="Ihor Aleksandrov" userId="c3051032-6b87-4db2-b257-777a0106fbd9" providerId="ADAL" clId="{DF783FCC-C35F-4D2C-B134-D1A27E72D448}" dt="2024-01-26T13:05:03.560" v="416" actId="1076"/>
+          <ac:picMkLst>
+            <pc:docMk/>
+            <pc:sldMk cId="2292472459" sldId="320"/>
+            <ac:picMk id="5" creationId="{96D28E5B-C3E7-BFA3-AAE0-7B1931753B37}"/>
+          </ac:picMkLst>
+        </pc:picChg>
+        <pc:picChg chg="del">
+          <ac:chgData name="Ihor Aleksandrov" userId="c3051032-6b87-4db2-b257-777a0106fbd9" providerId="ADAL" clId="{DF783FCC-C35F-4D2C-B134-D1A27E72D448}" dt="2024-01-26T13:04:28.153" v="405" actId="478"/>
+          <ac:picMkLst>
+            <pc:docMk/>
+            <pc:sldMk cId="2292472459" sldId="320"/>
+            <ac:picMk id="6" creationId="{A6296786-68CA-315E-9A7E-1157749A9EE6}"/>
+          </ac:picMkLst>
+        </pc:picChg>
+        <pc:picChg chg="add del">
+          <ac:chgData name="Ihor Aleksandrov" userId="c3051032-6b87-4db2-b257-777a0106fbd9" providerId="ADAL" clId="{DF783FCC-C35F-4D2C-B134-D1A27E72D448}" dt="2024-01-26T13:05:10.980" v="418" actId="22"/>
+          <ac:picMkLst>
+            <pc:docMk/>
+            <pc:sldMk cId="2292472459" sldId="320"/>
+            <ac:picMk id="8" creationId="{554A2027-36D0-B7EA-D3DD-F719AF23123B}"/>
+          </ac:picMkLst>
+        </pc:picChg>
+      </pc:sldChg>
+      <pc:sldChg chg="addSp delSp modSp add mod">
+        <pc:chgData name="Ihor Aleksandrov" userId="c3051032-6b87-4db2-b257-777a0106fbd9" providerId="ADAL" clId="{DF783FCC-C35F-4D2C-B134-D1A27E72D448}" dt="2024-01-26T13:05:24.717" v="423" actId="1076"/>
+        <pc:sldMkLst>
+          <pc:docMk/>
+          <pc:sldMk cId="1322111015" sldId="321"/>
+        </pc:sldMkLst>
+        <pc:picChg chg="del">
+          <ac:chgData name="Ihor Aleksandrov" userId="c3051032-6b87-4db2-b257-777a0106fbd9" providerId="ADAL" clId="{DF783FCC-C35F-4D2C-B134-D1A27E72D448}" dt="2024-01-26T13:05:21.645" v="422" actId="478"/>
+          <ac:picMkLst>
+            <pc:docMk/>
+            <pc:sldMk cId="1322111015" sldId="321"/>
+            <ac:picMk id="5" creationId="{96D28E5B-C3E7-BFA3-AAE0-7B1931753B37}"/>
+          </ac:picMkLst>
+        </pc:picChg>
+        <pc:picChg chg="add mod">
+          <ac:chgData name="Ihor Aleksandrov" userId="c3051032-6b87-4db2-b257-777a0106fbd9" providerId="ADAL" clId="{DF783FCC-C35F-4D2C-B134-D1A27E72D448}" dt="2024-01-26T13:05:24.717" v="423" actId="1076"/>
+          <ac:picMkLst>
+            <pc:docMk/>
+            <pc:sldMk cId="1322111015" sldId="321"/>
+            <ac:picMk id="6" creationId="{04B218F6-449B-2F93-DB6F-C091B7A2D68D}"/>
+          </ac:picMkLst>
+        </pc:picChg>
+      </pc:sldChg>
+      <pc:sldChg chg="addSp delSp modSp add mod">
+        <pc:chgData name="Ihor Aleksandrov" userId="c3051032-6b87-4db2-b257-777a0106fbd9" providerId="ADAL" clId="{DF783FCC-C35F-4D2C-B134-D1A27E72D448}" dt="2024-01-26T13:06:32.202" v="432" actId="1076"/>
+        <pc:sldMkLst>
+          <pc:docMk/>
+          <pc:sldMk cId="3503328695" sldId="322"/>
+        </pc:sldMkLst>
+        <pc:picChg chg="add mod">
+          <ac:chgData name="Ihor Aleksandrov" userId="c3051032-6b87-4db2-b257-777a0106fbd9" providerId="ADAL" clId="{DF783FCC-C35F-4D2C-B134-D1A27E72D448}" dt="2024-01-26T13:06:25.597" v="429" actId="1076"/>
+          <ac:picMkLst>
+            <pc:docMk/>
+            <pc:sldMk cId="3503328695" sldId="322"/>
+            <ac:picMk id="5" creationId="{9C4BF8C2-EC18-9A18-0A44-8EB1C9CE1208}"/>
+          </ac:picMkLst>
+        </pc:picChg>
+        <pc:picChg chg="del">
+          <ac:chgData name="Ihor Aleksandrov" userId="c3051032-6b87-4db2-b257-777a0106fbd9" providerId="ADAL" clId="{DF783FCC-C35F-4D2C-B134-D1A27E72D448}" dt="2024-01-26T13:05:58.351" v="425" actId="478"/>
+          <ac:picMkLst>
+            <pc:docMk/>
+            <pc:sldMk cId="3503328695" sldId="322"/>
+            <ac:picMk id="6" creationId="{04B218F6-449B-2F93-DB6F-C091B7A2D68D}"/>
+          </ac:picMkLst>
+        </pc:picChg>
+        <pc:picChg chg="add mod">
+          <ac:chgData name="Ihor Aleksandrov" userId="c3051032-6b87-4db2-b257-777a0106fbd9" providerId="ADAL" clId="{DF783FCC-C35F-4D2C-B134-D1A27E72D448}" dt="2024-01-26T13:06:32.202" v="432" actId="1076"/>
+          <ac:picMkLst>
+            <pc:docMk/>
+            <pc:sldMk cId="3503328695" sldId="322"/>
+            <ac:picMk id="8" creationId="{70532B56-37B8-7540-3150-B8251ACB964C}"/>
+          </ac:picMkLst>
+        </pc:picChg>
+      </pc:sldChg>
+      <pc:sldChg chg="addSp delSp modSp add mod">
+        <pc:chgData name="Ihor Aleksandrov" userId="c3051032-6b87-4db2-b257-777a0106fbd9" providerId="ADAL" clId="{DF783FCC-C35F-4D2C-B134-D1A27E72D448}" dt="2024-01-26T13:08:01.330" v="440" actId="1076"/>
+        <pc:sldMkLst>
+          <pc:docMk/>
+          <pc:sldMk cId="362375175" sldId="323"/>
+        </pc:sldMkLst>
+        <pc:picChg chg="del">
+          <ac:chgData name="Ihor Aleksandrov" userId="c3051032-6b87-4db2-b257-777a0106fbd9" providerId="ADAL" clId="{DF783FCC-C35F-4D2C-B134-D1A27E72D448}" dt="2024-01-26T13:07:52.593" v="435" actId="478"/>
+          <ac:picMkLst>
+            <pc:docMk/>
+            <pc:sldMk cId="362375175" sldId="323"/>
+            <ac:picMk id="5" creationId="{9C4BF8C2-EC18-9A18-0A44-8EB1C9CE1208}"/>
+          </ac:picMkLst>
+        </pc:picChg>
+        <pc:picChg chg="add mod">
+          <ac:chgData name="Ihor Aleksandrov" userId="c3051032-6b87-4db2-b257-777a0106fbd9" providerId="ADAL" clId="{DF783FCC-C35F-4D2C-B134-D1A27E72D448}" dt="2024-01-26T13:08:01.330" v="440" actId="1076"/>
+          <ac:picMkLst>
+            <pc:docMk/>
+            <pc:sldMk cId="362375175" sldId="323"/>
+            <ac:picMk id="6" creationId="{BB101808-A913-0FD5-1B8C-DA75C36C2155}"/>
+          </ac:picMkLst>
+        </pc:picChg>
+        <pc:picChg chg="del">
+          <ac:chgData name="Ihor Aleksandrov" userId="c3051032-6b87-4db2-b257-777a0106fbd9" providerId="ADAL" clId="{DF783FCC-C35F-4D2C-B134-D1A27E72D448}" dt="2024-01-26T13:07:49.273" v="434" actId="478"/>
+          <ac:picMkLst>
+            <pc:docMk/>
+            <pc:sldMk cId="362375175" sldId="323"/>
+            <ac:picMk id="8" creationId="{70532B56-37B8-7540-3150-B8251ACB964C}"/>
+          </ac:picMkLst>
+        </pc:picChg>
+      </pc:sldChg>
+      <pc:sldMasterChg chg="add del addSldLayout delSldLayout">
+        <pc:chgData name="Ihor Aleksandrov" userId="c3051032-6b87-4db2-b257-777a0106fbd9" providerId="ADAL" clId="{DF783FCC-C35F-4D2C-B134-D1A27E72D448}" dt="2024-01-26T09:36:25.550" v="6" actId="2696"/>
+        <pc:sldMasterMkLst>
+          <pc:docMk/>
+          <pc:sldMasterMk cId="1579723609" sldId="2147483660"/>
+        </pc:sldMasterMkLst>
+        <pc:sldLayoutChg chg="add del">
+          <pc:chgData name="Ihor Aleksandrov" userId="c3051032-6b87-4db2-b257-777a0106fbd9" providerId="ADAL" clId="{DF783FCC-C35F-4D2C-B134-D1A27E72D448}" dt="2024-01-26T09:36:25.550" v="6" actId="2696"/>
+          <pc:sldLayoutMkLst>
+            <pc:docMk/>
+            <pc:sldMasterMk cId="1579723609" sldId="2147483660"/>
+            <pc:sldLayoutMk cId="3357226012" sldId="2147483651"/>
+          </pc:sldLayoutMkLst>
+        </pc:sldLayoutChg>
+        <pc:sldLayoutChg chg="add del">
+          <pc:chgData name="Ihor Aleksandrov" userId="c3051032-6b87-4db2-b257-777a0106fbd9" providerId="ADAL" clId="{DF783FCC-C35F-4D2C-B134-D1A27E72D448}" dt="2024-01-26T09:36:25.550" v="6" actId="2696"/>
+          <pc:sldLayoutMkLst>
+            <pc:docMk/>
+            <pc:sldMasterMk cId="1579723609" sldId="2147483660"/>
+            <pc:sldLayoutMk cId="2416164443" sldId="2147483652"/>
+          </pc:sldLayoutMkLst>
+        </pc:sldLayoutChg>
+        <pc:sldLayoutChg chg="add del">
+          <pc:chgData name="Ihor Aleksandrov" userId="c3051032-6b87-4db2-b257-777a0106fbd9" providerId="ADAL" clId="{DF783FCC-C35F-4D2C-B134-D1A27E72D448}" dt="2024-01-26T09:36:25.550" v="6" actId="2696"/>
+          <pc:sldLayoutMkLst>
+            <pc:docMk/>
+            <pc:sldMasterMk cId="1579723609" sldId="2147483660"/>
+            <pc:sldLayoutMk cId="1566824437" sldId="2147483653"/>
+          </pc:sldLayoutMkLst>
+        </pc:sldLayoutChg>
+        <pc:sldLayoutChg chg="add del">
+          <pc:chgData name="Ihor Aleksandrov" userId="c3051032-6b87-4db2-b257-777a0106fbd9" providerId="ADAL" clId="{DF783FCC-C35F-4D2C-B134-D1A27E72D448}" dt="2024-01-26T09:36:25.550" v="6" actId="2696"/>
+          <pc:sldLayoutMkLst>
+            <pc:docMk/>
+            <pc:sldMasterMk cId="1579723609" sldId="2147483660"/>
+            <pc:sldLayoutMk cId="2529685914" sldId="2147483654"/>
+          </pc:sldLayoutMkLst>
+        </pc:sldLayoutChg>
+        <pc:sldLayoutChg chg="add del">
+          <pc:chgData name="Ihor Aleksandrov" userId="c3051032-6b87-4db2-b257-777a0106fbd9" providerId="ADAL" clId="{DF783FCC-C35F-4D2C-B134-D1A27E72D448}" dt="2024-01-26T09:36:25.550" v="6" actId="2696"/>
+          <pc:sldLayoutMkLst>
+            <pc:docMk/>
+            <pc:sldMasterMk cId="1579723609" sldId="2147483660"/>
+            <pc:sldLayoutMk cId="1471059010" sldId="2147483655"/>
+          </pc:sldLayoutMkLst>
+        </pc:sldLayoutChg>
+        <pc:sldLayoutChg chg="add del">
+          <pc:chgData name="Ihor Aleksandrov" userId="c3051032-6b87-4db2-b257-777a0106fbd9" providerId="ADAL" clId="{DF783FCC-C35F-4D2C-B134-D1A27E72D448}" dt="2024-01-26T09:36:25.550" v="6" actId="2696"/>
+          <pc:sldLayoutMkLst>
+            <pc:docMk/>
+            <pc:sldMasterMk cId="1579723609" sldId="2147483660"/>
+            <pc:sldLayoutMk cId="583042130" sldId="2147483656"/>
+          </pc:sldLayoutMkLst>
+        </pc:sldLayoutChg>
+        <pc:sldLayoutChg chg="add del">
+          <pc:chgData name="Ihor Aleksandrov" userId="c3051032-6b87-4db2-b257-777a0106fbd9" providerId="ADAL" clId="{DF783FCC-C35F-4D2C-B134-D1A27E72D448}" dt="2024-01-26T09:36:25.550" v="6" actId="2696"/>
+          <pc:sldLayoutMkLst>
+            <pc:docMk/>
+            <pc:sldMasterMk cId="1579723609" sldId="2147483660"/>
+            <pc:sldLayoutMk cId="141902003" sldId="2147483657"/>
+          </pc:sldLayoutMkLst>
+        </pc:sldLayoutChg>
+        <pc:sldLayoutChg chg="add del">
+          <pc:chgData name="Ihor Aleksandrov" userId="c3051032-6b87-4db2-b257-777a0106fbd9" providerId="ADAL" clId="{DF783FCC-C35F-4D2C-B134-D1A27E72D448}" dt="2024-01-26T09:36:25.550" v="6" actId="2696"/>
+          <pc:sldLayoutMkLst>
+            <pc:docMk/>
+            <pc:sldMasterMk cId="1579723609" sldId="2147483660"/>
+            <pc:sldLayoutMk cId="454445818" sldId="2147483658"/>
+          </pc:sldLayoutMkLst>
+        </pc:sldLayoutChg>
+        <pc:sldLayoutChg chg="add del">
+          <pc:chgData name="Ihor Aleksandrov" userId="c3051032-6b87-4db2-b257-777a0106fbd9" providerId="ADAL" clId="{DF783FCC-C35F-4D2C-B134-D1A27E72D448}" dt="2024-01-26T09:36:25.550" v="6" actId="2696"/>
+          <pc:sldLayoutMkLst>
+            <pc:docMk/>
+            <pc:sldMasterMk cId="1579723609" sldId="2147483660"/>
+            <pc:sldLayoutMk cId="3042422475" sldId="2147483659"/>
+          </pc:sldLayoutMkLst>
+        </pc:sldLayoutChg>
+        <pc:sldLayoutChg chg="add del">
+          <pc:chgData name="Ihor Aleksandrov" userId="c3051032-6b87-4db2-b257-777a0106fbd9" providerId="ADAL" clId="{DF783FCC-C35F-4D2C-B134-D1A27E72D448}" dt="2024-01-26T09:36:25.550" v="6" actId="2696"/>
+          <pc:sldLayoutMkLst>
+            <pc:docMk/>
+            <pc:sldMasterMk cId="1579723609" sldId="2147483660"/>
+            <pc:sldLayoutMk cId="639927661" sldId="2147483661"/>
+          </pc:sldLayoutMkLst>
+        </pc:sldLayoutChg>
+        <pc:sldLayoutChg chg="add del">
+          <pc:chgData name="Ihor Aleksandrov" userId="c3051032-6b87-4db2-b257-777a0106fbd9" providerId="ADAL" clId="{DF783FCC-C35F-4D2C-B134-D1A27E72D448}" dt="2024-01-26T09:36:25.550" v="6" actId="2696"/>
+          <pc:sldLayoutMkLst>
+            <pc:docMk/>
+            <pc:sldMasterMk cId="1579723609" sldId="2147483660"/>
+            <pc:sldLayoutMk cId="1498987355" sldId="2147483662"/>
+          </pc:sldLayoutMkLst>
+        </pc:sldLayoutChg>
+      </pc:sldMasterChg>
+    </pc:docChg>
+  </pc:docChgLst>
+  <pc:docChgLst>
+    <pc:chgData name="Ihor Aleksandrov" userId="c3051032-6b87-4db2-b257-777a0106fbd9" providerId="ADAL" clId="{CD6A1DE1-ACF9-4B80-94F3-F58CA81605B6}"/>
+    <pc:docChg chg="undo redo custSel addSld delSld modSld sldOrd addSection delSection modSection">
+      <pc:chgData name="Ihor Aleksandrov" userId="c3051032-6b87-4db2-b257-777a0106fbd9" providerId="ADAL" clId="{CD6A1DE1-ACF9-4B80-94F3-F58CA81605B6}" dt="2024-01-31T16:36:06.805" v="251" actId="20577"/>
+      <pc:docMkLst>
+        <pc:docMk/>
+      </pc:docMkLst>
+      <pc:sldChg chg="modSp mod">
+        <pc:chgData name="Ihor Aleksandrov" userId="c3051032-6b87-4db2-b257-777a0106fbd9" providerId="ADAL" clId="{CD6A1DE1-ACF9-4B80-94F3-F58CA81605B6}" dt="2024-01-31T09:08:37.650" v="10" actId="20577"/>
+        <pc:sldMkLst>
+          <pc:docMk/>
+          <pc:sldMk cId="552267186" sldId="256"/>
+        </pc:sldMkLst>
+        <pc:spChg chg="mod">
+          <ac:chgData name="Ihor Aleksandrov" userId="c3051032-6b87-4db2-b257-777a0106fbd9" providerId="ADAL" clId="{CD6A1DE1-ACF9-4B80-94F3-F58CA81605B6}" dt="2024-01-31T09:08:37.650" v="10" actId="20577"/>
+          <ac:spMkLst>
+            <pc:docMk/>
+            <pc:sldMk cId="552267186" sldId="256"/>
+            <ac:spMk id="2" creationId="{18C18207-A109-5552-1541-0ABBAA316282}"/>
+          </ac:spMkLst>
+        </pc:spChg>
+      </pc:sldChg>
+      <pc:sldChg chg="addSp delSp modSp mod ord">
+        <pc:chgData name="Ihor Aleksandrov" userId="c3051032-6b87-4db2-b257-777a0106fbd9" providerId="ADAL" clId="{CD6A1DE1-ACF9-4B80-94F3-F58CA81605B6}" dt="2024-01-31T14:10:17.392" v="37"/>
+        <pc:sldMkLst>
+          <pc:docMk/>
+          <pc:sldMk cId="4197480136" sldId="268"/>
+        </pc:sldMkLst>
+        <pc:spChg chg="mod">
+          <ac:chgData name="Ihor Aleksandrov" userId="c3051032-6b87-4db2-b257-777a0106fbd9" providerId="ADAL" clId="{CD6A1DE1-ACF9-4B80-94F3-F58CA81605B6}" dt="2024-01-31T14:10:17.392" v="37"/>
+          <ac:spMkLst>
+            <pc:docMk/>
+            <pc:sldMk cId="4197480136" sldId="268"/>
+            <ac:spMk id="2" creationId="{53C5D828-9666-E312-B574-9FE965A7D6BE}"/>
+          </ac:spMkLst>
+        </pc:spChg>
+        <pc:spChg chg="del">
+          <ac:chgData name="Ihor Aleksandrov" userId="c3051032-6b87-4db2-b257-777a0106fbd9" providerId="ADAL" clId="{CD6A1DE1-ACF9-4B80-94F3-F58CA81605B6}" dt="2024-01-31T14:07:40.586" v="16" actId="478"/>
+          <ac:spMkLst>
+            <pc:docMk/>
+            <pc:sldMk cId="4197480136" sldId="268"/>
+            <ac:spMk id="4" creationId="{13451CDA-1490-D1A7-A07B-AFF3680A7469}"/>
+          </ac:spMkLst>
+        </pc:spChg>
+        <pc:picChg chg="add del mod">
+          <ac:chgData name="Ihor Aleksandrov" userId="c3051032-6b87-4db2-b257-777a0106fbd9" providerId="ADAL" clId="{CD6A1DE1-ACF9-4B80-94F3-F58CA81605B6}" dt="2024-01-31T14:09:37.609" v="23" actId="478"/>
+          <ac:picMkLst>
+            <pc:docMk/>
+            <pc:sldMk cId="4197480136" sldId="268"/>
+            <ac:picMk id="5" creationId="{F0022280-0E09-E00E-9A77-DDC8C0BF78AC}"/>
+          </ac:picMkLst>
+        </pc:picChg>
+        <pc:picChg chg="add mod">
+          <ac:chgData name="Ihor Aleksandrov" userId="c3051032-6b87-4db2-b257-777a0106fbd9" providerId="ADAL" clId="{CD6A1DE1-ACF9-4B80-94F3-F58CA81605B6}" dt="2024-01-31T14:09:46.445" v="28" actId="1076"/>
+          <ac:picMkLst>
+            <pc:docMk/>
+            <pc:sldMk cId="4197480136" sldId="268"/>
+            <ac:picMk id="6" creationId="{4159ACBD-A9C3-7371-B502-430612B37D57}"/>
+          </ac:picMkLst>
+        </pc:picChg>
+      </pc:sldChg>
+      <pc:sldChg chg="modSp mod">
+        <pc:chgData name="Ihor Aleksandrov" userId="c3051032-6b87-4db2-b257-777a0106fbd9" providerId="ADAL" clId="{CD6A1DE1-ACF9-4B80-94F3-F58CA81605B6}" dt="2024-01-31T09:08:12.162" v="1"/>
+        <pc:sldMkLst>
+          <pc:docMk/>
+          <pc:sldMk cId="2052164358" sldId="302"/>
+        </pc:sldMkLst>
+        <pc:spChg chg="mod">
+          <ac:chgData name="Ihor Aleksandrov" userId="c3051032-6b87-4db2-b257-777a0106fbd9" providerId="ADAL" clId="{CD6A1DE1-ACF9-4B80-94F3-F58CA81605B6}" dt="2024-01-31T09:08:12.162" v="1"/>
+          <ac:spMkLst>
+            <pc:docMk/>
+            <pc:sldMk cId="2052164358" sldId="302"/>
+            <ac:spMk id="2" creationId="{5DF8ECE0-DBF5-C309-B35B-C6A0C6C847B2}"/>
+          </ac:spMkLst>
+        </pc:spChg>
+      </pc:sldChg>
+      <pc:sldChg chg="modSp">
+        <pc:chgData name="Ihor Aleksandrov" userId="c3051032-6b87-4db2-b257-777a0106fbd9" providerId="ADAL" clId="{CD6A1DE1-ACF9-4B80-94F3-F58CA81605B6}" dt="2024-01-31T16:36:06.805" v="251" actId="20577"/>
+        <pc:sldMkLst>
+          <pc:docMk/>
+          <pc:sldMk cId="2972731808" sldId="303"/>
+        </pc:sldMkLst>
+        <pc:graphicFrameChg chg="mod">
+          <ac:chgData name="Ihor Aleksandrov" userId="c3051032-6b87-4db2-b257-777a0106fbd9" providerId="ADAL" clId="{CD6A1DE1-ACF9-4B80-94F3-F58CA81605B6}" dt="2024-01-31T16:36:06.805" v="251" actId="20577"/>
+          <ac:graphicFrameMkLst>
+            <pc:docMk/>
+            <pc:sldMk cId="2972731808" sldId="303"/>
+            <ac:graphicFrameMk id="50" creationId="{438840ED-2B50-ED19-12CF-99B1789AE150}"/>
+          </ac:graphicFrameMkLst>
+        </pc:graphicFrameChg>
+      </pc:sldChg>
+      <pc:sldChg chg="add">
+        <pc:chgData name="Ihor Aleksandrov" userId="c3051032-6b87-4db2-b257-777a0106fbd9" providerId="ADAL" clId="{CD6A1DE1-ACF9-4B80-94F3-F58CA81605B6}" dt="2024-01-31T14:07:59.482" v="22" actId="2890"/>
+        <pc:sldMkLst>
+          <pc:docMk/>
+          <pc:sldMk cId="1009650064" sldId="304"/>
+        </pc:sldMkLst>
+      </pc:sldChg>
+      <pc:sldChg chg="del">
+        <pc:chgData name="Ihor Aleksandrov" userId="c3051032-6b87-4db2-b257-777a0106fbd9" providerId="ADAL" clId="{CD6A1DE1-ACF9-4B80-94F3-F58CA81605B6}" dt="2024-01-31T09:09:41.621" v="12" actId="2696"/>
+        <pc:sldMkLst>
+          <pc:docMk/>
+          <pc:sldMk cId="3549163878" sldId="304"/>
+        </pc:sldMkLst>
+      </pc:sldChg>
+      <pc:sldChg chg="addSp delSp modSp add mod">
+        <pc:chgData name="Ihor Aleksandrov" userId="c3051032-6b87-4db2-b257-777a0106fbd9" providerId="ADAL" clId="{CD6A1DE1-ACF9-4B80-94F3-F58CA81605B6}" dt="2024-01-31T14:17:45.758" v="45"/>
+        <pc:sldMkLst>
+          <pc:docMk/>
+          <pc:sldMk cId="3689973886" sldId="305"/>
+        </pc:sldMkLst>
+        <pc:spChg chg="mod">
+          <ac:chgData name="Ihor Aleksandrov" userId="c3051032-6b87-4db2-b257-777a0106fbd9" providerId="ADAL" clId="{CD6A1DE1-ACF9-4B80-94F3-F58CA81605B6}" dt="2024-01-31T14:17:45.758" v="45"/>
+          <ac:spMkLst>
+            <pc:docMk/>
+            <pc:sldMk cId="3689973886" sldId="305"/>
+            <ac:spMk id="2" creationId="{53C5D828-9666-E312-B574-9FE965A7D6BE}"/>
+          </ac:spMkLst>
+        </pc:spChg>
+        <pc:picChg chg="add mod">
+          <ac:chgData name="Ihor Aleksandrov" userId="c3051032-6b87-4db2-b257-777a0106fbd9" providerId="ADAL" clId="{CD6A1DE1-ACF9-4B80-94F3-F58CA81605B6}" dt="2024-01-31T14:15:35.700" v="44" actId="1076"/>
+          <ac:picMkLst>
+            <pc:docMk/>
+            <pc:sldMk cId="3689973886" sldId="305"/>
+            <ac:picMk id="5" creationId="{65983233-09CA-119D-EF1F-584282E32591}"/>
+          </ac:picMkLst>
+        </pc:picChg>
+        <pc:picChg chg="del">
+          <ac:chgData name="Ihor Aleksandrov" userId="c3051032-6b87-4db2-b257-777a0106fbd9" providerId="ADAL" clId="{CD6A1DE1-ACF9-4B80-94F3-F58CA81605B6}" dt="2024-01-31T14:15:27.455" v="40" actId="478"/>
+          <ac:picMkLst>
+            <pc:docMk/>
+            <pc:sldMk cId="3689973886" sldId="305"/>
+            <ac:picMk id="6" creationId="{4159ACBD-A9C3-7371-B502-430612B37D57}"/>
+          </ac:picMkLst>
+        </pc:picChg>
+      </pc:sldChg>
+      <pc:sldChg chg="del">
+        <pc:chgData name="Ihor Aleksandrov" userId="c3051032-6b87-4db2-b257-777a0106fbd9" providerId="ADAL" clId="{CD6A1DE1-ACF9-4B80-94F3-F58CA81605B6}" dt="2024-01-31T09:09:41.621" v="12" actId="2696"/>
+        <pc:sldMkLst>
+          <pc:docMk/>
+          <pc:sldMk cId="3859147720" sldId="305"/>
+        </pc:sldMkLst>
+      </pc:sldChg>
+      <pc:sldChg chg="del">
+        <pc:chgData name="Ihor Aleksandrov" userId="c3051032-6b87-4db2-b257-777a0106fbd9" providerId="ADAL" clId="{CD6A1DE1-ACF9-4B80-94F3-F58CA81605B6}" dt="2024-01-31T09:09:41.621" v="12" actId="2696"/>
+        <pc:sldMkLst>
+          <pc:docMk/>
+          <pc:sldMk cId="2864035387" sldId="306"/>
+        </pc:sldMkLst>
+      </pc:sldChg>
+      <pc:sldChg chg="addSp delSp modSp add mod">
+        <pc:chgData name="Ihor Aleksandrov" userId="c3051032-6b87-4db2-b257-777a0106fbd9" providerId="ADAL" clId="{CD6A1DE1-ACF9-4B80-94F3-F58CA81605B6}" dt="2024-01-31T14:19:42.222" v="51" actId="11529"/>
+        <pc:sldMkLst>
+          <pc:docMk/>
+          <pc:sldMk cId="2869883964" sldId="306"/>
+        </pc:sldMkLst>
+        <pc:spChg chg="mod">
+          <ac:chgData name="Ihor Aleksandrov" userId="c3051032-6b87-4db2-b257-777a0106fbd9" providerId="ADAL" clId="{CD6A1DE1-ACF9-4B80-94F3-F58CA81605B6}" dt="2024-01-31T14:18:50.257" v="49"/>
+          <ac:spMkLst>
+            <pc:docMk/>
+            <pc:sldMk cId="2869883964" sldId="306"/>
+            <ac:spMk id="2" creationId="{53C5D828-9666-E312-B574-9FE965A7D6BE}"/>
+          </ac:spMkLst>
+        </pc:spChg>
+        <pc:spChg chg="add">
+          <ac:chgData name="Ihor Aleksandrov" userId="c3051032-6b87-4db2-b257-777a0106fbd9" providerId="ADAL" clId="{CD6A1DE1-ACF9-4B80-94F3-F58CA81605B6}" dt="2024-01-31T14:19:42.222" v="51" actId="11529"/>
+          <ac:spMkLst>
+            <pc:docMk/>
+            <pc:sldMk cId="2869883964" sldId="306"/>
+            <ac:spMk id="4" creationId="{A7A10FCB-73CC-EC25-5BA2-8A25FEB14B6A}"/>
+          </ac:spMkLst>
+        </pc:spChg>
+        <pc:picChg chg="del">
+          <ac:chgData name="Ihor Aleksandrov" userId="c3051032-6b87-4db2-b257-777a0106fbd9" providerId="ADAL" clId="{CD6A1DE1-ACF9-4B80-94F3-F58CA81605B6}" dt="2024-01-31T14:19:35.964" v="50" actId="478"/>
+          <ac:picMkLst>
+            <pc:docMk/>
+            <pc:sldMk cId="2869883964" sldId="306"/>
+            <ac:picMk id="5" creationId="{65983233-09CA-119D-EF1F-584282E32591}"/>
+          </ac:picMkLst>
+        </pc:picChg>
+      </pc:sldChg>
+      <pc:sldChg chg="modSp add mod">
+        <pc:chgData name="Ihor Aleksandrov" userId="c3051032-6b87-4db2-b257-777a0106fbd9" providerId="ADAL" clId="{CD6A1DE1-ACF9-4B80-94F3-F58CA81605B6}" dt="2024-01-31T14:21:43.315" v="55"/>
+        <pc:sldMkLst>
+          <pc:docMk/>
+          <pc:sldMk cId="609281495" sldId="307"/>
+        </pc:sldMkLst>
+        <pc:spChg chg="mod">
+          <ac:chgData name="Ihor Aleksandrov" userId="c3051032-6b87-4db2-b257-777a0106fbd9" providerId="ADAL" clId="{CD6A1DE1-ACF9-4B80-94F3-F58CA81605B6}" dt="2024-01-31T14:21:43.315" v="55"/>
+          <ac:spMkLst>
+            <pc:docMk/>
+            <pc:sldMk cId="609281495" sldId="307"/>
+            <ac:spMk id="2" creationId="{53C5D828-9666-E312-B574-9FE965A7D6BE}"/>
+          </ac:spMkLst>
+        </pc:spChg>
+      </pc:sldChg>
+      <pc:sldChg chg="del">
+        <pc:chgData name="Ihor Aleksandrov" userId="c3051032-6b87-4db2-b257-777a0106fbd9" providerId="ADAL" clId="{CD6A1DE1-ACF9-4B80-94F3-F58CA81605B6}" dt="2024-01-31T09:09:41.621" v="12" actId="2696"/>
+        <pc:sldMkLst>
+          <pc:docMk/>
+          <pc:sldMk cId="1602066729" sldId="307"/>
+        </pc:sldMkLst>
+      </pc:sldChg>
+      <pc:sldChg chg="modSp add mod">
+        <pc:chgData name="Ihor Aleksandrov" userId="c3051032-6b87-4db2-b257-777a0106fbd9" providerId="ADAL" clId="{CD6A1DE1-ACF9-4B80-94F3-F58CA81605B6}" dt="2024-01-31T14:23:36.164" v="57"/>
+        <pc:sldMkLst>
+          <pc:docMk/>
+          <pc:sldMk cId="892253496" sldId="308"/>
+        </pc:sldMkLst>
+        <pc:spChg chg="mod">
+          <ac:chgData name="Ihor Aleksandrov" userId="c3051032-6b87-4db2-b257-777a0106fbd9" providerId="ADAL" clId="{CD6A1DE1-ACF9-4B80-94F3-F58CA81605B6}" dt="2024-01-31T14:23:36.164" v="57"/>
+          <ac:spMkLst>
+            <pc:docMk/>
+            <pc:sldMk cId="892253496" sldId="308"/>
+            <ac:spMk id="2" creationId="{53C5D828-9666-E312-B574-9FE965A7D6BE}"/>
+          </ac:spMkLst>
+        </pc:spChg>
+      </pc:sldChg>
+      <pc:sldChg chg="del">
+        <pc:chgData name="Ihor Aleksandrov" userId="c3051032-6b87-4db2-b257-777a0106fbd9" providerId="ADAL" clId="{CD6A1DE1-ACF9-4B80-94F3-F58CA81605B6}" dt="2024-01-31T09:09:41.621" v="12" actId="2696"/>
+        <pc:sldMkLst>
+          <pc:docMk/>
+          <pc:sldMk cId="3269251051" sldId="308"/>
+        </pc:sldMkLst>
+      </pc:sldChg>
+      <pc:sldChg chg="modSp add mod">
+        <pc:chgData name="Ihor Aleksandrov" userId="c3051032-6b87-4db2-b257-777a0106fbd9" providerId="ADAL" clId="{CD6A1DE1-ACF9-4B80-94F3-F58CA81605B6}" dt="2024-01-31T14:28:00.006" v="68" actId="6549"/>
+        <pc:sldMkLst>
+          <pc:docMk/>
+          <pc:sldMk cId="322251114" sldId="309"/>
+        </pc:sldMkLst>
+        <pc:spChg chg="mod">
+          <ac:chgData name="Ihor Aleksandrov" userId="c3051032-6b87-4db2-b257-777a0106fbd9" providerId="ADAL" clId="{CD6A1DE1-ACF9-4B80-94F3-F58CA81605B6}" dt="2024-01-31T14:28:00.006" v="68" actId="6549"/>
+          <ac:spMkLst>
+            <pc:docMk/>
+            <pc:sldMk cId="322251114" sldId="309"/>
+            <ac:spMk id="2" creationId="{53C5D828-9666-E312-B574-9FE965A7D6BE}"/>
+          </ac:spMkLst>
+        </pc:spChg>
+      </pc:sldChg>
+      <pc:sldChg chg="del">
+        <pc:chgData name="Ihor Aleksandrov" userId="c3051032-6b87-4db2-b257-777a0106fbd9" providerId="ADAL" clId="{CD6A1DE1-ACF9-4B80-94F3-F58CA81605B6}" dt="2024-01-31T09:09:41.621" v="12" actId="2696"/>
+        <pc:sldMkLst>
+          <pc:docMk/>
+          <pc:sldMk cId="1192723176" sldId="309"/>
+        </pc:sldMkLst>
+      </pc:sldChg>
+      <pc:sldChg chg="del">
+        <pc:chgData name="Ihor Aleksandrov" userId="c3051032-6b87-4db2-b257-777a0106fbd9" providerId="ADAL" clId="{CD6A1DE1-ACF9-4B80-94F3-F58CA81605B6}" dt="2024-01-31T09:09:41.621" v="12" actId="2696"/>
+        <pc:sldMkLst>
+          <pc:docMk/>
+          <pc:sldMk cId="349494834" sldId="310"/>
+        </pc:sldMkLst>
+      </pc:sldChg>
+      <pc:sldChg chg="modSp add mod">
+        <pc:chgData name="Ihor Aleksandrov" userId="c3051032-6b87-4db2-b257-777a0106fbd9" providerId="ADAL" clId="{CD6A1DE1-ACF9-4B80-94F3-F58CA81605B6}" dt="2024-01-31T14:41:19.484" v="113" actId="20577"/>
+        <pc:sldMkLst>
+          <pc:docMk/>
+          <pc:sldMk cId="3511455361" sldId="310"/>
+        </pc:sldMkLst>
+        <pc:spChg chg="mod">
+          <ac:chgData name="Ihor Aleksandrov" userId="c3051032-6b87-4db2-b257-777a0106fbd9" providerId="ADAL" clId="{CD6A1DE1-ACF9-4B80-94F3-F58CA81605B6}" dt="2024-01-31T14:41:19.484" v="113" actId="20577"/>
+          <ac:spMkLst>
+            <pc:docMk/>
+            <pc:sldMk cId="3511455361" sldId="310"/>
+            <ac:spMk id="2" creationId="{53C5D828-9666-E312-B574-9FE965A7D6BE}"/>
+          </ac:spMkLst>
+        </pc:spChg>
+      </pc:sldChg>
+      <pc:sldChg chg="del">
+        <pc:chgData name="Ihor Aleksandrov" userId="c3051032-6b87-4db2-b257-777a0106fbd9" providerId="ADAL" clId="{CD6A1DE1-ACF9-4B80-94F3-F58CA81605B6}" dt="2024-01-31T09:09:41.621" v="12" actId="2696"/>
+        <pc:sldMkLst>
+          <pc:docMk/>
+          <pc:sldMk cId="499114694" sldId="311"/>
+        </pc:sldMkLst>
+      </pc:sldChg>
+      <pc:sldChg chg="modSp add mod">
+        <pc:chgData name="Ihor Aleksandrov" userId="c3051032-6b87-4db2-b257-777a0106fbd9" providerId="ADAL" clId="{CD6A1DE1-ACF9-4B80-94F3-F58CA81605B6}" dt="2024-01-31T14:45:28.900" v="115"/>
+        <pc:sldMkLst>
+          <pc:docMk/>
+          <pc:sldMk cId="1118882355" sldId="311"/>
+        </pc:sldMkLst>
+        <pc:spChg chg="mod">
+          <ac:chgData name="Ihor Aleksandrov" userId="c3051032-6b87-4db2-b257-777a0106fbd9" providerId="ADAL" clId="{CD6A1DE1-ACF9-4B80-94F3-F58CA81605B6}" dt="2024-01-31T14:45:28.900" v="115"/>
+          <ac:spMkLst>
+            <pc:docMk/>
+            <pc:sldMk cId="1118882355" sldId="311"/>
+            <ac:spMk id="2" creationId="{53C5D828-9666-E312-B574-9FE965A7D6BE}"/>
+          </ac:spMkLst>
+        </pc:spChg>
+      </pc:sldChg>
+      <pc:sldChg chg="del">
+        <pc:chgData name="Ihor Aleksandrov" userId="c3051032-6b87-4db2-b257-777a0106fbd9" providerId="ADAL" clId="{CD6A1DE1-ACF9-4B80-94F3-F58CA81605B6}" dt="2024-01-31T09:09:41.621" v="12" actId="2696"/>
+        <pc:sldMkLst>
+          <pc:docMk/>
+          <pc:sldMk cId="270713766" sldId="312"/>
+        </pc:sldMkLst>
+      </pc:sldChg>
+      <pc:sldChg chg="modSp add mod">
+        <pc:chgData name="Ihor Aleksandrov" userId="c3051032-6b87-4db2-b257-777a0106fbd9" providerId="ADAL" clId="{CD6A1DE1-ACF9-4B80-94F3-F58CA81605B6}" dt="2024-01-31T14:47:18.694" v="119"/>
+        <pc:sldMkLst>
+          <pc:docMk/>
+          <pc:sldMk cId="804494040" sldId="312"/>
+        </pc:sldMkLst>
+        <pc:spChg chg="mod">
+          <ac:chgData name="Ihor Aleksandrov" userId="c3051032-6b87-4db2-b257-777a0106fbd9" providerId="ADAL" clId="{CD6A1DE1-ACF9-4B80-94F3-F58CA81605B6}" dt="2024-01-31T14:47:18.694" v="119"/>
+          <ac:spMkLst>
+            <pc:docMk/>
+            <pc:sldMk cId="804494040" sldId="312"/>
+            <ac:spMk id="2" creationId="{53C5D828-9666-E312-B574-9FE965A7D6BE}"/>
+          </ac:spMkLst>
+        </pc:spChg>
+      </pc:sldChg>
+      <pc:sldChg chg="modSp add mod">
+        <pc:chgData name="Ihor Aleksandrov" userId="c3051032-6b87-4db2-b257-777a0106fbd9" providerId="ADAL" clId="{CD6A1DE1-ACF9-4B80-94F3-F58CA81605B6}" dt="2024-01-31T14:49:19.729" v="125"/>
+        <pc:sldMkLst>
+          <pc:docMk/>
+          <pc:sldMk cId="516861898" sldId="313"/>
+        </pc:sldMkLst>
+        <pc:spChg chg="mod">
+          <ac:chgData name="Ihor Aleksandrov" userId="c3051032-6b87-4db2-b257-777a0106fbd9" providerId="ADAL" clId="{CD6A1DE1-ACF9-4B80-94F3-F58CA81605B6}" dt="2024-01-31T14:49:19.729" v="125"/>
+          <ac:spMkLst>
+            <pc:docMk/>
+            <pc:sldMk cId="516861898" sldId="313"/>
+            <ac:spMk id="2" creationId="{53C5D828-9666-E312-B574-9FE965A7D6BE}"/>
+          </ac:spMkLst>
+        </pc:spChg>
+      </pc:sldChg>
+      <pc:sldChg chg="del">
+        <pc:chgData name="Ihor Aleksandrov" userId="c3051032-6b87-4db2-b257-777a0106fbd9" providerId="ADAL" clId="{CD6A1DE1-ACF9-4B80-94F3-F58CA81605B6}" dt="2024-01-31T09:09:41.621" v="12" actId="2696"/>
+        <pc:sldMkLst>
+          <pc:docMk/>
+          <pc:sldMk cId="3773115567" sldId="313"/>
+        </pc:sldMkLst>
+      </pc:sldChg>
+      <pc:sldChg chg="del">
+        <pc:chgData name="Ihor Aleksandrov" userId="c3051032-6b87-4db2-b257-777a0106fbd9" providerId="ADAL" clId="{CD6A1DE1-ACF9-4B80-94F3-F58CA81605B6}" dt="2024-01-31T09:09:41.621" v="12" actId="2696"/>
+        <pc:sldMkLst>
+          <pc:docMk/>
+          <pc:sldMk cId="141045630" sldId="314"/>
+        </pc:sldMkLst>
+      </pc:sldChg>
+      <pc:sldChg chg="addSp delSp modSp add mod">
+        <pc:chgData name="Ihor Aleksandrov" userId="c3051032-6b87-4db2-b257-777a0106fbd9" providerId="ADAL" clId="{CD6A1DE1-ACF9-4B80-94F3-F58CA81605B6}" dt="2024-01-31T15:01:29.780" v="129" actId="22"/>
+        <pc:sldMkLst>
+          <pc:docMk/>
+          <pc:sldMk cId="3021580720" sldId="314"/>
+        </pc:sldMkLst>
+        <pc:spChg chg="mod">
+          <ac:chgData name="Ihor Aleksandrov" userId="c3051032-6b87-4db2-b257-777a0106fbd9" providerId="ADAL" clId="{CD6A1DE1-ACF9-4B80-94F3-F58CA81605B6}" dt="2024-01-31T14:57:18.485" v="127"/>
+          <ac:spMkLst>
+            <pc:docMk/>
+            <pc:sldMk cId="3021580720" sldId="314"/>
+            <ac:spMk id="2" creationId="{53C5D828-9666-E312-B574-9FE965A7D6BE}"/>
+          </ac:spMkLst>
+        </pc:spChg>
+        <pc:spChg chg="add del">
+          <ac:chgData name="Ihor Aleksandrov" userId="c3051032-6b87-4db2-b257-777a0106fbd9" providerId="ADAL" clId="{CD6A1DE1-ACF9-4B80-94F3-F58CA81605B6}" dt="2024-01-31T15:01:29.780" v="129" actId="22"/>
+          <ac:spMkLst>
+            <pc:docMk/>
+            <pc:sldMk cId="3021580720" sldId="314"/>
+            <ac:spMk id="6" creationId="{F057BD1F-14DA-AC1C-4B2D-1E5D44A96B3F}"/>
+          </ac:spMkLst>
+        </pc:spChg>
+      </pc:sldChg>
+      <pc:sldChg chg="del">
+        <pc:chgData name="Ihor Aleksandrov" userId="c3051032-6b87-4db2-b257-777a0106fbd9" providerId="ADAL" clId="{CD6A1DE1-ACF9-4B80-94F3-F58CA81605B6}" dt="2024-01-31T09:09:41.621" v="12" actId="2696"/>
+        <pc:sldMkLst>
+          <pc:docMk/>
+          <pc:sldMk cId="1532481946" sldId="315"/>
+        </pc:sldMkLst>
+      </pc:sldChg>
+      <pc:sldChg chg="modSp add mod">
+        <pc:chgData name="Ihor Aleksandrov" userId="c3051032-6b87-4db2-b257-777a0106fbd9" providerId="ADAL" clId="{CD6A1DE1-ACF9-4B80-94F3-F58CA81605B6}" dt="2024-01-31T15:01:47.443" v="136" actId="20577"/>
+        <pc:sldMkLst>
+          <pc:docMk/>
+          <pc:sldMk cId="1571930096" sldId="315"/>
+        </pc:sldMkLst>
+        <pc:spChg chg="mod">
+          <ac:chgData name="Ihor Aleksandrov" userId="c3051032-6b87-4db2-b257-777a0106fbd9" providerId="ADAL" clId="{CD6A1DE1-ACF9-4B80-94F3-F58CA81605B6}" dt="2024-01-31T15:01:47.443" v="136" actId="20577"/>
+          <ac:spMkLst>
+            <pc:docMk/>
+            <pc:sldMk cId="1571930096" sldId="315"/>
+            <ac:spMk id="2" creationId="{53C5D828-9666-E312-B574-9FE965A7D6BE}"/>
+          </ac:spMkLst>
+        </pc:spChg>
+      </pc:sldChg>
+      <pc:sldChg chg="modSp add mod">
+        <pc:chgData name="Ihor Aleksandrov" userId="c3051032-6b87-4db2-b257-777a0106fbd9" providerId="ADAL" clId="{CD6A1DE1-ACF9-4B80-94F3-F58CA81605B6}" dt="2024-01-31T15:03:02.352" v="159" actId="14100"/>
+        <pc:sldMkLst>
+          <pc:docMk/>
+          <pc:sldMk cId="1133084570" sldId="316"/>
+        </pc:sldMkLst>
+        <pc:spChg chg="mod">
+          <ac:chgData name="Ihor Aleksandrov" userId="c3051032-6b87-4db2-b257-777a0106fbd9" providerId="ADAL" clId="{CD6A1DE1-ACF9-4B80-94F3-F58CA81605B6}" dt="2024-01-31T15:03:02.352" v="159" actId="14100"/>
+          <ac:spMkLst>
+            <pc:docMk/>
+            <pc:sldMk cId="1133084570" sldId="316"/>
+            <ac:spMk id="2" creationId="{53C5D828-9666-E312-B574-9FE965A7D6BE}"/>
+          </ac:spMkLst>
+        </pc:spChg>
+      </pc:sldChg>
+      <pc:sldChg chg="del">
+        <pc:chgData name="Ihor Aleksandrov" userId="c3051032-6b87-4db2-b257-777a0106fbd9" providerId="ADAL" clId="{CD6A1DE1-ACF9-4B80-94F3-F58CA81605B6}" dt="2024-01-31T09:09:41.621" v="12" actId="2696"/>
+        <pc:sldMkLst>
+          <pc:docMk/>
+          <pc:sldMk cId="2524846561" sldId="316"/>
+        </pc:sldMkLst>
+      </pc:sldChg>
+      <pc:sldChg chg="del">
+        <pc:chgData name="Ihor Aleksandrov" userId="c3051032-6b87-4db2-b257-777a0106fbd9" providerId="ADAL" clId="{CD6A1DE1-ACF9-4B80-94F3-F58CA81605B6}" dt="2024-01-31T09:09:41.621" v="12" actId="2696"/>
+        <pc:sldMkLst>
+          <pc:docMk/>
+          <pc:sldMk cId="340892873" sldId="317"/>
+        </pc:sldMkLst>
+      </pc:sldChg>
+      <pc:sldChg chg="modSp add mod">
+        <pc:chgData name="Ihor Aleksandrov" userId="c3051032-6b87-4db2-b257-777a0106fbd9" providerId="ADAL" clId="{CD6A1DE1-ACF9-4B80-94F3-F58CA81605B6}" dt="2024-01-31T15:06:04.633" v="164" actId="20577"/>
+        <pc:sldMkLst>
+          <pc:docMk/>
+          <pc:sldMk cId="356788772" sldId="317"/>
+        </pc:sldMkLst>
+        <pc:spChg chg="mod">
+          <ac:chgData name="Ihor Aleksandrov" userId="c3051032-6b87-4db2-b257-777a0106fbd9" providerId="ADAL" clId="{CD6A1DE1-ACF9-4B80-94F3-F58CA81605B6}" dt="2024-01-31T15:06:04.633" v="164" actId="20577"/>
+          <ac:spMkLst>
+            <pc:docMk/>
+            <pc:sldMk cId="356788772" sldId="317"/>
+            <ac:spMk id="2" creationId="{53C5D828-9666-E312-B574-9FE965A7D6BE}"/>
+          </ac:spMkLst>
+        </pc:spChg>
+      </pc:sldChg>
+      <pc:sldChg chg="del">
+        <pc:chgData name="Ihor Aleksandrov" userId="c3051032-6b87-4db2-b257-777a0106fbd9" providerId="ADAL" clId="{CD6A1DE1-ACF9-4B80-94F3-F58CA81605B6}" dt="2024-01-31T09:09:41.621" v="12" actId="2696"/>
+        <pc:sldMkLst>
+          <pc:docMk/>
+          <pc:sldMk cId="1315442765" sldId="318"/>
+        </pc:sldMkLst>
+      </pc:sldChg>
+      <pc:sldChg chg="modSp add mod ord">
+        <pc:chgData name="Ihor Aleksandrov" userId="c3051032-6b87-4db2-b257-777a0106fbd9" providerId="ADAL" clId="{CD6A1DE1-ACF9-4B80-94F3-F58CA81605B6}" dt="2024-01-31T16:18:42.992" v="170"/>
+        <pc:sldMkLst>
+          <pc:docMk/>
+          <pc:sldMk cId="2690505772" sldId="318"/>
+        </pc:sldMkLst>
+        <pc:spChg chg="mod">
+          <ac:chgData name="Ihor Aleksandrov" userId="c3051032-6b87-4db2-b257-777a0106fbd9" providerId="ADAL" clId="{CD6A1DE1-ACF9-4B80-94F3-F58CA81605B6}" dt="2024-01-31T16:18:42.992" v="170"/>
+          <ac:spMkLst>
+            <pc:docMk/>
+            <pc:sldMk cId="2690505772" sldId="318"/>
+            <ac:spMk id="2" creationId="{18C18207-A109-5552-1541-0ABBAA316282}"/>
+          </ac:spMkLst>
+        </pc:spChg>
+      </pc:sldChg>
+      <pc:sldChg chg="del">
+        <pc:chgData name="Ihor Aleksandrov" userId="c3051032-6b87-4db2-b257-777a0106fbd9" providerId="ADAL" clId="{CD6A1DE1-ACF9-4B80-94F3-F58CA81605B6}" dt="2024-01-31T09:09:41.621" v="12" actId="2696"/>
+        <pc:sldMkLst>
+          <pc:docMk/>
+          <pc:sldMk cId="2257188714" sldId="319"/>
+        </pc:sldMkLst>
+      </pc:sldChg>
+      <pc:sldChg chg="addSp delSp modSp add mod ord">
+        <pc:chgData name="Ihor Aleksandrov" userId="c3051032-6b87-4db2-b257-777a0106fbd9" providerId="ADAL" clId="{CD6A1DE1-ACF9-4B80-94F3-F58CA81605B6}" dt="2024-01-31T16:20:55.716" v="179" actId="1076"/>
+        <pc:sldMkLst>
+          <pc:docMk/>
+          <pc:sldMk cId="3618741339" sldId="319"/>
+        </pc:sldMkLst>
+        <pc:spChg chg="mod">
+          <ac:chgData name="Ihor Aleksandrov" userId="c3051032-6b87-4db2-b257-777a0106fbd9" providerId="ADAL" clId="{CD6A1DE1-ACF9-4B80-94F3-F58CA81605B6}" dt="2024-01-31T16:20:19.318" v="174"/>
+          <ac:spMkLst>
+            <pc:docMk/>
+            <pc:sldMk cId="3618741339" sldId="319"/>
+            <ac:spMk id="2" creationId="{53C5D828-9666-E312-B574-9FE965A7D6BE}"/>
+          </ac:spMkLst>
+        </pc:spChg>
+        <pc:spChg chg="del">
+          <ac:chgData name="Ihor Aleksandrov" userId="c3051032-6b87-4db2-b257-777a0106fbd9" providerId="ADAL" clId="{CD6A1DE1-ACF9-4B80-94F3-F58CA81605B6}" dt="2024-01-31T16:20:22.303" v="175" actId="478"/>
+          <ac:spMkLst>
+            <pc:docMk/>
+            <pc:sldMk cId="3618741339" sldId="319"/>
+            <ac:spMk id="4" creationId="{A7A10FCB-73CC-EC25-5BA2-8A25FEB14B6A}"/>
+          </ac:spMkLst>
+        </pc:spChg>
+        <pc:picChg chg="add mod">
+          <ac:chgData name="Ihor Aleksandrov" userId="c3051032-6b87-4db2-b257-777a0106fbd9" providerId="ADAL" clId="{CD6A1DE1-ACF9-4B80-94F3-F58CA81605B6}" dt="2024-01-31T16:20:55.716" v="179" actId="1076"/>
+          <ac:picMkLst>
+            <pc:docMk/>
+            <pc:sldMk cId="3618741339" sldId="319"/>
+            <ac:picMk id="5" creationId="{F532E8B4-0BE7-0CB3-9EF5-566DC21B1A9C}"/>
+          </ac:picMkLst>
+        </pc:picChg>
+      </pc:sldChg>
+      <pc:sldChg chg="addSp delSp modSp add mod">
+        <pc:chgData name="Ihor Aleksandrov" userId="c3051032-6b87-4db2-b257-777a0106fbd9" providerId="ADAL" clId="{CD6A1DE1-ACF9-4B80-94F3-F58CA81605B6}" dt="2024-01-31T16:23:53.931" v="186" actId="1076"/>
+        <pc:sldMkLst>
+          <pc:docMk/>
+          <pc:sldMk cId="955539517" sldId="320"/>
+        </pc:sldMkLst>
+        <pc:spChg chg="mod">
+          <ac:chgData name="Ihor Aleksandrov" userId="c3051032-6b87-4db2-b257-777a0106fbd9" providerId="ADAL" clId="{CD6A1DE1-ACF9-4B80-94F3-F58CA81605B6}" dt="2024-01-31T16:23:45.804" v="183"/>
+          <ac:spMkLst>
+            <pc:docMk/>
+            <pc:sldMk cId="955539517" sldId="320"/>
+            <ac:spMk id="2" creationId="{53C5D828-9666-E312-B574-9FE965A7D6BE}"/>
+          </ac:spMkLst>
+        </pc:spChg>
+        <pc:picChg chg="add mod">
+          <ac:chgData name="Ihor Aleksandrov" userId="c3051032-6b87-4db2-b257-777a0106fbd9" providerId="ADAL" clId="{CD6A1DE1-ACF9-4B80-94F3-F58CA81605B6}" dt="2024-01-31T16:23:53.931" v="186" actId="1076"/>
+          <ac:picMkLst>
+            <pc:docMk/>
+            <pc:sldMk cId="955539517" sldId="320"/>
+            <ac:picMk id="4" creationId="{28A2D3FD-7D05-8035-871B-BC18824DA49F}"/>
+          </ac:picMkLst>
+        </pc:picChg>
+        <pc:picChg chg="del">
+          <ac:chgData name="Ihor Aleksandrov" userId="c3051032-6b87-4db2-b257-777a0106fbd9" providerId="ADAL" clId="{CD6A1DE1-ACF9-4B80-94F3-F58CA81605B6}" dt="2024-01-31T16:23:47.155" v="184" actId="478"/>
+          <ac:picMkLst>
+            <pc:docMk/>
+            <pc:sldMk cId="955539517" sldId="320"/>
+            <ac:picMk id="5" creationId="{F532E8B4-0BE7-0CB3-9EF5-566DC21B1A9C}"/>
+          </ac:picMkLst>
+        </pc:picChg>
+      </pc:sldChg>
+      <pc:sldChg chg="del">
+        <pc:chgData name="Ihor Aleksandrov" userId="c3051032-6b87-4db2-b257-777a0106fbd9" providerId="ADAL" clId="{CD6A1DE1-ACF9-4B80-94F3-F58CA81605B6}" dt="2024-01-31T09:09:41.621" v="12" actId="2696"/>
+        <pc:sldMkLst>
+          <pc:docMk/>
+          <pc:sldMk cId="2940295210" sldId="320"/>
+        </pc:sldMkLst>
+      </pc:sldChg>
+      <pc:sldChg chg="del">
+        <pc:chgData name="Ihor Aleksandrov" userId="c3051032-6b87-4db2-b257-777a0106fbd9" providerId="ADAL" clId="{CD6A1DE1-ACF9-4B80-94F3-F58CA81605B6}" dt="2024-01-31T09:09:41.621" v="12" actId="2696"/>
+        <pc:sldMkLst>
+          <pc:docMk/>
+          <pc:sldMk cId="2741142378" sldId="321"/>
+        </pc:sldMkLst>
+      </pc:sldChg>
+      <pc:sldChg chg="addSp delSp modSp add mod">
+        <pc:chgData name="Ihor Aleksandrov" userId="c3051032-6b87-4db2-b257-777a0106fbd9" providerId="ADAL" clId="{CD6A1DE1-ACF9-4B80-94F3-F58CA81605B6}" dt="2024-01-31T16:27:29.733" v="196" actId="1076"/>
+        <pc:sldMkLst>
+          <pc:docMk/>
+          <pc:sldMk cId="3974958853" sldId="321"/>
+        </pc:sldMkLst>
+        <pc:spChg chg="mod">
+          <ac:chgData name="Ihor Aleksandrov" userId="c3051032-6b87-4db2-b257-777a0106fbd9" providerId="ADAL" clId="{CD6A1DE1-ACF9-4B80-94F3-F58CA81605B6}" dt="2024-01-31T16:27:07.186" v="192"/>
+          <ac:spMkLst>
+            <pc:docMk/>
+            <pc:sldMk cId="3974958853" sldId="321"/>
+            <ac:spMk id="2" creationId="{53C5D828-9666-E312-B574-9FE965A7D6BE}"/>
+          </ac:spMkLst>
+        </pc:spChg>
+        <pc:picChg chg="del">
+          <ac:chgData name="Ihor Aleksandrov" userId="c3051032-6b87-4db2-b257-777a0106fbd9" providerId="ADAL" clId="{CD6A1DE1-ACF9-4B80-94F3-F58CA81605B6}" dt="2024-01-31T16:27:22.384" v="193" actId="478"/>
+          <ac:picMkLst>
+            <pc:docMk/>
+            <pc:sldMk cId="3974958853" sldId="321"/>
+            <ac:picMk id="4" creationId="{28A2D3FD-7D05-8035-871B-BC18824DA49F}"/>
+          </ac:picMkLst>
+        </pc:picChg>
+        <pc:picChg chg="add mod">
+          <ac:chgData name="Ihor Aleksandrov" userId="c3051032-6b87-4db2-b257-777a0106fbd9" providerId="ADAL" clId="{CD6A1DE1-ACF9-4B80-94F3-F58CA81605B6}" dt="2024-01-31T16:27:29.733" v="196" actId="1076"/>
+          <ac:picMkLst>
+            <pc:docMk/>
+            <pc:sldMk cId="3974958853" sldId="321"/>
+            <ac:picMk id="6" creationId="{B6424C26-77F8-976F-095A-C034C68F13F1}"/>
+          </ac:picMkLst>
+        </pc:picChg>
+      </pc:sldChg>
+      <pc:sldChg chg="del">
+        <pc:chgData name="Ihor Aleksandrov" userId="c3051032-6b87-4db2-b257-777a0106fbd9" providerId="ADAL" clId="{CD6A1DE1-ACF9-4B80-94F3-F58CA81605B6}" dt="2024-01-31T09:09:41.621" v="12" actId="2696"/>
+        <pc:sldMkLst>
+          <pc:docMk/>
+          <pc:sldMk cId="1250702623" sldId="322"/>
+        </pc:sldMkLst>
+      </pc:sldChg>
+      <pc:sldChg chg="addSp delSp modSp add mod">
+        <pc:chgData name="Ihor Aleksandrov" userId="c3051032-6b87-4db2-b257-777a0106fbd9" providerId="ADAL" clId="{CD6A1DE1-ACF9-4B80-94F3-F58CA81605B6}" dt="2024-01-31T16:30:11.818" v="204"/>
+        <pc:sldMkLst>
+          <pc:docMk/>
+          <pc:sldMk cId="3021423085" sldId="322"/>
+        </pc:sldMkLst>
+        <pc:spChg chg="mod">
+          <ac:chgData name="Ihor Aleksandrov" userId="c3051032-6b87-4db2-b257-777a0106fbd9" providerId="ADAL" clId="{CD6A1DE1-ACF9-4B80-94F3-F58CA81605B6}" dt="2024-01-31T16:30:11.818" v="204"/>
+          <ac:spMkLst>
+            <pc:docMk/>
+            <pc:sldMk cId="3021423085" sldId="322"/>
+            <ac:spMk id="2" creationId="{53C5D828-9666-E312-B574-9FE965A7D6BE}"/>
+          </ac:spMkLst>
+        </pc:spChg>
+        <pc:picChg chg="add mod">
+          <ac:chgData name="Ihor Aleksandrov" userId="c3051032-6b87-4db2-b257-777a0106fbd9" providerId="ADAL" clId="{CD6A1DE1-ACF9-4B80-94F3-F58CA81605B6}" dt="2024-01-31T16:29:33.614" v="201" actId="1076"/>
+          <ac:picMkLst>
+            <pc:docMk/>
+            <pc:sldMk cId="3021423085" sldId="322"/>
+            <ac:picMk id="5" creationId="{79E04EF6-B44B-E770-0D59-0AE9905B0613}"/>
+          </ac:picMkLst>
+        </pc:picChg>
+        <pc:picChg chg="del">
+          <ac:chgData name="Ihor Aleksandrov" userId="c3051032-6b87-4db2-b257-777a0106fbd9" providerId="ADAL" clId="{CD6A1DE1-ACF9-4B80-94F3-F58CA81605B6}" dt="2024-01-31T16:29:27.557" v="198" actId="478"/>
+          <ac:picMkLst>
+            <pc:docMk/>
+            <pc:sldMk cId="3021423085" sldId="322"/>
+            <ac:picMk id="6" creationId="{B6424C26-77F8-976F-095A-C034C68F13F1}"/>
+          </ac:picMkLst>
+        </pc:picChg>
+      </pc:sldChg>
+      <pc:sldChg chg="addSp delSp modSp add mod">
+        <pc:chgData name="Ihor Aleksandrov" userId="c3051032-6b87-4db2-b257-777a0106fbd9" providerId="ADAL" clId="{CD6A1DE1-ACF9-4B80-94F3-F58CA81605B6}" dt="2024-01-31T16:32:26.979" v="210" actId="11529"/>
+        <pc:sldMkLst>
+          <pc:docMk/>
+          <pc:sldMk cId="816537371" sldId="323"/>
+        </pc:sldMkLst>
+        <pc:spChg chg="mod">
+          <ac:chgData name="Ihor Aleksandrov" userId="c3051032-6b87-4db2-b257-777a0106fbd9" providerId="ADAL" clId="{CD6A1DE1-ACF9-4B80-94F3-F58CA81605B6}" dt="2024-01-31T16:32:20.906" v="208"/>
+          <ac:spMkLst>
+            <pc:docMk/>
+            <pc:sldMk cId="816537371" sldId="323"/>
+            <ac:spMk id="2" creationId="{53C5D828-9666-E312-B574-9FE965A7D6BE}"/>
+          </ac:spMkLst>
+        </pc:spChg>
+        <pc:spChg chg="add">
+          <ac:chgData name="Ihor Aleksandrov" userId="c3051032-6b87-4db2-b257-777a0106fbd9" providerId="ADAL" clId="{CD6A1DE1-ACF9-4B80-94F3-F58CA81605B6}" dt="2024-01-31T16:32:26.979" v="210" actId="11529"/>
+          <ac:spMkLst>
+            <pc:docMk/>
+            <pc:sldMk cId="816537371" sldId="323"/>
+            <ac:spMk id="4" creationId="{03542100-9D21-41B2-EBC8-F5312B69ACDA}"/>
+          </ac:spMkLst>
+        </pc:spChg>
+        <pc:picChg chg="del">
+          <ac:chgData name="Ihor Aleksandrov" userId="c3051032-6b87-4db2-b257-777a0106fbd9" providerId="ADAL" clId="{CD6A1DE1-ACF9-4B80-94F3-F58CA81605B6}" dt="2024-01-31T16:32:22.331" v="209" actId="478"/>
+          <ac:picMkLst>
+            <pc:docMk/>
+            <pc:sldMk cId="816537371" sldId="323"/>
+            <ac:picMk id="5" creationId="{79E04EF6-B44B-E770-0D59-0AE9905B0613}"/>
+          </ac:picMkLst>
+        </pc:picChg>
+      </pc:sldChg>
+      <pc:sldChg chg="del">
+        <pc:chgData name="Ihor Aleksandrov" userId="c3051032-6b87-4db2-b257-777a0106fbd9" providerId="ADAL" clId="{CD6A1DE1-ACF9-4B80-94F3-F58CA81605B6}" dt="2024-01-31T09:09:41.621" v="12" actId="2696"/>
+        <pc:sldMkLst>
+          <pc:docMk/>
+          <pc:sldMk cId="4226268188" sldId="323"/>
+        </pc:sldMkLst>
+      </pc:sldChg>
+      <pc:sldChg chg="del">
+        <pc:chgData name="Ihor Aleksandrov" userId="c3051032-6b87-4db2-b257-777a0106fbd9" providerId="ADAL" clId="{CD6A1DE1-ACF9-4B80-94F3-F58CA81605B6}" dt="2024-01-31T09:09:41.621" v="12" actId="2696"/>
+        <pc:sldMkLst>
+          <pc:docMk/>
+          <pc:sldMk cId="3008917412" sldId="324"/>
+        </pc:sldMkLst>
+      </pc:sldChg>
+      <pc:sldChg chg="modSp add mod">
+        <pc:chgData name="Ihor Aleksandrov" userId="c3051032-6b87-4db2-b257-777a0106fbd9" providerId="ADAL" clId="{CD6A1DE1-ACF9-4B80-94F3-F58CA81605B6}" dt="2024-01-31T16:33:14.683" v="218" actId="20577"/>
+        <pc:sldMkLst>
+          <pc:docMk/>
+          <pc:sldMk cId="3114329589" sldId="324"/>
+        </pc:sldMkLst>
+        <pc:spChg chg="mod">
+          <ac:chgData name="Ihor Aleksandrov" userId="c3051032-6b87-4db2-b257-777a0106fbd9" providerId="ADAL" clId="{CD6A1DE1-ACF9-4B80-94F3-F58CA81605B6}" dt="2024-01-31T16:33:14.683" v="218" actId="20577"/>
+          <ac:spMkLst>
+            <pc:docMk/>
+            <pc:sldMk cId="3114329589" sldId="324"/>
+            <ac:spMk id="2" creationId="{53C5D828-9666-E312-B574-9FE965A7D6BE}"/>
+          </ac:spMkLst>
+        </pc:spChg>
+      </pc:sldChg>
+      <pc:sldChg chg="del">
+        <pc:chgData name="Ihor Aleksandrov" userId="c3051032-6b87-4db2-b257-777a0106fbd9" providerId="ADAL" clId="{CD6A1DE1-ACF9-4B80-94F3-F58CA81605B6}" dt="2024-01-31T09:09:41.621" v="12" actId="2696"/>
+        <pc:sldMkLst>
+          <pc:docMk/>
+          <pc:sldMk cId="2706419546" sldId="325"/>
+        </pc:sldMkLst>
+      </pc:sldChg>
+      <pc:sldChg chg="del">
+        <pc:chgData name="Ihor Aleksandrov" userId="c3051032-6b87-4db2-b257-777a0106fbd9" providerId="ADAL" clId="{CD6A1DE1-ACF9-4B80-94F3-F58CA81605B6}" dt="2024-01-31T09:09:41.621" v="12" actId="2696"/>
+        <pc:sldMkLst>
+          <pc:docMk/>
+          <pc:sldMk cId="3970945218" sldId="326"/>
+        </pc:sldMkLst>
+      </pc:sldChg>
+      <pc:sldChg chg="del">
+        <pc:chgData name="Ihor Aleksandrov" userId="c3051032-6b87-4db2-b257-777a0106fbd9" providerId="ADAL" clId="{CD6A1DE1-ACF9-4B80-94F3-F58CA81605B6}" dt="2024-01-31T09:09:41.621" v="12" actId="2696"/>
+        <pc:sldMkLst>
+          <pc:docMk/>
+          <pc:sldMk cId="3529826239" sldId="327"/>
+        </pc:sldMkLst>
+      </pc:sldChg>
+      <pc:sldChg chg="del">
+        <pc:chgData name="Ihor Aleksandrov" userId="c3051032-6b87-4db2-b257-777a0106fbd9" providerId="ADAL" clId="{CD6A1DE1-ACF9-4B80-94F3-F58CA81605B6}" dt="2024-01-31T09:09:41.621" v="12" actId="2696"/>
+        <pc:sldMkLst>
+          <pc:docMk/>
+          <pc:sldMk cId="2063279392" sldId="328"/>
+        </pc:sldMkLst>
+      </pc:sldChg>
+      <pc:sldChg chg="del">
+        <pc:chgData name="Ihor Aleksandrov" userId="c3051032-6b87-4db2-b257-777a0106fbd9" providerId="ADAL" clId="{CD6A1DE1-ACF9-4B80-94F3-F58CA81605B6}" dt="2024-01-31T09:09:41.621" v="12" actId="2696"/>
+        <pc:sldMkLst>
+          <pc:docMk/>
+          <pc:sldMk cId="2502396658" sldId="329"/>
+        </pc:sldMkLst>
+      </pc:sldChg>
+      <pc:sldChg chg="del">
+        <pc:chgData name="Ihor Aleksandrov" userId="c3051032-6b87-4db2-b257-777a0106fbd9" providerId="ADAL" clId="{CD6A1DE1-ACF9-4B80-94F3-F58CA81605B6}" dt="2024-01-31T09:09:41.621" v="12" actId="2696"/>
+        <pc:sldMkLst>
+          <pc:docMk/>
+          <pc:sldMk cId="287166604" sldId="330"/>
+        </pc:sldMkLst>
+      </pc:sldChg>
+      <pc:sldChg chg="del">
+        <pc:chgData name="Ihor Aleksandrov" userId="c3051032-6b87-4db2-b257-777a0106fbd9" providerId="ADAL" clId="{CD6A1DE1-ACF9-4B80-94F3-F58CA81605B6}" dt="2024-01-31T09:09:41.621" v="12" actId="2696"/>
+        <pc:sldMkLst>
+          <pc:docMk/>
+          <pc:sldMk cId="4118740463" sldId="331"/>
+        </pc:sldMkLst>
+      </pc:sldChg>
+      <pc:sldChg chg="del">
+        <pc:chgData name="Ihor Aleksandrov" userId="c3051032-6b87-4db2-b257-777a0106fbd9" providerId="ADAL" clId="{CD6A1DE1-ACF9-4B80-94F3-F58CA81605B6}" dt="2024-01-31T09:09:41.621" v="12" actId="2696"/>
+        <pc:sldMkLst>
+          <pc:docMk/>
+          <pc:sldMk cId="246431689" sldId="332"/>
+        </pc:sldMkLst>
+      </pc:sldChg>
+      <pc:sldChg chg="del">
+        <pc:chgData name="Ihor Aleksandrov" userId="c3051032-6b87-4db2-b257-777a0106fbd9" providerId="ADAL" clId="{CD6A1DE1-ACF9-4B80-94F3-F58CA81605B6}" dt="2024-01-31T09:09:41.621" v="12" actId="2696"/>
+        <pc:sldMkLst>
+          <pc:docMk/>
+          <pc:sldMk cId="3336478611" sldId="333"/>
+        </pc:sldMkLst>
+      </pc:sldChg>
+      <pc:sldChg chg="del">
+        <pc:chgData name="Ihor Aleksandrov" userId="c3051032-6b87-4db2-b257-777a0106fbd9" providerId="ADAL" clId="{CD6A1DE1-ACF9-4B80-94F3-F58CA81605B6}" dt="2024-01-31T09:09:41.621" v="12" actId="2696"/>
+        <pc:sldMkLst>
+          <pc:docMk/>
+          <pc:sldMk cId="4103443897" sldId="334"/>
+        </pc:sldMkLst>
+      </pc:sldChg>
+      <pc:sldChg chg="del">
+        <pc:chgData name="Ihor Aleksandrov" userId="c3051032-6b87-4db2-b257-777a0106fbd9" providerId="ADAL" clId="{CD6A1DE1-ACF9-4B80-94F3-F58CA81605B6}" dt="2024-01-31T09:09:41.621" v="12" actId="2696"/>
+        <pc:sldMkLst>
+          <pc:docMk/>
+          <pc:sldMk cId="3743280714" sldId="335"/>
+        </pc:sldMkLst>
+      </pc:sldChg>
+      <pc:sldChg chg="del">
+        <pc:chgData name="Ihor Aleksandrov" userId="c3051032-6b87-4db2-b257-777a0106fbd9" providerId="ADAL" clId="{CD6A1DE1-ACF9-4B80-94F3-F58CA81605B6}" dt="2024-01-31T09:09:41.621" v="12" actId="2696"/>
+        <pc:sldMkLst>
+          <pc:docMk/>
+          <pc:sldMk cId="3674171182" sldId="336"/>
+        </pc:sldMkLst>
+      </pc:sldChg>
+      <pc:sldChg chg="del">
+        <pc:chgData name="Ihor Aleksandrov" userId="c3051032-6b87-4db2-b257-777a0106fbd9" providerId="ADAL" clId="{CD6A1DE1-ACF9-4B80-94F3-F58CA81605B6}" dt="2024-01-31T09:09:41.621" v="12" actId="2696"/>
+        <pc:sldMkLst>
+          <pc:docMk/>
+          <pc:sldMk cId="1296882423" sldId="337"/>
+        </pc:sldMkLst>
+      </pc:sldChg>
+      <pc:sldChg chg="del">
+        <pc:chgData name="Ihor Aleksandrov" userId="c3051032-6b87-4db2-b257-777a0106fbd9" providerId="ADAL" clId="{CD6A1DE1-ACF9-4B80-94F3-F58CA81605B6}" dt="2024-01-31T09:09:41.621" v="12" actId="2696"/>
+        <pc:sldMkLst>
+          <pc:docMk/>
+          <pc:sldMk cId="2578212810" sldId="338"/>
+        </pc:sldMkLst>
+      </pc:sldChg>
+      <pc:sldChg chg="del">
+        <pc:chgData name="Ihor Aleksandrov" userId="c3051032-6b87-4db2-b257-777a0106fbd9" providerId="ADAL" clId="{CD6A1DE1-ACF9-4B80-94F3-F58CA81605B6}" dt="2024-01-31T09:09:41.621" v="12" actId="2696"/>
+        <pc:sldMkLst>
+          <pc:docMk/>
+          <pc:sldMk cId="1227530818" sldId="339"/>
+        </pc:sldMkLst>
+      </pc:sldChg>
+      <pc:sldChg chg="del">
+        <pc:chgData name="Ihor Aleksandrov" userId="c3051032-6b87-4db2-b257-777a0106fbd9" providerId="ADAL" clId="{CD6A1DE1-ACF9-4B80-94F3-F58CA81605B6}" dt="2024-01-31T09:09:41.621" v="12" actId="2696"/>
+        <pc:sldMkLst>
+          <pc:docMk/>
+          <pc:sldMk cId="3182037683" sldId="340"/>
+        </pc:sldMkLst>
+      </pc:sldChg>
+      <pc:sldChg chg="del">
+        <pc:chgData name="Ihor Aleksandrov" userId="c3051032-6b87-4db2-b257-777a0106fbd9" providerId="ADAL" clId="{CD6A1DE1-ACF9-4B80-94F3-F58CA81605B6}" dt="2024-01-31T09:09:41.621" v="12" actId="2696"/>
+        <pc:sldMkLst>
+          <pc:docMk/>
+          <pc:sldMk cId="960138513" sldId="341"/>
+        </pc:sldMkLst>
+      </pc:sldChg>
+    </pc:docChg>
+  </pc:docChgLst>
+  <pc:docChgLst>
     <pc:chgData name="Ihor Aleksandrov" userId="c3051032-6b87-4db2-b257-777a0106fbd9" providerId="ADAL" clId="{8C05140D-7668-4267-B009-985EF5C6B6AF}"/>
     <pc:docChg chg="undo redo custSel addSld delSld modSld addMainMaster delMainMaster modMainMaster">
       <pc:chgData name="Ihor Aleksandrov" userId="c3051032-6b87-4db2-b257-777a0106fbd9" providerId="ADAL" clId="{8C05140D-7668-4267-B009-985EF5C6B6AF}" dt="2024-01-24T16:32:41.148" v="122"/>
@@ -1754,1890 +3503,6 @@
             <pc:docMk/>
             <pc:sldMasterMk cId="1579723609" sldId="2147483660"/>
             <pc:sldLayoutMk cId="1498987355" sldId="2147483662"/>
-          </pc:sldLayoutMkLst>
-        </pc:sldLayoutChg>
-      </pc:sldMasterChg>
-    </pc:docChg>
-  </pc:docChgLst>
-  <pc:docChgLst>
-    <pc:chgData name="Ihor Aleksandrov" userId="c3051032-6b87-4db2-b257-777a0106fbd9" providerId="ADAL" clId="{DF783FCC-C35F-4D2C-B134-D1A27E72D448}"/>
-    <pc:docChg chg="undo custSel addSld delSld modSld sldOrd addMainMaster delMainMaster addSection modSection">
-      <pc:chgData name="Ihor Aleksandrov" userId="c3051032-6b87-4db2-b257-777a0106fbd9" providerId="ADAL" clId="{DF783FCC-C35F-4D2C-B134-D1A27E72D448}" dt="2024-01-26T13:49:38.017" v="476" actId="1076"/>
-      <pc:docMkLst>
-        <pc:docMk/>
-      </pc:docMkLst>
-      <pc:sldChg chg="modSp add del mod">
-        <pc:chgData name="Ihor Aleksandrov" userId="c3051032-6b87-4db2-b257-777a0106fbd9" providerId="ADAL" clId="{DF783FCC-C35F-4D2C-B134-D1A27E72D448}" dt="2024-01-26T09:37:02.125" v="21" actId="20577"/>
-        <pc:sldMkLst>
-          <pc:docMk/>
-          <pc:sldMk cId="552267186" sldId="256"/>
-        </pc:sldMkLst>
-        <pc:spChg chg="mod">
-          <ac:chgData name="Ihor Aleksandrov" userId="c3051032-6b87-4db2-b257-777a0106fbd9" providerId="ADAL" clId="{DF783FCC-C35F-4D2C-B134-D1A27E72D448}" dt="2024-01-26T09:37:02.125" v="21" actId="20577"/>
-          <ac:spMkLst>
-            <pc:docMk/>
-            <pc:sldMk cId="552267186" sldId="256"/>
-            <ac:spMk id="2" creationId="{18C18207-A109-5552-1541-0ABBAA316282}"/>
-          </ac:spMkLst>
-        </pc:spChg>
-      </pc:sldChg>
-      <pc:sldChg chg="addSp delSp modSp add del mod">
-        <pc:chgData name="Ihor Aleksandrov" userId="c3051032-6b87-4db2-b257-777a0106fbd9" providerId="ADAL" clId="{DF783FCC-C35F-4D2C-B134-D1A27E72D448}" dt="2024-01-26T10:34:00.196" v="47"/>
-        <pc:sldMkLst>
-          <pc:docMk/>
-          <pc:sldMk cId="4197480136" sldId="268"/>
-        </pc:sldMkLst>
-        <pc:spChg chg="mod">
-          <ac:chgData name="Ihor Aleksandrov" userId="c3051032-6b87-4db2-b257-777a0106fbd9" providerId="ADAL" clId="{DF783FCC-C35F-4D2C-B134-D1A27E72D448}" dt="2024-01-26T10:32:58.017" v="35" actId="20577"/>
-          <ac:spMkLst>
-            <pc:docMk/>
-            <pc:sldMk cId="4197480136" sldId="268"/>
-            <ac:spMk id="2" creationId="{53C5D828-9666-E312-B574-9FE965A7D6BE}"/>
-          </ac:spMkLst>
-        </pc:spChg>
-        <pc:picChg chg="add mod">
-          <ac:chgData name="Ihor Aleksandrov" userId="c3051032-6b87-4db2-b257-777a0106fbd9" providerId="ADAL" clId="{DF783FCC-C35F-4D2C-B134-D1A27E72D448}" dt="2024-01-26T10:34:00.196" v="47"/>
-          <ac:picMkLst>
-            <pc:docMk/>
-            <pc:sldMk cId="4197480136" sldId="268"/>
-            <ac:picMk id="5" creationId="{48B8D675-CA93-B1DA-C8B0-E9A8D9721494}"/>
-          </ac:picMkLst>
-        </pc:picChg>
-        <pc:picChg chg="del">
-          <ac:chgData name="Ihor Aleksandrov" userId="c3051032-6b87-4db2-b257-777a0106fbd9" providerId="ADAL" clId="{DF783FCC-C35F-4D2C-B134-D1A27E72D448}" dt="2024-01-26T10:33:12.173" v="36" actId="478"/>
-          <ac:picMkLst>
-            <pc:docMk/>
-            <pc:sldMk cId="4197480136" sldId="268"/>
-            <ac:picMk id="6" creationId="{96E01597-C9C0-8F09-1E61-63CEB43A5D58}"/>
-          </ac:picMkLst>
-        </pc:picChg>
-      </pc:sldChg>
-      <pc:sldChg chg="modSp mod">
-        <pc:chgData name="Ihor Aleksandrov" userId="c3051032-6b87-4db2-b257-777a0106fbd9" providerId="ADAL" clId="{DF783FCC-C35F-4D2C-B134-D1A27E72D448}" dt="2024-01-26T09:35:41.705" v="4"/>
-        <pc:sldMkLst>
-          <pc:docMk/>
-          <pc:sldMk cId="2052164358" sldId="302"/>
-        </pc:sldMkLst>
-        <pc:spChg chg="mod">
-          <ac:chgData name="Ihor Aleksandrov" userId="c3051032-6b87-4db2-b257-777a0106fbd9" providerId="ADAL" clId="{DF783FCC-C35F-4D2C-B134-D1A27E72D448}" dt="2024-01-26T09:35:41.705" v="4"/>
-          <ac:spMkLst>
-            <pc:docMk/>
-            <pc:sldMk cId="2052164358" sldId="302"/>
-            <ac:spMk id="2" creationId="{5DF8ECE0-DBF5-C309-B35B-C6A0C6C847B2}"/>
-          </ac:spMkLst>
-        </pc:spChg>
-      </pc:sldChg>
-      <pc:sldChg chg="modSp mod">
-        <pc:chgData name="Ihor Aleksandrov" userId="c3051032-6b87-4db2-b257-777a0106fbd9" providerId="ADAL" clId="{DF783FCC-C35F-4D2C-B134-D1A27E72D448}" dt="2024-01-26T13:46:17.622" v="472" actId="14100"/>
-        <pc:sldMkLst>
-          <pc:docMk/>
-          <pc:sldMk cId="2972731808" sldId="303"/>
-        </pc:sldMkLst>
-        <pc:graphicFrameChg chg="mod">
-          <ac:chgData name="Ihor Aleksandrov" userId="c3051032-6b87-4db2-b257-777a0106fbd9" providerId="ADAL" clId="{DF783FCC-C35F-4D2C-B134-D1A27E72D448}" dt="2024-01-26T13:46:17.622" v="472" actId="14100"/>
-          <ac:graphicFrameMkLst>
-            <pc:docMk/>
-            <pc:sldMk cId="2972731808" sldId="303"/>
-            <ac:graphicFrameMk id="50" creationId="{438840ED-2B50-ED19-12CF-99B1789AE150}"/>
-          </ac:graphicFrameMkLst>
-        </pc:graphicFrameChg>
-      </pc:sldChg>
-      <pc:sldChg chg="add del">
-        <pc:chgData name="Ihor Aleksandrov" userId="c3051032-6b87-4db2-b257-777a0106fbd9" providerId="ADAL" clId="{DF783FCC-C35F-4D2C-B134-D1A27E72D448}" dt="2024-01-26T09:36:38.278" v="7" actId="2696"/>
-        <pc:sldMkLst>
-          <pc:docMk/>
-          <pc:sldMk cId="2437677464" sldId="304"/>
-        </pc:sldMkLst>
-      </pc:sldChg>
-      <pc:sldChg chg="addSp delSp modSp add mod">
-        <pc:chgData name="Ihor Aleksandrov" userId="c3051032-6b87-4db2-b257-777a0106fbd9" providerId="ADAL" clId="{DF783FCC-C35F-4D2C-B134-D1A27E72D448}" dt="2024-01-26T10:37:47.393" v="72" actId="1076"/>
-        <pc:sldMkLst>
-          <pc:docMk/>
-          <pc:sldMk cId="2663829398" sldId="304"/>
-        </pc:sldMkLst>
-        <pc:spChg chg="mod">
-          <ac:chgData name="Ihor Aleksandrov" userId="c3051032-6b87-4db2-b257-777a0106fbd9" providerId="ADAL" clId="{DF783FCC-C35F-4D2C-B134-D1A27E72D448}" dt="2024-01-26T10:36:14.718" v="52"/>
-          <ac:spMkLst>
-            <pc:docMk/>
-            <pc:sldMk cId="2663829398" sldId="304"/>
-            <ac:spMk id="2" creationId="{53C5D828-9666-E312-B574-9FE965A7D6BE}"/>
-          </ac:spMkLst>
-        </pc:spChg>
-        <pc:picChg chg="add mod">
-          <ac:chgData name="Ihor Aleksandrov" userId="c3051032-6b87-4db2-b257-777a0106fbd9" providerId="ADAL" clId="{DF783FCC-C35F-4D2C-B134-D1A27E72D448}" dt="2024-01-26T10:37:47.393" v="72" actId="1076"/>
-          <ac:picMkLst>
-            <pc:docMk/>
-            <pc:sldMk cId="2663829398" sldId="304"/>
-            <ac:picMk id="4" creationId="{FCFA766F-83CB-5C1C-AAE0-E7EBDC3565E1}"/>
-          </ac:picMkLst>
-        </pc:picChg>
-        <pc:picChg chg="del">
-          <ac:chgData name="Ihor Aleksandrov" userId="c3051032-6b87-4db2-b257-777a0106fbd9" providerId="ADAL" clId="{DF783FCC-C35F-4D2C-B134-D1A27E72D448}" dt="2024-01-26T10:36:17.274" v="53" actId="478"/>
-          <ac:picMkLst>
-            <pc:docMk/>
-            <pc:sldMk cId="2663829398" sldId="304"/>
-            <ac:picMk id="5" creationId="{48B8D675-CA93-B1DA-C8B0-E9A8D9721494}"/>
-          </ac:picMkLst>
-        </pc:picChg>
-      </pc:sldChg>
-      <pc:sldChg chg="addSp delSp modSp add mod">
-        <pc:chgData name="Ihor Aleksandrov" userId="c3051032-6b87-4db2-b257-777a0106fbd9" providerId="ADAL" clId="{DF783FCC-C35F-4D2C-B134-D1A27E72D448}" dt="2024-01-26T11:02:50.166" v="113" actId="1036"/>
-        <pc:sldMkLst>
-          <pc:docMk/>
-          <pc:sldMk cId="90847877" sldId="305"/>
-        </pc:sldMkLst>
-        <pc:spChg chg="mod">
-          <ac:chgData name="Ihor Aleksandrov" userId="c3051032-6b87-4db2-b257-777a0106fbd9" providerId="ADAL" clId="{DF783FCC-C35F-4D2C-B134-D1A27E72D448}" dt="2024-01-26T11:00:56.843" v="75" actId="20577"/>
-          <ac:spMkLst>
-            <pc:docMk/>
-            <pc:sldMk cId="90847877" sldId="305"/>
-            <ac:spMk id="2" creationId="{53C5D828-9666-E312-B574-9FE965A7D6BE}"/>
-          </ac:spMkLst>
-        </pc:spChg>
-        <pc:picChg chg="del">
-          <ac:chgData name="Ihor Aleksandrov" userId="c3051032-6b87-4db2-b257-777a0106fbd9" providerId="ADAL" clId="{DF783FCC-C35F-4D2C-B134-D1A27E72D448}" dt="2024-01-26T11:01:32.422" v="76" actId="478"/>
-          <ac:picMkLst>
-            <pc:docMk/>
-            <pc:sldMk cId="90847877" sldId="305"/>
-            <ac:picMk id="4" creationId="{FCFA766F-83CB-5C1C-AAE0-E7EBDC3565E1}"/>
-          </ac:picMkLst>
-        </pc:picChg>
-        <pc:picChg chg="add mod">
-          <ac:chgData name="Ihor Aleksandrov" userId="c3051032-6b87-4db2-b257-777a0106fbd9" providerId="ADAL" clId="{DF783FCC-C35F-4D2C-B134-D1A27E72D448}" dt="2024-01-26T11:02:07.815" v="78" actId="1076"/>
-          <ac:picMkLst>
-            <pc:docMk/>
-            <pc:sldMk cId="90847877" sldId="305"/>
-            <ac:picMk id="6" creationId="{8E098978-CBA3-C53D-2AC7-6E736F346038}"/>
-          </ac:picMkLst>
-        </pc:picChg>
-        <pc:picChg chg="add mod">
-          <ac:chgData name="Ihor Aleksandrov" userId="c3051032-6b87-4db2-b257-777a0106fbd9" providerId="ADAL" clId="{DF783FCC-C35F-4D2C-B134-D1A27E72D448}" dt="2024-01-26T11:02:23.689" v="89" actId="1036"/>
-          <ac:picMkLst>
-            <pc:docMk/>
-            <pc:sldMk cId="90847877" sldId="305"/>
-            <ac:picMk id="8" creationId="{048150D0-EEA6-F03D-53F3-560A3ECE73ED}"/>
-          </ac:picMkLst>
-        </pc:picChg>
-        <pc:picChg chg="add mod">
-          <ac:chgData name="Ihor Aleksandrov" userId="c3051032-6b87-4db2-b257-777a0106fbd9" providerId="ADAL" clId="{DF783FCC-C35F-4D2C-B134-D1A27E72D448}" dt="2024-01-26T11:02:50.166" v="113" actId="1036"/>
-          <ac:picMkLst>
-            <pc:docMk/>
-            <pc:sldMk cId="90847877" sldId="305"/>
-            <ac:picMk id="10" creationId="{0D805EFE-1FBF-FD52-8DDC-4879878D0844}"/>
-          </ac:picMkLst>
-        </pc:picChg>
-      </pc:sldChg>
-      <pc:sldChg chg="add del">
-        <pc:chgData name="Ihor Aleksandrov" userId="c3051032-6b87-4db2-b257-777a0106fbd9" providerId="ADAL" clId="{DF783FCC-C35F-4D2C-B134-D1A27E72D448}" dt="2024-01-26T09:36:38.278" v="7" actId="2696"/>
-        <pc:sldMkLst>
-          <pc:docMk/>
-          <pc:sldMk cId="3615190178" sldId="305"/>
-        </pc:sldMkLst>
-      </pc:sldChg>
-      <pc:sldChg chg="addSp delSp modSp add mod">
-        <pc:chgData name="Ihor Aleksandrov" userId="c3051032-6b87-4db2-b257-777a0106fbd9" providerId="ADAL" clId="{DF783FCC-C35F-4D2C-B134-D1A27E72D448}" dt="2024-01-26T11:08:25.726" v="126" actId="1076"/>
-        <pc:sldMkLst>
-          <pc:docMk/>
-          <pc:sldMk cId="420494837" sldId="306"/>
-        </pc:sldMkLst>
-        <pc:spChg chg="mod">
-          <ac:chgData name="Ihor Aleksandrov" userId="c3051032-6b87-4db2-b257-777a0106fbd9" providerId="ADAL" clId="{DF783FCC-C35F-4D2C-B134-D1A27E72D448}" dt="2024-01-26T11:05:03.395" v="117" actId="20577"/>
-          <ac:spMkLst>
-            <pc:docMk/>
-            <pc:sldMk cId="420494837" sldId="306"/>
-            <ac:spMk id="2" creationId="{53C5D828-9666-E312-B574-9FE965A7D6BE}"/>
-          </ac:spMkLst>
-        </pc:spChg>
-        <pc:picChg chg="add mod">
-          <ac:chgData name="Ihor Aleksandrov" userId="c3051032-6b87-4db2-b257-777a0106fbd9" providerId="ADAL" clId="{DF783FCC-C35F-4D2C-B134-D1A27E72D448}" dt="2024-01-26T11:08:16.399" v="123" actId="1076"/>
-          <ac:picMkLst>
-            <pc:docMk/>
-            <pc:sldMk cId="420494837" sldId="306"/>
-            <ac:picMk id="5" creationId="{F9F6D8B4-95C0-C160-F6BC-F60E1B8389DC}"/>
-          </ac:picMkLst>
-        </pc:picChg>
-        <pc:picChg chg="del">
-          <ac:chgData name="Ihor Aleksandrov" userId="c3051032-6b87-4db2-b257-777a0106fbd9" providerId="ADAL" clId="{DF783FCC-C35F-4D2C-B134-D1A27E72D448}" dt="2024-01-26T11:05:47.639" v="118" actId="478"/>
-          <ac:picMkLst>
-            <pc:docMk/>
-            <pc:sldMk cId="420494837" sldId="306"/>
-            <ac:picMk id="6" creationId="{8E098978-CBA3-C53D-2AC7-6E736F346038}"/>
-          </ac:picMkLst>
-        </pc:picChg>
-        <pc:picChg chg="del">
-          <ac:chgData name="Ihor Aleksandrov" userId="c3051032-6b87-4db2-b257-777a0106fbd9" providerId="ADAL" clId="{DF783FCC-C35F-4D2C-B134-D1A27E72D448}" dt="2024-01-26T11:05:49.948" v="119" actId="478"/>
-          <ac:picMkLst>
-            <pc:docMk/>
-            <pc:sldMk cId="420494837" sldId="306"/>
-            <ac:picMk id="8" creationId="{048150D0-EEA6-F03D-53F3-560A3ECE73ED}"/>
-          </ac:picMkLst>
-        </pc:picChg>
-        <pc:picChg chg="add mod">
-          <ac:chgData name="Ihor Aleksandrov" userId="c3051032-6b87-4db2-b257-777a0106fbd9" providerId="ADAL" clId="{DF783FCC-C35F-4D2C-B134-D1A27E72D448}" dt="2024-01-26T11:08:25.726" v="126" actId="1076"/>
-          <ac:picMkLst>
-            <pc:docMk/>
-            <pc:sldMk cId="420494837" sldId="306"/>
-            <ac:picMk id="9" creationId="{8DE22683-1DCE-F916-E898-47CF6229B7CE}"/>
-          </ac:picMkLst>
-        </pc:picChg>
-        <pc:picChg chg="del">
-          <ac:chgData name="Ihor Aleksandrov" userId="c3051032-6b87-4db2-b257-777a0106fbd9" providerId="ADAL" clId="{DF783FCC-C35F-4D2C-B134-D1A27E72D448}" dt="2024-01-26T11:05:53.464" v="120" actId="478"/>
-          <ac:picMkLst>
-            <pc:docMk/>
-            <pc:sldMk cId="420494837" sldId="306"/>
-            <ac:picMk id="10" creationId="{0D805EFE-1FBF-FD52-8DDC-4879878D0844}"/>
-          </ac:picMkLst>
-        </pc:picChg>
-      </pc:sldChg>
-      <pc:sldChg chg="add del">
-        <pc:chgData name="Ihor Aleksandrov" userId="c3051032-6b87-4db2-b257-777a0106fbd9" providerId="ADAL" clId="{DF783FCC-C35F-4D2C-B134-D1A27E72D448}" dt="2024-01-26T09:36:38.278" v="7" actId="2696"/>
-        <pc:sldMkLst>
-          <pc:docMk/>
-          <pc:sldMk cId="1836256656" sldId="306"/>
-        </pc:sldMkLst>
-      </pc:sldChg>
-      <pc:sldChg chg="add del">
-        <pc:chgData name="Ihor Aleksandrov" userId="c3051032-6b87-4db2-b257-777a0106fbd9" providerId="ADAL" clId="{DF783FCC-C35F-4D2C-B134-D1A27E72D448}" dt="2024-01-26T09:36:38.278" v="7" actId="2696"/>
-        <pc:sldMkLst>
-          <pc:docMk/>
-          <pc:sldMk cId="198741980" sldId="307"/>
-        </pc:sldMkLst>
-      </pc:sldChg>
-      <pc:sldChg chg="addSp delSp modSp add mod">
-        <pc:chgData name="Ihor Aleksandrov" userId="c3051032-6b87-4db2-b257-777a0106fbd9" providerId="ADAL" clId="{DF783FCC-C35F-4D2C-B134-D1A27E72D448}" dt="2024-01-26T11:13:08.952" v="138" actId="1076"/>
-        <pc:sldMkLst>
-          <pc:docMk/>
-          <pc:sldMk cId="1938047355" sldId="307"/>
-        </pc:sldMkLst>
-        <pc:spChg chg="mod">
-          <ac:chgData name="Ihor Aleksandrov" userId="c3051032-6b87-4db2-b257-777a0106fbd9" providerId="ADAL" clId="{DF783FCC-C35F-4D2C-B134-D1A27E72D448}" dt="2024-01-26T11:11:00.832" v="133" actId="20577"/>
-          <ac:spMkLst>
-            <pc:docMk/>
-            <pc:sldMk cId="1938047355" sldId="307"/>
-            <ac:spMk id="2" creationId="{53C5D828-9666-E312-B574-9FE965A7D6BE}"/>
-          </ac:spMkLst>
-        </pc:spChg>
-        <pc:picChg chg="del">
-          <ac:chgData name="Ihor Aleksandrov" userId="c3051032-6b87-4db2-b257-777a0106fbd9" providerId="ADAL" clId="{DF783FCC-C35F-4D2C-B134-D1A27E72D448}" dt="2024-01-26T11:11:31.596" v="134" actId="478"/>
-          <ac:picMkLst>
-            <pc:docMk/>
-            <pc:sldMk cId="1938047355" sldId="307"/>
-            <ac:picMk id="5" creationId="{F9F6D8B4-95C0-C160-F6BC-F60E1B8389DC}"/>
-          </ac:picMkLst>
-        </pc:picChg>
-        <pc:picChg chg="add mod">
-          <ac:chgData name="Ihor Aleksandrov" userId="c3051032-6b87-4db2-b257-777a0106fbd9" providerId="ADAL" clId="{DF783FCC-C35F-4D2C-B134-D1A27E72D448}" dt="2024-01-26T11:13:08.952" v="138" actId="1076"/>
-          <ac:picMkLst>
-            <pc:docMk/>
-            <pc:sldMk cId="1938047355" sldId="307"/>
-            <ac:picMk id="6" creationId="{9E283F72-3A1C-C9B6-B2F7-8739C40F746A}"/>
-          </ac:picMkLst>
-        </pc:picChg>
-        <pc:picChg chg="del">
-          <ac:chgData name="Ihor Aleksandrov" userId="c3051032-6b87-4db2-b257-777a0106fbd9" providerId="ADAL" clId="{DF783FCC-C35F-4D2C-B134-D1A27E72D448}" dt="2024-01-26T11:11:33.613" v="135" actId="478"/>
-          <ac:picMkLst>
-            <pc:docMk/>
-            <pc:sldMk cId="1938047355" sldId="307"/>
-            <ac:picMk id="9" creationId="{8DE22683-1DCE-F916-E898-47CF6229B7CE}"/>
-          </ac:picMkLst>
-        </pc:picChg>
-      </pc:sldChg>
-      <pc:sldChg chg="add del">
-        <pc:chgData name="Ihor Aleksandrov" userId="c3051032-6b87-4db2-b257-777a0106fbd9" providerId="ADAL" clId="{DF783FCC-C35F-4D2C-B134-D1A27E72D448}" dt="2024-01-26T09:36:41.344" v="8" actId="2696"/>
-        <pc:sldMkLst>
-          <pc:docMk/>
-          <pc:sldMk cId="2347286244" sldId="308"/>
-        </pc:sldMkLst>
-      </pc:sldChg>
-      <pc:sldChg chg="addSp delSp modSp add mod">
-        <pc:chgData name="Ihor Aleksandrov" userId="c3051032-6b87-4db2-b257-777a0106fbd9" providerId="ADAL" clId="{DF783FCC-C35F-4D2C-B134-D1A27E72D448}" dt="2024-01-26T13:49:38.017" v="476" actId="1076"/>
-        <pc:sldMkLst>
-          <pc:docMk/>
-          <pc:sldMk cId="4274413980" sldId="308"/>
-        </pc:sldMkLst>
-        <pc:spChg chg="mod">
-          <ac:chgData name="Ihor Aleksandrov" userId="c3051032-6b87-4db2-b257-777a0106fbd9" providerId="ADAL" clId="{DF783FCC-C35F-4D2C-B134-D1A27E72D448}" dt="2024-01-26T11:17:29.617" v="150" actId="20577"/>
-          <ac:spMkLst>
-            <pc:docMk/>
-            <pc:sldMk cId="4274413980" sldId="308"/>
-            <ac:spMk id="2" creationId="{53C5D828-9666-E312-B574-9FE965A7D6BE}"/>
-          </ac:spMkLst>
-        </pc:spChg>
-        <pc:spChg chg="add del">
-          <ac:chgData name="Ihor Aleksandrov" userId="c3051032-6b87-4db2-b257-777a0106fbd9" providerId="ADAL" clId="{DF783FCC-C35F-4D2C-B134-D1A27E72D448}" dt="2024-01-26T13:49:34.226" v="475" actId="478"/>
-          <ac:spMkLst>
-            <pc:docMk/>
-            <pc:sldMk cId="4274413980" sldId="308"/>
-            <ac:spMk id="4" creationId="{91F87B49-5965-0686-132C-82FF71BF90C4}"/>
-          </ac:spMkLst>
-        </pc:spChg>
-        <pc:picChg chg="add mod">
-          <ac:chgData name="Ihor Aleksandrov" userId="c3051032-6b87-4db2-b257-777a0106fbd9" providerId="ADAL" clId="{DF783FCC-C35F-4D2C-B134-D1A27E72D448}" dt="2024-01-26T13:49:38.017" v="476" actId="1076"/>
-          <ac:picMkLst>
-            <pc:docMk/>
-            <pc:sldMk cId="4274413980" sldId="308"/>
-            <ac:picMk id="5" creationId="{CE7009DE-0262-AC3D-D9CE-67DDCC6CEE93}"/>
-          </ac:picMkLst>
-        </pc:picChg>
-        <pc:picChg chg="del">
-          <ac:chgData name="Ihor Aleksandrov" userId="c3051032-6b87-4db2-b257-777a0106fbd9" providerId="ADAL" clId="{DF783FCC-C35F-4D2C-B134-D1A27E72D448}" dt="2024-01-26T11:14:40.895" v="149" actId="478"/>
-          <ac:picMkLst>
-            <pc:docMk/>
-            <pc:sldMk cId="4274413980" sldId="308"/>
-            <ac:picMk id="6" creationId="{9E283F72-3A1C-C9B6-B2F7-8739C40F746A}"/>
-          </ac:picMkLst>
-        </pc:picChg>
-      </pc:sldChg>
-      <pc:sldChg chg="addSp delSp modSp add mod">
-        <pc:chgData name="Ihor Aleksandrov" userId="c3051032-6b87-4db2-b257-777a0106fbd9" providerId="ADAL" clId="{DF783FCC-C35F-4D2C-B134-D1A27E72D448}" dt="2024-01-26T11:21:29.316" v="167" actId="1076"/>
-        <pc:sldMkLst>
-          <pc:docMk/>
-          <pc:sldMk cId="3572219502" sldId="309"/>
-        </pc:sldMkLst>
-        <pc:spChg chg="mod">
-          <ac:chgData name="Ihor Aleksandrov" userId="c3051032-6b87-4db2-b257-777a0106fbd9" providerId="ADAL" clId="{DF783FCC-C35F-4D2C-B134-D1A27E72D448}" dt="2024-01-26T11:20:09.576" v="160" actId="20577"/>
-          <ac:spMkLst>
-            <pc:docMk/>
-            <pc:sldMk cId="3572219502" sldId="309"/>
-            <ac:spMk id="2" creationId="{53C5D828-9666-E312-B574-9FE965A7D6BE}"/>
-          </ac:spMkLst>
-        </pc:spChg>
-        <pc:spChg chg="del">
-          <ac:chgData name="Ihor Aleksandrov" userId="c3051032-6b87-4db2-b257-777a0106fbd9" providerId="ADAL" clId="{DF783FCC-C35F-4D2C-B134-D1A27E72D448}" dt="2024-01-26T11:21:20.104" v="163" actId="478"/>
-          <ac:spMkLst>
-            <pc:docMk/>
-            <pc:sldMk cId="3572219502" sldId="309"/>
-            <ac:spMk id="4" creationId="{91F87B49-5965-0686-132C-82FF71BF90C4}"/>
-          </ac:spMkLst>
-        </pc:spChg>
-        <pc:picChg chg="add mod">
-          <ac:chgData name="Ihor Aleksandrov" userId="c3051032-6b87-4db2-b257-777a0106fbd9" providerId="ADAL" clId="{DF783FCC-C35F-4D2C-B134-D1A27E72D448}" dt="2024-01-26T11:21:29.316" v="167" actId="1076"/>
-          <ac:picMkLst>
-            <pc:docMk/>
-            <pc:sldMk cId="3572219502" sldId="309"/>
-            <ac:picMk id="5" creationId="{7CADBF52-3379-A0DB-C2D3-AD13E50F4810}"/>
-          </ac:picMkLst>
-        </pc:picChg>
-      </pc:sldChg>
-      <pc:sldChg chg="addSp delSp modSp add mod">
-        <pc:chgData name="Ihor Aleksandrov" userId="c3051032-6b87-4db2-b257-777a0106fbd9" providerId="ADAL" clId="{DF783FCC-C35F-4D2C-B134-D1A27E72D448}" dt="2024-01-26T11:25:23.338" v="173" actId="1076"/>
-        <pc:sldMkLst>
-          <pc:docMk/>
-          <pc:sldMk cId="2777986827" sldId="310"/>
-        </pc:sldMkLst>
-        <pc:spChg chg="mod">
-          <ac:chgData name="Ihor Aleksandrov" userId="c3051032-6b87-4db2-b257-777a0106fbd9" providerId="ADAL" clId="{DF783FCC-C35F-4D2C-B134-D1A27E72D448}" dt="2024-01-26T11:25:12.797" v="169" actId="20577"/>
-          <ac:spMkLst>
-            <pc:docMk/>
-            <pc:sldMk cId="2777986827" sldId="310"/>
-            <ac:spMk id="2" creationId="{53C5D828-9666-E312-B574-9FE965A7D6BE}"/>
-          </ac:spMkLst>
-        </pc:spChg>
-        <pc:picChg chg="del">
-          <ac:chgData name="Ihor Aleksandrov" userId="c3051032-6b87-4db2-b257-777a0106fbd9" providerId="ADAL" clId="{DF783FCC-C35F-4D2C-B134-D1A27E72D448}" dt="2024-01-26T11:25:15.201" v="170" actId="478"/>
-          <ac:picMkLst>
-            <pc:docMk/>
-            <pc:sldMk cId="2777986827" sldId="310"/>
-            <ac:picMk id="5" creationId="{7CADBF52-3379-A0DB-C2D3-AD13E50F4810}"/>
-          </ac:picMkLst>
-        </pc:picChg>
-        <pc:picChg chg="add mod">
-          <ac:chgData name="Ihor Aleksandrov" userId="c3051032-6b87-4db2-b257-777a0106fbd9" providerId="ADAL" clId="{DF783FCC-C35F-4D2C-B134-D1A27E72D448}" dt="2024-01-26T11:25:23.338" v="173" actId="1076"/>
-          <ac:picMkLst>
-            <pc:docMk/>
-            <pc:sldMk cId="2777986827" sldId="310"/>
-            <ac:picMk id="6" creationId="{0FF2F593-A13B-5DDB-88EB-006260BEE328}"/>
-          </ac:picMkLst>
-        </pc:picChg>
-      </pc:sldChg>
-      <pc:sldChg chg="modSp add mod ord">
-        <pc:chgData name="Ihor Aleksandrov" userId="c3051032-6b87-4db2-b257-777a0106fbd9" providerId="ADAL" clId="{DF783FCC-C35F-4D2C-B134-D1A27E72D448}" dt="2024-01-26T11:50:15.315" v="188" actId="20577"/>
-        <pc:sldMkLst>
-          <pc:docMk/>
-          <pc:sldMk cId="484484455" sldId="311"/>
-        </pc:sldMkLst>
-        <pc:spChg chg="mod">
-          <ac:chgData name="Ihor Aleksandrov" userId="c3051032-6b87-4db2-b257-777a0106fbd9" providerId="ADAL" clId="{DF783FCC-C35F-4D2C-B134-D1A27E72D448}" dt="2024-01-26T11:50:15.315" v="188" actId="20577"/>
-          <ac:spMkLst>
-            <pc:docMk/>
-            <pc:sldMk cId="484484455" sldId="311"/>
-            <ac:spMk id="2" creationId="{18C18207-A109-5552-1541-0ABBAA316282}"/>
-          </ac:spMkLst>
-        </pc:spChg>
-      </pc:sldChg>
-      <pc:sldChg chg="addSp delSp modSp add mod ord">
-        <pc:chgData name="Ihor Aleksandrov" userId="c3051032-6b87-4db2-b257-777a0106fbd9" providerId="ADAL" clId="{DF783FCC-C35F-4D2C-B134-D1A27E72D448}" dt="2024-01-26T11:59:10.243" v="218" actId="1076"/>
-        <pc:sldMkLst>
-          <pc:docMk/>
-          <pc:sldMk cId="3071951183" sldId="312"/>
-        </pc:sldMkLst>
-        <pc:spChg chg="mod">
-          <ac:chgData name="Ihor Aleksandrov" userId="c3051032-6b87-4db2-b257-777a0106fbd9" providerId="ADAL" clId="{DF783FCC-C35F-4D2C-B134-D1A27E72D448}" dt="2024-01-26T11:58:37.056" v="212" actId="20577"/>
-          <ac:spMkLst>
-            <pc:docMk/>
-            <pc:sldMk cId="3071951183" sldId="312"/>
-            <ac:spMk id="2" creationId="{53C5D828-9666-E312-B574-9FE965A7D6BE}"/>
-          </ac:spMkLst>
-        </pc:spChg>
-        <pc:picChg chg="add mod">
-          <ac:chgData name="Ihor Aleksandrov" userId="c3051032-6b87-4db2-b257-777a0106fbd9" providerId="ADAL" clId="{DF783FCC-C35F-4D2C-B134-D1A27E72D448}" dt="2024-01-26T11:59:10.243" v="218" actId="1076"/>
-          <ac:picMkLst>
-            <pc:docMk/>
-            <pc:sldMk cId="3071951183" sldId="312"/>
-            <ac:picMk id="5" creationId="{A4BEC793-F7E8-D57E-E495-4A952075089A}"/>
-          </ac:picMkLst>
-        </pc:picChg>
-        <pc:picChg chg="del">
-          <ac:chgData name="Ihor Aleksandrov" userId="c3051032-6b87-4db2-b257-777a0106fbd9" providerId="ADAL" clId="{DF783FCC-C35F-4D2C-B134-D1A27E72D448}" dt="2024-01-26T11:58:39.250" v="213" actId="478"/>
-          <ac:picMkLst>
-            <pc:docMk/>
-            <pc:sldMk cId="3071951183" sldId="312"/>
-            <ac:picMk id="6" creationId="{0FF2F593-A13B-5DDB-88EB-006260BEE328}"/>
-          </ac:picMkLst>
-        </pc:picChg>
-      </pc:sldChg>
-      <pc:sldChg chg="addSp delSp modSp add mod">
-        <pc:chgData name="Ihor Aleksandrov" userId="c3051032-6b87-4db2-b257-777a0106fbd9" providerId="ADAL" clId="{DF783FCC-C35F-4D2C-B134-D1A27E72D448}" dt="2024-01-26T12:31:57.105" v="243"/>
-        <pc:sldMkLst>
-          <pc:docMk/>
-          <pc:sldMk cId="4014532755" sldId="313"/>
-        </pc:sldMkLst>
-        <pc:spChg chg="mod">
-          <ac:chgData name="Ihor Aleksandrov" userId="c3051032-6b87-4db2-b257-777a0106fbd9" providerId="ADAL" clId="{DF783FCC-C35F-4D2C-B134-D1A27E72D448}" dt="2024-01-26T12:26:21.004" v="225" actId="20577"/>
-          <ac:spMkLst>
-            <pc:docMk/>
-            <pc:sldMk cId="4014532755" sldId="313"/>
-            <ac:spMk id="2" creationId="{53C5D828-9666-E312-B574-9FE965A7D6BE}"/>
-          </ac:spMkLst>
-        </pc:spChg>
-        <pc:picChg chg="del">
-          <ac:chgData name="Ihor Aleksandrov" userId="c3051032-6b87-4db2-b257-777a0106fbd9" providerId="ADAL" clId="{DF783FCC-C35F-4D2C-B134-D1A27E72D448}" dt="2024-01-26T12:26:40.665" v="226" actId="478"/>
-          <ac:picMkLst>
-            <pc:docMk/>
-            <pc:sldMk cId="4014532755" sldId="313"/>
-            <ac:picMk id="5" creationId="{A4BEC793-F7E8-D57E-E495-4A952075089A}"/>
-          </ac:picMkLst>
-        </pc:picChg>
-        <pc:picChg chg="add mod">
-          <ac:chgData name="Ihor Aleksandrov" userId="c3051032-6b87-4db2-b257-777a0106fbd9" providerId="ADAL" clId="{DF783FCC-C35F-4D2C-B134-D1A27E72D448}" dt="2024-01-26T12:26:48.160" v="230" actId="1076"/>
-          <ac:picMkLst>
-            <pc:docMk/>
-            <pc:sldMk cId="4014532755" sldId="313"/>
-            <ac:picMk id="6" creationId="{B022E9A4-52AD-1F66-AC22-B0AE53D1145C}"/>
-          </ac:picMkLst>
-        </pc:picChg>
-        <pc:picChg chg="add mod">
-          <ac:chgData name="Ihor Aleksandrov" userId="c3051032-6b87-4db2-b257-777a0106fbd9" providerId="ADAL" clId="{DF783FCC-C35F-4D2C-B134-D1A27E72D448}" dt="2024-01-26T12:31:57.105" v="243"/>
-          <ac:picMkLst>
-            <pc:docMk/>
-            <pc:sldMk cId="4014532755" sldId="313"/>
-            <ac:picMk id="8" creationId="{C31A8AEA-045D-CA8D-2F87-86C7BC7F2140}"/>
-          </ac:picMkLst>
-        </pc:picChg>
-      </pc:sldChg>
-      <pc:sldChg chg="addSp delSp modSp add mod">
-        <pc:chgData name="Ihor Aleksandrov" userId="c3051032-6b87-4db2-b257-777a0106fbd9" providerId="ADAL" clId="{DF783FCC-C35F-4D2C-B134-D1A27E72D448}" dt="2024-01-26T12:32:51.622" v="251" actId="1076"/>
-        <pc:sldMkLst>
-          <pc:docMk/>
-          <pc:sldMk cId="2667496052" sldId="314"/>
-        </pc:sldMkLst>
-        <pc:spChg chg="mod">
-          <ac:chgData name="Ihor Aleksandrov" userId="c3051032-6b87-4db2-b257-777a0106fbd9" providerId="ADAL" clId="{DF783FCC-C35F-4D2C-B134-D1A27E72D448}" dt="2024-01-26T12:31:25.149" v="239" actId="20577"/>
-          <ac:spMkLst>
-            <pc:docMk/>
-            <pc:sldMk cId="2667496052" sldId="314"/>
-            <ac:spMk id="2" creationId="{53C5D828-9666-E312-B574-9FE965A7D6BE}"/>
-          </ac:spMkLst>
-        </pc:spChg>
-        <pc:picChg chg="add mod">
-          <ac:chgData name="Ihor Aleksandrov" userId="c3051032-6b87-4db2-b257-777a0106fbd9" providerId="ADAL" clId="{DF783FCC-C35F-4D2C-B134-D1A27E72D448}" dt="2024-01-26T12:32:22.536" v="247" actId="1076"/>
-          <ac:picMkLst>
-            <pc:docMk/>
-            <pc:sldMk cId="2667496052" sldId="314"/>
-            <ac:picMk id="5" creationId="{2A84FB53-5035-A5A9-7433-F22FB7E72F74}"/>
-          </ac:picMkLst>
-        </pc:picChg>
-        <pc:picChg chg="del">
-          <ac:chgData name="Ihor Aleksandrov" userId="c3051032-6b87-4db2-b257-777a0106fbd9" providerId="ADAL" clId="{DF783FCC-C35F-4D2C-B134-D1A27E72D448}" dt="2024-01-26T12:31:28.180" v="240" actId="478"/>
-          <ac:picMkLst>
-            <pc:docMk/>
-            <pc:sldMk cId="2667496052" sldId="314"/>
-            <ac:picMk id="6" creationId="{B022E9A4-52AD-1F66-AC22-B0AE53D1145C}"/>
-          </ac:picMkLst>
-        </pc:picChg>
-        <pc:picChg chg="add mod">
-          <ac:chgData name="Ihor Aleksandrov" userId="c3051032-6b87-4db2-b257-777a0106fbd9" providerId="ADAL" clId="{DF783FCC-C35F-4D2C-B134-D1A27E72D448}" dt="2024-01-26T12:32:51.622" v="251" actId="1076"/>
-          <ac:picMkLst>
-            <pc:docMk/>
-            <pc:sldMk cId="2667496052" sldId="314"/>
-            <ac:picMk id="8" creationId="{788EF69A-41E4-9FC3-E1EB-9468A0CB8CE3}"/>
-          </ac:picMkLst>
-        </pc:picChg>
-      </pc:sldChg>
-      <pc:sldChg chg="addSp delSp modSp add mod">
-        <pc:chgData name="Ihor Aleksandrov" userId="c3051032-6b87-4db2-b257-777a0106fbd9" providerId="ADAL" clId="{DF783FCC-C35F-4D2C-B134-D1A27E72D448}" dt="2024-01-26T12:35:46.374" v="267" actId="14100"/>
-        <pc:sldMkLst>
-          <pc:docMk/>
-          <pc:sldMk cId="2503154780" sldId="315"/>
-        </pc:sldMkLst>
-        <pc:spChg chg="mod">
-          <ac:chgData name="Ihor Aleksandrov" userId="c3051032-6b87-4db2-b257-777a0106fbd9" providerId="ADAL" clId="{DF783FCC-C35F-4D2C-B134-D1A27E72D448}" dt="2024-01-26T12:35:02.030" v="257" actId="20577"/>
-          <ac:spMkLst>
-            <pc:docMk/>
-            <pc:sldMk cId="2503154780" sldId="315"/>
-            <ac:spMk id="2" creationId="{53C5D828-9666-E312-B574-9FE965A7D6BE}"/>
-          </ac:spMkLst>
-        </pc:spChg>
-        <pc:picChg chg="del">
-          <ac:chgData name="Ihor Aleksandrov" userId="c3051032-6b87-4db2-b257-777a0106fbd9" providerId="ADAL" clId="{DF783FCC-C35F-4D2C-B134-D1A27E72D448}" dt="2024-01-26T12:35:05.874" v="258" actId="478"/>
-          <ac:picMkLst>
-            <pc:docMk/>
-            <pc:sldMk cId="2503154780" sldId="315"/>
-            <ac:picMk id="5" creationId="{2A84FB53-5035-A5A9-7433-F22FB7E72F74}"/>
-          </ac:picMkLst>
-        </pc:picChg>
-        <pc:picChg chg="add mod">
-          <ac:chgData name="Ihor Aleksandrov" userId="c3051032-6b87-4db2-b257-777a0106fbd9" providerId="ADAL" clId="{DF783FCC-C35F-4D2C-B134-D1A27E72D448}" dt="2024-01-26T12:35:23.497" v="262" actId="1076"/>
-          <ac:picMkLst>
-            <pc:docMk/>
-            <pc:sldMk cId="2503154780" sldId="315"/>
-            <ac:picMk id="6" creationId="{9A2F53BF-A25F-C5EF-07AB-3F824C4EA8C5}"/>
-          </ac:picMkLst>
-        </pc:picChg>
-        <pc:picChg chg="del">
-          <ac:chgData name="Ihor Aleksandrov" userId="c3051032-6b87-4db2-b257-777a0106fbd9" providerId="ADAL" clId="{DF783FCC-C35F-4D2C-B134-D1A27E72D448}" dt="2024-01-26T12:35:07.679" v="259" actId="478"/>
-          <ac:picMkLst>
-            <pc:docMk/>
-            <pc:sldMk cId="2503154780" sldId="315"/>
-            <ac:picMk id="8" creationId="{788EF69A-41E4-9FC3-E1EB-9468A0CB8CE3}"/>
-          </ac:picMkLst>
-        </pc:picChg>
-        <pc:picChg chg="add mod">
-          <ac:chgData name="Ihor Aleksandrov" userId="c3051032-6b87-4db2-b257-777a0106fbd9" providerId="ADAL" clId="{DF783FCC-C35F-4D2C-B134-D1A27E72D448}" dt="2024-01-26T12:35:46.374" v="267" actId="14100"/>
-          <ac:picMkLst>
-            <pc:docMk/>
-            <pc:sldMk cId="2503154780" sldId="315"/>
-            <ac:picMk id="9" creationId="{34F80E18-578A-16A9-85C5-532F9FD4B0B9}"/>
-          </ac:picMkLst>
-        </pc:picChg>
-      </pc:sldChg>
-      <pc:sldChg chg="addSp delSp modSp add mod">
-        <pc:chgData name="Ihor Aleksandrov" userId="c3051032-6b87-4db2-b257-777a0106fbd9" providerId="ADAL" clId="{DF783FCC-C35F-4D2C-B134-D1A27E72D448}" dt="2024-01-26T12:38:40.524" v="289"/>
-        <pc:sldMkLst>
-          <pc:docMk/>
-          <pc:sldMk cId="4210310787" sldId="316"/>
-        </pc:sldMkLst>
-        <pc:spChg chg="mod">
-          <ac:chgData name="Ihor Aleksandrov" userId="c3051032-6b87-4db2-b257-777a0106fbd9" providerId="ADAL" clId="{DF783FCC-C35F-4D2C-B134-D1A27E72D448}" dt="2024-01-26T12:37:58.438" v="279" actId="20577"/>
-          <ac:spMkLst>
-            <pc:docMk/>
-            <pc:sldMk cId="4210310787" sldId="316"/>
-            <ac:spMk id="2" creationId="{53C5D828-9666-E312-B574-9FE965A7D6BE}"/>
-          </ac:spMkLst>
-        </pc:spChg>
-        <pc:picChg chg="add mod">
-          <ac:chgData name="Ihor Aleksandrov" userId="c3051032-6b87-4db2-b257-777a0106fbd9" providerId="ADAL" clId="{DF783FCC-C35F-4D2C-B134-D1A27E72D448}" dt="2024-01-26T12:38:18.643" v="284" actId="1076"/>
-          <ac:picMkLst>
-            <pc:docMk/>
-            <pc:sldMk cId="4210310787" sldId="316"/>
-            <ac:picMk id="5" creationId="{8E7A6064-484E-B30C-7E3A-19B2D5316902}"/>
-          </ac:picMkLst>
-        </pc:picChg>
-        <pc:picChg chg="del">
-          <ac:chgData name="Ihor Aleksandrov" userId="c3051032-6b87-4db2-b257-777a0106fbd9" providerId="ADAL" clId="{DF783FCC-C35F-4D2C-B134-D1A27E72D448}" dt="2024-01-26T12:37:50.476" v="269" actId="478"/>
-          <ac:picMkLst>
-            <pc:docMk/>
-            <pc:sldMk cId="4210310787" sldId="316"/>
-            <ac:picMk id="6" creationId="{9A2F53BF-A25F-C5EF-07AB-3F824C4EA8C5}"/>
-          </ac:picMkLst>
-        </pc:picChg>
-        <pc:picChg chg="add mod">
-          <ac:chgData name="Ihor Aleksandrov" userId="c3051032-6b87-4db2-b257-777a0106fbd9" providerId="ADAL" clId="{DF783FCC-C35F-4D2C-B134-D1A27E72D448}" dt="2024-01-26T12:38:40.524" v="289"/>
-          <ac:picMkLst>
-            <pc:docMk/>
-            <pc:sldMk cId="4210310787" sldId="316"/>
-            <ac:picMk id="8" creationId="{5275D103-485B-C43F-327E-ED0BECCAB575}"/>
-          </ac:picMkLst>
-        </pc:picChg>
-        <pc:picChg chg="del">
-          <ac:chgData name="Ihor Aleksandrov" userId="c3051032-6b87-4db2-b257-777a0106fbd9" providerId="ADAL" clId="{DF783FCC-C35F-4D2C-B134-D1A27E72D448}" dt="2024-01-26T12:38:02.286" v="280" actId="478"/>
-          <ac:picMkLst>
-            <pc:docMk/>
-            <pc:sldMk cId="4210310787" sldId="316"/>
-            <ac:picMk id="9" creationId="{34F80E18-578A-16A9-85C5-532F9FD4B0B9}"/>
-          </ac:picMkLst>
-        </pc:picChg>
-      </pc:sldChg>
-      <pc:sldChg chg="addSp delSp modSp add mod">
-        <pc:chgData name="Ihor Aleksandrov" userId="c3051032-6b87-4db2-b257-777a0106fbd9" providerId="ADAL" clId="{DF783FCC-C35F-4D2C-B134-D1A27E72D448}" dt="2024-01-26T12:40:46.440" v="310" actId="1076"/>
-        <pc:sldMkLst>
-          <pc:docMk/>
-          <pc:sldMk cId="1401046882" sldId="317"/>
-        </pc:sldMkLst>
-        <pc:spChg chg="mod">
-          <ac:chgData name="Ihor Aleksandrov" userId="c3051032-6b87-4db2-b257-777a0106fbd9" providerId="ADAL" clId="{DF783FCC-C35F-4D2C-B134-D1A27E72D448}" dt="2024-01-26T12:39:56.941" v="299" actId="20577"/>
-          <ac:spMkLst>
-            <pc:docMk/>
-            <pc:sldMk cId="1401046882" sldId="317"/>
-            <ac:spMk id="2" creationId="{53C5D828-9666-E312-B574-9FE965A7D6BE}"/>
-          </ac:spMkLst>
-        </pc:spChg>
-        <pc:picChg chg="del">
-          <ac:chgData name="Ihor Aleksandrov" userId="c3051032-6b87-4db2-b257-777a0106fbd9" providerId="ADAL" clId="{DF783FCC-C35F-4D2C-B134-D1A27E72D448}" dt="2024-01-26T12:40:00.564" v="300" actId="478"/>
-          <ac:picMkLst>
-            <pc:docMk/>
-            <pc:sldMk cId="1401046882" sldId="317"/>
-            <ac:picMk id="5" creationId="{8E7A6064-484E-B30C-7E3A-19B2D5316902}"/>
-          </ac:picMkLst>
-        </pc:picChg>
-        <pc:picChg chg="add mod">
-          <ac:chgData name="Ihor Aleksandrov" userId="c3051032-6b87-4db2-b257-777a0106fbd9" providerId="ADAL" clId="{DF783FCC-C35F-4D2C-B134-D1A27E72D448}" dt="2024-01-26T12:40:42.603" v="309" actId="1076"/>
-          <ac:picMkLst>
-            <pc:docMk/>
-            <pc:sldMk cId="1401046882" sldId="317"/>
-            <ac:picMk id="6" creationId="{C1BEC785-1A5C-BC57-8AF1-75EF2EF4F5B0}"/>
-          </ac:picMkLst>
-        </pc:picChg>
-        <pc:picChg chg="del">
-          <ac:chgData name="Ihor Aleksandrov" userId="c3051032-6b87-4db2-b257-777a0106fbd9" providerId="ADAL" clId="{DF783FCC-C35F-4D2C-B134-D1A27E72D448}" dt="2024-01-26T12:40:02.322" v="301" actId="478"/>
-          <ac:picMkLst>
-            <pc:docMk/>
-            <pc:sldMk cId="1401046882" sldId="317"/>
-            <ac:picMk id="8" creationId="{5275D103-485B-C43F-327E-ED0BECCAB575}"/>
-          </ac:picMkLst>
-        </pc:picChg>
-        <pc:picChg chg="add mod">
-          <ac:chgData name="Ihor Aleksandrov" userId="c3051032-6b87-4db2-b257-777a0106fbd9" providerId="ADAL" clId="{DF783FCC-C35F-4D2C-B134-D1A27E72D448}" dt="2024-01-26T12:40:46.440" v="310" actId="1076"/>
-          <ac:picMkLst>
-            <pc:docMk/>
-            <pc:sldMk cId="1401046882" sldId="317"/>
-            <ac:picMk id="9" creationId="{25716AD4-AC61-DD67-E0EB-5B1D649196E5}"/>
-          </ac:picMkLst>
-        </pc:picChg>
-      </pc:sldChg>
-      <pc:sldChg chg="addSp delSp modSp add mod">
-        <pc:chgData name="Ihor Aleksandrov" userId="c3051032-6b87-4db2-b257-777a0106fbd9" providerId="ADAL" clId="{DF783FCC-C35F-4D2C-B134-D1A27E72D448}" dt="2024-01-26T12:43:27.844" v="342" actId="1076"/>
-        <pc:sldMkLst>
-          <pc:docMk/>
-          <pc:sldMk cId="701027107" sldId="318"/>
-        </pc:sldMkLst>
-        <pc:spChg chg="mod">
-          <ac:chgData name="Ihor Aleksandrov" userId="c3051032-6b87-4db2-b257-777a0106fbd9" providerId="ADAL" clId="{DF783FCC-C35F-4D2C-B134-D1A27E72D448}" dt="2024-01-26T12:42:31.864" v="330" actId="20577"/>
-          <ac:spMkLst>
-            <pc:docMk/>
-            <pc:sldMk cId="701027107" sldId="318"/>
-            <ac:spMk id="2" creationId="{53C5D828-9666-E312-B574-9FE965A7D6BE}"/>
-          </ac:spMkLst>
-        </pc:spChg>
-        <pc:picChg chg="add mod">
-          <ac:chgData name="Ihor Aleksandrov" userId="c3051032-6b87-4db2-b257-777a0106fbd9" providerId="ADAL" clId="{DF783FCC-C35F-4D2C-B134-D1A27E72D448}" dt="2024-01-26T12:43:04.267" v="336" actId="1076"/>
-          <ac:picMkLst>
-            <pc:docMk/>
-            <pc:sldMk cId="701027107" sldId="318"/>
-            <ac:picMk id="5" creationId="{C9E7A61D-7A9F-90BF-2073-99800DC02183}"/>
-          </ac:picMkLst>
-        </pc:picChg>
-        <pc:picChg chg="del">
-          <ac:chgData name="Ihor Aleksandrov" userId="c3051032-6b87-4db2-b257-777a0106fbd9" providerId="ADAL" clId="{DF783FCC-C35F-4D2C-B134-D1A27E72D448}" dt="2024-01-26T12:42:35.321" v="331" actId="478"/>
-          <ac:picMkLst>
-            <pc:docMk/>
-            <pc:sldMk cId="701027107" sldId="318"/>
-            <ac:picMk id="6" creationId="{C1BEC785-1A5C-BC57-8AF1-75EF2EF4F5B0}"/>
-          </ac:picMkLst>
-        </pc:picChg>
-        <pc:picChg chg="add mod">
-          <ac:chgData name="Ihor Aleksandrov" userId="c3051032-6b87-4db2-b257-777a0106fbd9" providerId="ADAL" clId="{DF783FCC-C35F-4D2C-B134-D1A27E72D448}" dt="2024-01-26T12:43:27.844" v="342" actId="1076"/>
-          <ac:picMkLst>
-            <pc:docMk/>
-            <pc:sldMk cId="701027107" sldId="318"/>
-            <ac:picMk id="8" creationId="{38F011CA-CFEE-3631-F749-FEC935A4A03A}"/>
-          </ac:picMkLst>
-        </pc:picChg>
-        <pc:picChg chg="del">
-          <ac:chgData name="Ihor Aleksandrov" userId="c3051032-6b87-4db2-b257-777a0106fbd9" providerId="ADAL" clId="{DF783FCC-C35F-4D2C-B134-D1A27E72D448}" dt="2024-01-26T12:42:37.555" v="332" actId="478"/>
-          <ac:picMkLst>
-            <pc:docMk/>
-            <pc:sldMk cId="701027107" sldId="318"/>
-            <ac:picMk id="9" creationId="{25716AD4-AC61-DD67-E0EB-5B1D649196E5}"/>
-          </ac:picMkLst>
-        </pc:picChg>
-      </pc:sldChg>
-      <pc:sldChg chg="addSp delSp modSp add mod">
-        <pc:chgData name="Ihor Aleksandrov" userId="c3051032-6b87-4db2-b257-777a0106fbd9" providerId="ADAL" clId="{DF783FCC-C35F-4D2C-B134-D1A27E72D448}" dt="2024-01-26T12:57:35.107" v="378" actId="1076"/>
-        <pc:sldMkLst>
-          <pc:docMk/>
-          <pc:sldMk cId="166848246" sldId="319"/>
-        </pc:sldMkLst>
-        <pc:spChg chg="mod">
-          <ac:chgData name="Ihor Aleksandrov" userId="c3051032-6b87-4db2-b257-777a0106fbd9" providerId="ADAL" clId="{DF783FCC-C35F-4D2C-B134-D1A27E72D448}" dt="2024-01-26T12:52:25.573" v="373" actId="20577"/>
-          <ac:spMkLst>
-            <pc:docMk/>
-            <pc:sldMk cId="166848246" sldId="319"/>
-            <ac:spMk id="2" creationId="{53C5D828-9666-E312-B574-9FE965A7D6BE}"/>
-          </ac:spMkLst>
-        </pc:spChg>
-        <pc:picChg chg="del">
-          <ac:chgData name="Ihor Aleksandrov" userId="c3051032-6b87-4db2-b257-777a0106fbd9" providerId="ADAL" clId="{DF783FCC-C35F-4D2C-B134-D1A27E72D448}" dt="2024-01-26T12:52:30.351" v="374" actId="478"/>
-          <ac:picMkLst>
-            <pc:docMk/>
-            <pc:sldMk cId="166848246" sldId="319"/>
-            <ac:picMk id="5" creationId="{C9E7A61D-7A9F-90BF-2073-99800DC02183}"/>
-          </ac:picMkLst>
-        </pc:picChg>
-        <pc:picChg chg="add mod">
-          <ac:chgData name="Ihor Aleksandrov" userId="c3051032-6b87-4db2-b257-777a0106fbd9" providerId="ADAL" clId="{DF783FCC-C35F-4D2C-B134-D1A27E72D448}" dt="2024-01-26T12:57:35.107" v="378" actId="1076"/>
-          <ac:picMkLst>
-            <pc:docMk/>
-            <pc:sldMk cId="166848246" sldId="319"/>
-            <ac:picMk id="6" creationId="{A6296786-68CA-315E-9A7E-1157749A9EE6}"/>
-          </ac:picMkLst>
-        </pc:picChg>
-        <pc:picChg chg="del">
-          <ac:chgData name="Ihor Aleksandrov" userId="c3051032-6b87-4db2-b257-777a0106fbd9" providerId="ADAL" clId="{DF783FCC-C35F-4D2C-B134-D1A27E72D448}" dt="2024-01-26T12:52:32.169" v="375" actId="478"/>
-          <ac:picMkLst>
-            <pc:docMk/>
-            <pc:sldMk cId="166848246" sldId="319"/>
-            <ac:picMk id="8" creationId="{38F011CA-CFEE-3631-F749-FEC935A4A03A}"/>
-          </ac:picMkLst>
-        </pc:picChg>
-      </pc:sldChg>
-      <pc:sldChg chg="addSp delSp modSp add mod">
-        <pc:chgData name="Ihor Aleksandrov" userId="c3051032-6b87-4db2-b257-777a0106fbd9" providerId="ADAL" clId="{DF783FCC-C35F-4D2C-B134-D1A27E72D448}" dt="2024-01-26T13:05:10.980" v="418" actId="22"/>
-        <pc:sldMkLst>
-          <pc:docMk/>
-          <pc:sldMk cId="2292472459" sldId="320"/>
-        </pc:sldMkLst>
-        <pc:spChg chg="mod">
-          <ac:chgData name="Ihor Aleksandrov" userId="c3051032-6b87-4db2-b257-777a0106fbd9" providerId="ADAL" clId="{DF783FCC-C35F-4D2C-B134-D1A27E72D448}" dt="2024-01-26T13:05:00.672" v="415" actId="20577"/>
-          <ac:spMkLst>
-            <pc:docMk/>
-            <pc:sldMk cId="2292472459" sldId="320"/>
-            <ac:spMk id="2" creationId="{53C5D828-9666-E312-B574-9FE965A7D6BE}"/>
-          </ac:spMkLst>
-        </pc:spChg>
-        <pc:picChg chg="add mod">
-          <ac:chgData name="Ihor Aleksandrov" userId="c3051032-6b87-4db2-b257-777a0106fbd9" providerId="ADAL" clId="{DF783FCC-C35F-4D2C-B134-D1A27E72D448}" dt="2024-01-26T13:05:03.560" v="416" actId="1076"/>
-          <ac:picMkLst>
-            <pc:docMk/>
-            <pc:sldMk cId="2292472459" sldId="320"/>
-            <ac:picMk id="5" creationId="{96D28E5B-C3E7-BFA3-AAE0-7B1931753B37}"/>
-          </ac:picMkLst>
-        </pc:picChg>
-        <pc:picChg chg="del">
-          <ac:chgData name="Ihor Aleksandrov" userId="c3051032-6b87-4db2-b257-777a0106fbd9" providerId="ADAL" clId="{DF783FCC-C35F-4D2C-B134-D1A27E72D448}" dt="2024-01-26T13:04:28.153" v="405" actId="478"/>
-          <ac:picMkLst>
-            <pc:docMk/>
-            <pc:sldMk cId="2292472459" sldId="320"/>
-            <ac:picMk id="6" creationId="{A6296786-68CA-315E-9A7E-1157749A9EE6}"/>
-          </ac:picMkLst>
-        </pc:picChg>
-        <pc:picChg chg="add del">
-          <ac:chgData name="Ihor Aleksandrov" userId="c3051032-6b87-4db2-b257-777a0106fbd9" providerId="ADAL" clId="{DF783FCC-C35F-4D2C-B134-D1A27E72D448}" dt="2024-01-26T13:05:10.980" v="418" actId="22"/>
-          <ac:picMkLst>
-            <pc:docMk/>
-            <pc:sldMk cId="2292472459" sldId="320"/>
-            <ac:picMk id="8" creationId="{554A2027-36D0-B7EA-D3DD-F719AF23123B}"/>
-          </ac:picMkLst>
-        </pc:picChg>
-      </pc:sldChg>
-      <pc:sldChg chg="addSp delSp modSp add mod">
-        <pc:chgData name="Ihor Aleksandrov" userId="c3051032-6b87-4db2-b257-777a0106fbd9" providerId="ADAL" clId="{DF783FCC-C35F-4D2C-B134-D1A27E72D448}" dt="2024-01-26T13:05:24.717" v="423" actId="1076"/>
-        <pc:sldMkLst>
-          <pc:docMk/>
-          <pc:sldMk cId="1322111015" sldId="321"/>
-        </pc:sldMkLst>
-        <pc:picChg chg="del">
-          <ac:chgData name="Ihor Aleksandrov" userId="c3051032-6b87-4db2-b257-777a0106fbd9" providerId="ADAL" clId="{DF783FCC-C35F-4D2C-B134-D1A27E72D448}" dt="2024-01-26T13:05:21.645" v="422" actId="478"/>
-          <ac:picMkLst>
-            <pc:docMk/>
-            <pc:sldMk cId="1322111015" sldId="321"/>
-            <ac:picMk id="5" creationId="{96D28E5B-C3E7-BFA3-AAE0-7B1931753B37}"/>
-          </ac:picMkLst>
-        </pc:picChg>
-        <pc:picChg chg="add mod">
-          <ac:chgData name="Ihor Aleksandrov" userId="c3051032-6b87-4db2-b257-777a0106fbd9" providerId="ADAL" clId="{DF783FCC-C35F-4D2C-B134-D1A27E72D448}" dt="2024-01-26T13:05:24.717" v="423" actId="1076"/>
-          <ac:picMkLst>
-            <pc:docMk/>
-            <pc:sldMk cId="1322111015" sldId="321"/>
-            <ac:picMk id="6" creationId="{04B218F6-449B-2F93-DB6F-C091B7A2D68D}"/>
-          </ac:picMkLst>
-        </pc:picChg>
-      </pc:sldChg>
-      <pc:sldChg chg="addSp delSp modSp add mod">
-        <pc:chgData name="Ihor Aleksandrov" userId="c3051032-6b87-4db2-b257-777a0106fbd9" providerId="ADAL" clId="{DF783FCC-C35F-4D2C-B134-D1A27E72D448}" dt="2024-01-26T13:06:32.202" v="432" actId="1076"/>
-        <pc:sldMkLst>
-          <pc:docMk/>
-          <pc:sldMk cId="3503328695" sldId="322"/>
-        </pc:sldMkLst>
-        <pc:picChg chg="add mod">
-          <ac:chgData name="Ihor Aleksandrov" userId="c3051032-6b87-4db2-b257-777a0106fbd9" providerId="ADAL" clId="{DF783FCC-C35F-4D2C-B134-D1A27E72D448}" dt="2024-01-26T13:06:25.597" v="429" actId="1076"/>
-          <ac:picMkLst>
-            <pc:docMk/>
-            <pc:sldMk cId="3503328695" sldId="322"/>
-            <ac:picMk id="5" creationId="{9C4BF8C2-EC18-9A18-0A44-8EB1C9CE1208}"/>
-          </ac:picMkLst>
-        </pc:picChg>
-        <pc:picChg chg="del">
-          <ac:chgData name="Ihor Aleksandrov" userId="c3051032-6b87-4db2-b257-777a0106fbd9" providerId="ADAL" clId="{DF783FCC-C35F-4D2C-B134-D1A27E72D448}" dt="2024-01-26T13:05:58.351" v="425" actId="478"/>
-          <ac:picMkLst>
-            <pc:docMk/>
-            <pc:sldMk cId="3503328695" sldId="322"/>
-            <ac:picMk id="6" creationId="{04B218F6-449B-2F93-DB6F-C091B7A2D68D}"/>
-          </ac:picMkLst>
-        </pc:picChg>
-        <pc:picChg chg="add mod">
-          <ac:chgData name="Ihor Aleksandrov" userId="c3051032-6b87-4db2-b257-777a0106fbd9" providerId="ADAL" clId="{DF783FCC-C35F-4D2C-B134-D1A27E72D448}" dt="2024-01-26T13:06:32.202" v="432" actId="1076"/>
-          <ac:picMkLst>
-            <pc:docMk/>
-            <pc:sldMk cId="3503328695" sldId="322"/>
-            <ac:picMk id="8" creationId="{70532B56-37B8-7540-3150-B8251ACB964C}"/>
-          </ac:picMkLst>
-        </pc:picChg>
-      </pc:sldChg>
-      <pc:sldChg chg="addSp delSp modSp add mod">
-        <pc:chgData name="Ihor Aleksandrov" userId="c3051032-6b87-4db2-b257-777a0106fbd9" providerId="ADAL" clId="{DF783FCC-C35F-4D2C-B134-D1A27E72D448}" dt="2024-01-26T13:08:01.330" v="440" actId="1076"/>
-        <pc:sldMkLst>
-          <pc:docMk/>
-          <pc:sldMk cId="362375175" sldId="323"/>
-        </pc:sldMkLst>
-        <pc:picChg chg="del">
-          <ac:chgData name="Ihor Aleksandrov" userId="c3051032-6b87-4db2-b257-777a0106fbd9" providerId="ADAL" clId="{DF783FCC-C35F-4D2C-B134-D1A27E72D448}" dt="2024-01-26T13:07:52.593" v="435" actId="478"/>
-          <ac:picMkLst>
-            <pc:docMk/>
-            <pc:sldMk cId="362375175" sldId="323"/>
-            <ac:picMk id="5" creationId="{9C4BF8C2-EC18-9A18-0A44-8EB1C9CE1208}"/>
-          </ac:picMkLst>
-        </pc:picChg>
-        <pc:picChg chg="add mod">
-          <ac:chgData name="Ihor Aleksandrov" userId="c3051032-6b87-4db2-b257-777a0106fbd9" providerId="ADAL" clId="{DF783FCC-C35F-4D2C-B134-D1A27E72D448}" dt="2024-01-26T13:08:01.330" v="440" actId="1076"/>
-          <ac:picMkLst>
-            <pc:docMk/>
-            <pc:sldMk cId="362375175" sldId="323"/>
-            <ac:picMk id="6" creationId="{BB101808-A913-0FD5-1B8C-DA75C36C2155}"/>
-          </ac:picMkLst>
-        </pc:picChg>
-        <pc:picChg chg="del">
-          <ac:chgData name="Ihor Aleksandrov" userId="c3051032-6b87-4db2-b257-777a0106fbd9" providerId="ADAL" clId="{DF783FCC-C35F-4D2C-B134-D1A27E72D448}" dt="2024-01-26T13:07:49.273" v="434" actId="478"/>
-          <ac:picMkLst>
-            <pc:docMk/>
-            <pc:sldMk cId="362375175" sldId="323"/>
-            <ac:picMk id="8" creationId="{70532B56-37B8-7540-3150-B8251ACB964C}"/>
-          </ac:picMkLst>
-        </pc:picChg>
-      </pc:sldChg>
-      <pc:sldMasterChg chg="add del addSldLayout delSldLayout">
-        <pc:chgData name="Ihor Aleksandrov" userId="c3051032-6b87-4db2-b257-777a0106fbd9" providerId="ADAL" clId="{DF783FCC-C35F-4D2C-B134-D1A27E72D448}" dt="2024-01-26T09:36:25.550" v="6" actId="2696"/>
-        <pc:sldMasterMkLst>
-          <pc:docMk/>
-          <pc:sldMasterMk cId="1579723609" sldId="2147483660"/>
-        </pc:sldMasterMkLst>
-        <pc:sldLayoutChg chg="add del">
-          <pc:chgData name="Ihor Aleksandrov" userId="c3051032-6b87-4db2-b257-777a0106fbd9" providerId="ADAL" clId="{DF783FCC-C35F-4D2C-B134-D1A27E72D448}" dt="2024-01-26T09:36:25.550" v="6" actId="2696"/>
-          <pc:sldLayoutMkLst>
-            <pc:docMk/>
-            <pc:sldMasterMk cId="1579723609" sldId="2147483660"/>
-            <pc:sldLayoutMk cId="3357226012" sldId="2147483651"/>
-          </pc:sldLayoutMkLst>
-        </pc:sldLayoutChg>
-        <pc:sldLayoutChg chg="add del">
-          <pc:chgData name="Ihor Aleksandrov" userId="c3051032-6b87-4db2-b257-777a0106fbd9" providerId="ADAL" clId="{DF783FCC-C35F-4D2C-B134-D1A27E72D448}" dt="2024-01-26T09:36:25.550" v="6" actId="2696"/>
-          <pc:sldLayoutMkLst>
-            <pc:docMk/>
-            <pc:sldMasterMk cId="1579723609" sldId="2147483660"/>
-            <pc:sldLayoutMk cId="2416164443" sldId="2147483652"/>
-          </pc:sldLayoutMkLst>
-        </pc:sldLayoutChg>
-        <pc:sldLayoutChg chg="add del">
-          <pc:chgData name="Ihor Aleksandrov" userId="c3051032-6b87-4db2-b257-777a0106fbd9" providerId="ADAL" clId="{DF783FCC-C35F-4D2C-B134-D1A27E72D448}" dt="2024-01-26T09:36:25.550" v="6" actId="2696"/>
-          <pc:sldLayoutMkLst>
-            <pc:docMk/>
-            <pc:sldMasterMk cId="1579723609" sldId="2147483660"/>
-            <pc:sldLayoutMk cId="1566824437" sldId="2147483653"/>
-          </pc:sldLayoutMkLst>
-        </pc:sldLayoutChg>
-        <pc:sldLayoutChg chg="add del">
-          <pc:chgData name="Ihor Aleksandrov" userId="c3051032-6b87-4db2-b257-777a0106fbd9" providerId="ADAL" clId="{DF783FCC-C35F-4D2C-B134-D1A27E72D448}" dt="2024-01-26T09:36:25.550" v="6" actId="2696"/>
-          <pc:sldLayoutMkLst>
-            <pc:docMk/>
-            <pc:sldMasterMk cId="1579723609" sldId="2147483660"/>
-            <pc:sldLayoutMk cId="2529685914" sldId="2147483654"/>
-          </pc:sldLayoutMkLst>
-        </pc:sldLayoutChg>
-        <pc:sldLayoutChg chg="add del">
-          <pc:chgData name="Ihor Aleksandrov" userId="c3051032-6b87-4db2-b257-777a0106fbd9" providerId="ADAL" clId="{DF783FCC-C35F-4D2C-B134-D1A27E72D448}" dt="2024-01-26T09:36:25.550" v="6" actId="2696"/>
-          <pc:sldLayoutMkLst>
-            <pc:docMk/>
-            <pc:sldMasterMk cId="1579723609" sldId="2147483660"/>
-            <pc:sldLayoutMk cId="1471059010" sldId="2147483655"/>
-          </pc:sldLayoutMkLst>
-        </pc:sldLayoutChg>
-        <pc:sldLayoutChg chg="add del">
-          <pc:chgData name="Ihor Aleksandrov" userId="c3051032-6b87-4db2-b257-777a0106fbd9" providerId="ADAL" clId="{DF783FCC-C35F-4D2C-B134-D1A27E72D448}" dt="2024-01-26T09:36:25.550" v="6" actId="2696"/>
-          <pc:sldLayoutMkLst>
-            <pc:docMk/>
-            <pc:sldMasterMk cId="1579723609" sldId="2147483660"/>
-            <pc:sldLayoutMk cId="583042130" sldId="2147483656"/>
-          </pc:sldLayoutMkLst>
-        </pc:sldLayoutChg>
-        <pc:sldLayoutChg chg="add del">
-          <pc:chgData name="Ihor Aleksandrov" userId="c3051032-6b87-4db2-b257-777a0106fbd9" providerId="ADAL" clId="{DF783FCC-C35F-4D2C-B134-D1A27E72D448}" dt="2024-01-26T09:36:25.550" v="6" actId="2696"/>
-          <pc:sldLayoutMkLst>
-            <pc:docMk/>
-            <pc:sldMasterMk cId="1579723609" sldId="2147483660"/>
-            <pc:sldLayoutMk cId="141902003" sldId="2147483657"/>
-          </pc:sldLayoutMkLst>
-        </pc:sldLayoutChg>
-        <pc:sldLayoutChg chg="add del">
-          <pc:chgData name="Ihor Aleksandrov" userId="c3051032-6b87-4db2-b257-777a0106fbd9" providerId="ADAL" clId="{DF783FCC-C35F-4D2C-B134-D1A27E72D448}" dt="2024-01-26T09:36:25.550" v="6" actId="2696"/>
-          <pc:sldLayoutMkLst>
-            <pc:docMk/>
-            <pc:sldMasterMk cId="1579723609" sldId="2147483660"/>
-            <pc:sldLayoutMk cId="454445818" sldId="2147483658"/>
-          </pc:sldLayoutMkLst>
-        </pc:sldLayoutChg>
-        <pc:sldLayoutChg chg="add del">
-          <pc:chgData name="Ihor Aleksandrov" userId="c3051032-6b87-4db2-b257-777a0106fbd9" providerId="ADAL" clId="{DF783FCC-C35F-4D2C-B134-D1A27E72D448}" dt="2024-01-26T09:36:25.550" v="6" actId="2696"/>
-          <pc:sldLayoutMkLst>
-            <pc:docMk/>
-            <pc:sldMasterMk cId="1579723609" sldId="2147483660"/>
-            <pc:sldLayoutMk cId="3042422475" sldId="2147483659"/>
-          </pc:sldLayoutMkLst>
-        </pc:sldLayoutChg>
-        <pc:sldLayoutChg chg="add del">
-          <pc:chgData name="Ihor Aleksandrov" userId="c3051032-6b87-4db2-b257-777a0106fbd9" providerId="ADAL" clId="{DF783FCC-C35F-4D2C-B134-D1A27E72D448}" dt="2024-01-26T09:36:25.550" v="6" actId="2696"/>
-          <pc:sldLayoutMkLst>
-            <pc:docMk/>
-            <pc:sldMasterMk cId="1579723609" sldId="2147483660"/>
-            <pc:sldLayoutMk cId="639927661" sldId="2147483661"/>
-          </pc:sldLayoutMkLst>
-        </pc:sldLayoutChg>
-        <pc:sldLayoutChg chg="add del">
-          <pc:chgData name="Ihor Aleksandrov" userId="c3051032-6b87-4db2-b257-777a0106fbd9" providerId="ADAL" clId="{DF783FCC-C35F-4D2C-B134-D1A27E72D448}" dt="2024-01-26T09:36:25.550" v="6" actId="2696"/>
-          <pc:sldLayoutMkLst>
-            <pc:docMk/>
-            <pc:sldMasterMk cId="1579723609" sldId="2147483660"/>
-            <pc:sldLayoutMk cId="1498987355" sldId="2147483662"/>
-          </pc:sldLayoutMkLst>
-        </pc:sldLayoutChg>
-      </pc:sldMasterChg>
-    </pc:docChg>
-  </pc:docChgLst>
-  <pc:docChgLst>
-    <pc:chgData name="Ihor Aleksandrov" userId="c3051032-6b87-4db2-b257-777a0106fbd9" providerId="ADAL" clId="{D05EAF56-C8F0-4612-806C-93E1C27F1929}"/>
-    <pc:docChg chg="undo redo custSel addSld delSld modSld sldOrd addMainMaster addSection modSection">
-      <pc:chgData name="Ihor Aleksandrov" userId="c3051032-6b87-4db2-b257-777a0106fbd9" providerId="ADAL" clId="{D05EAF56-C8F0-4612-806C-93E1C27F1929}" dt="2024-01-25T12:18:42.706" v="325"/>
-      <pc:docMkLst>
-        <pc:docMk/>
-      </pc:docMkLst>
-      <pc:sldChg chg="addSp modSp mod setBg">
-        <pc:chgData name="Ihor Aleksandrov" userId="c3051032-6b87-4db2-b257-777a0106fbd9" providerId="ADAL" clId="{D05EAF56-C8F0-4612-806C-93E1C27F1929}" dt="2024-01-25T09:34:46.181" v="0" actId="26606"/>
-        <pc:sldMkLst>
-          <pc:docMk/>
-          <pc:sldMk cId="552267186" sldId="256"/>
-        </pc:sldMkLst>
-        <pc:spChg chg="mod">
-          <ac:chgData name="Ihor Aleksandrov" userId="c3051032-6b87-4db2-b257-777a0106fbd9" providerId="ADAL" clId="{D05EAF56-C8F0-4612-806C-93E1C27F1929}" dt="2024-01-25T09:34:46.181" v="0" actId="26606"/>
-          <ac:spMkLst>
-            <pc:docMk/>
-            <pc:sldMk cId="552267186" sldId="256"/>
-            <ac:spMk id="2" creationId="{18C18207-A109-5552-1541-0ABBAA316282}"/>
-          </ac:spMkLst>
-        </pc:spChg>
-        <pc:spChg chg="mod">
-          <ac:chgData name="Ihor Aleksandrov" userId="c3051032-6b87-4db2-b257-777a0106fbd9" providerId="ADAL" clId="{D05EAF56-C8F0-4612-806C-93E1C27F1929}" dt="2024-01-25T09:34:46.181" v="0" actId="26606"/>
-          <ac:spMkLst>
-            <pc:docMk/>
-            <pc:sldMk cId="552267186" sldId="256"/>
-            <ac:spMk id="3" creationId="{3473E1D3-7401-AD94-5C7A-49912FA8005A}"/>
-          </ac:spMkLst>
-        </pc:spChg>
-        <pc:spChg chg="mod">
-          <ac:chgData name="Ihor Aleksandrov" userId="c3051032-6b87-4db2-b257-777a0106fbd9" providerId="ADAL" clId="{D05EAF56-C8F0-4612-806C-93E1C27F1929}" dt="2024-01-25T09:34:46.181" v="0" actId="26606"/>
-          <ac:spMkLst>
-            <pc:docMk/>
-            <pc:sldMk cId="552267186" sldId="256"/>
-            <ac:spMk id="4" creationId="{C99D0D71-05C2-1881-DCFB-D99C1C10CBB8}"/>
-          </ac:spMkLst>
-        </pc:spChg>
-        <pc:spChg chg="add">
-          <ac:chgData name="Ihor Aleksandrov" userId="c3051032-6b87-4db2-b257-777a0106fbd9" providerId="ADAL" clId="{D05EAF56-C8F0-4612-806C-93E1C27F1929}" dt="2024-01-25T09:34:46.181" v="0" actId="26606"/>
-          <ac:spMkLst>
-            <pc:docMk/>
-            <pc:sldMk cId="552267186" sldId="256"/>
-            <ac:spMk id="9" creationId="{C3896A03-3945-419A-B66B-4EE266EDD152}"/>
-          </ac:spMkLst>
-        </pc:spChg>
-        <pc:spChg chg="add">
-          <ac:chgData name="Ihor Aleksandrov" userId="c3051032-6b87-4db2-b257-777a0106fbd9" providerId="ADAL" clId="{D05EAF56-C8F0-4612-806C-93E1C27F1929}" dt="2024-01-25T09:34:46.181" v="0" actId="26606"/>
-          <ac:spMkLst>
-            <pc:docMk/>
-            <pc:sldMk cId="552267186" sldId="256"/>
-            <ac:spMk id="11" creationId="{B34F5AD2-EDBD-4BBD-A55C-EAFFD0C7097A}"/>
-          </ac:spMkLst>
-        </pc:spChg>
-      </pc:sldChg>
-      <pc:sldChg chg="modSp mod">
-        <pc:chgData name="Ihor Aleksandrov" userId="c3051032-6b87-4db2-b257-777a0106fbd9" providerId="ADAL" clId="{D05EAF56-C8F0-4612-806C-93E1C27F1929}" dt="2024-01-25T11:00:29.329" v="160"/>
-        <pc:sldMkLst>
-          <pc:docMk/>
-          <pc:sldMk cId="3569579791" sldId="265"/>
-        </pc:sldMkLst>
-        <pc:spChg chg="mod">
-          <ac:chgData name="Ihor Aleksandrov" userId="c3051032-6b87-4db2-b257-777a0106fbd9" providerId="ADAL" clId="{D05EAF56-C8F0-4612-806C-93E1C27F1929}" dt="2024-01-25T11:00:29.329" v="160"/>
-          <ac:spMkLst>
-            <pc:docMk/>
-            <pc:sldMk cId="3569579791" sldId="265"/>
-            <ac:spMk id="2" creationId="{53C5D828-9666-E312-B574-9FE965A7D6BE}"/>
-          </ac:spMkLst>
-        </pc:spChg>
-      </pc:sldChg>
-      <pc:sldChg chg="addSp delSp modSp add mod">
-        <pc:chgData name="Ihor Aleksandrov" userId="c3051032-6b87-4db2-b257-777a0106fbd9" providerId="ADAL" clId="{D05EAF56-C8F0-4612-806C-93E1C27F1929}" dt="2024-01-25T10:19:44.220" v="11" actId="1076"/>
-        <pc:sldMkLst>
-          <pc:docMk/>
-          <pc:sldMk cId="3985704815" sldId="270"/>
-        </pc:sldMkLst>
-        <pc:spChg chg="mod">
-          <ac:chgData name="Ihor Aleksandrov" userId="c3051032-6b87-4db2-b257-777a0106fbd9" providerId="ADAL" clId="{D05EAF56-C8F0-4612-806C-93E1C27F1929}" dt="2024-01-25T10:19:15.861" v="6"/>
-          <ac:spMkLst>
-            <pc:docMk/>
-            <pc:sldMk cId="3985704815" sldId="270"/>
-            <ac:spMk id="2" creationId="{53C5D828-9666-E312-B574-9FE965A7D6BE}"/>
-          </ac:spMkLst>
-        </pc:spChg>
-        <pc:picChg chg="add mod">
-          <ac:chgData name="Ihor Aleksandrov" userId="c3051032-6b87-4db2-b257-777a0106fbd9" providerId="ADAL" clId="{D05EAF56-C8F0-4612-806C-93E1C27F1929}" dt="2024-01-25T10:19:44.220" v="11" actId="1076"/>
-          <ac:picMkLst>
-            <pc:docMk/>
-            <pc:sldMk cId="3985704815" sldId="270"/>
-            <ac:picMk id="5" creationId="{329D80B6-A19C-F87F-FE85-78E58BE79DFC}"/>
-          </ac:picMkLst>
-        </pc:picChg>
-        <pc:picChg chg="del">
-          <ac:chgData name="Ihor Aleksandrov" userId="c3051032-6b87-4db2-b257-777a0106fbd9" providerId="ADAL" clId="{D05EAF56-C8F0-4612-806C-93E1C27F1929}" dt="2024-01-25T10:19:18.657" v="7" actId="478"/>
-          <ac:picMkLst>
-            <pc:docMk/>
-            <pc:sldMk cId="3985704815" sldId="270"/>
-            <ac:picMk id="6" creationId="{BDB4DD57-1DD7-48B1-ABFB-EE3016703034}"/>
-          </ac:picMkLst>
-        </pc:picChg>
-      </pc:sldChg>
-      <pc:sldChg chg="addSp delSp modSp add mod">
-        <pc:chgData name="Ihor Aleksandrov" userId="c3051032-6b87-4db2-b257-777a0106fbd9" providerId="ADAL" clId="{D05EAF56-C8F0-4612-806C-93E1C27F1929}" dt="2024-01-25T10:21:34.770" v="23" actId="1076"/>
-        <pc:sldMkLst>
-          <pc:docMk/>
-          <pc:sldMk cId="2117969225" sldId="271"/>
-        </pc:sldMkLst>
-        <pc:spChg chg="mod">
-          <ac:chgData name="Ihor Aleksandrov" userId="c3051032-6b87-4db2-b257-777a0106fbd9" providerId="ADAL" clId="{D05EAF56-C8F0-4612-806C-93E1C27F1929}" dt="2024-01-25T10:20:53.128" v="15"/>
-          <ac:spMkLst>
-            <pc:docMk/>
-            <pc:sldMk cId="2117969225" sldId="271"/>
-            <ac:spMk id="2" creationId="{53C5D828-9666-E312-B574-9FE965A7D6BE}"/>
-          </ac:spMkLst>
-        </pc:spChg>
-        <pc:picChg chg="del">
-          <ac:chgData name="Ihor Aleksandrov" userId="c3051032-6b87-4db2-b257-777a0106fbd9" providerId="ADAL" clId="{D05EAF56-C8F0-4612-806C-93E1C27F1929}" dt="2024-01-25T10:21:32.921" v="22" actId="478"/>
-          <ac:picMkLst>
-            <pc:docMk/>
-            <pc:sldMk cId="2117969225" sldId="271"/>
-            <ac:picMk id="5" creationId="{329D80B6-A19C-F87F-FE85-78E58BE79DFC}"/>
-          </ac:picMkLst>
-        </pc:picChg>
-        <pc:picChg chg="add mod">
-          <ac:chgData name="Ihor Aleksandrov" userId="c3051032-6b87-4db2-b257-777a0106fbd9" providerId="ADAL" clId="{D05EAF56-C8F0-4612-806C-93E1C27F1929}" dt="2024-01-25T10:21:34.770" v="23" actId="1076"/>
-          <ac:picMkLst>
-            <pc:docMk/>
-            <pc:sldMk cId="2117969225" sldId="271"/>
-            <ac:picMk id="6" creationId="{4FAB23B6-5773-62B9-EF9A-E1E0562BE8E1}"/>
-          </ac:picMkLst>
-        </pc:picChg>
-      </pc:sldChg>
-      <pc:sldChg chg="addSp delSp modSp add mod">
-        <pc:chgData name="Ihor Aleksandrov" userId="c3051032-6b87-4db2-b257-777a0106fbd9" providerId="ADAL" clId="{D05EAF56-C8F0-4612-806C-93E1C27F1929}" dt="2024-01-25T10:22:58.698" v="32" actId="1076"/>
-        <pc:sldMkLst>
-          <pc:docMk/>
-          <pc:sldMk cId="1169417950" sldId="272"/>
-        </pc:sldMkLst>
-        <pc:spChg chg="mod">
-          <ac:chgData name="Ihor Aleksandrov" userId="c3051032-6b87-4db2-b257-777a0106fbd9" providerId="ADAL" clId="{D05EAF56-C8F0-4612-806C-93E1C27F1929}" dt="2024-01-25T10:22:37.334" v="27"/>
-          <ac:spMkLst>
-            <pc:docMk/>
-            <pc:sldMk cId="1169417950" sldId="272"/>
-            <ac:spMk id="2" creationId="{53C5D828-9666-E312-B574-9FE965A7D6BE}"/>
-          </ac:spMkLst>
-        </pc:spChg>
-        <pc:picChg chg="add mod">
-          <ac:chgData name="Ihor Aleksandrov" userId="c3051032-6b87-4db2-b257-777a0106fbd9" providerId="ADAL" clId="{D05EAF56-C8F0-4612-806C-93E1C27F1929}" dt="2024-01-25T10:22:58.698" v="32" actId="1076"/>
-          <ac:picMkLst>
-            <pc:docMk/>
-            <pc:sldMk cId="1169417950" sldId="272"/>
-            <ac:picMk id="5" creationId="{2673936C-DF0C-E6AF-ABCB-83A1EB8FE594}"/>
-          </ac:picMkLst>
-        </pc:picChg>
-        <pc:picChg chg="del">
-          <ac:chgData name="Ihor Aleksandrov" userId="c3051032-6b87-4db2-b257-777a0106fbd9" providerId="ADAL" clId="{D05EAF56-C8F0-4612-806C-93E1C27F1929}" dt="2024-01-25T10:22:48.916" v="28" actId="478"/>
-          <ac:picMkLst>
-            <pc:docMk/>
-            <pc:sldMk cId="1169417950" sldId="272"/>
-            <ac:picMk id="6" creationId="{4FAB23B6-5773-62B9-EF9A-E1E0562BE8E1}"/>
-          </ac:picMkLst>
-        </pc:picChg>
-      </pc:sldChg>
-      <pc:sldChg chg="addSp delSp modSp add mod">
-        <pc:chgData name="Ihor Aleksandrov" userId="c3051032-6b87-4db2-b257-777a0106fbd9" providerId="ADAL" clId="{D05EAF56-C8F0-4612-806C-93E1C27F1929}" dt="2024-01-25T10:24:25.717" v="41" actId="1076"/>
-        <pc:sldMkLst>
-          <pc:docMk/>
-          <pc:sldMk cId="22639359" sldId="273"/>
-        </pc:sldMkLst>
-        <pc:spChg chg="mod">
-          <ac:chgData name="Ihor Aleksandrov" userId="c3051032-6b87-4db2-b257-777a0106fbd9" providerId="ADAL" clId="{D05EAF56-C8F0-4612-806C-93E1C27F1929}" dt="2024-01-25T10:24:04.948" v="36"/>
-          <ac:spMkLst>
-            <pc:docMk/>
-            <pc:sldMk cId="22639359" sldId="273"/>
-            <ac:spMk id="2" creationId="{53C5D828-9666-E312-B574-9FE965A7D6BE}"/>
-          </ac:spMkLst>
-        </pc:spChg>
-        <pc:picChg chg="del">
-          <ac:chgData name="Ihor Aleksandrov" userId="c3051032-6b87-4db2-b257-777a0106fbd9" providerId="ADAL" clId="{D05EAF56-C8F0-4612-806C-93E1C27F1929}" dt="2024-01-25T10:24:16.672" v="37" actId="478"/>
-          <ac:picMkLst>
-            <pc:docMk/>
-            <pc:sldMk cId="22639359" sldId="273"/>
-            <ac:picMk id="5" creationId="{2673936C-DF0C-E6AF-ABCB-83A1EB8FE594}"/>
-          </ac:picMkLst>
-        </pc:picChg>
-        <pc:picChg chg="add mod">
-          <ac:chgData name="Ihor Aleksandrov" userId="c3051032-6b87-4db2-b257-777a0106fbd9" providerId="ADAL" clId="{D05EAF56-C8F0-4612-806C-93E1C27F1929}" dt="2024-01-25T10:24:25.717" v="41" actId="1076"/>
-          <ac:picMkLst>
-            <pc:docMk/>
-            <pc:sldMk cId="22639359" sldId="273"/>
-            <ac:picMk id="6" creationId="{F57DB18D-BCA3-CA46-401F-99D6D9BB7754}"/>
-          </ac:picMkLst>
-        </pc:picChg>
-      </pc:sldChg>
-      <pc:sldChg chg="addSp delSp modSp add mod">
-        <pc:chgData name="Ihor Aleksandrov" userId="c3051032-6b87-4db2-b257-777a0106fbd9" providerId="ADAL" clId="{D05EAF56-C8F0-4612-806C-93E1C27F1929}" dt="2024-01-25T10:26:48.038" v="50" actId="1076"/>
-        <pc:sldMkLst>
-          <pc:docMk/>
-          <pc:sldMk cId="2169937468" sldId="274"/>
-        </pc:sldMkLst>
-        <pc:spChg chg="mod">
-          <ac:chgData name="Ihor Aleksandrov" userId="c3051032-6b87-4db2-b257-777a0106fbd9" providerId="ADAL" clId="{D05EAF56-C8F0-4612-806C-93E1C27F1929}" dt="2024-01-25T10:26:26.621" v="45"/>
-          <ac:spMkLst>
-            <pc:docMk/>
-            <pc:sldMk cId="2169937468" sldId="274"/>
-            <ac:spMk id="2" creationId="{53C5D828-9666-E312-B574-9FE965A7D6BE}"/>
-          </ac:spMkLst>
-        </pc:spChg>
-        <pc:picChg chg="add mod">
-          <ac:chgData name="Ihor Aleksandrov" userId="c3051032-6b87-4db2-b257-777a0106fbd9" providerId="ADAL" clId="{D05EAF56-C8F0-4612-806C-93E1C27F1929}" dt="2024-01-25T10:26:48.038" v="50" actId="1076"/>
-          <ac:picMkLst>
-            <pc:docMk/>
-            <pc:sldMk cId="2169937468" sldId="274"/>
-            <ac:picMk id="5" creationId="{9A572A88-7842-99D5-9802-EEA8606516CC}"/>
-          </ac:picMkLst>
-        </pc:picChg>
-        <pc:picChg chg="del">
-          <ac:chgData name="Ihor Aleksandrov" userId="c3051032-6b87-4db2-b257-777a0106fbd9" providerId="ADAL" clId="{D05EAF56-C8F0-4612-806C-93E1C27F1929}" dt="2024-01-25T10:26:41.517" v="48" actId="478"/>
-          <ac:picMkLst>
-            <pc:docMk/>
-            <pc:sldMk cId="2169937468" sldId="274"/>
-            <ac:picMk id="6" creationId="{F57DB18D-BCA3-CA46-401F-99D6D9BB7754}"/>
-          </ac:picMkLst>
-        </pc:picChg>
-      </pc:sldChg>
-      <pc:sldChg chg="addSp delSp modSp add mod">
-        <pc:chgData name="Ihor Aleksandrov" userId="c3051032-6b87-4db2-b257-777a0106fbd9" providerId="ADAL" clId="{D05EAF56-C8F0-4612-806C-93E1C27F1929}" dt="2024-01-25T10:28:26.836" v="62" actId="1076"/>
-        <pc:sldMkLst>
-          <pc:docMk/>
-          <pc:sldMk cId="3976992233" sldId="275"/>
-        </pc:sldMkLst>
-        <pc:spChg chg="mod">
-          <ac:chgData name="Ihor Aleksandrov" userId="c3051032-6b87-4db2-b257-777a0106fbd9" providerId="ADAL" clId="{D05EAF56-C8F0-4612-806C-93E1C27F1929}" dt="2024-01-25T10:28:02.805" v="55" actId="27636"/>
-          <ac:spMkLst>
-            <pc:docMk/>
-            <pc:sldMk cId="3976992233" sldId="275"/>
-            <ac:spMk id="2" creationId="{53C5D828-9666-E312-B574-9FE965A7D6BE}"/>
-          </ac:spMkLst>
-        </pc:spChg>
-        <pc:picChg chg="del">
-          <ac:chgData name="Ihor Aleksandrov" userId="c3051032-6b87-4db2-b257-777a0106fbd9" providerId="ADAL" clId="{D05EAF56-C8F0-4612-806C-93E1C27F1929}" dt="2024-01-25T10:28:04.538" v="56" actId="478"/>
-          <ac:picMkLst>
-            <pc:docMk/>
-            <pc:sldMk cId="3976992233" sldId="275"/>
-            <ac:picMk id="5" creationId="{9A572A88-7842-99D5-9802-EEA8606516CC}"/>
-          </ac:picMkLst>
-        </pc:picChg>
-        <pc:picChg chg="add mod">
-          <ac:chgData name="Ihor Aleksandrov" userId="c3051032-6b87-4db2-b257-777a0106fbd9" providerId="ADAL" clId="{D05EAF56-C8F0-4612-806C-93E1C27F1929}" dt="2024-01-25T10:28:26.836" v="62" actId="1076"/>
-          <ac:picMkLst>
-            <pc:docMk/>
-            <pc:sldMk cId="3976992233" sldId="275"/>
-            <ac:picMk id="6" creationId="{76FE2D85-671A-24B1-C1D7-52F796E16C69}"/>
-          </ac:picMkLst>
-        </pc:picChg>
-      </pc:sldChg>
-      <pc:sldChg chg="addSp delSp modSp add mod ord">
-        <pc:chgData name="Ihor Aleksandrov" userId="c3051032-6b87-4db2-b257-777a0106fbd9" providerId="ADAL" clId="{D05EAF56-C8F0-4612-806C-93E1C27F1929}" dt="2024-01-25T10:48:12.411" v="112"/>
-        <pc:sldMkLst>
-          <pc:docMk/>
-          <pc:sldMk cId="2135561016" sldId="276"/>
-        </pc:sldMkLst>
-        <pc:spChg chg="mod">
-          <ac:chgData name="Ihor Aleksandrov" userId="c3051032-6b87-4db2-b257-777a0106fbd9" providerId="ADAL" clId="{D05EAF56-C8F0-4612-806C-93E1C27F1929}" dt="2024-01-25T10:32:37.109" v="72"/>
-          <ac:spMkLst>
-            <pc:docMk/>
-            <pc:sldMk cId="2135561016" sldId="276"/>
-            <ac:spMk id="2" creationId="{18C18207-A109-5552-1541-0ABBAA316282}"/>
-          </ac:spMkLst>
-        </pc:spChg>
-        <pc:spChg chg="del">
-          <ac:chgData name="Ihor Aleksandrov" userId="c3051032-6b87-4db2-b257-777a0106fbd9" providerId="ADAL" clId="{D05EAF56-C8F0-4612-806C-93E1C27F1929}" dt="2024-01-25T10:46:20.989" v="100" actId="478"/>
-          <ac:spMkLst>
-            <pc:docMk/>
-            <pc:sldMk cId="2135561016" sldId="276"/>
-            <ac:spMk id="3" creationId="{3473E1D3-7401-AD94-5C7A-49912FA8005A}"/>
-          </ac:spMkLst>
-        </pc:spChg>
-        <pc:picChg chg="add mod">
-          <ac:chgData name="Ihor Aleksandrov" userId="c3051032-6b87-4db2-b257-777a0106fbd9" providerId="ADAL" clId="{D05EAF56-C8F0-4612-806C-93E1C27F1929}" dt="2024-01-25T10:48:12.411" v="112"/>
-          <ac:picMkLst>
-            <pc:docMk/>
-            <pc:sldMk cId="2135561016" sldId="276"/>
-            <ac:picMk id="6" creationId="{BA86DDBB-D80D-1005-2EB0-33056830C288}"/>
-          </ac:picMkLst>
-        </pc:picChg>
-      </pc:sldChg>
-      <pc:sldChg chg="addSp delSp modSp add mod ord">
-        <pc:chgData name="Ihor Aleksandrov" userId="c3051032-6b87-4db2-b257-777a0106fbd9" providerId="ADAL" clId="{D05EAF56-C8F0-4612-806C-93E1C27F1929}" dt="2024-01-25T10:35:32.671" v="88" actId="1076"/>
-        <pc:sldMkLst>
-          <pc:docMk/>
-          <pc:sldMk cId="3216895555" sldId="277"/>
-        </pc:sldMkLst>
-        <pc:spChg chg="mod">
-          <ac:chgData name="Ihor Aleksandrov" userId="c3051032-6b87-4db2-b257-777a0106fbd9" providerId="ADAL" clId="{D05EAF56-C8F0-4612-806C-93E1C27F1929}" dt="2024-01-25T10:34:55.016" v="80" actId="27636"/>
-          <ac:spMkLst>
-            <pc:docMk/>
-            <pc:sldMk cId="3216895555" sldId="277"/>
-            <ac:spMk id="2" creationId="{53C5D828-9666-E312-B574-9FE965A7D6BE}"/>
-          </ac:spMkLst>
-        </pc:spChg>
-        <pc:picChg chg="add mod">
-          <ac:chgData name="Ihor Aleksandrov" userId="c3051032-6b87-4db2-b257-777a0106fbd9" providerId="ADAL" clId="{D05EAF56-C8F0-4612-806C-93E1C27F1929}" dt="2024-01-25T10:35:32.671" v="88" actId="1076"/>
-          <ac:picMkLst>
-            <pc:docMk/>
-            <pc:sldMk cId="3216895555" sldId="277"/>
-            <ac:picMk id="5" creationId="{523B5826-3FED-E033-7A50-454B720EF960}"/>
-          </ac:picMkLst>
-        </pc:picChg>
-        <pc:picChg chg="del">
-          <ac:chgData name="Ihor Aleksandrov" userId="c3051032-6b87-4db2-b257-777a0106fbd9" providerId="ADAL" clId="{D05EAF56-C8F0-4612-806C-93E1C27F1929}" dt="2024-01-25T10:35:17.826" v="82" actId="478"/>
-          <ac:picMkLst>
-            <pc:docMk/>
-            <pc:sldMk cId="3216895555" sldId="277"/>
-            <ac:picMk id="6" creationId="{76FE2D85-671A-24B1-C1D7-52F796E16C69}"/>
-          </ac:picMkLst>
-        </pc:picChg>
-      </pc:sldChg>
-      <pc:sldChg chg="addSp delSp modSp add mod">
-        <pc:chgData name="Ihor Aleksandrov" userId="c3051032-6b87-4db2-b257-777a0106fbd9" providerId="ADAL" clId="{D05EAF56-C8F0-4612-806C-93E1C27F1929}" dt="2024-01-25T10:43:44.832" v="99" actId="1076"/>
-        <pc:sldMkLst>
-          <pc:docMk/>
-          <pc:sldMk cId="1506611494" sldId="278"/>
-        </pc:sldMkLst>
-        <pc:spChg chg="mod">
-          <ac:chgData name="Ihor Aleksandrov" userId="c3051032-6b87-4db2-b257-777a0106fbd9" providerId="ADAL" clId="{D05EAF56-C8F0-4612-806C-93E1C27F1929}" dt="2024-01-25T10:40:14.102" v="94"/>
-          <ac:spMkLst>
-            <pc:docMk/>
-            <pc:sldMk cId="1506611494" sldId="278"/>
-            <ac:spMk id="2" creationId="{53C5D828-9666-E312-B574-9FE965A7D6BE}"/>
-          </ac:spMkLst>
-        </pc:spChg>
-        <pc:picChg chg="del">
-          <ac:chgData name="Ihor Aleksandrov" userId="c3051032-6b87-4db2-b257-777a0106fbd9" providerId="ADAL" clId="{D05EAF56-C8F0-4612-806C-93E1C27F1929}" dt="2024-01-25T10:43:36.501" v="95" actId="478"/>
-          <ac:picMkLst>
-            <pc:docMk/>
-            <pc:sldMk cId="1506611494" sldId="278"/>
-            <ac:picMk id="5" creationId="{523B5826-3FED-E033-7A50-454B720EF960}"/>
-          </ac:picMkLst>
-        </pc:picChg>
-        <pc:picChg chg="add mod">
-          <ac:chgData name="Ihor Aleksandrov" userId="c3051032-6b87-4db2-b257-777a0106fbd9" providerId="ADAL" clId="{D05EAF56-C8F0-4612-806C-93E1C27F1929}" dt="2024-01-25T10:43:44.832" v="99" actId="1076"/>
-          <ac:picMkLst>
-            <pc:docMk/>
-            <pc:sldMk cId="1506611494" sldId="278"/>
-            <ac:picMk id="6" creationId="{F7B4799B-BEB4-BC82-1CD6-CE4E3725E9A6}"/>
-          </ac:picMkLst>
-        </pc:picChg>
-      </pc:sldChg>
-      <pc:sldChg chg="addSp delSp modSp add mod">
-        <pc:chgData name="Ihor Aleksandrov" userId="c3051032-6b87-4db2-b257-777a0106fbd9" providerId="ADAL" clId="{D05EAF56-C8F0-4612-806C-93E1C27F1929}" dt="2024-01-25T10:49:48.310" v="120"/>
-        <pc:sldMkLst>
-          <pc:docMk/>
-          <pc:sldMk cId="3864832451" sldId="279"/>
-        </pc:sldMkLst>
-        <pc:spChg chg="mod">
-          <ac:chgData name="Ihor Aleksandrov" userId="c3051032-6b87-4db2-b257-777a0106fbd9" providerId="ADAL" clId="{D05EAF56-C8F0-4612-806C-93E1C27F1929}" dt="2024-01-25T10:49:48.310" v="120"/>
-          <ac:spMkLst>
-            <pc:docMk/>
-            <pc:sldMk cId="3864832451" sldId="279"/>
-            <ac:spMk id="2" creationId="{53C5D828-9666-E312-B574-9FE965A7D6BE}"/>
-          </ac:spMkLst>
-        </pc:spChg>
-        <pc:picChg chg="add mod">
-          <ac:chgData name="Ihor Aleksandrov" userId="c3051032-6b87-4db2-b257-777a0106fbd9" providerId="ADAL" clId="{D05EAF56-C8F0-4612-806C-93E1C27F1929}" dt="2024-01-25T10:49:09.073" v="117" actId="1076"/>
-          <ac:picMkLst>
-            <pc:docMk/>
-            <pc:sldMk cId="3864832451" sldId="279"/>
-            <ac:picMk id="5" creationId="{C7472C97-E950-C6C2-19AE-07ECFA5C4C69}"/>
-          </ac:picMkLst>
-        </pc:picChg>
-        <pc:picChg chg="del">
-          <ac:chgData name="Ihor Aleksandrov" userId="c3051032-6b87-4db2-b257-777a0106fbd9" providerId="ADAL" clId="{D05EAF56-C8F0-4612-806C-93E1C27F1929}" dt="2024-01-25T10:48:53.887" v="114" actId="478"/>
-          <ac:picMkLst>
-            <pc:docMk/>
-            <pc:sldMk cId="3864832451" sldId="279"/>
-            <ac:picMk id="6" creationId="{F7B4799B-BEB4-BC82-1CD6-CE4E3725E9A6}"/>
-          </ac:picMkLst>
-        </pc:picChg>
-      </pc:sldChg>
-      <pc:sldChg chg="addSp delSp modSp add mod">
-        <pc:chgData name="Ihor Aleksandrov" userId="c3051032-6b87-4db2-b257-777a0106fbd9" providerId="ADAL" clId="{D05EAF56-C8F0-4612-806C-93E1C27F1929}" dt="2024-01-25T10:51:39.984" v="127" actId="1076"/>
-        <pc:sldMkLst>
-          <pc:docMk/>
-          <pc:sldMk cId="2194478224" sldId="280"/>
-        </pc:sldMkLst>
-        <pc:spChg chg="mod">
-          <ac:chgData name="Ihor Aleksandrov" userId="c3051032-6b87-4db2-b257-777a0106fbd9" providerId="ADAL" clId="{D05EAF56-C8F0-4612-806C-93E1C27F1929}" dt="2024-01-25T10:51:25.127" v="124"/>
-          <ac:spMkLst>
-            <pc:docMk/>
-            <pc:sldMk cId="2194478224" sldId="280"/>
-            <ac:spMk id="2" creationId="{53C5D828-9666-E312-B574-9FE965A7D6BE}"/>
-          </ac:spMkLst>
-        </pc:spChg>
-        <pc:picChg chg="add mod">
-          <ac:chgData name="Ihor Aleksandrov" userId="c3051032-6b87-4db2-b257-777a0106fbd9" providerId="ADAL" clId="{D05EAF56-C8F0-4612-806C-93E1C27F1929}" dt="2024-01-25T10:51:39.984" v="127" actId="1076"/>
-          <ac:picMkLst>
-            <pc:docMk/>
-            <pc:sldMk cId="2194478224" sldId="280"/>
-            <ac:picMk id="4" creationId="{8F2E114A-EFDE-8D45-E482-1B0918ACBF79}"/>
-          </ac:picMkLst>
-        </pc:picChg>
-        <pc:picChg chg="del">
-          <ac:chgData name="Ihor Aleksandrov" userId="c3051032-6b87-4db2-b257-777a0106fbd9" providerId="ADAL" clId="{D05EAF56-C8F0-4612-806C-93E1C27F1929}" dt="2024-01-25T10:51:26.612" v="125" actId="478"/>
-          <ac:picMkLst>
-            <pc:docMk/>
-            <pc:sldMk cId="2194478224" sldId="280"/>
-            <ac:picMk id="5" creationId="{C7472C97-E950-C6C2-19AE-07ECFA5C4C69}"/>
-          </ac:picMkLst>
-        </pc:picChg>
-      </pc:sldChg>
-      <pc:sldChg chg="delSp modSp add mod ord">
-        <pc:chgData name="Ihor Aleksandrov" userId="c3051032-6b87-4db2-b257-777a0106fbd9" providerId="ADAL" clId="{D05EAF56-C8F0-4612-806C-93E1C27F1929}" dt="2024-01-25T10:53:57.961" v="142" actId="20577"/>
-        <pc:sldMkLst>
-          <pc:docMk/>
-          <pc:sldMk cId="2205366352" sldId="281"/>
-        </pc:sldMkLst>
-        <pc:spChg chg="mod">
-          <ac:chgData name="Ihor Aleksandrov" userId="c3051032-6b87-4db2-b257-777a0106fbd9" providerId="ADAL" clId="{D05EAF56-C8F0-4612-806C-93E1C27F1929}" dt="2024-01-25T10:53:57.961" v="142" actId="20577"/>
-          <ac:spMkLst>
-            <pc:docMk/>
-            <pc:sldMk cId="2205366352" sldId="281"/>
-            <ac:spMk id="2" creationId="{18C18207-A109-5552-1541-0ABBAA316282}"/>
-          </ac:spMkLst>
-        </pc:spChg>
-        <pc:picChg chg="del">
-          <ac:chgData name="Ihor Aleksandrov" userId="c3051032-6b87-4db2-b257-777a0106fbd9" providerId="ADAL" clId="{D05EAF56-C8F0-4612-806C-93E1C27F1929}" dt="2024-01-25T10:53:50.795" v="134" actId="478"/>
-          <ac:picMkLst>
-            <pc:docMk/>
-            <pc:sldMk cId="2205366352" sldId="281"/>
-            <ac:picMk id="6" creationId="{BA86DDBB-D80D-1005-2EB0-33056830C288}"/>
-          </ac:picMkLst>
-        </pc:picChg>
-      </pc:sldChg>
-      <pc:sldChg chg="delSp add del setBg delDesignElem">
-        <pc:chgData name="Ihor Aleksandrov" userId="c3051032-6b87-4db2-b257-777a0106fbd9" providerId="ADAL" clId="{D05EAF56-C8F0-4612-806C-93E1C27F1929}" dt="2024-01-25T10:53:38.779" v="130" actId="47"/>
-        <pc:sldMkLst>
-          <pc:docMk/>
-          <pc:sldMk cId="2518075034" sldId="281"/>
-        </pc:sldMkLst>
-        <pc:spChg chg="del">
-          <ac:chgData name="Ihor Aleksandrov" userId="c3051032-6b87-4db2-b257-777a0106fbd9" providerId="ADAL" clId="{D05EAF56-C8F0-4612-806C-93E1C27F1929}" dt="2024-01-25T10:53:27.044" v="129"/>
-          <ac:spMkLst>
-            <pc:docMk/>
-            <pc:sldMk cId="2518075034" sldId="281"/>
-            <ac:spMk id="9" creationId="{C3896A03-3945-419A-B66B-4EE266EDD152}"/>
-          </ac:spMkLst>
-        </pc:spChg>
-        <pc:spChg chg="del">
-          <ac:chgData name="Ihor Aleksandrov" userId="c3051032-6b87-4db2-b257-777a0106fbd9" providerId="ADAL" clId="{D05EAF56-C8F0-4612-806C-93E1C27F1929}" dt="2024-01-25T10:53:27.044" v="129"/>
-          <ac:spMkLst>
-            <pc:docMk/>
-            <pc:sldMk cId="2518075034" sldId="281"/>
-            <ac:spMk id="11" creationId="{B34F5AD2-EDBD-4BBD-A55C-EAFFD0C7097A}"/>
-          </ac:spMkLst>
-        </pc:spChg>
-      </pc:sldChg>
-      <pc:sldChg chg="modSp add mod ord">
-        <pc:chgData name="Ihor Aleksandrov" userId="c3051032-6b87-4db2-b257-777a0106fbd9" providerId="ADAL" clId="{D05EAF56-C8F0-4612-806C-93E1C27F1929}" dt="2024-01-25T10:55:39.680" v="152" actId="20577"/>
-        <pc:sldMkLst>
-          <pc:docMk/>
-          <pc:sldMk cId="2028152352" sldId="282"/>
-        </pc:sldMkLst>
-        <pc:spChg chg="mod">
-          <ac:chgData name="Ihor Aleksandrov" userId="c3051032-6b87-4db2-b257-777a0106fbd9" providerId="ADAL" clId="{D05EAF56-C8F0-4612-806C-93E1C27F1929}" dt="2024-01-25T10:55:39.680" v="152" actId="20577"/>
-          <ac:spMkLst>
-            <pc:docMk/>
-            <pc:sldMk cId="2028152352" sldId="282"/>
-            <ac:spMk id="2" creationId="{18C18207-A109-5552-1541-0ABBAA316282}"/>
-          </ac:spMkLst>
-        </pc:spChg>
-      </pc:sldChg>
-      <pc:sldChg chg="modSp add mod ord">
-        <pc:chgData name="Ihor Aleksandrov" userId="c3051032-6b87-4db2-b257-777a0106fbd9" providerId="ADAL" clId="{D05EAF56-C8F0-4612-806C-93E1C27F1929}" dt="2024-01-25T11:01:05.747" v="171"/>
-        <pc:sldMkLst>
-          <pc:docMk/>
-          <pc:sldMk cId="2433051637" sldId="283"/>
-        </pc:sldMkLst>
-        <pc:spChg chg="mod">
-          <ac:chgData name="Ihor Aleksandrov" userId="c3051032-6b87-4db2-b257-777a0106fbd9" providerId="ADAL" clId="{D05EAF56-C8F0-4612-806C-93E1C27F1929}" dt="2024-01-25T11:01:05.747" v="171"/>
-          <ac:spMkLst>
-            <pc:docMk/>
-            <pc:sldMk cId="2433051637" sldId="283"/>
-            <ac:spMk id="2" creationId="{53C5D828-9666-E312-B574-9FE965A7D6BE}"/>
-          </ac:spMkLst>
-        </pc:spChg>
-      </pc:sldChg>
-      <pc:sldChg chg="addSp delSp modSp add mod">
-        <pc:chgData name="Ihor Aleksandrov" userId="c3051032-6b87-4db2-b257-777a0106fbd9" providerId="ADAL" clId="{D05EAF56-C8F0-4612-806C-93E1C27F1929}" dt="2024-01-25T11:22:22.700" v="219" actId="14100"/>
-        <pc:sldMkLst>
-          <pc:docMk/>
-          <pc:sldMk cId="2869825701" sldId="284"/>
-        </pc:sldMkLst>
-        <pc:spChg chg="mod">
-          <ac:chgData name="Ihor Aleksandrov" userId="c3051032-6b87-4db2-b257-777a0106fbd9" providerId="ADAL" clId="{D05EAF56-C8F0-4612-806C-93E1C27F1929}" dt="2024-01-25T11:01:51.992" v="175"/>
-          <ac:spMkLst>
-            <pc:docMk/>
-            <pc:sldMk cId="2869825701" sldId="284"/>
-            <ac:spMk id="2" creationId="{53C5D828-9666-E312-B574-9FE965A7D6BE}"/>
-          </ac:spMkLst>
-        </pc:spChg>
-        <pc:spChg chg="del">
-          <ac:chgData name="Ihor Aleksandrov" userId="c3051032-6b87-4db2-b257-777a0106fbd9" providerId="ADAL" clId="{D05EAF56-C8F0-4612-806C-93E1C27F1929}" dt="2024-01-25T11:22:01.808" v="214" actId="478"/>
-          <ac:spMkLst>
-            <pc:docMk/>
-            <pc:sldMk cId="2869825701" sldId="284"/>
-            <ac:spMk id="6" creationId="{E04F08BD-B70E-B1A8-7328-EE29B18E4AA1}"/>
-          </ac:spMkLst>
-        </pc:spChg>
-        <pc:picChg chg="add mod">
-          <ac:chgData name="Ihor Aleksandrov" userId="c3051032-6b87-4db2-b257-777a0106fbd9" providerId="ADAL" clId="{D05EAF56-C8F0-4612-806C-93E1C27F1929}" dt="2024-01-25T11:22:22.700" v="219" actId="14100"/>
-          <ac:picMkLst>
-            <pc:docMk/>
-            <pc:sldMk cId="2869825701" sldId="284"/>
-            <ac:picMk id="5" creationId="{0885AC12-A488-3762-3217-E1B0319D46AD}"/>
-          </ac:picMkLst>
-        </pc:picChg>
-      </pc:sldChg>
-      <pc:sldChg chg="addSp delSp add del setBg delDesignElem">
-        <pc:chgData name="Ihor Aleksandrov" userId="c3051032-6b87-4db2-b257-777a0106fbd9" providerId="ADAL" clId="{D05EAF56-C8F0-4612-806C-93E1C27F1929}" dt="2024-01-25T11:00:55.998" v="168"/>
-        <pc:sldMkLst>
-          <pc:docMk/>
-          <pc:sldMk cId="3157685417" sldId="284"/>
-        </pc:sldMkLst>
-        <pc:spChg chg="add del">
-          <ac:chgData name="Ihor Aleksandrov" userId="c3051032-6b87-4db2-b257-777a0106fbd9" providerId="ADAL" clId="{D05EAF56-C8F0-4612-806C-93E1C27F1929}" dt="2024-01-25T11:00:55.998" v="168"/>
-          <ac:spMkLst>
-            <pc:docMk/>
-            <pc:sldMk cId="3157685417" sldId="284"/>
-            <ac:spMk id="9" creationId="{D4771268-CB57-404A-9271-370EB28F6090}"/>
-          </ac:spMkLst>
-        </pc:spChg>
-      </pc:sldChg>
-      <pc:sldChg chg="addSp delSp modSp add mod">
-        <pc:chgData name="Ihor Aleksandrov" userId="c3051032-6b87-4db2-b257-777a0106fbd9" providerId="ADAL" clId="{D05EAF56-C8F0-4612-806C-93E1C27F1929}" dt="2024-01-25T11:03:48.850" v="202" actId="1036"/>
-        <pc:sldMkLst>
-          <pc:docMk/>
-          <pc:sldMk cId="856240837" sldId="285"/>
-        </pc:sldMkLst>
-        <pc:spChg chg="mod">
-          <ac:chgData name="Ihor Aleksandrov" userId="c3051032-6b87-4db2-b257-777a0106fbd9" providerId="ADAL" clId="{D05EAF56-C8F0-4612-806C-93E1C27F1929}" dt="2024-01-25T11:03:18.596" v="177"/>
-          <ac:spMkLst>
-            <pc:docMk/>
-            <pc:sldMk cId="856240837" sldId="285"/>
-            <ac:spMk id="2" creationId="{53C5D828-9666-E312-B574-9FE965A7D6BE}"/>
-          </ac:spMkLst>
-        </pc:spChg>
-        <pc:spChg chg="del">
-          <ac:chgData name="Ihor Aleksandrov" userId="c3051032-6b87-4db2-b257-777a0106fbd9" providerId="ADAL" clId="{D05EAF56-C8F0-4612-806C-93E1C27F1929}" dt="2024-01-25T11:03:21.592" v="178" actId="478"/>
-          <ac:spMkLst>
-            <pc:docMk/>
-            <pc:sldMk cId="856240837" sldId="285"/>
-            <ac:spMk id="6" creationId="{E04F08BD-B70E-B1A8-7328-EE29B18E4AA1}"/>
-          </ac:spMkLst>
-        </pc:spChg>
-        <pc:picChg chg="add mod">
-          <ac:chgData name="Ihor Aleksandrov" userId="c3051032-6b87-4db2-b257-777a0106fbd9" providerId="ADAL" clId="{D05EAF56-C8F0-4612-806C-93E1C27F1929}" dt="2024-01-25T11:03:48.850" v="202" actId="1036"/>
-          <ac:picMkLst>
-            <pc:docMk/>
-            <pc:sldMk cId="856240837" sldId="285"/>
-            <ac:picMk id="4" creationId="{A8C20435-8FF0-1341-85C4-558E352F27E5}"/>
-          </ac:picMkLst>
-        </pc:picChg>
-      </pc:sldChg>
-      <pc:sldChg chg="modSp add mod ord">
-        <pc:chgData name="Ihor Aleksandrov" userId="c3051032-6b87-4db2-b257-777a0106fbd9" providerId="ADAL" clId="{D05EAF56-C8F0-4612-806C-93E1C27F1929}" dt="2024-01-25T11:10:32.927" v="210"/>
-        <pc:sldMkLst>
-          <pc:docMk/>
-          <pc:sldMk cId="1586376586" sldId="286"/>
-        </pc:sldMkLst>
-        <pc:spChg chg="mod">
-          <ac:chgData name="Ihor Aleksandrov" userId="c3051032-6b87-4db2-b257-777a0106fbd9" providerId="ADAL" clId="{D05EAF56-C8F0-4612-806C-93E1C27F1929}" dt="2024-01-25T11:10:32.927" v="210"/>
-          <ac:spMkLst>
-            <pc:docMk/>
-            <pc:sldMk cId="1586376586" sldId="286"/>
-            <ac:spMk id="2" creationId="{53C5D828-9666-E312-B574-9FE965A7D6BE}"/>
-          </ac:spMkLst>
-        </pc:spChg>
-      </pc:sldChg>
-      <pc:sldChg chg="add del">
-        <pc:chgData name="Ihor Aleksandrov" userId="c3051032-6b87-4db2-b257-777a0106fbd9" providerId="ADAL" clId="{D05EAF56-C8F0-4612-806C-93E1C27F1929}" dt="2024-01-25T11:10:15.704" v="204" actId="2696"/>
-        <pc:sldMkLst>
-          <pc:docMk/>
-          <pc:sldMk cId="2392975250" sldId="286"/>
-        </pc:sldMkLst>
-      </pc:sldChg>
-      <pc:sldChg chg="modSp add mod ord">
-        <pc:chgData name="Ihor Aleksandrov" userId="c3051032-6b87-4db2-b257-777a0106fbd9" providerId="ADAL" clId="{D05EAF56-C8F0-4612-806C-93E1C27F1929}" dt="2024-01-25T11:27:00.546" v="224" actId="20577"/>
-        <pc:sldMkLst>
-          <pc:docMk/>
-          <pc:sldMk cId="2004498921" sldId="287"/>
-        </pc:sldMkLst>
-        <pc:spChg chg="mod">
-          <ac:chgData name="Ihor Aleksandrov" userId="c3051032-6b87-4db2-b257-777a0106fbd9" providerId="ADAL" clId="{D05EAF56-C8F0-4612-806C-93E1C27F1929}" dt="2024-01-25T11:27:00.546" v="224" actId="20577"/>
-          <ac:spMkLst>
-            <pc:docMk/>
-            <pc:sldMk cId="2004498921" sldId="287"/>
-            <ac:spMk id="2" creationId="{18C18207-A109-5552-1541-0ABBAA316282}"/>
-          </ac:spMkLst>
-        </pc:spChg>
-      </pc:sldChg>
-      <pc:sldChg chg="addSp delSp modSp add mod ord">
-        <pc:chgData name="Ihor Aleksandrov" userId="c3051032-6b87-4db2-b257-777a0106fbd9" providerId="ADAL" clId="{D05EAF56-C8F0-4612-806C-93E1C27F1929}" dt="2024-01-25T11:28:34.816" v="233" actId="1076"/>
-        <pc:sldMkLst>
-          <pc:docMk/>
-          <pc:sldMk cId="156474206" sldId="288"/>
-        </pc:sldMkLst>
-        <pc:spChg chg="mod">
-          <ac:chgData name="Ihor Aleksandrov" userId="c3051032-6b87-4db2-b257-777a0106fbd9" providerId="ADAL" clId="{D05EAF56-C8F0-4612-806C-93E1C27F1929}" dt="2024-01-25T11:28:25.547" v="230"/>
-          <ac:spMkLst>
-            <pc:docMk/>
-            <pc:sldMk cId="156474206" sldId="288"/>
-            <ac:spMk id="2" creationId="{53C5D828-9666-E312-B574-9FE965A7D6BE}"/>
-          </ac:spMkLst>
-        </pc:spChg>
-        <pc:spChg chg="del">
-          <ac:chgData name="Ihor Aleksandrov" userId="c3051032-6b87-4db2-b257-777a0106fbd9" providerId="ADAL" clId="{D05EAF56-C8F0-4612-806C-93E1C27F1929}" dt="2024-01-25T11:28:27.105" v="231" actId="478"/>
-          <ac:spMkLst>
-            <pc:docMk/>
-            <pc:sldMk cId="156474206" sldId="288"/>
-            <ac:spMk id="6" creationId="{E04F08BD-B70E-B1A8-7328-EE29B18E4AA1}"/>
-          </ac:spMkLst>
-        </pc:spChg>
-        <pc:picChg chg="add mod">
-          <ac:chgData name="Ihor Aleksandrov" userId="c3051032-6b87-4db2-b257-777a0106fbd9" providerId="ADAL" clId="{D05EAF56-C8F0-4612-806C-93E1C27F1929}" dt="2024-01-25T11:28:34.816" v="233" actId="1076"/>
-          <ac:picMkLst>
-            <pc:docMk/>
-            <pc:sldMk cId="156474206" sldId="288"/>
-            <ac:picMk id="4" creationId="{0D7416A8-5E31-A6F5-922C-BB434A29C3EE}"/>
-          </ac:picMkLst>
-        </pc:picChg>
-      </pc:sldChg>
-      <pc:sldChg chg="modSp add mod ord">
-        <pc:chgData name="Ihor Aleksandrov" userId="c3051032-6b87-4db2-b257-777a0106fbd9" providerId="ADAL" clId="{D05EAF56-C8F0-4612-806C-93E1C27F1929}" dt="2024-01-25T11:29:51.583" v="244"/>
-        <pc:sldMkLst>
-          <pc:docMk/>
-          <pc:sldMk cId="2551930029" sldId="289"/>
-        </pc:sldMkLst>
-        <pc:spChg chg="mod">
-          <ac:chgData name="Ihor Aleksandrov" userId="c3051032-6b87-4db2-b257-777a0106fbd9" providerId="ADAL" clId="{D05EAF56-C8F0-4612-806C-93E1C27F1929}" dt="2024-01-25T11:29:47.752" v="242" actId="20577"/>
-          <ac:spMkLst>
-            <pc:docMk/>
-            <pc:sldMk cId="2551930029" sldId="289"/>
-            <ac:spMk id="2" creationId="{18C18207-A109-5552-1541-0ABBAA316282}"/>
-          </ac:spMkLst>
-        </pc:spChg>
-      </pc:sldChg>
-      <pc:sldChg chg="addSp delSp modSp add mod ord">
-        <pc:chgData name="Ihor Aleksandrov" userId="c3051032-6b87-4db2-b257-777a0106fbd9" providerId="ADAL" clId="{D05EAF56-C8F0-4612-806C-93E1C27F1929}" dt="2024-01-25T11:49:38.267" v="257" actId="1076"/>
-        <pc:sldMkLst>
-          <pc:docMk/>
-          <pc:sldMk cId="1939738048" sldId="290"/>
-        </pc:sldMkLst>
-        <pc:spChg chg="mod">
-          <ac:chgData name="Ihor Aleksandrov" userId="c3051032-6b87-4db2-b257-777a0106fbd9" providerId="ADAL" clId="{D05EAF56-C8F0-4612-806C-93E1C27F1929}" dt="2024-01-25T11:49:07.853" v="250"/>
-          <ac:spMkLst>
-            <pc:docMk/>
-            <pc:sldMk cId="1939738048" sldId="290"/>
-            <ac:spMk id="2" creationId="{53C5D828-9666-E312-B574-9FE965A7D6BE}"/>
-          </ac:spMkLst>
-        </pc:spChg>
-        <pc:spChg chg="del">
-          <ac:chgData name="Ihor Aleksandrov" userId="c3051032-6b87-4db2-b257-777a0106fbd9" providerId="ADAL" clId="{D05EAF56-C8F0-4612-806C-93E1C27F1929}" dt="2024-01-25T11:49:20.582" v="251" actId="478"/>
-          <ac:spMkLst>
-            <pc:docMk/>
-            <pc:sldMk cId="1939738048" sldId="290"/>
-            <ac:spMk id="6" creationId="{E04F08BD-B70E-B1A8-7328-EE29B18E4AA1}"/>
-          </ac:spMkLst>
-        </pc:spChg>
-        <pc:picChg chg="add mod">
-          <ac:chgData name="Ihor Aleksandrov" userId="c3051032-6b87-4db2-b257-777a0106fbd9" providerId="ADAL" clId="{D05EAF56-C8F0-4612-806C-93E1C27F1929}" dt="2024-01-25T11:49:38.267" v="257" actId="1076"/>
-          <ac:picMkLst>
-            <pc:docMk/>
-            <pc:sldMk cId="1939738048" sldId="290"/>
-            <ac:picMk id="4" creationId="{49B21785-1E7E-8457-4FBF-E3FC2CCADD04}"/>
-          </ac:picMkLst>
-        </pc:picChg>
-      </pc:sldChg>
-      <pc:sldChg chg="modSp add mod ord">
-        <pc:chgData name="Ihor Aleksandrov" userId="c3051032-6b87-4db2-b257-777a0106fbd9" providerId="ADAL" clId="{D05EAF56-C8F0-4612-806C-93E1C27F1929}" dt="2024-01-25T11:51:45.959" v="263"/>
-        <pc:sldMkLst>
-          <pc:docMk/>
-          <pc:sldMk cId="1018496090" sldId="291"/>
-        </pc:sldMkLst>
-        <pc:spChg chg="mod">
-          <ac:chgData name="Ihor Aleksandrov" userId="c3051032-6b87-4db2-b257-777a0106fbd9" providerId="ADAL" clId="{D05EAF56-C8F0-4612-806C-93E1C27F1929}" dt="2024-01-25T11:51:45.959" v="263"/>
-          <ac:spMkLst>
-            <pc:docMk/>
-            <pc:sldMk cId="1018496090" sldId="291"/>
-            <ac:spMk id="2" creationId="{53C5D828-9666-E312-B574-9FE965A7D6BE}"/>
-          </ac:spMkLst>
-        </pc:spChg>
-      </pc:sldChg>
-      <pc:sldChg chg="modSp add mod">
-        <pc:chgData name="Ihor Aleksandrov" userId="c3051032-6b87-4db2-b257-777a0106fbd9" providerId="ADAL" clId="{D05EAF56-C8F0-4612-806C-93E1C27F1929}" dt="2024-01-25T11:53:09.928" v="267"/>
-        <pc:sldMkLst>
-          <pc:docMk/>
-          <pc:sldMk cId="2128635244" sldId="292"/>
-        </pc:sldMkLst>
-        <pc:spChg chg="mod">
-          <ac:chgData name="Ihor Aleksandrov" userId="c3051032-6b87-4db2-b257-777a0106fbd9" providerId="ADAL" clId="{D05EAF56-C8F0-4612-806C-93E1C27F1929}" dt="2024-01-25T11:53:09.928" v="267"/>
-          <ac:spMkLst>
-            <pc:docMk/>
-            <pc:sldMk cId="2128635244" sldId="292"/>
-            <ac:spMk id="2" creationId="{53C5D828-9666-E312-B574-9FE965A7D6BE}"/>
-          </ac:spMkLst>
-        </pc:spChg>
-      </pc:sldChg>
-      <pc:sldChg chg="addSp delSp modSp add mod">
-        <pc:chgData name="Ihor Aleksandrov" userId="c3051032-6b87-4db2-b257-777a0106fbd9" providerId="ADAL" clId="{D05EAF56-C8F0-4612-806C-93E1C27F1929}" dt="2024-01-25T11:55:41.171" v="279" actId="1076"/>
-        <pc:sldMkLst>
-          <pc:docMk/>
-          <pc:sldMk cId="2059493005" sldId="293"/>
-        </pc:sldMkLst>
-        <pc:spChg chg="mod">
-          <ac:chgData name="Ihor Aleksandrov" userId="c3051032-6b87-4db2-b257-777a0106fbd9" providerId="ADAL" clId="{D05EAF56-C8F0-4612-806C-93E1C27F1929}" dt="2024-01-25T11:55:19.618" v="271"/>
-          <ac:spMkLst>
-            <pc:docMk/>
-            <pc:sldMk cId="2059493005" sldId="293"/>
-            <ac:spMk id="2" creationId="{53C5D828-9666-E312-B574-9FE965A7D6BE}"/>
-          </ac:spMkLst>
-        </pc:spChg>
-        <pc:spChg chg="del">
-          <ac:chgData name="Ihor Aleksandrov" userId="c3051032-6b87-4db2-b257-777a0106fbd9" providerId="ADAL" clId="{D05EAF56-C8F0-4612-806C-93E1C27F1929}" dt="2024-01-25T11:55:21.950" v="272" actId="478"/>
-          <ac:spMkLst>
-            <pc:docMk/>
-            <pc:sldMk cId="2059493005" sldId="293"/>
-            <ac:spMk id="6" creationId="{E04F08BD-B70E-B1A8-7328-EE29B18E4AA1}"/>
-          </ac:spMkLst>
-        </pc:spChg>
-        <pc:picChg chg="add mod">
-          <ac:chgData name="Ihor Aleksandrov" userId="c3051032-6b87-4db2-b257-777a0106fbd9" providerId="ADAL" clId="{D05EAF56-C8F0-4612-806C-93E1C27F1929}" dt="2024-01-25T11:55:41.171" v="279" actId="1076"/>
-          <ac:picMkLst>
-            <pc:docMk/>
-            <pc:sldMk cId="2059493005" sldId="293"/>
-            <ac:picMk id="4" creationId="{B4989CAB-F181-BB13-C3CC-7303FC972C04}"/>
-          </ac:picMkLst>
-        </pc:picChg>
-      </pc:sldChg>
-      <pc:sldChg chg="addSp delSp modSp add mod">
-        <pc:chgData name="Ihor Aleksandrov" userId="c3051032-6b87-4db2-b257-777a0106fbd9" providerId="ADAL" clId="{D05EAF56-C8F0-4612-806C-93E1C27F1929}" dt="2024-01-25T11:57:16.812" v="286" actId="1076"/>
-        <pc:sldMkLst>
-          <pc:docMk/>
-          <pc:sldMk cId="1734173143" sldId="294"/>
-        </pc:sldMkLst>
-        <pc:spChg chg="mod">
-          <ac:chgData name="Ihor Aleksandrov" userId="c3051032-6b87-4db2-b257-777a0106fbd9" providerId="ADAL" clId="{D05EAF56-C8F0-4612-806C-93E1C27F1929}" dt="2024-01-25T11:56:59.706" v="281"/>
-          <ac:spMkLst>
-            <pc:docMk/>
-            <pc:sldMk cId="1734173143" sldId="294"/>
-            <ac:spMk id="2" creationId="{53C5D828-9666-E312-B574-9FE965A7D6BE}"/>
-          </ac:spMkLst>
-        </pc:spChg>
-        <pc:picChg chg="del">
-          <ac:chgData name="Ihor Aleksandrov" userId="c3051032-6b87-4db2-b257-777a0106fbd9" providerId="ADAL" clId="{D05EAF56-C8F0-4612-806C-93E1C27F1929}" dt="2024-01-25T11:57:02.563" v="282" actId="478"/>
-          <ac:picMkLst>
-            <pc:docMk/>
-            <pc:sldMk cId="1734173143" sldId="294"/>
-            <ac:picMk id="4" creationId="{B4989CAB-F181-BB13-C3CC-7303FC972C04}"/>
-          </ac:picMkLst>
-        </pc:picChg>
-        <pc:picChg chg="add mod">
-          <ac:chgData name="Ihor Aleksandrov" userId="c3051032-6b87-4db2-b257-777a0106fbd9" providerId="ADAL" clId="{D05EAF56-C8F0-4612-806C-93E1C27F1929}" dt="2024-01-25T11:57:16.812" v="286" actId="1076"/>
-          <ac:picMkLst>
-            <pc:docMk/>
-            <pc:sldMk cId="1734173143" sldId="294"/>
-            <ac:picMk id="5" creationId="{EFB4AF76-9D94-7721-E2C8-2472D164A060}"/>
-          </ac:picMkLst>
-        </pc:picChg>
-      </pc:sldChg>
-      <pc:sldChg chg="addSp modSp add mod ord">
-        <pc:chgData name="Ihor Aleksandrov" userId="c3051032-6b87-4db2-b257-777a0106fbd9" providerId="ADAL" clId="{D05EAF56-C8F0-4612-806C-93E1C27F1929}" dt="2024-01-25T12:00:46.169" v="306" actId="1076"/>
-        <pc:sldMkLst>
-          <pc:docMk/>
-          <pc:sldMk cId="3102755718" sldId="295"/>
-        </pc:sldMkLst>
-        <pc:spChg chg="mod">
-          <ac:chgData name="Ihor Aleksandrov" userId="c3051032-6b87-4db2-b257-777a0106fbd9" providerId="ADAL" clId="{D05EAF56-C8F0-4612-806C-93E1C27F1929}" dt="2024-01-25T12:00:14.709" v="300" actId="20577"/>
-          <ac:spMkLst>
-            <pc:docMk/>
-            <pc:sldMk cId="3102755718" sldId="295"/>
-            <ac:spMk id="2" creationId="{18C18207-A109-5552-1541-0ABBAA316282}"/>
-          </ac:spMkLst>
-        </pc:spChg>
-        <pc:picChg chg="add mod">
-          <ac:chgData name="Ihor Aleksandrov" userId="c3051032-6b87-4db2-b257-777a0106fbd9" providerId="ADAL" clId="{D05EAF56-C8F0-4612-806C-93E1C27F1929}" dt="2024-01-25T12:00:46.169" v="306" actId="1076"/>
-          <ac:picMkLst>
-            <pc:docMk/>
-            <pc:sldMk cId="3102755718" sldId="295"/>
-            <ac:picMk id="5" creationId="{BD0CE974-8524-11E7-B97F-A86834867985}"/>
-          </ac:picMkLst>
-        </pc:picChg>
-      </pc:sldChg>
-      <pc:sldChg chg="modSp add mod ord">
-        <pc:chgData name="Ihor Aleksandrov" userId="c3051032-6b87-4db2-b257-777a0106fbd9" providerId="ADAL" clId="{D05EAF56-C8F0-4612-806C-93E1C27F1929}" dt="2024-01-25T12:02:45.112" v="310"/>
-        <pc:sldMkLst>
-          <pc:docMk/>
-          <pc:sldMk cId="2389832786" sldId="296"/>
-        </pc:sldMkLst>
-        <pc:spChg chg="mod">
-          <ac:chgData name="Ihor Aleksandrov" userId="c3051032-6b87-4db2-b257-777a0106fbd9" providerId="ADAL" clId="{D05EAF56-C8F0-4612-806C-93E1C27F1929}" dt="2024-01-25T12:02:45.112" v="310"/>
-          <ac:spMkLst>
-            <pc:docMk/>
-            <pc:sldMk cId="2389832786" sldId="296"/>
-            <ac:spMk id="2" creationId="{53C5D828-9666-E312-B574-9FE965A7D6BE}"/>
-          </ac:spMkLst>
-        </pc:spChg>
-      </pc:sldChg>
-      <pc:sldChg chg="modSp add mod">
-        <pc:chgData name="Ihor Aleksandrov" userId="c3051032-6b87-4db2-b257-777a0106fbd9" providerId="ADAL" clId="{D05EAF56-C8F0-4612-806C-93E1C27F1929}" dt="2024-01-25T12:04:01.736" v="312"/>
-        <pc:sldMkLst>
-          <pc:docMk/>
-          <pc:sldMk cId="2189799752" sldId="297"/>
-        </pc:sldMkLst>
-        <pc:spChg chg="mod">
-          <ac:chgData name="Ihor Aleksandrov" userId="c3051032-6b87-4db2-b257-777a0106fbd9" providerId="ADAL" clId="{D05EAF56-C8F0-4612-806C-93E1C27F1929}" dt="2024-01-25T12:04:01.736" v="312"/>
-          <ac:spMkLst>
-            <pc:docMk/>
-            <pc:sldMk cId="2189799752" sldId="297"/>
-            <ac:spMk id="2" creationId="{53C5D828-9666-E312-B574-9FE965A7D6BE}"/>
-          </ac:spMkLst>
-        </pc:spChg>
-      </pc:sldChg>
-      <pc:sldChg chg="modSp add mod">
-        <pc:chgData name="Ihor Aleksandrov" userId="c3051032-6b87-4db2-b257-777a0106fbd9" providerId="ADAL" clId="{D05EAF56-C8F0-4612-806C-93E1C27F1929}" dt="2024-01-25T12:05:00.878" v="314"/>
-        <pc:sldMkLst>
-          <pc:docMk/>
-          <pc:sldMk cId="3592285454" sldId="298"/>
-        </pc:sldMkLst>
-        <pc:spChg chg="mod">
-          <ac:chgData name="Ihor Aleksandrov" userId="c3051032-6b87-4db2-b257-777a0106fbd9" providerId="ADAL" clId="{D05EAF56-C8F0-4612-806C-93E1C27F1929}" dt="2024-01-25T12:05:00.878" v="314"/>
-          <ac:spMkLst>
-            <pc:docMk/>
-            <pc:sldMk cId="3592285454" sldId="298"/>
-            <ac:spMk id="2" creationId="{53C5D828-9666-E312-B574-9FE965A7D6BE}"/>
-          </ac:spMkLst>
-        </pc:spChg>
-      </pc:sldChg>
-      <pc:sldChg chg="modSp add mod">
-        <pc:chgData name="Ihor Aleksandrov" userId="c3051032-6b87-4db2-b257-777a0106fbd9" providerId="ADAL" clId="{D05EAF56-C8F0-4612-806C-93E1C27F1929}" dt="2024-01-25T12:08:02.278" v="316"/>
-        <pc:sldMkLst>
-          <pc:docMk/>
-          <pc:sldMk cId="4186553512" sldId="299"/>
-        </pc:sldMkLst>
-        <pc:spChg chg="mod">
-          <ac:chgData name="Ihor Aleksandrov" userId="c3051032-6b87-4db2-b257-777a0106fbd9" providerId="ADAL" clId="{D05EAF56-C8F0-4612-806C-93E1C27F1929}" dt="2024-01-25T12:08:02.278" v="316"/>
-          <ac:spMkLst>
-            <pc:docMk/>
-            <pc:sldMk cId="4186553512" sldId="299"/>
-            <ac:spMk id="2" creationId="{53C5D828-9666-E312-B574-9FE965A7D6BE}"/>
-          </ac:spMkLst>
-        </pc:spChg>
-      </pc:sldChg>
-      <pc:sldChg chg="modSp add mod">
-        <pc:chgData name="Ihor Aleksandrov" userId="c3051032-6b87-4db2-b257-777a0106fbd9" providerId="ADAL" clId="{D05EAF56-C8F0-4612-806C-93E1C27F1929}" dt="2024-01-25T12:09:53.445" v="318"/>
-        <pc:sldMkLst>
-          <pc:docMk/>
-          <pc:sldMk cId="834159653" sldId="300"/>
-        </pc:sldMkLst>
-        <pc:spChg chg="mod">
-          <ac:chgData name="Ihor Aleksandrov" userId="c3051032-6b87-4db2-b257-777a0106fbd9" providerId="ADAL" clId="{D05EAF56-C8F0-4612-806C-93E1C27F1929}" dt="2024-01-25T12:09:53.445" v="318"/>
-          <ac:spMkLst>
-            <pc:docMk/>
-            <pc:sldMk cId="834159653" sldId="300"/>
-            <ac:spMk id="2" creationId="{53C5D828-9666-E312-B574-9FE965A7D6BE}"/>
-          </ac:spMkLst>
-        </pc:spChg>
-      </pc:sldChg>
-      <pc:sldChg chg="modSp add mod">
-        <pc:chgData name="Ihor Aleksandrov" userId="c3051032-6b87-4db2-b257-777a0106fbd9" providerId="ADAL" clId="{D05EAF56-C8F0-4612-806C-93E1C27F1929}" dt="2024-01-25T12:10:57.045" v="321" actId="27636"/>
-        <pc:sldMkLst>
-          <pc:docMk/>
-          <pc:sldMk cId="324410250" sldId="301"/>
-        </pc:sldMkLst>
-        <pc:spChg chg="mod">
-          <ac:chgData name="Ihor Aleksandrov" userId="c3051032-6b87-4db2-b257-777a0106fbd9" providerId="ADAL" clId="{D05EAF56-C8F0-4612-806C-93E1C27F1929}" dt="2024-01-25T12:10:57.045" v="321" actId="27636"/>
-          <ac:spMkLst>
-            <pc:docMk/>
-            <pc:sldMk cId="324410250" sldId="301"/>
-            <ac:spMk id="2" creationId="{53C5D828-9666-E312-B574-9FE965A7D6BE}"/>
-          </ac:spMkLst>
-        </pc:spChg>
-      </pc:sldChg>
-      <pc:sldChg chg="add">
-        <pc:chgData name="Ihor Aleksandrov" userId="c3051032-6b87-4db2-b257-777a0106fbd9" providerId="ADAL" clId="{D05EAF56-C8F0-4612-806C-93E1C27F1929}" dt="2024-01-25T12:18:40.426" v="323"/>
-        <pc:sldMkLst>
-          <pc:docMk/>
-          <pc:sldMk cId="2052164358" sldId="302"/>
-        </pc:sldMkLst>
-      </pc:sldChg>
-      <pc:sldChg chg="add">
-        <pc:chgData name="Ihor Aleksandrov" userId="c3051032-6b87-4db2-b257-777a0106fbd9" providerId="ADAL" clId="{D05EAF56-C8F0-4612-806C-93E1C27F1929}" dt="2024-01-25T12:18:42.706" v="325"/>
-        <pc:sldMkLst>
-          <pc:docMk/>
-          <pc:sldMk cId="2972731808" sldId="303"/>
-        </pc:sldMkLst>
-      </pc:sldChg>
-      <pc:sldMasterChg chg="add addSldLayout">
-        <pc:chgData name="Ihor Aleksandrov" userId="c3051032-6b87-4db2-b257-777a0106fbd9" providerId="ADAL" clId="{D05EAF56-C8F0-4612-806C-93E1C27F1929}" dt="2024-01-25T12:18:42.701" v="324" actId="27028"/>
-        <pc:sldMasterMkLst>
-          <pc:docMk/>
-          <pc:sldMasterMk cId="1185679814" sldId="2147483648"/>
-        </pc:sldMasterMkLst>
-        <pc:sldLayoutChg chg="add">
-          <pc:chgData name="Ihor Aleksandrov" userId="c3051032-6b87-4db2-b257-777a0106fbd9" providerId="ADAL" clId="{D05EAF56-C8F0-4612-806C-93E1C27F1929}" dt="2024-01-25T12:18:40.421" v="322" actId="27028"/>
-          <pc:sldLayoutMkLst>
-            <pc:docMk/>
-            <pc:sldMasterMk cId="1185679814" sldId="2147483648"/>
-            <pc:sldLayoutMk cId="2257280135" sldId="2147483649"/>
-          </pc:sldLayoutMkLst>
-        </pc:sldLayoutChg>
-        <pc:sldLayoutChg chg="add">
-          <pc:chgData name="Ihor Aleksandrov" userId="c3051032-6b87-4db2-b257-777a0106fbd9" providerId="ADAL" clId="{D05EAF56-C8F0-4612-806C-93E1C27F1929}" dt="2024-01-25T12:18:42.701" v="324" actId="27028"/>
-          <pc:sldLayoutMkLst>
-            <pc:docMk/>
-            <pc:sldMasterMk cId="1185679814" sldId="2147483648"/>
-            <pc:sldLayoutMk cId="1044916995" sldId="2147483650"/>
           </pc:sldLayoutMkLst>
         </pc:sldLayoutChg>
       </pc:sldMasterChg>
@@ -4208,789 +4073,924 @@
     </pc:docChg>
   </pc:docChgLst>
   <pc:docChgLst>
-    <pc:chgData name="Ihor Aleksandrov" userId="c3051032-6b87-4db2-b257-777a0106fbd9" providerId="ADAL" clId="{CD6A1DE1-ACF9-4B80-94F3-F58CA81605B6}"/>
-    <pc:docChg chg="undo redo custSel addSld delSld modSld sldOrd addSection delSection modSection">
-      <pc:chgData name="Ihor Aleksandrov" userId="c3051032-6b87-4db2-b257-777a0106fbd9" providerId="ADAL" clId="{CD6A1DE1-ACF9-4B80-94F3-F58CA81605B6}" dt="2024-01-31T16:36:06.805" v="251" actId="20577"/>
+    <pc:chgData name="Ihor Aleksandrov" userId="c3051032-6b87-4db2-b257-777a0106fbd9" providerId="ADAL" clId="{D05EAF56-C8F0-4612-806C-93E1C27F1929}"/>
+    <pc:docChg chg="undo redo custSel addSld delSld modSld sldOrd addMainMaster addSection modSection">
+      <pc:chgData name="Ihor Aleksandrov" userId="c3051032-6b87-4db2-b257-777a0106fbd9" providerId="ADAL" clId="{D05EAF56-C8F0-4612-806C-93E1C27F1929}" dt="2024-01-25T12:18:42.706" v="325"/>
       <pc:docMkLst>
         <pc:docMk/>
       </pc:docMkLst>
-      <pc:sldChg chg="modSp mod">
-        <pc:chgData name="Ihor Aleksandrov" userId="c3051032-6b87-4db2-b257-777a0106fbd9" providerId="ADAL" clId="{CD6A1DE1-ACF9-4B80-94F3-F58CA81605B6}" dt="2024-01-31T09:08:37.650" v="10" actId="20577"/>
+      <pc:sldChg chg="addSp modSp mod setBg">
+        <pc:chgData name="Ihor Aleksandrov" userId="c3051032-6b87-4db2-b257-777a0106fbd9" providerId="ADAL" clId="{D05EAF56-C8F0-4612-806C-93E1C27F1929}" dt="2024-01-25T09:34:46.181" v="0" actId="26606"/>
         <pc:sldMkLst>
           <pc:docMk/>
           <pc:sldMk cId="552267186" sldId="256"/>
         </pc:sldMkLst>
         <pc:spChg chg="mod">
-          <ac:chgData name="Ihor Aleksandrov" userId="c3051032-6b87-4db2-b257-777a0106fbd9" providerId="ADAL" clId="{CD6A1DE1-ACF9-4B80-94F3-F58CA81605B6}" dt="2024-01-31T09:08:37.650" v="10" actId="20577"/>
+          <ac:chgData name="Ihor Aleksandrov" userId="c3051032-6b87-4db2-b257-777a0106fbd9" providerId="ADAL" clId="{D05EAF56-C8F0-4612-806C-93E1C27F1929}" dt="2024-01-25T09:34:46.181" v="0" actId="26606"/>
           <ac:spMkLst>
             <pc:docMk/>
             <pc:sldMk cId="552267186" sldId="256"/>
             <ac:spMk id="2" creationId="{18C18207-A109-5552-1541-0ABBAA316282}"/>
           </ac:spMkLst>
         </pc:spChg>
-      </pc:sldChg>
-      <pc:sldChg chg="addSp delSp modSp mod ord">
-        <pc:chgData name="Ihor Aleksandrov" userId="c3051032-6b87-4db2-b257-777a0106fbd9" providerId="ADAL" clId="{CD6A1DE1-ACF9-4B80-94F3-F58CA81605B6}" dt="2024-01-31T14:10:17.392" v="37"/>
-        <pc:sldMkLst>
-          <pc:docMk/>
-          <pc:sldMk cId="4197480136" sldId="268"/>
-        </pc:sldMkLst>
         <pc:spChg chg="mod">
-          <ac:chgData name="Ihor Aleksandrov" userId="c3051032-6b87-4db2-b257-777a0106fbd9" providerId="ADAL" clId="{CD6A1DE1-ACF9-4B80-94F3-F58CA81605B6}" dt="2024-01-31T14:10:17.392" v="37"/>
+          <ac:chgData name="Ihor Aleksandrov" userId="c3051032-6b87-4db2-b257-777a0106fbd9" providerId="ADAL" clId="{D05EAF56-C8F0-4612-806C-93E1C27F1929}" dt="2024-01-25T09:34:46.181" v="0" actId="26606"/>
           <ac:spMkLst>
             <pc:docMk/>
-            <pc:sldMk cId="4197480136" sldId="268"/>
+            <pc:sldMk cId="552267186" sldId="256"/>
+            <ac:spMk id="3" creationId="{3473E1D3-7401-AD94-5C7A-49912FA8005A}"/>
+          </ac:spMkLst>
+        </pc:spChg>
+        <pc:spChg chg="mod">
+          <ac:chgData name="Ihor Aleksandrov" userId="c3051032-6b87-4db2-b257-777a0106fbd9" providerId="ADAL" clId="{D05EAF56-C8F0-4612-806C-93E1C27F1929}" dt="2024-01-25T09:34:46.181" v="0" actId="26606"/>
+          <ac:spMkLst>
+            <pc:docMk/>
+            <pc:sldMk cId="552267186" sldId="256"/>
+            <ac:spMk id="4" creationId="{C99D0D71-05C2-1881-DCFB-D99C1C10CBB8}"/>
+          </ac:spMkLst>
+        </pc:spChg>
+        <pc:spChg chg="add">
+          <ac:chgData name="Ihor Aleksandrov" userId="c3051032-6b87-4db2-b257-777a0106fbd9" providerId="ADAL" clId="{D05EAF56-C8F0-4612-806C-93E1C27F1929}" dt="2024-01-25T09:34:46.181" v="0" actId="26606"/>
+          <ac:spMkLst>
+            <pc:docMk/>
+            <pc:sldMk cId="552267186" sldId="256"/>
+            <ac:spMk id="9" creationId="{C3896A03-3945-419A-B66B-4EE266EDD152}"/>
+          </ac:spMkLst>
+        </pc:spChg>
+        <pc:spChg chg="add">
+          <ac:chgData name="Ihor Aleksandrov" userId="c3051032-6b87-4db2-b257-777a0106fbd9" providerId="ADAL" clId="{D05EAF56-C8F0-4612-806C-93E1C27F1929}" dt="2024-01-25T09:34:46.181" v="0" actId="26606"/>
+          <ac:spMkLst>
+            <pc:docMk/>
+            <pc:sldMk cId="552267186" sldId="256"/>
+            <ac:spMk id="11" creationId="{B34F5AD2-EDBD-4BBD-A55C-EAFFD0C7097A}"/>
+          </ac:spMkLst>
+        </pc:spChg>
+      </pc:sldChg>
+      <pc:sldChg chg="modSp mod">
+        <pc:chgData name="Ihor Aleksandrov" userId="c3051032-6b87-4db2-b257-777a0106fbd9" providerId="ADAL" clId="{D05EAF56-C8F0-4612-806C-93E1C27F1929}" dt="2024-01-25T11:00:29.329" v="160"/>
+        <pc:sldMkLst>
+          <pc:docMk/>
+          <pc:sldMk cId="3569579791" sldId="265"/>
+        </pc:sldMkLst>
+        <pc:spChg chg="mod">
+          <ac:chgData name="Ihor Aleksandrov" userId="c3051032-6b87-4db2-b257-777a0106fbd9" providerId="ADAL" clId="{D05EAF56-C8F0-4612-806C-93E1C27F1929}" dt="2024-01-25T11:00:29.329" v="160"/>
+          <ac:spMkLst>
+            <pc:docMk/>
+            <pc:sldMk cId="3569579791" sldId="265"/>
+            <ac:spMk id="2" creationId="{53C5D828-9666-E312-B574-9FE965A7D6BE}"/>
+          </ac:spMkLst>
+        </pc:spChg>
+      </pc:sldChg>
+      <pc:sldChg chg="addSp delSp modSp add mod">
+        <pc:chgData name="Ihor Aleksandrov" userId="c3051032-6b87-4db2-b257-777a0106fbd9" providerId="ADAL" clId="{D05EAF56-C8F0-4612-806C-93E1C27F1929}" dt="2024-01-25T10:19:44.220" v="11" actId="1076"/>
+        <pc:sldMkLst>
+          <pc:docMk/>
+          <pc:sldMk cId="3985704815" sldId="270"/>
+        </pc:sldMkLst>
+        <pc:spChg chg="mod">
+          <ac:chgData name="Ihor Aleksandrov" userId="c3051032-6b87-4db2-b257-777a0106fbd9" providerId="ADAL" clId="{D05EAF56-C8F0-4612-806C-93E1C27F1929}" dt="2024-01-25T10:19:15.861" v="6"/>
+          <ac:spMkLst>
+            <pc:docMk/>
+            <pc:sldMk cId="3985704815" sldId="270"/>
+            <ac:spMk id="2" creationId="{53C5D828-9666-E312-B574-9FE965A7D6BE}"/>
+          </ac:spMkLst>
+        </pc:spChg>
+        <pc:picChg chg="add mod">
+          <ac:chgData name="Ihor Aleksandrov" userId="c3051032-6b87-4db2-b257-777a0106fbd9" providerId="ADAL" clId="{D05EAF56-C8F0-4612-806C-93E1C27F1929}" dt="2024-01-25T10:19:44.220" v="11" actId="1076"/>
+          <ac:picMkLst>
+            <pc:docMk/>
+            <pc:sldMk cId="3985704815" sldId="270"/>
+            <ac:picMk id="5" creationId="{329D80B6-A19C-F87F-FE85-78E58BE79DFC}"/>
+          </ac:picMkLst>
+        </pc:picChg>
+        <pc:picChg chg="del">
+          <ac:chgData name="Ihor Aleksandrov" userId="c3051032-6b87-4db2-b257-777a0106fbd9" providerId="ADAL" clId="{D05EAF56-C8F0-4612-806C-93E1C27F1929}" dt="2024-01-25T10:19:18.657" v="7" actId="478"/>
+          <ac:picMkLst>
+            <pc:docMk/>
+            <pc:sldMk cId="3985704815" sldId="270"/>
+            <ac:picMk id="6" creationId="{BDB4DD57-1DD7-48B1-ABFB-EE3016703034}"/>
+          </ac:picMkLst>
+        </pc:picChg>
+      </pc:sldChg>
+      <pc:sldChg chg="addSp delSp modSp add mod">
+        <pc:chgData name="Ihor Aleksandrov" userId="c3051032-6b87-4db2-b257-777a0106fbd9" providerId="ADAL" clId="{D05EAF56-C8F0-4612-806C-93E1C27F1929}" dt="2024-01-25T10:21:34.770" v="23" actId="1076"/>
+        <pc:sldMkLst>
+          <pc:docMk/>
+          <pc:sldMk cId="2117969225" sldId="271"/>
+        </pc:sldMkLst>
+        <pc:spChg chg="mod">
+          <ac:chgData name="Ihor Aleksandrov" userId="c3051032-6b87-4db2-b257-777a0106fbd9" providerId="ADAL" clId="{D05EAF56-C8F0-4612-806C-93E1C27F1929}" dt="2024-01-25T10:20:53.128" v="15"/>
+          <ac:spMkLst>
+            <pc:docMk/>
+            <pc:sldMk cId="2117969225" sldId="271"/>
+            <ac:spMk id="2" creationId="{53C5D828-9666-E312-B574-9FE965A7D6BE}"/>
+          </ac:spMkLst>
+        </pc:spChg>
+        <pc:picChg chg="del">
+          <ac:chgData name="Ihor Aleksandrov" userId="c3051032-6b87-4db2-b257-777a0106fbd9" providerId="ADAL" clId="{D05EAF56-C8F0-4612-806C-93E1C27F1929}" dt="2024-01-25T10:21:32.921" v="22" actId="478"/>
+          <ac:picMkLst>
+            <pc:docMk/>
+            <pc:sldMk cId="2117969225" sldId="271"/>
+            <ac:picMk id="5" creationId="{329D80B6-A19C-F87F-FE85-78E58BE79DFC}"/>
+          </ac:picMkLst>
+        </pc:picChg>
+        <pc:picChg chg="add mod">
+          <ac:chgData name="Ihor Aleksandrov" userId="c3051032-6b87-4db2-b257-777a0106fbd9" providerId="ADAL" clId="{D05EAF56-C8F0-4612-806C-93E1C27F1929}" dt="2024-01-25T10:21:34.770" v="23" actId="1076"/>
+          <ac:picMkLst>
+            <pc:docMk/>
+            <pc:sldMk cId="2117969225" sldId="271"/>
+            <ac:picMk id="6" creationId="{4FAB23B6-5773-62B9-EF9A-E1E0562BE8E1}"/>
+          </ac:picMkLst>
+        </pc:picChg>
+      </pc:sldChg>
+      <pc:sldChg chg="addSp delSp modSp add mod">
+        <pc:chgData name="Ihor Aleksandrov" userId="c3051032-6b87-4db2-b257-777a0106fbd9" providerId="ADAL" clId="{D05EAF56-C8F0-4612-806C-93E1C27F1929}" dt="2024-01-25T10:22:58.698" v="32" actId="1076"/>
+        <pc:sldMkLst>
+          <pc:docMk/>
+          <pc:sldMk cId="1169417950" sldId="272"/>
+        </pc:sldMkLst>
+        <pc:spChg chg="mod">
+          <ac:chgData name="Ihor Aleksandrov" userId="c3051032-6b87-4db2-b257-777a0106fbd9" providerId="ADAL" clId="{D05EAF56-C8F0-4612-806C-93E1C27F1929}" dt="2024-01-25T10:22:37.334" v="27"/>
+          <ac:spMkLst>
+            <pc:docMk/>
+            <pc:sldMk cId="1169417950" sldId="272"/>
+            <ac:spMk id="2" creationId="{53C5D828-9666-E312-B574-9FE965A7D6BE}"/>
+          </ac:spMkLst>
+        </pc:spChg>
+        <pc:picChg chg="add mod">
+          <ac:chgData name="Ihor Aleksandrov" userId="c3051032-6b87-4db2-b257-777a0106fbd9" providerId="ADAL" clId="{D05EAF56-C8F0-4612-806C-93E1C27F1929}" dt="2024-01-25T10:22:58.698" v="32" actId="1076"/>
+          <ac:picMkLst>
+            <pc:docMk/>
+            <pc:sldMk cId="1169417950" sldId="272"/>
+            <ac:picMk id="5" creationId="{2673936C-DF0C-E6AF-ABCB-83A1EB8FE594}"/>
+          </ac:picMkLst>
+        </pc:picChg>
+        <pc:picChg chg="del">
+          <ac:chgData name="Ihor Aleksandrov" userId="c3051032-6b87-4db2-b257-777a0106fbd9" providerId="ADAL" clId="{D05EAF56-C8F0-4612-806C-93E1C27F1929}" dt="2024-01-25T10:22:48.916" v="28" actId="478"/>
+          <ac:picMkLst>
+            <pc:docMk/>
+            <pc:sldMk cId="1169417950" sldId="272"/>
+            <ac:picMk id="6" creationId="{4FAB23B6-5773-62B9-EF9A-E1E0562BE8E1}"/>
+          </ac:picMkLst>
+        </pc:picChg>
+      </pc:sldChg>
+      <pc:sldChg chg="addSp delSp modSp add mod">
+        <pc:chgData name="Ihor Aleksandrov" userId="c3051032-6b87-4db2-b257-777a0106fbd9" providerId="ADAL" clId="{D05EAF56-C8F0-4612-806C-93E1C27F1929}" dt="2024-01-25T10:24:25.717" v="41" actId="1076"/>
+        <pc:sldMkLst>
+          <pc:docMk/>
+          <pc:sldMk cId="22639359" sldId="273"/>
+        </pc:sldMkLst>
+        <pc:spChg chg="mod">
+          <ac:chgData name="Ihor Aleksandrov" userId="c3051032-6b87-4db2-b257-777a0106fbd9" providerId="ADAL" clId="{D05EAF56-C8F0-4612-806C-93E1C27F1929}" dt="2024-01-25T10:24:04.948" v="36"/>
+          <ac:spMkLst>
+            <pc:docMk/>
+            <pc:sldMk cId="22639359" sldId="273"/>
+            <ac:spMk id="2" creationId="{53C5D828-9666-E312-B574-9FE965A7D6BE}"/>
+          </ac:spMkLst>
+        </pc:spChg>
+        <pc:picChg chg="del">
+          <ac:chgData name="Ihor Aleksandrov" userId="c3051032-6b87-4db2-b257-777a0106fbd9" providerId="ADAL" clId="{D05EAF56-C8F0-4612-806C-93E1C27F1929}" dt="2024-01-25T10:24:16.672" v="37" actId="478"/>
+          <ac:picMkLst>
+            <pc:docMk/>
+            <pc:sldMk cId="22639359" sldId="273"/>
+            <ac:picMk id="5" creationId="{2673936C-DF0C-E6AF-ABCB-83A1EB8FE594}"/>
+          </ac:picMkLst>
+        </pc:picChg>
+        <pc:picChg chg="add mod">
+          <ac:chgData name="Ihor Aleksandrov" userId="c3051032-6b87-4db2-b257-777a0106fbd9" providerId="ADAL" clId="{D05EAF56-C8F0-4612-806C-93E1C27F1929}" dt="2024-01-25T10:24:25.717" v="41" actId="1076"/>
+          <ac:picMkLst>
+            <pc:docMk/>
+            <pc:sldMk cId="22639359" sldId="273"/>
+            <ac:picMk id="6" creationId="{F57DB18D-BCA3-CA46-401F-99D6D9BB7754}"/>
+          </ac:picMkLst>
+        </pc:picChg>
+      </pc:sldChg>
+      <pc:sldChg chg="addSp delSp modSp add mod">
+        <pc:chgData name="Ihor Aleksandrov" userId="c3051032-6b87-4db2-b257-777a0106fbd9" providerId="ADAL" clId="{D05EAF56-C8F0-4612-806C-93E1C27F1929}" dt="2024-01-25T10:26:48.038" v="50" actId="1076"/>
+        <pc:sldMkLst>
+          <pc:docMk/>
+          <pc:sldMk cId="2169937468" sldId="274"/>
+        </pc:sldMkLst>
+        <pc:spChg chg="mod">
+          <ac:chgData name="Ihor Aleksandrov" userId="c3051032-6b87-4db2-b257-777a0106fbd9" providerId="ADAL" clId="{D05EAF56-C8F0-4612-806C-93E1C27F1929}" dt="2024-01-25T10:26:26.621" v="45"/>
+          <ac:spMkLst>
+            <pc:docMk/>
+            <pc:sldMk cId="2169937468" sldId="274"/>
+            <ac:spMk id="2" creationId="{53C5D828-9666-E312-B574-9FE965A7D6BE}"/>
+          </ac:spMkLst>
+        </pc:spChg>
+        <pc:picChg chg="add mod">
+          <ac:chgData name="Ihor Aleksandrov" userId="c3051032-6b87-4db2-b257-777a0106fbd9" providerId="ADAL" clId="{D05EAF56-C8F0-4612-806C-93E1C27F1929}" dt="2024-01-25T10:26:48.038" v="50" actId="1076"/>
+          <ac:picMkLst>
+            <pc:docMk/>
+            <pc:sldMk cId="2169937468" sldId="274"/>
+            <ac:picMk id="5" creationId="{9A572A88-7842-99D5-9802-EEA8606516CC}"/>
+          </ac:picMkLst>
+        </pc:picChg>
+        <pc:picChg chg="del">
+          <ac:chgData name="Ihor Aleksandrov" userId="c3051032-6b87-4db2-b257-777a0106fbd9" providerId="ADAL" clId="{D05EAF56-C8F0-4612-806C-93E1C27F1929}" dt="2024-01-25T10:26:41.517" v="48" actId="478"/>
+          <ac:picMkLst>
+            <pc:docMk/>
+            <pc:sldMk cId="2169937468" sldId="274"/>
+            <ac:picMk id="6" creationId="{F57DB18D-BCA3-CA46-401F-99D6D9BB7754}"/>
+          </ac:picMkLst>
+        </pc:picChg>
+      </pc:sldChg>
+      <pc:sldChg chg="addSp delSp modSp add mod">
+        <pc:chgData name="Ihor Aleksandrov" userId="c3051032-6b87-4db2-b257-777a0106fbd9" providerId="ADAL" clId="{D05EAF56-C8F0-4612-806C-93E1C27F1929}" dt="2024-01-25T10:28:26.836" v="62" actId="1076"/>
+        <pc:sldMkLst>
+          <pc:docMk/>
+          <pc:sldMk cId="3976992233" sldId="275"/>
+        </pc:sldMkLst>
+        <pc:spChg chg="mod">
+          <ac:chgData name="Ihor Aleksandrov" userId="c3051032-6b87-4db2-b257-777a0106fbd9" providerId="ADAL" clId="{D05EAF56-C8F0-4612-806C-93E1C27F1929}" dt="2024-01-25T10:28:02.805" v="55" actId="27636"/>
+          <ac:spMkLst>
+            <pc:docMk/>
+            <pc:sldMk cId="3976992233" sldId="275"/>
+            <ac:spMk id="2" creationId="{53C5D828-9666-E312-B574-9FE965A7D6BE}"/>
+          </ac:spMkLst>
+        </pc:spChg>
+        <pc:picChg chg="del">
+          <ac:chgData name="Ihor Aleksandrov" userId="c3051032-6b87-4db2-b257-777a0106fbd9" providerId="ADAL" clId="{D05EAF56-C8F0-4612-806C-93E1C27F1929}" dt="2024-01-25T10:28:04.538" v="56" actId="478"/>
+          <ac:picMkLst>
+            <pc:docMk/>
+            <pc:sldMk cId="3976992233" sldId="275"/>
+            <ac:picMk id="5" creationId="{9A572A88-7842-99D5-9802-EEA8606516CC}"/>
+          </ac:picMkLst>
+        </pc:picChg>
+        <pc:picChg chg="add mod">
+          <ac:chgData name="Ihor Aleksandrov" userId="c3051032-6b87-4db2-b257-777a0106fbd9" providerId="ADAL" clId="{D05EAF56-C8F0-4612-806C-93E1C27F1929}" dt="2024-01-25T10:28:26.836" v="62" actId="1076"/>
+          <ac:picMkLst>
+            <pc:docMk/>
+            <pc:sldMk cId="3976992233" sldId="275"/>
+            <ac:picMk id="6" creationId="{76FE2D85-671A-24B1-C1D7-52F796E16C69}"/>
+          </ac:picMkLst>
+        </pc:picChg>
+      </pc:sldChg>
+      <pc:sldChg chg="addSp delSp modSp add mod ord">
+        <pc:chgData name="Ihor Aleksandrov" userId="c3051032-6b87-4db2-b257-777a0106fbd9" providerId="ADAL" clId="{D05EAF56-C8F0-4612-806C-93E1C27F1929}" dt="2024-01-25T10:48:12.411" v="112"/>
+        <pc:sldMkLst>
+          <pc:docMk/>
+          <pc:sldMk cId="2135561016" sldId="276"/>
+        </pc:sldMkLst>
+        <pc:spChg chg="mod">
+          <ac:chgData name="Ihor Aleksandrov" userId="c3051032-6b87-4db2-b257-777a0106fbd9" providerId="ADAL" clId="{D05EAF56-C8F0-4612-806C-93E1C27F1929}" dt="2024-01-25T10:32:37.109" v="72"/>
+          <ac:spMkLst>
+            <pc:docMk/>
+            <pc:sldMk cId="2135561016" sldId="276"/>
+            <ac:spMk id="2" creationId="{18C18207-A109-5552-1541-0ABBAA316282}"/>
+          </ac:spMkLst>
+        </pc:spChg>
+        <pc:spChg chg="del">
+          <ac:chgData name="Ihor Aleksandrov" userId="c3051032-6b87-4db2-b257-777a0106fbd9" providerId="ADAL" clId="{D05EAF56-C8F0-4612-806C-93E1C27F1929}" dt="2024-01-25T10:46:20.989" v="100" actId="478"/>
+          <ac:spMkLst>
+            <pc:docMk/>
+            <pc:sldMk cId="2135561016" sldId="276"/>
+            <ac:spMk id="3" creationId="{3473E1D3-7401-AD94-5C7A-49912FA8005A}"/>
+          </ac:spMkLst>
+        </pc:spChg>
+        <pc:picChg chg="add mod">
+          <ac:chgData name="Ihor Aleksandrov" userId="c3051032-6b87-4db2-b257-777a0106fbd9" providerId="ADAL" clId="{D05EAF56-C8F0-4612-806C-93E1C27F1929}" dt="2024-01-25T10:48:12.411" v="112"/>
+          <ac:picMkLst>
+            <pc:docMk/>
+            <pc:sldMk cId="2135561016" sldId="276"/>
+            <ac:picMk id="6" creationId="{BA86DDBB-D80D-1005-2EB0-33056830C288}"/>
+          </ac:picMkLst>
+        </pc:picChg>
+      </pc:sldChg>
+      <pc:sldChg chg="addSp delSp modSp add mod ord">
+        <pc:chgData name="Ihor Aleksandrov" userId="c3051032-6b87-4db2-b257-777a0106fbd9" providerId="ADAL" clId="{D05EAF56-C8F0-4612-806C-93E1C27F1929}" dt="2024-01-25T10:35:32.671" v="88" actId="1076"/>
+        <pc:sldMkLst>
+          <pc:docMk/>
+          <pc:sldMk cId="3216895555" sldId="277"/>
+        </pc:sldMkLst>
+        <pc:spChg chg="mod">
+          <ac:chgData name="Ihor Aleksandrov" userId="c3051032-6b87-4db2-b257-777a0106fbd9" providerId="ADAL" clId="{D05EAF56-C8F0-4612-806C-93E1C27F1929}" dt="2024-01-25T10:34:55.016" v="80" actId="27636"/>
+          <ac:spMkLst>
+            <pc:docMk/>
+            <pc:sldMk cId="3216895555" sldId="277"/>
+            <ac:spMk id="2" creationId="{53C5D828-9666-E312-B574-9FE965A7D6BE}"/>
+          </ac:spMkLst>
+        </pc:spChg>
+        <pc:picChg chg="add mod">
+          <ac:chgData name="Ihor Aleksandrov" userId="c3051032-6b87-4db2-b257-777a0106fbd9" providerId="ADAL" clId="{D05EAF56-C8F0-4612-806C-93E1C27F1929}" dt="2024-01-25T10:35:32.671" v="88" actId="1076"/>
+          <ac:picMkLst>
+            <pc:docMk/>
+            <pc:sldMk cId="3216895555" sldId="277"/>
+            <ac:picMk id="5" creationId="{523B5826-3FED-E033-7A50-454B720EF960}"/>
+          </ac:picMkLst>
+        </pc:picChg>
+        <pc:picChg chg="del">
+          <ac:chgData name="Ihor Aleksandrov" userId="c3051032-6b87-4db2-b257-777a0106fbd9" providerId="ADAL" clId="{D05EAF56-C8F0-4612-806C-93E1C27F1929}" dt="2024-01-25T10:35:17.826" v="82" actId="478"/>
+          <ac:picMkLst>
+            <pc:docMk/>
+            <pc:sldMk cId="3216895555" sldId="277"/>
+            <ac:picMk id="6" creationId="{76FE2D85-671A-24B1-C1D7-52F796E16C69}"/>
+          </ac:picMkLst>
+        </pc:picChg>
+      </pc:sldChg>
+      <pc:sldChg chg="addSp delSp modSp add mod">
+        <pc:chgData name="Ihor Aleksandrov" userId="c3051032-6b87-4db2-b257-777a0106fbd9" providerId="ADAL" clId="{D05EAF56-C8F0-4612-806C-93E1C27F1929}" dt="2024-01-25T10:43:44.832" v="99" actId="1076"/>
+        <pc:sldMkLst>
+          <pc:docMk/>
+          <pc:sldMk cId="1506611494" sldId="278"/>
+        </pc:sldMkLst>
+        <pc:spChg chg="mod">
+          <ac:chgData name="Ihor Aleksandrov" userId="c3051032-6b87-4db2-b257-777a0106fbd9" providerId="ADAL" clId="{D05EAF56-C8F0-4612-806C-93E1C27F1929}" dt="2024-01-25T10:40:14.102" v="94"/>
+          <ac:spMkLst>
+            <pc:docMk/>
+            <pc:sldMk cId="1506611494" sldId="278"/>
+            <ac:spMk id="2" creationId="{53C5D828-9666-E312-B574-9FE965A7D6BE}"/>
+          </ac:spMkLst>
+        </pc:spChg>
+        <pc:picChg chg="del">
+          <ac:chgData name="Ihor Aleksandrov" userId="c3051032-6b87-4db2-b257-777a0106fbd9" providerId="ADAL" clId="{D05EAF56-C8F0-4612-806C-93E1C27F1929}" dt="2024-01-25T10:43:36.501" v="95" actId="478"/>
+          <ac:picMkLst>
+            <pc:docMk/>
+            <pc:sldMk cId="1506611494" sldId="278"/>
+            <ac:picMk id="5" creationId="{523B5826-3FED-E033-7A50-454B720EF960}"/>
+          </ac:picMkLst>
+        </pc:picChg>
+        <pc:picChg chg="add mod">
+          <ac:chgData name="Ihor Aleksandrov" userId="c3051032-6b87-4db2-b257-777a0106fbd9" providerId="ADAL" clId="{D05EAF56-C8F0-4612-806C-93E1C27F1929}" dt="2024-01-25T10:43:44.832" v="99" actId="1076"/>
+          <ac:picMkLst>
+            <pc:docMk/>
+            <pc:sldMk cId="1506611494" sldId="278"/>
+            <ac:picMk id="6" creationId="{F7B4799B-BEB4-BC82-1CD6-CE4E3725E9A6}"/>
+          </ac:picMkLst>
+        </pc:picChg>
+      </pc:sldChg>
+      <pc:sldChg chg="addSp delSp modSp add mod">
+        <pc:chgData name="Ihor Aleksandrov" userId="c3051032-6b87-4db2-b257-777a0106fbd9" providerId="ADAL" clId="{D05EAF56-C8F0-4612-806C-93E1C27F1929}" dt="2024-01-25T10:49:48.310" v="120"/>
+        <pc:sldMkLst>
+          <pc:docMk/>
+          <pc:sldMk cId="3864832451" sldId="279"/>
+        </pc:sldMkLst>
+        <pc:spChg chg="mod">
+          <ac:chgData name="Ihor Aleksandrov" userId="c3051032-6b87-4db2-b257-777a0106fbd9" providerId="ADAL" clId="{D05EAF56-C8F0-4612-806C-93E1C27F1929}" dt="2024-01-25T10:49:48.310" v="120"/>
+          <ac:spMkLst>
+            <pc:docMk/>
+            <pc:sldMk cId="3864832451" sldId="279"/>
+            <ac:spMk id="2" creationId="{53C5D828-9666-E312-B574-9FE965A7D6BE}"/>
+          </ac:spMkLst>
+        </pc:spChg>
+        <pc:picChg chg="add mod">
+          <ac:chgData name="Ihor Aleksandrov" userId="c3051032-6b87-4db2-b257-777a0106fbd9" providerId="ADAL" clId="{D05EAF56-C8F0-4612-806C-93E1C27F1929}" dt="2024-01-25T10:49:09.073" v="117" actId="1076"/>
+          <ac:picMkLst>
+            <pc:docMk/>
+            <pc:sldMk cId="3864832451" sldId="279"/>
+            <ac:picMk id="5" creationId="{C7472C97-E950-C6C2-19AE-07ECFA5C4C69}"/>
+          </ac:picMkLst>
+        </pc:picChg>
+        <pc:picChg chg="del">
+          <ac:chgData name="Ihor Aleksandrov" userId="c3051032-6b87-4db2-b257-777a0106fbd9" providerId="ADAL" clId="{D05EAF56-C8F0-4612-806C-93E1C27F1929}" dt="2024-01-25T10:48:53.887" v="114" actId="478"/>
+          <ac:picMkLst>
+            <pc:docMk/>
+            <pc:sldMk cId="3864832451" sldId="279"/>
+            <ac:picMk id="6" creationId="{F7B4799B-BEB4-BC82-1CD6-CE4E3725E9A6}"/>
+          </ac:picMkLst>
+        </pc:picChg>
+      </pc:sldChg>
+      <pc:sldChg chg="addSp delSp modSp add mod">
+        <pc:chgData name="Ihor Aleksandrov" userId="c3051032-6b87-4db2-b257-777a0106fbd9" providerId="ADAL" clId="{D05EAF56-C8F0-4612-806C-93E1C27F1929}" dt="2024-01-25T10:51:39.984" v="127" actId="1076"/>
+        <pc:sldMkLst>
+          <pc:docMk/>
+          <pc:sldMk cId="2194478224" sldId="280"/>
+        </pc:sldMkLst>
+        <pc:spChg chg="mod">
+          <ac:chgData name="Ihor Aleksandrov" userId="c3051032-6b87-4db2-b257-777a0106fbd9" providerId="ADAL" clId="{D05EAF56-C8F0-4612-806C-93E1C27F1929}" dt="2024-01-25T10:51:25.127" v="124"/>
+          <ac:spMkLst>
+            <pc:docMk/>
+            <pc:sldMk cId="2194478224" sldId="280"/>
+            <ac:spMk id="2" creationId="{53C5D828-9666-E312-B574-9FE965A7D6BE}"/>
+          </ac:spMkLst>
+        </pc:spChg>
+        <pc:picChg chg="add mod">
+          <ac:chgData name="Ihor Aleksandrov" userId="c3051032-6b87-4db2-b257-777a0106fbd9" providerId="ADAL" clId="{D05EAF56-C8F0-4612-806C-93E1C27F1929}" dt="2024-01-25T10:51:39.984" v="127" actId="1076"/>
+          <ac:picMkLst>
+            <pc:docMk/>
+            <pc:sldMk cId="2194478224" sldId="280"/>
+            <ac:picMk id="4" creationId="{8F2E114A-EFDE-8D45-E482-1B0918ACBF79}"/>
+          </ac:picMkLst>
+        </pc:picChg>
+        <pc:picChg chg="del">
+          <ac:chgData name="Ihor Aleksandrov" userId="c3051032-6b87-4db2-b257-777a0106fbd9" providerId="ADAL" clId="{D05EAF56-C8F0-4612-806C-93E1C27F1929}" dt="2024-01-25T10:51:26.612" v="125" actId="478"/>
+          <ac:picMkLst>
+            <pc:docMk/>
+            <pc:sldMk cId="2194478224" sldId="280"/>
+            <ac:picMk id="5" creationId="{C7472C97-E950-C6C2-19AE-07ECFA5C4C69}"/>
+          </ac:picMkLst>
+        </pc:picChg>
+      </pc:sldChg>
+      <pc:sldChg chg="delSp modSp add mod ord">
+        <pc:chgData name="Ihor Aleksandrov" userId="c3051032-6b87-4db2-b257-777a0106fbd9" providerId="ADAL" clId="{D05EAF56-C8F0-4612-806C-93E1C27F1929}" dt="2024-01-25T10:53:57.961" v="142" actId="20577"/>
+        <pc:sldMkLst>
+          <pc:docMk/>
+          <pc:sldMk cId="2205366352" sldId="281"/>
+        </pc:sldMkLst>
+        <pc:spChg chg="mod">
+          <ac:chgData name="Ihor Aleksandrov" userId="c3051032-6b87-4db2-b257-777a0106fbd9" providerId="ADAL" clId="{D05EAF56-C8F0-4612-806C-93E1C27F1929}" dt="2024-01-25T10:53:57.961" v="142" actId="20577"/>
+          <ac:spMkLst>
+            <pc:docMk/>
+            <pc:sldMk cId="2205366352" sldId="281"/>
+            <ac:spMk id="2" creationId="{18C18207-A109-5552-1541-0ABBAA316282}"/>
+          </ac:spMkLst>
+        </pc:spChg>
+        <pc:picChg chg="del">
+          <ac:chgData name="Ihor Aleksandrov" userId="c3051032-6b87-4db2-b257-777a0106fbd9" providerId="ADAL" clId="{D05EAF56-C8F0-4612-806C-93E1C27F1929}" dt="2024-01-25T10:53:50.795" v="134" actId="478"/>
+          <ac:picMkLst>
+            <pc:docMk/>
+            <pc:sldMk cId="2205366352" sldId="281"/>
+            <ac:picMk id="6" creationId="{BA86DDBB-D80D-1005-2EB0-33056830C288}"/>
+          </ac:picMkLst>
+        </pc:picChg>
+      </pc:sldChg>
+      <pc:sldChg chg="delSp add del setBg delDesignElem">
+        <pc:chgData name="Ihor Aleksandrov" userId="c3051032-6b87-4db2-b257-777a0106fbd9" providerId="ADAL" clId="{D05EAF56-C8F0-4612-806C-93E1C27F1929}" dt="2024-01-25T10:53:38.779" v="130" actId="47"/>
+        <pc:sldMkLst>
+          <pc:docMk/>
+          <pc:sldMk cId="2518075034" sldId="281"/>
+        </pc:sldMkLst>
+        <pc:spChg chg="del">
+          <ac:chgData name="Ihor Aleksandrov" userId="c3051032-6b87-4db2-b257-777a0106fbd9" providerId="ADAL" clId="{D05EAF56-C8F0-4612-806C-93E1C27F1929}" dt="2024-01-25T10:53:27.044" v="129"/>
+          <ac:spMkLst>
+            <pc:docMk/>
+            <pc:sldMk cId="2518075034" sldId="281"/>
+            <ac:spMk id="9" creationId="{C3896A03-3945-419A-B66B-4EE266EDD152}"/>
+          </ac:spMkLst>
+        </pc:spChg>
+        <pc:spChg chg="del">
+          <ac:chgData name="Ihor Aleksandrov" userId="c3051032-6b87-4db2-b257-777a0106fbd9" providerId="ADAL" clId="{D05EAF56-C8F0-4612-806C-93E1C27F1929}" dt="2024-01-25T10:53:27.044" v="129"/>
+          <ac:spMkLst>
+            <pc:docMk/>
+            <pc:sldMk cId="2518075034" sldId="281"/>
+            <ac:spMk id="11" creationId="{B34F5AD2-EDBD-4BBD-A55C-EAFFD0C7097A}"/>
+          </ac:spMkLst>
+        </pc:spChg>
+      </pc:sldChg>
+      <pc:sldChg chg="modSp add mod ord">
+        <pc:chgData name="Ihor Aleksandrov" userId="c3051032-6b87-4db2-b257-777a0106fbd9" providerId="ADAL" clId="{D05EAF56-C8F0-4612-806C-93E1C27F1929}" dt="2024-01-25T10:55:39.680" v="152" actId="20577"/>
+        <pc:sldMkLst>
+          <pc:docMk/>
+          <pc:sldMk cId="2028152352" sldId="282"/>
+        </pc:sldMkLst>
+        <pc:spChg chg="mod">
+          <ac:chgData name="Ihor Aleksandrov" userId="c3051032-6b87-4db2-b257-777a0106fbd9" providerId="ADAL" clId="{D05EAF56-C8F0-4612-806C-93E1C27F1929}" dt="2024-01-25T10:55:39.680" v="152" actId="20577"/>
+          <ac:spMkLst>
+            <pc:docMk/>
+            <pc:sldMk cId="2028152352" sldId="282"/>
+            <ac:spMk id="2" creationId="{18C18207-A109-5552-1541-0ABBAA316282}"/>
+          </ac:spMkLst>
+        </pc:spChg>
+      </pc:sldChg>
+      <pc:sldChg chg="modSp add mod ord">
+        <pc:chgData name="Ihor Aleksandrov" userId="c3051032-6b87-4db2-b257-777a0106fbd9" providerId="ADAL" clId="{D05EAF56-C8F0-4612-806C-93E1C27F1929}" dt="2024-01-25T11:01:05.747" v="171"/>
+        <pc:sldMkLst>
+          <pc:docMk/>
+          <pc:sldMk cId="2433051637" sldId="283"/>
+        </pc:sldMkLst>
+        <pc:spChg chg="mod">
+          <ac:chgData name="Ihor Aleksandrov" userId="c3051032-6b87-4db2-b257-777a0106fbd9" providerId="ADAL" clId="{D05EAF56-C8F0-4612-806C-93E1C27F1929}" dt="2024-01-25T11:01:05.747" v="171"/>
+          <ac:spMkLst>
+            <pc:docMk/>
+            <pc:sldMk cId="2433051637" sldId="283"/>
+            <ac:spMk id="2" creationId="{53C5D828-9666-E312-B574-9FE965A7D6BE}"/>
+          </ac:spMkLst>
+        </pc:spChg>
+      </pc:sldChg>
+      <pc:sldChg chg="addSp delSp modSp add mod">
+        <pc:chgData name="Ihor Aleksandrov" userId="c3051032-6b87-4db2-b257-777a0106fbd9" providerId="ADAL" clId="{D05EAF56-C8F0-4612-806C-93E1C27F1929}" dt="2024-01-25T11:22:22.700" v="219" actId="14100"/>
+        <pc:sldMkLst>
+          <pc:docMk/>
+          <pc:sldMk cId="2869825701" sldId="284"/>
+        </pc:sldMkLst>
+        <pc:spChg chg="mod">
+          <ac:chgData name="Ihor Aleksandrov" userId="c3051032-6b87-4db2-b257-777a0106fbd9" providerId="ADAL" clId="{D05EAF56-C8F0-4612-806C-93E1C27F1929}" dt="2024-01-25T11:01:51.992" v="175"/>
+          <ac:spMkLst>
+            <pc:docMk/>
+            <pc:sldMk cId="2869825701" sldId="284"/>
             <ac:spMk id="2" creationId="{53C5D828-9666-E312-B574-9FE965A7D6BE}"/>
           </ac:spMkLst>
         </pc:spChg>
         <pc:spChg chg="del">
-          <ac:chgData name="Ihor Aleksandrov" userId="c3051032-6b87-4db2-b257-777a0106fbd9" providerId="ADAL" clId="{CD6A1DE1-ACF9-4B80-94F3-F58CA81605B6}" dt="2024-01-31T14:07:40.586" v="16" actId="478"/>
+          <ac:chgData name="Ihor Aleksandrov" userId="c3051032-6b87-4db2-b257-777a0106fbd9" providerId="ADAL" clId="{D05EAF56-C8F0-4612-806C-93E1C27F1929}" dt="2024-01-25T11:22:01.808" v="214" actId="478"/>
           <ac:spMkLst>
             <pc:docMk/>
-            <pc:sldMk cId="4197480136" sldId="268"/>
-            <ac:spMk id="4" creationId="{13451CDA-1490-D1A7-A07B-AFF3680A7469}"/>
-          </ac:spMkLst>
-        </pc:spChg>
-        <pc:picChg chg="add del mod">
-          <ac:chgData name="Ihor Aleksandrov" userId="c3051032-6b87-4db2-b257-777a0106fbd9" providerId="ADAL" clId="{CD6A1DE1-ACF9-4B80-94F3-F58CA81605B6}" dt="2024-01-31T14:09:37.609" v="23" actId="478"/>
-          <ac:picMkLst>
-            <pc:docMk/>
-            <pc:sldMk cId="4197480136" sldId="268"/>
-            <ac:picMk id="5" creationId="{F0022280-0E09-E00E-9A77-DDC8C0BF78AC}"/>
-          </ac:picMkLst>
-        </pc:picChg>
-        <pc:picChg chg="add mod">
-          <ac:chgData name="Ihor Aleksandrov" userId="c3051032-6b87-4db2-b257-777a0106fbd9" providerId="ADAL" clId="{CD6A1DE1-ACF9-4B80-94F3-F58CA81605B6}" dt="2024-01-31T14:09:46.445" v="28" actId="1076"/>
-          <ac:picMkLst>
-            <pc:docMk/>
-            <pc:sldMk cId="4197480136" sldId="268"/>
-            <ac:picMk id="6" creationId="{4159ACBD-A9C3-7371-B502-430612B37D57}"/>
-          </ac:picMkLst>
-        </pc:picChg>
-      </pc:sldChg>
-      <pc:sldChg chg="modSp mod">
-        <pc:chgData name="Ihor Aleksandrov" userId="c3051032-6b87-4db2-b257-777a0106fbd9" providerId="ADAL" clId="{CD6A1DE1-ACF9-4B80-94F3-F58CA81605B6}" dt="2024-01-31T09:08:12.162" v="1"/>
-        <pc:sldMkLst>
-          <pc:docMk/>
-          <pc:sldMk cId="2052164358" sldId="302"/>
-        </pc:sldMkLst>
-        <pc:spChg chg="mod">
-          <ac:chgData name="Ihor Aleksandrov" userId="c3051032-6b87-4db2-b257-777a0106fbd9" providerId="ADAL" clId="{CD6A1DE1-ACF9-4B80-94F3-F58CA81605B6}" dt="2024-01-31T09:08:12.162" v="1"/>
-          <ac:spMkLst>
-            <pc:docMk/>
-            <pc:sldMk cId="2052164358" sldId="302"/>
-            <ac:spMk id="2" creationId="{5DF8ECE0-DBF5-C309-B35B-C6A0C6C847B2}"/>
-          </ac:spMkLst>
-        </pc:spChg>
-      </pc:sldChg>
-      <pc:sldChg chg="modSp">
-        <pc:chgData name="Ihor Aleksandrov" userId="c3051032-6b87-4db2-b257-777a0106fbd9" providerId="ADAL" clId="{CD6A1DE1-ACF9-4B80-94F3-F58CA81605B6}" dt="2024-01-31T16:36:06.805" v="251" actId="20577"/>
-        <pc:sldMkLst>
-          <pc:docMk/>
-          <pc:sldMk cId="2972731808" sldId="303"/>
-        </pc:sldMkLst>
-        <pc:graphicFrameChg chg="mod">
-          <ac:chgData name="Ihor Aleksandrov" userId="c3051032-6b87-4db2-b257-777a0106fbd9" providerId="ADAL" clId="{CD6A1DE1-ACF9-4B80-94F3-F58CA81605B6}" dt="2024-01-31T16:36:06.805" v="251" actId="20577"/>
-          <ac:graphicFrameMkLst>
-            <pc:docMk/>
-            <pc:sldMk cId="2972731808" sldId="303"/>
-            <ac:graphicFrameMk id="50" creationId="{438840ED-2B50-ED19-12CF-99B1789AE150}"/>
-          </ac:graphicFrameMkLst>
-        </pc:graphicFrameChg>
-      </pc:sldChg>
-      <pc:sldChg chg="add">
-        <pc:chgData name="Ihor Aleksandrov" userId="c3051032-6b87-4db2-b257-777a0106fbd9" providerId="ADAL" clId="{CD6A1DE1-ACF9-4B80-94F3-F58CA81605B6}" dt="2024-01-31T14:07:59.482" v="22" actId="2890"/>
-        <pc:sldMkLst>
-          <pc:docMk/>
-          <pc:sldMk cId="1009650064" sldId="304"/>
-        </pc:sldMkLst>
-      </pc:sldChg>
-      <pc:sldChg chg="del">
-        <pc:chgData name="Ihor Aleksandrov" userId="c3051032-6b87-4db2-b257-777a0106fbd9" providerId="ADAL" clId="{CD6A1DE1-ACF9-4B80-94F3-F58CA81605B6}" dt="2024-01-31T09:09:41.621" v="12" actId="2696"/>
-        <pc:sldMkLst>
-          <pc:docMk/>
-          <pc:sldMk cId="3549163878" sldId="304"/>
-        </pc:sldMkLst>
-      </pc:sldChg>
-      <pc:sldChg chg="addSp delSp modSp add mod">
-        <pc:chgData name="Ihor Aleksandrov" userId="c3051032-6b87-4db2-b257-777a0106fbd9" providerId="ADAL" clId="{CD6A1DE1-ACF9-4B80-94F3-F58CA81605B6}" dt="2024-01-31T14:17:45.758" v="45"/>
-        <pc:sldMkLst>
-          <pc:docMk/>
-          <pc:sldMk cId="3689973886" sldId="305"/>
-        </pc:sldMkLst>
-        <pc:spChg chg="mod">
-          <ac:chgData name="Ihor Aleksandrov" userId="c3051032-6b87-4db2-b257-777a0106fbd9" providerId="ADAL" clId="{CD6A1DE1-ACF9-4B80-94F3-F58CA81605B6}" dt="2024-01-31T14:17:45.758" v="45"/>
-          <ac:spMkLst>
-            <pc:docMk/>
-            <pc:sldMk cId="3689973886" sldId="305"/>
-            <ac:spMk id="2" creationId="{53C5D828-9666-E312-B574-9FE965A7D6BE}"/>
+            <pc:sldMk cId="2869825701" sldId="284"/>
+            <ac:spMk id="6" creationId="{E04F08BD-B70E-B1A8-7328-EE29B18E4AA1}"/>
           </ac:spMkLst>
         </pc:spChg>
         <pc:picChg chg="add mod">
-          <ac:chgData name="Ihor Aleksandrov" userId="c3051032-6b87-4db2-b257-777a0106fbd9" providerId="ADAL" clId="{CD6A1DE1-ACF9-4B80-94F3-F58CA81605B6}" dt="2024-01-31T14:15:35.700" v="44" actId="1076"/>
+          <ac:chgData name="Ihor Aleksandrov" userId="c3051032-6b87-4db2-b257-777a0106fbd9" providerId="ADAL" clId="{D05EAF56-C8F0-4612-806C-93E1C27F1929}" dt="2024-01-25T11:22:22.700" v="219" actId="14100"/>
           <ac:picMkLst>
             <pc:docMk/>
-            <pc:sldMk cId="3689973886" sldId="305"/>
-            <ac:picMk id="5" creationId="{65983233-09CA-119D-EF1F-584282E32591}"/>
+            <pc:sldMk cId="2869825701" sldId="284"/>
+            <ac:picMk id="5" creationId="{0885AC12-A488-3762-3217-E1B0319D46AD}"/>
           </ac:picMkLst>
         </pc:picChg>
-        <pc:picChg chg="del">
-          <ac:chgData name="Ihor Aleksandrov" userId="c3051032-6b87-4db2-b257-777a0106fbd9" providerId="ADAL" clId="{CD6A1DE1-ACF9-4B80-94F3-F58CA81605B6}" dt="2024-01-31T14:15:27.455" v="40" actId="478"/>
-          <ac:picMkLst>
-            <pc:docMk/>
-            <pc:sldMk cId="3689973886" sldId="305"/>
-            <ac:picMk id="6" creationId="{4159ACBD-A9C3-7371-B502-430612B37D57}"/>
-          </ac:picMkLst>
-        </pc:picChg>
-      </pc:sldChg>
-      <pc:sldChg chg="del">
-        <pc:chgData name="Ihor Aleksandrov" userId="c3051032-6b87-4db2-b257-777a0106fbd9" providerId="ADAL" clId="{CD6A1DE1-ACF9-4B80-94F3-F58CA81605B6}" dt="2024-01-31T09:09:41.621" v="12" actId="2696"/>
-        <pc:sldMkLst>
-          <pc:docMk/>
-          <pc:sldMk cId="3859147720" sldId="305"/>
-        </pc:sldMkLst>
-      </pc:sldChg>
-      <pc:sldChg chg="del">
-        <pc:chgData name="Ihor Aleksandrov" userId="c3051032-6b87-4db2-b257-777a0106fbd9" providerId="ADAL" clId="{CD6A1DE1-ACF9-4B80-94F3-F58CA81605B6}" dt="2024-01-31T09:09:41.621" v="12" actId="2696"/>
-        <pc:sldMkLst>
-          <pc:docMk/>
-          <pc:sldMk cId="2864035387" sldId="306"/>
-        </pc:sldMkLst>
-      </pc:sldChg>
-      <pc:sldChg chg="addSp delSp modSp add mod">
-        <pc:chgData name="Ihor Aleksandrov" userId="c3051032-6b87-4db2-b257-777a0106fbd9" providerId="ADAL" clId="{CD6A1DE1-ACF9-4B80-94F3-F58CA81605B6}" dt="2024-01-31T14:19:42.222" v="51" actId="11529"/>
-        <pc:sldMkLst>
-          <pc:docMk/>
-          <pc:sldMk cId="2869883964" sldId="306"/>
-        </pc:sldMkLst>
-        <pc:spChg chg="mod">
-          <ac:chgData name="Ihor Aleksandrov" userId="c3051032-6b87-4db2-b257-777a0106fbd9" providerId="ADAL" clId="{CD6A1DE1-ACF9-4B80-94F3-F58CA81605B6}" dt="2024-01-31T14:18:50.257" v="49"/>
+      </pc:sldChg>
+      <pc:sldChg chg="addSp delSp add del setBg delDesignElem">
+        <pc:chgData name="Ihor Aleksandrov" userId="c3051032-6b87-4db2-b257-777a0106fbd9" providerId="ADAL" clId="{D05EAF56-C8F0-4612-806C-93E1C27F1929}" dt="2024-01-25T11:00:55.998" v="168"/>
+        <pc:sldMkLst>
+          <pc:docMk/>
+          <pc:sldMk cId="3157685417" sldId="284"/>
+        </pc:sldMkLst>
+        <pc:spChg chg="add del">
+          <ac:chgData name="Ihor Aleksandrov" userId="c3051032-6b87-4db2-b257-777a0106fbd9" providerId="ADAL" clId="{D05EAF56-C8F0-4612-806C-93E1C27F1929}" dt="2024-01-25T11:00:55.998" v="168"/>
           <ac:spMkLst>
             <pc:docMk/>
-            <pc:sldMk cId="2869883964" sldId="306"/>
-            <ac:spMk id="2" creationId="{53C5D828-9666-E312-B574-9FE965A7D6BE}"/>
+            <pc:sldMk cId="3157685417" sldId="284"/>
+            <ac:spMk id="9" creationId="{D4771268-CB57-404A-9271-370EB28F6090}"/>
           </ac:spMkLst>
         </pc:spChg>
-        <pc:spChg chg="add">
-          <ac:chgData name="Ihor Aleksandrov" userId="c3051032-6b87-4db2-b257-777a0106fbd9" providerId="ADAL" clId="{CD6A1DE1-ACF9-4B80-94F3-F58CA81605B6}" dt="2024-01-31T14:19:42.222" v="51" actId="11529"/>
+      </pc:sldChg>
+      <pc:sldChg chg="addSp delSp modSp add mod">
+        <pc:chgData name="Ihor Aleksandrov" userId="c3051032-6b87-4db2-b257-777a0106fbd9" providerId="ADAL" clId="{D05EAF56-C8F0-4612-806C-93E1C27F1929}" dt="2024-01-25T11:03:48.850" v="202" actId="1036"/>
+        <pc:sldMkLst>
+          <pc:docMk/>
+          <pc:sldMk cId="856240837" sldId="285"/>
+        </pc:sldMkLst>
+        <pc:spChg chg="mod">
+          <ac:chgData name="Ihor Aleksandrov" userId="c3051032-6b87-4db2-b257-777a0106fbd9" providerId="ADAL" clId="{D05EAF56-C8F0-4612-806C-93E1C27F1929}" dt="2024-01-25T11:03:18.596" v="177"/>
           <ac:spMkLst>
             <pc:docMk/>
-            <pc:sldMk cId="2869883964" sldId="306"/>
-            <ac:spMk id="4" creationId="{A7A10FCB-73CC-EC25-5BA2-8A25FEB14B6A}"/>
-          </ac:spMkLst>
-        </pc:spChg>
-        <pc:picChg chg="del">
-          <ac:chgData name="Ihor Aleksandrov" userId="c3051032-6b87-4db2-b257-777a0106fbd9" providerId="ADAL" clId="{CD6A1DE1-ACF9-4B80-94F3-F58CA81605B6}" dt="2024-01-31T14:19:35.964" v="50" actId="478"/>
-          <ac:picMkLst>
-            <pc:docMk/>
-            <pc:sldMk cId="2869883964" sldId="306"/>
-            <ac:picMk id="5" creationId="{65983233-09CA-119D-EF1F-584282E32591}"/>
-          </ac:picMkLst>
-        </pc:picChg>
-      </pc:sldChg>
-      <pc:sldChg chg="modSp add mod">
-        <pc:chgData name="Ihor Aleksandrov" userId="c3051032-6b87-4db2-b257-777a0106fbd9" providerId="ADAL" clId="{CD6A1DE1-ACF9-4B80-94F3-F58CA81605B6}" dt="2024-01-31T14:21:43.315" v="55"/>
-        <pc:sldMkLst>
-          <pc:docMk/>
-          <pc:sldMk cId="609281495" sldId="307"/>
-        </pc:sldMkLst>
-        <pc:spChg chg="mod">
-          <ac:chgData name="Ihor Aleksandrov" userId="c3051032-6b87-4db2-b257-777a0106fbd9" providerId="ADAL" clId="{CD6A1DE1-ACF9-4B80-94F3-F58CA81605B6}" dt="2024-01-31T14:21:43.315" v="55"/>
-          <ac:spMkLst>
-            <pc:docMk/>
-            <pc:sldMk cId="609281495" sldId="307"/>
-            <ac:spMk id="2" creationId="{53C5D828-9666-E312-B574-9FE965A7D6BE}"/>
-          </ac:spMkLst>
-        </pc:spChg>
-      </pc:sldChg>
-      <pc:sldChg chg="del">
-        <pc:chgData name="Ihor Aleksandrov" userId="c3051032-6b87-4db2-b257-777a0106fbd9" providerId="ADAL" clId="{CD6A1DE1-ACF9-4B80-94F3-F58CA81605B6}" dt="2024-01-31T09:09:41.621" v="12" actId="2696"/>
-        <pc:sldMkLst>
-          <pc:docMk/>
-          <pc:sldMk cId="1602066729" sldId="307"/>
-        </pc:sldMkLst>
-      </pc:sldChg>
-      <pc:sldChg chg="modSp add mod">
-        <pc:chgData name="Ihor Aleksandrov" userId="c3051032-6b87-4db2-b257-777a0106fbd9" providerId="ADAL" clId="{CD6A1DE1-ACF9-4B80-94F3-F58CA81605B6}" dt="2024-01-31T14:23:36.164" v="57"/>
-        <pc:sldMkLst>
-          <pc:docMk/>
-          <pc:sldMk cId="892253496" sldId="308"/>
-        </pc:sldMkLst>
-        <pc:spChg chg="mod">
-          <ac:chgData name="Ihor Aleksandrov" userId="c3051032-6b87-4db2-b257-777a0106fbd9" providerId="ADAL" clId="{CD6A1DE1-ACF9-4B80-94F3-F58CA81605B6}" dt="2024-01-31T14:23:36.164" v="57"/>
-          <ac:spMkLst>
-            <pc:docMk/>
-            <pc:sldMk cId="892253496" sldId="308"/>
-            <ac:spMk id="2" creationId="{53C5D828-9666-E312-B574-9FE965A7D6BE}"/>
-          </ac:spMkLst>
-        </pc:spChg>
-      </pc:sldChg>
-      <pc:sldChg chg="del">
-        <pc:chgData name="Ihor Aleksandrov" userId="c3051032-6b87-4db2-b257-777a0106fbd9" providerId="ADAL" clId="{CD6A1DE1-ACF9-4B80-94F3-F58CA81605B6}" dt="2024-01-31T09:09:41.621" v="12" actId="2696"/>
-        <pc:sldMkLst>
-          <pc:docMk/>
-          <pc:sldMk cId="3269251051" sldId="308"/>
-        </pc:sldMkLst>
-      </pc:sldChg>
-      <pc:sldChg chg="modSp add mod">
-        <pc:chgData name="Ihor Aleksandrov" userId="c3051032-6b87-4db2-b257-777a0106fbd9" providerId="ADAL" clId="{CD6A1DE1-ACF9-4B80-94F3-F58CA81605B6}" dt="2024-01-31T14:28:00.006" v="68" actId="6549"/>
-        <pc:sldMkLst>
-          <pc:docMk/>
-          <pc:sldMk cId="322251114" sldId="309"/>
-        </pc:sldMkLst>
-        <pc:spChg chg="mod">
-          <ac:chgData name="Ihor Aleksandrov" userId="c3051032-6b87-4db2-b257-777a0106fbd9" providerId="ADAL" clId="{CD6A1DE1-ACF9-4B80-94F3-F58CA81605B6}" dt="2024-01-31T14:28:00.006" v="68" actId="6549"/>
-          <ac:spMkLst>
-            <pc:docMk/>
-            <pc:sldMk cId="322251114" sldId="309"/>
-            <ac:spMk id="2" creationId="{53C5D828-9666-E312-B574-9FE965A7D6BE}"/>
-          </ac:spMkLst>
-        </pc:spChg>
-      </pc:sldChg>
-      <pc:sldChg chg="del">
-        <pc:chgData name="Ihor Aleksandrov" userId="c3051032-6b87-4db2-b257-777a0106fbd9" providerId="ADAL" clId="{CD6A1DE1-ACF9-4B80-94F3-F58CA81605B6}" dt="2024-01-31T09:09:41.621" v="12" actId="2696"/>
-        <pc:sldMkLst>
-          <pc:docMk/>
-          <pc:sldMk cId="1192723176" sldId="309"/>
-        </pc:sldMkLst>
-      </pc:sldChg>
-      <pc:sldChg chg="del">
-        <pc:chgData name="Ihor Aleksandrov" userId="c3051032-6b87-4db2-b257-777a0106fbd9" providerId="ADAL" clId="{CD6A1DE1-ACF9-4B80-94F3-F58CA81605B6}" dt="2024-01-31T09:09:41.621" v="12" actId="2696"/>
-        <pc:sldMkLst>
-          <pc:docMk/>
-          <pc:sldMk cId="349494834" sldId="310"/>
-        </pc:sldMkLst>
-      </pc:sldChg>
-      <pc:sldChg chg="modSp add mod">
-        <pc:chgData name="Ihor Aleksandrov" userId="c3051032-6b87-4db2-b257-777a0106fbd9" providerId="ADAL" clId="{CD6A1DE1-ACF9-4B80-94F3-F58CA81605B6}" dt="2024-01-31T14:41:19.484" v="113" actId="20577"/>
-        <pc:sldMkLst>
-          <pc:docMk/>
-          <pc:sldMk cId="3511455361" sldId="310"/>
-        </pc:sldMkLst>
-        <pc:spChg chg="mod">
-          <ac:chgData name="Ihor Aleksandrov" userId="c3051032-6b87-4db2-b257-777a0106fbd9" providerId="ADAL" clId="{CD6A1DE1-ACF9-4B80-94F3-F58CA81605B6}" dt="2024-01-31T14:41:19.484" v="113" actId="20577"/>
-          <ac:spMkLst>
-            <pc:docMk/>
-            <pc:sldMk cId="3511455361" sldId="310"/>
-            <ac:spMk id="2" creationId="{53C5D828-9666-E312-B574-9FE965A7D6BE}"/>
-          </ac:spMkLst>
-        </pc:spChg>
-      </pc:sldChg>
-      <pc:sldChg chg="del">
-        <pc:chgData name="Ihor Aleksandrov" userId="c3051032-6b87-4db2-b257-777a0106fbd9" providerId="ADAL" clId="{CD6A1DE1-ACF9-4B80-94F3-F58CA81605B6}" dt="2024-01-31T09:09:41.621" v="12" actId="2696"/>
-        <pc:sldMkLst>
-          <pc:docMk/>
-          <pc:sldMk cId="499114694" sldId="311"/>
-        </pc:sldMkLst>
-      </pc:sldChg>
-      <pc:sldChg chg="modSp add mod">
-        <pc:chgData name="Ihor Aleksandrov" userId="c3051032-6b87-4db2-b257-777a0106fbd9" providerId="ADAL" clId="{CD6A1DE1-ACF9-4B80-94F3-F58CA81605B6}" dt="2024-01-31T14:45:28.900" v="115"/>
-        <pc:sldMkLst>
-          <pc:docMk/>
-          <pc:sldMk cId="1118882355" sldId="311"/>
-        </pc:sldMkLst>
-        <pc:spChg chg="mod">
-          <ac:chgData name="Ihor Aleksandrov" userId="c3051032-6b87-4db2-b257-777a0106fbd9" providerId="ADAL" clId="{CD6A1DE1-ACF9-4B80-94F3-F58CA81605B6}" dt="2024-01-31T14:45:28.900" v="115"/>
-          <ac:spMkLst>
-            <pc:docMk/>
-            <pc:sldMk cId="1118882355" sldId="311"/>
-            <ac:spMk id="2" creationId="{53C5D828-9666-E312-B574-9FE965A7D6BE}"/>
-          </ac:spMkLst>
-        </pc:spChg>
-      </pc:sldChg>
-      <pc:sldChg chg="del">
-        <pc:chgData name="Ihor Aleksandrov" userId="c3051032-6b87-4db2-b257-777a0106fbd9" providerId="ADAL" clId="{CD6A1DE1-ACF9-4B80-94F3-F58CA81605B6}" dt="2024-01-31T09:09:41.621" v="12" actId="2696"/>
-        <pc:sldMkLst>
-          <pc:docMk/>
-          <pc:sldMk cId="270713766" sldId="312"/>
-        </pc:sldMkLst>
-      </pc:sldChg>
-      <pc:sldChg chg="modSp add mod">
-        <pc:chgData name="Ihor Aleksandrov" userId="c3051032-6b87-4db2-b257-777a0106fbd9" providerId="ADAL" clId="{CD6A1DE1-ACF9-4B80-94F3-F58CA81605B6}" dt="2024-01-31T14:47:18.694" v="119"/>
-        <pc:sldMkLst>
-          <pc:docMk/>
-          <pc:sldMk cId="804494040" sldId="312"/>
-        </pc:sldMkLst>
-        <pc:spChg chg="mod">
-          <ac:chgData name="Ihor Aleksandrov" userId="c3051032-6b87-4db2-b257-777a0106fbd9" providerId="ADAL" clId="{CD6A1DE1-ACF9-4B80-94F3-F58CA81605B6}" dt="2024-01-31T14:47:18.694" v="119"/>
-          <ac:spMkLst>
-            <pc:docMk/>
-            <pc:sldMk cId="804494040" sldId="312"/>
-            <ac:spMk id="2" creationId="{53C5D828-9666-E312-B574-9FE965A7D6BE}"/>
-          </ac:spMkLst>
-        </pc:spChg>
-      </pc:sldChg>
-      <pc:sldChg chg="modSp add mod">
-        <pc:chgData name="Ihor Aleksandrov" userId="c3051032-6b87-4db2-b257-777a0106fbd9" providerId="ADAL" clId="{CD6A1DE1-ACF9-4B80-94F3-F58CA81605B6}" dt="2024-01-31T14:49:19.729" v="125"/>
-        <pc:sldMkLst>
-          <pc:docMk/>
-          <pc:sldMk cId="516861898" sldId="313"/>
-        </pc:sldMkLst>
-        <pc:spChg chg="mod">
-          <ac:chgData name="Ihor Aleksandrov" userId="c3051032-6b87-4db2-b257-777a0106fbd9" providerId="ADAL" clId="{CD6A1DE1-ACF9-4B80-94F3-F58CA81605B6}" dt="2024-01-31T14:49:19.729" v="125"/>
-          <ac:spMkLst>
-            <pc:docMk/>
-            <pc:sldMk cId="516861898" sldId="313"/>
-            <ac:spMk id="2" creationId="{53C5D828-9666-E312-B574-9FE965A7D6BE}"/>
-          </ac:spMkLst>
-        </pc:spChg>
-      </pc:sldChg>
-      <pc:sldChg chg="del">
-        <pc:chgData name="Ihor Aleksandrov" userId="c3051032-6b87-4db2-b257-777a0106fbd9" providerId="ADAL" clId="{CD6A1DE1-ACF9-4B80-94F3-F58CA81605B6}" dt="2024-01-31T09:09:41.621" v="12" actId="2696"/>
-        <pc:sldMkLst>
-          <pc:docMk/>
-          <pc:sldMk cId="3773115567" sldId="313"/>
-        </pc:sldMkLst>
-      </pc:sldChg>
-      <pc:sldChg chg="del">
-        <pc:chgData name="Ihor Aleksandrov" userId="c3051032-6b87-4db2-b257-777a0106fbd9" providerId="ADAL" clId="{CD6A1DE1-ACF9-4B80-94F3-F58CA81605B6}" dt="2024-01-31T09:09:41.621" v="12" actId="2696"/>
-        <pc:sldMkLst>
-          <pc:docMk/>
-          <pc:sldMk cId="141045630" sldId="314"/>
-        </pc:sldMkLst>
-      </pc:sldChg>
-      <pc:sldChg chg="addSp delSp modSp add mod">
-        <pc:chgData name="Ihor Aleksandrov" userId="c3051032-6b87-4db2-b257-777a0106fbd9" providerId="ADAL" clId="{CD6A1DE1-ACF9-4B80-94F3-F58CA81605B6}" dt="2024-01-31T15:01:29.780" v="129" actId="22"/>
-        <pc:sldMkLst>
-          <pc:docMk/>
-          <pc:sldMk cId="3021580720" sldId="314"/>
-        </pc:sldMkLst>
-        <pc:spChg chg="mod">
-          <ac:chgData name="Ihor Aleksandrov" userId="c3051032-6b87-4db2-b257-777a0106fbd9" providerId="ADAL" clId="{CD6A1DE1-ACF9-4B80-94F3-F58CA81605B6}" dt="2024-01-31T14:57:18.485" v="127"/>
-          <ac:spMkLst>
-            <pc:docMk/>
-            <pc:sldMk cId="3021580720" sldId="314"/>
-            <ac:spMk id="2" creationId="{53C5D828-9666-E312-B574-9FE965A7D6BE}"/>
-          </ac:spMkLst>
-        </pc:spChg>
-        <pc:spChg chg="add del">
-          <ac:chgData name="Ihor Aleksandrov" userId="c3051032-6b87-4db2-b257-777a0106fbd9" providerId="ADAL" clId="{CD6A1DE1-ACF9-4B80-94F3-F58CA81605B6}" dt="2024-01-31T15:01:29.780" v="129" actId="22"/>
-          <ac:spMkLst>
-            <pc:docMk/>
-            <pc:sldMk cId="3021580720" sldId="314"/>
-            <ac:spMk id="6" creationId="{F057BD1F-14DA-AC1C-4B2D-1E5D44A96B3F}"/>
-          </ac:spMkLst>
-        </pc:spChg>
-      </pc:sldChg>
-      <pc:sldChg chg="del">
-        <pc:chgData name="Ihor Aleksandrov" userId="c3051032-6b87-4db2-b257-777a0106fbd9" providerId="ADAL" clId="{CD6A1DE1-ACF9-4B80-94F3-F58CA81605B6}" dt="2024-01-31T09:09:41.621" v="12" actId="2696"/>
-        <pc:sldMkLst>
-          <pc:docMk/>
-          <pc:sldMk cId="1532481946" sldId="315"/>
-        </pc:sldMkLst>
-      </pc:sldChg>
-      <pc:sldChg chg="modSp add mod">
-        <pc:chgData name="Ihor Aleksandrov" userId="c3051032-6b87-4db2-b257-777a0106fbd9" providerId="ADAL" clId="{CD6A1DE1-ACF9-4B80-94F3-F58CA81605B6}" dt="2024-01-31T15:01:47.443" v="136" actId="20577"/>
-        <pc:sldMkLst>
-          <pc:docMk/>
-          <pc:sldMk cId="1571930096" sldId="315"/>
-        </pc:sldMkLst>
-        <pc:spChg chg="mod">
-          <ac:chgData name="Ihor Aleksandrov" userId="c3051032-6b87-4db2-b257-777a0106fbd9" providerId="ADAL" clId="{CD6A1DE1-ACF9-4B80-94F3-F58CA81605B6}" dt="2024-01-31T15:01:47.443" v="136" actId="20577"/>
-          <ac:spMkLst>
-            <pc:docMk/>
-            <pc:sldMk cId="1571930096" sldId="315"/>
-            <ac:spMk id="2" creationId="{53C5D828-9666-E312-B574-9FE965A7D6BE}"/>
-          </ac:spMkLst>
-        </pc:spChg>
-      </pc:sldChg>
-      <pc:sldChg chg="modSp add mod">
-        <pc:chgData name="Ihor Aleksandrov" userId="c3051032-6b87-4db2-b257-777a0106fbd9" providerId="ADAL" clId="{CD6A1DE1-ACF9-4B80-94F3-F58CA81605B6}" dt="2024-01-31T15:03:02.352" v="159" actId="14100"/>
-        <pc:sldMkLst>
-          <pc:docMk/>
-          <pc:sldMk cId="1133084570" sldId="316"/>
-        </pc:sldMkLst>
-        <pc:spChg chg="mod">
-          <ac:chgData name="Ihor Aleksandrov" userId="c3051032-6b87-4db2-b257-777a0106fbd9" providerId="ADAL" clId="{CD6A1DE1-ACF9-4B80-94F3-F58CA81605B6}" dt="2024-01-31T15:03:02.352" v="159" actId="14100"/>
-          <ac:spMkLst>
-            <pc:docMk/>
-            <pc:sldMk cId="1133084570" sldId="316"/>
-            <ac:spMk id="2" creationId="{53C5D828-9666-E312-B574-9FE965A7D6BE}"/>
-          </ac:spMkLst>
-        </pc:spChg>
-      </pc:sldChg>
-      <pc:sldChg chg="del">
-        <pc:chgData name="Ihor Aleksandrov" userId="c3051032-6b87-4db2-b257-777a0106fbd9" providerId="ADAL" clId="{CD6A1DE1-ACF9-4B80-94F3-F58CA81605B6}" dt="2024-01-31T09:09:41.621" v="12" actId="2696"/>
-        <pc:sldMkLst>
-          <pc:docMk/>
-          <pc:sldMk cId="2524846561" sldId="316"/>
-        </pc:sldMkLst>
-      </pc:sldChg>
-      <pc:sldChg chg="del">
-        <pc:chgData name="Ihor Aleksandrov" userId="c3051032-6b87-4db2-b257-777a0106fbd9" providerId="ADAL" clId="{CD6A1DE1-ACF9-4B80-94F3-F58CA81605B6}" dt="2024-01-31T09:09:41.621" v="12" actId="2696"/>
-        <pc:sldMkLst>
-          <pc:docMk/>
-          <pc:sldMk cId="340892873" sldId="317"/>
-        </pc:sldMkLst>
-      </pc:sldChg>
-      <pc:sldChg chg="modSp add mod">
-        <pc:chgData name="Ihor Aleksandrov" userId="c3051032-6b87-4db2-b257-777a0106fbd9" providerId="ADAL" clId="{CD6A1DE1-ACF9-4B80-94F3-F58CA81605B6}" dt="2024-01-31T15:06:04.633" v="164" actId="20577"/>
-        <pc:sldMkLst>
-          <pc:docMk/>
-          <pc:sldMk cId="356788772" sldId="317"/>
-        </pc:sldMkLst>
-        <pc:spChg chg="mod">
-          <ac:chgData name="Ihor Aleksandrov" userId="c3051032-6b87-4db2-b257-777a0106fbd9" providerId="ADAL" clId="{CD6A1DE1-ACF9-4B80-94F3-F58CA81605B6}" dt="2024-01-31T15:06:04.633" v="164" actId="20577"/>
-          <ac:spMkLst>
-            <pc:docMk/>
-            <pc:sldMk cId="356788772" sldId="317"/>
-            <ac:spMk id="2" creationId="{53C5D828-9666-E312-B574-9FE965A7D6BE}"/>
-          </ac:spMkLst>
-        </pc:spChg>
-      </pc:sldChg>
-      <pc:sldChg chg="del">
-        <pc:chgData name="Ihor Aleksandrov" userId="c3051032-6b87-4db2-b257-777a0106fbd9" providerId="ADAL" clId="{CD6A1DE1-ACF9-4B80-94F3-F58CA81605B6}" dt="2024-01-31T09:09:41.621" v="12" actId="2696"/>
-        <pc:sldMkLst>
-          <pc:docMk/>
-          <pc:sldMk cId="1315442765" sldId="318"/>
-        </pc:sldMkLst>
-      </pc:sldChg>
-      <pc:sldChg chg="modSp add mod ord">
-        <pc:chgData name="Ihor Aleksandrov" userId="c3051032-6b87-4db2-b257-777a0106fbd9" providerId="ADAL" clId="{CD6A1DE1-ACF9-4B80-94F3-F58CA81605B6}" dt="2024-01-31T16:18:42.992" v="170"/>
-        <pc:sldMkLst>
-          <pc:docMk/>
-          <pc:sldMk cId="2690505772" sldId="318"/>
-        </pc:sldMkLst>
-        <pc:spChg chg="mod">
-          <ac:chgData name="Ihor Aleksandrov" userId="c3051032-6b87-4db2-b257-777a0106fbd9" providerId="ADAL" clId="{CD6A1DE1-ACF9-4B80-94F3-F58CA81605B6}" dt="2024-01-31T16:18:42.992" v="170"/>
-          <ac:spMkLst>
-            <pc:docMk/>
-            <pc:sldMk cId="2690505772" sldId="318"/>
-            <ac:spMk id="2" creationId="{18C18207-A109-5552-1541-0ABBAA316282}"/>
-          </ac:spMkLst>
-        </pc:spChg>
-      </pc:sldChg>
-      <pc:sldChg chg="del">
-        <pc:chgData name="Ihor Aleksandrov" userId="c3051032-6b87-4db2-b257-777a0106fbd9" providerId="ADAL" clId="{CD6A1DE1-ACF9-4B80-94F3-F58CA81605B6}" dt="2024-01-31T09:09:41.621" v="12" actId="2696"/>
-        <pc:sldMkLst>
-          <pc:docMk/>
-          <pc:sldMk cId="2257188714" sldId="319"/>
-        </pc:sldMkLst>
-      </pc:sldChg>
-      <pc:sldChg chg="addSp delSp modSp add mod ord">
-        <pc:chgData name="Ihor Aleksandrov" userId="c3051032-6b87-4db2-b257-777a0106fbd9" providerId="ADAL" clId="{CD6A1DE1-ACF9-4B80-94F3-F58CA81605B6}" dt="2024-01-31T16:20:55.716" v="179" actId="1076"/>
-        <pc:sldMkLst>
-          <pc:docMk/>
-          <pc:sldMk cId="3618741339" sldId="319"/>
-        </pc:sldMkLst>
-        <pc:spChg chg="mod">
-          <ac:chgData name="Ihor Aleksandrov" userId="c3051032-6b87-4db2-b257-777a0106fbd9" providerId="ADAL" clId="{CD6A1DE1-ACF9-4B80-94F3-F58CA81605B6}" dt="2024-01-31T16:20:19.318" v="174"/>
-          <ac:spMkLst>
-            <pc:docMk/>
-            <pc:sldMk cId="3618741339" sldId="319"/>
+            <pc:sldMk cId="856240837" sldId="285"/>
             <ac:spMk id="2" creationId="{53C5D828-9666-E312-B574-9FE965A7D6BE}"/>
           </ac:spMkLst>
         </pc:spChg>
         <pc:spChg chg="del">
-          <ac:chgData name="Ihor Aleksandrov" userId="c3051032-6b87-4db2-b257-777a0106fbd9" providerId="ADAL" clId="{CD6A1DE1-ACF9-4B80-94F3-F58CA81605B6}" dt="2024-01-31T16:20:22.303" v="175" actId="478"/>
+          <ac:chgData name="Ihor Aleksandrov" userId="c3051032-6b87-4db2-b257-777a0106fbd9" providerId="ADAL" clId="{D05EAF56-C8F0-4612-806C-93E1C27F1929}" dt="2024-01-25T11:03:21.592" v="178" actId="478"/>
           <ac:spMkLst>
             <pc:docMk/>
-            <pc:sldMk cId="3618741339" sldId="319"/>
-            <ac:spMk id="4" creationId="{A7A10FCB-73CC-EC25-5BA2-8A25FEB14B6A}"/>
+            <pc:sldMk cId="856240837" sldId="285"/>
+            <ac:spMk id="6" creationId="{E04F08BD-B70E-B1A8-7328-EE29B18E4AA1}"/>
           </ac:spMkLst>
         </pc:spChg>
         <pc:picChg chg="add mod">
-          <ac:chgData name="Ihor Aleksandrov" userId="c3051032-6b87-4db2-b257-777a0106fbd9" providerId="ADAL" clId="{CD6A1DE1-ACF9-4B80-94F3-F58CA81605B6}" dt="2024-01-31T16:20:55.716" v="179" actId="1076"/>
+          <ac:chgData name="Ihor Aleksandrov" userId="c3051032-6b87-4db2-b257-777a0106fbd9" providerId="ADAL" clId="{D05EAF56-C8F0-4612-806C-93E1C27F1929}" dt="2024-01-25T11:03:48.850" v="202" actId="1036"/>
           <ac:picMkLst>
             <pc:docMk/>
-            <pc:sldMk cId="3618741339" sldId="319"/>
-            <ac:picMk id="5" creationId="{F532E8B4-0BE7-0CB3-9EF5-566DC21B1A9C}"/>
+            <pc:sldMk cId="856240837" sldId="285"/>
+            <ac:picMk id="4" creationId="{A8C20435-8FF0-1341-85C4-558E352F27E5}"/>
           </ac:picMkLst>
         </pc:picChg>
       </pc:sldChg>
-      <pc:sldChg chg="addSp delSp modSp add mod">
-        <pc:chgData name="Ihor Aleksandrov" userId="c3051032-6b87-4db2-b257-777a0106fbd9" providerId="ADAL" clId="{CD6A1DE1-ACF9-4B80-94F3-F58CA81605B6}" dt="2024-01-31T16:23:53.931" v="186" actId="1076"/>
-        <pc:sldMkLst>
-          <pc:docMk/>
-          <pc:sldMk cId="955539517" sldId="320"/>
+      <pc:sldChg chg="modSp add mod ord">
+        <pc:chgData name="Ihor Aleksandrov" userId="c3051032-6b87-4db2-b257-777a0106fbd9" providerId="ADAL" clId="{D05EAF56-C8F0-4612-806C-93E1C27F1929}" dt="2024-01-25T11:10:32.927" v="210"/>
+        <pc:sldMkLst>
+          <pc:docMk/>
+          <pc:sldMk cId="1586376586" sldId="286"/>
         </pc:sldMkLst>
         <pc:spChg chg="mod">
-          <ac:chgData name="Ihor Aleksandrov" userId="c3051032-6b87-4db2-b257-777a0106fbd9" providerId="ADAL" clId="{CD6A1DE1-ACF9-4B80-94F3-F58CA81605B6}" dt="2024-01-31T16:23:45.804" v="183"/>
+          <ac:chgData name="Ihor Aleksandrov" userId="c3051032-6b87-4db2-b257-777a0106fbd9" providerId="ADAL" clId="{D05EAF56-C8F0-4612-806C-93E1C27F1929}" dt="2024-01-25T11:10:32.927" v="210"/>
           <ac:spMkLst>
             <pc:docMk/>
-            <pc:sldMk cId="955539517" sldId="320"/>
+            <pc:sldMk cId="1586376586" sldId="286"/>
             <ac:spMk id="2" creationId="{53C5D828-9666-E312-B574-9FE965A7D6BE}"/>
           </ac:spMkLst>
         </pc:spChg>
+      </pc:sldChg>
+      <pc:sldChg chg="add del">
+        <pc:chgData name="Ihor Aleksandrov" userId="c3051032-6b87-4db2-b257-777a0106fbd9" providerId="ADAL" clId="{D05EAF56-C8F0-4612-806C-93E1C27F1929}" dt="2024-01-25T11:10:15.704" v="204" actId="2696"/>
+        <pc:sldMkLst>
+          <pc:docMk/>
+          <pc:sldMk cId="2392975250" sldId="286"/>
+        </pc:sldMkLst>
+      </pc:sldChg>
+      <pc:sldChg chg="modSp add mod ord">
+        <pc:chgData name="Ihor Aleksandrov" userId="c3051032-6b87-4db2-b257-777a0106fbd9" providerId="ADAL" clId="{D05EAF56-C8F0-4612-806C-93E1C27F1929}" dt="2024-01-25T11:27:00.546" v="224" actId="20577"/>
+        <pc:sldMkLst>
+          <pc:docMk/>
+          <pc:sldMk cId="2004498921" sldId="287"/>
+        </pc:sldMkLst>
+        <pc:spChg chg="mod">
+          <ac:chgData name="Ihor Aleksandrov" userId="c3051032-6b87-4db2-b257-777a0106fbd9" providerId="ADAL" clId="{D05EAF56-C8F0-4612-806C-93E1C27F1929}" dt="2024-01-25T11:27:00.546" v="224" actId="20577"/>
+          <ac:spMkLst>
+            <pc:docMk/>
+            <pc:sldMk cId="2004498921" sldId="287"/>
+            <ac:spMk id="2" creationId="{18C18207-A109-5552-1541-0ABBAA316282}"/>
+          </ac:spMkLst>
+        </pc:spChg>
+      </pc:sldChg>
+      <pc:sldChg chg="addSp delSp modSp add mod ord">
+        <pc:chgData name="Ihor Aleksandrov" userId="c3051032-6b87-4db2-b257-777a0106fbd9" providerId="ADAL" clId="{D05EAF56-C8F0-4612-806C-93E1C27F1929}" dt="2024-01-25T11:28:34.816" v="233" actId="1076"/>
+        <pc:sldMkLst>
+          <pc:docMk/>
+          <pc:sldMk cId="156474206" sldId="288"/>
+        </pc:sldMkLst>
+        <pc:spChg chg="mod">
+          <ac:chgData name="Ihor Aleksandrov" userId="c3051032-6b87-4db2-b257-777a0106fbd9" providerId="ADAL" clId="{D05EAF56-C8F0-4612-806C-93E1C27F1929}" dt="2024-01-25T11:28:25.547" v="230"/>
+          <ac:spMkLst>
+            <pc:docMk/>
+            <pc:sldMk cId="156474206" sldId="288"/>
+            <ac:spMk id="2" creationId="{53C5D828-9666-E312-B574-9FE965A7D6BE}"/>
+          </ac:spMkLst>
+        </pc:spChg>
+        <pc:spChg chg="del">
+          <ac:chgData name="Ihor Aleksandrov" userId="c3051032-6b87-4db2-b257-777a0106fbd9" providerId="ADAL" clId="{D05EAF56-C8F0-4612-806C-93E1C27F1929}" dt="2024-01-25T11:28:27.105" v="231" actId="478"/>
+          <ac:spMkLst>
+            <pc:docMk/>
+            <pc:sldMk cId="156474206" sldId="288"/>
+            <ac:spMk id="6" creationId="{E04F08BD-B70E-B1A8-7328-EE29B18E4AA1}"/>
+          </ac:spMkLst>
+        </pc:spChg>
         <pc:picChg chg="add mod">
-          <ac:chgData name="Ihor Aleksandrov" userId="c3051032-6b87-4db2-b257-777a0106fbd9" providerId="ADAL" clId="{CD6A1DE1-ACF9-4B80-94F3-F58CA81605B6}" dt="2024-01-31T16:23:53.931" v="186" actId="1076"/>
+          <ac:chgData name="Ihor Aleksandrov" userId="c3051032-6b87-4db2-b257-777a0106fbd9" providerId="ADAL" clId="{D05EAF56-C8F0-4612-806C-93E1C27F1929}" dt="2024-01-25T11:28:34.816" v="233" actId="1076"/>
           <ac:picMkLst>
             <pc:docMk/>
-            <pc:sldMk cId="955539517" sldId="320"/>
-            <ac:picMk id="4" creationId="{28A2D3FD-7D05-8035-871B-BC18824DA49F}"/>
+            <pc:sldMk cId="156474206" sldId="288"/>
+            <ac:picMk id="4" creationId="{0D7416A8-5E31-A6F5-922C-BB434A29C3EE}"/>
           </ac:picMkLst>
         </pc:picChg>
-        <pc:picChg chg="del">
-          <ac:chgData name="Ihor Aleksandrov" userId="c3051032-6b87-4db2-b257-777a0106fbd9" providerId="ADAL" clId="{CD6A1DE1-ACF9-4B80-94F3-F58CA81605B6}" dt="2024-01-31T16:23:47.155" v="184" actId="478"/>
+      </pc:sldChg>
+      <pc:sldChg chg="modSp add mod ord">
+        <pc:chgData name="Ihor Aleksandrov" userId="c3051032-6b87-4db2-b257-777a0106fbd9" providerId="ADAL" clId="{D05EAF56-C8F0-4612-806C-93E1C27F1929}" dt="2024-01-25T11:29:51.583" v="244"/>
+        <pc:sldMkLst>
+          <pc:docMk/>
+          <pc:sldMk cId="2551930029" sldId="289"/>
+        </pc:sldMkLst>
+        <pc:spChg chg="mod">
+          <ac:chgData name="Ihor Aleksandrov" userId="c3051032-6b87-4db2-b257-777a0106fbd9" providerId="ADAL" clId="{D05EAF56-C8F0-4612-806C-93E1C27F1929}" dt="2024-01-25T11:29:47.752" v="242" actId="20577"/>
+          <ac:spMkLst>
+            <pc:docMk/>
+            <pc:sldMk cId="2551930029" sldId="289"/>
+            <ac:spMk id="2" creationId="{18C18207-A109-5552-1541-0ABBAA316282}"/>
+          </ac:spMkLst>
+        </pc:spChg>
+      </pc:sldChg>
+      <pc:sldChg chg="addSp delSp modSp add mod ord">
+        <pc:chgData name="Ihor Aleksandrov" userId="c3051032-6b87-4db2-b257-777a0106fbd9" providerId="ADAL" clId="{D05EAF56-C8F0-4612-806C-93E1C27F1929}" dt="2024-01-25T11:49:38.267" v="257" actId="1076"/>
+        <pc:sldMkLst>
+          <pc:docMk/>
+          <pc:sldMk cId="1939738048" sldId="290"/>
+        </pc:sldMkLst>
+        <pc:spChg chg="mod">
+          <ac:chgData name="Ihor Aleksandrov" userId="c3051032-6b87-4db2-b257-777a0106fbd9" providerId="ADAL" clId="{D05EAF56-C8F0-4612-806C-93E1C27F1929}" dt="2024-01-25T11:49:07.853" v="250"/>
+          <ac:spMkLst>
+            <pc:docMk/>
+            <pc:sldMk cId="1939738048" sldId="290"/>
+            <ac:spMk id="2" creationId="{53C5D828-9666-E312-B574-9FE965A7D6BE}"/>
+          </ac:spMkLst>
+        </pc:spChg>
+        <pc:spChg chg="del">
+          <ac:chgData name="Ihor Aleksandrov" userId="c3051032-6b87-4db2-b257-777a0106fbd9" providerId="ADAL" clId="{D05EAF56-C8F0-4612-806C-93E1C27F1929}" dt="2024-01-25T11:49:20.582" v="251" actId="478"/>
+          <ac:spMkLst>
+            <pc:docMk/>
+            <pc:sldMk cId="1939738048" sldId="290"/>
+            <ac:spMk id="6" creationId="{E04F08BD-B70E-B1A8-7328-EE29B18E4AA1}"/>
+          </ac:spMkLst>
+        </pc:spChg>
+        <pc:picChg chg="add mod">
+          <ac:chgData name="Ihor Aleksandrov" userId="c3051032-6b87-4db2-b257-777a0106fbd9" providerId="ADAL" clId="{D05EAF56-C8F0-4612-806C-93E1C27F1929}" dt="2024-01-25T11:49:38.267" v="257" actId="1076"/>
           <ac:picMkLst>
             <pc:docMk/>
-            <pc:sldMk cId="955539517" sldId="320"/>
-            <ac:picMk id="5" creationId="{F532E8B4-0BE7-0CB3-9EF5-566DC21B1A9C}"/>
+            <pc:sldMk cId="1939738048" sldId="290"/>
+            <ac:picMk id="4" creationId="{49B21785-1E7E-8457-4FBF-E3FC2CCADD04}"/>
           </ac:picMkLst>
         </pc:picChg>
       </pc:sldChg>
-      <pc:sldChg chg="del">
-        <pc:chgData name="Ihor Aleksandrov" userId="c3051032-6b87-4db2-b257-777a0106fbd9" providerId="ADAL" clId="{CD6A1DE1-ACF9-4B80-94F3-F58CA81605B6}" dt="2024-01-31T09:09:41.621" v="12" actId="2696"/>
-        <pc:sldMkLst>
-          <pc:docMk/>
-          <pc:sldMk cId="2940295210" sldId="320"/>
-        </pc:sldMkLst>
-      </pc:sldChg>
-      <pc:sldChg chg="del">
-        <pc:chgData name="Ihor Aleksandrov" userId="c3051032-6b87-4db2-b257-777a0106fbd9" providerId="ADAL" clId="{CD6A1DE1-ACF9-4B80-94F3-F58CA81605B6}" dt="2024-01-31T09:09:41.621" v="12" actId="2696"/>
-        <pc:sldMkLst>
-          <pc:docMk/>
-          <pc:sldMk cId="2741142378" sldId="321"/>
-        </pc:sldMkLst>
+      <pc:sldChg chg="modSp add mod ord">
+        <pc:chgData name="Ihor Aleksandrov" userId="c3051032-6b87-4db2-b257-777a0106fbd9" providerId="ADAL" clId="{D05EAF56-C8F0-4612-806C-93E1C27F1929}" dt="2024-01-25T11:51:45.959" v="263"/>
+        <pc:sldMkLst>
+          <pc:docMk/>
+          <pc:sldMk cId="1018496090" sldId="291"/>
+        </pc:sldMkLst>
+        <pc:spChg chg="mod">
+          <ac:chgData name="Ihor Aleksandrov" userId="c3051032-6b87-4db2-b257-777a0106fbd9" providerId="ADAL" clId="{D05EAF56-C8F0-4612-806C-93E1C27F1929}" dt="2024-01-25T11:51:45.959" v="263"/>
+          <ac:spMkLst>
+            <pc:docMk/>
+            <pc:sldMk cId="1018496090" sldId="291"/>
+            <ac:spMk id="2" creationId="{53C5D828-9666-E312-B574-9FE965A7D6BE}"/>
+          </ac:spMkLst>
+        </pc:spChg>
+      </pc:sldChg>
+      <pc:sldChg chg="modSp add mod">
+        <pc:chgData name="Ihor Aleksandrov" userId="c3051032-6b87-4db2-b257-777a0106fbd9" providerId="ADAL" clId="{D05EAF56-C8F0-4612-806C-93E1C27F1929}" dt="2024-01-25T11:53:09.928" v="267"/>
+        <pc:sldMkLst>
+          <pc:docMk/>
+          <pc:sldMk cId="2128635244" sldId="292"/>
+        </pc:sldMkLst>
+        <pc:spChg chg="mod">
+          <ac:chgData name="Ihor Aleksandrov" userId="c3051032-6b87-4db2-b257-777a0106fbd9" providerId="ADAL" clId="{D05EAF56-C8F0-4612-806C-93E1C27F1929}" dt="2024-01-25T11:53:09.928" v="267"/>
+          <ac:spMkLst>
+            <pc:docMk/>
+            <pc:sldMk cId="2128635244" sldId="292"/>
+            <ac:spMk id="2" creationId="{53C5D828-9666-E312-B574-9FE965A7D6BE}"/>
+          </ac:spMkLst>
+        </pc:spChg>
       </pc:sldChg>
       <pc:sldChg chg="addSp delSp modSp add mod">
-        <pc:chgData name="Ihor Aleksandrov" userId="c3051032-6b87-4db2-b257-777a0106fbd9" providerId="ADAL" clId="{CD6A1DE1-ACF9-4B80-94F3-F58CA81605B6}" dt="2024-01-31T16:27:29.733" v="196" actId="1076"/>
-        <pc:sldMkLst>
-          <pc:docMk/>
-          <pc:sldMk cId="3974958853" sldId="321"/>
+        <pc:chgData name="Ihor Aleksandrov" userId="c3051032-6b87-4db2-b257-777a0106fbd9" providerId="ADAL" clId="{D05EAF56-C8F0-4612-806C-93E1C27F1929}" dt="2024-01-25T11:55:41.171" v="279" actId="1076"/>
+        <pc:sldMkLst>
+          <pc:docMk/>
+          <pc:sldMk cId="2059493005" sldId="293"/>
         </pc:sldMkLst>
         <pc:spChg chg="mod">
-          <ac:chgData name="Ihor Aleksandrov" userId="c3051032-6b87-4db2-b257-777a0106fbd9" providerId="ADAL" clId="{CD6A1DE1-ACF9-4B80-94F3-F58CA81605B6}" dt="2024-01-31T16:27:07.186" v="192"/>
+          <ac:chgData name="Ihor Aleksandrov" userId="c3051032-6b87-4db2-b257-777a0106fbd9" providerId="ADAL" clId="{D05EAF56-C8F0-4612-806C-93E1C27F1929}" dt="2024-01-25T11:55:19.618" v="271"/>
           <ac:spMkLst>
             <pc:docMk/>
-            <pc:sldMk cId="3974958853" sldId="321"/>
+            <pc:sldMk cId="2059493005" sldId="293"/>
+            <ac:spMk id="2" creationId="{53C5D828-9666-E312-B574-9FE965A7D6BE}"/>
+          </ac:spMkLst>
+        </pc:spChg>
+        <pc:spChg chg="del">
+          <ac:chgData name="Ihor Aleksandrov" userId="c3051032-6b87-4db2-b257-777a0106fbd9" providerId="ADAL" clId="{D05EAF56-C8F0-4612-806C-93E1C27F1929}" dt="2024-01-25T11:55:21.950" v="272" actId="478"/>
+          <ac:spMkLst>
+            <pc:docMk/>
+            <pc:sldMk cId="2059493005" sldId="293"/>
+            <ac:spMk id="6" creationId="{E04F08BD-B70E-B1A8-7328-EE29B18E4AA1}"/>
+          </ac:spMkLst>
+        </pc:spChg>
+        <pc:picChg chg="add mod">
+          <ac:chgData name="Ihor Aleksandrov" userId="c3051032-6b87-4db2-b257-777a0106fbd9" providerId="ADAL" clId="{D05EAF56-C8F0-4612-806C-93E1C27F1929}" dt="2024-01-25T11:55:41.171" v="279" actId="1076"/>
+          <ac:picMkLst>
+            <pc:docMk/>
+            <pc:sldMk cId="2059493005" sldId="293"/>
+            <ac:picMk id="4" creationId="{B4989CAB-F181-BB13-C3CC-7303FC972C04}"/>
+          </ac:picMkLst>
+        </pc:picChg>
+      </pc:sldChg>
+      <pc:sldChg chg="addSp delSp modSp add mod">
+        <pc:chgData name="Ihor Aleksandrov" userId="c3051032-6b87-4db2-b257-777a0106fbd9" providerId="ADAL" clId="{D05EAF56-C8F0-4612-806C-93E1C27F1929}" dt="2024-01-25T11:57:16.812" v="286" actId="1076"/>
+        <pc:sldMkLst>
+          <pc:docMk/>
+          <pc:sldMk cId="1734173143" sldId="294"/>
+        </pc:sldMkLst>
+        <pc:spChg chg="mod">
+          <ac:chgData name="Ihor Aleksandrov" userId="c3051032-6b87-4db2-b257-777a0106fbd9" providerId="ADAL" clId="{D05EAF56-C8F0-4612-806C-93E1C27F1929}" dt="2024-01-25T11:56:59.706" v="281"/>
+          <ac:spMkLst>
+            <pc:docMk/>
+            <pc:sldMk cId="1734173143" sldId="294"/>
             <ac:spMk id="2" creationId="{53C5D828-9666-E312-B574-9FE965A7D6BE}"/>
           </ac:spMkLst>
         </pc:spChg>
         <pc:picChg chg="del">
-          <ac:chgData name="Ihor Aleksandrov" userId="c3051032-6b87-4db2-b257-777a0106fbd9" providerId="ADAL" clId="{CD6A1DE1-ACF9-4B80-94F3-F58CA81605B6}" dt="2024-01-31T16:27:22.384" v="193" actId="478"/>
+          <ac:chgData name="Ihor Aleksandrov" userId="c3051032-6b87-4db2-b257-777a0106fbd9" providerId="ADAL" clId="{D05EAF56-C8F0-4612-806C-93E1C27F1929}" dt="2024-01-25T11:57:02.563" v="282" actId="478"/>
           <ac:picMkLst>
             <pc:docMk/>
-            <pc:sldMk cId="3974958853" sldId="321"/>
-            <ac:picMk id="4" creationId="{28A2D3FD-7D05-8035-871B-BC18824DA49F}"/>
+            <pc:sldMk cId="1734173143" sldId="294"/>
+            <ac:picMk id="4" creationId="{B4989CAB-F181-BB13-C3CC-7303FC972C04}"/>
           </ac:picMkLst>
         </pc:picChg>
         <pc:picChg chg="add mod">
-          <ac:chgData name="Ihor Aleksandrov" userId="c3051032-6b87-4db2-b257-777a0106fbd9" providerId="ADAL" clId="{CD6A1DE1-ACF9-4B80-94F3-F58CA81605B6}" dt="2024-01-31T16:27:29.733" v="196" actId="1076"/>
+          <ac:chgData name="Ihor Aleksandrov" userId="c3051032-6b87-4db2-b257-777a0106fbd9" providerId="ADAL" clId="{D05EAF56-C8F0-4612-806C-93E1C27F1929}" dt="2024-01-25T11:57:16.812" v="286" actId="1076"/>
           <ac:picMkLst>
             <pc:docMk/>
-            <pc:sldMk cId="3974958853" sldId="321"/>
-            <ac:picMk id="6" creationId="{B6424C26-77F8-976F-095A-C034C68F13F1}"/>
+            <pc:sldMk cId="1734173143" sldId="294"/>
+            <ac:picMk id="5" creationId="{EFB4AF76-9D94-7721-E2C8-2472D164A060}"/>
           </ac:picMkLst>
         </pc:picChg>
       </pc:sldChg>
-      <pc:sldChg chg="del">
-        <pc:chgData name="Ihor Aleksandrov" userId="c3051032-6b87-4db2-b257-777a0106fbd9" providerId="ADAL" clId="{CD6A1DE1-ACF9-4B80-94F3-F58CA81605B6}" dt="2024-01-31T09:09:41.621" v="12" actId="2696"/>
-        <pc:sldMkLst>
-          <pc:docMk/>
-          <pc:sldMk cId="1250702623" sldId="322"/>
-        </pc:sldMkLst>
-      </pc:sldChg>
-      <pc:sldChg chg="addSp delSp modSp add mod">
-        <pc:chgData name="Ihor Aleksandrov" userId="c3051032-6b87-4db2-b257-777a0106fbd9" providerId="ADAL" clId="{CD6A1DE1-ACF9-4B80-94F3-F58CA81605B6}" dt="2024-01-31T16:30:11.818" v="204"/>
-        <pc:sldMkLst>
-          <pc:docMk/>
-          <pc:sldMk cId="3021423085" sldId="322"/>
+      <pc:sldChg chg="addSp modSp add mod ord">
+        <pc:chgData name="Ihor Aleksandrov" userId="c3051032-6b87-4db2-b257-777a0106fbd9" providerId="ADAL" clId="{D05EAF56-C8F0-4612-806C-93E1C27F1929}" dt="2024-01-25T12:00:46.169" v="306" actId="1076"/>
+        <pc:sldMkLst>
+          <pc:docMk/>
+          <pc:sldMk cId="3102755718" sldId="295"/>
         </pc:sldMkLst>
         <pc:spChg chg="mod">
-          <ac:chgData name="Ihor Aleksandrov" userId="c3051032-6b87-4db2-b257-777a0106fbd9" providerId="ADAL" clId="{CD6A1DE1-ACF9-4B80-94F3-F58CA81605B6}" dt="2024-01-31T16:30:11.818" v="204"/>
+          <ac:chgData name="Ihor Aleksandrov" userId="c3051032-6b87-4db2-b257-777a0106fbd9" providerId="ADAL" clId="{D05EAF56-C8F0-4612-806C-93E1C27F1929}" dt="2024-01-25T12:00:14.709" v="300" actId="20577"/>
           <ac:spMkLst>
             <pc:docMk/>
-            <pc:sldMk cId="3021423085" sldId="322"/>
+            <pc:sldMk cId="3102755718" sldId="295"/>
+            <ac:spMk id="2" creationId="{18C18207-A109-5552-1541-0ABBAA316282}"/>
+          </ac:spMkLst>
+        </pc:spChg>
+        <pc:picChg chg="add mod">
+          <ac:chgData name="Ihor Aleksandrov" userId="c3051032-6b87-4db2-b257-777a0106fbd9" providerId="ADAL" clId="{D05EAF56-C8F0-4612-806C-93E1C27F1929}" dt="2024-01-25T12:00:46.169" v="306" actId="1076"/>
+          <ac:picMkLst>
+            <pc:docMk/>
+            <pc:sldMk cId="3102755718" sldId="295"/>
+            <ac:picMk id="5" creationId="{BD0CE974-8524-11E7-B97F-A86834867985}"/>
+          </ac:picMkLst>
+        </pc:picChg>
+      </pc:sldChg>
+      <pc:sldChg chg="modSp add mod ord">
+        <pc:chgData name="Ihor Aleksandrov" userId="c3051032-6b87-4db2-b257-777a0106fbd9" providerId="ADAL" clId="{D05EAF56-C8F0-4612-806C-93E1C27F1929}" dt="2024-01-25T12:02:45.112" v="310"/>
+        <pc:sldMkLst>
+          <pc:docMk/>
+          <pc:sldMk cId="2389832786" sldId="296"/>
+        </pc:sldMkLst>
+        <pc:spChg chg="mod">
+          <ac:chgData name="Ihor Aleksandrov" userId="c3051032-6b87-4db2-b257-777a0106fbd9" providerId="ADAL" clId="{D05EAF56-C8F0-4612-806C-93E1C27F1929}" dt="2024-01-25T12:02:45.112" v="310"/>
+          <ac:spMkLst>
+            <pc:docMk/>
+            <pc:sldMk cId="2389832786" sldId="296"/>
             <ac:spMk id="2" creationId="{53C5D828-9666-E312-B574-9FE965A7D6BE}"/>
           </ac:spMkLst>
         </pc:spChg>
-        <pc:picChg chg="add mod">
-          <ac:chgData name="Ihor Aleksandrov" userId="c3051032-6b87-4db2-b257-777a0106fbd9" providerId="ADAL" clId="{CD6A1DE1-ACF9-4B80-94F3-F58CA81605B6}" dt="2024-01-31T16:29:33.614" v="201" actId="1076"/>
-          <ac:picMkLst>
-            <pc:docMk/>
-            <pc:sldMk cId="3021423085" sldId="322"/>
-            <ac:picMk id="5" creationId="{79E04EF6-B44B-E770-0D59-0AE9905B0613}"/>
-          </ac:picMkLst>
-        </pc:picChg>
-        <pc:picChg chg="del">
-          <ac:chgData name="Ihor Aleksandrov" userId="c3051032-6b87-4db2-b257-777a0106fbd9" providerId="ADAL" clId="{CD6A1DE1-ACF9-4B80-94F3-F58CA81605B6}" dt="2024-01-31T16:29:27.557" v="198" actId="478"/>
-          <ac:picMkLst>
-            <pc:docMk/>
-            <pc:sldMk cId="3021423085" sldId="322"/>
-            <ac:picMk id="6" creationId="{B6424C26-77F8-976F-095A-C034C68F13F1}"/>
-          </ac:picMkLst>
-        </pc:picChg>
-      </pc:sldChg>
-      <pc:sldChg chg="addSp delSp modSp add mod">
-        <pc:chgData name="Ihor Aleksandrov" userId="c3051032-6b87-4db2-b257-777a0106fbd9" providerId="ADAL" clId="{CD6A1DE1-ACF9-4B80-94F3-F58CA81605B6}" dt="2024-01-31T16:32:26.979" v="210" actId="11529"/>
-        <pc:sldMkLst>
-          <pc:docMk/>
-          <pc:sldMk cId="816537371" sldId="323"/>
+      </pc:sldChg>
+      <pc:sldChg chg="modSp add mod">
+        <pc:chgData name="Ihor Aleksandrov" userId="c3051032-6b87-4db2-b257-777a0106fbd9" providerId="ADAL" clId="{D05EAF56-C8F0-4612-806C-93E1C27F1929}" dt="2024-01-25T12:04:01.736" v="312"/>
+        <pc:sldMkLst>
+          <pc:docMk/>
+          <pc:sldMk cId="2189799752" sldId="297"/>
         </pc:sldMkLst>
         <pc:spChg chg="mod">
-          <ac:chgData name="Ihor Aleksandrov" userId="c3051032-6b87-4db2-b257-777a0106fbd9" providerId="ADAL" clId="{CD6A1DE1-ACF9-4B80-94F3-F58CA81605B6}" dt="2024-01-31T16:32:20.906" v="208"/>
+          <ac:chgData name="Ihor Aleksandrov" userId="c3051032-6b87-4db2-b257-777a0106fbd9" providerId="ADAL" clId="{D05EAF56-C8F0-4612-806C-93E1C27F1929}" dt="2024-01-25T12:04:01.736" v="312"/>
           <ac:spMkLst>
             <pc:docMk/>
-            <pc:sldMk cId="816537371" sldId="323"/>
+            <pc:sldMk cId="2189799752" sldId="297"/>
             <ac:spMk id="2" creationId="{53C5D828-9666-E312-B574-9FE965A7D6BE}"/>
           </ac:spMkLst>
         </pc:spChg>
-        <pc:spChg chg="add">
-          <ac:chgData name="Ihor Aleksandrov" userId="c3051032-6b87-4db2-b257-777a0106fbd9" providerId="ADAL" clId="{CD6A1DE1-ACF9-4B80-94F3-F58CA81605B6}" dt="2024-01-31T16:32:26.979" v="210" actId="11529"/>
+      </pc:sldChg>
+      <pc:sldChg chg="modSp add mod">
+        <pc:chgData name="Ihor Aleksandrov" userId="c3051032-6b87-4db2-b257-777a0106fbd9" providerId="ADAL" clId="{D05EAF56-C8F0-4612-806C-93E1C27F1929}" dt="2024-01-25T12:05:00.878" v="314"/>
+        <pc:sldMkLst>
+          <pc:docMk/>
+          <pc:sldMk cId="3592285454" sldId="298"/>
+        </pc:sldMkLst>
+        <pc:spChg chg="mod">
+          <ac:chgData name="Ihor Aleksandrov" userId="c3051032-6b87-4db2-b257-777a0106fbd9" providerId="ADAL" clId="{D05EAF56-C8F0-4612-806C-93E1C27F1929}" dt="2024-01-25T12:05:00.878" v="314"/>
           <ac:spMkLst>
             <pc:docMk/>
-            <pc:sldMk cId="816537371" sldId="323"/>
-            <ac:spMk id="4" creationId="{03542100-9D21-41B2-EBC8-F5312B69ACDA}"/>
-          </ac:spMkLst>
-        </pc:spChg>
-        <pc:picChg chg="del">
-          <ac:chgData name="Ihor Aleksandrov" userId="c3051032-6b87-4db2-b257-777a0106fbd9" providerId="ADAL" clId="{CD6A1DE1-ACF9-4B80-94F3-F58CA81605B6}" dt="2024-01-31T16:32:22.331" v="209" actId="478"/>
-          <ac:picMkLst>
-            <pc:docMk/>
-            <pc:sldMk cId="816537371" sldId="323"/>
-            <ac:picMk id="5" creationId="{79E04EF6-B44B-E770-0D59-0AE9905B0613}"/>
-          </ac:picMkLst>
-        </pc:picChg>
-      </pc:sldChg>
-      <pc:sldChg chg="del">
-        <pc:chgData name="Ihor Aleksandrov" userId="c3051032-6b87-4db2-b257-777a0106fbd9" providerId="ADAL" clId="{CD6A1DE1-ACF9-4B80-94F3-F58CA81605B6}" dt="2024-01-31T09:09:41.621" v="12" actId="2696"/>
-        <pc:sldMkLst>
-          <pc:docMk/>
-          <pc:sldMk cId="4226268188" sldId="323"/>
-        </pc:sldMkLst>
-      </pc:sldChg>
-      <pc:sldChg chg="del">
-        <pc:chgData name="Ihor Aleksandrov" userId="c3051032-6b87-4db2-b257-777a0106fbd9" providerId="ADAL" clId="{CD6A1DE1-ACF9-4B80-94F3-F58CA81605B6}" dt="2024-01-31T09:09:41.621" v="12" actId="2696"/>
-        <pc:sldMkLst>
-          <pc:docMk/>
-          <pc:sldMk cId="3008917412" sldId="324"/>
-        </pc:sldMkLst>
-      </pc:sldChg>
-      <pc:sldChg chg="modSp add mod">
-        <pc:chgData name="Ihor Aleksandrov" userId="c3051032-6b87-4db2-b257-777a0106fbd9" providerId="ADAL" clId="{CD6A1DE1-ACF9-4B80-94F3-F58CA81605B6}" dt="2024-01-31T16:33:14.683" v="218" actId="20577"/>
-        <pc:sldMkLst>
-          <pc:docMk/>
-          <pc:sldMk cId="3114329589" sldId="324"/>
-        </pc:sldMkLst>
-        <pc:spChg chg="mod">
-          <ac:chgData name="Ihor Aleksandrov" userId="c3051032-6b87-4db2-b257-777a0106fbd9" providerId="ADAL" clId="{CD6A1DE1-ACF9-4B80-94F3-F58CA81605B6}" dt="2024-01-31T16:33:14.683" v="218" actId="20577"/>
-          <ac:spMkLst>
-            <pc:docMk/>
-            <pc:sldMk cId="3114329589" sldId="324"/>
+            <pc:sldMk cId="3592285454" sldId="298"/>
             <ac:spMk id="2" creationId="{53C5D828-9666-E312-B574-9FE965A7D6BE}"/>
           </ac:spMkLst>
         </pc:spChg>
       </pc:sldChg>
-      <pc:sldChg chg="del">
-        <pc:chgData name="Ihor Aleksandrov" userId="c3051032-6b87-4db2-b257-777a0106fbd9" providerId="ADAL" clId="{CD6A1DE1-ACF9-4B80-94F3-F58CA81605B6}" dt="2024-01-31T09:09:41.621" v="12" actId="2696"/>
-        <pc:sldMkLst>
-          <pc:docMk/>
-          <pc:sldMk cId="2706419546" sldId="325"/>
-        </pc:sldMkLst>
-      </pc:sldChg>
-      <pc:sldChg chg="del">
-        <pc:chgData name="Ihor Aleksandrov" userId="c3051032-6b87-4db2-b257-777a0106fbd9" providerId="ADAL" clId="{CD6A1DE1-ACF9-4B80-94F3-F58CA81605B6}" dt="2024-01-31T09:09:41.621" v="12" actId="2696"/>
-        <pc:sldMkLst>
-          <pc:docMk/>
-          <pc:sldMk cId="3970945218" sldId="326"/>
-        </pc:sldMkLst>
-      </pc:sldChg>
-      <pc:sldChg chg="del">
-        <pc:chgData name="Ihor Aleksandrov" userId="c3051032-6b87-4db2-b257-777a0106fbd9" providerId="ADAL" clId="{CD6A1DE1-ACF9-4B80-94F3-F58CA81605B6}" dt="2024-01-31T09:09:41.621" v="12" actId="2696"/>
-        <pc:sldMkLst>
-          <pc:docMk/>
-          <pc:sldMk cId="3529826239" sldId="327"/>
-        </pc:sldMkLst>
-      </pc:sldChg>
-      <pc:sldChg chg="del">
-        <pc:chgData name="Ihor Aleksandrov" userId="c3051032-6b87-4db2-b257-777a0106fbd9" providerId="ADAL" clId="{CD6A1DE1-ACF9-4B80-94F3-F58CA81605B6}" dt="2024-01-31T09:09:41.621" v="12" actId="2696"/>
-        <pc:sldMkLst>
-          <pc:docMk/>
-          <pc:sldMk cId="2063279392" sldId="328"/>
-        </pc:sldMkLst>
-      </pc:sldChg>
-      <pc:sldChg chg="del">
-        <pc:chgData name="Ihor Aleksandrov" userId="c3051032-6b87-4db2-b257-777a0106fbd9" providerId="ADAL" clId="{CD6A1DE1-ACF9-4B80-94F3-F58CA81605B6}" dt="2024-01-31T09:09:41.621" v="12" actId="2696"/>
-        <pc:sldMkLst>
-          <pc:docMk/>
-          <pc:sldMk cId="2502396658" sldId="329"/>
-        </pc:sldMkLst>
-      </pc:sldChg>
-      <pc:sldChg chg="del">
-        <pc:chgData name="Ihor Aleksandrov" userId="c3051032-6b87-4db2-b257-777a0106fbd9" providerId="ADAL" clId="{CD6A1DE1-ACF9-4B80-94F3-F58CA81605B6}" dt="2024-01-31T09:09:41.621" v="12" actId="2696"/>
-        <pc:sldMkLst>
-          <pc:docMk/>
-          <pc:sldMk cId="287166604" sldId="330"/>
-        </pc:sldMkLst>
-      </pc:sldChg>
-      <pc:sldChg chg="del">
-        <pc:chgData name="Ihor Aleksandrov" userId="c3051032-6b87-4db2-b257-777a0106fbd9" providerId="ADAL" clId="{CD6A1DE1-ACF9-4B80-94F3-F58CA81605B6}" dt="2024-01-31T09:09:41.621" v="12" actId="2696"/>
-        <pc:sldMkLst>
-          <pc:docMk/>
-          <pc:sldMk cId="4118740463" sldId="331"/>
-        </pc:sldMkLst>
-      </pc:sldChg>
-      <pc:sldChg chg="del">
-        <pc:chgData name="Ihor Aleksandrov" userId="c3051032-6b87-4db2-b257-777a0106fbd9" providerId="ADAL" clId="{CD6A1DE1-ACF9-4B80-94F3-F58CA81605B6}" dt="2024-01-31T09:09:41.621" v="12" actId="2696"/>
-        <pc:sldMkLst>
-          <pc:docMk/>
-          <pc:sldMk cId="246431689" sldId="332"/>
-        </pc:sldMkLst>
-      </pc:sldChg>
-      <pc:sldChg chg="del">
-        <pc:chgData name="Ihor Aleksandrov" userId="c3051032-6b87-4db2-b257-777a0106fbd9" providerId="ADAL" clId="{CD6A1DE1-ACF9-4B80-94F3-F58CA81605B6}" dt="2024-01-31T09:09:41.621" v="12" actId="2696"/>
-        <pc:sldMkLst>
-          <pc:docMk/>
-          <pc:sldMk cId="3336478611" sldId="333"/>
-        </pc:sldMkLst>
-      </pc:sldChg>
-      <pc:sldChg chg="del">
-        <pc:chgData name="Ihor Aleksandrov" userId="c3051032-6b87-4db2-b257-777a0106fbd9" providerId="ADAL" clId="{CD6A1DE1-ACF9-4B80-94F3-F58CA81605B6}" dt="2024-01-31T09:09:41.621" v="12" actId="2696"/>
-        <pc:sldMkLst>
-          <pc:docMk/>
-          <pc:sldMk cId="4103443897" sldId="334"/>
-        </pc:sldMkLst>
-      </pc:sldChg>
-      <pc:sldChg chg="del">
-        <pc:chgData name="Ihor Aleksandrov" userId="c3051032-6b87-4db2-b257-777a0106fbd9" providerId="ADAL" clId="{CD6A1DE1-ACF9-4B80-94F3-F58CA81605B6}" dt="2024-01-31T09:09:41.621" v="12" actId="2696"/>
-        <pc:sldMkLst>
-          <pc:docMk/>
-          <pc:sldMk cId="3743280714" sldId="335"/>
-        </pc:sldMkLst>
-      </pc:sldChg>
-      <pc:sldChg chg="del">
-        <pc:chgData name="Ihor Aleksandrov" userId="c3051032-6b87-4db2-b257-777a0106fbd9" providerId="ADAL" clId="{CD6A1DE1-ACF9-4B80-94F3-F58CA81605B6}" dt="2024-01-31T09:09:41.621" v="12" actId="2696"/>
-        <pc:sldMkLst>
-          <pc:docMk/>
-          <pc:sldMk cId="3674171182" sldId="336"/>
-        </pc:sldMkLst>
-      </pc:sldChg>
-      <pc:sldChg chg="del">
-        <pc:chgData name="Ihor Aleksandrov" userId="c3051032-6b87-4db2-b257-777a0106fbd9" providerId="ADAL" clId="{CD6A1DE1-ACF9-4B80-94F3-F58CA81605B6}" dt="2024-01-31T09:09:41.621" v="12" actId="2696"/>
-        <pc:sldMkLst>
-          <pc:docMk/>
-          <pc:sldMk cId="1296882423" sldId="337"/>
-        </pc:sldMkLst>
-      </pc:sldChg>
-      <pc:sldChg chg="del">
-        <pc:chgData name="Ihor Aleksandrov" userId="c3051032-6b87-4db2-b257-777a0106fbd9" providerId="ADAL" clId="{CD6A1DE1-ACF9-4B80-94F3-F58CA81605B6}" dt="2024-01-31T09:09:41.621" v="12" actId="2696"/>
-        <pc:sldMkLst>
-          <pc:docMk/>
-          <pc:sldMk cId="2578212810" sldId="338"/>
-        </pc:sldMkLst>
-      </pc:sldChg>
-      <pc:sldChg chg="del">
-        <pc:chgData name="Ihor Aleksandrov" userId="c3051032-6b87-4db2-b257-777a0106fbd9" providerId="ADAL" clId="{CD6A1DE1-ACF9-4B80-94F3-F58CA81605B6}" dt="2024-01-31T09:09:41.621" v="12" actId="2696"/>
-        <pc:sldMkLst>
-          <pc:docMk/>
-          <pc:sldMk cId="1227530818" sldId="339"/>
-        </pc:sldMkLst>
-      </pc:sldChg>
-      <pc:sldChg chg="del">
-        <pc:chgData name="Ihor Aleksandrov" userId="c3051032-6b87-4db2-b257-777a0106fbd9" providerId="ADAL" clId="{CD6A1DE1-ACF9-4B80-94F3-F58CA81605B6}" dt="2024-01-31T09:09:41.621" v="12" actId="2696"/>
-        <pc:sldMkLst>
-          <pc:docMk/>
-          <pc:sldMk cId="3182037683" sldId="340"/>
-        </pc:sldMkLst>
-      </pc:sldChg>
-      <pc:sldChg chg="del">
-        <pc:chgData name="Ihor Aleksandrov" userId="c3051032-6b87-4db2-b257-777a0106fbd9" providerId="ADAL" clId="{CD6A1DE1-ACF9-4B80-94F3-F58CA81605B6}" dt="2024-01-31T09:09:41.621" v="12" actId="2696"/>
-        <pc:sldMkLst>
-          <pc:docMk/>
-          <pc:sldMk cId="960138513" sldId="341"/>
-        </pc:sldMkLst>
-      </pc:sldChg>
+      <pc:sldChg chg="modSp add mod">
+        <pc:chgData name="Ihor Aleksandrov" userId="c3051032-6b87-4db2-b257-777a0106fbd9" providerId="ADAL" clId="{D05EAF56-C8F0-4612-806C-93E1C27F1929}" dt="2024-01-25T12:08:02.278" v="316"/>
+        <pc:sldMkLst>
+          <pc:docMk/>
+          <pc:sldMk cId="4186553512" sldId="299"/>
+        </pc:sldMkLst>
+        <pc:spChg chg="mod">
+          <ac:chgData name="Ihor Aleksandrov" userId="c3051032-6b87-4db2-b257-777a0106fbd9" providerId="ADAL" clId="{D05EAF56-C8F0-4612-806C-93E1C27F1929}" dt="2024-01-25T12:08:02.278" v="316"/>
+          <ac:spMkLst>
+            <pc:docMk/>
+            <pc:sldMk cId="4186553512" sldId="299"/>
+            <ac:spMk id="2" creationId="{53C5D828-9666-E312-B574-9FE965A7D6BE}"/>
+          </ac:spMkLst>
+        </pc:spChg>
+      </pc:sldChg>
+      <pc:sldChg chg="modSp add mod">
+        <pc:chgData name="Ihor Aleksandrov" userId="c3051032-6b87-4db2-b257-777a0106fbd9" providerId="ADAL" clId="{D05EAF56-C8F0-4612-806C-93E1C27F1929}" dt="2024-01-25T12:09:53.445" v="318"/>
+        <pc:sldMkLst>
+          <pc:docMk/>
+          <pc:sldMk cId="834159653" sldId="300"/>
+        </pc:sldMkLst>
+        <pc:spChg chg="mod">
+          <ac:chgData name="Ihor Aleksandrov" userId="c3051032-6b87-4db2-b257-777a0106fbd9" providerId="ADAL" clId="{D05EAF56-C8F0-4612-806C-93E1C27F1929}" dt="2024-01-25T12:09:53.445" v="318"/>
+          <ac:spMkLst>
+            <pc:docMk/>
+            <pc:sldMk cId="834159653" sldId="300"/>
+            <ac:spMk id="2" creationId="{53C5D828-9666-E312-B574-9FE965A7D6BE}"/>
+          </ac:spMkLst>
+        </pc:spChg>
+      </pc:sldChg>
+      <pc:sldChg chg="modSp add mod">
+        <pc:chgData name="Ihor Aleksandrov" userId="c3051032-6b87-4db2-b257-777a0106fbd9" providerId="ADAL" clId="{D05EAF56-C8F0-4612-806C-93E1C27F1929}" dt="2024-01-25T12:10:57.045" v="321" actId="27636"/>
+        <pc:sldMkLst>
+          <pc:docMk/>
+          <pc:sldMk cId="324410250" sldId="301"/>
+        </pc:sldMkLst>
+        <pc:spChg chg="mod">
+          <ac:chgData name="Ihor Aleksandrov" userId="c3051032-6b87-4db2-b257-777a0106fbd9" providerId="ADAL" clId="{D05EAF56-C8F0-4612-806C-93E1C27F1929}" dt="2024-01-25T12:10:57.045" v="321" actId="27636"/>
+          <ac:spMkLst>
+            <pc:docMk/>
+            <pc:sldMk cId="324410250" sldId="301"/>
+            <ac:spMk id="2" creationId="{53C5D828-9666-E312-B574-9FE965A7D6BE}"/>
+          </ac:spMkLst>
+        </pc:spChg>
+      </pc:sldChg>
+      <pc:sldChg chg="add">
+        <pc:chgData name="Ihor Aleksandrov" userId="c3051032-6b87-4db2-b257-777a0106fbd9" providerId="ADAL" clId="{D05EAF56-C8F0-4612-806C-93E1C27F1929}" dt="2024-01-25T12:18:40.426" v="323"/>
+        <pc:sldMkLst>
+          <pc:docMk/>
+          <pc:sldMk cId="2052164358" sldId="302"/>
+        </pc:sldMkLst>
+      </pc:sldChg>
+      <pc:sldChg chg="add">
+        <pc:chgData name="Ihor Aleksandrov" userId="c3051032-6b87-4db2-b257-777a0106fbd9" providerId="ADAL" clId="{D05EAF56-C8F0-4612-806C-93E1C27F1929}" dt="2024-01-25T12:18:42.706" v="325"/>
+        <pc:sldMkLst>
+          <pc:docMk/>
+          <pc:sldMk cId="2972731808" sldId="303"/>
+        </pc:sldMkLst>
+      </pc:sldChg>
+      <pc:sldMasterChg chg="add addSldLayout">
+        <pc:chgData name="Ihor Aleksandrov" userId="c3051032-6b87-4db2-b257-777a0106fbd9" providerId="ADAL" clId="{D05EAF56-C8F0-4612-806C-93E1C27F1929}" dt="2024-01-25T12:18:42.701" v="324" actId="27028"/>
+        <pc:sldMasterMkLst>
+          <pc:docMk/>
+          <pc:sldMasterMk cId="1185679814" sldId="2147483648"/>
+        </pc:sldMasterMkLst>
+        <pc:sldLayoutChg chg="add">
+          <pc:chgData name="Ihor Aleksandrov" userId="c3051032-6b87-4db2-b257-777a0106fbd9" providerId="ADAL" clId="{D05EAF56-C8F0-4612-806C-93E1C27F1929}" dt="2024-01-25T12:18:40.421" v="322" actId="27028"/>
+          <pc:sldLayoutMkLst>
+            <pc:docMk/>
+            <pc:sldMasterMk cId="1185679814" sldId="2147483648"/>
+            <pc:sldLayoutMk cId="2257280135" sldId="2147483649"/>
+          </pc:sldLayoutMkLst>
+        </pc:sldLayoutChg>
+        <pc:sldLayoutChg chg="add">
+          <pc:chgData name="Ihor Aleksandrov" userId="c3051032-6b87-4db2-b257-777a0106fbd9" providerId="ADAL" clId="{D05EAF56-C8F0-4612-806C-93E1C27F1929}" dt="2024-01-25T12:18:42.701" v="324" actId="27028"/>
+          <pc:sldLayoutMkLst>
+            <pc:docMk/>
+            <pc:sldMasterMk cId="1185679814" sldId="2147483648"/>
+            <pc:sldLayoutMk cId="1044916995" sldId="2147483650"/>
+          </pc:sldLayoutMkLst>
+        </pc:sldLayoutChg>
+      </pc:sldMasterChg>
     </pc:docChg>
   </pc:docChgLst>
 </pc:chgInfo>
@@ -7425,7 +7425,7 @@
           <a:p>
             <a:fld id="{14FB1113-EC1E-4052-ADC3-711A8186C8F9}" type="datetimeFigureOut">
               <a:rPr lang="ru-UA" smtClean="0"/>
-              <a:t>31.01.2024</a:t>
+              <a:t>03.02.2024</a:t>
             </a:fld>
             <a:endParaRPr lang="ru-UA"/>
           </a:p>
@@ -7842,7 +7842,7 @@
           <a:p>
             <a:fld id="{0B8962EF-F649-4BF0-B0CB-D71423952154}" type="datetime1">
               <a:rPr lang="ru-UA" smtClean="0"/>
-              <a:t>31.01.2024</a:t>
+              <a:t>03.02.2024</a:t>
             </a:fld>
             <a:endParaRPr lang="ru-UA"/>
           </a:p>
@@ -8046,7 +8046,7 @@
           <a:p>
             <a:fld id="{52B04991-4203-48C2-B120-290746D8BC41}" type="datetime1">
               <a:rPr lang="ru-UA" smtClean="0"/>
-              <a:t>31.01.2024</a:t>
+              <a:t>03.02.2024</a:t>
             </a:fld>
             <a:endParaRPr lang="ru-UA"/>
           </a:p>
@@ -8260,7 +8260,7 @@
           <a:p>
             <a:fld id="{207AB121-CB86-4DCF-9E3D-2A0553392796}" type="datetime1">
               <a:rPr lang="ru-UA" smtClean="0"/>
-              <a:t>31.01.2024</a:t>
+              <a:t>03.02.2024</a:t>
             </a:fld>
             <a:endParaRPr lang="ru-UA"/>
           </a:p>
@@ -8464,7 +8464,7 @@
           <a:p>
             <a:fld id="{8467C913-2051-48A1-86F2-D1DABB2E6F13}" type="datetime1">
               <a:rPr lang="ru-UA" smtClean="0"/>
-              <a:t>31.01.2024</a:t>
+              <a:t>03.02.2024</a:t>
             </a:fld>
             <a:endParaRPr lang="ru-UA"/>
           </a:p>
@@ -8690,7 +8690,7 @@
           <a:p>
             <a:fld id="{C75B975F-BA21-4E1C-99B6-ABED30F89540}" type="datetime1">
               <a:rPr lang="ru-UA" smtClean="0"/>
-              <a:t>31.01.2024</a:t>
+              <a:t>03.02.2024</a:t>
             </a:fld>
             <a:endParaRPr lang="ru-UA"/>
           </a:p>
@@ -8894,7 +8894,7 @@
           <a:p>
             <a:fld id="{649A85F2-FE43-4F23-9D2D-558360D289A8}" type="datetime1">
               <a:rPr lang="ru-UA" smtClean="0"/>
-              <a:t>31.01.2024</a:t>
+              <a:t>03.02.2024</a:t>
             </a:fld>
             <a:endParaRPr lang="ru-UA"/>
           </a:p>
@@ -9174,7 +9174,7 @@
           <a:p>
             <a:fld id="{3C823F1E-25D4-4C19-9C16-57D27B598CE0}" type="datetime1">
               <a:rPr lang="ru-UA" smtClean="0"/>
-              <a:t>31.01.2024</a:t>
+              <a:t>03.02.2024</a:t>
             </a:fld>
             <a:endParaRPr lang="ru-UA"/>
           </a:p>
@@ -9446,7 +9446,7 @@
           <a:p>
             <a:fld id="{0FCE2DAB-FCC6-443D-91B5-F43A7B78C6B9}" type="datetime1">
               <a:rPr lang="ru-UA" smtClean="0"/>
-              <a:t>31.01.2024</a:t>
+              <a:t>03.02.2024</a:t>
             </a:fld>
             <a:endParaRPr lang="ru-UA"/>
           </a:p>
@@ -9865,7 +9865,7 @@
           <a:p>
             <a:fld id="{B647925C-949E-4C3F-B87F-94A502A4557F}" type="datetime1">
               <a:rPr lang="ru-UA" smtClean="0"/>
-              <a:t>31.01.2024</a:t>
+              <a:t>03.02.2024</a:t>
             </a:fld>
             <a:endParaRPr lang="ru-UA"/>
           </a:p>
@@ -10011,7 +10011,7 @@
           <a:p>
             <a:fld id="{9CE8CD01-0F29-4954-897C-1CC212183DBB}" type="datetime1">
               <a:rPr lang="ru-UA" smtClean="0"/>
-              <a:t>31.01.2024</a:t>
+              <a:t>03.02.2024</a:t>
             </a:fld>
             <a:endParaRPr lang="ru-UA"/>
           </a:p>
@@ -10128,7 +10128,7 @@
           <a:p>
             <a:fld id="{150095DC-0E76-47E5-A99D-2467BE30280E}" type="datetime1">
               <a:rPr lang="ru-UA" smtClean="0"/>
-              <a:t>31.01.2024</a:t>
+              <a:t>03.02.2024</a:t>
             </a:fld>
             <a:endParaRPr lang="ru-UA"/>
           </a:p>
@@ -10445,7 +10445,7 @@
           <a:p>
             <a:fld id="{CC7126BF-809C-4659-95F5-CCF148063973}" type="datetime1">
               <a:rPr lang="ru-UA" smtClean="0"/>
-              <a:t>31.01.2024</a:t>
+              <a:t>03.02.2024</a:t>
             </a:fld>
             <a:endParaRPr lang="ru-UA"/>
           </a:p>
@@ -10738,7 +10738,7 @@
           <a:p>
             <a:fld id="{D2EFC65D-56A3-455E-BFA5-3848A656380B}" type="datetime1">
               <a:rPr lang="ru-UA" smtClean="0"/>
-              <a:t>31.01.2024</a:t>
+              <a:t>03.02.2024</a:t>
             </a:fld>
             <a:endParaRPr lang="ru-UA"/>
           </a:p>
@@ -10985,7 +10985,7 @@
           <a:p>
             <a:fld id="{5E1B79E6-2B08-45F0-89F7-F914E581FDE2}" type="datetime1">
               <a:rPr lang="ru-UA" smtClean="0"/>
-              <a:t>31.01.2024</a:t>
+              <a:t>03.02.2024</a:t>
             </a:fld>
             <a:endParaRPr lang="ru-UA"/>
           </a:p>
@@ -11560,7 +11560,7 @@
           <a:p>
             <a:fld id="{50344D1B-5235-486F-A999-CD74520911B6}" type="datetime1">
               <a:rPr lang="ru-UA" smtClean="0"/>
-              <a:t>31.01.2024</a:t>
+              <a:t>03.02.2024</a:t>
             </a:fld>
             <a:endParaRPr lang="ru-UA"/>
           </a:p>
@@ -12451,52 +12451,36 @@
           </a:p>
         </p:txBody>
       </p:sp>
-      <p:sp>
-        <p:nvSpPr>
-          <p:cNvPr id="4" name="Rectangle 3">
+      <p:pic>
+        <p:nvPicPr>
+          <p:cNvPr id="6" name="Рисунок 5">
             <a:extLst>
               <a:ext uri="{FF2B5EF4-FFF2-40B4-BE49-F238E27FC236}">
-                <a16:creationId xmlns:a16="http://schemas.microsoft.com/office/drawing/2014/main" id="{A7A10FCB-73CC-EC25-5BA2-8A25FEB14B6A}"/>
+                <a16:creationId xmlns:a16="http://schemas.microsoft.com/office/drawing/2014/main" id="{E0657528-C6C6-46D9-BC4E-995548CC1736}"/>
               </a:ext>
             </a:extLst>
           </p:cNvPr>
-          <p:cNvSpPr/>
+          <p:cNvPicPr>
+            <a:picLocks noChangeAspect="1"/>
+          </p:cNvPicPr>
           <p:nvPr/>
-        </p:nvSpPr>
+        </p:nvPicPr>
+        <p:blipFill>
+          <a:blip r:embed="rId2"/>
+          <a:stretch>
+            <a:fillRect/>
+          </a:stretch>
+        </p:blipFill>
         <p:spPr>
           <a:xfrm>
-            <a:off x="6096000" y="1828800"/>
-            <a:ext cx="5043055" cy="2895600"/>
+            <a:off x="4828753" y="1967266"/>
+            <a:ext cx="6039693" cy="2715004"/>
           </a:xfrm>
           <a:prstGeom prst="rect">
             <a:avLst/>
           </a:prstGeom>
         </p:spPr>
-        <p:style>
-          <a:lnRef idx="2">
-            <a:schemeClr val="accent1">
-              <a:shade val="15000"/>
-            </a:schemeClr>
-          </a:lnRef>
-          <a:fillRef idx="1">
-            <a:schemeClr val="accent1"/>
-          </a:fillRef>
-          <a:effectRef idx="0">
-            <a:schemeClr val="accent1"/>
-          </a:effectRef>
-          <a:fontRef idx="minor">
-            <a:schemeClr val="lt1"/>
-          </a:fontRef>
-        </p:style>
-        <p:txBody>
-          <a:bodyPr rtlCol="0" anchor="ctr"/>
-          <a:lstStyle/>
-          <a:p>
-            <a:pPr algn="ctr"/>
-            <a:endParaRPr lang="ru-UA"/>
-          </a:p>
-        </p:txBody>
-      </p:sp>
+      </p:pic>
     </p:spTree>
     <p:extLst>
       <p:ext uri="{BB962C8B-B14F-4D97-AF65-F5344CB8AC3E}">
@@ -12679,52 +12663,36 @@
           </a:p>
         </p:txBody>
       </p:sp>
-      <p:sp>
-        <p:nvSpPr>
-          <p:cNvPr id="4" name="Rectangle 3">
+      <p:pic>
+        <p:nvPicPr>
+          <p:cNvPr id="6" name="Рисунок 5">
             <a:extLst>
               <a:ext uri="{FF2B5EF4-FFF2-40B4-BE49-F238E27FC236}">
-                <a16:creationId xmlns:a16="http://schemas.microsoft.com/office/drawing/2014/main" id="{A7A10FCB-73CC-EC25-5BA2-8A25FEB14B6A}"/>
+                <a16:creationId xmlns:a16="http://schemas.microsoft.com/office/drawing/2014/main" id="{16F16C5C-8774-429E-962C-2695AB6C834A}"/>
               </a:ext>
             </a:extLst>
           </p:cNvPr>
-          <p:cNvSpPr/>
+          <p:cNvPicPr>
+            <a:picLocks noChangeAspect="1"/>
+          </p:cNvPicPr>
           <p:nvPr/>
-        </p:nvSpPr>
+        </p:nvPicPr>
+        <p:blipFill>
+          <a:blip r:embed="rId2"/>
+          <a:stretch>
+            <a:fillRect/>
+          </a:stretch>
+        </p:blipFill>
         <p:spPr>
           <a:xfrm>
-            <a:off x="6096000" y="1828800"/>
-            <a:ext cx="5043055" cy="2895600"/>
+            <a:off x="4831787" y="1635707"/>
+            <a:ext cx="6287377" cy="3210373"/>
           </a:xfrm>
           <a:prstGeom prst="rect">
             <a:avLst/>
           </a:prstGeom>
         </p:spPr>
-        <p:style>
-          <a:lnRef idx="2">
-            <a:schemeClr val="accent1">
-              <a:shade val="15000"/>
-            </a:schemeClr>
-          </a:lnRef>
-          <a:fillRef idx="1">
-            <a:schemeClr val="accent1"/>
-          </a:fillRef>
-          <a:effectRef idx="0">
-            <a:schemeClr val="accent1"/>
-          </a:effectRef>
-          <a:fontRef idx="minor">
-            <a:schemeClr val="lt1"/>
-          </a:fontRef>
-        </p:style>
-        <p:txBody>
-          <a:bodyPr rtlCol="0" anchor="ctr"/>
-          <a:lstStyle/>
-          <a:p>
-            <a:pPr algn="ctr"/>
-            <a:endParaRPr lang="ru-UA"/>
-          </a:p>
-        </p:txBody>
-      </p:sp>
+      </p:pic>
     </p:spTree>
     <p:extLst>
       <p:ext uri="{BB962C8B-B14F-4D97-AF65-F5344CB8AC3E}">
@@ -12907,52 +12875,36 @@
           </a:p>
         </p:txBody>
       </p:sp>
-      <p:sp>
-        <p:nvSpPr>
-          <p:cNvPr id="4" name="Rectangle 3">
+      <p:pic>
+        <p:nvPicPr>
+          <p:cNvPr id="6" name="Рисунок 5">
             <a:extLst>
               <a:ext uri="{FF2B5EF4-FFF2-40B4-BE49-F238E27FC236}">
-                <a16:creationId xmlns:a16="http://schemas.microsoft.com/office/drawing/2014/main" id="{A7A10FCB-73CC-EC25-5BA2-8A25FEB14B6A}"/>
+                <a16:creationId xmlns:a16="http://schemas.microsoft.com/office/drawing/2014/main" id="{6BD439D8-86B5-4418-8D02-B15EEFC96175}"/>
               </a:ext>
             </a:extLst>
           </p:cNvPr>
-          <p:cNvSpPr/>
+          <p:cNvPicPr>
+            <a:picLocks noChangeAspect="1"/>
+          </p:cNvPicPr>
           <p:nvPr/>
-        </p:nvSpPr>
+        </p:nvPicPr>
+        <p:blipFill>
+          <a:blip r:embed="rId2"/>
+          <a:stretch>
+            <a:fillRect/>
+          </a:stretch>
+        </p:blipFill>
         <p:spPr>
           <a:xfrm>
-            <a:off x="6096000" y="1828800"/>
-            <a:ext cx="5043055" cy="2895600"/>
+            <a:off x="5767054" y="2049323"/>
+            <a:ext cx="4772691" cy="2448267"/>
           </a:xfrm>
           <a:prstGeom prst="rect">
             <a:avLst/>
           </a:prstGeom>
         </p:spPr>
-        <p:style>
-          <a:lnRef idx="2">
-            <a:schemeClr val="accent1">
-              <a:shade val="15000"/>
-            </a:schemeClr>
-          </a:lnRef>
-          <a:fillRef idx="1">
-            <a:schemeClr val="accent1"/>
-          </a:fillRef>
-          <a:effectRef idx="0">
-            <a:schemeClr val="accent1"/>
-          </a:effectRef>
-          <a:fontRef idx="minor">
-            <a:schemeClr val="lt1"/>
-          </a:fontRef>
-        </p:style>
-        <p:txBody>
-          <a:bodyPr rtlCol="0" anchor="ctr"/>
-          <a:lstStyle/>
-          <a:p>
-            <a:pPr algn="ctr"/>
-            <a:endParaRPr lang="ru-UA"/>
-          </a:p>
-        </p:txBody>
-      </p:sp>
+      </p:pic>
     </p:spTree>
     <p:extLst>
       <p:ext uri="{BB962C8B-B14F-4D97-AF65-F5344CB8AC3E}">
@@ -13135,52 +13087,36 @@
           </a:p>
         </p:txBody>
       </p:sp>
-      <p:sp>
-        <p:nvSpPr>
-          <p:cNvPr id="4" name="Rectangle 3">
+      <p:pic>
+        <p:nvPicPr>
+          <p:cNvPr id="6" name="Рисунок 5">
             <a:extLst>
               <a:ext uri="{FF2B5EF4-FFF2-40B4-BE49-F238E27FC236}">
-                <a16:creationId xmlns:a16="http://schemas.microsoft.com/office/drawing/2014/main" id="{A7A10FCB-73CC-EC25-5BA2-8A25FEB14B6A}"/>
+                <a16:creationId xmlns:a16="http://schemas.microsoft.com/office/drawing/2014/main" id="{26EB800C-458B-4F5B-8146-184A5A03D7C9}"/>
               </a:ext>
             </a:extLst>
           </p:cNvPr>
-          <p:cNvSpPr/>
+          <p:cNvPicPr>
+            <a:picLocks noChangeAspect="1"/>
+          </p:cNvPicPr>
           <p:nvPr/>
-        </p:nvSpPr>
+        </p:nvPicPr>
+        <p:blipFill>
+          <a:blip r:embed="rId2"/>
+          <a:stretch>
+            <a:fillRect/>
+          </a:stretch>
+        </p:blipFill>
         <p:spPr>
           <a:xfrm>
-            <a:off x="6096000" y="1828800"/>
-            <a:ext cx="5043055" cy="2895600"/>
+            <a:off x="4706464" y="1400815"/>
+            <a:ext cx="6538024" cy="3608458"/>
           </a:xfrm>
           <a:prstGeom prst="rect">
             <a:avLst/>
           </a:prstGeom>
         </p:spPr>
-        <p:style>
-          <a:lnRef idx="2">
-            <a:schemeClr val="accent1">
-              <a:shade val="15000"/>
-            </a:schemeClr>
-          </a:lnRef>
-          <a:fillRef idx="1">
-            <a:schemeClr val="accent1"/>
-          </a:fillRef>
-          <a:effectRef idx="0">
-            <a:schemeClr val="accent1"/>
-          </a:effectRef>
-          <a:fontRef idx="minor">
-            <a:schemeClr val="lt1"/>
-          </a:fontRef>
-        </p:style>
-        <p:txBody>
-          <a:bodyPr rtlCol="0" anchor="ctr"/>
-          <a:lstStyle/>
-          <a:p>
-            <a:pPr algn="ctr"/>
-            <a:endParaRPr lang="ru-UA"/>
-          </a:p>
-        </p:txBody>
-      </p:sp>
+      </p:pic>
     </p:spTree>
     <p:extLst>
       <p:ext uri="{BB962C8B-B14F-4D97-AF65-F5344CB8AC3E}">
@@ -13363,52 +13299,36 @@
           </a:p>
         </p:txBody>
       </p:sp>
-      <p:sp>
-        <p:nvSpPr>
-          <p:cNvPr id="4" name="Rectangle 3">
+      <p:pic>
+        <p:nvPicPr>
+          <p:cNvPr id="6" name="Рисунок 5">
             <a:extLst>
               <a:ext uri="{FF2B5EF4-FFF2-40B4-BE49-F238E27FC236}">
-                <a16:creationId xmlns:a16="http://schemas.microsoft.com/office/drawing/2014/main" id="{A7A10FCB-73CC-EC25-5BA2-8A25FEB14B6A}"/>
+                <a16:creationId xmlns:a16="http://schemas.microsoft.com/office/drawing/2014/main" id="{ABBFC12C-BD63-4AB7-8C04-22853BD39762}"/>
               </a:ext>
             </a:extLst>
           </p:cNvPr>
-          <p:cNvSpPr/>
+          <p:cNvPicPr>
+            <a:picLocks noChangeAspect="1"/>
+          </p:cNvPicPr>
           <p:nvPr/>
-        </p:nvSpPr>
+        </p:nvPicPr>
+        <p:blipFill>
+          <a:blip r:embed="rId2"/>
+          <a:stretch>
+            <a:fillRect/>
+          </a:stretch>
+        </p:blipFill>
         <p:spPr>
           <a:xfrm>
-            <a:off x="6096000" y="1828800"/>
-            <a:ext cx="5043055" cy="2895600"/>
+            <a:off x="4656220" y="2378761"/>
+            <a:ext cx="6401693" cy="1724266"/>
           </a:xfrm>
           <a:prstGeom prst="rect">
             <a:avLst/>
           </a:prstGeom>
         </p:spPr>
-        <p:style>
-          <a:lnRef idx="2">
-            <a:schemeClr val="accent1">
-              <a:shade val="15000"/>
-            </a:schemeClr>
-          </a:lnRef>
-          <a:fillRef idx="1">
-            <a:schemeClr val="accent1"/>
-          </a:fillRef>
-          <a:effectRef idx="0">
-            <a:schemeClr val="accent1"/>
-          </a:effectRef>
-          <a:fontRef idx="minor">
-            <a:schemeClr val="lt1"/>
-          </a:fontRef>
-        </p:style>
-        <p:txBody>
-          <a:bodyPr rtlCol="0" anchor="ctr"/>
-          <a:lstStyle/>
-          <a:p>
-            <a:pPr algn="ctr"/>
-            <a:endParaRPr lang="ru-UA"/>
-          </a:p>
-        </p:txBody>
-      </p:sp>
+      </p:pic>
     </p:spTree>
     <p:extLst>
       <p:ext uri="{BB962C8B-B14F-4D97-AF65-F5344CB8AC3E}">
@@ -13591,52 +13511,36 @@
           </a:p>
         </p:txBody>
       </p:sp>
-      <p:sp>
-        <p:nvSpPr>
-          <p:cNvPr id="4" name="Rectangle 3">
+      <p:pic>
+        <p:nvPicPr>
+          <p:cNvPr id="6" name="Рисунок 5">
             <a:extLst>
               <a:ext uri="{FF2B5EF4-FFF2-40B4-BE49-F238E27FC236}">
-                <a16:creationId xmlns:a16="http://schemas.microsoft.com/office/drawing/2014/main" id="{A7A10FCB-73CC-EC25-5BA2-8A25FEB14B6A}"/>
+                <a16:creationId xmlns:a16="http://schemas.microsoft.com/office/drawing/2014/main" id="{DE3D7D93-43B8-40B0-B4ED-C6FE84C07F6A}"/>
               </a:ext>
             </a:extLst>
           </p:cNvPr>
-          <p:cNvSpPr/>
+          <p:cNvPicPr>
+            <a:picLocks noChangeAspect="1"/>
+          </p:cNvPicPr>
           <p:nvPr/>
-        </p:nvSpPr>
+        </p:nvPicPr>
+        <p:blipFill>
+          <a:blip r:embed="rId2"/>
+          <a:stretch>
+            <a:fillRect/>
+          </a:stretch>
+        </p:blipFill>
         <p:spPr>
           <a:xfrm>
-            <a:off x="6096000" y="1828800"/>
-            <a:ext cx="5043055" cy="2895600"/>
+            <a:off x="4712328" y="2154892"/>
+            <a:ext cx="6154009" cy="2172003"/>
           </a:xfrm>
           <a:prstGeom prst="rect">
             <a:avLst/>
           </a:prstGeom>
         </p:spPr>
-        <p:style>
-          <a:lnRef idx="2">
-            <a:schemeClr val="accent1">
-              <a:shade val="15000"/>
-            </a:schemeClr>
-          </a:lnRef>
-          <a:fillRef idx="1">
-            <a:schemeClr val="accent1"/>
-          </a:fillRef>
-          <a:effectRef idx="0">
-            <a:schemeClr val="accent1"/>
-          </a:effectRef>
-          <a:fontRef idx="minor">
-            <a:schemeClr val="lt1"/>
-          </a:fontRef>
-        </p:style>
-        <p:txBody>
-          <a:bodyPr rtlCol="0" anchor="ctr"/>
-          <a:lstStyle/>
-          <a:p>
-            <a:pPr algn="ctr"/>
-            <a:endParaRPr lang="ru-UA"/>
-          </a:p>
-        </p:txBody>
-      </p:sp>
+      </p:pic>
     </p:spTree>
     <p:extLst>
       <p:ext uri="{BB962C8B-B14F-4D97-AF65-F5344CB8AC3E}">
@@ -13819,52 +13723,36 @@
           </a:p>
         </p:txBody>
       </p:sp>
-      <p:sp>
-        <p:nvSpPr>
-          <p:cNvPr id="4" name="Rectangle 3">
+      <p:pic>
+        <p:nvPicPr>
+          <p:cNvPr id="6" name="Рисунок 5">
             <a:extLst>
               <a:ext uri="{FF2B5EF4-FFF2-40B4-BE49-F238E27FC236}">
-                <a16:creationId xmlns:a16="http://schemas.microsoft.com/office/drawing/2014/main" id="{A7A10FCB-73CC-EC25-5BA2-8A25FEB14B6A}"/>
+                <a16:creationId xmlns:a16="http://schemas.microsoft.com/office/drawing/2014/main" id="{AB1E6F97-8F8E-4517-86EA-C45E045CBD69}"/>
               </a:ext>
             </a:extLst>
           </p:cNvPr>
-          <p:cNvSpPr/>
+          <p:cNvPicPr>
+            <a:picLocks noChangeAspect="1"/>
+          </p:cNvPicPr>
           <p:nvPr/>
-        </p:nvSpPr>
+        </p:nvPicPr>
+        <p:blipFill>
+          <a:blip r:embed="rId2"/>
+          <a:stretch>
+            <a:fillRect/>
+          </a:stretch>
+        </p:blipFill>
         <p:spPr>
           <a:xfrm>
-            <a:off x="6096000" y="1828800"/>
-            <a:ext cx="5043055" cy="2895600"/>
+            <a:off x="5852791" y="2113888"/>
+            <a:ext cx="4601217" cy="2400635"/>
           </a:xfrm>
           <a:prstGeom prst="rect">
             <a:avLst/>
           </a:prstGeom>
         </p:spPr>
-        <p:style>
-          <a:lnRef idx="2">
-            <a:schemeClr val="accent1">
-              <a:shade val="15000"/>
-            </a:schemeClr>
-          </a:lnRef>
-          <a:fillRef idx="1">
-            <a:schemeClr val="accent1"/>
-          </a:fillRef>
-          <a:effectRef idx="0">
-            <a:schemeClr val="accent1"/>
-          </a:effectRef>
-          <a:fontRef idx="minor">
-            <a:schemeClr val="lt1"/>
-          </a:fontRef>
-        </p:style>
-        <p:txBody>
-          <a:bodyPr rtlCol="0" anchor="ctr"/>
-          <a:lstStyle/>
-          <a:p>
-            <a:pPr algn="ctr"/>
-            <a:endParaRPr lang="ru-UA"/>
-          </a:p>
-        </p:txBody>
-      </p:sp>
+      </p:pic>
     </p:spTree>
     <p:extLst>
       <p:ext uri="{BB962C8B-B14F-4D97-AF65-F5344CB8AC3E}">
@@ -14047,52 +13935,36 @@
           </a:p>
         </p:txBody>
       </p:sp>
-      <p:sp>
-        <p:nvSpPr>
-          <p:cNvPr id="4" name="Rectangle 3">
+      <p:pic>
+        <p:nvPicPr>
+          <p:cNvPr id="6" name="Рисунок 5">
             <a:extLst>
               <a:ext uri="{FF2B5EF4-FFF2-40B4-BE49-F238E27FC236}">
-                <a16:creationId xmlns:a16="http://schemas.microsoft.com/office/drawing/2014/main" id="{A7A10FCB-73CC-EC25-5BA2-8A25FEB14B6A}"/>
+                <a16:creationId xmlns:a16="http://schemas.microsoft.com/office/drawing/2014/main" id="{B69FACC2-E3FF-4004-AD84-ED0E463BB64C}"/>
               </a:ext>
             </a:extLst>
           </p:cNvPr>
-          <p:cNvSpPr/>
+          <p:cNvPicPr>
+            <a:picLocks noChangeAspect="1"/>
+          </p:cNvPicPr>
           <p:nvPr/>
-        </p:nvSpPr>
+        </p:nvPicPr>
+        <p:blipFill>
+          <a:blip r:embed="rId2"/>
+          <a:stretch>
+            <a:fillRect/>
+          </a:stretch>
+        </p:blipFill>
         <p:spPr>
           <a:xfrm>
-            <a:off x="6096000" y="1828800"/>
-            <a:ext cx="5043055" cy="2895600"/>
+            <a:off x="4820716" y="1901750"/>
+            <a:ext cx="6058952" cy="2678288"/>
           </a:xfrm>
           <a:prstGeom prst="rect">
             <a:avLst/>
           </a:prstGeom>
         </p:spPr>
-        <p:style>
-          <a:lnRef idx="2">
-            <a:schemeClr val="accent1">
-              <a:shade val="15000"/>
-            </a:schemeClr>
-          </a:lnRef>
-          <a:fillRef idx="1">
-            <a:schemeClr val="accent1"/>
-          </a:fillRef>
-          <a:effectRef idx="0">
-            <a:schemeClr val="accent1"/>
-          </a:effectRef>
-          <a:fontRef idx="minor">
-            <a:schemeClr val="lt1"/>
-          </a:fontRef>
-        </p:style>
-        <p:txBody>
-          <a:bodyPr rtlCol="0" anchor="ctr"/>
-          <a:lstStyle/>
-          <a:p>
-            <a:pPr algn="ctr"/>
-            <a:endParaRPr lang="ru-UA"/>
-          </a:p>
-        </p:txBody>
-      </p:sp>
+      </p:pic>
     </p:spTree>
     <p:extLst>
       <p:ext uri="{BB962C8B-B14F-4D97-AF65-F5344CB8AC3E}">
@@ -14275,52 +14147,36 @@
           </a:p>
         </p:txBody>
       </p:sp>
-      <p:sp>
-        <p:nvSpPr>
-          <p:cNvPr id="4" name="Rectangle 3">
+      <p:pic>
+        <p:nvPicPr>
+          <p:cNvPr id="5" name="Рисунок 4">
             <a:extLst>
               <a:ext uri="{FF2B5EF4-FFF2-40B4-BE49-F238E27FC236}">
-                <a16:creationId xmlns:a16="http://schemas.microsoft.com/office/drawing/2014/main" id="{A7A10FCB-73CC-EC25-5BA2-8A25FEB14B6A}"/>
+                <a16:creationId xmlns:a16="http://schemas.microsoft.com/office/drawing/2014/main" id="{A065E73D-7090-4B6C-8393-D4C2F77A6430}"/>
               </a:ext>
             </a:extLst>
           </p:cNvPr>
-          <p:cNvSpPr/>
+          <p:cNvPicPr>
+            <a:picLocks noChangeAspect="1"/>
+          </p:cNvPicPr>
           <p:nvPr/>
-        </p:nvSpPr>
+        </p:nvPicPr>
+        <p:blipFill>
+          <a:blip r:embed="rId2"/>
+          <a:stretch>
+            <a:fillRect/>
+          </a:stretch>
+        </p:blipFill>
         <p:spPr>
           <a:xfrm>
-            <a:off x="6096000" y="1828800"/>
-            <a:ext cx="5043055" cy="2895600"/>
+            <a:off x="5516033" y="1684868"/>
+            <a:ext cx="5860141" cy="3076574"/>
           </a:xfrm>
           <a:prstGeom prst="rect">
             <a:avLst/>
           </a:prstGeom>
         </p:spPr>
-        <p:style>
-          <a:lnRef idx="2">
-            <a:schemeClr val="accent1">
-              <a:shade val="15000"/>
-            </a:schemeClr>
-          </a:lnRef>
-          <a:fillRef idx="1">
-            <a:schemeClr val="accent1"/>
-          </a:fillRef>
-          <a:effectRef idx="0">
-            <a:schemeClr val="accent1"/>
-          </a:effectRef>
-          <a:fontRef idx="minor">
-            <a:schemeClr val="lt1"/>
-          </a:fontRef>
-        </p:style>
-        <p:txBody>
-          <a:bodyPr rtlCol="0" anchor="ctr"/>
-          <a:lstStyle/>
-          <a:p>
-            <a:pPr algn="ctr"/>
-            <a:endParaRPr lang="ru-UA"/>
-          </a:p>
-        </p:txBody>
-      </p:sp>
+      </p:pic>
     </p:spTree>
     <p:extLst>
       <p:ext uri="{BB962C8B-B14F-4D97-AF65-F5344CB8AC3E}">
@@ -15978,52 +15834,36 @@
           </a:p>
         </p:txBody>
       </p:sp>
-      <p:sp>
-        <p:nvSpPr>
-          <p:cNvPr id="4" name="Rectangle 3">
+      <p:pic>
+        <p:nvPicPr>
+          <p:cNvPr id="5" name="Рисунок 4">
             <a:extLst>
               <a:ext uri="{FF2B5EF4-FFF2-40B4-BE49-F238E27FC236}">
-                <a16:creationId xmlns:a16="http://schemas.microsoft.com/office/drawing/2014/main" id="{03542100-9D21-41B2-EBC8-F5312B69ACDA}"/>
+                <a16:creationId xmlns:a16="http://schemas.microsoft.com/office/drawing/2014/main" id="{BA2F70EA-1538-405B-96CF-DA08FD6F2D13}"/>
               </a:ext>
             </a:extLst>
           </p:cNvPr>
-          <p:cNvSpPr/>
+          <p:cNvPicPr>
+            <a:picLocks noChangeAspect="1"/>
+          </p:cNvPicPr>
           <p:nvPr/>
-        </p:nvSpPr>
+        </p:nvPicPr>
+        <p:blipFill>
+          <a:blip r:embed="rId2"/>
+          <a:stretch>
+            <a:fillRect/>
+          </a:stretch>
+        </p:blipFill>
         <p:spPr>
           <a:xfrm>
-            <a:off x="5777345" y="1967266"/>
-            <a:ext cx="5084619" cy="2940503"/>
+            <a:off x="5711825" y="1524399"/>
+            <a:ext cx="3982508" cy="3383370"/>
           </a:xfrm>
           <a:prstGeom prst="rect">
             <a:avLst/>
           </a:prstGeom>
         </p:spPr>
-        <p:style>
-          <a:lnRef idx="2">
-            <a:schemeClr val="accent1">
-              <a:shade val="15000"/>
-            </a:schemeClr>
-          </a:lnRef>
-          <a:fillRef idx="1">
-            <a:schemeClr val="accent1"/>
-          </a:fillRef>
-          <a:effectRef idx="0">
-            <a:schemeClr val="accent1"/>
-          </a:effectRef>
-          <a:fontRef idx="minor">
-            <a:schemeClr val="lt1"/>
-          </a:fontRef>
-        </p:style>
-        <p:txBody>
-          <a:bodyPr rtlCol="0" anchor="ctr"/>
-          <a:lstStyle/>
-          <a:p>
-            <a:pPr algn="ctr"/>
-            <a:endParaRPr lang="ru-UA"/>
-          </a:p>
-        </p:txBody>
-      </p:sp>
+      </p:pic>
     </p:spTree>
     <p:extLst>
       <p:ext uri="{BB962C8B-B14F-4D97-AF65-F5344CB8AC3E}">
@@ -16206,52 +16046,53 @@
           </a:p>
         </p:txBody>
       </p:sp>
-      <p:sp>
-        <p:nvSpPr>
-          <p:cNvPr id="4" name="Rectangle 3">
+      <p:pic>
+        <p:nvPicPr>
+          <p:cNvPr id="3074" name="Picture 2" descr="Інструмент автоматизації Ansible - його встановлення та налаштування —  Хостинг-компанія FREEhost.UA">
             <a:extLst>
               <a:ext uri="{FF2B5EF4-FFF2-40B4-BE49-F238E27FC236}">
-                <a16:creationId xmlns:a16="http://schemas.microsoft.com/office/drawing/2014/main" id="{03542100-9D21-41B2-EBC8-F5312B69ACDA}"/>
+                <a16:creationId xmlns:a16="http://schemas.microsoft.com/office/drawing/2014/main" id="{681CB2FB-3567-4762-91BC-B9337E2B34CB}"/>
               </a:ext>
             </a:extLst>
           </p:cNvPr>
-          <p:cNvSpPr/>
+          <p:cNvPicPr>
+            <a:picLocks noChangeAspect="1" noChangeArrowheads="1"/>
+          </p:cNvPicPr>
           <p:nvPr/>
-        </p:nvSpPr>
-        <p:spPr>
+        </p:nvPicPr>
+        <p:blipFill>
+          <a:blip r:embed="rId2">
+            <a:extLst>
+              <a:ext uri="{28A0092B-C50C-407E-A947-70E740481C1C}">
+                <a14:useLocalDpi xmlns:a14="http://schemas.microsoft.com/office/drawing/2010/main" val="0"/>
+              </a:ext>
+            </a:extLst>
+          </a:blip>
+          <a:srcRect/>
+          <a:stretch>
+            <a:fillRect/>
+          </a:stretch>
+        </p:blipFill>
+        <p:spPr bwMode="auto">
           <a:xfrm>
-            <a:off x="5777345" y="1967266"/>
-            <a:ext cx="5084619" cy="2940503"/>
+            <a:off x="5734050" y="1822640"/>
+            <a:ext cx="4245428" cy="2547257"/>
           </a:xfrm>
           <a:prstGeom prst="rect">
             <a:avLst/>
           </a:prstGeom>
+          <a:noFill/>
+          <a:extLst>
+            <a:ext uri="{909E8E84-426E-40DD-AFC4-6F175D3DCCD1}">
+              <a14:hiddenFill xmlns:a14="http://schemas.microsoft.com/office/drawing/2010/main">
+                <a:solidFill>
+                  <a:srgbClr val="FFFFFF"/>
+                </a:solidFill>
+              </a14:hiddenFill>
+            </a:ext>
+          </a:extLst>
         </p:spPr>
-        <p:style>
-          <a:lnRef idx="2">
-            <a:schemeClr val="accent1">
-              <a:shade val="15000"/>
-            </a:schemeClr>
-          </a:lnRef>
-          <a:fillRef idx="1">
-            <a:schemeClr val="accent1"/>
-          </a:fillRef>
-          <a:effectRef idx="0">
-            <a:schemeClr val="accent1"/>
-          </a:effectRef>
-          <a:fontRef idx="minor">
-            <a:schemeClr val="lt1"/>
-          </a:fontRef>
-        </p:style>
-        <p:txBody>
-          <a:bodyPr rtlCol="0" anchor="ctr"/>
-          <a:lstStyle/>
-          <a:p>
-            <a:pPr algn="ctr"/>
-            <a:endParaRPr lang="ru-UA"/>
-          </a:p>
-        </p:txBody>
-      </p:sp>
+      </p:pic>
     </p:spTree>
     <p:extLst>
       <p:ext uri="{BB962C8B-B14F-4D97-AF65-F5344CB8AC3E}">
@@ -17329,52 +17170,36 @@
           </a:p>
         </p:txBody>
       </p:sp>
-      <p:sp>
-        <p:nvSpPr>
-          <p:cNvPr id="4" name="Rectangle 3">
+      <p:pic>
+        <p:nvPicPr>
+          <p:cNvPr id="6" name="Рисунок 5">
             <a:extLst>
               <a:ext uri="{FF2B5EF4-FFF2-40B4-BE49-F238E27FC236}">
-                <a16:creationId xmlns:a16="http://schemas.microsoft.com/office/drawing/2014/main" id="{A7A10FCB-73CC-EC25-5BA2-8A25FEB14B6A}"/>
+                <a16:creationId xmlns:a16="http://schemas.microsoft.com/office/drawing/2014/main" id="{42810850-2B3C-4600-88E3-A28AA5ADD807}"/>
               </a:ext>
             </a:extLst>
           </p:cNvPr>
-          <p:cNvSpPr/>
+          <p:cNvPicPr>
+            <a:picLocks noChangeAspect="1"/>
+          </p:cNvPicPr>
           <p:nvPr/>
-        </p:nvSpPr>
+        </p:nvPicPr>
+        <p:blipFill>
+          <a:blip r:embed="rId2"/>
+          <a:stretch>
+            <a:fillRect/>
+          </a:stretch>
+        </p:blipFill>
         <p:spPr>
           <a:xfrm>
-            <a:off x="6096000" y="1828800"/>
-            <a:ext cx="5043055" cy="2895600"/>
+            <a:off x="5587178" y="933101"/>
+            <a:ext cx="4201111" cy="4991797"/>
           </a:xfrm>
           <a:prstGeom prst="rect">
             <a:avLst/>
           </a:prstGeom>
         </p:spPr>
-        <p:style>
-          <a:lnRef idx="2">
-            <a:schemeClr val="accent1">
-              <a:shade val="15000"/>
-            </a:schemeClr>
-          </a:lnRef>
-          <a:fillRef idx="1">
-            <a:schemeClr val="accent1"/>
-          </a:fillRef>
-          <a:effectRef idx="0">
-            <a:schemeClr val="accent1"/>
-          </a:effectRef>
-          <a:fontRef idx="minor">
-            <a:schemeClr val="lt1"/>
-          </a:fontRef>
-        </p:style>
-        <p:txBody>
-          <a:bodyPr rtlCol="0" anchor="ctr"/>
-          <a:lstStyle/>
-          <a:p>
-            <a:pPr algn="ctr"/>
-            <a:endParaRPr lang="ru-UA"/>
-          </a:p>
-        </p:txBody>
-      </p:sp>
+      </p:pic>
     </p:spTree>
     <p:extLst>
       <p:ext uri="{BB962C8B-B14F-4D97-AF65-F5344CB8AC3E}">
@@ -17557,52 +17382,36 @@
           </a:p>
         </p:txBody>
       </p:sp>
-      <p:sp>
-        <p:nvSpPr>
-          <p:cNvPr id="4" name="Rectangle 3">
+      <p:pic>
+        <p:nvPicPr>
+          <p:cNvPr id="5" name="Рисунок 4">
             <a:extLst>
               <a:ext uri="{FF2B5EF4-FFF2-40B4-BE49-F238E27FC236}">
-                <a16:creationId xmlns:a16="http://schemas.microsoft.com/office/drawing/2014/main" id="{A7A10FCB-73CC-EC25-5BA2-8A25FEB14B6A}"/>
+                <a16:creationId xmlns:a16="http://schemas.microsoft.com/office/drawing/2014/main" id="{D192DAD9-1811-4688-AB19-65B0D873E8A5}"/>
               </a:ext>
             </a:extLst>
           </p:cNvPr>
-          <p:cNvSpPr/>
+          <p:cNvPicPr>
+            <a:picLocks noChangeAspect="1"/>
+          </p:cNvPicPr>
           <p:nvPr/>
-        </p:nvSpPr>
+        </p:nvPicPr>
+        <p:blipFill>
+          <a:blip r:embed="rId2"/>
+          <a:stretch>
+            <a:fillRect/>
+          </a:stretch>
+        </p:blipFill>
         <p:spPr>
           <a:xfrm>
-            <a:off x="6096000" y="1828800"/>
-            <a:ext cx="5043055" cy="2895600"/>
+            <a:off x="4969933" y="1574019"/>
+            <a:ext cx="5730992" cy="3223683"/>
           </a:xfrm>
           <a:prstGeom prst="rect">
             <a:avLst/>
           </a:prstGeom>
         </p:spPr>
-        <p:style>
-          <a:lnRef idx="2">
-            <a:schemeClr val="accent1">
-              <a:shade val="15000"/>
-            </a:schemeClr>
-          </a:lnRef>
-          <a:fillRef idx="1">
-            <a:schemeClr val="accent1"/>
-          </a:fillRef>
-          <a:effectRef idx="0">
-            <a:schemeClr val="accent1"/>
-          </a:effectRef>
-          <a:fontRef idx="minor">
-            <a:schemeClr val="lt1"/>
-          </a:fontRef>
-        </p:style>
-        <p:txBody>
-          <a:bodyPr rtlCol="0" anchor="ctr"/>
-          <a:lstStyle/>
-          <a:p>
-            <a:pPr algn="ctr"/>
-            <a:endParaRPr lang="ru-UA"/>
-          </a:p>
-        </p:txBody>
-      </p:sp>
+      </p:pic>
     </p:spTree>
     <p:extLst>
       <p:ext uri="{BB962C8B-B14F-4D97-AF65-F5344CB8AC3E}">
@@ -17785,52 +17594,36 @@
           </a:p>
         </p:txBody>
       </p:sp>
-      <p:sp>
-        <p:nvSpPr>
-          <p:cNvPr id="4" name="Rectangle 3">
+      <p:pic>
+        <p:nvPicPr>
+          <p:cNvPr id="5" name="Рисунок 4">
             <a:extLst>
               <a:ext uri="{FF2B5EF4-FFF2-40B4-BE49-F238E27FC236}">
-                <a16:creationId xmlns:a16="http://schemas.microsoft.com/office/drawing/2014/main" id="{A7A10FCB-73CC-EC25-5BA2-8A25FEB14B6A}"/>
+                <a16:creationId xmlns:a16="http://schemas.microsoft.com/office/drawing/2014/main" id="{FE944FD5-7795-41F5-93D0-D14EBA0E844D}"/>
               </a:ext>
             </a:extLst>
           </p:cNvPr>
-          <p:cNvSpPr/>
+          <p:cNvPicPr>
+            <a:picLocks noChangeAspect="1"/>
+          </p:cNvPicPr>
           <p:nvPr/>
-        </p:nvSpPr>
+        </p:nvPicPr>
+        <p:blipFill>
+          <a:blip r:embed="rId2"/>
+          <a:stretch>
+            <a:fillRect/>
+          </a:stretch>
+        </p:blipFill>
         <p:spPr>
           <a:xfrm>
-            <a:off x="6096000" y="1828800"/>
-            <a:ext cx="5043055" cy="2895600"/>
+            <a:off x="4641726" y="1463675"/>
+            <a:ext cx="6667500" cy="3676650"/>
           </a:xfrm>
           <a:prstGeom prst="rect">
             <a:avLst/>
           </a:prstGeom>
         </p:spPr>
-        <p:style>
-          <a:lnRef idx="2">
-            <a:schemeClr val="accent1">
-              <a:shade val="15000"/>
-            </a:schemeClr>
-          </a:lnRef>
-          <a:fillRef idx="1">
-            <a:schemeClr val="accent1"/>
-          </a:fillRef>
-          <a:effectRef idx="0">
-            <a:schemeClr val="accent1"/>
-          </a:effectRef>
-          <a:fontRef idx="minor">
-            <a:schemeClr val="lt1"/>
-          </a:fontRef>
-        </p:style>
-        <p:txBody>
-          <a:bodyPr rtlCol="0" anchor="ctr"/>
-          <a:lstStyle/>
-          <a:p>
-            <a:pPr algn="ctr"/>
-            <a:endParaRPr lang="ru-UA"/>
-          </a:p>
-        </p:txBody>
-      </p:sp>
+      </p:pic>
     </p:spTree>
     <p:extLst>
       <p:ext uri="{BB962C8B-B14F-4D97-AF65-F5344CB8AC3E}">

--- a/Step05-Infrastructure_as_a_Code_presentation.pptx
+++ b/Step05-Infrastructure_as_a_Code_presentation.pptx
@@ -7840,7 +7840,7 @@
           <a:bodyPr/>
           <a:lstStyle/>
           <a:p>
-            <a:fld id="{0B8962EF-F649-4BF0-B0CB-D71423952154}" type="datetime1">
+            <a:fld id="{E0D26357-D419-43BA-ADD3-B2757463DC7B}" type="datetime1">
               <a:rPr lang="ru-UA" smtClean="0"/>
               <a:t>03.02.2024</a:t>
             </a:fld>
@@ -7871,7 +7871,7 @@
           <a:p>
             <a:r>
               <a:rPr lang="es-ES"/>
-              <a:t>Step 1 - Model - ver. 1</a:t>
+              <a:t>Step 5. Infrastructure as a Code - ver. 1</a:t>
             </a:r>
             <a:endParaRPr lang="ru-UA"/>
           </a:p>
@@ -8044,7 +8044,7 @@
           <a:bodyPr/>
           <a:lstStyle/>
           <a:p>
-            <a:fld id="{52B04991-4203-48C2-B120-290746D8BC41}" type="datetime1">
+            <a:fld id="{0F169305-C9B4-4FEB-BAFA-A2E48E726625}" type="datetime1">
               <a:rPr lang="ru-UA" smtClean="0"/>
               <a:t>03.02.2024</a:t>
             </a:fld>
@@ -8075,7 +8075,7 @@
           <a:p>
             <a:r>
               <a:rPr lang="es-ES"/>
-              <a:t>Step 1 - Model - ver. 1</a:t>
+              <a:t>Step 5. Infrastructure as a Code - ver. 1</a:t>
             </a:r>
             <a:endParaRPr lang="ru-UA"/>
           </a:p>
@@ -8258,7 +8258,7 @@
           <a:bodyPr/>
           <a:lstStyle/>
           <a:p>
-            <a:fld id="{207AB121-CB86-4DCF-9E3D-2A0553392796}" type="datetime1">
+            <a:fld id="{F254BADE-5503-4551-95CE-9C596E3AC349}" type="datetime1">
               <a:rPr lang="ru-UA" smtClean="0"/>
               <a:t>03.02.2024</a:t>
             </a:fld>
@@ -8289,7 +8289,7 @@
           <a:p>
             <a:r>
               <a:rPr lang="es-ES"/>
-              <a:t>Step 1 - Model - ver. 1</a:t>
+              <a:t>Step 5. Infrastructure as a Code - ver. 1</a:t>
             </a:r>
             <a:endParaRPr lang="ru-UA"/>
           </a:p>
@@ -8462,7 +8462,7 @@
           <a:bodyPr/>
           <a:lstStyle/>
           <a:p>
-            <a:fld id="{8467C913-2051-48A1-86F2-D1DABB2E6F13}" type="datetime1">
+            <a:fld id="{33814BF5-EBC8-4925-84C9-E4F290D758E4}" type="datetime1">
               <a:rPr lang="ru-UA" smtClean="0"/>
               <a:t>03.02.2024</a:t>
             </a:fld>
@@ -8493,7 +8493,7 @@
           <a:p>
             <a:r>
               <a:rPr lang="es-ES"/>
-              <a:t>Step 1 - Model - ver. 1</a:t>
+              <a:t>Step 5. Infrastructure as a Code - ver. 1</a:t>
             </a:r>
             <a:endParaRPr lang="ru-UA"/>
           </a:p>
@@ -8688,7 +8688,7 @@
           <a:bodyPr/>
           <a:lstStyle/>
           <a:p>
-            <a:fld id="{C75B975F-BA21-4E1C-99B6-ABED30F89540}" type="datetime1">
+            <a:fld id="{8F2EE396-7ED3-4EE8-B892-0C3C9C96FE1C}" type="datetime1">
               <a:rPr lang="ru-UA" smtClean="0"/>
               <a:t>03.02.2024</a:t>
             </a:fld>
@@ -8719,7 +8719,7 @@
           <a:p>
             <a:r>
               <a:rPr lang="es-ES"/>
-              <a:t>Step 1 - Model - ver. 1</a:t>
+              <a:t>Step 5. Infrastructure as a Code - ver. 1</a:t>
             </a:r>
             <a:endParaRPr lang="ru-UA"/>
           </a:p>
@@ -8892,7 +8892,7 @@
           <a:bodyPr/>
           <a:lstStyle/>
           <a:p>
-            <a:fld id="{649A85F2-FE43-4F23-9D2D-558360D289A8}" type="datetime1">
+            <a:fld id="{01CBEE5E-0659-4CB4-A367-41D4D85A25BD}" type="datetime1">
               <a:rPr lang="ru-UA" smtClean="0"/>
               <a:t>03.02.2024</a:t>
             </a:fld>
@@ -8923,7 +8923,7 @@
           <a:p>
             <a:r>
               <a:rPr lang="es-ES"/>
-              <a:t>Step 1 - Model - ver. 1</a:t>
+              <a:t>Step 5. Infrastructure as a Code - ver. 1</a:t>
             </a:r>
             <a:endParaRPr lang="ru-UA"/>
           </a:p>
@@ -9172,7 +9172,7 @@
           <a:bodyPr/>
           <a:lstStyle/>
           <a:p>
-            <a:fld id="{3C823F1E-25D4-4C19-9C16-57D27B598CE0}" type="datetime1">
+            <a:fld id="{27427A1A-D24C-40A8-B4E4-DF295B3894B3}" type="datetime1">
               <a:rPr lang="ru-UA" smtClean="0"/>
               <a:t>03.02.2024</a:t>
             </a:fld>
@@ -9203,7 +9203,7 @@
           <a:p>
             <a:r>
               <a:rPr lang="es-ES"/>
-              <a:t>Step 1 - Model - ver. 1</a:t>
+              <a:t>Step 5. Infrastructure as a Code - ver. 1</a:t>
             </a:r>
             <a:endParaRPr lang="ru-UA"/>
           </a:p>
@@ -9444,7 +9444,7 @@
           <a:bodyPr/>
           <a:lstStyle/>
           <a:p>
-            <a:fld id="{0FCE2DAB-FCC6-443D-91B5-F43A7B78C6B9}" type="datetime1">
+            <a:fld id="{4AA50864-86EE-4112-A8FC-2861E0439497}" type="datetime1">
               <a:rPr lang="ru-UA" smtClean="0"/>
               <a:t>03.02.2024</a:t>
             </a:fld>
@@ -9475,7 +9475,7 @@
           <a:p>
             <a:r>
               <a:rPr lang="es-ES"/>
-              <a:t>Step 1 - Model - ver. 1</a:t>
+              <a:t>Step 5. Infrastructure as a Code - ver. 1</a:t>
             </a:r>
             <a:endParaRPr lang="ru-UA"/>
           </a:p>
@@ -9863,7 +9863,7 @@
           <a:bodyPr/>
           <a:lstStyle/>
           <a:p>
-            <a:fld id="{B647925C-949E-4C3F-B87F-94A502A4557F}" type="datetime1">
+            <a:fld id="{023394B9-F4C7-4C1C-BDEB-BD75B21AFE2A}" type="datetime1">
               <a:rPr lang="ru-UA" smtClean="0"/>
               <a:t>03.02.2024</a:t>
             </a:fld>
@@ -9894,7 +9894,7 @@
           <a:p>
             <a:r>
               <a:rPr lang="es-ES"/>
-              <a:t>Step 1 - Model - ver. 1</a:t>
+              <a:t>Step 5. Infrastructure as a Code - ver. 1</a:t>
             </a:r>
             <a:endParaRPr lang="ru-UA"/>
           </a:p>
@@ -10009,7 +10009,7 @@
           <a:bodyPr/>
           <a:lstStyle/>
           <a:p>
-            <a:fld id="{9CE8CD01-0F29-4954-897C-1CC212183DBB}" type="datetime1">
+            <a:fld id="{5048D38B-F341-4A69-9069-1B804D7E1EA2}" type="datetime1">
               <a:rPr lang="ru-UA" smtClean="0"/>
               <a:t>03.02.2024</a:t>
             </a:fld>
@@ -10040,7 +10040,7 @@
           <a:p>
             <a:r>
               <a:rPr lang="es-ES"/>
-              <a:t>Step 1 - Model - ver. 1</a:t>
+              <a:t>Step 5. Infrastructure as a Code - ver. 1</a:t>
             </a:r>
             <a:endParaRPr lang="ru-UA"/>
           </a:p>
@@ -10126,7 +10126,7 @@
           <a:bodyPr/>
           <a:lstStyle/>
           <a:p>
-            <a:fld id="{150095DC-0E76-47E5-A99D-2467BE30280E}" type="datetime1">
+            <a:fld id="{8CE681F4-9664-4097-ABEB-4A429EE149A0}" type="datetime1">
               <a:rPr lang="ru-UA" smtClean="0"/>
               <a:t>03.02.2024</a:t>
             </a:fld>
@@ -10157,7 +10157,7 @@
           <a:p>
             <a:r>
               <a:rPr lang="es-ES"/>
-              <a:t>Step 1 - Model - ver. 1</a:t>
+              <a:t>Step 5. Infrastructure as a Code - ver. 1</a:t>
             </a:r>
             <a:endParaRPr lang="ru-UA"/>
           </a:p>
@@ -10443,7 +10443,7 @@
           <a:bodyPr/>
           <a:lstStyle/>
           <a:p>
-            <a:fld id="{CC7126BF-809C-4659-95F5-CCF148063973}" type="datetime1">
+            <a:fld id="{9F5ED7C2-3ADE-4010-AD45-2832E7C4716E}" type="datetime1">
               <a:rPr lang="ru-UA" smtClean="0"/>
               <a:t>03.02.2024</a:t>
             </a:fld>
@@ -10474,7 +10474,7 @@
           <a:p>
             <a:r>
               <a:rPr lang="es-ES"/>
-              <a:t>Step 1 - Model - ver. 1</a:t>
+              <a:t>Step 5. Infrastructure as a Code - ver. 1</a:t>
             </a:r>
             <a:endParaRPr lang="ru-UA"/>
           </a:p>
@@ -10736,7 +10736,7 @@
           <a:bodyPr/>
           <a:lstStyle/>
           <a:p>
-            <a:fld id="{D2EFC65D-56A3-455E-BFA5-3848A656380B}" type="datetime1">
+            <a:fld id="{A524DA87-03E2-4918-90EE-30F700691340}" type="datetime1">
               <a:rPr lang="ru-UA" smtClean="0"/>
               <a:t>03.02.2024</a:t>
             </a:fld>
@@ -10767,7 +10767,7 @@
           <a:p>
             <a:r>
               <a:rPr lang="es-ES"/>
-              <a:t>Step 1 - Model - ver. 1</a:t>
+              <a:t>Step 5. Infrastructure as a Code - ver. 1</a:t>
             </a:r>
             <a:endParaRPr lang="ru-UA"/>
           </a:p>
@@ -10983,7 +10983,7 @@
             </a:lvl1pPr>
           </a:lstStyle>
           <a:p>
-            <a:fld id="{5E1B79E6-2B08-45F0-89F7-F914E581FDE2}" type="datetime1">
+            <a:fld id="{85C20A39-E44B-4379-AC8D-EBF2BCE1F5FE}" type="datetime1">
               <a:rPr lang="ru-UA" smtClean="0"/>
               <a:t>03.02.2024</a:t>
             </a:fld>
@@ -11032,7 +11032,7 @@
           <a:p>
             <a:r>
               <a:rPr lang="es-ES"/>
-              <a:t>Step 1 - Model - ver. 1</a:t>
+              <a:t>Step 5. Infrastructure as a Code - ver. 1</a:t>
             </a:r>
             <a:endParaRPr lang="ru-UA"/>
           </a:p>
@@ -11558,7 +11558,7 @@
             </a:lvl1pPr>
           </a:lstStyle>
           <a:p>
-            <a:fld id="{50344D1B-5235-486F-A999-CD74520911B6}" type="datetime1">
+            <a:fld id="{46C0FA1E-F6F3-4329-8BB0-847357D93AB7}" type="datetime1">
               <a:rPr lang="ru-UA" smtClean="0"/>
               <a:t>03.02.2024</a:t>
             </a:fld>
@@ -11607,7 +11607,7 @@
           <a:p>
             <a:r>
               <a:rPr lang="es-ES"/>
-              <a:t>Step 1 - Model - ver. 1</a:t>
+              <a:t>Step 5. Infrastructure as a Code - ver. 1</a:t>
             </a:r>
             <a:endParaRPr lang="ru-UA"/>
           </a:p>
@@ -12244,7 +12244,7 @@
         </p:spPr>
         <p:txBody>
           <a:bodyPr anchor="ctr">
-            <a:normAutofit/>
+            <a:normAutofit fontScale="92500" lnSpcReduction="10000"/>
           </a:bodyPr>
           <a:lstStyle/>
           <a:p>
@@ -12259,7 +12259,7 @@
                   <a:schemeClr val="tx1"/>
                 </a:solidFill>
               </a:rPr>
-              <a:t>Step 1 - Model - ver. 1</a:t>
+              <a:t>Step 5. Infrastructure as a Code - ver. 1</a:t>
             </a:r>
             <a:endParaRPr lang="ru-UA" sz="900">
               <a:solidFill>
@@ -12445,7 +12445,7 @@
           <a:p>
             <a:r>
               <a:rPr lang="es-ES"/>
-              <a:t>Step 1 - Model - ver. 1</a:t>
+              <a:t>Step 5. Infrastructure as a Code - ver. 1</a:t>
             </a:r>
             <a:endParaRPr lang="ru-UA"/>
           </a:p>
@@ -12657,7 +12657,7 @@
           <a:p>
             <a:r>
               <a:rPr lang="es-ES"/>
-              <a:t>Step 1 - Model - ver. 1</a:t>
+              <a:t>Step 5. Infrastructure as a Code - ver. 1</a:t>
             </a:r>
             <a:endParaRPr lang="ru-UA"/>
           </a:p>
@@ -12869,7 +12869,7 @@
           <a:p>
             <a:r>
               <a:rPr lang="es-ES"/>
-              <a:t>Step 1 - Model - ver. 1</a:t>
+              <a:t>Step 5. Infrastructure as a Code - ver. 1</a:t>
             </a:r>
             <a:endParaRPr lang="ru-UA"/>
           </a:p>
@@ -13081,7 +13081,7 @@
           <a:p>
             <a:r>
               <a:rPr lang="es-ES"/>
-              <a:t>Step 1 - Model - ver. 1</a:t>
+              <a:t>Step 5. Infrastructure as a Code - ver. 1</a:t>
             </a:r>
             <a:endParaRPr lang="ru-UA"/>
           </a:p>
@@ -13293,7 +13293,7 @@
           <a:p>
             <a:r>
               <a:rPr lang="es-ES"/>
-              <a:t>Step 1 - Model - ver. 1</a:t>
+              <a:t>Step 5. Infrastructure as a Code - ver. 1</a:t>
             </a:r>
             <a:endParaRPr lang="ru-UA"/>
           </a:p>
@@ -13505,7 +13505,7 @@
           <a:p>
             <a:r>
               <a:rPr lang="es-ES"/>
-              <a:t>Step 1 - Model - ver. 1</a:t>
+              <a:t>Step 5. Infrastructure as a Code - ver. 1</a:t>
             </a:r>
             <a:endParaRPr lang="ru-UA"/>
           </a:p>
@@ -13717,7 +13717,7 @@
           <a:p>
             <a:r>
               <a:rPr lang="es-ES"/>
-              <a:t>Step 1 - Model - ver. 1</a:t>
+              <a:t>Step 5. Infrastructure as a Code - ver. 1</a:t>
             </a:r>
             <a:endParaRPr lang="ru-UA"/>
           </a:p>
@@ -13929,7 +13929,7 @@
           <a:p>
             <a:r>
               <a:rPr lang="es-ES"/>
-              <a:t>Step 1 - Model - ver. 1</a:t>
+              <a:t>Step 5. Infrastructure as a Code - ver. 1</a:t>
             </a:r>
             <a:endParaRPr lang="ru-UA"/>
           </a:p>
@@ -14141,7 +14141,7 @@
           <a:p>
             <a:r>
               <a:rPr lang="es-ES"/>
-              <a:t>Step 1 - Model - ver. 1</a:t>
+              <a:t>Step 5. Infrastructure as a Code - ver. 1</a:t>
             </a:r>
             <a:endParaRPr lang="ru-UA"/>
           </a:p>
@@ -14415,7 +14415,7 @@
         </p:spPr>
         <p:txBody>
           <a:bodyPr anchor="ctr">
-            <a:normAutofit/>
+            <a:normAutofit fontScale="92500" lnSpcReduction="10000"/>
           </a:bodyPr>
           <a:lstStyle/>
           <a:p>
@@ -14430,7 +14430,7 @@
                   <a:schemeClr val="bg1"/>
                 </a:solidFill>
               </a:rPr>
-              <a:t>Step 1 - Model - ver. 1</a:t>
+              <a:t>Step 5. Infrastructure as a Code - ver. 1</a:t>
             </a:r>
             <a:endParaRPr lang="ru-UA" sz="900">
               <a:solidFill>
@@ -14740,7 +14740,7 @@
         </p:spPr>
         <p:txBody>
           <a:bodyPr anchor="ctr">
-            <a:normAutofit/>
+            <a:normAutofit fontScale="92500" lnSpcReduction="10000"/>
           </a:bodyPr>
           <a:lstStyle/>
           <a:p>
@@ -14755,7 +14755,7 @@
                   <a:schemeClr val="bg1"/>
                 </a:solidFill>
               </a:rPr>
-              <a:t>Step 1 - Model - ver. 1</a:t>
+              <a:t>Step 5. Infrastructure as a Code - ver. 1</a:t>
             </a:r>
             <a:endParaRPr lang="ru-UA" sz="900">
               <a:solidFill>
@@ -14972,7 +14972,7 @@
           <a:p>
             <a:r>
               <a:rPr lang="es-ES"/>
-              <a:t>Step 1 - Model - ver. 1</a:t>
+              <a:t>Step 5. Infrastructure as a Code - ver. 1</a:t>
             </a:r>
             <a:endParaRPr lang="ru-UA"/>
           </a:p>
@@ -15192,7 +15192,7 @@
           <a:p>
             <a:r>
               <a:rPr lang="es-ES"/>
-              <a:t>Step 1 - Model - ver. 1</a:t>
+              <a:t>Step 5. Infrastructure as a Code - ver. 1</a:t>
             </a:r>
             <a:endParaRPr lang="ru-UA"/>
           </a:p>
@@ -15404,7 +15404,7 @@
           <a:p>
             <a:r>
               <a:rPr lang="es-ES"/>
-              <a:t>Step 1 - Model - ver. 1</a:t>
+              <a:t>Step 5. Infrastructure as a Code - ver. 1</a:t>
             </a:r>
             <a:endParaRPr lang="ru-UA"/>
           </a:p>
@@ -15616,7 +15616,7 @@
           <a:p>
             <a:r>
               <a:rPr lang="es-ES"/>
-              <a:t>Step 1 - Model - ver. 1</a:t>
+              <a:t>Step 5. Infrastructure as a Code - ver. 1</a:t>
             </a:r>
             <a:endParaRPr lang="ru-UA"/>
           </a:p>
@@ -15828,7 +15828,7 @@
           <a:p>
             <a:r>
               <a:rPr lang="es-ES"/>
-              <a:t>Step 1 - Model - ver. 1</a:t>
+              <a:t>Step 5. Infrastructure as a Code - ver. 1</a:t>
             </a:r>
             <a:endParaRPr lang="ru-UA"/>
           </a:p>
@@ -16040,7 +16040,7 @@
           <a:p>
             <a:r>
               <a:rPr lang="es-ES"/>
-              <a:t>Step 1 - Model - ver. 1</a:t>
+              <a:t>Step 5. Infrastructure as a Code - ver. 1</a:t>
             </a:r>
             <a:endParaRPr lang="ru-UA"/>
           </a:p>
@@ -16331,7 +16331,7 @@
         </p:spPr>
         <p:txBody>
           <a:bodyPr anchor="ctr">
-            <a:normAutofit/>
+            <a:normAutofit fontScale="92500" lnSpcReduction="10000"/>
           </a:bodyPr>
           <a:lstStyle/>
           <a:p>
@@ -16346,7 +16346,7 @@
                   <a:schemeClr val="bg1"/>
                 </a:solidFill>
               </a:rPr>
-              <a:t>Step 1 - Model - ver. 1</a:t>
+              <a:t>Step 5. Infrastructure as a Code - ver. 1</a:t>
             </a:r>
             <a:endParaRPr lang="ru-UA" sz="900">
               <a:solidFill>
@@ -16527,7 +16527,7 @@
           <a:p>
             <a:r>
               <a:rPr lang="es-ES"/>
-              <a:t>Step 1 - Model - ver. 1</a:t>
+              <a:t>Step 5. Infrastructure as a Code - ver. 1</a:t>
             </a:r>
             <a:endParaRPr lang="ru-UA"/>
           </a:p>
@@ -16734,7 +16734,7 @@
           <a:p>
             <a:r>
               <a:rPr lang="es-ES"/>
-              <a:t>Step 1 - Model - ver. 1</a:t>
+              <a:t>Step 5. Infrastructure as a Code - ver. 1</a:t>
             </a:r>
             <a:endParaRPr lang="ru-UA"/>
           </a:p>
@@ -16949,7 +16949,7 @@
           <a:p>
             <a:r>
               <a:rPr lang="es-ES"/>
-              <a:t>Step 1 - Model - ver. 1</a:t>
+              <a:t>Step 5. Infrastructure as a Code - ver. 1</a:t>
             </a:r>
             <a:endParaRPr lang="ru-UA"/>
           </a:p>
@@ -17164,7 +17164,7 @@
           <a:p>
             <a:r>
               <a:rPr lang="es-ES"/>
-              <a:t>Step 1 - Model - ver. 1</a:t>
+              <a:t>Step 5. Infrastructure as a Code - ver. 1</a:t>
             </a:r>
             <a:endParaRPr lang="ru-UA"/>
           </a:p>
@@ -17376,7 +17376,7 @@
           <a:p>
             <a:r>
               <a:rPr lang="es-ES"/>
-              <a:t>Step 1 - Model - ver. 1</a:t>
+              <a:t>Step 5. Infrastructure as a Code - ver. 1</a:t>
             </a:r>
             <a:endParaRPr lang="ru-UA"/>
           </a:p>
@@ -17588,7 +17588,7 @@
           <a:p>
             <a:r>
               <a:rPr lang="es-ES"/>
-              <a:t>Step 1 - Model - ver. 1</a:t>
+              <a:t>Step 5. Infrastructure as a Code - ver. 1</a:t>
             </a:r>
             <a:endParaRPr lang="ru-UA"/>
           </a:p>

--- a/Step05-Infrastructure_as_a_Code_presentation.pptx
+++ b/Step05-Infrastructure_as_a_Code_presentation.pptx
@@ -184,14 +184,60 @@
 <file path=ppt/revisionInfo.xml><?xml version="1.0" encoding="utf-8"?>
 <p1510:revInfo xmlns:a="http://schemas.openxmlformats.org/drawingml/2006/main" xmlns:r="http://schemas.openxmlformats.org/officeDocument/2006/relationships" xmlns:p1510="http://schemas.microsoft.com/office/powerpoint/2015/10/main">
   <p1510:revLst>
-    <p1510:client id="{1BA64282-8772-44DD-ADE1-6DE4E20DF9D4}" v="54" dt="2024-01-31T08:21:47.738"/>
-    <p1510:client id="{CD6A1DE1-ACF9-4B80-94F3-F58CA81605B6}" v="41" dt="2024-01-31T16:36:23.744"/>
+    <p1510:client id="{32088AE4-77EE-46D0-AC66-CC08BBC971CB}" v="3" dt="2024-02-26T15:00:58.134"/>
   </p1510:revLst>
 </p1510:revInfo>
 </file>
 
 <file path=ppt/changesInfos/changesInfo1.xml><?xml version="1.0" encoding="utf-8"?>
 <pc:chgInfo xmlns:a="http://schemas.openxmlformats.org/drawingml/2006/main" xmlns:r="http://schemas.openxmlformats.org/officeDocument/2006/relationships" xmlns:ac="http://schemas.microsoft.com/office/drawing/2013/main/command" xmlns:pc="http://schemas.microsoft.com/office/powerpoint/2013/main/command">
+  <pc:docChgLst>
+    <pc:chgData name="Ihor Aleksandrov" userId="c3051032-6b87-4db2-b257-777a0106fbd9" providerId="ADAL" clId="{32088AE4-77EE-46D0-AC66-CC08BBC971CB}"/>
+    <pc:docChg chg="custSel modSld">
+      <pc:chgData name="Ihor Aleksandrov" userId="c3051032-6b87-4db2-b257-777a0106fbd9" providerId="ADAL" clId="{32088AE4-77EE-46D0-AC66-CC08BBC971CB}" dt="2024-02-26T15:00:58.134" v="6" actId="478"/>
+      <pc:docMkLst>
+        <pc:docMk/>
+      </pc:docMkLst>
+      <pc:sldChg chg="addSp delSp modSp mod">
+        <pc:chgData name="Ihor Aleksandrov" userId="c3051032-6b87-4db2-b257-777a0106fbd9" providerId="ADAL" clId="{32088AE4-77EE-46D0-AC66-CC08BBC971CB}" dt="2024-02-26T15:00:35.262" v="4" actId="962"/>
+        <pc:sldMkLst>
+          <pc:docMk/>
+          <pc:sldMk cId="356788772" sldId="317"/>
+        </pc:sldMkLst>
+        <pc:picChg chg="del">
+          <ac:chgData name="Ihor Aleksandrov" userId="c3051032-6b87-4db2-b257-777a0106fbd9" providerId="ADAL" clId="{32088AE4-77EE-46D0-AC66-CC08BBC971CB}" dt="2024-02-26T15:00:26.630" v="0" actId="478"/>
+          <ac:picMkLst>
+            <pc:docMk/>
+            <pc:sldMk cId="356788772" sldId="317"/>
+            <ac:picMk id="5" creationId="{A065E73D-7090-4B6C-8393-D4C2F77A6430}"/>
+          </ac:picMkLst>
+        </pc:picChg>
+        <pc:picChg chg="add mod">
+          <ac:chgData name="Ihor Aleksandrov" userId="c3051032-6b87-4db2-b257-777a0106fbd9" providerId="ADAL" clId="{32088AE4-77EE-46D0-AC66-CC08BBC971CB}" dt="2024-02-26T15:00:35.262" v="4" actId="962"/>
+          <ac:picMkLst>
+            <pc:docMk/>
+            <pc:sldMk cId="356788772" sldId="317"/>
+            <ac:picMk id="6" creationId="{8C55A539-5C30-9E59-451E-75B8B0B9C3FB}"/>
+          </ac:picMkLst>
+        </pc:picChg>
+      </pc:sldChg>
+      <pc:sldChg chg="addSp delSp">
+        <pc:chgData name="Ihor Aleksandrov" userId="c3051032-6b87-4db2-b257-777a0106fbd9" providerId="ADAL" clId="{32088AE4-77EE-46D0-AC66-CC08BBC971CB}" dt="2024-02-26T15:00:58.134" v="6" actId="478"/>
+        <pc:sldMkLst>
+          <pc:docMk/>
+          <pc:sldMk cId="3114329589" sldId="324"/>
+        </pc:sldMkLst>
+        <pc:picChg chg="add del">
+          <ac:chgData name="Ihor Aleksandrov" userId="c3051032-6b87-4db2-b257-777a0106fbd9" providerId="ADAL" clId="{32088AE4-77EE-46D0-AC66-CC08BBC971CB}" dt="2024-02-26T15:00:58.134" v="6" actId="478"/>
+          <ac:picMkLst>
+            <pc:docMk/>
+            <pc:sldMk cId="3114329589" sldId="324"/>
+            <ac:picMk id="3074" creationId="{681CB2FB-3567-4762-91BC-B9337E2B34CB}"/>
+          </ac:picMkLst>
+        </pc:picChg>
+      </pc:sldChg>
+    </pc:docChg>
+  </pc:docChgLst>
   <pc:docChgLst>
     <pc:chgData name="Ihor Aleksandrov" userId="c3051032-6b87-4db2-b257-777a0106fbd9" providerId="ADAL" clId="{1BA64282-8772-44DD-ADE1-6DE4E20DF9D4}"/>
     <pc:docChg chg="undo custSel addSld delSld modSld sldOrd addSection delSection modSection">
@@ -1456,6 +1502,307 @@
           </ac:picMkLst>
         </pc:picChg>
       </pc:sldChg>
+    </pc:docChg>
+  </pc:docChgLst>
+  <pc:docChgLst>
+    <pc:chgData name="Ihor Aleksandrov" userId="c3051032-6b87-4db2-b257-777a0106fbd9" providerId="ADAL" clId="{8C05140D-7668-4267-B009-985EF5C6B6AF}"/>
+    <pc:docChg chg="undo redo custSel addSld delSld modSld addMainMaster delMainMaster modMainMaster">
+      <pc:chgData name="Ihor Aleksandrov" userId="c3051032-6b87-4db2-b257-777a0106fbd9" providerId="ADAL" clId="{8C05140D-7668-4267-B009-985EF5C6B6AF}" dt="2024-01-24T16:32:41.148" v="122"/>
+      <pc:docMkLst>
+        <pc:docMk/>
+      </pc:docMkLst>
+      <pc:sldChg chg="add del">
+        <pc:chgData name="Ihor Aleksandrov" userId="c3051032-6b87-4db2-b257-777a0106fbd9" providerId="ADAL" clId="{8C05140D-7668-4267-B009-985EF5C6B6AF}" dt="2024-01-24T16:09:08.069" v="2" actId="47"/>
+        <pc:sldMkLst>
+          <pc:docMk/>
+          <pc:sldMk cId="588564705" sldId="260"/>
+        </pc:sldMkLst>
+      </pc:sldChg>
+      <pc:sldChg chg="addSp delSp modSp add mod">
+        <pc:chgData name="Ihor Aleksandrov" userId="c3051032-6b87-4db2-b257-777a0106fbd9" providerId="ADAL" clId="{8C05140D-7668-4267-B009-985EF5C6B6AF}" dt="2024-01-24T16:12:16.991" v="15" actId="1076"/>
+        <pc:sldMkLst>
+          <pc:docMk/>
+          <pc:sldMk cId="1575064168" sldId="260"/>
+        </pc:sldMkLst>
+        <pc:picChg chg="add mod ord">
+          <ac:chgData name="Ihor Aleksandrov" userId="c3051032-6b87-4db2-b257-777a0106fbd9" providerId="ADAL" clId="{8C05140D-7668-4267-B009-985EF5C6B6AF}" dt="2024-01-24T16:12:16.991" v="15" actId="1076"/>
+          <ac:picMkLst>
+            <pc:docMk/>
+            <pc:sldMk cId="1575064168" sldId="260"/>
+            <ac:picMk id="3" creationId="{15AAA44A-9E89-5E99-D8F5-8E9AA8D7D0DA}"/>
+          </ac:picMkLst>
+        </pc:picChg>
+        <pc:picChg chg="del">
+          <ac:chgData name="Ihor Aleksandrov" userId="c3051032-6b87-4db2-b257-777a0106fbd9" providerId="ADAL" clId="{8C05140D-7668-4267-B009-985EF5C6B6AF}" dt="2024-01-24T16:11:37.521" v="7" actId="478"/>
+          <ac:picMkLst>
+            <pc:docMk/>
+            <pc:sldMk cId="1575064168" sldId="260"/>
+            <ac:picMk id="4" creationId="{385F9644-E8EA-6C22-DF80-DC79BE06769D}"/>
+          </ac:picMkLst>
+        </pc:picChg>
+      </pc:sldChg>
+      <pc:sldChg chg="add del">
+        <pc:chgData name="Ihor Aleksandrov" userId="c3051032-6b87-4db2-b257-777a0106fbd9" providerId="ADAL" clId="{8C05140D-7668-4267-B009-985EF5C6B6AF}" dt="2024-01-24T16:09:20.167" v="5" actId="2696"/>
+        <pc:sldMkLst>
+          <pc:docMk/>
+          <pc:sldMk cId="1989911605" sldId="260"/>
+        </pc:sldMkLst>
+      </pc:sldChg>
+      <pc:sldChg chg="addSp delSp modSp add mod">
+        <pc:chgData name="Ihor Aleksandrov" userId="c3051032-6b87-4db2-b257-777a0106fbd9" providerId="ADAL" clId="{8C05140D-7668-4267-B009-985EF5C6B6AF}" dt="2024-01-24T16:15:40.734" v="54" actId="167"/>
+        <pc:sldMkLst>
+          <pc:docMk/>
+          <pc:sldMk cId="3278151509" sldId="261"/>
+        </pc:sldMkLst>
+        <pc:spChg chg="mod">
+          <ac:chgData name="Ihor Aleksandrov" userId="c3051032-6b87-4db2-b257-777a0106fbd9" providerId="ADAL" clId="{8C05140D-7668-4267-B009-985EF5C6B6AF}" dt="2024-01-24T16:15:11.955" v="19" actId="14100"/>
+          <ac:spMkLst>
+            <pc:docMk/>
+            <pc:sldMk cId="3278151509" sldId="261"/>
+            <ac:spMk id="2" creationId="{53C5D828-9666-E312-B574-9FE965A7D6BE}"/>
+          </ac:spMkLst>
+        </pc:spChg>
+        <pc:picChg chg="del">
+          <ac:chgData name="Ihor Aleksandrov" userId="c3051032-6b87-4db2-b257-777a0106fbd9" providerId="ADAL" clId="{8C05140D-7668-4267-B009-985EF5C6B6AF}" dt="2024-01-24T16:14:55.927" v="17" actId="478"/>
+          <ac:picMkLst>
+            <pc:docMk/>
+            <pc:sldMk cId="3278151509" sldId="261"/>
+            <ac:picMk id="3" creationId="{15AAA44A-9E89-5E99-D8F5-8E9AA8D7D0DA}"/>
+          </ac:picMkLst>
+        </pc:picChg>
+        <pc:picChg chg="add mod ord">
+          <ac:chgData name="Ihor Aleksandrov" userId="c3051032-6b87-4db2-b257-777a0106fbd9" providerId="ADAL" clId="{8C05140D-7668-4267-B009-985EF5C6B6AF}" dt="2024-01-24T16:15:40.734" v="54" actId="167"/>
+          <ac:picMkLst>
+            <pc:docMk/>
+            <pc:sldMk cId="3278151509" sldId="261"/>
+            <ac:picMk id="4" creationId="{110B72A2-37FD-3982-5358-333497678F76}"/>
+          </ac:picMkLst>
+        </pc:picChg>
+      </pc:sldChg>
+      <pc:sldChg chg="addSp delSp modSp add mod">
+        <pc:chgData name="Ihor Aleksandrov" userId="c3051032-6b87-4db2-b257-777a0106fbd9" providerId="ADAL" clId="{8C05140D-7668-4267-B009-985EF5C6B6AF}" dt="2024-01-24T16:20:00.338" v="67" actId="1076"/>
+        <pc:sldMkLst>
+          <pc:docMk/>
+          <pc:sldMk cId="3670086471" sldId="262"/>
+        </pc:sldMkLst>
+        <pc:spChg chg="mod">
+          <ac:chgData name="Ihor Aleksandrov" userId="c3051032-6b87-4db2-b257-777a0106fbd9" providerId="ADAL" clId="{8C05140D-7668-4267-B009-985EF5C6B6AF}" dt="2024-01-24T16:19:30.343" v="58"/>
+          <ac:spMkLst>
+            <pc:docMk/>
+            <pc:sldMk cId="3670086471" sldId="262"/>
+            <ac:spMk id="2" creationId="{53C5D828-9666-E312-B574-9FE965A7D6BE}"/>
+          </ac:spMkLst>
+        </pc:spChg>
+        <pc:picChg chg="add mod ord">
+          <ac:chgData name="Ihor Aleksandrov" userId="c3051032-6b87-4db2-b257-777a0106fbd9" providerId="ADAL" clId="{8C05140D-7668-4267-B009-985EF5C6B6AF}" dt="2024-01-24T16:20:00.338" v="67" actId="1076"/>
+          <ac:picMkLst>
+            <pc:docMk/>
+            <pc:sldMk cId="3670086471" sldId="262"/>
+            <ac:picMk id="3" creationId="{05A9FF40-DCEC-8E82-7C4D-BDBC1FAB1FDA}"/>
+          </ac:picMkLst>
+        </pc:picChg>
+        <pc:picChg chg="del">
+          <ac:chgData name="Ihor Aleksandrov" userId="c3051032-6b87-4db2-b257-777a0106fbd9" providerId="ADAL" clId="{8C05140D-7668-4267-B009-985EF5C6B6AF}" dt="2024-01-24T16:19:34.058" v="59" actId="478"/>
+          <ac:picMkLst>
+            <pc:docMk/>
+            <pc:sldMk cId="3670086471" sldId="262"/>
+            <ac:picMk id="4" creationId="{110B72A2-37FD-3982-5358-333497678F76}"/>
+          </ac:picMkLst>
+        </pc:picChg>
+      </pc:sldChg>
+      <pc:sldChg chg="addSp delSp modSp add mod">
+        <pc:chgData name="Ihor Aleksandrov" userId="c3051032-6b87-4db2-b257-777a0106fbd9" providerId="ADAL" clId="{8C05140D-7668-4267-B009-985EF5C6B6AF}" dt="2024-01-24T16:22:37.022" v="81" actId="1076"/>
+        <pc:sldMkLst>
+          <pc:docMk/>
+          <pc:sldMk cId="2476824021" sldId="263"/>
+        </pc:sldMkLst>
+        <pc:spChg chg="mod">
+          <ac:chgData name="Ihor Aleksandrov" userId="c3051032-6b87-4db2-b257-777a0106fbd9" providerId="ADAL" clId="{8C05140D-7668-4267-B009-985EF5C6B6AF}" dt="2024-01-24T16:22:06.562" v="74"/>
+          <ac:spMkLst>
+            <pc:docMk/>
+            <pc:sldMk cId="2476824021" sldId="263"/>
+            <ac:spMk id="2" creationId="{53C5D828-9666-E312-B574-9FE965A7D6BE}"/>
+          </ac:spMkLst>
+        </pc:spChg>
+        <pc:picChg chg="del">
+          <ac:chgData name="Ihor Aleksandrov" userId="c3051032-6b87-4db2-b257-777a0106fbd9" providerId="ADAL" clId="{8C05140D-7668-4267-B009-985EF5C6B6AF}" dt="2024-01-24T16:22:10.731" v="75" actId="478"/>
+          <ac:picMkLst>
+            <pc:docMk/>
+            <pc:sldMk cId="2476824021" sldId="263"/>
+            <ac:picMk id="3" creationId="{05A9FF40-DCEC-8E82-7C4D-BDBC1FAB1FDA}"/>
+          </ac:picMkLst>
+        </pc:picChg>
+        <pc:picChg chg="add mod">
+          <ac:chgData name="Ihor Aleksandrov" userId="c3051032-6b87-4db2-b257-777a0106fbd9" providerId="ADAL" clId="{8C05140D-7668-4267-B009-985EF5C6B6AF}" dt="2024-01-24T16:22:37.022" v="81" actId="1076"/>
+          <ac:picMkLst>
+            <pc:docMk/>
+            <pc:sldMk cId="2476824021" sldId="263"/>
+            <ac:picMk id="4" creationId="{0A4A47BB-B86E-CE6D-6738-81D9FF41289F}"/>
+          </ac:picMkLst>
+        </pc:picChg>
+      </pc:sldChg>
+      <pc:sldChg chg="addSp delSp modSp add mod">
+        <pc:chgData name="Ihor Aleksandrov" userId="c3051032-6b87-4db2-b257-777a0106fbd9" providerId="ADAL" clId="{8C05140D-7668-4267-B009-985EF5C6B6AF}" dt="2024-01-24T16:25:10.323" v="103" actId="1038"/>
+        <pc:sldMkLst>
+          <pc:docMk/>
+          <pc:sldMk cId="303933854" sldId="264"/>
+        </pc:sldMkLst>
+        <pc:spChg chg="mod">
+          <ac:chgData name="Ihor Aleksandrov" userId="c3051032-6b87-4db2-b257-777a0106fbd9" providerId="ADAL" clId="{8C05140D-7668-4267-B009-985EF5C6B6AF}" dt="2024-01-24T16:23:35.489" v="85"/>
+          <ac:spMkLst>
+            <pc:docMk/>
+            <pc:sldMk cId="303933854" sldId="264"/>
+            <ac:spMk id="2" creationId="{53C5D828-9666-E312-B574-9FE965A7D6BE}"/>
+          </ac:spMkLst>
+        </pc:spChg>
+        <pc:picChg chg="add mod ord">
+          <ac:chgData name="Ihor Aleksandrov" userId="c3051032-6b87-4db2-b257-777a0106fbd9" providerId="ADAL" clId="{8C05140D-7668-4267-B009-985EF5C6B6AF}" dt="2024-01-24T16:24:11.219" v="93" actId="167"/>
+          <ac:picMkLst>
+            <pc:docMk/>
+            <pc:sldMk cId="303933854" sldId="264"/>
+            <ac:picMk id="3" creationId="{438AE1ED-C17A-0BC4-8D21-4B49E9F91B9F}"/>
+          </ac:picMkLst>
+        </pc:picChg>
+        <pc:picChg chg="del">
+          <ac:chgData name="Ihor Aleksandrov" userId="c3051032-6b87-4db2-b257-777a0106fbd9" providerId="ADAL" clId="{8C05140D-7668-4267-B009-985EF5C6B6AF}" dt="2024-01-24T16:23:38.668" v="86" actId="478"/>
+          <ac:picMkLst>
+            <pc:docMk/>
+            <pc:sldMk cId="303933854" sldId="264"/>
+            <ac:picMk id="4" creationId="{0A4A47BB-B86E-CE6D-6738-81D9FF41289F}"/>
+          </ac:picMkLst>
+        </pc:picChg>
+        <pc:picChg chg="add mod ord">
+          <ac:chgData name="Ihor Aleksandrov" userId="c3051032-6b87-4db2-b257-777a0106fbd9" providerId="ADAL" clId="{8C05140D-7668-4267-B009-985EF5C6B6AF}" dt="2024-01-24T16:25:10.323" v="103" actId="1038"/>
+          <ac:picMkLst>
+            <pc:docMk/>
+            <pc:sldMk cId="303933854" sldId="264"/>
+            <ac:picMk id="5" creationId="{699631DD-6035-BB9F-11EC-4E9F01F1D081}"/>
+          </ac:picMkLst>
+        </pc:picChg>
+      </pc:sldChg>
+      <pc:sldChg chg="addSp delSp modSp add mod">
+        <pc:chgData name="Ihor Aleksandrov" userId="c3051032-6b87-4db2-b257-777a0106fbd9" providerId="ADAL" clId="{8C05140D-7668-4267-B009-985EF5C6B6AF}" dt="2024-01-24T16:30:10.970" v="112" actId="11529"/>
+        <pc:sldMkLst>
+          <pc:docMk/>
+          <pc:sldMk cId="3569579791" sldId="265"/>
+        </pc:sldMkLst>
+        <pc:spChg chg="mod">
+          <ac:chgData name="Ihor Aleksandrov" userId="c3051032-6b87-4db2-b257-777a0106fbd9" providerId="ADAL" clId="{8C05140D-7668-4267-B009-985EF5C6B6AF}" dt="2024-01-24T16:27:36.333" v="107"/>
+          <ac:spMkLst>
+            <pc:docMk/>
+            <pc:sldMk cId="3569579791" sldId="265"/>
+            <ac:spMk id="2" creationId="{53C5D828-9666-E312-B574-9FE965A7D6BE}"/>
+          </ac:spMkLst>
+        </pc:spChg>
+        <pc:spChg chg="add del mod">
+          <ac:chgData name="Ihor Aleksandrov" userId="c3051032-6b87-4db2-b257-777a0106fbd9" providerId="ADAL" clId="{8C05140D-7668-4267-B009-985EF5C6B6AF}" dt="2024-01-24T16:29:33.902" v="111"/>
+          <ac:spMkLst>
+            <pc:docMk/>
+            <pc:sldMk cId="3569579791" sldId="265"/>
+            <ac:spMk id="4" creationId="{1C61AA21-6FD6-1B2D-ED8C-FC1A511CA62B}"/>
+          </ac:spMkLst>
+        </pc:spChg>
+        <pc:spChg chg="add">
+          <ac:chgData name="Ihor Aleksandrov" userId="c3051032-6b87-4db2-b257-777a0106fbd9" providerId="ADAL" clId="{8C05140D-7668-4267-B009-985EF5C6B6AF}" dt="2024-01-24T16:30:10.970" v="112" actId="11529"/>
+          <ac:spMkLst>
+            <pc:docMk/>
+            <pc:sldMk cId="3569579791" sldId="265"/>
+            <ac:spMk id="6" creationId="{E04F08BD-B70E-B1A8-7328-EE29B18E4AA1}"/>
+          </ac:spMkLst>
+        </pc:spChg>
+        <pc:picChg chg="del">
+          <ac:chgData name="Ihor Aleksandrov" userId="c3051032-6b87-4db2-b257-777a0106fbd9" providerId="ADAL" clId="{8C05140D-7668-4267-B009-985EF5C6B6AF}" dt="2024-01-24T16:27:38.549" v="108" actId="478"/>
+          <ac:picMkLst>
+            <pc:docMk/>
+            <pc:sldMk cId="3569579791" sldId="265"/>
+            <ac:picMk id="3" creationId="{438AE1ED-C17A-0BC4-8D21-4B49E9F91B9F}"/>
+          </ac:picMkLst>
+        </pc:picChg>
+        <pc:picChg chg="del">
+          <ac:chgData name="Ihor Aleksandrov" userId="c3051032-6b87-4db2-b257-777a0106fbd9" providerId="ADAL" clId="{8C05140D-7668-4267-B009-985EF5C6B6AF}" dt="2024-01-24T16:27:40.641" v="109" actId="478"/>
+          <ac:picMkLst>
+            <pc:docMk/>
+            <pc:sldMk cId="3569579791" sldId="265"/>
+            <ac:picMk id="5" creationId="{699631DD-6035-BB9F-11EC-4E9F01F1D081}"/>
+          </ac:picMkLst>
+        </pc:picChg>
+      </pc:sldChg>
+      <pc:sldChg chg="modSp add mod">
+        <pc:chgData name="Ihor Aleksandrov" userId="c3051032-6b87-4db2-b257-777a0106fbd9" providerId="ADAL" clId="{8C05140D-7668-4267-B009-985EF5C6B6AF}" dt="2024-01-24T16:32:29.469" v="119"/>
+        <pc:sldMkLst>
+          <pc:docMk/>
+          <pc:sldMk cId="1545179861" sldId="266"/>
+        </pc:sldMkLst>
+        <pc:spChg chg="mod">
+          <ac:chgData name="Ihor Aleksandrov" userId="c3051032-6b87-4db2-b257-777a0106fbd9" providerId="ADAL" clId="{8C05140D-7668-4267-B009-985EF5C6B6AF}" dt="2024-01-24T16:32:29.469" v="119"/>
+          <ac:spMkLst>
+            <pc:docMk/>
+            <pc:sldMk cId="1545179861" sldId="266"/>
+            <ac:spMk id="2" creationId="{53C5D828-9666-E312-B574-9FE965A7D6BE}"/>
+          </ac:spMkLst>
+        </pc:spChg>
+      </pc:sldChg>
+      <pc:sldChg chg="modSp add mod">
+        <pc:chgData name="Ihor Aleksandrov" userId="c3051032-6b87-4db2-b257-777a0106fbd9" providerId="ADAL" clId="{8C05140D-7668-4267-B009-985EF5C6B6AF}" dt="2024-01-24T16:32:41.148" v="122"/>
+        <pc:sldMkLst>
+          <pc:docMk/>
+          <pc:sldMk cId="2423524645" sldId="267"/>
+        </pc:sldMkLst>
+        <pc:spChg chg="mod">
+          <ac:chgData name="Ihor Aleksandrov" userId="c3051032-6b87-4db2-b257-777a0106fbd9" providerId="ADAL" clId="{8C05140D-7668-4267-B009-985EF5C6B6AF}" dt="2024-01-24T16:32:41.148" v="122"/>
+          <ac:spMkLst>
+            <pc:docMk/>
+            <pc:sldMk cId="2423524645" sldId="267"/>
+            <ac:spMk id="2" creationId="{53C5D828-9666-E312-B574-9FE965A7D6BE}"/>
+          </ac:spMkLst>
+        </pc:spChg>
+      </pc:sldChg>
+      <pc:sldMasterChg chg="add del addSldLayout delSldLayout">
+        <pc:chgData name="Ihor Aleksandrov" userId="c3051032-6b87-4db2-b257-777a0106fbd9" providerId="ADAL" clId="{8C05140D-7668-4267-B009-985EF5C6B6AF}" dt="2024-01-24T16:09:20.167" v="5" actId="2696"/>
+        <pc:sldMasterMkLst>
+          <pc:docMk/>
+          <pc:sldMasterMk cId="1185679814" sldId="2147483648"/>
+        </pc:sldMasterMkLst>
+        <pc:sldLayoutChg chg="add del">
+          <pc:chgData name="Ihor Aleksandrov" userId="c3051032-6b87-4db2-b257-777a0106fbd9" providerId="ADAL" clId="{8C05140D-7668-4267-B009-985EF5C6B6AF}" dt="2024-01-24T16:09:08.069" v="2" actId="47"/>
+          <pc:sldLayoutMkLst>
+            <pc:docMk/>
+            <pc:sldMasterMk cId="1185679814" sldId="2147483648"/>
+            <pc:sldLayoutMk cId="2257280135" sldId="2147483649"/>
+          </pc:sldLayoutMkLst>
+        </pc:sldLayoutChg>
+        <pc:sldLayoutChg chg="add del">
+          <pc:chgData name="Ihor Aleksandrov" userId="c3051032-6b87-4db2-b257-777a0106fbd9" providerId="ADAL" clId="{8C05140D-7668-4267-B009-985EF5C6B6AF}" dt="2024-01-24T16:09:20.167" v="5" actId="2696"/>
+          <pc:sldLayoutMkLst>
+            <pc:docMk/>
+            <pc:sldMasterMk cId="1185679814" sldId="2147483648"/>
+            <pc:sldLayoutMk cId="1044916995" sldId="2147483650"/>
+          </pc:sldLayoutMkLst>
+        </pc:sldLayoutChg>
+      </pc:sldMasterChg>
+      <pc:sldMasterChg chg="replId modSldLayout">
+        <pc:chgData name="Ihor Aleksandrov" userId="c3051032-6b87-4db2-b257-777a0106fbd9" providerId="ADAL" clId="{8C05140D-7668-4267-B009-985EF5C6B6AF}" dt="2024-01-24T16:09:12.718" v="3" actId="27028"/>
+        <pc:sldMasterMkLst>
+          <pc:docMk/>
+          <pc:sldMasterMk cId="1579723609" sldId="2147483660"/>
+        </pc:sldMasterMkLst>
+        <pc:sldLayoutChg chg="replId">
+          <pc:chgData name="Ihor Aleksandrov" userId="c3051032-6b87-4db2-b257-777a0106fbd9" providerId="ADAL" clId="{8C05140D-7668-4267-B009-985EF5C6B6AF}" dt="2024-01-24T16:09:02.186" v="0" actId="27028"/>
+          <pc:sldLayoutMkLst>
+            <pc:docMk/>
+            <pc:sldMasterMk cId="1579723609" sldId="2147483660"/>
+            <pc:sldLayoutMk cId="639927661" sldId="2147483661"/>
+          </pc:sldLayoutMkLst>
+        </pc:sldLayoutChg>
+        <pc:sldLayoutChg chg="replId">
+          <pc:chgData name="Ihor Aleksandrov" userId="c3051032-6b87-4db2-b257-777a0106fbd9" providerId="ADAL" clId="{8C05140D-7668-4267-B009-985EF5C6B6AF}" dt="2024-01-24T16:09:12.718" v="3" actId="27028"/>
+          <pc:sldLayoutMkLst>
+            <pc:docMk/>
+            <pc:sldMasterMk cId="1579723609" sldId="2147483660"/>
+            <pc:sldLayoutMk cId="1498987355" sldId="2147483662"/>
+          </pc:sldLayoutMkLst>
+        </pc:sldLayoutChg>
+      </pc:sldMasterChg>
     </pc:docChg>
   </pc:docChgLst>
   <pc:docChgLst>
@@ -2422,1087 +2769,921 @@
     </pc:docChg>
   </pc:docChgLst>
   <pc:docChgLst>
-    <pc:chgData name="Ihor Aleksandrov" userId="c3051032-6b87-4db2-b257-777a0106fbd9" providerId="ADAL" clId="{CD6A1DE1-ACF9-4B80-94F3-F58CA81605B6}"/>
-    <pc:docChg chg="undo redo custSel addSld delSld modSld sldOrd addSection delSection modSection">
-      <pc:chgData name="Ihor Aleksandrov" userId="c3051032-6b87-4db2-b257-777a0106fbd9" providerId="ADAL" clId="{CD6A1DE1-ACF9-4B80-94F3-F58CA81605B6}" dt="2024-01-31T16:36:06.805" v="251" actId="20577"/>
+    <pc:chgData name="Ihor Aleksandrov" userId="c3051032-6b87-4db2-b257-777a0106fbd9" providerId="ADAL" clId="{D05EAF56-C8F0-4612-806C-93E1C27F1929}"/>
+    <pc:docChg chg="undo redo custSel addSld delSld modSld sldOrd addMainMaster addSection modSection">
+      <pc:chgData name="Ihor Aleksandrov" userId="c3051032-6b87-4db2-b257-777a0106fbd9" providerId="ADAL" clId="{D05EAF56-C8F0-4612-806C-93E1C27F1929}" dt="2024-01-25T12:18:42.706" v="325"/>
       <pc:docMkLst>
         <pc:docMk/>
       </pc:docMkLst>
-      <pc:sldChg chg="modSp mod">
-        <pc:chgData name="Ihor Aleksandrov" userId="c3051032-6b87-4db2-b257-777a0106fbd9" providerId="ADAL" clId="{CD6A1DE1-ACF9-4B80-94F3-F58CA81605B6}" dt="2024-01-31T09:08:37.650" v="10" actId="20577"/>
+      <pc:sldChg chg="addSp modSp mod setBg">
+        <pc:chgData name="Ihor Aleksandrov" userId="c3051032-6b87-4db2-b257-777a0106fbd9" providerId="ADAL" clId="{D05EAF56-C8F0-4612-806C-93E1C27F1929}" dt="2024-01-25T09:34:46.181" v="0" actId="26606"/>
         <pc:sldMkLst>
           <pc:docMk/>
           <pc:sldMk cId="552267186" sldId="256"/>
         </pc:sldMkLst>
         <pc:spChg chg="mod">
-          <ac:chgData name="Ihor Aleksandrov" userId="c3051032-6b87-4db2-b257-777a0106fbd9" providerId="ADAL" clId="{CD6A1DE1-ACF9-4B80-94F3-F58CA81605B6}" dt="2024-01-31T09:08:37.650" v="10" actId="20577"/>
+          <ac:chgData name="Ihor Aleksandrov" userId="c3051032-6b87-4db2-b257-777a0106fbd9" providerId="ADAL" clId="{D05EAF56-C8F0-4612-806C-93E1C27F1929}" dt="2024-01-25T09:34:46.181" v="0" actId="26606"/>
           <ac:spMkLst>
             <pc:docMk/>
             <pc:sldMk cId="552267186" sldId="256"/>
             <ac:spMk id="2" creationId="{18C18207-A109-5552-1541-0ABBAA316282}"/>
           </ac:spMkLst>
         </pc:spChg>
-      </pc:sldChg>
-      <pc:sldChg chg="addSp delSp modSp mod ord">
-        <pc:chgData name="Ihor Aleksandrov" userId="c3051032-6b87-4db2-b257-777a0106fbd9" providerId="ADAL" clId="{CD6A1DE1-ACF9-4B80-94F3-F58CA81605B6}" dt="2024-01-31T14:10:17.392" v="37"/>
-        <pc:sldMkLst>
-          <pc:docMk/>
-          <pc:sldMk cId="4197480136" sldId="268"/>
-        </pc:sldMkLst>
         <pc:spChg chg="mod">
-          <ac:chgData name="Ihor Aleksandrov" userId="c3051032-6b87-4db2-b257-777a0106fbd9" providerId="ADAL" clId="{CD6A1DE1-ACF9-4B80-94F3-F58CA81605B6}" dt="2024-01-31T14:10:17.392" v="37"/>
+          <ac:chgData name="Ihor Aleksandrov" userId="c3051032-6b87-4db2-b257-777a0106fbd9" providerId="ADAL" clId="{D05EAF56-C8F0-4612-806C-93E1C27F1929}" dt="2024-01-25T09:34:46.181" v="0" actId="26606"/>
           <ac:spMkLst>
             <pc:docMk/>
-            <pc:sldMk cId="4197480136" sldId="268"/>
+            <pc:sldMk cId="552267186" sldId="256"/>
+            <ac:spMk id="3" creationId="{3473E1D3-7401-AD94-5C7A-49912FA8005A}"/>
+          </ac:spMkLst>
+        </pc:spChg>
+        <pc:spChg chg="mod">
+          <ac:chgData name="Ihor Aleksandrov" userId="c3051032-6b87-4db2-b257-777a0106fbd9" providerId="ADAL" clId="{D05EAF56-C8F0-4612-806C-93E1C27F1929}" dt="2024-01-25T09:34:46.181" v="0" actId="26606"/>
+          <ac:spMkLst>
+            <pc:docMk/>
+            <pc:sldMk cId="552267186" sldId="256"/>
+            <ac:spMk id="4" creationId="{C99D0D71-05C2-1881-DCFB-D99C1C10CBB8}"/>
+          </ac:spMkLst>
+        </pc:spChg>
+        <pc:spChg chg="add">
+          <ac:chgData name="Ihor Aleksandrov" userId="c3051032-6b87-4db2-b257-777a0106fbd9" providerId="ADAL" clId="{D05EAF56-C8F0-4612-806C-93E1C27F1929}" dt="2024-01-25T09:34:46.181" v="0" actId="26606"/>
+          <ac:spMkLst>
+            <pc:docMk/>
+            <pc:sldMk cId="552267186" sldId="256"/>
+            <ac:spMk id="9" creationId="{C3896A03-3945-419A-B66B-4EE266EDD152}"/>
+          </ac:spMkLst>
+        </pc:spChg>
+        <pc:spChg chg="add">
+          <ac:chgData name="Ihor Aleksandrov" userId="c3051032-6b87-4db2-b257-777a0106fbd9" providerId="ADAL" clId="{D05EAF56-C8F0-4612-806C-93E1C27F1929}" dt="2024-01-25T09:34:46.181" v="0" actId="26606"/>
+          <ac:spMkLst>
+            <pc:docMk/>
+            <pc:sldMk cId="552267186" sldId="256"/>
+            <ac:spMk id="11" creationId="{B34F5AD2-EDBD-4BBD-A55C-EAFFD0C7097A}"/>
+          </ac:spMkLst>
+        </pc:spChg>
+      </pc:sldChg>
+      <pc:sldChg chg="modSp mod">
+        <pc:chgData name="Ihor Aleksandrov" userId="c3051032-6b87-4db2-b257-777a0106fbd9" providerId="ADAL" clId="{D05EAF56-C8F0-4612-806C-93E1C27F1929}" dt="2024-01-25T11:00:29.329" v="160"/>
+        <pc:sldMkLst>
+          <pc:docMk/>
+          <pc:sldMk cId="3569579791" sldId="265"/>
+        </pc:sldMkLst>
+        <pc:spChg chg="mod">
+          <ac:chgData name="Ihor Aleksandrov" userId="c3051032-6b87-4db2-b257-777a0106fbd9" providerId="ADAL" clId="{D05EAF56-C8F0-4612-806C-93E1C27F1929}" dt="2024-01-25T11:00:29.329" v="160"/>
+          <ac:spMkLst>
+            <pc:docMk/>
+            <pc:sldMk cId="3569579791" sldId="265"/>
+            <ac:spMk id="2" creationId="{53C5D828-9666-E312-B574-9FE965A7D6BE}"/>
+          </ac:spMkLst>
+        </pc:spChg>
+      </pc:sldChg>
+      <pc:sldChg chg="addSp delSp modSp add mod">
+        <pc:chgData name="Ihor Aleksandrov" userId="c3051032-6b87-4db2-b257-777a0106fbd9" providerId="ADAL" clId="{D05EAF56-C8F0-4612-806C-93E1C27F1929}" dt="2024-01-25T10:19:44.220" v="11" actId="1076"/>
+        <pc:sldMkLst>
+          <pc:docMk/>
+          <pc:sldMk cId="3985704815" sldId="270"/>
+        </pc:sldMkLst>
+        <pc:spChg chg="mod">
+          <ac:chgData name="Ihor Aleksandrov" userId="c3051032-6b87-4db2-b257-777a0106fbd9" providerId="ADAL" clId="{D05EAF56-C8F0-4612-806C-93E1C27F1929}" dt="2024-01-25T10:19:15.861" v="6"/>
+          <ac:spMkLst>
+            <pc:docMk/>
+            <pc:sldMk cId="3985704815" sldId="270"/>
+            <ac:spMk id="2" creationId="{53C5D828-9666-E312-B574-9FE965A7D6BE}"/>
+          </ac:spMkLst>
+        </pc:spChg>
+        <pc:picChg chg="add mod">
+          <ac:chgData name="Ihor Aleksandrov" userId="c3051032-6b87-4db2-b257-777a0106fbd9" providerId="ADAL" clId="{D05EAF56-C8F0-4612-806C-93E1C27F1929}" dt="2024-01-25T10:19:44.220" v="11" actId="1076"/>
+          <ac:picMkLst>
+            <pc:docMk/>
+            <pc:sldMk cId="3985704815" sldId="270"/>
+            <ac:picMk id="5" creationId="{329D80B6-A19C-F87F-FE85-78E58BE79DFC}"/>
+          </ac:picMkLst>
+        </pc:picChg>
+        <pc:picChg chg="del">
+          <ac:chgData name="Ihor Aleksandrov" userId="c3051032-6b87-4db2-b257-777a0106fbd9" providerId="ADAL" clId="{D05EAF56-C8F0-4612-806C-93E1C27F1929}" dt="2024-01-25T10:19:18.657" v="7" actId="478"/>
+          <ac:picMkLst>
+            <pc:docMk/>
+            <pc:sldMk cId="3985704815" sldId="270"/>
+            <ac:picMk id="6" creationId="{BDB4DD57-1DD7-48B1-ABFB-EE3016703034}"/>
+          </ac:picMkLst>
+        </pc:picChg>
+      </pc:sldChg>
+      <pc:sldChg chg="addSp delSp modSp add mod">
+        <pc:chgData name="Ihor Aleksandrov" userId="c3051032-6b87-4db2-b257-777a0106fbd9" providerId="ADAL" clId="{D05EAF56-C8F0-4612-806C-93E1C27F1929}" dt="2024-01-25T10:21:34.770" v="23" actId="1076"/>
+        <pc:sldMkLst>
+          <pc:docMk/>
+          <pc:sldMk cId="2117969225" sldId="271"/>
+        </pc:sldMkLst>
+        <pc:spChg chg="mod">
+          <ac:chgData name="Ihor Aleksandrov" userId="c3051032-6b87-4db2-b257-777a0106fbd9" providerId="ADAL" clId="{D05EAF56-C8F0-4612-806C-93E1C27F1929}" dt="2024-01-25T10:20:53.128" v="15"/>
+          <ac:spMkLst>
+            <pc:docMk/>
+            <pc:sldMk cId="2117969225" sldId="271"/>
+            <ac:spMk id="2" creationId="{53C5D828-9666-E312-B574-9FE965A7D6BE}"/>
+          </ac:spMkLst>
+        </pc:spChg>
+        <pc:picChg chg="del">
+          <ac:chgData name="Ihor Aleksandrov" userId="c3051032-6b87-4db2-b257-777a0106fbd9" providerId="ADAL" clId="{D05EAF56-C8F0-4612-806C-93E1C27F1929}" dt="2024-01-25T10:21:32.921" v="22" actId="478"/>
+          <ac:picMkLst>
+            <pc:docMk/>
+            <pc:sldMk cId="2117969225" sldId="271"/>
+            <ac:picMk id="5" creationId="{329D80B6-A19C-F87F-FE85-78E58BE79DFC}"/>
+          </ac:picMkLst>
+        </pc:picChg>
+        <pc:picChg chg="add mod">
+          <ac:chgData name="Ihor Aleksandrov" userId="c3051032-6b87-4db2-b257-777a0106fbd9" providerId="ADAL" clId="{D05EAF56-C8F0-4612-806C-93E1C27F1929}" dt="2024-01-25T10:21:34.770" v="23" actId="1076"/>
+          <ac:picMkLst>
+            <pc:docMk/>
+            <pc:sldMk cId="2117969225" sldId="271"/>
+            <ac:picMk id="6" creationId="{4FAB23B6-5773-62B9-EF9A-E1E0562BE8E1}"/>
+          </ac:picMkLst>
+        </pc:picChg>
+      </pc:sldChg>
+      <pc:sldChg chg="addSp delSp modSp add mod">
+        <pc:chgData name="Ihor Aleksandrov" userId="c3051032-6b87-4db2-b257-777a0106fbd9" providerId="ADAL" clId="{D05EAF56-C8F0-4612-806C-93E1C27F1929}" dt="2024-01-25T10:22:58.698" v="32" actId="1076"/>
+        <pc:sldMkLst>
+          <pc:docMk/>
+          <pc:sldMk cId="1169417950" sldId="272"/>
+        </pc:sldMkLst>
+        <pc:spChg chg="mod">
+          <ac:chgData name="Ihor Aleksandrov" userId="c3051032-6b87-4db2-b257-777a0106fbd9" providerId="ADAL" clId="{D05EAF56-C8F0-4612-806C-93E1C27F1929}" dt="2024-01-25T10:22:37.334" v="27"/>
+          <ac:spMkLst>
+            <pc:docMk/>
+            <pc:sldMk cId="1169417950" sldId="272"/>
+            <ac:spMk id="2" creationId="{53C5D828-9666-E312-B574-9FE965A7D6BE}"/>
+          </ac:spMkLst>
+        </pc:spChg>
+        <pc:picChg chg="add mod">
+          <ac:chgData name="Ihor Aleksandrov" userId="c3051032-6b87-4db2-b257-777a0106fbd9" providerId="ADAL" clId="{D05EAF56-C8F0-4612-806C-93E1C27F1929}" dt="2024-01-25T10:22:58.698" v="32" actId="1076"/>
+          <ac:picMkLst>
+            <pc:docMk/>
+            <pc:sldMk cId="1169417950" sldId="272"/>
+            <ac:picMk id="5" creationId="{2673936C-DF0C-E6AF-ABCB-83A1EB8FE594}"/>
+          </ac:picMkLst>
+        </pc:picChg>
+        <pc:picChg chg="del">
+          <ac:chgData name="Ihor Aleksandrov" userId="c3051032-6b87-4db2-b257-777a0106fbd9" providerId="ADAL" clId="{D05EAF56-C8F0-4612-806C-93E1C27F1929}" dt="2024-01-25T10:22:48.916" v="28" actId="478"/>
+          <ac:picMkLst>
+            <pc:docMk/>
+            <pc:sldMk cId="1169417950" sldId="272"/>
+            <ac:picMk id="6" creationId="{4FAB23B6-5773-62B9-EF9A-E1E0562BE8E1}"/>
+          </ac:picMkLst>
+        </pc:picChg>
+      </pc:sldChg>
+      <pc:sldChg chg="addSp delSp modSp add mod">
+        <pc:chgData name="Ihor Aleksandrov" userId="c3051032-6b87-4db2-b257-777a0106fbd9" providerId="ADAL" clId="{D05EAF56-C8F0-4612-806C-93E1C27F1929}" dt="2024-01-25T10:24:25.717" v="41" actId="1076"/>
+        <pc:sldMkLst>
+          <pc:docMk/>
+          <pc:sldMk cId="22639359" sldId="273"/>
+        </pc:sldMkLst>
+        <pc:spChg chg="mod">
+          <ac:chgData name="Ihor Aleksandrov" userId="c3051032-6b87-4db2-b257-777a0106fbd9" providerId="ADAL" clId="{D05EAF56-C8F0-4612-806C-93E1C27F1929}" dt="2024-01-25T10:24:04.948" v="36"/>
+          <ac:spMkLst>
+            <pc:docMk/>
+            <pc:sldMk cId="22639359" sldId="273"/>
+            <ac:spMk id="2" creationId="{53C5D828-9666-E312-B574-9FE965A7D6BE}"/>
+          </ac:spMkLst>
+        </pc:spChg>
+        <pc:picChg chg="del">
+          <ac:chgData name="Ihor Aleksandrov" userId="c3051032-6b87-4db2-b257-777a0106fbd9" providerId="ADAL" clId="{D05EAF56-C8F0-4612-806C-93E1C27F1929}" dt="2024-01-25T10:24:16.672" v="37" actId="478"/>
+          <ac:picMkLst>
+            <pc:docMk/>
+            <pc:sldMk cId="22639359" sldId="273"/>
+            <ac:picMk id="5" creationId="{2673936C-DF0C-E6AF-ABCB-83A1EB8FE594}"/>
+          </ac:picMkLst>
+        </pc:picChg>
+        <pc:picChg chg="add mod">
+          <ac:chgData name="Ihor Aleksandrov" userId="c3051032-6b87-4db2-b257-777a0106fbd9" providerId="ADAL" clId="{D05EAF56-C8F0-4612-806C-93E1C27F1929}" dt="2024-01-25T10:24:25.717" v="41" actId="1076"/>
+          <ac:picMkLst>
+            <pc:docMk/>
+            <pc:sldMk cId="22639359" sldId="273"/>
+            <ac:picMk id="6" creationId="{F57DB18D-BCA3-CA46-401F-99D6D9BB7754}"/>
+          </ac:picMkLst>
+        </pc:picChg>
+      </pc:sldChg>
+      <pc:sldChg chg="addSp delSp modSp add mod">
+        <pc:chgData name="Ihor Aleksandrov" userId="c3051032-6b87-4db2-b257-777a0106fbd9" providerId="ADAL" clId="{D05EAF56-C8F0-4612-806C-93E1C27F1929}" dt="2024-01-25T10:26:48.038" v="50" actId="1076"/>
+        <pc:sldMkLst>
+          <pc:docMk/>
+          <pc:sldMk cId="2169937468" sldId="274"/>
+        </pc:sldMkLst>
+        <pc:spChg chg="mod">
+          <ac:chgData name="Ihor Aleksandrov" userId="c3051032-6b87-4db2-b257-777a0106fbd9" providerId="ADAL" clId="{D05EAF56-C8F0-4612-806C-93E1C27F1929}" dt="2024-01-25T10:26:26.621" v="45"/>
+          <ac:spMkLst>
+            <pc:docMk/>
+            <pc:sldMk cId="2169937468" sldId="274"/>
+            <ac:spMk id="2" creationId="{53C5D828-9666-E312-B574-9FE965A7D6BE}"/>
+          </ac:spMkLst>
+        </pc:spChg>
+        <pc:picChg chg="add mod">
+          <ac:chgData name="Ihor Aleksandrov" userId="c3051032-6b87-4db2-b257-777a0106fbd9" providerId="ADAL" clId="{D05EAF56-C8F0-4612-806C-93E1C27F1929}" dt="2024-01-25T10:26:48.038" v="50" actId="1076"/>
+          <ac:picMkLst>
+            <pc:docMk/>
+            <pc:sldMk cId="2169937468" sldId="274"/>
+            <ac:picMk id="5" creationId="{9A572A88-7842-99D5-9802-EEA8606516CC}"/>
+          </ac:picMkLst>
+        </pc:picChg>
+        <pc:picChg chg="del">
+          <ac:chgData name="Ihor Aleksandrov" userId="c3051032-6b87-4db2-b257-777a0106fbd9" providerId="ADAL" clId="{D05EAF56-C8F0-4612-806C-93E1C27F1929}" dt="2024-01-25T10:26:41.517" v="48" actId="478"/>
+          <ac:picMkLst>
+            <pc:docMk/>
+            <pc:sldMk cId="2169937468" sldId="274"/>
+            <ac:picMk id="6" creationId="{F57DB18D-BCA3-CA46-401F-99D6D9BB7754}"/>
+          </ac:picMkLst>
+        </pc:picChg>
+      </pc:sldChg>
+      <pc:sldChg chg="addSp delSp modSp add mod">
+        <pc:chgData name="Ihor Aleksandrov" userId="c3051032-6b87-4db2-b257-777a0106fbd9" providerId="ADAL" clId="{D05EAF56-C8F0-4612-806C-93E1C27F1929}" dt="2024-01-25T10:28:26.836" v="62" actId="1076"/>
+        <pc:sldMkLst>
+          <pc:docMk/>
+          <pc:sldMk cId="3976992233" sldId="275"/>
+        </pc:sldMkLst>
+        <pc:spChg chg="mod">
+          <ac:chgData name="Ihor Aleksandrov" userId="c3051032-6b87-4db2-b257-777a0106fbd9" providerId="ADAL" clId="{D05EAF56-C8F0-4612-806C-93E1C27F1929}" dt="2024-01-25T10:28:02.805" v="55" actId="27636"/>
+          <ac:spMkLst>
+            <pc:docMk/>
+            <pc:sldMk cId="3976992233" sldId="275"/>
+            <ac:spMk id="2" creationId="{53C5D828-9666-E312-B574-9FE965A7D6BE}"/>
+          </ac:spMkLst>
+        </pc:spChg>
+        <pc:picChg chg="del">
+          <ac:chgData name="Ihor Aleksandrov" userId="c3051032-6b87-4db2-b257-777a0106fbd9" providerId="ADAL" clId="{D05EAF56-C8F0-4612-806C-93E1C27F1929}" dt="2024-01-25T10:28:04.538" v="56" actId="478"/>
+          <ac:picMkLst>
+            <pc:docMk/>
+            <pc:sldMk cId="3976992233" sldId="275"/>
+            <ac:picMk id="5" creationId="{9A572A88-7842-99D5-9802-EEA8606516CC}"/>
+          </ac:picMkLst>
+        </pc:picChg>
+        <pc:picChg chg="add mod">
+          <ac:chgData name="Ihor Aleksandrov" userId="c3051032-6b87-4db2-b257-777a0106fbd9" providerId="ADAL" clId="{D05EAF56-C8F0-4612-806C-93E1C27F1929}" dt="2024-01-25T10:28:26.836" v="62" actId="1076"/>
+          <ac:picMkLst>
+            <pc:docMk/>
+            <pc:sldMk cId="3976992233" sldId="275"/>
+            <ac:picMk id="6" creationId="{76FE2D85-671A-24B1-C1D7-52F796E16C69}"/>
+          </ac:picMkLst>
+        </pc:picChg>
+      </pc:sldChg>
+      <pc:sldChg chg="addSp delSp modSp add mod ord">
+        <pc:chgData name="Ihor Aleksandrov" userId="c3051032-6b87-4db2-b257-777a0106fbd9" providerId="ADAL" clId="{D05EAF56-C8F0-4612-806C-93E1C27F1929}" dt="2024-01-25T10:48:12.411" v="112"/>
+        <pc:sldMkLst>
+          <pc:docMk/>
+          <pc:sldMk cId="2135561016" sldId="276"/>
+        </pc:sldMkLst>
+        <pc:spChg chg="mod">
+          <ac:chgData name="Ihor Aleksandrov" userId="c3051032-6b87-4db2-b257-777a0106fbd9" providerId="ADAL" clId="{D05EAF56-C8F0-4612-806C-93E1C27F1929}" dt="2024-01-25T10:32:37.109" v="72"/>
+          <ac:spMkLst>
+            <pc:docMk/>
+            <pc:sldMk cId="2135561016" sldId="276"/>
+            <ac:spMk id="2" creationId="{18C18207-A109-5552-1541-0ABBAA316282}"/>
+          </ac:spMkLst>
+        </pc:spChg>
+        <pc:spChg chg="del">
+          <ac:chgData name="Ihor Aleksandrov" userId="c3051032-6b87-4db2-b257-777a0106fbd9" providerId="ADAL" clId="{D05EAF56-C8F0-4612-806C-93E1C27F1929}" dt="2024-01-25T10:46:20.989" v="100" actId="478"/>
+          <ac:spMkLst>
+            <pc:docMk/>
+            <pc:sldMk cId="2135561016" sldId="276"/>
+            <ac:spMk id="3" creationId="{3473E1D3-7401-AD94-5C7A-49912FA8005A}"/>
+          </ac:spMkLst>
+        </pc:spChg>
+        <pc:picChg chg="add mod">
+          <ac:chgData name="Ihor Aleksandrov" userId="c3051032-6b87-4db2-b257-777a0106fbd9" providerId="ADAL" clId="{D05EAF56-C8F0-4612-806C-93E1C27F1929}" dt="2024-01-25T10:48:12.411" v="112"/>
+          <ac:picMkLst>
+            <pc:docMk/>
+            <pc:sldMk cId="2135561016" sldId="276"/>
+            <ac:picMk id="6" creationId="{BA86DDBB-D80D-1005-2EB0-33056830C288}"/>
+          </ac:picMkLst>
+        </pc:picChg>
+      </pc:sldChg>
+      <pc:sldChg chg="addSp delSp modSp add mod ord">
+        <pc:chgData name="Ihor Aleksandrov" userId="c3051032-6b87-4db2-b257-777a0106fbd9" providerId="ADAL" clId="{D05EAF56-C8F0-4612-806C-93E1C27F1929}" dt="2024-01-25T10:35:32.671" v="88" actId="1076"/>
+        <pc:sldMkLst>
+          <pc:docMk/>
+          <pc:sldMk cId="3216895555" sldId="277"/>
+        </pc:sldMkLst>
+        <pc:spChg chg="mod">
+          <ac:chgData name="Ihor Aleksandrov" userId="c3051032-6b87-4db2-b257-777a0106fbd9" providerId="ADAL" clId="{D05EAF56-C8F0-4612-806C-93E1C27F1929}" dt="2024-01-25T10:34:55.016" v="80" actId="27636"/>
+          <ac:spMkLst>
+            <pc:docMk/>
+            <pc:sldMk cId="3216895555" sldId="277"/>
+            <ac:spMk id="2" creationId="{53C5D828-9666-E312-B574-9FE965A7D6BE}"/>
+          </ac:spMkLst>
+        </pc:spChg>
+        <pc:picChg chg="add mod">
+          <ac:chgData name="Ihor Aleksandrov" userId="c3051032-6b87-4db2-b257-777a0106fbd9" providerId="ADAL" clId="{D05EAF56-C8F0-4612-806C-93E1C27F1929}" dt="2024-01-25T10:35:32.671" v="88" actId="1076"/>
+          <ac:picMkLst>
+            <pc:docMk/>
+            <pc:sldMk cId="3216895555" sldId="277"/>
+            <ac:picMk id="5" creationId="{523B5826-3FED-E033-7A50-454B720EF960}"/>
+          </ac:picMkLst>
+        </pc:picChg>
+        <pc:picChg chg="del">
+          <ac:chgData name="Ihor Aleksandrov" userId="c3051032-6b87-4db2-b257-777a0106fbd9" providerId="ADAL" clId="{D05EAF56-C8F0-4612-806C-93E1C27F1929}" dt="2024-01-25T10:35:17.826" v="82" actId="478"/>
+          <ac:picMkLst>
+            <pc:docMk/>
+            <pc:sldMk cId="3216895555" sldId="277"/>
+            <ac:picMk id="6" creationId="{76FE2D85-671A-24B1-C1D7-52F796E16C69}"/>
+          </ac:picMkLst>
+        </pc:picChg>
+      </pc:sldChg>
+      <pc:sldChg chg="addSp delSp modSp add mod">
+        <pc:chgData name="Ihor Aleksandrov" userId="c3051032-6b87-4db2-b257-777a0106fbd9" providerId="ADAL" clId="{D05EAF56-C8F0-4612-806C-93E1C27F1929}" dt="2024-01-25T10:43:44.832" v="99" actId="1076"/>
+        <pc:sldMkLst>
+          <pc:docMk/>
+          <pc:sldMk cId="1506611494" sldId="278"/>
+        </pc:sldMkLst>
+        <pc:spChg chg="mod">
+          <ac:chgData name="Ihor Aleksandrov" userId="c3051032-6b87-4db2-b257-777a0106fbd9" providerId="ADAL" clId="{D05EAF56-C8F0-4612-806C-93E1C27F1929}" dt="2024-01-25T10:40:14.102" v="94"/>
+          <ac:spMkLst>
+            <pc:docMk/>
+            <pc:sldMk cId="1506611494" sldId="278"/>
+            <ac:spMk id="2" creationId="{53C5D828-9666-E312-B574-9FE965A7D6BE}"/>
+          </ac:spMkLst>
+        </pc:spChg>
+        <pc:picChg chg="del">
+          <ac:chgData name="Ihor Aleksandrov" userId="c3051032-6b87-4db2-b257-777a0106fbd9" providerId="ADAL" clId="{D05EAF56-C8F0-4612-806C-93E1C27F1929}" dt="2024-01-25T10:43:36.501" v="95" actId="478"/>
+          <ac:picMkLst>
+            <pc:docMk/>
+            <pc:sldMk cId="1506611494" sldId="278"/>
+            <ac:picMk id="5" creationId="{523B5826-3FED-E033-7A50-454B720EF960}"/>
+          </ac:picMkLst>
+        </pc:picChg>
+        <pc:picChg chg="add mod">
+          <ac:chgData name="Ihor Aleksandrov" userId="c3051032-6b87-4db2-b257-777a0106fbd9" providerId="ADAL" clId="{D05EAF56-C8F0-4612-806C-93E1C27F1929}" dt="2024-01-25T10:43:44.832" v="99" actId="1076"/>
+          <ac:picMkLst>
+            <pc:docMk/>
+            <pc:sldMk cId="1506611494" sldId="278"/>
+            <ac:picMk id="6" creationId="{F7B4799B-BEB4-BC82-1CD6-CE4E3725E9A6}"/>
+          </ac:picMkLst>
+        </pc:picChg>
+      </pc:sldChg>
+      <pc:sldChg chg="addSp delSp modSp add mod">
+        <pc:chgData name="Ihor Aleksandrov" userId="c3051032-6b87-4db2-b257-777a0106fbd9" providerId="ADAL" clId="{D05EAF56-C8F0-4612-806C-93E1C27F1929}" dt="2024-01-25T10:49:48.310" v="120"/>
+        <pc:sldMkLst>
+          <pc:docMk/>
+          <pc:sldMk cId="3864832451" sldId="279"/>
+        </pc:sldMkLst>
+        <pc:spChg chg="mod">
+          <ac:chgData name="Ihor Aleksandrov" userId="c3051032-6b87-4db2-b257-777a0106fbd9" providerId="ADAL" clId="{D05EAF56-C8F0-4612-806C-93E1C27F1929}" dt="2024-01-25T10:49:48.310" v="120"/>
+          <ac:spMkLst>
+            <pc:docMk/>
+            <pc:sldMk cId="3864832451" sldId="279"/>
+            <ac:spMk id="2" creationId="{53C5D828-9666-E312-B574-9FE965A7D6BE}"/>
+          </ac:spMkLst>
+        </pc:spChg>
+        <pc:picChg chg="add mod">
+          <ac:chgData name="Ihor Aleksandrov" userId="c3051032-6b87-4db2-b257-777a0106fbd9" providerId="ADAL" clId="{D05EAF56-C8F0-4612-806C-93E1C27F1929}" dt="2024-01-25T10:49:09.073" v="117" actId="1076"/>
+          <ac:picMkLst>
+            <pc:docMk/>
+            <pc:sldMk cId="3864832451" sldId="279"/>
+            <ac:picMk id="5" creationId="{C7472C97-E950-C6C2-19AE-07ECFA5C4C69}"/>
+          </ac:picMkLst>
+        </pc:picChg>
+        <pc:picChg chg="del">
+          <ac:chgData name="Ihor Aleksandrov" userId="c3051032-6b87-4db2-b257-777a0106fbd9" providerId="ADAL" clId="{D05EAF56-C8F0-4612-806C-93E1C27F1929}" dt="2024-01-25T10:48:53.887" v="114" actId="478"/>
+          <ac:picMkLst>
+            <pc:docMk/>
+            <pc:sldMk cId="3864832451" sldId="279"/>
+            <ac:picMk id="6" creationId="{F7B4799B-BEB4-BC82-1CD6-CE4E3725E9A6}"/>
+          </ac:picMkLst>
+        </pc:picChg>
+      </pc:sldChg>
+      <pc:sldChg chg="addSp delSp modSp add mod">
+        <pc:chgData name="Ihor Aleksandrov" userId="c3051032-6b87-4db2-b257-777a0106fbd9" providerId="ADAL" clId="{D05EAF56-C8F0-4612-806C-93E1C27F1929}" dt="2024-01-25T10:51:39.984" v="127" actId="1076"/>
+        <pc:sldMkLst>
+          <pc:docMk/>
+          <pc:sldMk cId="2194478224" sldId="280"/>
+        </pc:sldMkLst>
+        <pc:spChg chg="mod">
+          <ac:chgData name="Ihor Aleksandrov" userId="c3051032-6b87-4db2-b257-777a0106fbd9" providerId="ADAL" clId="{D05EAF56-C8F0-4612-806C-93E1C27F1929}" dt="2024-01-25T10:51:25.127" v="124"/>
+          <ac:spMkLst>
+            <pc:docMk/>
+            <pc:sldMk cId="2194478224" sldId="280"/>
+            <ac:spMk id="2" creationId="{53C5D828-9666-E312-B574-9FE965A7D6BE}"/>
+          </ac:spMkLst>
+        </pc:spChg>
+        <pc:picChg chg="add mod">
+          <ac:chgData name="Ihor Aleksandrov" userId="c3051032-6b87-4db2-b257-777a0106fbd9" providerId="ADAL" clId="{D05EAF56-C8F0-4612-806C-93E1C27F1929}" dt="2024-01-25T10:51:39.984" v="127" actId="1076"/>
+          <ac:picMkLst>
+            <pc:docMk/>
+            <pc:sldMk cId="2194478224" sldId="280"/>
+            <ac:picMk id="4" creationId="{8F2E114A-EFDE-8D45-E482-1B0918ACBF79}"/>
+          </ac:picMkLst>
+        </pc:picChg>
+        <pc:picChg chg="del">
+          <ac:chgData name="Ihor Aleksandrov" userId="c3051032-6b87-4db2-b257-777a0106fbd9" providerId="ADAL" clId="{D05EAF56-C8F0-4612-806C-93E1C27F1929}" dt="2024-01-25T10:51:26.612" v="125" actId="478"/>
+          <ac:picMkLst>
+            <pc:docMk/>
+            <pc:sldMk cId="2194478224" sldId="280"/>
+            <ac:picMk id="5" creationId="{C7472C97-E950-C6C2-19AE-07ECFA5C4C69}"/>
+          </ac:picMkLst>
+        </pc:picChg>
+      </pc:sldChg>
+      <pc:sldChg chg="delSp modSp add mod ord">
+        <pc:chgData name="Ihor Aleksandrov" userId="c3051032-6b87-4db2-b257-777a0106fbd9" providerId="ADAL" clId="{D05EAF56-C8F0-4612-806C-93E1C27F1929}" dt="2024-01-25T10:53:57.961" v="142" actId="20577"/>
+        <pc:sldMkLst>
+          <pc:docMk/>
+          <pc:sldMk cId="2205366352" sldId="281"/>
+        </pc:sldMkLst>
+        <pc:spChg chg="mod">
+          <ac:chgData name="Ihor Aleksandrov" userId="c3051032-6b87-4db2-b257-777a0106fbd9" providerId="ADAL" clId="{D05EAF56-C8F0-4612-806C-93E1C27F1929}" dt="2024-01-25T10:53:57.961" v="142" actId="20577"/>
+          <ac:spMkLst>
+            <pc:docMk/>
+            <pc:sldMk cId="2205366352" sldId="281"/>
+            <ac:spMk id="2" creationId="{18C18207-A109-5552-1541-0ABBAA316282}"/>
+          </ac:spMkLst>
+        </pc:spChg>
+        <pc:picChg chg="del">
+          <ac:chgData name="Ihor Aleksandrov" userId="c3051032-6b87-4db2-b257-777a0106fbd9" providerId="ADAL" clId="{D05EAF56-C8F0-4612-806C-93E1C27F1929}" dt="2024-01-25T10:53:50.795" v="134" actId="478"/>
+          <ac:picMkLst>
+            <pc:docMk/>
+            <pc:sldMk cId="2205366352" sldId="281"/>
+            <ac:picMk id="6" creationId="{BA86DDBB-D80D-1005-2EB0-33056830C288}"/>
+          </ac:picMkLst>
+        </pc:picChg>
+      </pc:sldChg>
+      <pc:sldChg chg="delSp add del setBg delDesignElem">
+        <pc:chgData name="Ihor Aleksandrov" userId="c3051032-6b87-4db2-b257-777a0106fbd9" providerId="ADAL" clId="{D05EAF56-C8F0-4612-806C-93E1C27F1929}" dt="2024-01-25T10:53:38.779" v="130" actId="47"/>
+        <pc:sldMkLst>
+          <pc:docMk/>
+          <pc:sldMk cId="2518075034" sldId="281"/>
+        </pc:sldMkLst>
+        <pc:spChg chg="del">
+          <ac:chgData name="Ihor Aleksandrov" userId="c3051032-6b87-4db2-b257-777a0106fbd9" providerId="ADAL" clId="{D05EAF56-C8F0-4612-806C-93E1C27F1929}" dt="2024-01-25T10:53:27.044" v="129"/>
+          <ac:spMkLst>
+            <pc:docMk/>
+            <pc:sldMk cId="2518075034" sldId="281"/>
+            <ac:spMk id="9" creationId="{C3896A03-3945-419A-B66B-4EE266EDD152}"/>
+          </ac:spMkLst>
+        </pc:spChg>
+        <pc:spChg chg="del">
+          <ac:chgData name="Ihor Aleksandrov" userId="c3051032-6b87-4db2-b257-777a0106fbd9" providerId="ADAL" clId="{D05EAF56-C8F0-4612-806C-93E1C27F1929}" dt="2024-01-25T10:53:27.044" v="129"/>
+          <ac:spMkLst>
+            <pc:docMk/>
+            <pc:sldMk cId="2518075034" sldId="281"/>
+            <ac:spMk id="11" creationId="{B34F5AD2-EDBD-4BBD-A55C-EAFFD0C7097A}"/>
+          </ac:spMkLst>
+        </pc:spChg>
+      </pc:sldChg>
+      <pc:sldChg chg="modSp add mod ord">
+        <pc:chgData name="Ihor Aleksandrov" userId="c3051032-6b87-4db2-b257-777a0106fbd9" providerId="ADAL" clId="{D05EAF56-C8F0-4612-806C-93E1C27F1929}" dt="2024-01-25T10:55:39.680" v="152" actId="20577"/>
+        <pc:sldMkLst>
+          <pc:docMk/>
+          <pc:sldMk cId="2028152352" sldId="282"/>
+        </pc:sldMkLst>
+        <pc:spChg chg="mod">
+          <ac:chgData name="Ihor Aleksandrov" userId="c3051032-6b87-4db2-b257-777a0106fbd9" providerId="ADAL" clId="{D05EAF56-C8F0-4612-806C-93E1C27F1929}" dt="2024-01-25T10:55:39.680" v="152" actId="20577"/>
+          <ac:spMkLst>
+            <pc:docMk/>
+            <pc:sldMk cId="2028152352" sldId="282"/>
+            <ac:spMk id="2" creationId="{18C18207-A109-5552-1541-0ABBAA316282}"/>
+          </ac:spMkLst>
+        </pc:spChg>
+      </pc:sldChg>
+      <pc:sldChg chg="modSp add mod ord">
+        <pc:chgData name="Ihor Aleksandrov" userId="c3051032-6b87-4db2-b257-777a0106fbd9" providerId="ADAL" clId="{D05EAF56-C8F0-4612-806C-93E1C27F1929}" dt="2024-01-25T11:01:05.747" v="171"/>
+        <pc:sldMkLst>
+          <pc:docMk/>
+          <pc:sldMk cId="2433051637" sldId="283"/>
+        </pc:sldMkLst>
+        <pc:spChg chg="mod">
+          <ac:chgData name="Ihor Aleksandrov" userId="c3051032-6b87-4db2-b257-777a0106fbd9" providerId="ADAL" clId="{D05EAF56-C8F0-4612-806C-93E1C27F1929}" dt="2024-01-25T11:01:05.747" v="171"/>
+          <ac:spMkLst>
+            <pc:docMk/>
+            <pc:sldMk cId="2433051637" sldId="283"/>
+            <ac:spMk id="2" creationId="{53C5D828-9666-E312-B574-9FE965A7D6BE}"/>
+          </ac:spMkLst>
+        </pc:spChg>
+      </pc:sldChg>
+      <pc:sldChg chg="addSp delSp modSp add mod">
+        <pc:chgData name="Ihor Aleksandrov" userId="c3051032-6b87-4db2-b257-777a0106fbd9" providerId="ADAL" clId="{D05EAF56-C8F0-4612-806C-93E1C27F1929}" dt="2024-01-25T11:22:22.700" v="219" actId="14100"/>
+        <pc:sldMkLst>
+          <pc:docMk/>
+          <pc:sldMk cId="2869825701" sldId="284"/>
+        </pc:sldMkLst>
+        <pc:spChg chg="mod">
+          <ac:chgData name="Ihor Aleksandrov" userId="c3051032-6b87-4db2-b257-777a0106fbd9" providerId="ADAL" clId="{D05EAF56-C8F0-4612-806C-93E1C27F1929}" dt="2024-01-25T11:01:51.992" v="175"/>
+          <ac:spMkLst>
+            <pc:docMk/>
+            <pc:sldMk cId="2869825701" sldId="284"/>
             <ac:spMk id="2" creationId="{53C5D828-9666-E312-B574-9FE965A7D6BE}"/>
           </ac:spMkLst>
         </pc:spChg>
         <pc:spChg chg="del">
-          <ac:chgData name="Ihor Aleksandrov" userId="c3051032-6b87-4db2-b257-777a0106fbd9" providerId="ADAL" clId="{CD6A1DE1-ACF9-4B80-94F3-F58CA81605B6}" dt="2024-01-31T14:07:40.586" v="16" actId="478"/>
+          <ac:chgData name="Ihor Aleksandrov" userId="c3051032-6b87-4db2-b257-777a0106fbd9" providerId="ADAL" clId="{D05EAF56-C8F0-4612-806C-93E1C27F1929}" dt="2024-01-25T11:22:01.808" v="214" actId="478"/>
           <ac:spMkLst>
             <pc:docMk/>
-            <pc:sldMk cId="4197480136" sldId="268"/>
-            <ac:spMk id="4" creationId="{13451CDA-1490-D1A7-A07B-AFF3680A7469}"/>
-          </ac:spMkLst>
-        </pc:spChg>
-        <pc:picChg chg="add del mod">
-          <ac:chgData name="Ihor Aleksandrov" userId="c3051032-6b87-4db2-b257-777a0106fbd9" providerId="ADAL" clId="{CD6A1DE1-ACF9-4B80-94F3-F58CA81605B6}" dt="2024-01-31T14:09:37.609" v="23" actId="478"/>
-          <ac:picMkLst>
-            <pc:docMk/>
-            <pc:sldMk cId="4197480136" sldId="268"/>
-            <ac:picMk id="5" creationId="{F0022280-0E09-E00E-9A77-DDC8C0BF78AC}"/>
-          </ac:picMkLst>
-        </pc:picChg>
-        <pc:picChg chg="add mod">
-          <ac:chgData name="Ihor Aleksandrov" userId="c3051032-6b87-4db2-b257-777a0106fbd9" providerId="ADAL" clId="{CD6A1DE1-ACF9-4B80-94F3-F58CA81605B6}" dt="2024-01-31T14:09:46.445" v="28" actId="1076"/>
-          <ac:picMkLst>
-            <pc:docMk/>
-            <pc:sldMk cId="4197480136" sldId="268"/>
-            <ac:picMk id="6" creationId="{4159ACBD-A9C3-7371-B502-430612B37D57}"/>
-          </ac:picMkLst>
-        </pc:picChg>
-      </pc:sldChg>
-      <pc:sldChg chg="modSp mod">
-        <pc:chgData name="Ihor Aleksandrov" userId="c3051032-6b87-4db2-b257-777a0106fbd9" providerId="ADAL" clId="{CD6A1DE1-ACF9-4B80-94F3-F58CA81605B6}" dt="2024-01-31T09:08:12.162" v="1"/>
-        <pc:sldMkLst>
-          <pc:docMk/>
-          <pc:sldMk cId="2052164358" sldId="302"/>
-        </pc:sldMkLst>
-        <pc:spChg chg="mod">
-          <ac:chgData name="Ihor Aleksandrov" userId="c3051032-6b87-4db2-b257-777a0106fbd9" providerId="ADAL" clId="{CD6A1DE1-ACF9-4B80-94F3-F58CA81605B6}" dt="2024-01-31T09:08:12.162" v="1"/>
-          <ac:spMkLst>
-            <pc:docMk/>
-            <pc:sldMk cId="2052164358" sldId="302"/>
-            <ac:spMk id="2" creationId="{5DF8ECE0-DBF5-C309-B35B-C6A0C6C847B2}"/>
-          </ac:spMkLst>
-        </pc:spChg>
-      </pc:sldChg>
-      <pc:sldChg chg="modSp">
-        <pc:chgData name="Ihor Aleksandrov" userId="c3051032-6b87-4db2-b257-777a0106fbd9" providerId="ADAL" clId="{CD6A1DE1-ACF9-4B80-94F3-F58CA81605B6}" dt="2024-01-31T16:36:06.805" v="251" actId="20577"/>
-        <pc:sldMkLst>
-          <pc:docMk/>
-          <pc:sldMk cId="2972731808" sldId="303"/>
-        </pc:sldMkLst>
-        <pc:graphicFrameChg chg="mod">
-          <ac:chgData name="Ihor Aleksandrov" userId="c3051032-6b87-4db2-b257-777a0106fbd9" providerId="ADAL" clId="{CD6A1DE1-ACF9-4B80-94F3-F58CA81605B6}" dt="2024-01-31T16:36:06.805" v="251" actId="20577"/>
-          <ac:graphicFrameMkLst>
-            <pc:docMk/>
-            <pc:sldMk cId="2972731808" sldId="303"/>
-            <ac:graphicFrameMk id="50" creationId="{438840ED-2B50-ED19-12CF-99B1789AE150}"/>
-          </ac:graphicFrameMkLst>
-        </pc:graphicFrameChg>
-      </pc:sldChg>
-      <pc:sldChg chg="add">
-        <pc:chgData name="Ihor Aleksandrov" userId="c3051032-6b87-4db2-b257-777a0106fbd9" providerId="ADAL" clId="{CD6A1DE1-ACF9-4B80-94F3-F58CA81605B6}" dt="2024-01-31T14:07:59.482" v="22" actId="2890"/>
-        <pc:sldMkLst>
-          <pc:docMk/>
-          <pc:sldMk cId="1009650064" sldId="304"/>
-        </pc:sldMkLst>
-      </pc:sldChg>
-      <pc:sldChg chg="del">
-        <pc:chgData name="Ihor Aleksandrov" userId="c3051032-6b87-4db2-b257-777a0106fbd9" providerId="ADAL" clId="{CD6A1DE1-ACF9-4B80-94F3-F58CA81605B6}" dt="2024-01-31T09:09:41.621" v="12" actId="2696"/>
-        <pc:sldMkLst>
-          <pc:docMk/>
-          <pc:sldMk cId="3549163878" sldId="304"/>
-        </pc:sldMkLst>
-      </pc:sldChg>
-      <pc:sldChg chg="addSp delSp modSp add mod">
-        <pc:chgData name="Ihor Aleksandrov" userId="c3051032-6b87-4db2-b257-777a0106fbd9" providerId="ADAL" clId="{CD6A1DE1-ACF9-4B80-94F3-F58CA81605B6}" dt="2024-01-31T14:17:45.758" v="45"/>
-        <pc:sldMkLst>
-          <pc:docMk/>
-          <pc:sldMk cId="3689973886" sldId="305"/>
-        </pc:sldMkLst>
-        <pc:spChg chg="mod">
-          <ac:chgData name="Ihor Aleksandrov" userId="c3051032-6b87-4db2-b257-777a0106fbd9" providerId="ADAL" clId="{CD6A1DE1-ACF9-4B80-94F3-F58CA81605B6}" dt="2024-01-31T14:17:45.758" v="45"/>
-          <ac:spMkLst>
-            <pc:docMk/>
-            <pc:sldMk cId="3689973886" sldId="305"/>
-            <ac:spMk id="2" creationId="{53C5D828-9666-E312-B574-9FE965A7D6BE}"/>
+            <pc:sldMk cId="2869825701" sldId="284"/>
+            <ac:spMk id="6" creationId="{E04F08BD-B70E-B1A8-7328-EE29B18E4AA1}"/>
           </ac:spMkLst>
         </pc:spChg>
         <pc:picChg chg="add mod">
-          <ac:chgData name="Ihor Aleksandrov" userId="c3051032-6b87-4db2-b257-777a0106fbd9" providerId="ADAL" clId="{CD6A1DE1-ACF9-4B80-94F3-F58CA81605B6}" dt="2024-01-31T14:15:35.700" v="44" actId="1076"/>
+          <ac:chgData name="Ihor Aleksandrov" userId="c3051032-6b87-4db2-b257-777a0106fbd9" providerId="ADAL" clId="{D05EAF56-C8F0-4612-806C-93E1C27F1929}" dt="2024-01-25T11:22:22.700" v="219" actId="14100"/>
           <ac:picMkLst>
             <pc:docMk/>
-            <pc:sldMk cId="3689973886" sldId="305"/>
-            <ac:picMk id="5" creationId="{65983233-09CA-119D-EF1F-584282E32591}"/>
+            <pc:sldMk cId="2869825701" sldId="284"/>
+            <ac:picMk id="5" creationId="{0885AC12-A488-3762-3217-E1B0319D46AD}"/>
           </ac:picMkLst>
         </pc:picChg>
-        <pc:picChg chg="del">
-          <ac:chgData name="Ihor Aleksandrov" userId="c3051032-6b87-4db2-b257-777a0106fbd9" providerId="ADAL" clId="{CD6A1DE1-ACF9-4B80-94F3-F58CA81605B6}" dt="2024-01-31T14:15:27.455" v="40" actId="478"/>
-          <ac:picMkLst>
-            <pc:docMk/>
-            <pc:sldMk cId="3689973886" sldId="305"/>
-            <ac:picMk id="6" creationId="{4159ACBD-A9C3-7371-B502-430612B37D57}"/>
-          </ac:picMkLst>
-        </pc:picChg>
-      </pc:sldChg>
-      <pc:sldChg chg="del">
-        <pc:chgData name="Ihor Aleksandrov" userId="c3051032-6b87-4db2-b257-777a0106fbd9" providerId="ADAL" clId="{CD6A1DE1-ACF9-4B80-94F3-F58CA81605B6}" dt="2024-01-31T09:09:41.621" v="12" actId="2696"/>
-        <pc:sldMkLst>
-          <pc:docMk/>
-          <pc:sldMk cId="3859147720" sldId="305"/>
-        </pc:sldMkLst>
-      </pc:sldChg>
-      <pc:sldChg chg="del">
-        <pc:chgData name="Ihor Aleksandrov" userId="c3051032-6b87-4db2-b257-777a0106fbd9" providerId="ADAL" clId="{CD6A1DE1-ACF9-4B80-94F3-F58CA81605B6}" dt="2024-01-31T09:09:41.621" v="12" actId="2696"/>
-        <pc:sldMkLst>
-          <pc:docMk/>
-          <pc:sldMk cId="2864035387" sldId="306"/>
-        </pc:sldMkLst>
-      </pc:sldChg>
-      <pc:sldChg chg="addSp delSp modSp add mod">
-        <pc:chgData name="Ihor Aleksandrov" userId="c3051032-6b87-4db2-b257-777a0106fbd9" providerId="ADAL" clId="{CD6A1DE1-ACF9-4B80-94F3-F58CA81605B6}" dt="2024-01-31T14:19:42.222" v="51" actId="11529"/>
-        <pc:sldMkLst>
-          <pc:docMk/>
-          <pc:sldMk cId="2869883964" sldId="306"/>
-        </pc:sldMkLst>
-        <pc:spChg chg="mod">
-          <ac:chgData name="Ihor Aleksandrov" userId="c3051032-6b87-4db2-b257-777a0106fbd9" providerId="ADAL" clId="{CD6A1DE1-ACF9-4B80-94F3-F58CA81605B6}" dt="2024-01-31T14:18:50.257" v="49"/>
+      </pc:sldChg>
+      <pc:sldChg chg="addSp delSp add del setBg delDesignElem">
+        <pc:chgData name="Ihor Aleksandrov" userId="c3051032-6b87-4db2-b257-777a0106fbd9" providerId="ADAL" clId="{D05EAF56-C8F0-4612-806C-93E1C27F1929}" dt="2024-01-25T11:00:55.998" v="168"/>
+        <pc:sldMkLst>
+          <pc:docMk/>
+          <pc:sldMk cId="3157685417" sldId="284"/>
+        </pc:sldMkLst>
+        <pc:spChg chg="add del">
+          <ac:chgData name="Ihor Aleksandrov" userId="c3051032-6b87-4db2-b257-777a0106fbd9" providerId="ADAL" clId="{D05EAF56-C8F0-4612-806C-93E1C27F1929}" dt="2024-01-25T11:00:55.998" v="168"/>
           <ac:spMkLst>
             <pc:docMk/>
-            <pc:sldMk cId="2869883964" sldId="306"/>
-            <ac:spMk id="2" creationId="{53C5D828-9666-E312-B574-9FE965A7D6BE}"/>
+            <pc:sldMk cId="3157685417" sldId="284"/>
+            <ac:spMk id="9" creationId="{D4771268-CB57-404A-9271-370EB28F6090}"/>
           </ac:spMkLst>
         </pc:spChg>
-        <pc:spChg chg="add">
-          <ac:chgData name="Ihor Aleksandrov" userId="c3051032-6b87-4db2-b257-777a0106fbd9" providerId="ADAL" clId="{CD6A1DE1-ACF9-4B80-94F3-F58CA81605B6}" dt="2024-01-31T14:19:42.222" v="51" actId="11529"/>
+      </pc:sldChg>
+      <pc:sldChg chg="addSp delSp modSp add mod">
+        <pc:chgData name="Ihor Aleksandrov" userId="c3051032-6b87-4db2-b257-777a0106fbd9" providerId="ADAL" clId="{D05EAF56-C8F0-4612-806C-93E1C27F1929}" dt="2024-01-25T11:03:48.850" v="202" actId="1036"/>
+        <pc:sldMkLst>
+          <pc:docMk/>
+          <pc:sldMk cId="856240837" sldId="285"/>
+        </pc:sldMkLst>
+        <pc:spChg chg="mod">
+          <ac:chgData name="Ihor Aleksandrov" userId="c3051032-6b87-4db2-b257-777a0106fbd9" providerId="ADAL" clId="{D05EAF56-C8F0-4612-806C-93E1C27F1929}" dt="2024-01-25T11:03:18.596" v="177"/>
           <ac:spMkLst>
             <pc:docMk/>
-            <pc:sldMk cId="2869883964" sldId="306"/>
-            <ac:spMk id="4" creationId="{A7A10FCB-73CC-EC25-5BA2-8A25FEB14B6A}"/>
-          </ac:spMkLst>
-        </pc:spChg>
-        <pc:picChg chg="del">
-          <ac:chgData name="Ihor Aleksandrov" userId="c3051032-6b87-4db2-b257-777a0106fbd9" providerId="ADAL" clId="{CD6A1DE1-ACF9-4B80-94F3-F58CA81605B6}" dt="2024-01-31T14:19:35.964" v="50" actId="478"/>
-          <ac:picMkLst>
-            <pc:docMk/>
-            <pc:sldMk cId="2869883964" sldId="306"/>
-            <ac:picMk id="5" creationId="{65983233-09CA-119D-EF1F-584282E32591}"/>
-          </ac:picMkLst>
-        </pc:picChg>
-      </pc:sldChg>
-      <pc:sldChg chg="modSp add mod">
-        <pc:chgData name="Ihor Aleksandrov" userId="c3051032-6b87-4db2-b257-777a0106fbd9" providerId="ADAL" clId="{CD6A1DE1-ACF9-4B80-94F3-F58CA81605B6}" dt="2024-01-31T14:21:43.315" v="55"/>
-        <pc:sldMkLst>
-          <pc:docMk/>
-          <pc:sldMk cId="609281495" sldId="307"/>
-        </pc:sldMkLst>
-        <pc:spChg chg="mod">
-          <ac:chgData name="Ihor Aleksandrov" userId="c3051032-6b87-4db2-b257-777a0106fbd9" providerId="ADAL" clId="{CD6A1DE1-ACF9-4B80-94F3-F58CA81605B6}" dt="2024-01-31T14:21:43.315" v="55"/>
-          <ac:spMkLst>
-            <pc:docMk/>
-            <pc:sldMk cId="609281495" sldId="307"/>
-            <ac:spMk id="2" creationId="{53C5D828-9666-E312-B574-9FE965A7D6BE}"/>
-          </ac:spMkLst>
-        </pc:spChg>
-      </pc:sldChg>
-      <pc:sldChg chg="del">
-        <pc:chgData name="Ihor Aleksandrov" userId="c3051032-6b87-4db2-b257-777a0106fbd9" providerId="ADAL" clId="{CD6A1DE1-ACF9-4B80-94F3-F58CA81605B6}" dt="2024-01-31T09:09:41.621" v="12" actId="2696"/>
-        <pc:sldMkLst>
-          <pc:docMk/>
-          <pc:sldMk cId="1602066729" sldId="307"/>
-        </pc:sldMkLst>
-      </pc:sldChg>
-      <pc:sldChg chg="modSp add mod">
-        <pc:chgData name="Ihor Aleksandrov" userId="c3051032-6b87-4db2-b257-777a0106fbd9" providerId="ADAL" clId="{CD6A1DE1-ACF9-4B80-94F3-F58CA81605B6}" dt="2024-01-31T14:23:36.164" v="57"/>
-        <pc:sldMkLst>
-          <pc:docMk/>
-          <pc:sldMk cId="892253496" sldId="308"/>
-        </pc:sldMkLst>
-        <pc:spChg chg="mod">
-          <ac:chgData name="Ihor Aleksandrov" userId="c3051032-6b87-4db2-b257-777a0106fbd9" providerId="ADAL" clId="{CD6A1DE1-ACF9-4B80-94F3-F58CA81605B6}" dt="2024-01-31T14:23:36.164" v="57"/>
-          <ac:spMkLst>
-            <pc:docMk/>
-            <pc:sldMk cId="892253496" sldId="308"/>
-            <ac:spMk id="2" creationId="{53C5D828-9666-E312-B574-9FE965A7D6BE}"/>
-          </ac:spMkLst>
-        </pc:spChg>
-      </pc:sldChg>
-      <pc:sldChg chg="del">
-        <pc:chgData name="Ihor Aleksandrov" userId="c3051032-6b87-4db2-b257-777a0106fbd9" providerId="ADAL" clId="{CD6A1DE1-ACF9-4B80-94F3-F58CA81605B6}" dt="2024-01-31T09:09:41.621" v="12" actId="2696"/>
-        <pc:sldMkLst>
-          <pc:docMk/>
-          <pc:sldMk cId="3269251051" sldId="308"/>
-        </pc:sldMkLst>
-      </pc:sldChg>
-      <pc:sldChg chg="modSp add mod">
-        <pc:chgData name="Ihor Aleksandrov" userId="c3051032-6b87-4db2-b257-777a0106fbd9" providerId="ADAL" clId="{CD6A1DE1-ACF9-4B80-94F3-F58CA81605B6}" dt="2024-01-31T14:28:00.006" v="68" actId="6549"/>
-        <pc:sldMkLst>
-          <pc:docMk/>
-          <pc:sldMk cId="322251114" sldId="309"/>
-        </pc:sldMkLst>
-        <pc:spChg chg="mod">
-          <ac:chgData name="Ihor Aleksandrov" userId="c3051032-6b87-4db2-b257-777a0106fbd9" providerId="ADAL" clId="{CD6A1DE1-ACF9-4B80-94F3-F58CA81605B6}" dt="2024-01-31T14:28:00.006" v="68" actId="6549"/>
-          <ac:spMkLst>
-            <pc:docMk/>
-            <pc:sldMk cId="322251114" sldId="309"/>
-            <ac:spMk id="2" creationId="{53C5D828-9666-E312-B574-9FE965A7D6BE}"/>
-          </ac:spMkLst>
-        </pc:spChg>
-      </pc:sldChg>
-      <pc:sldChg chg="del">
-        <pc:chgData name="Ihor Aleksandrov" userId="c3051032-6b87-4db2-b257-777a0106fbd9" providerId="ADAL" clId="{CD6A1DE1-ACF9-4B80-94F3-F58CA81605B6}" dt="2024-01-31T09:09:41.621" v="12" actId="2696"/>
-        <pc:sldMkLst>
-          <pc:docMk/>
-          <pc:sldMk cId="1192723176" sldId="309"/>
-        </pc:sldMkLst>
-      </pc:sldChg>
-      <pc:sldChg chg="del">
-        <pc:chgData name="Ihor Aleksandrov" userId="c3051032-6b87-4db2-b257-777a0106fbd9" providerId="ADAL" clId="{CD6A1DE1-ACF9-4B80-94F3-F58CA81605B6}" dt="2024-01-31T09:09:41.621" v="12" actId="2696"/>
-        <pc:sldMkLst>
-          <pc:docMk/>
-          <pc:sldMk cId="349494834" sldId="310"/>
-        </pc:sldMkLst>
-      </pc:sldChg>
-      <pc:sldChg chg="modSp add mod">
-        <pc:chgData name="Ihor Aleksandrov" userId="c3051032-6b87-4db2-b257-777a0106fbd9" providerId="ADAL" clId="{CD6A1DE1-ACF9-4B80-94F3-F58CA81605B6}" dt="2024-01-31T14:41:19.484" v="113" actId="20577"/>
-        <pc:sldMkLst>
-          <pc:docMk/>
-          <pc:sldMk cId="3511455361" sldId="310"/>
-        </pc:sldMkLst>
-        <pc:spChg chg="mod">
-          <ac:chgData name="Ihor Aleksandrov" userId="c3051032-6b87-4db2-b257-777a0106fbd9" providerId="ADAL" clId="{CD6A1DE1-ACF9-4B80-94F3-F58CA81605B6}" dt="2024-01-31T14:41:19.484" v="113" actId="20577"/>
-          <ac:spMkLst>
-            <pc:docMk/>
-            <pc:sldMk cId="3511455361" sldId="310"/>
-            <ac:spMk id="2" creationId="{53C5D828-9666-E312-B574-9FE965A7D6BE}"/>
-          </ac:spMkLst>
-        </pc:spChg>
-      </pc:sldChg>
-      <pc:sldChg chg="del">
-        <pc:chgData name="Ihor Aleksandrov" userId="c3051032-6b87-4db2-b257-777a0106fbd9" providerId="ADAL" clId="{CD6A1DE1-ACF9-4B80-94F3-F58CA81605B6}" dt="2024-01-31T09:09:41.621" v="12" actId="2696"/>
-        <pc:sldMkLst>
-          <pc:docMk/>
-          <pc:sldMk cId="499114694" sldId="311"/>
-        </pc:sldMkLst>
-      </pc:sldChg>
-      <pc:sldChg chg="modSp add mod">
-        <pc:chgData name="Ihor Aleksandrov" userId="c3051032-6b87-4db2-b257-777a0106fbd9" providerId="ADAL" clId="{CD6A1DE1-ACF9-4B80-94F3-F58CA81605B6}" dt="2024-01-31T14:45:28.900" v="115"/>
-        <pc:sldMkLst>
-          <pc:docMk/>
-          <pc:sldMk cId="1118882355" sldId="311"/>
-        </pc:sldMkLst>
-        <pc:spChg chg="mod">
-          <ac:chgData name="Ihor Aleksandrov" userId="c3051032-6b87-4db2-b257-777a0106fbd9" providerId="ADAL" clId="{CD6A1DE1-ACF9-4B80-94F3-F58CA81605B6}" dt="2024-01-31T14:45:28.900" v="115"/>
-          <ac:spMkLst>
-            <pc:docMk/>
-            <pc:sldMk cId="1118882355" sldId="311"/>
-            <ac:spMk id="2" creationId="{53C5D828-9666-E312-B574-9FE965A7D6BE}"/>
-          </ac:spMkLst>
-        </pc:spChg>
-      </pc:sldChg>
-      <pc:sldChg chg="del">
-        <pc:chgData name="Ihor Aleksandrov" userId="c3051032-6b87-4db2-b257-777a0106fbd9" providerId="ADAL" clId="{CD6A1DE1-ACF9-4B80-94F3-F58CA81605B6}" dt="2024-01-31T09:09:41.621" v="12" actId="2696"/>
-        <pc:sldMkLst>
-          <pc:docMk/>
-          <pc:sldMk cId="270713766" sldId="312"/>
-        </pc:sldMkLst>
-      </pc:sldChg>
-      <pc:sldChg chg="modSp add mod">
-        <pc:chgData name="Ihor Aleksandrov" userId="c3051032-6b87-4db2-b257-777a0106fbd9" providerId="ADAL" clId="{CD6A1DE1-ACF9-4B80-94F3-F58CA81605B6}" dt="2024-01-31T14:47:18.694" v="119"/>
-        <pc:sldMkLst>
-          <pc:docMk/>
-          <pc:sldMk cId="804494040" sldId="312"/>
-        </pc:sldMkLst>
-        <pc:spChg chg="mod">
-          <ac:chgData name="Ihor Aleksandrov" userId="c3051032-6b87-4db2-b257-777a0106fbd9" providerId="ADAL" clId="{CD6A1DE1-ACF9-4B80-94F3-F58CA81605B6}" dt="2024-01-31T14:47:18.694" v="119"/>
-          <ac:spMkLst>
-            <pc:docMk/>
-            <pc:sldMk cId="804494040" sldId="312"/>
-            <ac:spMk id="2" creationId="{53C5D828-9666-E312-B574-9FE965A7D6BE}"/>
-          </ac:spMkLst>
-        </pc:spChg>
-      </pc:sldChg>
-      <pc:sldChg chg="modSp add mod">
-        <pc:chgData name="Ihor Aleksandrov" userId="c3051032-6b87-4db2-b257-777a0106fbd9" providerId="ADAL" clId="{CD6A1DE1-ACF9-4B80-94F3-F58CA81605B6}" dt="2024-01-31T14:49:19.729" v="125"/>
-        <pc:sldMkLst>
-          <pc:docMk/>
-          <pc:sldMk cId="516861898" sldId="313"/>
-        </pc:sldMkLst>
-        <pc:spChg chg="mod">
-          <ac:chgData name="Ihor Aleksandrov" userId="c3051032-6b87-4db2-b257-777a0106fbd9" providerId="ADAL" clId="{CD6A1DE1-ACF9-4B80-94F3-F58CA81605B6}" dt="2024-01-31T14:49:19.729" v="125"/>
-          <ac:spMkLst>
-            <pc:docMk/>
-            <pc:sldMk cId="516861898" sldId="313"/>
-            <ac:spMk id="2" creationId="{53C5D828-9666-E312-B574-9FE965A7D6BE}"/>
-          </ac:spMkLst>
-        </pc:spChg>
-      </pc:sldChg>
-      <pc:sldChg chg="del">
-        <pc:chgData name="Ihor Aleksandrov" userId="c3051032-6b87-4db2-b257-777a0106fbd9" providerId="ADAL" clId="{CD6A1DE1-ACF9-4B80-94F3-F58CA81605B6}" dt="2024-01-31T09:09:41.621" v="12" actId="2696"/>
-        <pc:sldMkLst>
-          <pc:docMk/>
-          <pc:sldMk cId="3773115567" sldId="313"/>
-        </pc:sldMkLst>
-      </pc:sldChg>
-      <pc:sldChg chg="del">
-        <pc:chgData name="Ihor Aleksandrov" userId="c3051032-6b87-4db2-b257-777a0106fbd9" providerId="ADAL" clId="{CD6A1DE1-ACF9-4B80-94F3-F58CA81605B6}" dt="2024-01-31T09:09:41.621" v="12" actId="2696"/>
-        <pc:sldMkLst>
-          <pc:docMk/>
-          <pc:sldMk cId="141045630" sldId="314"/>
-        </pc:sldMkLst>
-      </pc:sldChg>
-      <pc:sldChg chg="addSp delSp modSp add mod">
-        <pc:chgData name="Ihor Aleksandrov" userId="c3051032-6b87-4db2-b257-777a0106fbd9" providerId="ADAL" clId="{CD6A1DE1-ACF9-4B80-94F3-F58CA81605B6}" dt="2024-01-31T15:01:29.780" v="129" actId="22"/>
-        <pc:sldMkLst>
-          <pc:docMk/>
-          <pc:sldMk cId="3021580720" sldId="314"/>
-        </pc:sldMkLst>
-        <pc:spChg chg="mod">
-          <ac:chgData name="Ihor Aleksandrov" userId="c3051032-6b87-4db2-b257-777a0106fbd9" providerId="ADAL" clId="{CD6A1DE1-ACF9-4B80-94F3-F58CA81605B6}" dt="2024-01-31T14:57:18.485" v="127"/>
-          <ac:spMkLst>
-            <pc:docMk/>
-            <pc:sldMk cId="3021580720" sldId="314"/>
-            <ac:spMk id="2" creationId="{53C5D828-9666-E312-B574-9FE965A7D6BE}"/>
-          </ac:spMkLst>
-        </pc:spChg>
-        <pc:spChg chg="add del">
-          <ac:chgData name="Ihor Aleksandrov" userId="c3051032-6b87-4db2-b257-777a0106fbd9" providerId="ADAL" clId="{CD6A1DE1-ACF9-4B80-94F3-F58CA81605B6}" dt="2024-01-31T15:01:29.780" v="129" actId="22"/>
-          <ac:spMkLst>
-            <pc:docMk/>
-            <pc:sldMk cId="3021580720" sldId="314"/>
-            <ac:spMk id="6" creationId="{F057BD1F-14DA-AC1C-4B2D-1E5D44A96B3F}"/>
-          </ac:spMkLst>
-        </pc:spChg>
-      </pc:sldChg>
-      <pc:sldChg chg="del">
-        <pc:chgData name="Ihor Aleksandrov" userId="c3051032-6b87-4db2-b257-777a0106fbd9" providerId="ADAL" clId="{CD6A1DE1-ACF9-4B80-94F3-F58CA81605B6}" dt="2024-01-31T09:09:41.621" v="12" actId="2696"/>
-        <pc:sldMkLst>
-          <pc:docMk/>
-          <pc:sldMk cId="1532481946" sldId="315"/>
-        </pc:sldMkLst>
-      </pc:sldChg>
-      <pc:sldChg chg="modSp add mod">
-        <pc:chgData name="Ihor Aleksandrov" userId="c3051032-6b87-4db2-b257-777a0106fbd9" providerId="ADAL" clId="{CD6A1DE1-ACF9-4B80-94F3-F58CA81605B6}" dt="2024-01-31T15:01:47.443" v="136" actId="20577"/>
-        <pc:sldMkLst>
-          <pc:docMk/>
-          <pc:sldMk cId="1571930096" sldId="315"/>
-        </pc:sldMkLst>
-        <pc:spChg chg="mod">
-          <ac:chgData name="Ihor Aleksandrov" userId="c3051032-6b87-4db2-b257-777a0106fbd9" providerId="ADAL" clId="{CD6A1DE1-ACF9-4B80-94F3-F58CA81605B6}" dt="2024-01-31T15:01:47.443" v="136" actId="20577"/>
-          <ac:spMkLst>
-            <pc:docMk/>
-            <pc:sldMk cId="1571930096" sldId="315"/>
-            <ac:spMk id="2" creationId="{53C5D828-9666-E312-B574-9FE965A7D6BE}"/>
-          </ac:spMkLst>
-        </pc:spChg>
-      </pc:sldChg>
-      <pc:sldChg chg="modSp add mod">
-        <pc:chgData name="Ihor Aleksandrov" userId="c3051032-6b87-4db2-b257-777a0106fbd9" providerId="ADAL" clId="{CD6A1DE1-ACF9-4B80-94F3-F58CA81605B6}" dt="2024-01-31T15:03:02.352" v="159" actId="14100"/>
-        <pc:sldMkLst>
-          <pc:docMk/>
-          <pc:sldMk cId="1133084570" sldId="316"/>
-        </pc:sldMkLst>
-        <pc:spChg chg="mod">
-          <ac:chgData name="Ihor Aleksandrov" userId="c3051032-6b87-4db2-b257-777a0106fbd9" providerId="ADAL" clId="{CD6A1DE1-ACF9-4B80-94F3-F58CA81605B6}" dt="2024-01-31T15:03:02.352" v="159" actId="14100"/>
-          <ac:spMkLst>
-            <pc:docMk/>
-            <pc:sldMk cId="1133084570" sldId="316"/>
-            <ac:spMk id="2" creationId="{53C5D828-9666-E312-B574-9FE965A7D6BE}"/>
-          </ac:spMkLst>
-        </pc:spChg>
-      </pc:sldChg>
-      <pc:sldChg chg="del">
-        <pc:chgData name="Ihor Aleksandrov" userId="c3051032-6b87-4db2-b257-777a0106fbd9" providerId="ADAL" clId="{CD6A1DE1-ACF9-4B80-94F3-F58CA81605B6}" dt="2024-01-31T09:09:41.621" v="12" actId="2696"/>
-        <pc:sldMkLst>
-          <pc:docMk/>
-          <pc:sldMk cId="2524846561" sldId="316"/>
-        </pc:sldMkLst>
-      </pc:sldChg>
-      <pc:sldChg chg="del">
-        <pc:chgData name="Ihor Aleksandrov" userId="c3051032-6b87-4db2-b257-777a0106fbd9" providerId="ADAL" clId="{CD6A1DE1-ACF9-4B80-94F3-F58CA81605B6}" dt="2024-01-31T09:09:41.621" v="12" actId="2696"/>
-        <pc:sldMkLst>
-          <pc:docMk/>
-          <pc:sldMk cId="340892873" sldId="317"/>
-        </pc:sldMkLst>
-      </pc:sldChg>
-      <pc:sldChg chg="modSp add mod">
-        <pc:chgData name="Ihor Aleksandrov" userId="c3051032-6b87-4db2-b257-777a0106fbd9" providerId="ADAL" clId="{CD6A1DE1-ACF9-4B80-94F3-F58CA81605B6}" dt="2024-01-31T15:06:04.633" v="164" actId="20577"/>
-        <pc:sldMkLst>
-          <pc:docMk/>
-          <pc:sldMk cId="356788772" sldId="317"/>
-        </pc:sldMkLst>
-        <pc:spChg chg="mod">
-          <ac:chgData name="Ihor Aleksandrov" userId="c3051032-6b87-4db2-b257-777a0106fbd9" providerId="ADAL" clId="{CD6A1DE1-ACF9-4B80-94F3-F58CA81605B6}" dt="2024-01-31T15:06:04.633" v="164" actId="20577"/>
-          <ac:spMkLst>
-            <pc:docMk/>
-            <pc:sldMk cId="356788772" sldId="317"/>
-            <ac:spMk id="2" creationId="{53C5D828-9666-E312-B574-9FE965A7D6BE}"/>
-          </ac:spMkLst>
-        </pc:spChg>
-      </pc:sldChg>
-      <pc:sldChg chg="del">
-        <pc:chgData name="Ihor Aleksandrov" userId="c3051032-6b87-4db2-b257-777a0106fbd9" providerId="ADAL" clId="{CD6A1DE1-ACF9-4B80-94F3-F58CA81605B6}" dt="2024-01-31T09:09:41.621" v="12" actId="2696"/>
-        <pc:sldMkLst>
-          <pc:docMk/>
-          <pc:sldMk cId="1315442765" sldId="318"/>
-        </pc:sldMkLst>
-      </pc:sldChg>
-      <pc:sldChg chg="modSp add mod ord">
-        <pc:chgData name="Ihor Aleksandrov" userId="c3051032-6b87-4db2-b257-777a0106fbd9" providerId="ADAL" clId="{CD6A1DE1-ACF9-4B80-94F3-F58CA81605B6}" dt="2024-01-31T16:18:42.992" v="170"/>
-        <pc:sldMkLst>
-          <pc:docMk/>
-          <pc:sldMk cId="2690505772" sldId="318"/>
-        </pc:sldMkLst>
-        <pc:spChg chg="mod">
-          <ac:chgData name="Ihor Aleksandrov" userId="c3051032-6b87-4db2-b257-777a0106fbd9" providerId="ADAL" clId="{CD6A1DE1-ACF9-4B80-94F3-F58CA81605B6}" dt="2024-01-31T16:18:42.992" v="170"/>
-          <ac:spMkLst>
-            <pc:docMk/>
-            <pc:sldMk cId="2690505772" sldId="318"/>
-            <ac:spMk id="2" creationId="{18C18207-A109-5552-1541-0ABBAA316282}"/>
-          </ac:spMkLst>
-        </pc:spChg>
-      </pc:sldChg>
-      <pc:sldChg chg="del">
-        <pc:chgData name="Ihor Aleksandrov" userId="c3051032-6b87-4db2-b257-777a0106fbd9" providerId="ADAL" clId="{CD6A1DE1-ACF9-4B80-94F3-F58CA81605B6}" dt="2024-01-31T09:09:41.621" v="12" actId="2696"/>
-        <pc:sldMkLst>
-          <pc:docMk/>
-          <pc:sldMk cId="2257188714" sldId="319"/>
-        </pc:sldMkLst>
-      </pc:sldChg>
-      <pc:sldChg chg="addSp delSp modSp add mod ord">
-        <pc:chgData name="Ihor Aleksandrov" userId="c3051032-6b87-4db2-b257-777a0106fbd9" providerId="ADAL" clId="{CD6A1DE1-ACF9-4B80-94F3-F58CA81605B6}" dt="2024-01-31T16:20:55.716" v="179" actId="1076"/>
-        <pc:sldMkLst>
-          <pc:docMk/>
-          <pc:sldMk cId="3618741339" sldId="319"/>
-        </pc:sldMkLst>
-        <pc:spChg chg="mod">
-          <ac:chgData name="Ihor Aleksandrov" userId="c3051032-6b87-4db2-b257-777a0106fbd9" providerId="ADAL" clId="{CD6A1DE1-ACF9-4B80-94F3-F58CA81605B6}" dt="2024-01-31T16:20:19.318" v="174"/>
-          <ac:spMkLst>
-            <pc:docMk/>
-            <pc:sldMk cId="3618741339" sldId="319"/>
+            <pc:sldMk cId="856240837" sldId="285"/>
             <ac:spMk id="2" creationId="{53C5D828-9666-E312-B574-9FE965A7D6BE}"/>
           </ac:spMkLst>
         </pc:spChg>
         <pc:spChg chg="del">
-          <ac:chgData name="Ihor Aleksandrov" userId="c3051032-6b87-4db2-b257-777a0106fbd9" providerId="ADAL" clId="{CD6A1DE1-ACF9-4B80-94F3-F58CA81605B6}" dt="2024-01-31T16:20:22.303" v="175" actId="478"/>
+          <ac:chgData name="Ihor Aleksandrov" userId="c3051032-6b87-4db2-b257-777a0106fbd9" providerId="ADAL" clId="{D05EAF56-C8F0-4612-806C-93E1C27F1929}" dt="2024-01-25T11:03:21.592" v="178" actId="478"/>
           <ac:spMkLst>
             <pc:docMk/>
-            <pc:sldMk cId="3618741339" sldId="319"/>
-            <ac:spMk id="4" creationId="{A7A10FCB-73CC-EC25-5BA2-8A25FEB14B6A}"/>
+            <pc:sldMk cId="856240837" sldId="285"/>
+            <ac:spMk id="6" creationId="{E04F08BD-B70E-B1A8-7328-EE29B18E4AA1}"/>
           </ac:spMkLst>
         </pc:spChg>
         <pc:picChg chg="add mod">
-          <ac:chgData name="Ihor Aleksandrov" userId="c3051032-6b87-4db2-b257-777a0106fbd9" providerId="ADAL" clId="{CD6A1DE1-ACF9-4B80-94F3-F58CA81605B6}" dt="2024-01-31T16:20:55.716" v="179" actId="1076"/>
+          <ac:chgData name="Ihor Aleksandrov" userId="c3051032-6b87-4db2-b257-777a0106fbd9" providerId="ADAL" clId="{D05EAF56-C8F0-4612-806C-93E1C27F1929}" dt="2024-01-25T11:03:48.850" v="202" actId="1036"/>
           <ac:picMkLst>
             <pc:docMk/>
-            <pc:sldMk cId="3618741339" sldId="319"/>
-            <ac:picMk id="5" creationId="{F532E8B4-0BE7-0CB3-9EF5-566DC21B1A9C}"/>
+            <pc:sldMk cId="856240837" sldId="285"/>
+            <ac:picMk id="4" creationId="{A8C20435-8FF0-1341-85C4-558E352F27E5}"/>
           </ac:picMkLst>
         </pc:picChg>
       </pc:sldChg>
-      <pc:sldChg chg="addSp delSp modSp add mod">
-        <pc:chgData name="Ihor Aleksandrov" userId="c3051032-6b87-4db2-b257-777a0106fbd9" providerId="ADAL" clId="{CD6A1DE1-ACF9-4B80-94F3-F58CA81605B6}" dt="2024-01-31T16:23:53.931" v="186" actId="1076"/>
-        <pc:sldMkLst>
-          <pc:docMk/>
-          <pc:sldMk cId="955539517" sldId="320"/>
+      <pc:sldChg chg="modSp add mod ord">
+        <pc:chgData name="Ihor Aleksandrov" userId="c3051032-6b87-4db2-b257-777a0106fbd9" providerId="ADAL" clId="{D05EAF56-C8F0-4612-806C-93E1C27F1929}" dt="2024-01-25T11:10:32.927" v="210"/>
+        <pc:sldMkLst>
+          <pc:docMk/>
+          <pc:sldMk cId="1586376586" sldId="286"/>
         </pc:sldMkLst>
         <pc:spChg chg="mod">
-          <ac:chgData name="Ihor Aleksandrov" userId="c3051032-6b87-4db2-b257-777a0106fbd9" providerId="ADAL" clId="{CD6A1DE1-ACF9-4B80-94F3-F58CA81605B6}" dt="2024-01-31T16:23:45.804" v="183"/>
+          <ac:chgData name="Ihor Aleksandrov" userId="c3051032-6b87-4db2-b257-777a0106fbd9" providerId="ADAL" clId="{D05EAF56-C8F0-4612-806C-93E1C27F1929}" dt="2024-01-25T11:10:32.927" v="210"/>
           <ac:spMkLst>
             <pc:docMk/>
-            <pc:sldMk cId="955539517" sldId="320"/>
+            <pc:sldMk cId="1586376586" sldId="286"/>
             <ac:spMk id="2" creationId="{53C5D828-9666-E312-B574-9FE965A7D6BE}"/>
           </ac:spMkLst>
         </pc:spChg>
+      </pc:sldChg>
+      <pc:sldChg chg="add del">
+        <pc:chgData name="Ihor Aleksandrov" userId="c3051032-6b87-4db2-b257-777a0106fbd9" providerId="ADAL" clId="{D05EAF56-C8F0-4612-806C-93E1C27F1929}" dt="2024-01-25T11:10:15.704" v="204" actId="2696"/>
+        <pc:sldMkLst>
+          <pc:docMk/>
+          <pc:sldMk cId="2392975250" sldId="286"/>
+        </pc:sldMkLst>
+      </pc:sldChg>
+      <pc:sldChg chg="modSp add mod ord">
+        <pc:chgData name="Ihor Aleksandrov" userId="c3051032-6b87-4db2-b257-777a0106fbd9" providerId="ADAL" clId="{D05EAF56-C8F0-4612-806C-93E1C27F1929}" dt="2024-01-25T11:27:00.546" v="224" actId="20577"/>
+        <pc:sldMkLst>
+          <pc:docMk/>
+          <pc:sldMk cId="2004498921" sldId="287"/>
+        </pc:sldMkLst>
+        <pc:spChg chg="mod">
+          <ac:chgData name="Ihor Aleksandrov" userId="c3051032-6b87-4db2-b257-777a0106fbd9" providerId="ADAL" clId="{D05EAF56-C8F0-4612-806C-93E1C27F1929}" dt="2024-01-25T11:27:00.546" v="224" actId="20577"/>
+          <ac:spMkLst>
+            <pc:docMk/>
+            <pc:sldMk cId="2004498921" sldId="287"/>
+            <ac:spMk id="2" creationId="{18C18207-A109-5552-1541-0ABBAA316282}"/>
+          </ac:spMkLst>
+        </pc:spChg>
+      </pc:sldChg>
+      <pc:sldChg chg="addSp delSp modSp add mod ord">
+        <pc:chgData name="Ihor Aleksandrov" userId="c3051032-6b87-4db2-b257-777a0106fbd9" providerId="ADAL" clId="{D05EAF56-C8F0-4612-806C-93E1C27F1929}" dt="2024-01-25T11:28:34.816" v="233" actId="1076"/>
+        <pc:sldMkLst>
+          <pc:docMk/>
+          <pc:sldMk cId="156474206" sldId="288"/>
+        </pc:sldMkLst>
+        <pc:spChg chg="mod">
+          <ac:chgData name="Ihor Aleksandrov" userId="c3051032-6b87-4db2-b257-777a0106fbd9" providerId="ADAL" clId="{D05EAF56-C8F0-4612-806C-93E1C27F1929}" dt="2024-01-25T11:28:25.547" v="230"/>
+          <ac:spMkLst>
+            <pc:docMk/>
+            <pc:sldMk cId="156474206" sldId="288"/>
+            <ac:spMk id="2" creationId="{53C5D828-9666-E312-B574-9FE965A7D6BE}"/>
+          </ac:spMkLst>
+        </pc:spChg>
+        <pc:spChg chg="del">
+          <ac:chgData name="Ihor Aleksandrov" userId="c3051032-6b87-4db2-b257-777a0106fbd9" providerId="ADAL" clId="{D05EAF56-C8F0-4612-806C-93E1C27F1929}" dt="2024-01-25T11:28:27.105" v="231" actId="478"/>
+          <ac:spMkLst>
+            <pc:docMk/>
+            <pc:sldMk cId="156474206" sldId="288"/>
+            <ac:spMk id="6" creationId="{E04F08BD-B70E-B1A8-7328-EE29B18E4AA1}"/>
+          </ac:spMkLst>
+        </pc:spChg>
         <pc:picChg chg="add mod">
-          <ac:chgData name="Ihor Aleksandrov" userId="c3051032-6b87-4db2-b257-777a0106fbd9" providerId="ADAL" clId="{CD6A1DE1-ACF9-4B80-94F3-F58CA81605B6}" dt="2024-01-31T16:23:53.931" v="186" actId="1076"/>
+          <ac:chgData name="Ihor Aleksandrov" userId="c3051032-6b87-4db2-b257-777a0106fbd9" providerId="ADAL" clId="{D05EAF56-C8F0-4612-806C-93E1C27F1929}" dt="2024-01-25T11:28:34.816" v="233" actId="1076"/>
           <ac:picMkLst>
             <pc:docMk/>
-            <pc:sldMk cId="955539517" sldId="320"/>
-            <ac:picMk id="4" creationId="{28A2D3FD-7D05-8035-871B-BC18824DA49F}"/>
+            <pc:sldMk cId="156474206" sldId="288"/>
+            <ac:picMk id="4" creationId="{0D7416A8-5E31-A6F5-922C-BB434A29C3EE}"/>
           </ac:picMkLst>
         </pc:picChg>
-        <pc:picChg chg="del">
-          <ac:chgData name="Ihor Aleksandrov" userId="c3051032-6b87-4db2-b257-777a0106fbd9" providerId="ADAL" clId="{CD6A1DE1-ACF9-4B80-94F3-F58CA81605B6}" dt="2024-01-31T16:23:47.155" v="184" actId="478"/>
+      </pc:sldChg>
+      <pc:sldChg chg="modSp add mod ord">
+        <pc:chgData name="Ihor Aleksandrov" userId="c3051032-6b87-4db2-b257-777a0106fbd9" providerId="ADAL" clId="{D05EAF56-C8F0-4612-806C-93E1C27F1929}" dt="2024-01-25T11:29:51.583" v="244"/>
+        <pc:sldMkLst>
+          <pc:docMk/>
+          <pc:sldMk cId="2551930029" sldId="289"/>
+        </pc:sldMkLst>
+        <pc:spChg chg="mod">
+          <ac:chgData name="Ihor Aleksandrov" userId="c3051032-6b87-4db2-b257-777a0106fbd9" providerId="ADAL" clId="{D05EAF56-C8F0-4612-806C-93E1C27F1929}" dt="2024-01-25T11:29:47.752" v="242" actId="20577"/>
+          <ac:spMkLst>
+            <pc:docMk/>
+            <pc:sldMk cId="2551930029" sldId="289"/>
+            <ac:spMk id="2" creationId="{18C18207-A109-5552-1541-0ABBAA316282}"/>
+          </ac:spMkLst>
+        </pc:spChg>
+      </pc:sldChg>
+      <pc:sldChg chg="addSp delSp modSp add mod ord">
+        <pc:chgData name="Ihor Aleksandrov" userId="c3051032-6b87-4db2-b257-777a0106fbd9" providerId="ADAL" clId="{D05EAF56-C8F0-4612-806C-93E1C27F1929}" dt="2024-01-25T11:49:38.267" v="257" actId="1076"/>
+        <pc:sldMkLst>
+          <pc:docMk/>
+          <pc:sldMk cId="1939738048" sldId="290"/>
+        </pc:sldMkLst>
+        <pc:spChg chg="mod">
+          <ac:chgData name="Ihor Aleksandrov" userId="c3051032-6b87-4db2-b257-777a0106fbd9" providerId="ADAL" clId="{D05EAF56-C8F0-4612-806C-93E1C27F1929}" dt="2024-01-25T11:49:07.853" v="250"/>
+          <ac:spMkLst>
+            <pc:docMk/>
+            <pc:sldMk cId="1939738048" sldId="290"/>
+            <ac:spMk id="2" creationId="{53C5D828-9666-E312-B574-9FE965A7D6BE}"/>
+          </ac:spMkLst>
+        </pc:spChg>
+        <pc:spChg chg="del">
+          <ac:chgData name="Ihor Aleksandrov" userId="c3051032-6b87-4db2-b257-777a0106fbd9" providerId="ADAL" clId="{D05EAF56-C8F0-4612-806C-93E1C27F1929}" dt="2024-01-25T11:49:20.582" v="251" actId="478"/>
+          <ac:spMkLst>
+            <pc:docMk/>
+            <pc:sldMk cId="1939738048" sldId="290"/>
+            <ac:spMk id="6" creationId="{E04F08BD-B70E-B1A8-7328-EE29B18E4AA1}"/>
+          </ac:spMkLst>
+        </pc:spChg>
+        <pc:picChg chg="add mod">
+          <ac:chgData name="Ihor Aleksandrov" userId="c3051032-6b87-4db2-b257-777a0106fbd9" providerId="ADAL" clId="{D05EAF56-C8F0-4612-806C-93E1C27F1929}" dt="2024-01-25T11:49:38.267" v="257" actId="1076"/>
           <ac:picMkLst>
             <pc:docMk/>
-            <pc:sldMk cId="955539517" sldId="320"/>
-            <ac:picMk id="5" creationId="{F532E8B4-0BE7-0CB3-9EF5-566DC21B1A9C}"/>
+            <pc:sldMk cId="1939738048" sldId="290"/>
+            <ac:picMk id="4" creationId="{49B21785-1E7E-8457-4FBF-E3FC2CCADD04}"/>
           </ac:picMkLst>
         </pc:picChg>
       </pc:sldChg>
-      <pc:sldChg chg="del">
-        <pc:chgData name="Ihor Aleksandrov" userId="c3051032-6b87-4db2-b257-777a0106fbd9" providerId="ADAL" clId="{CD6A1DE1-ACF9-4B80-94F3-F58CA81605B6}" dt="2024-01-31T09:09:41.621" v="12" actId="2696"/>
-        <pc:sldMkLst>
-          <pc:docMk/>
-          <pc:sldMk cId="2940295210" sldId="320"/>
-        </pc:sldMkLst>
-      </pc:sldChg>
-      <pc:sldChg chg="del">
-        <pc:chgData name="Ihor Aleksandrov" userId="c3051032-6b87-4db2-b257-777a0106fbd9" providerId="ADAL" clId="{CD6A1DE1-ACF9-4B80-94F3-F58CA81605B6}" dt="2024-01-31T09:09:41.621" v="12" actId="2696"/>
-        <pc:sldMkLst>
-          <pc:docMk/>
-          <pc:sldMk cId="2741142378" sldId="321"/>
-        </pc:sldMkLst>
+      <pc:sldChg chg="modSp add mod ord">
+        <pc:chgData name="Ihor Aleksandrov" userId="c3051032-6b87-4db2-b257-777a0106fbd9" providerId="ADAL" clId="{D05EAF56-C8F0-4612-806C-93E1C27F1929}" dt="2024-01-25T11:51:45.959" v="263"/>
+        <pc:sldMkLst>
+          <pc:docMk/>
+          <pc:sldMk cId="1018496090" sldId="291"/>
+        </pc:sldMkLst>
+        <pc:spChg chg="mod">
+          <ac:chgData name="Ihor Aleksandrov" userId="c3051032-6b87-4db2-b257-777a0106fbd9" providerId="ADAL" clId="{D05EAF56-C8F0-4612-806C-93E1C27F1929}" dt="2024-01-25T11:51:45.959" v="263"/>
+          <ac:spMkLst>
+            <pc:docMk/>
+            <pc:sldMk cId="1018496090" sldId="291"/>
+            <ac:spMk id="2" creationId="{53C5D828-9666-E312-B574-9FE965A7D6BE}"/>
+          </ac:spMkLst>
+        </pc:spChg>
+      </pc:sldChg>
+      <pc:sldChg chg="modSp add mod">
+        <pc:chgData name="Ihor Aleksandrov" userId="c3051032-6b87-4db2-b257-777a0106fbd9" providerId="ADAL" clId="{D05EAF56-C8F0-4612-806C-93E1C27F1929}" dt="2024-01-25T11:53:09.928" v="267"/>
+        <pc:sldMkLst>
+          <pc:docMk/>
+          <pc:sldMk cId="2128635244" sldId="292"/>
+        </pc:sldMkLst>
+        <pc:spChg chg="mod">
+          <ac:chgData name="Ihor Aleksandrov" userId="c3051032-6b87-4db2-b257-777a0106fbd9" providerId="ADAL" clId="{D05EAF56-C8F0-4612-806C-93E1C27F1929}" dt="2024-01-25T11:53:09.928" v="267"/>
+          <ac:spMkLst>
+            <pc:docMk/>
+            <pc:sldMk cId="2128635244" sldId="292"/>
+            <ac:spMk id="2" creationId="{53C5D828-9666-E312-B574-9FE965A7D6BE}"/>
+          </ac:spMkLst>
+        </pc:spChg>
       </pc:sldChg>
       <pc:sldChg chg="addSp delSp modSp add mod">
-        <pc:chgData name="Ihor Aleksandrov" userId="c3051032-6b87-4db2-b257-777a0106fbd9" providerId="ADAL" clId="{CD6A1DE1-ACF9-4B80-94F3-F58CA81605B6}" dt="2024-01-31T16:27:29.733" v="196" actId="1076"/>
-        <pc:sldMkLst>
-          <pc:docMk/>
-          <pc:sldMk cId="3974958853" sldId="321"/>
+        <pc:chgData name="Ihor Aleksandrov" userId="c3051032-6b87-4db2-b257-777a0106fbd9" providerId="ADAL" clId="{D05EAF56-C8F0-4612-806C-93E1C27F1929}" dt="2024-01-25T11:55:41.171" v="279" actId="1076"/>
+        <pc:sldMkLst>
+          <pc:docMk/>
+          <pc:sldMk cId="2059493005" sldId="293"/>
         </pc:sldMkLst>
         <pc:spChg chg="mod">
-          <ac:chgData name="Ihor Aleksandrov" userId="c3051032-6b87-4db2-b257-777a0106fbd9" providerId="ADAL" clId="{CD6A1DE1-ACF9-4B80-94F3-F58CA81605B6}" dt="2024-01-31T16:27:07.186" v="192"/>
+          <ac:chgData name="Ihor Aleksandrov" userId="c3051032-6b87-4db2-b257-777a0106fbd9" providerId="ADAL" clId="{D05EAF56-C8F0-4612-806C-93E1C27F1929}" dt="2024-01-25T11:55:19.618" v="271"/>
           <ac:spMkLst>
             <pc:docMk/>
-            <pc:sldMk cId="3974958853" sldId="321"/>
+            <pc:sldMk cId="2059493005" sldId="293"/>
+            <ac:spMk id="2" creationId="{53C5D828-9666-E312-B574-9FE965A7D6BE}"/>
+          </ac:spMkLst>
+        </pc:spChg>
+        <pc:spChg chg="del">
+          <ac:chgData name="Ihor Aleksandrov" userId="c3051032-6b87-4db2-b257-777a0106fbd9" providerId="ADAL" clId="{D05EAF56-C8F0-4612-806C-93E1C27F1929}" dt="2024-01-25T11:55:21.950" v="272" actId="478"/>
+          <ac:spMkLst>
+            <pc:docMk/>
+            <pc:sldMk cId="2059493005" sldId="293"/>
+            <ac:spMk id="6" creationId="{E04F08BD-B70E-B1A8-7328-EE29B18E4AA1}"/>
+          </ac:spMkLst>
+        </pc:spChg>
+        <pc:picChg chg="add mod">
+          <ac:chgData name="Ihor Aleksandrov" userId="c3051032-6b87-4db2-b257-777a0106fbd9" providerId="ADAL" clId="{D05EAF56-C8F0-4612-806C-93E1C27F1929}" dt="2024-01-25T11:55:41.171" v="279" actId="1076"/>
+          <ac:picMkLst>
+            <pc:docMk/>
+            <pc:sldMk cId="2059493005" sldId="293"/>
+            <ac:picMk id="4" creationId="{B4989CAB-F181-BB13-C3CC-7303FC972C04}"/>
+          </ac:picMkLst>
+        </pc:picChg>
+      </pc:sldChg>
+      <pc:sldChg chg="addSp delSp modSp add mod">
+        <pc:chgData name="Ihor Aleksandrov" userId="c3051032-6b87-4db2-b257-777a0106fbd9" providerId="ADAL" clId="{D05EAF56-C8F0-4612-806C-93E1C27F1929}" dt="2024-01-25T11:57:16.812" v="286" actId="1076"/>
+        <pc:sldMkLst>
+          <pc:docMk/>
+          <pc:sldMk cId="1734173143" sldId="294"/>
+        </pc:sldMkLst>
+        <pc:spChg chg="mod">
+          <ac:chgData name="Ihor Aleksandrov" userId="c3051032-6b87-4db2-b257-777a0106fbd9" providerId="ADAL" clId="{D05EAF56-C8F0-4612-806C-93E1C27F1929}" dt="2024-01-25T11:56:59.706" v="281"/>
+          <ac:spMkLst>
+            <pc:docMk/>
+            <pc:sldMk cId="1734173143" sldId="294"/>
             <ac:spMk id="2" creationId="{53C5D828-9666-E312-B574-9FE965A7D6BE}"/>
           </ac:spMkLst>
         </pc:spChg>
         <pc:picChg chg="del">
-          <ac:chgData name="Ihor Aleksandrov" userId="c3051032-6b87-4db2-b257-777a0106fbd9" providerId="ADAL" clId="{CD6A1DE1-ACF9-4B80-94F3-F58CA81605B6}" dt="2024-01-31T16:27:22.384" v="193" actId="478"/>
+          <ac:chgData name="Ihor Aleksandrov" userId="c3051032-6b87-4db2-b257-777a0106fbd9" providerId="ADAL" clId="{D05EAF56-C8F0-4612-806C-93E1C27F1929}" dt="2024-01-25T11:57:02.563" v="282" actId="478"/>
           <ac:picMkLst>
             <pc:docMk/>
-            <pc:sldMk cId="3974958853" sldId="321"/>
-            <ac:picMk id="4" creationId="{28A2D3FD-7D05-8035-871B-BC18824DA49F}"/>
+            <pc:sldMk cId="1734173143" sldId="294"/>
+            <ac:picMk id="4" creationId="{B4989CAB-F181-BB13-C3CC-7303FC972C04}"/>
           </ac:picMkLst>
         </pc:picChg>
         <pc:picChg chg="add mod">
-          <ac:chgData name="Ihor Aleksandrov" userId="c3051032-6b87-4db2-b257-777a0106fbd9" providerId="ADAL" clId="{CD6A1DE1-ACF9-4B80-94F3-F58CA81605B6}" dt="2024-01-31T16:27:29.733" v="196" actId="1076"/>
+          <ac:chgData name="Ihor Aleksandrov" userId="c3051032-6b87-4db2-b257-777a0106fbd9" providerId="ADAL" clId="{D05EAF56-C8F0-4612-806C-93E1C27F1929}" dt="2024-01-25T11:57:16.812" v="286" actId="1076"/>
           <ac:picMkLst>
             <pc:docMk/>
-            <pc:sldMk cId="3974958853" sldId="321"/>
-            <ac:picMk id="6" creationId="{B6424C26-77F8-976F-095A-C034C68F13F1}"/>
+            <pc:sldMk cId="1734173143" sldId="294"/>
+            <ac:picMk id="5" creationId="{EFB4AF76-9D94-7721-E2C8-2472D164A060}"/>
           </ac:picMkLst>
         </pc:picChg>
       </pc:sldChg>
-      <pc:sldChg chg="del">
-        <pc:chgData name="Ihor Aleksandrov" userId="c3051032-6b87-4db2-b257-777a0106fbd9" providerId="ADAL" clId="{CD6A1DE1-ACF9-4B80-94F3-F58CA81605B6}" dt="2024-01-31T09:09:41.621" v="12" actId="2696"/>
-        <pc:sldMkLst>
-          <pc:docMk/>
-          <pc:sldMk cId="1250702623" sldId="322"/>
-        </pc:sldMkLst>
-      </pc:sldChg>
-      <pc:sldChg chg="addSp delSp modSp add mod">
-        <pc:chgData name="Ihor Aleksandrov" userId="c3051032-6b87-4db2-b257-777a0106fbd9" providerId="ADAL" clId="{CD6A1DE1-ACF9-4B80-94F3-F58CA81605B6}" dt="2024-01-31T16:30:11.818" v="204"/>
-        <pc:sldMkLst>
-          <pc:docMk/>
-          <pc:sldMk cId="3021423085" sldId="322"/>
+      <pc:sldChg chg="addSp modSp add mod ord">
+        <pc:chgData name="Ihor Aleksandrov" userId="c3051032-6b87-4db2-b257-777a0106fbd9" providerId="ADAL" clId="{D05EAF56-C8F0-4612-806C-93E1C27F1929}" dt="2024-01-25T12:00:46.169" v="306" actId="1076"/>
+        <pc:sldMkLst>
+          <pc:docMk/>
+          <pc:sldMk cId="3102755718" sldId="295"/>
         </pc:sldMkLst>
         <pc:spChg chg="mod">
-          <ac:chgData name="Ihor Aleksandrov" userId="c3051032-6b87-4db2-b257-777a0106fbd9" providerId="ADAL" clId="{CD6A1DE1-ACF9-4B80-94F3-F58CA81605B6}" dt="2024-01-31T16:30:11.818" v="204"/>
+          <ac:chgData name="Ihor Aleksandrov" userId="c3051032-6b87-4db2-b257-777a0106fbd9" providerId="ADAL" clId="{D05EAF56-C8F0-4612-806C-93E1C27F1929}" dt="2024-01-25T12:00:14.709" v="300" actId="20577"/>
           <ac:spMkLst>
             <pc:docMk/>
-            <pc:sldMk cId="3021423085" sldId="322"/>
+            <pc:sldMk cId="3102755718" sldId="295"/>
+            <ac:spMk id="2" creationId="{18C18207-A109-5552-1541-0ABBAA316282}"/>
+          </ac:spMkLst>
+        </pc:spChg>
+        <pc:picChg chg="add mod">
+          <ac:chgData name="Ihor Aleksandrov" userId="c3051032-6b87-4db2-b257-777a0106fbd9" providerId="ADAL" clId="{D05EAF56-C8F0-4612-806C-93E1C27F1929}" dt="2024-01-25T12:00:46.169" v="306" actId="1076"/>
+          <ac:picMkLst>
+            <pc:docMk/>
+            <pc:sldMk cId="3102755718" sldId="295"/>
+            <ac:picMk id="5" creationId="{BD0CE974-8524-11E7-B97F-A86834867985}"/>
+          </ac:picMkLst>
+        </pc:picChg>
+      </pc:sldChg>
+      <pc:sldChg chg="modSp add mod ord">
+        <pc:chgData name="Ihor Aleksandrov" userId="c3051032-6b87-4db2-b257-777a0106fbd9" providerId="ADAL" clId="{D05EAF56-C8F0-4612-806C-93E1C27F1929}" dt="2024-01-25T12:02:45.112" v="310"/>
+        <pc:sldMkLst>
+          <pc:docMk/>
+          <pc:sldMk cId="2389832786" sldId="296"/>
+        </pc:sldMkLst>
+        <pc:spChg chg="mod">
+          <ac:chgData name="Ihor Aleksandrov" userId="c3051032-6b87-4db2-b257-777a0106fbd9" providerId="ADAL" clId="{D05EAF56-C8F0-4612-806C-93E1C27F1929}" dt="2024-01-25T12:02:45.112" v="310"/>
+          <ac:spMkLst>
+            <pc:docMk/>
+            <pc:sldMk cId="2389832786" sldId="296"/>
             <ac:spMk id="2" creationId="{53C5D828-9666-E312-B574-9FE965A7D6BE}"/>
           </ac:spMkLst>
         </pc:spChg>
-        <pc:picChg chg="add mod">
-          <ac:chgData name="Ihor Aleksandrov" userId="c3051032-6b87-4db2-b257-777a0106fbd9" providerId="ADAL" clId="{CD6A1DE1-ACF9-4B80-94F3-F58CA81605B6}" dt="2024-01-31T16:29:33.614" v="201" actId="1076"/>
-          <ac:picMkLst>
-            <pc:docMk/>
-            <pc:sldMk cId="3021423085" sldId="322"/>
-            <ac:picMk id="5" creationId="{79E04EF6-B44B-E770-0D59-0AE9905B0613}"/>
-          </ac:picMkLst>
-        </pc:picChg>
-        <pc:picChg chg="del">
-          <ac:chgData name="Ihor Aleksandrov" userId="c3051032-6b87-4db2-b257-777a0106fbd9" providerId="ADAL" clId="{CD6A1DE1-ACF9-4B80-94F3-F58CA81605B6}" dt="2024-01-31T16:29:27.557" v="198" actId="478"/>
-          <ac:picMkLst>
-            <pc:docMk/>
-            <pc:sldMk cId="3021423085" sldId="322"/>
-            <ac:picMk id="6" creationId="{B6424C26-77F8-976F-095A-C034C68F13F1}"/>
-          </ac:picMkLst>
-        </pc:picChg>
-      </pc:sldChg>
-      <pc:sldChg chg="addSp delSp modSp add mod">
-        <pc:chgData name="Ihor Aleksandrov" userId="c3051032-6b87-4db2-b257-777a0106fbd9" providerId="ADAL" clId="{CD6A1DE1-ACF9-4B80-94F3-F58CA81605B6}" dt="2024-01-31T16:32:26.979" v="210" actId="11529"/>
-        <pc:sldMkLst>
-          <pc:docMk/>
-          <pc:sldMk cId="816537371" sldId="323"/>
+      </pc:sldChg>
+      <pc:sldChg chg="modSp add mod">
+        <pc:chgData name="Ihor Aleksandrov" userId="c3051032-6b87-4db2-b257-777a0106fbd9" providerId="ADAL" clId="{D05EAF56-C8F0-4612-806C-93E1C27F1929}" dt="2024-01-25T12:04:01.736" v="312"/>
+        <pc:sldMkLst>
+          <pc:docMk/>
+          <pc:sldMk cId="2189799752" sldId="297"/>
         </pc:sldMkLst>
         <pc:spChg chg="mod">
-          <ac:chgData name="Ihor Aleksandrov" userId="c3051032-6b87-4db2-b257-777a0106fbd9" providerId="ADAL" clId="{CD6A1DE1-ACF9-4B80-94F3-F58CA81605B6}" dt="2024-01-31T16:32:20.906" v="208"/>
+          <ac:chgData name="Ihor Aleksandrov" userId="c3051032-6b87-4db2-b257-777a0106fbd9" providerId="ADAL" clId="{D05EAF56-C8F0-4612-806C-93E1C27F1929}" dt="2024-01-25T12:04:01.736" v="312"/>
           <ac:spMkLst>
             <pc:docMk/>
-            <pc:sldMk cId="816537371" sldId="323"/>
+            <pc:sldMk cId="2189799752" sldId="297"/>
             <ac:spMk id="2" creationId="{53C5D828-9666-E312-B574-9FE965A7D6BE}"/>
           </ac:spMkLst>
         </pc:spChg>
-        <pc:spChg chg="add">
-          <ac:chgData name="Ihor Aleksandrov" userId="c3051032-6b87-4db2-b257-777a0106fbd9" providerId="ADAL" clId="{CD6A1DE1-ACF9-4B80-94F3-F58CA81605B6}" dt="2024-01-31T16:32:26.979" v="210" actId="11529"/>
+      </pc:sldChg>
+      <pc:sldChg chg="modSp add mod">
+        <pc:chgData name="Ihor Aleksandrov" userId="c3051032-6b87-4db2-b257-777a0106fbd9" providerId="ADAL" clId="{D05EAF56-C8F0-4612-806C-93E1C27F1929}" dt="2024-01-25T12:05:00.878" v="314"/>
+        <pc:sldMkLst>
+          <pc:docMk/>
+          <pc:sldMk cId="3592285454" sldId="298"/>
+        </pc:sldMkLst>
+        <pc:spChg chg="mod">
+          <ac:chgData name="Ihor Aleksandrov" userId="c3051032-6b87-4db2-b257-777a0106fbd9" providerId="ADAL" clId="{D05EAF56-C8F0-4612-806C-93E1C27F1929}" dt="2024-01-25T12:05:00.878" v="314"/>
           <ac:spMkLst>
             <pc:docMk/>
-            <pc:sldMk cId="816537371" sldId="323"/>
-            <ac:spMk id="4" creationId="{03542100-9D21-41B2-EBC8-F5312B69ACDA}"/>
-          </ac:spMkLst>
-        </pc:spChg>
-        <pc:picChg chg="del">
-          <ac:chgData name="Ihor Aleksandrov" userId="c3051032-6b87-4db2-b257-777a0106fbd9" providerId="ADAL" clId="{CD6A1DE1-ACF9-4B80-94F3-F58CA81605B6}" dt="2024-01-31T16:32:22.331" v="209" actId="478"/>
-          <ac:picMkLst>
-            <pc:docMk/>
-            <pc:sldMk cId="816537371" sldId="323"/>
-            <ac:picMk id="5" creationId="{79E04EF6-B44B-E770-0D59-0AE9905B0613}"/>
-          </ac:picMkLst>
-        </pc:picChg>
-      </pc:sldChg>
-      <pc:sldChg chg="del">
-        <pc:chgData name="Ihor Aleksandrov" userId="c3051032-6b87-4db2-b257-777a0106fbd9" providerId="ADAL" clId="{CD6A1DE1-ACF9-4B80-94F3-F58CA81605B6}" dt="2024-01-31T09:09:41.621" v="12" actId="2696"/>
-        <pc:sldMkLst>
-          <pc:docMk/>
-          <pc:sldMk cId="4226268188" sldId="323"/>
-        </pc:sldMkLst>
-      </pc:sldChg>
-      <pc:sldChg chg="del">
-        <pc:chgData name="Ihor Aleksandrov" userId="c3051032-6b87-4db2-b257-777a0106fbd9" providerId="ADAL" clId="{CD6A1DE1-ACF9-4B80-94F3-F58CA81605B6}" dt="2024-01-31T09:09:41.621" v="12" actId="2696"/>
-        <pc:sldMkLst>
-          <pc:docMk/>
-          <pc:sldMk cId="3008917412" sldId="324"/>
-        </pc:sldMkLst>
-      </pc:sldChg>
-      <pc:sldChg chg="modSp add mod">
-        <pc:chgData name="Ihor Aleksandrov" userId="c3051032-6b87-4db2-b257-777a0106fbd9" providerId="ADAL" clId="{CD6A1DE1-ACF9-4B80-94F3-F58CA81605B6}" dt="2024-01-31T16:33:14.683" v="218" actId="20577"/>
-        <pc:sldMkLst>
-          <pc:docMk/>
-          <pc:sldMk cId="3114329589" sldId="324"/>
-        </pc:sldMkLst>
-        <pc:spChg chg="mod">
-          <ac:chgData name="Ihor Aleksandrov" userId="c3051032-6b87-4db2-b257-777a0106fbd9" providerId="ADAL" clId="{CD6A1DE1-ACF9-4B80-94F3-F58CA81605B6}" dt="2024-01-31T16:33:14.683" v="218" actId="20577"/>
-          <ac:spMkLst>
-            <pc:docMk/>
-            <pc:sldMk cId="3114329589" sldId="324"/>
+            <pc:sldMk cId="3592285454" sldId="298"/>
             <ac:spMk id="2" creationId="{53C5D828-9666-E312-B574-9FE965A7D6BE}"/>
           </ac:spMkLst>
         </pc:spChg>
       </pc:sldChg>
-      <pc:sldChg chg="del">
-        <pc:chgData name="Ihor Aleksandrov" userId="c3051032-6b87-4db2-b257-777a0106fbd9" providerId="ADAL" clId="{CD6A1DE1-ACF9-4B80-94F3-F58CA81605B6}" dt="2024-01-31T09:09:41.621" v="12" actId="2696"/>
-        <pc:sldMkLst>
-          <pc:docMk/>
-          <pc:sldMk cId="2706419546" sldId="325"/>
-        </pc:sldMkLst>
-      </pc:sldChg>
-      <pc:sldChg chg="del">
-        <pc:chgData name="Ihor Aleksandrov" userId="c3051032-6b87-4db2-b257-777a0106fbd9" providerId="ADAL" clId="{CD6A1DE1-ACF9-4B80-94F3-F58CA81605B6}" dt="2024-01-31T09:09:41.621" v="12" actId="2696"/>
-        <pc:sldMkLst>
-          <pc:docMk/>
-          <pc:sldMk cId="3970945218" sldId="326"/>
-        </pc:sldMkLst>
-      </pc:sldChg>
-      <pc:sldChg chg="del">
-        <pc:chgData name="Ihor Aleksandrov" userId="c3051032-6b87-4db2-b257-777a0106fbd9" providerId="ADAL" clId="{CD6A1DE1-ACF9-4B80-94F3-F58CA81605B6}" dt="2024-01-31T09:09:41.621" v="12" actId="2696"/>
-        <pc:sldMkLst>
-          <pc:docMk/>
-          <pc:sldMk cId="3529826239" sldId="327"/>
-        </pc:sldMkLst>
-      </pc:sldChg>
-      <pc:sldChg chg="del">
-        <pc:chgData name="Ihor Aleksandrov" userId="c3051032-6b87-4db2-b257-777a0106fbd9" providerId="ADAL" clId="{CD6A1DE1-ACF9-4B80-94F3-F58CA81605B6}" dt="2024-01-31T09:09:41.621" v="12" actId="2696"/>
-        <pc:sldMkLst>
-          <pc:docMk/>
-          <pc:sldMk cId="2063279392" sldId="328"/>
-        </pc:sldMkLst>
-      </pc:sldChg>
-      <pc:sldChg chg="del">
-        <pc:chgData name="Ihor Aleksandrov" userId="c3051032-6b87-4db2-b257-777a0106fbd9" providerId="ADAL" clId="{CD6A1DE1-ACF9-4B80-94F3-F58CA81605B6}" dt="2024-01-31T09:09:41.621" v="12" actId="2696"/>
-        <pc:sldMkLst>
-          <pc:docMk/>
-          <pc:sldMk cId="2502396658" sldId="329"/>
-        </pc:sldMkLst>
-      </pc:sldChg>
-      <pc:sldChg chg="del">
-        <pc:chgData name="Ihor Aleksandrov" userId="c3051032-6b87-4db2-b257-777a0106fbd9" providerId="ADAL" clId="{CD6A1DE1-ACF9-4B80-94F3-F58CA81605B6}" dt="2024-01-31T09:09:41.621" v="12" actId="2696"/>
-        <pc:sldMkLst>
-          <pc:docMk/>
-          <pc:sldMk cId="287166604" sldId="330"/>
-        </pc:sldMkLst>
-      </pc:sldChg>
-      <pc:sldChg chg="del">
-        <pc:chgData name="Ihor Aleksandrov" userId="c3051032-6b87-4db2-b257-777a0106fbd9" providerId="ADAL" clId="{CD6A1DE1-ACF9-4B80-94F3-F58CA81605B6}" dt="2024-01-31T09:09:41.621" v="12" actId="2696"/>
-        <pc:sldMkLst>
-          <pc:docMk/>
-          <pc:sldMk cId="4118740463" sldId="331"/>
-        </pc:sldMkLst>
-      </pc:sldChg>
-      <pc:sldChg chg="del">
-        <pc:chgData name="Ihor Aleksandrov" userId="c3051032-6b87-4db2-b257-777a0106fbd9" providerId="ADAL" clId="{CD6A1DE1-ACF9-4B80-94F3-F58CA81605B6}" dt="2024-01-31T09:09:41.621" v="12" actId="2696"/>
-        <pc:sldMkLst>
-          <pc:docMk/>
-          <pc:sldMk cId="246431689" sldId="332"/>
-        </pc:sldMkLst>
-      </pc:sldChg>
-      <pc:sldChg chg="del">
-        <pc:chgData name="Ihor Aleksandrov" userId="c3051032-6b87-4db2-b257-777a0106fbd9" providerId="ADAL" clId="{CD6A1DE1-ACF9-4B80-94F3-F58CA81605B6}" dt="2024-01-31T09:09:41.621" v="12" actId="2696"/>
-        <pc:sldMkLst>
-          <pc:docMk/>
-          <pc:sldMk cId="3336478611" sldId="333"/>
-        </pc:sldMkLst>
-      </pc:sldChg>
-      <pc:sldChg chg="del">
-        <pc:chgData name="Ihor Aleksandrov" userId="c3051032-6b87-4db2-b257-777a0106fbd9" providerId="ADAL" clId="{CD6A1DE1-ACF9-4B80-94F3-F58CA81605B6}" dt="2024-01-31T09:09:41.621" v="12" actId="2696"/>
-        <pc:sldMkLst>
-          <pc:docMk/>
-          <pc:sldMk cId="4103443897" sldId="334"/>
-        </pc:sldMkLst>
-      </pc:sldChg>
-      <pc:sldChg chg="del">
-        <pc:chgData name="Ihor Aleksandrov" userId="c3051032-6b87-4db2-b257-777a0106fbd9" providerId="ADAL" clId="{CD6A1DE1-ACF9-4B80-94F3-F58CA81605B6}" dt="2024-01-31T09:09:41.621" v="12" actId="2696"/>
-        <pc:sldMkLst>
-          <pc:docMk/>
-          <pc:sldMk cId="3743280714" sldId="335"/>
-        </pc:sldMkLst>
-      </pc:sldChg>
-      <pc:sldChg chg="del">
-        <pc:chgData name="Ihor Aleksandrov" userId="c3051032-6b87-4db2-b257-777a0106fbd9" providerId="ADAL" clId="{CD6A1DE1-ACF9-4B80-94F3-F58CA81605B6}" dt="2024-01-31T09:09:41.621" v="12" actId="2696"/>
-        <pc:sldMkLst>
-          <pc:docMk/>
-          <pc:sldMk cId="3674171182" sldId="336"/>
-        </pc:sldMkLst>
-      </pc:sldChg>
-      <pc:sldChg chg="del">
-        <pc:chgData name="Ihor Aleksandrov" userId="c3051032-6b87-4db2-b257-777a0106fbd9" providerId="ADAL" clId="{CD6A1DE1-ACF9-4B80-94F3-F58CA81605B6}" dt="2024-01-31T09:09:41.621" v="12" actId="2696"/>
-        <pc:sldMkLst>
-          <pc:docMk/>
-          <pc:sldMk cId="1296882423" sldId="337"/>
-        </pc:sldMkLst>
-      </pc:sldChg>
-      <pc:sldChg chg="del">
-        <pc:chgData name="Ihor Aleksandrov" userId="c3051032-6b87-4db2-b257-777a0106fbd9" providerId="ADAL" clId="{CD6A1DE1-ACF9-4B80-94F3-F58CA81605B6}" dt="2024-01-31T09:09:41.621" v="12" actId="2696"/>
-        <pc:sldMkLst>
-          <pc:docMk/>
-          <pc:sldMk cId="2578212810" sldId="338"/>
-        </pc:sldMkLst>
-      </pc:sldChg>
-      <pc:sldChg chg="del">
-        <pc:chgData name="Ihor Aleksandrov" userId="c3051032-6b87-4db2-b257-777a0106fbd9" providerId="ADAL" clId="{CD6A1DE1-ACF9-4B80-94F3-F58CA81605B6}" dt="2024-01-31T09:09:41.621" v="12" actId="2696"/>
-        <pc:sldMkLst>
-          <pc:docMk/>
-          <pc:sldMk cId="1227530818" sldId="339"/>
-        </pc:sldMkLst>
-      </pc:sldChg>
-      <pc:sldChg chg="del">
-        <pc:chgData name="Ihor Aleksandrov" userId="c3051032-6b87-4db2-b257-777a0106fbd9" providerId="ADAL" clId="{CD6A1DE1-ACF9-4B80-94F3-F58CA81605B6}" dt="2024-01-31T09:09:41.621" v="12" actId="2696"/>
-        <pc:sldMkLst>
-          <pc:docMk/>
-          <pc:sldMk cId="3182037683" sldId="340"/>
-        </pc:sldMkLst>
-      </pc:sldChg>
-      <pc:sldChg chg="del">
-        <pc:chgData name="Ihor Aleksandrov" userId="c3051032-6b87-4db2-b257-777a0106fbd9" providerId="ADAL" clId="{CD6A1DE1-ACF9-4B80-94F3-F58CA81605B6}" dt="2024-01-31T09:09:41.621" v="12" actId="2696"/>
-        <pc:sldMkLst>
-          <pc:docMk/>
-          <pc:sldMk cId="960138513" sldId="341"/>
-        </pc:sldMkLst>
-      </pc:sldChg>
-    </pc:docChg>
-  </pc:docChgLst>
-  <pc:docChgLst>
-    <pc:chgData name="Ihor Aleksandrov" userId="c3051032-6b87-4db2-b257-777a0106fbd9" providerId="ADAL" clId="{8C05140D-7668-4267-B009-985EF5C6B6AF}"/>
-    <pc:docChg chg="undo redo custSel addSld delSld modSld addMainMaster delMainMaster modMainMaster">
-      <pc:chgData name="Ihor Aleksandrov" userId="c3051032-6b87-4db2-b257-777a0106fbd9" providerId="ADAL" clId="{8C05140D-7668-4267-B009-985EF5C6B6AF}" dt="2024-01-24T16:32:41.148" v="122"/>
-      <pc:docMkLst>
-        <pc:docMk/>
-      </pc:docMkLst>
-      <pc:sldChg chg="add del">
-        <pc:chgData name="Ihor Aleksandrov" userId="c3051032-6b87-4db2-b257-777a0106fbd9" providerId="ADAL" clId="{8C05140D-7668-4267-B009-985EF5C6B6AF}" dt="2024-01-24T16:09:08.069" v="2" actId="47"/>
-        <pc:sldMkLst>
-          <pc:docMk/>
-          <pc:sldMk cId="588564705" sldId="260"/>
-        </pc:sldMkLst>
-      </pc:sldChg>
-      <pc:sldChg chg="addSp delSp modSp add mod">
-        <pc:chgData name="Ihor Aleksandrov" userId="c3051032-6b87-4db2-b257-777a0106fbd9" providerId="ADAL" clId="{8C05140D-7668-4267-B009-985EF5C6B6AF}" dt="2024-01-24T16:12:16.991" v="15" actId="1076"/>
-        <pc:sldMkLst>
-          <pc:docMk/>
-          <pc:sldMk cId="1575064168" sldId="260"/>
-        </pc:sldMkLst>
-        <pc:picChg chg="add mod ord">
-          <ac:chgData name="Ihor Aleksandrov" userId="c3051032-6b87-4db2-b257-777a0106fbd9" providerId="ADAL" clId="{8C05140D-7668-4267-B009-985EF5C6B6AF}" dt="2024-01-24T16:12:16.991" v="15" actId="1076"/>
-          <ac:picMkLst>
-            <pc:docMk/>
-            <pc:sldMk cId="1575064168" sldId="260"/>
-            <ac:picMk id="3" creationId="{15AAA44A-9E89-5E99-D8F5-8E9AA8D7D0DA}"/>
-          </ac:picMkLst>
-        </pc:picChg>
-        <pc:picChg chg="del">
-          <ac:chgData name="Ihor Aleksandrov" userId="c3051032-6b87-4db2-b257-777a0106fbd9" providerId="ADAL" clId="{8C05140D-7668-4267-B009-985EF5C6B6AF}" dt="2024-01-24T16:11:37.521" v="7" actId="478"/>
-          <ac:picMkLst>
-            <pc:docMk/>
-            <pc:sldMk cId="1575064168" sldId="260"/>
-            <ac:picMk id="4" creationId="{385F9644-E8EA-6C22-DF80-DC79BE06769D}"/>
-          </ac:picMkLst>
-        </pc:picChg>
-      </pc:sldChg>
-      <pc:sldChg chg="add del">
-        <pc:chgData name="Ihor Aleksandrov" userId="c3051032-6b87-4db2-b257-777a0106fbd9" providerId="ADAL" clId="{8C05140D-7668-4267-B009-985EF5C6B6AF}" dt="2024-01-24T16:09:20.167" v="5" actId="2696"/>
-        <pc:sldMkLst>
-          <pc:docMk/>
-          <pc:sldMk cId="1989911605" sldId="260"/>
-        </pc:sldMkLst>
-      </pc:sldChg>
-      <pc:sldChg chg="addSp delSp modSp add mod">
-        <pc:chgData name="Ihor Aleksandrov" userId="c3051032-6b87-4db2-b257-777a0106fbd9" providerId="ADAL" clId="{8C05140D-7668-4267-B009-985EF5C6B6AF}" dt="2024-01-24T16:15:40.734" v="54" actId="167"/>
-        <pc:sldMkLst>
-          <pc:docMk/>
-          <pc:sldMk cId="3278151509" sldId="261"/>
+      <pc:sldChg chg="modSp add mod">
+        <pc:chgData name="Ihor Aleksandrov" userId="c3051032-6b87-4db2-b257-777a0106fbd9" providerId="ADAL" clId="{D05EAF56-C8F0-4612-806C-93E1C27F1929}" dt="2024-01-25T12:08:02.278" v="316"/>
+        <pc:sldMkLst>
+          <pc:docMk/>
+          <pc:sldMk cId="4186553512" sldId="299"/>
         </pc:sldMkLst>
         <pc:spChg chg="mod">
-          <ac:chgData name="Ihor Aleksandrov" userId="c3051032-6b87-4db2-b257-777a0106fbd9" providerId="ADAL" clId="{8C05140D-7668-4267-B009-985EF5C6B6AF}" dt="2024-01-24T16:15:11.955" v="19" actId="14100"/>
+          <ac:chgData name="Ihor Aleksandrov" userId="c3051032-6b87-4db2-b257-777a0106fbd9" providerId="ADAL" clId="{D05EAF56-C8F0-4612-806C-93E1C27F1929}" dt="2024-01-25T12:08:02.278" v="316"/>
           <ac:spMkLst>
             <pc:docMk/>
-            <pc:sldMk cId="3278151509" sldId="261"/>
+            <pc:sldMk cId="4186553512" sldId="299"/>
             <ac:spMk id="2" creationId="{53C5D828-9666-E312-B574-9FE965A7D6BE}"/>
           </ac:spMkLst>
         </pc:spChg>
-        <pc:picChg chg="del">
-          <ac:chgData name="Ihor Aleksandrov" userId="c3051032-6b87-4db2-b257-777a0106fbd9" providerId="ADAL" clId="{8C05140D-7668-4267-B009-985EF5C6B6AF}" dt="2024-01-24T16:14:55.927" v="17" actId="478"/>
-          <ac:picMkLst>
-            <pc:docMk/>
-            <pc:sldMk cId="3278151509" sldId="261"/>
-            <ac:picMk id="3" creationId="{15AAA44A-9E89-5E99-D8F5-8E9AA8D7D0DA}"/>
-          </ac:picMkLst>
-        </pc:picChg>
-        <pc:picChg chg="add mod ord">
-          <ac:chgData name="Ihor Aleksandrov" userId="c3051032-6b87-4db2-b257-777a0106fbd9" providerId="ADAL" clId="{8C05140D-7668-4267-B009-985EF5C6B6AF}" dt="2024-01-24T16:15:40.734" v="54" actId="167"/>
-          <ac:picMkLst>
-            <pc:docMk/>
-            <pc:sldMk cId="3278151509" sldId="261"/>
-            <ac:picMk id="4" creationId="{110B72A2-37FD-3982-5358-333497678F76}"/>
-          </ac:picMkLst>
-        </pc:picChg>
-      </pc:sldChg>
-      <pc:sldChg chg="addSp delSp modSp add mod">
-        <pc:chgData name="Ihor Aleksandrov" userId="c3051032-6b87-4db2-b257-777a0106fbd9" providerId="ADAL" clId="{8C05140D-7668-4267-B009-985EF5C6B6AF}" dt="2024-01-24T16:20:00.338" v="67" actId="1076"/>
-        <pc:sldMkLst>
-          <pc:docMk/>
-          <pc:sldMk cId="3670086471" sldId="262"/>
+      </pc:sldChg>
+      <pc:sldChg chg="modSp add mod">
+        <pc:chgData name="Ihor Aleksandrov" userId="c3051032-6b87-4db2-b257-777a0106fbd9" providerId="ADAL" clId="{D05EAF56-C8F0-4612-806C-93E1C27F1929}" dt="2024-01-25T12:09:53.445" v="318"/>
+        <pc:sldMkLst>
+          <pc:docMk/>
+          <pc:sldMk cId="834159653" sldId="300"/>
         </pc:sldMkLst>
         <pc:spChg chg="mod">
-          <ac:chgData name="Ihor Aleksandrov" userId="c3051032-6b87-4db2-b257-777a0106fbd9" providerId="ADAL" clId="{8C05140D-7668-4267-B009-985EF5C6B6AF}" dt="2024-01-24T16:19:30.343" v="58"/>
+          <ac:chgData name="Ihor Aleksandrov" userId="c3051032-6b87-4db2-b257-777a0106fbd9" providerId="ADAL" clId="{D05EAF56-C8F0-4612-806C-93E1C27F1929}" dt="2024-01-25T12:09:53.445" v="318"/>
           <ac:spMkLst>
             <pc:docMk/>
-            <pc:sldMk cId="3670086471" sldId="262"/>
+            <pc:sldMk cId="834159653" sldId="300"/>
             <ac:spMk id="2" creationId="{53C5D828-9666-E312-B574-9FE965A7D6BE}"/>
           </ac:spMkLst>
         </pc:spChg>
-        <pc:picChg chg="add mod ord">
-          <ac:chgData name="Ihor Aleksandrov" userId="c3051032-6b87-4db2-b257-777a0106fbd9" providerId="ADAL" clId="{8C05140D-7668-4267-B009-985EF5C6B6AF}" dt="2024-01-24T16:20:00.338" v="67" actId="1076"/>
-          <ac:picMkLst>
-            <pc:docMk/>
-            <pc:sldMk cId="3670086471" sldId="262"/>
-            <ac:picMk id="3" creationId="{05A9FF40-DCEC-8E82-7C4D-BDBC1FAB1FDA}"/>
-          </ac:picMkLst>
-        </pc:picChg>
-        <pc:picChg chg="del">
-          <ac:chgData name="Ihor Aleksandrov" userId="c3051032-6b87-4db2-b257-777a0106fbd9" providerId="ADAL" clId="{8C05140D-7668-4267-B009-985EF5C6B6AF}" dt="2024-01-24T16:19:34.058" v="59" actId="478"/>
-          <ac:picMkLst>
-            <pc:docMk/>
-            <pc:sldMk cId="3670086471" sldId="262"/>
-            <ac:picMk id="4" creationId="{110B72A2-37FD-3982-5358-333497678F76}"/>
-          </ac:picMkLst>
-        </pc:picChg>
-      </pc:sldChg>
-      <pc:sldChg chg="addSp delSp modSp add mod">
-        <pc:chgData name="Ihor Aleksandrov" userId="c3051032-6b87-4db2-b257-777a0106fbd9" providerId="ADAL" clId="{8C05140D-7668-4267-B009-985EF5C6B6AF}" dt="2024-01-24T16:22:37.022" v="81" actId="1076"/>
-        <pc:sldMkLst>
-          <pc:docMk/>
-          <pc:sldMk cId="2476824021" sldId="263"/>
+      </pc:sldChg>
+      <pc:sldChg chg="modSp add mod">
+        <pc:chgData name="Ihor Aleksandrov" userId="c3051032-6b87-4db2-b257-777a0106fbd9" providerId="ADAL" clId="{D05EAF56-C8F0-4612-806C-93E1C27F1929}" dt="2024-01-25T12:10:57.045" v="321" actId="27636"/>
+        <pc:sldMkLst>
+          <pc:docMk/>
+          <pc:sldMk cId="324410250" sldId="301"/>
         </pc:sldMkLst>
         <pc:spChg chg="mod">
-          <ac:chgData name="Ihor Aleksandrov" userId="c3051032-6b87-4db2-b257-777a0106fbd9" providerId="ADAL" clId="{8C05140D-7668-4267-B009-985EF5C6B6AF}" dt="2024-01-24T16:22:06.562" v="74"/>
+          <ac:chgData name="Ihor Aleksandrov" userId="c3051032-6b87-4db2-b257-777a0106fbd9" providerId="ADAL" clId="{D05EAF56-C8F0-4612-806C-93E1C27F1929}" dt="2024-01-25T12:10:57.045" v="321" actId="27636"/>
           <ac:spMkLst>
             <pc:docMk/>
-            <pc:sldMk cId="2476824021" sldId="263"/>
+            <pc:sldMk cId="324410250" sldId="301"/>
             <ac:spMk id="2" creationId="{53C5D828-9666-E312-B574-9FE965A7D6BE}"/>
           </ac:spMkLst>
         </pc:spChg>
-        <pc:picChg chg="del">
-          <ac:chgData name="Ihor Aleksandrov" userId="c3051032-6b87-4db2-b257-777a0106fbd9" providerId="ADAL" clId="{8C05140D-7668-4267-B009-985EF5C6B6AF}" dt="2024-01-24T16:22:10.731" v="75" actId="478"/>
-          <ac:picMkLst>
-            <pc:docMk/>
-            <pc:sldMk cId="2476824021" sldId="263"/>
-            <ac:picMk id="3" creationId="{05A9FF40-DCEC-8E82-7C4D-BDBC1FAB1FDA}"/>
-          </ac:picMkLst>
-        </pc:picChg>
-        <pc:picChg chg="add mod">
-          <ac:chgData name="Ihor Aleksandrov" userId="c3051032-6b87-4db2-b257-777a0106fbd9" providerId="ADAL" clId="{8C05140D-7668-4267-B009-985EF5C6B6AF}" dt="2024-01-24T16:22:37.022" v="81" actId="1076"/>
-          <ac:picMkLst>
-            <pc:docMk/>
-            <pc:sldMk cId="2476824021" sldId="263"/>
-            <ac:picMk id="4" creationId="{0A4A47BB-B86E-CE6D-6738-81D9FF41289F}"/>
-          </ac:picMkLst>
-        </pc:picChg>
-      </pc:sldChg>
-      <pc:sldChg chg="addSp delSp modSp add mod">
-        <pc:chgData name="Ihor Aleksandrov" userId="c3051032-6b87-4db2-b257-777a0106fbd9" providerId="ADAL" clId="{8C05140D-7668-4267-B009-985EF5C6B6AF}" dt="2024-01-24T16:25:10.323" v="103" actId="1038"/>
-        <pc:sldMkLst>
-          <pc:docMk/>
-          <pc:sldMk cId="303933854" sldId="264"/>
-        </pc:sldMkLst>
-        <pc:spChg chg="mod">
-          <ac:chgData name="Ihor Aleksandrov" userId="c3051032-6b87-4db2-b257-777a0106fbd9" providerId="ADAL" clId="{8C05140D-7668-4267-B009-985EF5C6B6AF}" dt="2024-01-24T16:23:35.489" v="85"/>
-          <ac:spMkLst>
-            <pc:docMk/>
-            <pc:sldMk cId="303933854" sldId="264"/>
-            <ac:spMk id="2" creationId="{53C5D828-9666-E312-B574-9FE965A7D6BE}"/>
-          </ac:spMkLst>
-        </pc:spChg>
-        <pc:picChg chg="add mod ord">
-          <ac:chgData name="Ihor Aleksandrov" userId="c3051032-6b87-4db2-b257-777a0106fbd9" providerId="ADAL" clId="{8C05140D-7668-4267-B009-985EF5C6B6AF}" dt="2024-01-24T16:24:11.219" v="93" actId="167"/>
-          <ac:picMkLst>
-            <pc:docMk/>
-            <pc:sldMk cId="303933854" sldId="264"/>
-            <ac:picMk id="3" creationId="{438AE1ED-C17A-0BC4-8D21-4B49E9F91B9F}"/>
-          </ac:picMkLst>
-        </pc:picChg>
-        <pc:picChg chg="del">
-          <ac:chgData name="Ihor Aleksandrov" userId="c3051032-6b87-4db2-b257-777a0106fbd9" providerId="ADAL" clId="{8C05140D-7668-4267-B009-985EF5C6B6AF}" dt="2024-01-24T16:23:38.668" v="86" actId="478"/>
-          <ac:picMkLst>
-            <pc:docMk/>
-            <pc:sldMk cId="303933854" sldId="264"/>
-            <ac:picMk id="4" creationId="{0A4A47BB-B86E-CE6D-6738-81D9FF41289F}"/>
-          </ac:picMkLst>
-        </pc:picChg>
-        <pc:picChg chg="add mod ord">
-          <ac:chgData name="Ihor Aleksandrov" userId="c3051032-6b87-4db2-b257-777a0106fbd9" providerId="ADAL" clId="{8C05140D-7668-4267-B009-985EF5C6B6AF}" dt="2024-01-24T16:25:10.323" v="103" actId="1038"/>
-          <ac:picMkLst>
-            <pc:docMk/>
-            <pc:sldMk cId="303933854" sldId="264"/>
-            <ac:picMk id="5" creationId="{699631DD-6035-BB9F-11EC-4E9F01F1D081}"/>
-          </ac:picMkLst>
-        </pc:picChg>
-      </pc:sldChg>
-      <pc:sldChg chg="addSp delSp modSp add mod">
-        <pc:chgData name="Ihor Aleksandrov" userId="c3051032-6b87-4db2-b257-777a0106fbd9" providerId="ADAL" clId="{8C05140D-7668-4267-B009-985EF5C6B6AF}" dt="2024-01-24T16:30:10.970" v="112" actId="11529"/>
-        <pc:sldMkLst>
-          <pc:docMk/>
-          <pc:sldMk cId="3569579791" sldId="265"/>
-        </pc:sldMkLst>
-        <pc:spChg chg="mod">
-          <ac:chgData name="Ihor Aleksandrov" userId="c3051032-6b87-4db2-b257-777a0106fbd9" providerId="ADAL" clId="{8C05140D-7668-4267-B009-985EF5C6B6AF}" dt="2024-01-24T16:27:36.333" v="107"/>
-          <ac:spMkLst>
-            <pc:docMk/>
-            <pc:sldMk cId="3569579791" sldId="265"/>
-            <ac:spMk id="2" creationId="{53C5D828-9666-E312-B574-9FE965A7D6BE}"/>
-          </ac:spMkLst>
-        </pc:spChg>
-        <pc:spChg chg="add del mod">
-          <ac:chgData name="Ihor Aleksandrov" userId="c3051032-6b87-4db2-b257-777a0106fbd9" providerId="ADAL" clId="{8C05140D-7668-4267-B009-985EF5C6B6AF}" dt="2024-01-24T16:29:33.902" v="111"/>
-          <ac:spMkLst>
-            <pc:docMk/>
-            <pc:sldMk cId="3569579791" sldId="265"/>
-            <ac:spMk id="4" creationId="{1C61AA21-6FD6-1B2D-ED8C-FC1A511CA62B}"/>
-          </ac:spMkLst>
-        </pc:spChg>
-        <pc:spChg chg="add">
-          <ac:chgData name="Ihor Aleksandrov" userId="c3051032-6b87-4db2-b257-777a0106fbd9" providerId="ADAL" clId="{8C05140D-7668-4267-B009-985EF5C6B6AF}" dt="2024-01-24T16:30:10.970" v="112" actId="11529"/>
-          <ac:spMkLst>
-            <pc:docMk/>
-            <pc:sldMk cId="3569579791" sldId="265"/>
-            <ac:spMk id="6" creationId="{E04F08BD-B70E-B1A8-7328-EE29B18E4AA1}"/>
-          </ac:spMkLst>
-        </pc:spChg>
-        <pc:picChg chg="del">
-          <ac:chgData name="Ihor Aleksandrov" userId="c3051032-6b87-4db2-b257-777a0106fbd9" providerId="ADAL" clId="{8C05140D-7668-4267-B009-985EF5C6B6AF}" dt="2024-01-24T16:27:38.549" v="108" actId="478"/>
-          <ac:picMkLst>
-            <pc:docMk/>
-            <pc:sldMk cId="3569579791" sldId="265"/>
-            <ac:picMk id="3" creationId="{438AE1ED-C17A-0BC4-8D21-4B49E9F91B9F}"/>
-          </ac:picMkLst>
-        </pc:picChg>
-        <pc:picChg chg="del">
-          <ac:chgData name="Ihor Aleksandrov" userId="c3051032-6b87-4db2-b257-777a0106fbd9" providerId="ADAL" clId="{8C05140D-7668-4267-B009-985EF5C6B6AF}" dt="2024-01-24T16:27:40.641" v="109" actId="478"/>
-          <ac:picMkLst>
-            <pc:docMk/>
-            <pc:sldMk cId="3569579791" sldId="265"/>
-            <ac:picMk id="5" creationId="{699631DD-6035-BB9F-11EC-4E9F01F1D081}"/>
-          </ac:picMkLst>
-        </pc:picChg>
-      </pc:sldChg>
-      <pc:sldChg chg="modSp add mod">
-        <pc:chgData name="Ihor Aleksandrov" userId="c3051032-6b87-4db2-b257-777a0106fbd9" providerId="ADAL" clId="{8C05140D-7668-4267-B009-985EF5C6B6AF}" dt="2024-01-24T16:32:29.469" v="119"/>
-        <pc:sldMkLst>
-          <pc:docMk/>
-          <pc:sldMk cId="1545179861" sldId="266"/>
-        </pc:sldMkLst>
-        <pc:spChg chg="mod">
-          <ac:chgData name="Ihor Aleksandrov" userId="c3051032-6b87-4db2-b257-777a0106fbd9" providerId="ADAL" clId="{8C05140D-7668-4267-B009-985EF5C6B6AF}" dt="2024-01-24T16:32:29.469" v="119"/>
-          <ac:spMkLst>
-            <pc:docMk/>
-            <pc:sldMk cId="1545179861" sldId="266"/>
-            <ac:spMk id="2" creationId="{53C5D828-9666-E312-B574-9FE965A7D6BE}"/>
-          </ac:spMkLst>
-        </pc:spChg>
-      </pc:sldChg>
-      <pc:sldChg chg="modSp add mod">
-        <pc:chgData name="Ihor Aleksandrov" userId="c3051032-6b87-4db2-b257-777a0106fbd9" providerId="ADAL" clId="{8C05140D-7668-4267-B009-985EF5C6B6AF}" dt="2024-01-24T16:32:41.148" v="122"/>
-        <pc:sldMkLst>
-          <pc:docMk/>
-          <pc:sldMk cId="2423524645" sldId="267"/>
-        </pc:sldMkLst>
-        <pc:spChg chg="mod">
-          <ac:chgData name="Ihor Aleksandrov" userId="c3051032-6b87-4db2-b257-777a0106fbd9" providerId="ADAL" clId="{8C05140D-7668-4267-B009-985EF5C6B6AF}" dt="2024-01-24T16:32:41.148" v="122"/>
-          <ac:spMkLst>
-            <pc:docMk/>
-            <pc:sldMk cId="2423524645" sldId="267"/>
-            <ac:spMk id="2" creationId="{53C5D828-9666-E312-B574-9FE965A7D6BE}"/>
-          </ac:spMkLst>
-        </pc:spChg>
-      </pc:sldChg>
-      <pc:sldMasterChg chg="add del addSldLayout delSldLayout">
-        <pc:chgData name="Ihor Aleksandrov" userId="c3051032-6b87-4db2-b257-777a0106fbd9" providerId="ADAL" clId="{8C05140D-7668-4267-B009-985EF5C6B6AF}" dt="2024-01-24T16:09:20.167" v="5" actId="2696"/>
+      </pc:sldChg>
+      <pc:sldChg chg="add">
+        <pc:chgData name="Ihor Aleksandrov" userId="c3051032-6b87-4db2-b257-777a0106fbd9" providerId="ADAL" clId="{D05EAF56-C8F0-4612-806C-93E1C27F1929}" dt="2024-01-25T12:18:40.426" v="323"/>
+        <pc:sldMkLst>
+          <pc:docMk/>
+          <pc:sldMk cId="2052164358" sldId="302"/>
+        </pc:sldMkLst>
+      </pc:sldChg>
+      <pc:sldChg chg="add">
+        <pc:chgData name="Ihor Aleksandrov" userId="c3051032-6b87-4db2-b257-777a0106fbd9" providerId="ADAL" clId="{D05EAF56-C8F0-4612-806C-93E1C27F1929}" dt="2024-01-25T12:18:42.706" v="325"/>
+        <pc:sldMkLst>
+          <pc:docMk/>
+          <pc:sldMk cId="2972731808" sldId="303"/>
+        </pc:sldMkLst>
+      </pc:sldChg>
+      <pc:sldMasterChg chg="add addSldLayout">
+        <pc:chgData name="Ihor Aleksandrov" userId="c3051032-6b87-4db2-b257-777a0106fbd9" providerId="ADAL" clId="{D05EAF56-C8F0-4612-806C-93E1C27F1929}" dt="2024-01-25T12:18:42.701" v="324" actId="27028"/>
         <pc:sldMasterMkLst>
           <pc:docMk/>
           <pc:sldMasterMk cId="1185679814" sldId="2147483648"/>
         </pc:sldMasterMkLst>
-        <pc:sldLayoutChg chg="add del">
-          <pc:chgData name="Ihor Aleksandrov" userId="c3051032-6b87-4db2-b257-777a0106fbd9" providerId="ADAL" clId="{8C05140D-7668-4267-B009-985EF5C6B6AF}" dt="2024-01-24T16:09:08.069" v="2" actId="47"/>
+        <pc:sldLayoutChg chg="add">
+          <pc:chgData name="Ihor Aleksandrov" userId="c3051032-6b87-4db2-b257-777a0106fbd9" providerId="ADAL" clId="{D05EAF56-C8F0-4612-806C-93E1C27F1929}" dt="2024-01-25T12:18:40.421" v="322" actId="27028"/>
           <pc:sldLayoutMkLst>
             <pc:docMk/>
             <pc:sldMasterMk cId="1185679814" sldId="2147483648"/>
             <pc:sldLayoutMk cId="2257280135" sldId="2147483649"/>
           </pc:sldLayoutMkLst>
         </pc:sldLayoutChg>
-        <pc:sldLayoutChg chg="add del">
-          <pc:chgData name="Ihor Aleksandrov" userId="c3051032-6b87-4db2-b257-777a0106fbd9" providerId="ADAL" clId="{8C05140D-7668-4267-B009-985EF5C6B6AF}" dt="2024-01-24T16:09:20.167" v="5" actId="2696"/>
+        <pc:sldLayoutChg chg="add">
+          <pc:chgData name="Ihor Aleksandrov" userId="c3051032-6b87-4db2-b257-777a0106fbd9" providerId="ADAL" clId="{D05EAF56-C8F0-4612-806C-93E1C27F1929}" dt="2024-01-25T12:18:42.701" v="324" actId="27028"/>
           <pc:sldLayoutMkLst>
             <pc:docMk/>
             <pc:sldMasterMk cId="1185679814" sldId="2147483648"/>
             <pc:sldLayoutMk cId="1044916995" sldId="2147483650"/>
-          </pc:sldLayoutMkLst>
-        </pc:sldLayoutChg>
-      </pc:sldMasterChg>
-      <pc:sldMasterChg chg="replId modSldLayout">
-        <pc:chgData name="Ihor Aleksandrov" userId="c3051032-6b87-4db2-b257-777a0106fbd9" providerId="ADAL" clId="{8C05140D-7668-4267-B009-985EF5C6B6AF}" dt="2024-01-24T16:09:12.718" v="3" actId="27028"/>
-        <pc:sldMasterMkLst>
-          <pc:docMk/>
-          <pc:sldMasterMk cId="1579723609" sldId="2147483660"/>
-        </pc:sldMasterMkLst>
-        <pc:sldLayoutChg chg="replId">
-          <pc:chgData name="Ihor Aleksandrov" userId="c3051032-6b87-4db2-b257-777a0106fbd9" providerId="ADAL" clId="{8C05140D-7668-4267-B009-985EF5C6B6AF}" dt="2024-01-24T16:09:02.186" v="0" actId="27028"/>
-          <pc:sldLayoutMkLst>
-            <pc:docMk/>
-            <pc:sldMasterMk cId="1579723609" sldId="2147483660"/>
-            <pc:sldLayoutMk cId="639927661" sldId="2147483661"/>
-          </pc:sldLayoutMkLst>
-        </pc:sldLayoutChg>
-        <pc:sldLayoutChg chg="replId">
-          <pc:chgData name="Ihor Aleksandrov" userId="c3051032-6b87-4db2-b257-777a0106fbd9" providerId="ADAL" clId="{8C05140D-7668-4267-B009-985EF5C6B6AF}" dt="2024-01-24T16:09:12.718" v="3" actId="27028"/>
-          <pc:sldLayoutMkLst>
-            <pc:docMk/>
-            <pc:sldMasterMk cId="1579723609" sldId="2147483660"/>
-            <pc:sldLayoutMk cId="1498987355" sldId="2147483662"/>
           </pc:sldLayoutMkLst>
         </pc:sldLayoutChg>
       </pc:sldMasterChg>
@@ -4073,924 +4254,789 @@
     </pc:docChg>
   </pc:docChgLst>
   <pc:docChgLst>
-    <pc:chgData name="Ihor Aleksandrov" userId="c3051032-6b87-4db2-b257-777a0106fbd9" providerId="ADAL" clId="{D05EAF56-C8F0-4612-806C-93E1C27F1929}"/>
-    <pc:docChg chg="undo redo custSel addSld delSld modSld sldOrd addMainMaster addSection modSection">
-      <pc:chgData name="Ihor Aleksandrov" userId="c3051032-6b87-4db2-b257-777a0106fbd9" providerId="ADAL" clId="{D05EAF56-C8F0-4612-806C-93E1C27F1929}" dt="2024-01-25T12:18:42.706" v="325"/>
+    <pc:chgData name="Ihor Aleksandrov" userId="c3051032-6b87-4db2-b257-777a0106fbd9" providerId="ADAL" clId="{CD6A1DE1-ACF9-4B80-94F3-F58CA81605B6}"/>
+    <pc:docChg chg="undo redo custSel addSld delSld modSld sldOrd addSection delSection modSection">
+      <pc:chgData name="Ihor Aleksandrov" userId="c3051032-6b87-4db2-b257-777a0106fbd9" providerId="ADAL" clId="{CD6A1DE1-ACF9-4B80-94F3-F58CA81605B6}" dt="2024-01-31T16:36:06.805" v="251" actId="20577"/>
       <pc:docMkLst>
         <pc:docMk/>
       </pc:docMkLst>
-      <pc:sldChg chg="addSp modSp mod setBg">
-        <pc:chgData name="Ihor Aleksandrov" userId="c3051032-6b87-4db2-b257-777a0106fbd9" providerId="ADAL" clId="{D05EAF56-C8F0-4612-806C-93E1C27F1929}" dt="2024-01-25T09:34:46.181" v="0" actId="26606"/>
+      <pc:sldChg chg="modSp mod">
+        <pc:chgData name="Ihor Aleksandrov" userId="c3051032-6b87-4db2-b257-777a0106fbd9" providerId="ADAL" clId="{CD6A1DE1-ACF9-4B80-94F3-F58CA81605B6}" dt="2024-01-31T09:08:37.650" v="10" actId="20577"/>
         <pc:sldMkLst>
           <pc:docMk/>
           <pc:sldMk cId="552267186" sldId="256"/>
         </pc:sldMkLst>
         <pc:spChg chg="mod">
-          <ac:chgData name="Ihor Aleksandrov" userId="c3051032-6b87-4db2-b257-777a0106fbd9" providerId="ADAL" clId="{D05EAF56-C8F0-4612-806C-93E1C27F1929}" dt="2024-01-25T09:34:46.181" v="0" actId="26606"/>
+          <ac:chgData name="Ihor Aleksandrov" userId="c3051032-6b87-4db2-b257-777a0106fbd9" providerId="ADAL" clId="{CD6A1DE1-ACF9-4B80-94F3-F58CA81605B6}" dt="2024-01-31T09:08:37.650" v="10" actId="20577"/>
           <ac:spMkLst>
             <pc:docMk/>
             <pc:sldMk cId="552267186" sldId="256"/>
             <ac:spMk id="2" creationId="{18C18207-A109-5552-1541-0ABBAA316282}"/>
           </ac:spMkLst>
         </pc:spChg>
+      </pc:sldChg>
+      <pc:sldChg chg="addSp delSp modSp mod ord">
+        <pc:chgData name="Ihor Aleksandrov" userId="c3051032-6b87-4db2-b257-777a0106fbd9" providerId="ADAL" clId="{CD6A1DE1-ACF9-4B80-94F3-F58CA81605B6}" dt="2024-01-31T14:10:17.392" v="37"/>
+        <pc:sldMkLst>
+          <pc:docMk/>
+          <pc:sldMk cId="4197480136" sldId="268"/>
+        </pc:sldMkLst>
         <pc:spChg chg="mod">
-          <ac:chgData name="Ihor Aleksandrov" userId="c3051032-6b87-4db2-b257-777a0106fbd9" providerId="ADAL" clId="{D05EAF56-C8F0-4612-806C-93E1C27F1929}" dt="2024-01-25T09:34:46.181" v="0" actId="26606"/>
+          <ac:chgData name="Ihor Aleksandrov" userId="c3051032-6b87-4db2-b257-777a0106fbd9" providerId="ADAL" clId="{CD6A1DE1-ACF9-4B80-94F3-F58CA81605B6}" dt="2024-01-31T14:10:17.392" v="37"/>
           <ac:spMkLst>
             <pc:docMk/>
-            <pc:sldMk cId="552267186" sldId="256"/>
-            <ac:spMk id="3" creationId="{3473E1D3-7401-AD94-5C7A-49912FA8005A}"/>
-          </ac:spMkLst>
-        </pc:spChg>
-        <pc:spChg chg="mod">
-          <ac:chgData name="Ihor Aleksandrov" userId="c3051032-6b87-4db2-b257-777a0106fbd9" providerId="ADAL" clId="{D05EAF56-C8F0-4612-806C-93E1C27F1929}" dt="2024-01-25T09:34:46.181" v="0" actId="26606"/>
-          <ac:spMkLst>
-            <pc:docMk/>
-            <pc:sldMk cId="552267186" sldId="256"/>
-            <ac:spMk id="4" creationId="{C99D0D71-05C2-1881-DCFB-D99C1C10CBB8}"/>
-          </ac:spMkLst>
-        </pc:spChg>
-        <pc:spChg chg="add">
-          <ac:chgData name="Ihor Aleksandrov" userId="c3051032-6b87-4db2-b257-777a0106fbd9" providerId="ADAL" clId="{D05EAF56-C8F0-4612-806C-93E1C27F1929}" dt="2024-01-25T09:34:46.181" v="0" actId="26606"/>
-          <ac:spMkLst>
-            <pc:docMk/>
-            <pc:sldMk cId="552267186" sldId="256"/>
-            <ac:spMk id="9" creationId="{C3896A03-3945-419A-B66B-4EE266EDD152}"/>
-          </ac:spMkLst>
-        </pc:spChg>
-        <pc:spChg chg="add">
-          <ac:chgData name="Ihor Aleksandrov" userId="c3051032-6b87-4db2-b257-777a0106fbd9" providerId="ADAL" clId="{D05EAF56-C8F0-4612-806C-93E1C27F1929}" dt="2024-01-25T09:34:46.181" v="0" actId="26606"/>
-          <ac:spMkLst>
-            <pc:docMk/>
-            <pc:sldMk cId="552267186" sldId="256"/>
-            <ac:spMk id="11" creationId="{B34F5AD2-EDBD-4BBD-A55C-EAFFD0C7097A}"/>
-          </ac:spMkLst>
-        </pc:spChg>
-      </pc:sldChg>
-      <pc:sldChg chg="modSp mod">
-        <pc:chgData name="Ihor Aleksandrov" userId="c3051032-6b87-4db2-b257-777a0106fbd9" providerId="ADAL" clId="{D05EAF56-C8F0-4612-806C-93E1C27F1929}" dt="2024-01-25T11:00:29.329" v="160"/>
-        <pc:sldMkLst>
-          <pc:docMk/>
-          <pc:sldMk cId="3569579791" sldId="265"/>
-        </pc:sldMkLst>
-        <pc:spChg chg="mod">
-          <ac:chgData name="Ihor Aleksandrov" userId="c3051032-6b87-4db2-b257-777a0106fbd9" providerId="ADAL" clId="{D05EAF56-C8F0-4612-806C-93E1C27F1929}" dt="2024-01-25T11:00:29.329" v="160"/>
-          <ac:spMkLst>
-            <pc:docMk/>
-            <pc:sldMk cId="3569579791" sldId="265"/>
+            <pc:sldMk cId="4197480136" sldId="268"/>
             <ac:spMk id="2" creationId="{53C5D828-9666-E312-B574-9FE965A7D6BE}"/>
           </ac:spMkLst>
         </pc:spChg>
+        <pc:spChg chg="del">
+          <ac:chgData name="Ihor Aleksandrov" userId="c3051032-6b87-4db2-b257-777a0106fbd9" providerId="ADAL" clId="{CD6A1DE1-ACF9-4B80-94F3-F58CA81605B6}" dt="2024-01-31T14:07:40.586" v="16" actId="478"/>
+          <ac:spMkLst>
+            <pc:docMk/>
+            <pc:sldMk cId="4197480136" sldId="268"/>
+            <ac:spMk id="4" creationId="{13451CDA-1490-D1A7-A07B-AFF3680A7469}"/>
+          </ac:spMkLst>
+        </pc:spChg>
+        <pc:picChg chg="add del mod">
+          <ac:chgData name="Ihor Aleksandrov" userId="c3051032-6b87-4db2-b257-777a0106fbd9" providerId="ADAL" clId="{CD6A1DE1-ACF9-4B80-94F3-F58CA81605B6}" dt="2024-01-31T14:09:37.609" v="23" actId="478"/>
+          <ac:picMkLst>
+            <pc:docMk/>
+            <pc:sldMk cId="4197480136" sldId="268"/>
+            <ac:picMk id="5" creationId="{F0022280-0E09-E00E-9A77-DDC8C0BF78AC}"/>
+          </ac:picMkLst>
+        </pc:picChg>
+        <pc:picChg chg="add mod">
+          <ac:chgData name="Ihor Aleksandrov" userId="c3051032-6b87-4db2-b257-777a0106fbd9" providerId="ADAL" clId="{CD6A1DE1-ACF9-4B80-94F3-F58CA81605B6}" dt="2024-01-31T14:09:46.445" v="28" actId="1076"/>
+          <ac:picMkLst>
+            <pc:docMk/>
+            <pc:sldMk cId="4197480136" sldId="268"/>
+            <ac:picMk id="6" creationId="{4159ACBD-A9C3-7371-B502-430612B37D57}"/>
+          </ac:picMkLst>
+        </pc:picChg>
+      </pc:sldChg>
+      <pc:sldChg chg="modSp mod">
+        <pc:chgData name="Ihor Aleksandrov" userId="c3051032-6b87-4db2-b257-777a0106fbd9" providerId="ADAL" clId="{CD6A1DE1-ACF9-4B80-94F3-F58CA81605B6}" dt="2024-01-31T09:08:12.162" v="1"/>
+        <pc:sldMkLst>
+          <pc:docMk/>
+          <pc:sldMk cId="2052164358" sldId="302"/>
+        </pc:sldMkLst>
+        <pc:spChg chg="mod">
+          <ac:chgData name="Ihor Aleksandrov" userId="c3051032-6b87-4db2-b257-777a0106fbd9" providerId="ADAL" clId="{CD6A1DE1-ACF9-4B80-94F3-F58CA81605B6}" dt="2024-01-31T09:08:12.162" v="1"/>
+          <ac:spMkLst>
+            <pc:docMk/>
+            <pc:sldMk cId="2052164358" sldId="302"/>
+            <ac:spMk id="2" creationId="{5DF8ECE0-DBF5-C309-B35B-C6A0C6C847B2}"/>
+          </ac:spMkLst>
+        </pc:spChg>
+      </pc:sldChg>
+      <pc:sldChg chg="modSp">
+        <pc:chgData name="Ihor Aleksandrov" userId="c3051032-6b87-4db2-b257-777a0106fbd9" providerId="ADAL" clId="{CD6A1DE1-ACF9-4B80-94F3-F58CA81605B6}" dt="2024-01-31T16:36:06.805" v="251" actId="20577"/>
+        <pc:sldMkLst>
+          <pc:docMk/>
+          <pc:sldMk cId="2972731808" sldId="303"/>
+        </pc:sldMkLst>
+        <pc:graphicFrameChg chg="mod">
+          <ac:chgData name="Ihor Aleksandrov" userId="c3051032-6b87-4db2-b257-777a0106fbd9" providerId="ADAL" clId="{CD6A1DE1-ACF9-4B80-94F3-F58CA81605B6}" dt="2024-01-31T16:36:06.805" v="251" actId="20577"/>
+          <ac:graphicFrameMkLst>
+            <pc:docMk/>
+            <pc:sldMk cId="2972731808" sldId="303"/>
+            <ac:graphicFrameMk id="50" creationId="{438840ED-2B50-ED19-12CF-99B1789AE150}"/>
+          </ac:graphicFrameMkLst>
+        </pc:graphicFrameChg>
+      </pc:sldChg>
+      <pc:sldChg chg="add">
+        <pc:chgData name="Ihor Aleksandrov" userId="c3051032-6b87-4db2-b257-777a0106fbd9" providerId="ADAL" clId="{CD6A1DE1-ACF9-4B80-94F3-F58CA81605B6}" dt="2024-01-31T14:07:59.482" v="22" actId="2890"/>
+        <pc:sldMkLst>
+          <pc:docMk/>
+          <pc:sldMk cId="1009650064" sldId="304"/>
+        </pc:sldMkLst>
+      </pc:sldChg>
+      <pc:sldChg chg="del">
+        <pc:chgData name="Ihor Aleksandrov" userId="c3051032-6b87-4db2-b257-777a0106fbd9" providerId="ADAL" clId="{CD6A1DE1-ACF9-4B80-94F3-F58CA81605B6}" dt="2024-01-31T09:09:41.621" v="12" actId="2696"/>
+        <pc:sldMkLst>
+          <pc:docMk/>
+          <pc:sldMk cId="3549163878" sldId="304"/>
+        </pc:sldMkLst>
       </pc:sldChg>
       <pc:sldChg chg="addSp delSp modSp add mod">
-        <pc:chgData name="Ihor Aleksandrov" userId="c3051032-6b87-4db2-b257-777a0106fbd9" providerId="ADAL" clId="{D05EAF56-C8F0-4612-806C-93E1C27F1929}" dt="2024-01-25T10:19:44.220" v="11" actId="1076"/>
-        <pc:sldMkLst>
-          <pc:docMk/>
-          <pc:sldMk cId="3985704815" sldId="270"/>
+        <pc:chgData name="Ihor Aleksandrov" userId="c3051032-6b87-4db2-b257-777a0106fbd9" providerId="ADAL" clId="{CD6A1DE1-ACF9-4B80-94F3-F58CA81605B6}" dt="2024-01-31T14:17:45.758" v="45"/>
+        <pc:sldMkLst>
+          <pc:docMk/>
+          <pc:sldMk cId="3689973886" sldId="305"/>
         </pc:sldMkLst>
         <pc:spChg chg="mod">
-          <ac:chgData name="Ihor Aleksandrov" userId="c3051032-6b87-4db2-b257-777a0106fbd9" providerId="ADAL" clId="{D05EAF56-C8F0-4612-806C-93E1C27F1929}" dt="2024-01-25T10:19:15.861" v="6"/>
+          <ac:chgData name="Ihor Aleksandrov" userId="c3051032-6b87-4db2-b257-777a0106fbd9" providerId="ADAL" clId="{CD6A1DE1-ACF9-4B80-94F3-F58CA81605B6}" dt="2024-01-31T14:17:45.758" v="45"/>
           <ac:spMkLst>
             <pc:docMk/>
-            <pc:sldMk cId="3985704815" sldId="270"/>
+            <pc:sldMk cId="3689973886" sldId="305"/>
             <ac:spMk id="2" creationId="{53C5D828-9666-E312-B574-9FE965A7D6BE}"/>
           </ac:spMkLst>
         </pc:spChg>
         <pc:picChg chg="add mod">
-          <ac:chgData name="Ihor Aleksandrov" userId="c3051032-6b87-4db2-b257-777a0106fbd9" providerId="ADAL" clId="{D05EAF56-C8F0-4612-806C-93E1C27F1929}" dt="2024-01-25T10:19:44.220" v="11" actId="1076"/>
+          <ac:chgData name="Ihor Aleksandrov" userId="c3051032-6b87-4db2-b257-777a0106fbd9" providerId="ADAL" clId="{CD6A1DE1-ACF9-4B80-94F3-F58CA81605B6}" dt="2024-01-31T14:15:35.700" v="44" actId="1076"/>
           <ac:picMkLst>
             <pc:docMk/>
-            <pc:sldMk cId="3985704815" sldId="270"/>
-            <ac:picMk id="5" creationId="{329D80B6-A19C-F87F-FE85-78E58BE79DFC}"/>
+            <pc:sldMk cId="3689973886" sldId="305"/>
+            <ac:picMk id="5" creationId="{65983233-09CA-119D-EF1F-584282E32591}"/>
           </ac:picMkLst>
         </pc:picChg>
         <pc:picChg chg="del">
-          <ac:chgData name="Ihor Aleksandrov" userId="c3051032-6b87-4db2-b257-777a0106fbd9" providerId="ADAL" clId="{D05EAF56-C8F0-4612-806C-93E1C27F1929}" dt="2024-01-25T10:19:18.657" v="7" actId="478"/>
+          <ac:chgData name="Ihor Aleksandrov" userId="c3051032-6b87-4db2-b257-777a0106fbd9" providerId="ADAL" clId="{CD6A1DE1-ACF9-4B80-94F3-F58CA81605B6}" dt="2024-01-31T14:15:27.455" v="40" actId="478"/>
           <ac:picMkLst>
             <pc:docMk/>
-            <pc:sldMk cId="3985704815" sldId="270"/>
-            <ac:picMk id="6" creationId="{BDB4DD57-1DD7-48B1-ABFB-EE3016703034}"/>
+            <pc:sldMk cId="3689973886" sldId="305"/>
+            <ac:picMk id="6" creationId="{4159ACBD-A9C3-7371-B502-430612B37D57}"/>
           </ac:picMkLst>
         </pc:picChg>
       </pc:sldChg>
+      <pc:sldChg chg="del">
+        <pc:chgData name="Ihor Aleksandrov" userId="c3051032-6b87-4db2-b257-777a0106fbd9" providerId="ADAL" clId="{CD6A1DE1-ACF9-4B80-94F3-F58CA81605B6}" dt="2024-01-31T09:09:41.621" v="12" actId="2696"/>
+        <pc:sldMkLst>
+          <pc:docMk/>
+          <pc:sldMk cId="3859147720" sldId="305"/>
+        </pc:sldMkLst>
+      </pc:sldChg>
+      <pc:sldChg chg="del">
+        <pc:chgData name="Ihor Aleksandrov" userId="c3051032-6b87-4db2-b257-777a0106fbd9" providerId="ADAL" clId="{CD6A1DE1-ACF9-4B80-94F3-F58CA81605B6}" dt="2024-01-31T09:09:41.621" v="12" actId="2696"/>
+        <pc:sldMkLst>
+          <pc:docMk/>
+          <pc:sldMk cId="2864035387" sldId="306"/>
+        </pc:sldMkLst>
+      </pc:sldChg>
       <pc:sldChg chg="addSp delSp modSp add mod">
-        <pc:chgData name="Ihor Aleksandrov" userId="c3051032-6b87-4db2-b257-777a0106fbd9" providerId="ADAL" clId="{D05EAF56-C8F0-4612-806C-93E1C27F1929}" dt="2024-01-25T10:21:34.770" v="23" actId="1076"/>
-        <pc:sldMkLst>
-          <pc:docMk/>
-          <pc:sldMk cId="2117969225" sldId="271"/>
+        <pc:chgData name="Ihor Aleksandrov" userId="c3051032-6b87-4db2-b257-777a0106fbd9" providerId="ADAL" clId="{CD6A1DE1-ACF9-4B80-94F3-F58CA81605B6}" dt="2024-01-31T14:19:42.222" v="51" actId="11529"/>
+        <pc:sldMkLst>
+          <pc:docMk/>
+          <pc:sldMk cId="2869883964" sldId="306"/>
         </pc:sldMkLst>
         <pc:spChg chg="mod">
-          <ac:chgData name="Ihor Aleksandrov" userId="c3051032-6b87-4db2-b257-777a0106fbd9" providerId="ADAL" clId="{D05EAF56-C8F0-4612-806C-93E1C27F1929}" dt="2024-01-25T10:20:53.128" v="15"/>
+          <ac:chgData name="Ihor Aleksandrov" userId="c3051032-6b87-4db2-b257-777a0106fbd9" providerId="ADAL" clId="{CD6A1DE1-ACF9-4B80-94F3-F58CA81605B6}" dt="2024-01-31T14:18:50.257" v="49"/>
           <ac:spMkLst>
             <pc:docMk/>
-            <pc:sldMk cId="2117969225" sldId="271"/>
+            <pc:sldMk cId="2869883964" sldId="306"/>
+            <ac:spMk id="2" creationId="{53C5D828-9666-E312-B574-9FE965A7D6BE}"/>
+          </ac:spMkLst>
+        </pc:spChg>
+        <pc:spChg chg="add">
+          <ac:chgData name="Ihor Aleksandrov" userId="c3051032-6b87-4db2-b257-777a0106fbd9" providerId="ADAL" clId="{CD6A1DE1-ACF9-4B80-94F3-F58CA81605B6}" dt="2024-01-31T14:19:42.222" v="51" actId="11529"/>
+          <ac:spMkLst>
+            <pc:docMk/>
+            <pc:sldMk cId="2869883964" sldId="306"/>
+            <ac:spMk id="4" creationId="{A7A10FCB-73CC-EC25-5BA2-8A25FEB14B6A}"/>
+          </ac:spMkLst>
+        </pc:spChg>
+        <pc:picChg chg="del">
+          <ac:chgData name="Ihor Aleksandrov" userId="c3051032-6b87-4db2-b257-777a0106fbd9" providerId="ADAL" clId="{CD6A1DE1-ACF9-4B80-94F3-F58CA81605B6}" dt="2024-01-31T14:19:35.964" v="50" actId="478"/>
+          <ac:picMkLst>
+            <pc:docMk/>
+            <pc:sldMk cId="2869883964" sldId="306"/>
+            <ac:picMk id="5" creationId="{65983233-09CA-119D-EF1F-584282E32591}"/>
+          </ac:picMkLst>
+        </pc:picChg>
+      </pc:sldChg>
+      <pc:sldChg chg="modSp add mod">
+        <pc:chgData name="Ihor Aleksandrov" userId="c3051032-6b87-4db2-b257-777a0106fbd9" providerId="ADAL" clId="{CD6A1DE1-ACF9-4B80-94F3-F58CA81605B6}" dt="2024-01-31T14:21:43.315" v="55"/>
+        <pc:sldMkLst>
+          <pc:docMk/>
+          <pc:sldMk cId="609281495" sldId="307"/>
+        </pc:sldMkLst>
+        <pc:spChg chg="mod">
+          <ac:chgData name="Ihor Aleksandrov" userId="c3051032-6b87-4db2-b257-777a0106fbd9" providerId="ADAL" clId="{CD6A1DE1-ACF9-4B80-94F3-F58CA81605B6}" dt="2024-01-31T14:21:43.315" v="55"/>
+          <ac:spMkLst>
+            <pc:docMk/>
+            <pc:sldMk cId="609281495" sldId="307"/>
+            <ac:spMk id="2" creationId="{53C5D828-9666-E312-B574-9FE965A7D6BE}"/>
+          </ac:spMkLst>
+        </pc:spChg>
+      </pc:sldChg>
+      <pc:sldChg chg="del">
+        <pc:chgData name="Ihor Aleksandrov" userId="c3051032-6b87-4db2-b257-777a0106fbd9" providerId="ADAL" clId="{CD6A1DE1-ACF9-4B80-94F3-F58CA81605B6}" dt="2024-01-31T09:09:41.621" v="12" actId="2696"/>
+        <pc:sldMkLst>
+          <pc:docMk/>
+          <pc:sldMk cId="1602066729" sldId="307"/>
+        </pc:sldMkLst>
+      </pc:sldChg>
+      <pc:sldChg chg="modSp add mod">
+        <pc:chgData name="Ihor Aleksandrov" userId="c3051032-6b87-4db2-b257-777a0106fbd9" providerId="ADAL" clId="{CD6A1DE1-ACF9-4B80-94F3-F58CA81605B6}" dt="2024-01-31T14:23:36.164" v="57"/>
+        <pc:sldMkLst>
+          <pc:docMk/>
+          <pc:sldMk cId="892253496" sldId="308"/>
+        </pc:sldMkLst>
+        <pc:spChg chg="mod">
+          <ac:chgData name="Ihor Aleksandrov" userId="c3051032-6b87-4db2-b257-777a0106fbd9" providerId="ADAL" clId="{CD6A1DE1-ACF9-4B80-94F3-F58CA81605B6}" dt="2024-01-31T14:23:36.164" v="57"/>
+          <ac:spMkLst>
+            <pc:docMk/>
+            <pc:sldMk cId="892253496" sldId="308"/>
+            <ac:spMk id="2" creationId="{53C5D828-9666-E312-B574-9FE965A7D6BE}"/>
+          </ac:spMkLst>
+        </pc:spChg>
+      </pc:sldChg>
+      <pc:sldChg chg="del">
+        <pc:chgData name="Ihor Aleksandrov" userId="c3051032-6b87-4db2-b257-777a0106fbd9" providerId="ADAL" clId="{CD6A1DE1-ACF9-4B80-94F3-F58CA81605B6}" dt="2024-01-31T09:09:41.621" v="12" actId="2696"/>
+        <pc:sldMkLst>
+          <pc:docMk/>
+          <pc:sldMk cId="3269251051" sldId="308"/>
+        </pc:sldMkLst>
+      </pc:sldChg>
+      <pc:sldChg chg="modSp add mod">
+        <pc:chgData name="Ihor Aleksandrov" userId="c3051032-6b87-4db2-b257-777a0106fbd9" providerId="ADAL" clId="{CD6A1DE1-ACF9-4B80-94F3-F58CA81605B6}" dt="2024-01-31T14:28:00.006" v="68" actId="6549"/>
+        <pc:sldMkLst>
+          <pc:docMk/>
+          <pc:sldMk cId="322251114" sldId="309"/>
+        </pc:sldMkLst>
+        <pc:spChg chg="mod">
+          <ac:chgData name="Ihor Aleksandrov" userId="c3051032-6b87-4db2-b257-777a0106fbd9" providerId="ADAL" clId="{CD6A1DE1-ACF9-4B80-94F3-F58CA81605B6}" dt="2024-01-31T14:28:00.006" v="68" actId="6549"/>
+          <ac:spMkLst>
+            <pc:docMk/>
+            <pc:sldMk cId="322251114" sldId="309"/>
+            <ac:spMk id="2" creationId="{53C5D828-9666-E312-B574-9FE965A7D6BE}"/>
+          </ac:spMkLst>
+        </pc:spChg>
+      </pc:sldChg>
+      <pc:sldChg chg="del">
+        <pc:chgData name="Ihor Aleksandrov" userId="c3051032-6b87-4db2-b257-777a0106fbd9" providerId="ADAL" clId="{CD6A1DE1-ACF9-4B80-94F3-F58CA81605B6}" dt="2024-01-31T09:09:41.621" v="12" actId="2696"/>
+        <pc:sldMkLst>
+          <pc:docMk/>
+          <pc:sldMk cId="1192723176" sldId="309"/>
+        </pc:sldMkLst>
+      </pc:sldChg>
+      <pc:sldChg chg="del">
+        <pc:chgData name="Ihor Aleksandrov" userId="c3051032-6b87-4db2-b257-777a0106fbd9" providerId="ADAL" clId="{CD6A1DE1-ACF9-4B80-94F3-F58CA81605B6}" dt="2024-01-31T09:09:41.621" v="12" actId="2696"/>
+        <pc:sldMkLst>
+          <pc:docMk/>
+          <pc:sldMk cId="349494834" sldId="310"/>
+        </pc:sldMkLst>
+      </pc:sldChg>
+      <pc:sldChg chg="modSp add mod">
+        <pc:chgData name="Ihor Aleksandrov" userId="c3051032-6b87-4db2-b257-777a0106fbd9" providerId="ADAL" clId="{CD6A1DE1-ACF9-4B80-94F3-F58CA81605B6}" dt="2024-01-31T14:41:19.484" v="113" actId="20577"/>
+        <pc:sldMkLst>
+          <pc:docMk/>
+          <pc:sldMk cId="3511455361" sldId="310"/>
+        </pc:sldMkLst>
+        <pc:spChg chg="mod">
+          <ac:chgData name="Ihor Aleksandrov" userId="c3051032-6b87-4db2-b257-777a0106fbd9" providerId="ADAL" clId="{CD6A1DE1-ACF9-4B80-94F3-F58CA81605B6}" dt="2024-01-31T14:41:19.484" v="113" actId="20577"/>
+          <ac:spMkLst>
+            <pc:docMk/>
+            <pc:sldMk cId="3511455361" sldId="310"/>
+            <ac:spMk id="2" creationId="{53C5D828-9666-E312-B574-9FE965A7D6BE}"/>
+          </ac:spMkLst>
+        </pc:spChg>
+      </pc:sldChg>
+      <pc:sldChg chg="del">
+        <pc:chgData name="Ihor Aleksandrov" userId="c3051032-6b87-4db2-b257-777a0106fbd9" providerId="ADAL" clId="{CD6A1DE1-ACF9-4B80-94F3-F58CA81605B6}" dt="2024-01-31T09:09:41.621" v="12" actId="2696"/>
+        <pc:sldMkLst>
+          <pc:docMk/>
+          <pc:sldMk cId="499114694" sldId="311"/>
+        </pc:sldMkLst>
+      </pc:sldChg>
+      <pc:sldChg chg="modSp add mod">
+        <pc:chgData name="Ihor Aleksandrov" userId="c3051032-6b87-4db2-b257-777a0106fbd9" providerId="ADAL" clId="{CD6A1DE1-ACF9-4B80-94F3-F58CA81605B6}" dt="2024-01-31T14:45:28.900" v="115"/>
+        <pc:sldMkLst>
+          <pc:docMk/>
+          <pc:sldMk cId="1118882355" sldId="311"/>
+        </pc:sldMkLst>
+        <pc:spChg chg="mod">
+          <ac:chgData name="Ihor Aleksandrov" userId="c3051032-6b87-4db2-b257-777a0106fbd9" providerId="ADAL" clId="{CD6A1DE1-ACF9-4B80-94F3-F58CA81605B6}" dt="2024-01-31T14:45:28.900" v="115"/>
+          <ac:spMkLst>
+            <pc:docMk/>
+            <pc:sldMk cId="1118882355" sldId="311"/>
+            <ac:spMk id="2" creationId="{53C5D828-9666-E312-B574-9FE965A7D6BE}"/>
+          </ac:spMkLst>
+        </pc:spChg>
+      </pc:sldChg>
+      <pc:sldChg chg="del">
+        <pc:chgData name="Ihor Aleksandrov" userId="c3051032-6b87-4db2-b257-777a0106fbd9" providerId="ADAL" clId="{CD6A1DE1-ACF9-4B80-94F3-F58CA81605B6}" dt="2024-01-31T09:09:41.621" v="12" actId="2696"/>
+        <pc:sldMkLst>
+          <pc:docMk/>
+          <pc:sldMk cId="270713766" sldId="312"/>
+        </pc:sldMkLst>
+      </pc:sldChg>
+      <pc:sldChg chg="modSp add mod">
+        <pc:chgData name="Ihor Aleksandrov" userId="c3051032-6b87-4db2-b257-777a0106fbd9" providerId="ADAL" clId="{CD6A1DE1-ACF9-4B80-94F3-F58CA81605B6}" dt="2024-01-31T14:47:18.694" v="119"/>
+        <pc:sldMkLst>
+          <pc:docMk/>
+          <pc:sldMk cId="804494040" sldId="312"/>
+        </pc:sldMkLst>
+        <pc:spChg chg="mod">
+          <ac:chgData name="Ihor Aleksandrov" userId="c3051032-6b87-4db2-b257-777a0106fbd9" providerId="ADAL" clId="{CD6A1DE1-ACF9-4B80-94F3-F58CA81605B6}" dt="2024-01-31T14:47:18.694" v="119"/>
+          <ac:spMkLst>
+            <pc:docMk/>
+            <pc:sldMk cId="804494040" sldId="312"/>
+            <ac:spMk id="2" creationId="{53C5D828-9666-E312-B574-9FE965A7D6BE}"/>
+          </ac:spMkLst>
+        </pc:spChg>
+      </pc:sldChg>
+      <pc:sldChg chg="modSp add mod">
+        <pc:chgData name="Ihor Aleksandrov" userId="c3051032-6b87-4db2-b257-777a0106fbd9" providerId="ADAL" clId="{CD6A1DE1-ACF9-4B80-94F3-F58CA81605B6}" dt="2024-01-31T14:49:19.729" v="125"/>
+        <pc:sldMkLst>
+          <pc:docMk/>
+          <pc:sldMk cId="516861898" sldId="313"/>
+        </pc:sldMkLst>
+        <pc:spChg chg="mod">
+          <ac:chgData name="Ihor Aleksandrov" userId="c3051032-6b87-4db2-b257-777a0106fbd9" providerId="ADAL" clId="{CD6A1DE1-ACF9-4B80-94F3-F58CA81605B6}" dt="2024-01-31T14:49:19.729" v="125"/>
+          <ac:spMkLst>
+            <pc:docMk/>
+            <pc:sldMk cId="516861898" sldId="313"/>
+            <ac:spMk id="2" creationId="{53C5D828-9666-E312-B574-9FE965A7D6BE}"/>
+          </ac:spMkLst>
+        </pc:spChg>
+      </pc:sldChg>
+      <pc:sldChg chg="del">
+        <pc:chgData name="Ihor Aleksandrov" userId="c3051032-6b87-4db2-b257-777a0106fbd9" providerId="ADAL" clId="{CD6A1DE1-ACF9-4B80-94F3-F58CA81605B6}" dt="2024-01-31T09:09:41.621" v="12" actId="2696"/>
+        <pc:sldMkLst>
+          <pc:docMk/>
+          <pc:sldMk cId="3773115567" sldId="313"/>
+        </pc:sldMkLst>
+      </pc:sldChg>
+      <pc:sldChg chg="del">
+        <pc:chgData name="Ihor Aleksandrov" userId="c3051032-6b87-4db2-b257-777a0106fbd9" providerId="ADAL" clId="{CD6A1DE1-ACF9-4B80-94F3-F58CA81605B6}" dt="2024-01-31T09:09:41.621" v="12" actId="2696"/>
+        <pc:sldMkLst>
+          <pc:docMk/>
+          <pc:sldMk cId="141045630" sldId="314"/>
+        </pc:sldMkLst>
+      </pc:sldChg>
+      <pc:sldChg chg="addSp delSp modSp add mod">
+        <pc:chgData name="Ihor Aleksandrov" userId="c3051032-6b87-4db2-b257-777a0106fbd9" providerId="ADAL" clId="{CD6A1DE1-ACF9-4B80-94F3-F58CA81605B6}" dt="2024-01-31T15:01:29.780" v="129" actId="22"/>
+        <pc:sldMkLst>
+          <pc:docMk/>
+          <pc:sldMk cId="3021580720" sldId="314"/>
+        </pc:sldMkLst>
+        <pc:spChg chg="mod">
+          <ac:chgData name="Ihor Aleksandrov" userId="c3051032-6b87-4db2-b257-777a0106fbd9" providerId="ADAL" clId="{CD6A1DE1-ACF9-4B80-94F3-F58CA81605B6}" dt="2024-01-31T14:57:18.485" v="127"/>
+          <ac:spMkLst>
+            <pc:docMk/>
+            <pc:sldMk cId="3021580720" sldId="314"/>
+            <ac:spMk id="2" creationId="{53C5D828-9666-E312-B574-9FE965A7D6BE}"/>
+          </ac:spMkLst>
+        </pc:spChg>
+        <pc:spChg chg="add del">
+          <ac:chgData name="Ihor Aleksandrov" userId="c3051032-6b87-4db2-b257-777a0106fbd9" providerId="ADAL" clId="{CD6A1DE1-ACF9-4B80-94F3-F58CA81605B6}" dt="2024-01-31T15:01:29.780" v="129" actId="22"/>
+          <ac:spMkLst>
+            <pc:docMk/>
+            <pc:sldMk cId="3021580720" sldId="314"/>
+            <ac:spMk id="6" creationId="{F057BD1F-14DA-AC1C-4B2D-1E5D44A96B3F}"/>
+          </ac:spMkLst>
+        </pc:spChg>
+      </pc:sldChg>
+      <pc:sldChg chg="del">
+        <pc:chgData name="Ihor Aleksandrov" userId="c3051032-6b87-4db2-b257-777a0106fbd9" providerId="ADAL" clId="{CD6A1DE1-ACF9-4B80-94F3-F58CA81605B6}" dt="2024-01-31T09:09:41.621" v="12" actId="2696"/>
+        <pc:sldMkLst>
+          <pc:docMk/>
+          <pc:sldMk cId="1532481946" sldId="315"/>
+        </pc:sldMkLst>
+      </pc:sldChg>
+      <pc:sldChg chg="modSp add mod">
+        <pc:chgData name="Ihor Aleksandrov" userId="c3051032-6b87-4db2-b257-777a0106fbd9" providerId="ADAL" clId="{CD6A1DE1-ACF9-4B80-94F3-F58CA81605B6}" dt="2024-01-31T15:01:47.443" v="136" actId="20577"/>
+        <pc:sldMkLst>
+          <pc:docMk/>
+          <pc:sldMk cId="1571930096" sldId="315"/>
+        </pc:sldMkLst>
+        <pc:spChg chg="mod">
+          <ac:chgData name="Ihor Aleksandrov" userId="c3051032-6b87-4db2-b257-777a0106fbd9" providerId="ADAL" clId="{CD6A1DE1-ACF9-4B80-94F3-F58CA81605B6}" dt="2024-01-31T15:01:47.443" v="136" actId="20577"/>
+          <ac:spMkLst>
+            <pc:docMk/>
+            <pc:sldMk cId="1571930096" sldId="315"/>
+            <ac:spMk id="2" creationId="{53C5D828-9666-E312-B574-9FE965A7D6BE}"/>
+          </ac:spMkLst>
+        </pc:spChg>
+      </pc:sldChg>
+      <pc:sldChg chg="modSp add mod">
+        <pc:chgData name="Ihor Aleksandrov" userId="c3051032-6b87-4db2-b257-777a0106fbd9" providerId="ADAL" clId="{CD6A1DE1-ACF9-4B80-94F3-F58CA81605B6}" dt="2024-01-31T15:03:02.352" v="159" actId="14100"/>
+        <pc:sldMkLst>
+          <pc:docMk/>
+          <pc:sldMk cId="1133084570" sldId="316"/>
+        </pc:sldMkLst>
+        <pc:spChg chg="mod">
+          <ac:chgData name="Ihor Aleksandrov" userId="c3051032-6b87-4db2-b257-777a0106fbd9" providerId="ADAL" clId="{CD6A1DE1-ACF9-4B80-94F3-F58CA81605B6}" dt="2024-01-31T15:03:02.352" v="159" actId="14100"/>
+          <ac:spMkLst>
+            <pc:docMk/>
+            <pc:sldMk cId="1133084570" sldId="316"/>
+            <ac:spMk id="2" creationId="{53C5D828-9666-E312-B574-9FE965A7D6BE}"/>
+          </ac:spMkLst>
+        </pc:spChg>
+      </pc:sldChg>
+      <pc:sldChg chg="del">
+        <pc:chgData name="Ihor Aleksandrov" userId="c3051032-6b87-4db2-b257-777a0106fbd9" providerId="ADAL" clId="{CD6A1DE1-ACF9-4B80-94F3-F58CA81605B6}" dt="2024-01-31T09:09:41.621" v="12" actId="2696"/>
+        <pc:sldMkLst>
+          <pc:docMk/>
+          <pc:sldMk cId="2524846561" sldId="316"/>
+        </pc:sldMkLst>
+      </pc:sldChg>
+      <pc:sldChg chg="del">
+        <pc:chgData name="Ihor Aleksandrov" userId="c3051032-6b87-4db2-b257-777a0106fbd9" providerId="ADAL" clId="{CD6A1DE1-ACF9-4B80-94F3-F58CA81605B6}" dt="2024-01-31T09:09:41.621" v="12" actId="2696"/>
+        <pc:sldMkLst>
+          <pc:docMk/>
+          <pc:sldMk cId="340892873" sldId="317"/>
+        </pc:sldMkLst>
+      </pc:sldChg>
+      <pc:sldChg chg="modSp add mod">
+        <pc:chgData name="Ihor Aleksandrov" userId="c3051032-6b87-4db2-b257-777a0106fbd9" providerId="ADAL" clId="{CD6A1DE1-ACF9-4B80-94F3-F58CA81605B6}" dt="2024-01-31T15:06:04.633" v="164" actId="20577"/>
+        <pc:sldMkLst>
+          <pc:docMk/>
+          <pc:sldMk cId="356788772" sldId="317"/>
+        </pc:sldMkLst>
+        <pc:spChg chg="mod">
+          <ac:chgData name="Ihor Aleksandrov" userId="c3051032-6b87-4db2-b257-777a0106fbd9" providerId="ADAL" clId="{CD6A1DE1-ACF9-4B80-94F3-F58CA81605B6}" dt="2024-01-31T15:06:04.633" v="164" actId="20577"/>
+          <ac:spMkLst>
+            <pc:docMk/>
+            <pc:sldMk cId="356788772" sldId="317"/>
+            <ac:spMk id="2" creationId="{53C5D828-9666-E312-B574-9FE965A7D6BE}"/>
+          </ac:spMkLst>
+        </pc:spChg>
+      </pc:sldChg>
+      <pc:sldChg chg="del">
+        <pc:chgData name="Ihor Aleksandrov" userId="c3051032-6b87-4db2-b257-777a0106fbd9" providerId="ADAL" clId="{CD6A1DE1-ACF9-4B80-94F3-F58CA81605B6}" dt="2024-01-31T09:09:41.621" v="12" actId="2696"/>
+        <pc:sldMkLst>
+          <pc:docMk/>
+          <pc:sldMk cId="1315442765" sldId="318"/>
+        </pc:sldMkLst>
+      </pc:sldChg>
+      <pc:sldChg chg="modSp add mod ord">
+        <pc:chgData name="Ihor Aleksandrov" userId="c3051032-6b87-4db2-b257-777a0106fbd9" providerId="ADAL" clId="{CD6A1DE1-ACF9-4B80-94F3-F58CA81605B6}" dt="2024-01-31T16:18:42.992" v="170"/>
+        <pc:sldMkLst>
+          <pc:docMk/>
+          <pc:sldMk cId="2690505772" sldId="318"/>
+        </pc:sldMkLst>
+        <pc:spChg chg="mod">
+          <ac:chgData name="Ihor Aleksandrov" userId="c3051032-6b87-4db2-b257-777a0106fbd9" providerId="ADAL" clId="{CD6A1DE1-ACF9-4B80-94F3-F58CA81605B6}" dt="2024-01-31T16:18:42.992" v="170"/>
+          <ac:spMkLst>
+            <pc:docMk/>
+            <pc:sldMk cId="2690505772" sldId="318"/>
+            <ac:spMk id="2" creationId="{18C18207-A109-5552-1541-0ABBAA316282}"/>
+          </ac:spMkLst>
+        </pc:spChg>
+      </pc:sldChg>
+      <pc:sldChg chg="del">
+        <pc:chgData name="Ihor Aleksandrov" userId="c3051032-6b87-4db2-b257-777a0106fbd9" providerId="ADAL" clId="{CD6A1DE1-ACF9-4B80-94F3-F58CA81605B6}" dt="2024-01-31T09:09:41.621" v="12" actId="2696"/>
+        <pc:sldMkLst>
+          <pc:docMk/>
+          <pc:sldMk cId="2257188714" sldId="319"/>
+        </pc:sldMkLst>
+      </pc:sldChg>
+      <pc:sldChg chg="addSp delSp modSp add mod ord">
+        <pc:chgData name="Ihor Aleksandrov" userId="c3051032-6b87-4db2-b257-777a0106fbd9" providerId="ADAL" clId="{CD6A1DE1-ACF9-4B80-94F3-F58CA81605B6}" dt="2024-01-31T16:20:55.716" v="179" actId="1076"/>
+        <pc:sldMkLst>
+          <pc:docMk/>
+          <pc:sldMk cId="3618741339" sldId="319"/>
+        </pc:sldMkLst>
+        <pc:spChg chg="mod">
+          <ac:chgData name="Ihor Aleksandrov" userId="c3051032-6b87-4db2-b257-777a0106fbd9" providerId="ADAL" clId="{CD6A1DE1-ACF9-4B80-94F3-F58CA81605B6}" dt="2024-01-31T16:20:19.318" v="174"/>
+          <ac:spMkLst>
+            <pc:docMk/>
+            <pc:sldMk cId="3618741339" sldId="319"/>
+            <ac:spMk id="2" creationId="{53C5D828-9666-E312-B574-9FE965A7D6BE}"/>
+          </ac:spMkLst>
+        </pc:spChg>
+        <pc:spChg chg="del">
+          <ac:chgData name="Ihor Aleksandrov" userId="c3051032-6b87-4db2-b257-777a0106fbd9" providerId="ADAL" clId="{CD6A1DE1-ACF9-4B80-94F3-F58CA81605B6}" dt="2024-01-31T16:20:22.303" v="175" actId="478"/>
+          <ac:spMkLst>
+            <pc:docMk/>
+            <pc:sldMk cId="3618741339" sldId="319"/>
+            <ac:spMk id="4" creationId="{A7A10FCB-73CC-EC25-5BA2-8A25FEB14B6A}"/>
+          </ac:spMkLst>
+        </pc:spChg>
+        <pc:picChg chg="add mod">
+          <ac:chgData name="Ihor Aleksandrov" userId="c3051032-6b87-4db2-b257-777a0106fbd9" providerId="ADAL" clId="{CD6A1DE1-ACF9-4B80-94F3-F58CA81605B6}" dt="2024-01-31T16:20:55.716" v="179" actId="1076"/>
+          <ac:picMkLst>
+            <pc:docMk/>
+            <pc:sldMk cId="3618741339" sldId="319"/>
+            <ac:picMk id="5" creationId="{F532E8B4-0BE7-0CB3-9EF5-566DC21B1A9C}"/>
+          </ac:picMkLst>
+        </pc:picChg>
+      </pc:sldChg>
+      <pc:sldChg chg="addSp delSp modSp add mod">
+        <pc:chgData name="Ihor Aleksandrov" userId="c3051032-6b87-4db2-b257-777a0106fbd9" providerId="ADAL" clId="{CD6A1DE1-ACF9-4B80-94F3-F58CA81605B6}" dt="2024-01-31T16:23:53.931" v="186" actId="1076"/>
+        <pc:sldMkLst>
+          <pc:docMk/>
+          <pc:sldMk cId="955539517" sldId="320"/>
+        </pc:sldMkLst>
+        <pc:spChg chg="mod">
+          <ac:chgData name="Ihor Aleksandrov" userId="c3051032-6b87-4db2-b257-777a0106fbd9" providerId="ADAL" clId="{CD6A1DE1-ACF9-4B80-94F3-F58CA81605B6}" dt="2024-01-31T16:23:45.804" v="183"/>
+          <ac:spMkLst>
+            <pc:docMk/>
+            <pc:sldMk cId="955539517" sldId="320"/>
+            <ac:spMk id="2" creationId="{53C5D828-9666-E312-B574-9FE965A7D6BE}"/>
+          </ac:spMkLst>
+        </pc:spChg>
+        <pc:picChg chg="add mod">
+          <ac:chgData name="Ihor Aleksandrov" userId="c3051032-6b87-4db2-b257-777a0106fbd9" providerId="ADAL" clId="{CD6A1DE1-ACF9-4B80-94F3-F58CA81605B6}" dt="2024-01-31T16:23:53.931" v="186" actId="1076"/>
+          <ac:picMkLst>
+            <pc:docMk/>
+            <pc:sldMk cId="955539517" sldId="320"/>
+            <ac:picMk id="4" creationId="{28A2D3FD-7D05-8035-871B-BC18824DA49F}"/>
+          </ac:picMkLst>
+        </pc:picChg>
+        <pc:picChg chg="del">
+          <ac:chgData name="Ihor Aleksandrov" userId="c3051032-6b87-4db2-b257-777a0106fbd9" providerId="ADAL" clId="{CD6A1DE1-ACF9-4B80-94F3-F58CA81605B6}" dt="2024-01-31T16:23:47.155" v="184" actId="478"/>
+          <ac:picMkLst>
+            <pc:docMk/>
+            <pc:sldMk cId="955539517" sldId="320"/>
+            <ac:picMk id="5" creationId="{F532E8B4-0BE7-0CB3-9EF5-566DC21B1A9C}"/>
+          </ac:picMkLst>
+        </pc:picChg>
+      </pc:sldChg>
+      <pc:sldChg chg="del">
+        <pc:chgData name="Ihor Aleksandrov" userId="c3051032-6b87-4db2-b257-777a0106fbd9" providerId="ADAL" clId="{CD6A1DE1-ACF9-4B80-94F3-F58CA81605B6}" dt="2024-01-31T09:09:41.621" v="12" actId="2696"/>
+        <pc:sldMkLst>
+          <pc:docMk/>
+          <pc:sldMk cId="2940295210" sldId="320"/>
+        </pc:sldMkLst>
+      </pc:sldChg>
+      <pc:sldChg chg="del">
+        <pc:chgData name="Ihor Aleksandrov" userId="c3051032-6b87-4db2-b257-777a0106fbd9" providerId="ADAL" clId="{CD6A1DE1-ACF9-4B80-94F3-F58CA81605B6}" dt="2024-01-31T09:09:41.621" v="12" actId="2696"/>
+        <pc:sldMkLst>
+          <pc:docMk/>
+          <pc:sldMk cId="2741142378" sldId="321"/>
+        </pc:sldMkLst>
+      </pc:sldChg>
+      <pc:sldChg chg="addSp delSp modSp add mod">
+        <pc:chgData name="Ihor Aleksandrov" userId="c3051032-6b87-4db2-b257-777a0106fbd9" providerId="ADAL" clId="{CD6A1DE1-ACF9-4B80-94F3-F58CA81605B6}" dt="2024-01-31T16:27:29.733" v="196" actId="1076"/>
+        <pc:sldMkLst>
+          <pc:docMk/>
+          <pc:sldMk cId="3974958853" sldId="321"/>
+        </pc:sldMkLst>
+        <pc:spChg chg="mod">
+          <ac:chgData name="Ihor Aleksandrov" userId="c3051032-6b87-4db2-b257-777a0106fbd9" providerId="ADAL" clId="{CD6A1DE1-ACF9-4B80-94F3-F58CA81605B6}" dt="2024-01-31T16:27:07.186" v="192"/>
+          <ac:spMkLst>
+            <pc:docMk/>
+            <pc:sldMk cId="3974958853" sldId="321"/>
             <ac:spMk id="2" creationId="{53C5D828-9666-E312-B574-9FE965A7D6BE}"/>
           </ac:spMkLst>
         </pc:spChg>
         <pc:picChg chg="del">
-          <ac:chgData name="Ihor Aleksandrov" userId="c3051032-6b87-4db2-b257-777a0106fbd9" providerId="ADAL" clId="{D05EAF56-C8F0-4612-806C-93E1C27F1929}" dt="2024-01-25T10:21:32.921" v="22" actId="478"/>
+          <ac:chgData name="Ihor Aleksandrov" userId="c3051032-6b87-4db2-b257-777a0106fbd9" providerId="ADAL" clId="{CD6A1DE1-ACF9-4B80-94F3-F58CA81605B6}" dt="2024-01-31T16:27:22.384" v="193" actId="478"/>
           <ac:picMkLst>
             <pc:docMk/>
-            <pc:sldMk cId="2117969225" sldId="271"/>
-            <ac:picMk id="5" creationId="{329D80B6-A19C-F87F-FE85-78E58BE79DFC}"/>
+            <pc:sldMk cId="3974958853" sldId="321"/>
+            <ac:picMk id="4" creationId="{28A2D3FD-7D05-8035-871B-BC18824DA49F}"/>
           </ac:picMkLst>
         </pc:picChg>
         <pc:picChg chg="add mod">
-          <ac:chgData name="Ihor Aleksandrov" userId="c3051032-6b87-4db2-b257-777a0106fbd9" providerId="ADAL" clId="{D05EAF56-C8F0-4612-806C-93E1C27F1929}" dt="2024-01-25T10:21:34.770" v="23" actId="1076"/>
+          <ac:chgData name="Ihor Aleksandrov" userId="c3051032-6b87-4db2-b257-777a0106fbd9" providerId="ADAL" clId="{CD6A1DE1-ACF9-4B80-94F3-F58CA81605B6}" dt="2024-01-31T16:27:29.733" v="196" actId="1076"/>
           <ac:picMkLst>
             <pc:docMk/>
-            <pc:sldMk cId="2117969225" sldId="271"/>
-            <ac:picMk id="6" creationId="{4FAB23B6-5773-62B9-EF9A-E1E0562BE8E1}"/>
+            <pc:sldMk cId="3974958853" sldId="321"/>
+            <ac:picMk id="6" creationId="{B6424C26-77F8-976F-095A-C034C68F13F1}"/>
           </ac:picMkLst>
         </pc:picChg>
       </pc:sldChg>
+      <pc:sldChg chg="del">
+        <pc:chgData name="Ihor Aleksandrov" userId="c3051032-6b87-4db2-b257-777a0106fbd9" providerId="ADAL" clId="{CD6A1DE1-ACF9-4B80-94F3-F58CA81605B6}" dt="2024-01-31T09:09:41.621" v="12" actId="2696"/>
+        <pc:sldMkLst>
+          <pc:docMk/>
+          <pc:sldMk cId="1250702623" sldId="322"/>
+        </pc:sldMkLst>
+      </pc:sldChg>
       <pc:sldChg chg="addSp delSp modSp add mod">
-        <pc:chgData name="Ihor Aleksandrov" userId="c3051032-6b87-4db2-b257-777a0106fbd9" providerId="ADAL" clId="{D05EAF56-C8F0-4612-806C-93E1C27F1929}" dt="2024-01-25T10:22:58.698" v="32" actId="1076"/>
-        <pc:sldMkLst>
-          <pc:docMk/>
-          <pc:sldMk cId="1169417950" sldId="272"/>
+        <pc:chgData name="Ihor Aleksandrov" userId="c3051032-6b87-4db2-b257-777a0106fbd9" providerId="ADAL" clId="{CD6A1DE1-ACF9-4B80-94F3-F58CA81605B6}" dt="2024-01-31T16:30:11.818" v="204"/>
+        <pc:sldMkLst>
+          <pc:docMk/>
+          <pc:sldMk cId="3021423085" sldId="322"/>
         </pc:sldMkLst>
         <pc:spChg chg="mod">
-          <ac:chgData name="Ihor Aleksandrov" userId="c3051032-6b87-4db2-b257-777a0106fbd9" providerId="ADAL" clId="{D05EAF56-C8F0-4612-806C-93E1C27F1929}" dt="2024-01-25T10:22:37.334" v="27"/>
+          <ac:chgData name="Ihor Aleksandrov" userId="c3051032-6b87-4db2-b257-777a0106fbd9" providerId="ADAL" clId="{CD6A1DE1-ACF9-4B80-94F3-F58CA81605B6}" dt="2024-01-31T16:30:11.818" v="204"/>
           <ac:spMkLst>
             <pc:docMk/>
-            <pc:sldMk cId="1169417950" sldId="272"/>
+            <pc:sldMk cId="3021423085" sldId="322"/>
             <ac:spMk id="2" creationId="{53C5D828-9666-E312-B574-9FE965A7D6BE}"/>
           </ac:spMkLst>
         </pc:spChg>
         <pc:picChg chg="add mod">
-          <ac:chgData name="Ihor Aleksandrov" userId="c3051032-6b87-4db2-b257-777a0106fbd9" providerId="ADAL" clId="{D05EAF56-C8F0-4612-806C-93E1C27F1929}" dt="2024-01-25T10:22:58.698" v="32" actId="1076"/>
+          <ac:chgData name="Ihor Aleksandrov" userId="c3051032-6b87-4db2-b257-777a0106fbd9" providerId="ADAL" clId="{CD6A1DE1-ACF9-4B80-94F3-F58CA81605B6}" dt="2024-01-31T16:29:33.614" v="201" actId="1076"/>
           <ac:picMkLst>
             <pc:docMk/>
-            <pc:sldMk cId="1169417950" sldId="272"/>
-            <ac:picMk id="5" creationId="{2673936C-DF0C-E6AF-ABCB-83A1EB8FE594}"/>
+            <pc:sldMk cId="3021423085" sldId="322"/>
+            <ac:picMk id="5" creationId="{79E04EF6-B44B-E770-0D59-0AE9905B0613}"/>
           </ac:picMkLst>
         </pc:picChg>
         <pc:picChg chg="del">
-          <ac:chgData name="Ihor Aleksandrov" userId="c3051032-6b87-4db2-b257-777a0106fbd9" providerId="ADAL" clId="{D05EAF56-C8F0-4612-806C-93E1C27F1929}" dt="2024-01-25T10:22:48.916" v="28" actId="478"/>
+          <ac:chgData name="Ihor Aleksandrov" userId="c3051032-6b87-4db2-b257-777a0106fbd9" providerId="ADAL" clId="{CD6A1DE1-ACF9-4B80-94F3-F58CA81605B6}" dt="2024-01-31T16:29:27.557" v="198" actId="478"/>
           <ac:picMkLst>
             <pc:docMk/>
-            <pc:sldMk cId="1169417950" sldId="272"/>
-            <ac:picMk id="6" creationId="{4FAB23B6-5773-62B9-EF9A-E1E0562BE8E1}"/>
+            <pc:sldMk cId="3021423085" sldId="322"/>
+            <ac:picMk id="6" creationId="{B6424C26-77F8-976F-095A-C034C68F13F1}"/>
           </ac:picMkLst>
         </pc:picChg>
       </pc:sldChg>
       <pc:sldChg chg="addSp delSp modSp add mod">
-        <pc:chgData name="Ihor Aleksandrov" userId="c3051032-6b87-4db2-b257-777a0106fbd9" providerId="ADAL" clId="{D05EAF56-C8F0-4612-806C-93E1C27F1929}" dt="2024-01-25T10:24:25.717" v="41" actId="1076"/>
-        <pc:sldMkLst>
-          <pc:docMk/>
-          <pc:sldMk cId="22639359" sldId="273"/>
+        <pc:chgData name="Ihor Aleksandrov" userId="c3051032-6b87-4db2-b257-777a0106fbd9" providerId="ADAL" clId="{CD6A1DE1-ACF9-4B80-94F3-F58CA81605B6}" dt="2024-01-31T16:32:26.979" v="210" actId="11529"/>
+        <pc:sldMkLst>
+          <pc:docMk/>
+          <pc:sldMk cId="816537371" sldId="323"/>
         </pc:sldMkLst>
         <pc:spChg chg="mod">
-          <ac:chgData name="Ihor Aleksandrov" userId="c3051032-6b87-4db2-b257-777a0106fbd9" providerId="ADAL" clId="{D05EAF56-C8F0-4612-806C-93E1C27F1929}" dt="2024-01-25T10:24:04.948" v="36"/>
+          <ac:chgData name="Ihor Aleksandrov" userId="c3051032-6b87-4db2-b257-777a0106fbd9" providerId="ADAL" clId="{CD6A1DE1-ACF9-4B80-94F3-F58CA81605B6}" dt="2024-01-31T16:32:20.906" v="208"/>
           <ac:spMkLst>
             <pc:docMk/>
-            <pc:sldMk cId="22639359" sldId="273"/>
+            <pc:sldMk cId="816537371" sldId="323"/>
             <ac:spMk id="2" creationId="{53C5D828-9666-E312-B574-9FE965A7D6BE}"/>
           </ac:spMkLst>
         </pc:spChg>
+        <pc:spChg chg="add">
+          <ac:chgData name="Ihor Aleksandrov" userId="c3051032-6b87-4db2-b257-777a0106fbd9" providerId="ADAL" clId="{CD6A1DE1-ACF9-4B80-94F3-F58CA81605B6}" dt="2024-01-31T16:32:26.979" v="210" actId="11529"/>
+          <ac:spMkLst>
+            <pc:docMk/>
+            <pc:sldMk cId="816537371" sldId="323"/>
+            <ac:spMk id="4" creationId="{03542100-9D21-41B2-EBC8-F5312B69ACDA}"/>
+          </ac:spMkLst>
+        </pc:spChg>
         <pc:picChg chg="del">
-          <ac:chgData name="Ihor Aleksandrov" userId="c3051032-6b87-4db2-b257-777a0106fbd9" providerId="ADAL" clId="{D05EAF56-C8F0-4612-806C-93E1C27F1929}" dt="2024-01-25T10:24:16.672" v="37" actId="478"/>
+          <ac:chgData name="Ihor Aleksandrov" userId="c3051032-6b87-4db2-b257-777a0106fbd9" providerId="ADAL" clId="{CD6A1DE1-ACF9-4B80-94F3-F58CA81605B6}" dt="2024-01-31T16:32:22.331" v="209" actId="478"/>
           <ac:picMkLst>
             <pc:docMk/>
-            <pc:sldMk cId="22639359" sldId="273"/>
-            <ac:picMk id="5" creationId="{2673936C-DF0C-E6AF-ABCB-83A1EB8FE594}"/>
+            <pc:sldMk cId="816537371" sldId="323"/>
+            <ac:picMk id="5" creationId="{79E04EF6-B44B-E770-0D59-0AE9905B0613}"/>
           </ac:picMkLst>
         </pc:picChg>
-        <pc:picChg chg="add mod">
-          <ac:chgData name="Ihor Aleksandrov" userId="c3051032-6b87-4db2-b257-777a0106fbd9" providerId="ADAL" clId="{D05EAF56-C8F0-4612-806C-93E1C27F1929}" dt="2024-01-25T10:24:25.717" v="41" actId="1076"/>
-          <ac:picMkLst>
-            <pc:docMk/>
-            <pc:sldMk cId="22639359" sldId="273"/>
-            <ac:picMk id="6" creationId="{F57DB18D-BCA3-CA46-401F-99D6D9BB7754}"/>
-          </ac:picMkLst>
-        </pc:picChg>
-      </pc:sldChg>
-      <pc:sldChg chg="addSp delSp modSp add mod">
-        <pc:chgData name="Ihor Aleksandrov" userId="c3051032-6b87-4db2-b257-777a0106fbd9" providerId="ADAL" clId="{D05EAF56-C8F0-4612-806C-93E1C27F1929}" dt="2024-01-25T10:26:48.038" v="50" actId="1076"/>
-        <pc:sldMkLst>
-          <pc:docMk/>
-          <pc:sldMk cId="2169937468" sldId="274"/>
+      </pc:sldChg>
+      <pc:sldChg chg="del">
+        <pc:chgData name="Ihor Aleksandrov" userId="c3051032-6b87-4db2-b257-777a0106fbd9" providerId="ADAL" clId="{CD6A1DE1-ACF9-4B80-94F3-F58CA81605B6}" dt="2024-01-31T09:09:41.621" v="12" actId="2696"/>
+        <pc:sldMkLst>
+          <pc:docMk/>
+          <pc:sldMk cId="4226268188" sldId="323"/>
+        </pc:sldMkLst>
+      </pc:sldChg>
+      <pc:sldChg chg="del">
+        <pc:chgData name="Ihor Aleksandrov" userId="c3051032-6b87-4db2-b257-777a0106fbd9" providerId="ADAL" clId="{CD6A1DE1-ACF9-4B80-94F3-F58CA81605B6}" dt="2024-01-31T09:09:41.621" v="12" actId="2696"/>
+        <pc:sldMkLst>
+          <pc:docMk/>
+          <pc:sldMk cId="3008917412" sldId="324"/>
+        </pc:sldMkLst>
+      </pc:sldChg>
+      <pc:sldChg chg="modSp add mod">
+        <pc:chgData name="Ihor Aleksandrov" userId="c3051032-6b87-4db2-b257-777a0106fbd9" providerId="ADAL" clId="{CD6A1DE1-ACF9-4B80-94F3-F58CA81605B6}" dt="2024-01-31T16:33:14.683" v="218" actId="20577"/>
+        <pc:sldMkLst>
+          <pc:docMk/>
+          <pc:sldMk cId="3114329589" sldId="324"/>
         </pc:sldMkLst>
         <pc:spChg chg="mod">
-          <ac:chgData name="Ihor Aleksandrov" userId="c3051032-6b87-4db2-b257-777a0106fbd9" providerId="ADAL" clId="{D05EAF56-C8F0-4612-806C-93E1C27F1929}" dt="2024-01-25T10:26:26.621" v="45"/>
+          <ac:chgData name="Ihor Aleksandrov" userId="c3051032-6b87-4db2-b257-777a0106fbd9" providerId="ADAL" clId="{CD6A1DE1-ACF9-4B80-94F3-F58CA81605B6}" dt="2024-01-31T16:33:14.683" v="218" actId="20577"/>
           <ac:spMkLst>
             <pc:docMk/>
-            <pc:sldMk cId="2169937468" sldId="274"/>
+            <pc:sldMk cId="3114329589" sldId="324"/>
             <ac:spMk id="2" creationId="{53C5D828-9666-E312-B574-9FE965A7D6BE}"/>
           </ac:spMkLst>
         </pc:spChg>
-        <pc:picChg chg="add mod">
-          <ac:chgData name="Ihor Aleksandrov" userId="c3051032-6b87-4db2-b257-777a0106fbd9" providerId="ADAL" clId="{D05EAF56-C8F0-4612-806C-93E1C27F1929}" dt="2024-01-25T10:26:48.038" v="50" actId="1076"/>
-          <ac:picMkLst>
-            <pc:docMk/>
-            <pc:sldMk cId="2169937468" sldId="274"/>
-            <ac:picMk id="5" creationId="{9A572A88-7842-99D5-9802-EEA8606516CC}"/>
-          </ac:picMkLst>
-        </pc:picChg>
-        <pc:picChg chg="del">
-          <ac:chgData name="Ihor Aleksandrov" userId="c3051032-6b87-4db2-b257-777a0106fbd9" providerId="ADAL" clId="{D05EAF56-C8F0-4612-806C-93E1C27F1929}" dt="2024-01-25T10:26:41.517" v="48" actId="478"/>
-          <ac:picMkLst>
-            <pc:docMk/>
-            <pc:sldMk cId="2169937468" sldId="274"/>
-            <ac:picMk id="6" creationId="{F57DB18D-BCA3-CA46-401F-99D6D9BB7754}"/>
-          </ac:picMkLst>
-        </pc:picChg>
-      </pc:sldChg>
-      <pc:sldChg chg="addSp delSp modSp add mod">
-        <pc:chgData name="Ihor Aleksandrov" userId="c3051032-6b87-4db2-b257-777a0106fbd9" providerId="ADAL" clId="{D05EAF56-C8F0-4612-806C-93E1C27F1929}" dt="2024-01-25T10:28:26.836" v="62" actId="1076"/>
-        <pc:sldMkLst>
-          <pc:docMk/>
-          <pc:sldMk cId="3976992233" sldId="275"/>
-        </pc:sldMkLst>
-        <pc:spChg chg="mod">
-          <ac:chgData name="Ihor Aleksandrov" userId="c3051032-6b87-4db2-b257-777a0106fbd9" providerId="ADAL" clId="{D05EAF56-C8F0-4612-806C-93E1C27F1929}" dt="2024-01-25T10:28:02.805" v="55" actId="27636"/>
-          <ac:spMkLst>
-            <pc:docMk/>
-            <pc:sldMk cId="3976992233" sldId="275"/>
-            <ac:spMk id="2" creationId="{53C5D828-9666-E312-B574-9FE965A7D6BE}"/>
-          </ac:spMkLst>
-        </pc:spChg>
-        <pc:picChg chg="del">
-          <ac:chgData name="Ihor Aleksandrov" userId="c3051032-6b87-4db2-b257-777a0106fbd9" providerId="ADAL" clId="{D05EAF56-C8F0-4612-806C-93E1C27F1929}" dt="2024-01-25T10:28:04.538" v="56" actId="478"/>
-          <ac:picMkLst>
-            <pc:docMk/>
-            <pc:sldMk cId="3976992233" sldId="275"/>
-            <ac:picMk id="5" creationId="{9A572A88-7842-99D5-9802-EEA8606516CC}"/>
-          </ac:picMkLst>
-        </pc:picChg>
-        <pc:picChg chg="add mod">
-          <ac:chgData name="Ihor Aleksandrov" userId="c3051032-6b87-4db2-b257-777a0106fbd9" providerId="ADAL" clId="{D05EAF56-C8F0-4612-806C-93E1C27F1929}" dt="2024-01-25T10:28:26.836" v="62" actId="1076"/>
-          <ac:picMkLst>
-            <pc:docMk/>
-            <pc:sldMk cId="3976992233" sldId="275"/>
-            <ac:picMk id="6" creationId="{76FE2D85-671A-24B1-C1D7-52F796E16C69}"/>
-          </ac:picMkLst>
-        </pc:picChg>
-      </pc:sldChg>
-      <pc:sldChg chg="addSp delSp modSp add mod ord">
-        <pc:chgData name="Ihor Aleksandrov" userId="c3051032-6b87-4db2-b257-777a0106fbd9" providerId="ADAL" clId="{D05EAF56-C8F0-4612-806C-93E1C27F1929}" dt="2024-01-25T10:48:12.411" v="112"/>
-        <pc:sldMkLst>
-          <pc:docMk/>
-          <pc:sldMk cId="2135561016" sldId="276"/>
-        </pc:sldMkLst>
-        <pc:spChg chg="mod">
-          <ac:chgData name="Ihor Aleksandrov" userId="c3051032-6b87-4db2-b257-777a0106fbd9" providerId="ADAL" clId="{D05EAF56-C8F0-4612-806C-93E1C27F1929}" dt="2024-01-25T10:32:37.109" v="72"/>
-          <ac:spMkLst>
-            <pc:docMk/>
-            <pc:sldMk cId="2135561016" sldId="276"/>
-            <ac:spMk id="2" creationId="{18C18207-A109-5552-1541-0ABBAA316282}"/>
-          </ac:spMkLst>
-        </pc:spChg>
-        <pc:spChg chg="del">
-          <ac:chgData name="Ihor Aleksandrov" userId="c3051032-6b87-4db2-b257-777a0106fbd9" providerId="ADAL" clId="{D05EAF56-C8F0-4612-806C-93E1C27F1929}" dt="2024-01-25T10:46:20.989" v="100" actId="478"/>
-          <ac:spMkLst>
-            <pc:docMk/>
-            <pc:sldMk cId="2135561016" sldId="276"/>
-            <ac:spMk id="3" creationId="{3473E1D3-7401-AD94-5C7A-49912FA8005A}"/>
-          </ac:spMkLst>
-        </pc:spChg>
-        <pc:picChg chg="add mod">
-          <ac:chgData name="Ihor Aleksandrov" userId="c3051032-6b87-4db2-b257-777a0106fbd9" providerId="ADAL" clId="{D05EAF56-C8F0-4612-806C-93E1C27F1929}" dt="2024-01-25T10:48:12.411" v="112"/>
-          <ac:picMkLst>
-            <pc:docMk/>
-            <pc:sldMk cId="2135561016" sldId="276"/>
-            <ac:picMk id="6" creationId="{BA86DDBB-D80D-1005-2EB0-33056830C288}"/>
-          </ac:picMkLst>
-        </pc:picChg>
-      </pc:sldChg>
-      <pc:sldChg chg="addSp delSp modSp add mod ord">
-        <pc:chgData name="Ihor Aleksandrov" userId="c3051032-6b87-4db2-b257-777a0106fbd9" providerId="ADAL" clId="{D05EAF56-C8F0-4612-806C-93E1C27F1929}" dt="2024-01-25T10:35:32.671" v="88" actId="1076"/>
-        <pc:sldMkLst>
-          <pc:docMk/>
-          <pc:sldMk cId="3216895555" sldId="277"/>
-        </pc:sldMkLst>
-        <pc:spChg chg="mod">
-          <ac:chgData name="Ihor Aleksandrov" userId="c3051032-6b87-4db2-b257-777a0106fbd9" providerId="ADAL" clId="{D05EAF56-C8F0-4612-806C-93E1C27F1929}" dt="2024-01-25T10:34:55.016" v="80" actId="27636"/>
-          <ac:spMkLst>
-            <pc:docMk/>
-            <pc:sldMk cId="3216895555" sldId="277"/>
-            <ac:spMk id="2" creationId="{53C5D828-9666-E312-B574-9FE965A7D6BE}"/>
-          </ac:spMkLst>
-        </pc:spChg>
-        <pc:picChg chg="add mod">
-          <ac:chgData name="Ihor Aleksandrov" userId="c3051032-6b87-4db2-b257-777a0106fbd9" providerId="ADAL" clId="{D05EAF56-C8F0-4612-806C-93E1C27F1929}" dt="2024-01-25T10:35:32.671" v="88" actId="1076"/>
-          <ac:picMkLst>
-            <pc:docMk/>
-            <pc:sldMk cId="3216895555" sldId="277"/>
-            <ac:picMk id="5" creationId="{523B5826-3FED-E033-7A50-454B720EF960}"/>
-          </ac:picMkLst>
-        </pc:picChg>
-        <pc:picChg chg="del">
-          <ac:chgData name="Ihor Aleksandrov" userId="c3051032-6b87-4db2-b257-777a0106fbd9" providerId="ADAL" clId="{D05EAF56-C8F0-4612-806C-93E1C27F1929}" dt="2024-01-25T10:35:17.826" v="82" actId="478"/>
-          <ac:picMkLst>
-            <pc:docMk/>
-            <pc:sldMk cId="3216895555" sldId="277"/>
-            <ac:picMk id="6" creationId="{76FE2D85-671A-24B1-C1D7-52F796E16C69}"/>
-          </ac:picMkLst>
-        </pc:picChg>
-      </pc:sldChg>
-      <pc:sldChg chg="addSp delSp modSp add mod">
-        <pc:chgData name="Ihor Aleksandrov" userId="c3051032-6b87-4db2-b257-777a0106fbd9" providerId="ADAL" clId="{D05EAF56-C8F0-4612-806C-93E1C27F1929}" dt="2024-01-25T10:43:44.832" v="99" actId="1076"/>
-        <pc:sldMkLst>
-          <pc:docMk/>
-          <pc:sldMk cId="1506611494" sldId="278"/>
-        </pc:sldMkLst>
-        <pc:spChg chg="mod">
-          <ac:chgData name="Ihor Aleksandrov" userId="c3051032-6b87-4db2-b257-777a0106fbd9" providerId="ADAL" clId="{D05EAF56-C8F0-4612-806C-93E1C27F1929}" dt="2024-01-25T10:40:14.102" v="94"/>
-          <ac:spMkLst>
-            <pc:docMk/>
-            <pc:sldMk cId="1506611494" sldId="278"/>
-            <ac:spMk id="2" creationId="{53C5D828-9666-E312-B574-9FE965A7D6BE}"/>
-          </ac:spMkLst>
-        </pc:spChg>
-        <pc:picChg chg="del">
-          <ac:chgData name="Ihor Aleksandrov" userId="c3051032-6b87-4db2-b257-777a0106fbd9" providerId="ADAL" clId="{D05EAF56-C8F0-4612-806C-93E1C27F1929}" dt="2024-01-25T10:43:36.501" v="95" actId="478"/>
-          <ac:picMkLst>
-            <pc:docMk/>
-            <pc:sldMk cId="1506611494" sldId="278"/>
-            <ac:picMk id="5" creationId="{523B5826-3FED-E033-7A50-454B720EF960}"/>
-          </ac:picMkLst>
-        </pc:picChg>
-        <pc:picChg chg="add mod">
-          <ac:chgData name="Ihor Aleksandrov" userId="c3051032-6b87-4db2-b257-777a0106fbd9" providerId="ADAL" clId="{D05EAF56-C8F0-4612-806C-93E1C27F1929}" dt="2024-01-25T10:43:44.832" v="99" actId="1076"/>
-          <ac:picMkLst>
-            <pc:docMk/>
-            <pc:sldMk cId="1506611494" sldId="278"/>
-            <ac:picMk id="6" creationId="{F7B4799B-BEB4-BC82-1CD6-CE4E3725E9A6}"/>
-          </ac:picMkLst>
-        </pc:picChg>
-      </pc:sldChg>
-      <pc:sldChg chg="addSp delSp modSp add mod">
-        <pc:chgData name="Ihor Aleksandrov" userId="c3051032-6b87-4db2-b257-777a0106fbd9" providerId="ADAL" clId="{D05EAF56-C8F0-4612-806C-93E1C27F1929}" dt="2024-01-25T10:49:48.310" v="120"/>
-        <pc:sldMkLst>
-          <pc:docMk/>
-          <pc:sldMk cId="3864832451" sldId="279"/>
-        </pc:sldMkLst>
-        <pc:spChg chg="mod">
-          <ac:chgData name="Ihor Aleksandrov" userId="c3051032-6b87-4db2-b257-777a0106fbd9" providerId="ADAL" clId="{D05EAF56-C8F0-4612-806C-93E1C27F1929}" dt="2024-01-25T10:49:48.310" v="120"/>
-          <ac:spMkLst>
-            <pc:docMk/>
-            <pc:sldMk cId="3864832451" sldId="279"/>
-            <ac:spMk id="2" creationId="{53C5D828-9666-E312-B574-9FE965A7D6BE}"/>
-          </ac:spMkLst>
-        </pc:spChg>
-        <pc:picChg chg="add mod">
-          <ac:chgData name="Ihor Aleksandrov" userId="c3051032-6b87-4db2-b257-777a0106fbd9" providerId="ADAL" clId="{D05EAF56-C8F0-4612-806C-93E1C27F1929}" dt="2024-01-25T10:49:09.073" v="117" actId="1076"/>
-          <ac:picMkLst>
-            <pc:docMk/>
-            <pc:sldMk cId="3864832451" sldId="279"/>
-            <ac:picMk id="5" creationId="{C7472C97-E950-C6C2-19AE-07ECFA5C4C69}"/>
-          </ac:picMkLst>
-        </pc:picChg>
-        <pc:picChg chg="del">
-          <ac:chgData name="Ihor Aleksandrov" userId="c3051032-6b87-4db2-b257-777a0106fbd9" providerId="ADAL" clId="{D05EAF56-C8F0-4612-806C-93E1C27F1929}" dt="2024-01-25T10:48:53.887" v="114" actId="478"/>
-          <ac:picMkLst>
-            <pc:docMk/>
-            <pc:sldMk cId="3864832451" sldId="279"/>
-            <ac:picMk id="6" creationId="{F7B4799B-BEB4-BC82-1CD6-CE4E3725E9A6}"/>
-          </ac:picMkLst>
-        </pc:picChg>
-      </pc:sldChg>
-      <pc:sldChg chg="addSp delSp modSp add mod">
-        <pc:chgData name="Ihor Aleksandrov" userId="c3051032-6b87-4db2-b257-777a0106fbd9" providerId="ADAL" clId="{D05EAF56-C8F0-4612-806C-93E1C27F1929}" dt="2024-01-25T10:51:39.984" v="127" actId="1076"/>
-        <pc:sldMkLst>
-          <pc:docMk/>
-          <pc:sldMk cId="2194478224" sldId="280"/>
-        </pc:sldMkLst>
-        <pc:spChg chg="mod">
-          <ac:chgData name="Ihor Aleksandrov" userId="c3051032-6b87-4db2-b257-777a0106fbd9" providerId="ADAL" clId="{D05EAF56-C8F0-4612-806C-93E1C27F1929}" dt="2024-01-25T10:51:25.127" v="124"/>
-          <ac:spMkLst>
-            <pc:docMk/>
-            <pc:sldMk cId="2194478224" sldId="280"/>
-            <ac:spMk id="2" creationId="{53C5D828-9666-E312-B574-9FE965A7D6BE}"/>
-          </ac:spMkLst>
-        </pc:spChg>
-        <pc:picChg chg="add mod">
-          <ac:chgData name="Ihor Aleksandrov" userId="c3051032-6b87-4db2-b257-777a0106fbd9" providerId="ADAL" clId="{D05EAF56-C8F0-4612-806C-93E1C27F1929}" dt="2024-01-25T10:51:39.984" v="127" actId="1076"/>
-          <ac:picMkLst>
-            <pc:docMk/>
-            <pc:sldMk cId="2194478224" sldId="280"/>
-            <ac:picMk id="4" creationId="{8F2E114A-EFDE-8D45-E482-1B0918ACBF79}"/>
-          </ac:picMkLst>
-        </pc:picChg>
-        <pc:picChg chg="del">
-          <ac:chgData name="Ihor Aleksandrov" userId="c3051032-6b87-4db2-b257-777a0106fbd9" providerId="ADAL" clId="{D05EAF56-C8F0-4612-806C-93E1C27F1929}" dt="2024-01-25T10:51:26.612" v="125" actId="478"/>
-          <ac:picMkLst>
-            <pc:docMk/>
-            <pc:sldMk cId="2194478224" sldId="280"/>
-            <ac:picMk id="5" creationId="{C7472C97-E950-C6C2-19AE-07ECFA5C4C69}"/>
-          </ac:picMkLst>
-        </pc:picChg>
-      </pc:sldChg>
-      <pc:sldChg chg="delSp modSp add mod ord">
-        <pc:chgData name="Ihor Aleksandrov" userId="c3051032-6b87-4db2-b257-777a0106fbd9" providerId="ADAL" clId="{D05EAF56-C8F0-4612-806C-93E1C27F1929}" dt="2024-01-25T10:53:57.961" v="142" actId="20577"/>
-        <pc:sldMkLst>
-          <pc:docMk/>
-          <pc:sldMk cId="2205366352" sldId="281"/>
-        </pc:sldMkLst>
-        <pc:spChg chg="mod">
-          <ac:chgData name="Ihor Aleksandrov" userId="c3051032-6b87-4db2-b257-777a0106fbd9" providerId="ADAL" clId="{D05EAF56-C8F0-4612-806C-93E1C27F1929}" dt="2024-01-25T10:53:57.961" v="142" actId="20577"/>
-          <ac:spMkLst>
-            <pc:docMk/>
-            <pc:sldMk cId="2205366352" sldId="281"/>
-            <ac:spMk id="2" creationId="{18C18207-A109-5552-1541-0ABBAA316282}"/>
-          </ac:spMkLst>
-        </pc:spChg>
-        <pc:picChg chg="del">
-          <ac:chgData name="Ihor Aleksandrov" userId="c3051032-6b87-4db2-b257-777a0106fbd9" providerId="ADAL" clId="{D05EAF56-C8F0-4612-806C-93E1C27F1929}" dt="2024-01-25T10:53:50.795" v="134" actId="478"/>
-          <ac:picMkLst>
-            <pc:docMk/>
-            <pc:sldMk cId="2205366352" sldId="281"/>
-            <ac:picMk id="6" creationId="{BA86DDBB-D80D-1005-2EB0-33056830C288}"/>
-          </ac:picMkLst>
-        </pc:picChg>
-      </pc:sldChg>
-      <pc:sldChg chg="delSp add del setBg delDesignElem">
-        <pc:chgData name="Ihor Aleksandrov" userId="c3051032-6b87-4db2-b257-777a0106fbd9" providerId="ADAL" clId="{D05EAF56-C8F0-4612-806C-93E1C27F1929}" dt="2024-01-25T10:53:38.779" v="130" actId="47"/>
-        <pc:sldMkLst>
-          <pc:docMk/>
-          <pc:sldMk cId="2518075034" sldId="281"/>
-        </pc:sldMkLst>
-        <pc:spChg chg="del">
-          <ac:chgData name="Ihor Aleksandrov" userId="c3051032-6b87-4db2-b257-777a0106fbd9" providerId="ADAL" clId="{D05EAF56-C8F0-4612-806C-93E1C27F1929}" dt="2024-01-25T10:53:27.044" v="129"/>
-          <ac:spMkLst>
-            <pc:docMk/>
-            <pc:sldMk cId="2518075034" sldId="281"/>
-            <ac:spMk id="9" creationId="{C3896A03-3945-419A-B66B-4EE266EDD152}"/>
-          </ac:spMkLst>
-        </pc:spChg>
-        <pc:spChg chg="del">
-          <ac:chgData name="Ihor Aleksandrov" userId="c3051032-6b87-4db2-b257-777a0106fbd9" providerId="ADAL" clId="{D05EAF56-C8F0-4612-806C-93E1C27F1929}" dt="2024-01-25T10:53:27.044" v="129"/>
-          <ac:spMkLst>
-            <pc:docMk/>
-            <pc:sldMk cId="2518075034" sldId="281"/>
-            <ac:spMk id="11" creationId="{B34F5AD2-EDBD-4BBD-A55C-EAFFD0C7097A}"/>
-          </ac:spMkLst>
-        </pc:spChg>
-      </pc:sldChg>
-      <pc:sldChg chg="modSp add mod ord">
-        <pc:chgData name="Ihor Aleksandrov" userId="c3051032-6b87-4db2-b257-777a0106fbd9" providerId="ADAL" clId="{D05EAF56-C8F0-4612-806C-93E1C27F1929}" dt="2024-01-25T10:55:39.680" v="152" actId="20577"/>
-        <pc:sldMkLst>
-          <pc:docMk/>
-          <pc:sldMk cId="2028152352" sldId="282"/>
-        </pc:sldMkLst>
-        <pc:spChg chg="mod">
-          <ac:chgData name="Ihor Aleksandrov" userId="c3051032-6b87-4db2-b257-777a0106fbd9" providerId="ADAL" clId="{D05EAF56-C8F0-4612-806C-93E1C27F1929}" dt="2024-01-25T10:55:39.680" v="152" actId="20577"/>
-          <ac:spMkLst>
-            <pc:docMk/>
-            <pc:sldMk cId="2028152352" sldId="282"/>
-            <ac:spMk id="2" creationId="{18C18207-A109-5552-1541-0ABBAA316282}"/>
-          </ac:spMkLst>
-        </pc:spChg>
-      </pc:sldChg>
-      <pc:sldChg chg="modSp add mod ord">
-        <pc:chgData name="Ihor Aleksandrov" userId="c3051032-6b87-4db2-b257-777a0106fbd9" providerId="ADAL" clId="{D05EAF56-C8F0-4612-806C-93E1C27F1929}" dt="2024-01-25T11:01:05.747" v="171"/>
-        <pc:sldMkLst>
-          <pc:docMk/>
-          <pc:sldMk cId="2433051637" sldId="283"/>
-        </pc:sldMkLst>
-        <pc:spChg chg="mod">
-          <ac:chgData name="Ihor Aleksandrov" userId="c3051032-6b87-4db2-b257-777a0106fbd9" providerId="ADAL" clId="{D05EAF56-C8F0-4612-806C-93E1C27F1929}" dt="2024-01-25T11:01:05.747" v="171"/>
-          <ac:spMkLst>
-            <pc:docMk/>
-            <pc:sldMk cId="2433051637" sldId="283"/>
-            <ac:spMk id="2" creationId="{53C5D828-9666-E312-B574-9FE965A7D6BE}"/>
-          </ac:spMkLst>
-        </pc:spChg>
-      </pc:sldChg>
-      <pc:sldChg chg="addSp delSp modSp add mod">
-        <pc:chgData name="Ihor Aleksandrov" userId="c3051032-6b87-4db2-b257-777a0106fbd9" providerId="ADAL" clId="{D05EAF56-C8F0-4612-806C-93E1C27F1929}" dt="2024-01-25T11:22:22.700" v="219" actId="14100"/>
-        <pc:sldMkLst>
-          <pc:docMk/>
-          <pc:sldMk cId="2869825701" sldId="284"/>
-        </pc:sldMkLst>
-        <pc:spChg chg="mod">
-          <ac:chgData name="Ihor Aleksandrov" userId="c3051032-6b87-4db2-b257-777a0106fbd9" providerId="ADAL" clId="{D05EAF56-C8F0-4612-806C-93E1C27F1929}" dt="2024-01-25T11:01:51.992" v="175"/>
-          <ac:spMkLst>
-            <pc:docMk/>
-            <pc:sldMk cId="2869825701" sldId="284"/>
-            <ac:spMk id="2" creationId="{53C5D828-9666-E312-B574-9FE965A7D6BE}"/>
-          </ac:spMkLst>
-        </pc:spChg>
-        <pc:spChg chg="del">
-          <ac:chgData name="Ihor Aleksandrov" userId="c3051032-6b87-4db2-b257-777a0106fbd9" providerId="ADAL" clId="{D05EAF56-C8F0-4612-806C-93E1C27F1929}" dt="2024-01-25T11:22:01.808" v="214" actId="478"/>
-          <ac:spMkLst>
-            <pc:docMk/>
-            <pc:sldMk cId="2869825701" sldId="284"/>
-            <ac:spMk id="6" creationId="{E04F08BD-B70E-B1A8-7328-EE29B18E4AA1}"/>
-          </ac:spMkLst>
-        </pc:spChg>
-        <pc:picChg chg="add mod">
-          <ac:chgData name="Ihor Aleksandrov" userId="c3051032-6b87-4db2-b257-777a0106fbd9" providerId="ADAL" clId="{D05EAF56-C8F0-4612-806C-93E1C27F1929}" dt="2024-01-25T11:22:22.700" v="219" actId="14100"/>
-          <ac:picMkLst>
-            <pc:docMk/>
-            <pc:sldMk cId="2869825701" sldId="284"/>
-            <ac:picMk id="5" creationId="{0885AC12-A488-3762-3217-E1B0319D46AD}"/>
-          </ac:picMkLst>
-        </pc:picChg>
-      </pc:sldChg>
-      <pc:sldChg chg="addSp delSp add del setBg delDesignElem">
-        <pc:chgData name="Ihor Aleksandrov" userId="c3051032-6b87-4db2-b257-777a0106fbd9" providerId="ADAL" clId="{D05EAF56-C8F0-4612-806C-93E1C27F1929}" dt="2024-01-25T11:00:55.998" v="168"/>
-        <pc:sldMkLst>
-          <pc:docMk/>
-          <pc:sldMk cId="3157685417" sldId="284"/>
-        </pc:sldMkLst>
-        <pc:spChg chg="add del">
-          <ac:chgData name="Ihor Aleksandrov" userId="c3051032-6b87-4db2-b257-777a0106fbd9" providerId="ADAL" clId="{D05EAF56-C8F0-4612-806C-93E1C27F1929}" dt="2024-01-25T11:00:55.998" v="168"/>
-          <ac:spMkLst>
-            <pc:docMk/>
-            <pc:sldMk cId="3157685417" sldId="284"/>
-            <ac:spMk id="9" creationId="{D4771268-CB57-404A-9271-370EB28F6090}"/>
-          </ac:spMkLst>
-        </pc:spChg>
-      </pc:sldChg>
-      <pc:sldChg chg="addSp delSp modSp add mod">
-        <pc:chgData name="Ihor Aleksandrov" userId="c3051032-6b87-4db2-b257-777a0106fbd9" providerId="ADAL" clId="{D05EAF56-C8F0-4612-806C-93E1C27F1929}" dt="2024-01-25T11:03:48.850" v="202" actId="1036"/>
-        <pc:sldMkLst>
-          <pc:docMk/>
-          <pc:sldMk cId="856240837" sldId="285"/>
-        </pc:sldMkLst>
-        <pc:spChg chg="mod">
-          <ac:chgData name="Ihor Aleksandrov" userId="c3051032-6b87-4db2-b257-777a0106fbd9" providerId="ADAL" clId="{D05EAF56-C8F0-4612-806C-93E1C27F1929}" dt="2024-01-25T11:03:18.596" v="177"/>
-          <ac:spMkLst>
-            <pc:docMk/>
-            <pc:sldMk cId="856240837" sldId="285"/>
-            <ac:spMk id="2" creationId="{53C5D828-9666-E312-B574-9FE965A7D6BE}"/>
-          </ac:spMkLst>
-        </pc:spChg>
-        <pc:spChg chg="del">
-          <ac:chgData name="Ihor Aleksandrov" userId="c3051032-6b87-4db2-b257-777a0106fbd9" providerId="ADAL" clId="{D05EAF56-C8F0-4612-806C-93E1C27F1929}" dt="2024-01-25T11:03:21.592" v="178" actId="478"/>
-          <ac:spMkLst>
-            <pc:docMk/>
-            <pc:sldMk cId="856240837" sldId="285"/>
-            <ac:spMk id="6" creationId="{E04F08BD-B70E-B1A8-7328-EE29B18E4AA1}"/>
-          </ac:spMkLst>
-        </pc:spChg>
-        <pc:picChg chg="add mod">
-          <ac:chgData name="Ihor Aleksandrov" userId="c3051032-6b87-4db2-b257-777a0106fbd9" providerId="ADAL" clId="{D05EAF56-C8F0-4612-806C-93E1C27F1929}" dt="2024-01-25T11:03:48.850" v="202" actId="1036"/>
-          <ac:picMkLst>
-            <pc:docMk/>
-            <pc:sldMk cId="856240837" sldId="285"/>
-            <ac:picMk id="4" creationId="{A8C20435-8FF0-1341-85C4-558E352F27E5}"/>
-          </ac:picMkLst>
-        </pc:picChg>
-      </pc:sldChg>
-      <pc:sldChg chg="modSp add mod ord">
-        <pc:chgData name="Ihor Aleksandrov" userId="c3051032-6b87-4db2-b257-777a0106fbd9" providerId="ADAL" clId="{D05EAF56-C8F0-4612-806C-93E1C27F1929}" dt="2024-01-25T11:10:32.927" v="210"/>
-        <pc:sldMkLst>
-          <pc:docMk/>
-          <pc:sldMk cId="1586376586" sldId="286"/>
-        </pc:sldMkLst>
-        <pc:spChg chg="mod">
-          <ac:chgData name="Ihor Aleksandrov" userId="c3051032-6b87-4db2-b257-777a0106fbd9" providerId="ADAL" clId="{D05EAF56-C8F0-4612-806C-93E1C27F1929}" dt="2024-01-25T11:10:32.927" v="210"/>
-          <ac:spMkLst>
-            <pc:docMk/>
-            <pc:sldMk cId="1586376586" sldId="286"/>
-            <ac:spMk id="2" creationId="{53C5D828-9666-E312-B574-9FE965A7D6BE}"/>
-          </ac:spMkLst>
-        </pc:spChg>
-      </pc:sldChg>
-      <pc:sldChg chg="add del">
-        <pc:chgData name="Ihor Aleksandrov" userId="c3051032-6b87-4db2-b257-777a0106fbd9" providerId="ADAL" clId="{D05EAF56-C8F0-4612-806C-93E1C27F1929}" dt="2024-01-25T11:10:15.704" v="204" actId="2696"/>
-        <pc:sldMkLst>
-          <pc:docMk/>
-          <pc:sldMk cId="2392975250" sldId="286"/>
-        </pc:sldMkLst>
-      </pc:sldChg>
-      <pc:sldChg chg="modSp add mod ord">
-        <pc:chgData name="Ihor Aleksandrov" userId="c3051032-6b87-4db2-b257-777a0106fbd9" providerId="ADAL" clId="{D05EAF56-C8F0-4612-806C-93E1C27F1929}" dt="2024-01-25T11:27:00.546" v="224" actId="20577"/>
-        <pc:sldMkLst>
-          <pc:docMk/>
-          <pc:sldMk cId="2004498921" sldId="287"/>
-        </pc:sldMkLst>
-        <pc:spChg chg="mod">
-          <ac:chgData name="Ihor Aleksandrov" userId="c3051032-6b87-4db2-b257-777a0106fbd9" providerId="ADAL" clId="{D05EAF56-C8F0-4612-806C-93E1C27F1929}" dt="2024-01-25T11:27:00.546" v="224" actId="20577"/>
-          <ac:spMkLst>
-            <pc:docMk/>
-            <pc:sldMk cId="2004498921" sldId="287"/>
-            <ac:spMk id="2" creationId="{18C18207-A109-5552-1541-0ABBAA316282}"/>
-          </ac:spMkLst>
-        </pc:spChg>
-      </pc:sldChg>
-      <pc:sldChg chg="addSp delSp modSp add mod ord">
-        <pc:chgData name="Ihor Aleksandrov" userId="c3051032-6b87-4db2-b257-777a0106fbd9" providerId="ADAL" clId="{D05EAF56-C8F0-4612-806C-93E1C27F1929}" dt="2024-01-25T11:28:34.816" v="233" actId="1076"/>
-        <pc:sldMkLst>
-          <pc:docMk/>
-          <pc:sldMk cId="156474206" sldId="288"/>
-        </pc:sldMkLst>
-        <pc:spChg chg="mod">
-          <ac:chgData name="Ihor Aleksandrov" userId="c3051032-6b87-4db2-b257-777a0106fbd9" providerId="ADAL" clId="{D05EAF56-C8F0-4612-806C-93E1C27F1929}" dt="2024-01-25T11:28:25.547" v="230"/>
-          <ac:spMkLst>
-            <pc:docMk/>
-            <pc:sldMk cId="156474206" sldId="288"/>
-            <ac:spMk id="2" creationId="{53C5D828-9666-E312-B574-9FE965A7D6BE}"/>
-          </ac:spMkLst>
-        </pc:spChg>
-        <pc:spChg chg="del">
-          <ac:chgData name="Ihor Aleksandrov" userId="c3051032-6b87-4db2-b257-777a0106fbd9" providerId="ADAL" clId="{D05EAF56-C8F0-4612-806C-93E1C27F1929}" dt="2024-01-25T11:28:27.105" v="231" actId="478"/>
-          <ac:spMkLst>
-            <pc:docMk/>
-            <pc:sldMk cId="156474206" sldId="288"/>
-            <ac:spMk id="6" creationId="{E04F08BD-B70E-B1A8-7328-EE29B18E4AA1}"/>
-          </ac:spMkLst>
-        </pc:spChg>
-        <pc:picChg chg="add mod">
-          <ac:chgData name="Ihor Aleksandrov" userId="c3051032-6b87-4db2-b257-777a0106fbd9" providerId="ADAL" clId="{D05EAF56-C8F0-4612-806C-93E1C27F1929}" dt="2024-01-25T11:28:34.816" v="233" actId="1076"/>
-          <ac:picMkLst>
-            <pc:docMk/>
-            <pc:sldMk cId="156474206" sldId="288"/>
-            <ac:picMk id="4" creationId="{0D7416A8-5E31-A6F5-922C-BB434A29C3EE}"/>
-          </ac:picMkLst>
-        </pc:picChg>
-      </pc:sldChg>
-      <pc:sldChg chg="modSp add mod ord">
-        <pc:chgData name="Ihor Aleksandrov" userId="c3051032-6b87-4db2-b257-777a0106fbd9" providerId="ADAL" clId="{D05EAF56-C8F0-4612-806C-93E1C27F1929}" dt="2024-01-25T11:29:51.583" v="244"/>
-        <pc:sldMkLst>
-          <pc:docMk/>
-          <pc:sldMk cId="2551930029" sldId="289"/>
-        </pc:sldMkLst>
-        <pc:spChg chg="mod">
-          <ac:chgData name="Ihor Aleksandrov" userId="c3051032-6b87-4db2-b257-777a0106fbd9" providerId="ADAL" clId="{D05EAF56-C8F0-4612-806C-93E1C27F1929}" dt="2024-01-25T11:29:47.752" v="242" actId="20577"/>
-          <ac:spMkLst>
-            <pc:docMk/>
-            <pc:sldMk cId="2551930029" sldId="289"/>
-            <ac:spMk id="2" creationId="{18C18207-A109-5552-1541-0ABBAA316282}"/>
-          </ac:spMkLst>
-        </pc:spChg>
-      </pc:sldChg>
-      <pc:sldChg chg="addSp delSp modSp add mod ord">
-        <pc:chgData name="Ihor Aleksandrov" userId="c3051032-6b87-4db2-b257-777a0106fbd9" providerId="ADAL" clId="{D05EAF56-C8F0-4612-806C-93E1C27F1929}" dt="2024-01-25T11:49:38.267" v="257" actId="1076"/>
-        <pc:sldMkLst>
-          <pc:docMk/>
-          <pc:sldMk cId="1939738048" sldId="290"/>
-        </pc:sldMkLst>
-        <pc:spChg chg="mod">
-          <ac:chgData name="Ihor Aleksandrov" userId="c3051032-6b87-4db2-b257-777a0106fbd9" providerId="ADAL" clId="{D05EAF56-C8F0-4612-806C-93E1C27F1929}" dt="2024-01-25T11:49:07.853" v="250"/>
-          <ac:spMkLst>
-            <pc:docMk/>
-            <pc:sldMk cId="1939738048" sldId="290"/>
-            <ac:spMk id="2" creationId="{53C5D828-9666-E312-B574-9FE965A7D6BE}"/>
-          </ac:spMkLst>
-        </pc:spChg>
-        <pc:spChg chg="del">
-          <ac:chgData name="Ihor Aleksandrov" userId="c3051032-6b87-4db2-b257-777a0106fbd9" providerId="ADAL" clId="{D05EAF56-C8F0-4612-806C-93E1C27F1929}" dt="2024-01-25T11:49:20.582" v="251" actId="478"/>
-          <ac:spMkLst>
-            <pc:docMk/>
-            <pc:sldMk cId="1939738048" sldId="290"/>
-            <ac:spMk id="6" creationId="{E04F08BD-B70E-B1A8-7328-EE29B18E4AA1}"/>
-          </ac:spMkLst>
-        </pc:spChg>
-        <pc:picChg chg="add mod">
-          <ac:chgData name="Ihor Aleksandrov" userId="c3051032-6b87-4db2-b257-777a0106fbd9" providerId="ADAL" clId="{D05EAF56-C8F0-4612-806C-93E1C27F1929}" dt="2024-01-25T11:49:38.267" v="257" actId="1076"/>
-          <ac:picMkLst>
-            <pc:docMk/>
-            <pc:sldMk cId="1939738048" sldId="290"/>
-            <ac:picMk id="4" creationId="{49B21785-1E7E-8457-4FBF-E3FC2CCADD04}"/>
-          </ac:picMkLst>
-        </pc:picChg>
-      </pc:sldChg>
-      <pc:sldChg chg="modSp add mod ord">
-        <pc:chgData name="Ihor Aleksandrov" userId="c3051032-6b87-4db2-b257-777a0106fbd9" providerId="ADAL" clId="{D05EAF56-C8F0-4612-806C-93E1C27F1929}" dt="2024-01-25T11:51:45.959" v="263"/>
-        <pc:sldMkLst>
-          <pc:docMk/>
-          <pc:sldMk cId="1018496090" sldId="291"/>
-        </pc:sldMkLst>
-        <pc:spChg chg="mod">
-          <ac:chgData name="Ihor Aleksandrov" userId="c3051032-6b87-4db2-b257-777a0106fbd9" providerId="ADAL" clId="{D05EAF56-C8F0-4612-806C-93E1C27F1929}" dt="2024-01-25T11:51:45.959" v="263"/>
-          <ac:spMkLst>
-            <pc:docMk/>
-            <pc:sldMk cId="1018496090" sldId="291"/>
-            <ac:spMk id="2" creationId="{53C5D828-9666-E312-B574-9FE965A7D6BE}"/>
-          </ac:spMkLst>
-        </pc:spChg>
-      </pc:sldChg>
-      <pc:sldChg chg="modSp add mod">
-        <pc:chgData name="Ihor Aleksandrov" userId="c3051032-6b87-4db2-b257-777a0106fbd9" providerId="ADAL" clId="{D05EAF56-C8F0-4612-806C-93E1C27F1929}" dt="2024-01-25T11:53:09.928" v="267"/>
-        <pc:sldMkLst>
-          <pc:docMk/>
-          <pc:sldMk cId="2128635244" sldId="292"/>
-        </pc:sldMkLst>
-        <pc:spChg chg="mod">
-          <ac:chgData name="Ihor Aleksandrov" userId="c3051032-6b87-4db2-b257-777a0106fbd9" providerId="ADAL" clId="{D05EAF56-C8F0-4612-806C-93E1C27F1929}" dt="2024-01-25T11:53:09.928" v="267"/>
-          <ac:spMkLst>
-            <pc:docMk/>
-            <pc:sldMk cId="2128635244" sldId="292"/>
-            <ac:spMk id="2" creationId="{53C5D828-9666-E312-B574-9FE965A7D6BE}"/>
-          </ac:spMkLst>
-        </pc:spChg>
-      </pc:sldChg>
-      <pc:sldChg chg="addSp delSp modSp add mod">
-        <pc:chgData name="Ihor Aleksandrov" userId="c3051032-6b87-4db2-b257-777a0106fbd9" providerId="ADAL" clId="{D05EAF56-C8F0-4612-806C-93E1C27F1929}" dt="2024-01-25T11:55:41.171" v="279" actId="1076"/>
-        <pc:sldMkLst>
-          <pc:docMk/>
-          <pc:sldMk cId="2059493005" sldId="293"/>
-        </pc:sldMkLst>
-        <pc:spChg chg="mod">
-          <ac:chgData name="Ihor Aleksandrov" userId="c3051032-6b87-4db2-b257-777a0106fbd9" providerId="ADAL" clId="{D05EAF56-C8F0-4612-806C-93E1C27F1929}" dt="2024-01-25T11:55:19.618" v="271"/>
-          <ac:spMkLst>
-            <pc:docMk/>
-            <pc:sldMk cId="2059493005" sldId="293"/>
-            <ac:spMk id="2" creationId="{53C5D828-9666-E312-B574-9FE965A7D6BE}"/>
-          </ac:spMkLst>
-        </pc:spChg>
-        <pc:spChg chg="del">
-          <ac:chgData name="Ihor Aleksandrov" userId="c3051032-6b87-4db2-b257-777a0106fbd9" providerId="ADAL" clId="{D05EAF56-C8F0-4612-806C-93E1C27F1929}" dt="2024-01-25T11:55:21.950" v="272" actId="478"/>
-          <ac:spMkLst>
-            <pc:docMk/>
-            <pc:sldMk cId="2059493005" sldId="293"/>
-            <ac:spMk id="6" creationId="{E04F08BD-B70E-B1A8-7328-EE29B18E4AA1}"/>
-          </ac:spMkLst>
-        </pc:spChg>
-        <pc:picChg chg="add mod">
-          <ac:chgData name="Ihor Aleksandrov" userId="c3051032-6b87-4db2-b257-777a0106fbd9" providerId="ADAL" clId="{D05EAF56-C8F0-4612-806C-93E1C27F1929}" dt="2024-01-25T11:55:41.171" v="279" actId="1076"/>
-          <ac:picMkLst>
-            <pc:docMk/>
-            <pc:sldMk cId="2059493005" sldId="293"/>
-            <ac:picMk id="4" creationId="{B4989CAB-F181-BB13-C3CC-7303FC972C04}"/>
-          </ac:picMkLst>
-        </pc:picChg>
-      </pc:sldChg>
-      <pc:sldChg chg="addSp delSp modSp add mod">
-        <pc:chgData name="Ihor Aleksandrov" userId="c3051032-6b87-4db2-b257-777a0106fbd9" providerId="ADAL" clId="{D05EAF56-C8F0-4612-806C-93E1C27F1929}" dt="2024-01-25T11:57:16.812" v="286" actId="1076"/>
-        <pc:sldMkLst>
-          <pc:docMk/>
-          <pc:sldMk cId="1734173143" sldId="294"/>
-        </pc:sldMkLst>
-        <pc:spChg chg="mod">
-          <ac:chgData name="Ihor Aleksandrov" userId="c3051032-6b87-4db2-b257-777a0106fbd9" providerId="ADAL" clId="{D05EAF56-C8F0-4612-806C-93E1C27F1929}" dt="2024-01-25T11:56:59.706" v="281"/>
-          <ac:spMkLst>
-            <pc:docMk/>
-            <pc:sldMk cId="1734173143" sldId="294"/>
-            <ac:spMk id="2" creationId="{53C5D828-9666-E312-B574-9FE965A7D6BE}"/>
-          </ac:spMkLst>
-        </pc:spChg>
-        <pc:picChg chg="del">
-          <ac:chgData name="Ihor Aleksandrov" userId="c3051032-6b87-4db2-b257-777a0106fbd9" providerId="ADAL" clId="{D05EAF56-C8F0-4612-806C-93E1C27F1929}" dt="2024-01-25T11:57:02.563" v="282" actId="478"/>
-          <ac:picMkLst>
-            <pc:docMk/>
-            <pc:sldMk cId="1734173143" sldId="294"/>
-            <ac:picMk id="4" creationId="{B4989CAB-F181-BB13-C3CC-7303FC972C04}"/>
-          </ac:picMkLst>
-        </pc:picChg>
-        <pc:picChg chg="add mod">
-          <ac:chgData name="Ihor Aleksandrov" userId="c3051032-6b87-4db2-b257-777a0106fbd9" providerId="ADAL" clId="{D05EAF56-C8F0-4612-806C-93E1C27F1929}" dt="2024-01-25T11:57:16.812" v="286" actId="1076"/>
-          <ac:picMkLst>
-            <pc:docMk/>
-            <pc:sldMk cId="1734173143" sldId="294"/>
-            <ac:picMk id="5" creationId="{EFB4AF76-9D94-7721-E2C8-2472D164A060}"/>
-          </ac:picMkLst>
-        </pc:picChg>
-      </pc:sldChg>
-      <pc:sldChg chg="addSp modSp add mod ord">
-        <pc:chgData name="Ihor Aleksandrov" userId="c3051032-6b87-4db2-b257-777a0106fbd9" providerId="ADAL" clId="{D05EAF56-C8F0-4612-806C-93E1C27F1929}" dt="2024-01-25T12:00:46.169" v="306" actId="1076"/>
-        <pc:sldMkLst>
-          <pc:docMk/>
-          <pc:sldMk cId="3102755718" sldId="295"/>
-        </pc:sldMkLst>
-        <pc:spChg chg="mod">
-          <ac:chgData name="Ihor Aleksandrov" userId="c3051032-6b87-4db2-b257-777a0106fbd9" providerId="ADAL" clId="{D05EAF56-C8F0-4612-806C-93E1C27F1929}" dt="2024-01-25T12:00:14.709" v="300" actId="20577"/>
-          <ac:spMkLst>
-            <pc:docMk/>
-            <pc:sldMk cId="3102755718" sldId="295"/>
-            <ac:spMk id="2" creationId="{18C18207-A109-5552-1541-0ABBAA316282}"/>
-          </ac:spMkLst>
-        </pc:spChg>
-        <pc:picChg chg="add mod">
-          <ac:chgData name="Ihor Aleksandrov" userId="c3051032-6b87-4db2-b257-777a0106fbd9" providerId="ADAL" clId="{D05EAF56-C8F0-4612-806C-93E1C27F1929}" dt="2024-01-25T12:00:46.169" v="306" actId="1076"/>
-          <ac:picMkLst>
-            <pc:docMk/>
-            <pc:sldMk cId="3102755718" sldId="295"/>
-            <ac:picMk id="5" creationId="{BD0CE974-8524-11E7-B97F-A86834867985}"/>
-          </ac:picMkLst>
-        </pc:picChg>
-      </pc:sldChg>
-      <pc:sldChg chg="modSp add mod ord">
-        <pc:chgData name="Ihor Aleksandrov" userId="c3051032-6b87-4db2-b257-777a0106fbd9" providerId="ADAL" clId="{D05EAF56-C8F0-4612-806C-93E1C27F1929}" dt="2024-01-25T12:02:45.112" v="310"/>
-        <pc:sldMkLst>
-          <pc:docMk/>
-          <pc:sldMk cId="2389832786" sldId="296"/>
-        </pc:sldMkLst>
-        <pc:spChg chg="mod">
-          <ac:chgData name="Ihor Aleksandrov" userId="c3051032-6b87-4db2-b257-777a0106fbd9" providerId="ADAL" clId="{D05EAF56-C8F0-4612-806C-93E1C27F1929}" dt="2024-01-25T12:02:45.112" v="310"/>
-          <ac:spMkLst>
-            <pc:docMk/>
-            <pc:sldMk cId="2389832786" sldId="296"/>
-            <ac:spMk id="2" creationId="{53C5D828-9666-E312-B574-9FE965A7D6BE}"/>
-          </ac:spMkLst>
-        </pc:spChg>
-      </pc:sldChg>
-      <pc:sldChg chg="modSp add mod">
-        <pc:chgData name="Ihor Aleksandrov" userId="c3051032-6b87-4db2-b257-777a0106fbd9" providerId="ADAL" clId="{D05EAF56-C8F0-4612-806C-93E1C27F1929}" dt="2024-01-25T12:04:01.736" v="312"/>
-        <pc:sldMkLst>
-          <pc:docMk/>
-          <pc:sldMk cId="2189799752" sldId="297"/>
-        </pc:sldMkLst>
-        <pc:spChg chg="mod">
-          <ac:chgData name="Ihor Aleksandrov" userId="c3051032-6b87-4db2-b257-777a0106fbd9" providerId="ADAL" clId="{D05EAF56-C8F0-4612-806C-93E1C27F1929}" dt="2024-01-25T12:04:01.736" v="312"/>
-          <ac:spMkLst>
-            <pc:docMk/>
-            <pc:sldMk cId="2189799752" sldId="297"/>
-            <ac:spMk id="2" creationId="{53C5D828-9666-E312-B574-9FE965A7D6BE}"/>
-          </ac:spMkLst>
-        </pc:spChg>
-      </pc:sldChg>
-      <pc:sldChg chg="modSp add mod">
-        <pc:chgData name="Ihor Aleksandrov" userId="c3051032-6b87-4db2-b257-777a0106fbd9" providerId="ADAL" clId="{D05EAF56-C8F0-4612-806C-93E1C27F1929}" dt="2024-01-25T12:05:00.878" v="314"/>
-        <pc:sldMkLst>
-          <pc:docMk/>
-          <pc:sldMk cId="3592285454" sldId="298"/>
-        </pc:sldMkLst>
-        <pc:spChg chg="mod">
-          <ac:chgData name="Ihor Aleksandrov" userId="c3051032-6b87-4db2-b257-777a0106fbd9" providerId="ADAL" clId="{D05EAF56-C8F0-4612-806C-93E1C27F1929}" dt="2024-01-25T12:05:00.878" v="314"/>
-          <ac:spMkLst>
-            <pc:docMk/>
-            <pc:sldMk cId="3592285454" sldId="298"/>
-            <ac:spMk id="2" creationId="{53C5D828-9666-E312-B574-9FE965A7D6BE}"/>
-          </ac:spMkLst>
-        </pc:spChg>
-      </pc:sldChg>
-      <pc:sldChg chg="modSp add mod">
-        <pc:chgData name="Ihor Aleksandrov" userId="c3051032-6b87-4db2-b257-777a0106fbd9" providerId="ADAL" clId="{D05EAF56-C8F0-4612-806C-93E1C27F1929}" dt="2024-01-25T12:08:02.278" v="316"/>
-        <pc:sldMkLst>
-          <pc:docMk/>
-          <pc:sldMk cId="4186553512" sldId="299"/>
-        </pc:sldMkLst>
-        <pc:spChg chg="mod">
-          <ac:chgData name="Ihor Aleksandrov" userId="c3051032-6b87-4db2-b257-777a0106fbd9" providerId="ADAL" clId="{D05EAF56-C8F0-4612-806C-93E1C27F1929}" dt="2024-01-25T12:08:02.278" v="316"/>
-          <ac:spMkLst>
-            <pc:docMk/>
-            <pc:sldMk cId="4186553512" sldId="299"/>
-            <ac:spMk id="2" creationId="{53C5D828-9666-E312-B574-9FE965A7D6BE}"/>
-          </ac:spMkLst>
-        </pc:spChg>
-      </pc:sldChg>
-      <pc:sldChg chg="modSp add mod">
-        <pc:chgData name="Ihor Aleksandrov" userId="c3051032-6b87-4db2-b257-777a0106fbd9" providerId="ADAL" clId="{D05EAF56-C8F0-4612-806C-93E1C27F1929}" dt="2024-01-25T12:09:53.445" v="318"/>
-        <pc:sldMkLst>
-          <pc:docMk/>
-          <pc:sldMk cId="834159653" sldId="300"/>
-        </pc:sldMkLst>
-        <pc:spChg chg="mod">
-          <ac:chgData name="Ihor Aleksandrov" userId="c3051032-6b87-4db2-b257-777a0106fbd9" providerId="ADAL" clId="{D05EAF56-C8F0-4612-806C-93E1C27F1929}" dt="2024-01-25T12:09:53.445" v="318"/>
-          <ac:spMkLst>
-            <pc:docMk/>
-            <pc:sldMk cId="834159653" sldId="300"/>
-            <ac:spMk id="2" creationId="{53C5D828-9666-E312-B574-9FE965A7D6BE}"/>
-          </ac:spMkLst>
-        </pc:spChg>
-      </pc:sldChg>
-      <pc:sldChg chg="modSp add mod">
-        <pc:chgData name="Ihor Aleksandrov" userId="c3051032-6b87-4db2-b257-777a0106fbd9" providerId="ADAL" clId="{D05EAF56-C8F0-4612-806C-93E1C27F1929}" dt="2024-01-25T12:10:57.045" v="321" actId="27636"/>
-        <pc:sldMkLst>
-          <pc:docMk/>
-          <pc:sldMk cId="324410250" sldId="301"/>
-        </pc:sldMkLst>
-        <pc:spChg chg="mod">
-          <ac:chgData name="Ihor Aleksandrov" userId="c3051032-6b87-4db2-b257-777a0106fbd9" providerId="ADAL" clId="{D05EAF56-C8F0-4612-806C-93E1C27F1929}" dt="2024-01-25T12:10:57.045" v="321" actId="27636"/>
-          <ac:spMkLst>
-            <pc:docMk/>
-            <pc:sldMk cId="324410250" sldId="301"/>
-            <ac:spMk id="2" creationId="{53C5D828-9666-E312-B574-9FE965A7D6BE}"/>
-          </ac:spMkLst>
-        </pc:spChg>
-      </pc:sldChg>
-      <pc:sldChg chg="add">
-        <pc:chgData name="Ihor Aleksandrov" userId="c3051032-6b87-4db2-b257-777a0106fbd9" providerId="ADAL" clId="{D05EAF56-C8F0-4612-806C-93E1C27F1929}" dt="2024-01-25T12:18:40.426" v="323"/>
-        <pc:sldMkLst>
-          <pc:docMk/>
-          <pc:sldMk cId="2052164358" sldId="302"/>
-        </pc:sldMkLst>
-      </pc:sldChg>
-      <pc:sldChg chg="add">
-        <pc:chgData name="Ihor Aleksandrov" userId="c3051032-6b87-4db2-b257-777a0106fbd9" providerId="ADAL" clId="{D05EAF56-C8F0-4612-806C-93E1C27F1929}" dt="2024-01-25T12:18:42.706" v="325"/>
-        <pc:sldMkLst>
-          <pc:docMk/>
-          <pc:sldMk cId="2972731808" sldId="303"/>
-        </pc:sldMkLst>
-      </pc:sldChg>
-      <pc:sldMasterChg chg="add addSldLayout">
-        <pc:chgData name="Ihor Aleksandrov" userId="c3051032-6b87-4db2-b257-777a0106fbd9" providerId="ADAL" clId="{D05EAF56-C8F0-4612-806C-93E1C27F1929}" dt="2024-01-25T12:18:42.701" v="324" actId="27028"/>
-        <pc:sldMasterMkLst>
-          <pc:docMk/>
-          <pc:sldMasterMk cId="1185679814" sldId="2147483648"/>
-        </pc:sldMasterMkLst>
-        <pc:sldLayoutChg chg="add">
-          <pc:chgData name="Ihor Aleksandrov" userId="c3051032-6b87-4db2-b257-777a0106fbd9" providerId="ADAL" clId="{D05EAF56-C8F0-4612-806C-93E1C27F1929}" dt="2024-01-25T12:18:40.421" v="322" actId="27028"/>
-          <pc:sldLayoutMkLst>
-            <pc:docMk/>
-            <pc:sldMasterMk cId="1185679814" sldId="2147483648"/>
-            <pc:sldLayoutMk cId="2257280135" sldId="2147483649"/>
-          </pc:sldLayoutMkLst>
-        </pc:sldLayoutChg>
-        <pc:sldLayoutChg chg="add">
-          <pc:chgData name="Ihor Aleksandrov" userId="c3051032-6b87-4db2-b257-777a0106fbd9" providerId="ADAL" clId="{D05EAF56-C8F0-4612-806C-93E1C27F1929}" dt="2024-01-25T12:18:42.701" v="324" actId="27028"/>
-          <pc:sldLayoutMkLst>
-            <pc:docMk/>
-            <pc:sldMasterMk cId="1185679814" sldId="2147483648"/>
-            <pc:sldLayoutMk cId="1044916995" sldId="2147483650"/>
-          </pc:sldLayoutMkLst>
-        </pc:sldLayoutChg>
-      </pc:sldMasterChg>
+      </pc:sldChg>
+      <pc:sldChg chg="del">
+        <pc:chgData name="Ihor Aleksandrov" userId="c3051032-6b87-4db2-b257-777a0106fbd9" providerId="ADAL" clId="{CD6A1DE1-ACF9-4B80-94F3-F58CA81605B6}" dt="2024-01-31T09:09:41.621" v="12" actId="2696"/>
+        <pc:sldMkLst>
+          <pc:docMk/>
+          <pc:sldMk cId="2706419546" sldId="325"/>
+        </pc:sldMkLst>
+      </pc:sldChg>
+      <pc:sldChg chg="del">
+        <pc:chgData name="Ihor Aleksandrov" userId="c3051032-6b87-4db2-b257-777a0106fbd9" providerId="ADAL" clId="{CD6A1DE1-ACF9-4B80-94F3-F58CA81605B6}" dt="2024-01-31T09:09:41.621" v="12" actId="2696"/>
+        <pc:sldMkLst>
+          <pc:docMk/>
+          <pc:sldMk cId="3970945218" sldId="326"/>
+        </pc:sldMkLst>
+      </pc:sldChg>
+      <pc:sldChg chg="del">
+        <pc:chgData name="Ihor Aleksandrov" userId="c3051032-6b87-4db2-b257-777a0106fbd9" providerId="ADAL" clId="{CD6A1DE1-ACF9-4B80-94F3-F58CA81605B6}" dt="2024-01-31T09:09:41.621" v="12" actId="2696"/>
+        <pc:sldMkLst>
+          <pc:docMk/>
+          <pc:sldMk cId="3529826239" sldId="327"/>
+        </pc:sldMkLst>
+      </pc:sldChg>
+      <pc:sldChg chg="del">
+        <pc:chgData name="Ihor Aleksandrov" userId="c3051032-6b87-4db2-b257-777a0106fbd9" providerId="ADAL" clId="{CD6A1DE1-ACF9-4B80-94F3-F58CA81605B6}" dt="2024-01-31T09:09:41.621" v="12" actId="2696"/>
+        <pc:sldMkLst>
+          <pc:docMk/>
+          <pc:sldMk cId="2063279392" sldId="328"/>
+        </pc:sldMkLst>
+      </pc:sldChg>
+      <pc:sldChg chg="del">
+        <pc:chgData name="Ihor Aleksandrov" userId="c3051032-6b87-4db2-b257-777a0106fbd9" providerId="ADAL" clId="{CD6A1DE1-ACF9-4B80-94F3-F58CA81605B6}" dt="2024-01-31T09:09:41.621" v="12" actId="2696"/>
+        <pc:sldMkLst>
+          <pc:docMk/>
+          <pc:sldMk cId="2502396658" sldId="329"/>
+        </pc:sldMkLst>
+      </pc:sldChg>
+      <pc:sldChg chg="del">
+        <pc:chgData name="Ihor Aleksandrov" userId="c3051032-6b87-4db2-b257-777a0106fbd9" providerId="ADAL" clId="{CD6A1DE1-ACF9-4B80-94F3-F58CA81605B6}" dt="2024-01-31T09:09:41.621" v="12" actId="2696"/>
+        <pc:sldMkLst>
+          <pc:docMk/>
+          <pc:sldMk cId="287166604" sldId="330"/>
+        </pc:sldMkLst>
+      </pc:sldChg>
+      <pc:sldChg chg="del">
+        <pc:chgData name="Ihor Aleksandrov" userId="c3051032-6b87-4db2-b257-777a0106fbd9" providerId="ADAL" clId="{CD6A1DE1-ACF9-4B80-94F3-F58CA81605B6}" dt="2024-01-31T09:09:41.621" v="12" actId="2696"/>
+        <pc:sldMkLst>
+          <pc:docMk/>
+          <pc:sldMk cId="4118740463" sldId="331"/>
+        </pc:sldMkLst>
+      </pc:sldChg>
+      <pc:sldChg chg="del">
+        <pc:chgData name="Ihor Aleksandrov" userId="c3051032-6b87-4db2-b257-777a0106fbd9" providerId="ADAL" clId="{CD6A1DE1-ACF9-4B80-94F3-F58CA81605B6}" dt="2024-01-31T09:09:41.621" v="12" actId="2696"/>
+        <pc:sldMkLst>
+          <pc:docMk/>
+          <pc:sldMk cId="246431689" sldId="332"/>
+        </pc:sldMkLst>
+      </pc:sldChg>
+      <pc:sldChg chg="del">
+        <pc:chgData name="Ihor Aleksandrov" userId="c3051032-6b87-4db2-b257-777a0106fbd9" providerId="ADAL" clId="{CD6A1DE1-ACF9-4B80-94F3-F58CA81605B6}" dt="2024-01-31T09:09:41.621" v="12" actId="2696"/>
+        <pc:sldMkLst>
+          <pc:docMk/>
+          <pc:sldMk cId="3336478611" sldId="333"/>
+        </pc:sldMkLst>
+      </pc:sldChg>
+      <pc:sldChg chg="del">
+        <pc:chgData name="Ihor Aleksandrov" userId="c3051032-6b87-4db2-b257-777a0106fbd9" providerId="ADAL" clId="{CD6A1DE1-ACF9-4B80-94F3-F58CA81605B6}" dt="2024-01-31T09:09:41.621" v="12" actId="2696"/>
+        <pc:sldMkLst>
+          <pc:docMk/>
+          <pc:sldMk cId="4103443897" sldId="334"/>
+        </pc:sldMkLst>
+      </pc:sldChg>
+      <pc:sldChg chg="del">
+        <pc:chgData name="Ihor Aleksandrov" userId="c3051032-6b87-4db2-b257-777a0106fbd9" providerId="ADAL" clId="{CD6A1DE1-ACF9-4B80-94F3-F58CA81605B6}" dt="2024-01-31T09:09:41.621" v="12" actId="2696"/>
+        <pc:sldMkLst>
+          <pc:docMk/>
+          <pc:sldMk cId="3743280714" sldId="335"/>
+        </pc:sldMkLst>
+      </pc:sldChg>
+      <pc:sldChg chg="del">
+        <pc:chgData name="Ihor Aleksandrov" userId="c3051032-6b87-4db2-b257-777a0106fbd9" providerId="ADAL" clId="{CD6A1DE1-ACF9-4B80-94F3-F58CA81605B6}" dt="2024-01-31T09:09:41.621" v="12" actId="2696"/>
+        <pc:sldMkLst>
+          <pc:docMk/>
+          <pc:sldMk cId="3674171182" sldId="336"/>
+        </pc:sldMkLst>
+      </pc:sldChg>
+      <pc:sldChg chg="del">
+        <pc:chgData name="Ihor Aleksandrov" userId="c3051032-6b87-4db2-b257-777a0106fbd9" providerId="ADAL" clId="{CD6A1DE1-ACF9-4B80-94F3-F58CA81605B6}" dt="2024-01-31T09:09:41.621" v="12" actId="2696"/>
+        <pc:sldMkLst>
+          <pc:docMk/>
+          <pc:sldMk cId="1296882423" sldId="337"/>
+        </pc:sldMkLst>
+      </pc:sldChg>
+      <pc:sldChg chg="del">
+        <pc:chgData name="Ihor Aleksandrov" userId="c3051032-6b87-4db2-b257-777a0106fbd9" providerId="ADAL" clId="{CD6A1DE1-ACF9-4B80-94F3-F58CA81605B6}" dt="2024-01-31T09:09:41.621" v="12" actId="2696"/>
+        <pc:sldMkLst>
+          <pc:docMk/>
+          <pc:sldMk cId="2578212810" sldId="338"/>
+        </pc:sldMkLst>
+      </pc:sldChg>
+      <pc:sldChg chg="del">
+        <pc:chgData name="Ihor Aleksandrov" userId="c3051032-6b87-4db2-b257-777a0106fbd9" providerId="ADAL" clId="{CD6A1DE1-ACF9-4B80-94F3-F58CA81605B6}" dt="2024-01-31T09:09:41.621" v="12" actId="2696"/>
+        <pc:sldMkLst>
+          <pc:docMk/>
+          <pc:sldMk cId="1227530818" sldId="339"/>
+        </pc:sldMkLst>
+      </pc:sldChg>
+      <pc:sldChg chg="del">
+        <pc:chgData name="Ihor Aleksandrov" userId="c3051032-6b87-4db2-b257-777a0106fbd9" providerId="ADAL" clId="{CD6A1DE1-ACF9-4B80-94F3-F58CA81605B6}" dt="2024-01-31T09:09:41.621" v="12" actId="2696"/>
+        <pc:sldMkLst>
+          <pc:docMk/>
+          <pc:sldMk cId="3182037683" sldId="340"/>
+        </pc:sldMkLst>
+      </pc:sldChg>
+      <pc:sldChg chg="del">
+        <pc:chgData name="Ihor Aleksandrov" userId="c3051032-6b87-4db2-b257-777a0106fbd9" providerId="ADAL" clId="{CD6A1DE1-ACF9-4B80-94F3-F58CA81605B6}" dt="2024-01-31T09:09:41.621" v="12" actId="2696"/>
+        <pc:sldMkLst>
+          <pc:docMk/>
+          <pc:sldMk cId="960138513" sldId="341"/>
+        </pc:sldMkLst>
+      </pc:sldChg>
     </pc:docChg>
   </pc:docChgLst>
 </pc:chgInfo>
@@ -7425,7 +7471,7 @@
           <a:p>
             <a:fld id="{14FB1113-EC1E-4052-ADC3-711A8186C8F9}" type="datetimeFigureOut">
               <a:rPr lang="ru-UA" smtClean="0"/>
-              <a:t>03.02.2024</a:t>
+              <a:t>26.02.2024</a:t>
             </a:fld>
             <a:endParaRPr lang="ru-UA"/>
           </a:p>
@@ -7842,7 +7888,7 @@
           <a:p>
             <a:fld id="{E0D26357-D419-43BA-ADD3-B2757463DC7B}" type="datetime1">
               <a:rPr lang="ru-UA" smtClean="0"/>
-              <a:t>03.02.2024</a:t>
+              <a:t>26.02.2024</a:t>
             </a:fld>
             <a:endParaRPr lang="ru-UA"/>
           </a:p>
@@ -8046,7 +8092,7 @@
           <a:p>
             <a:fld id="{0F169305-C9B4-4FEB-BAFA-A2E48E726625}" type="datetime1">
               <a:rPr lang="ru-UA" smtClean="0"/>
-              <a:t>03.02.2024</a:t>
+              <a:t>26.02.2024</a:t>
             </a:fld>
             <a:endParaRPr lang="ru-UA"/>
           </a:p>
@@ -8260,7 +8306,7 @@
           <a:p>
             <a:fld id="{F254BADE-5503-4551-95CE-9C596E3AC349}" type="datetime1">
               <a:rPr lang="ru-UA" smtClean="0"/>
-              <a:t>03.02.2024</a:t>
+              <a:t>26.02.2024</a:t>
             </a:fld>
             <a:endParaRPr lang="ru-UA"/>
           </a:p>
@@ -8464,7 +8510,7 @@
           <a:p>
             <a:fld id="{33814BF5-EBC8-4925-84C9-E4F290D758E4}" type="datetime1">
               <a:rPr lang="ru-UA" smtClean="0"/>
-              <a:t>03.02.2024</a:t>
+              <a:t>26.02.2024</a:t>
             </a:fld>
             <a:endParaRPr lang="ru-UA"/>
           </a:p>
@@ -8690,7 +8736,7 @@
           <a:p>
             <a:fld id="{8F2EE396-7ED3-4EE8-B892-0C3C9C96FE1C}" type="datetime1">
               <a:rPr lang="ru-UA" smtClean="0"/>
-              <a:t>03.02.2024</a:t>
+              <a:t>26.02.2024</a:t>
             </a:fld>
             <a:endParaRPr lang="ru-UA"/>
           </a:p>
@@ -8894,7 +8940,7 @@
           <a:p>
             <a:fld id="{01CBEE5E-0659-4CB4-A367-41D4D85A25BD}" type="datetime1">
               <a:rPr lang="ru-UA" smtClean="0"/>
-              <a:t>03.02.2024</a:t>
+              <a:t>26.02.2024</a:t>
             </a:fld>
             <a:endParaRPr lang="ru-UA"/>
           </a:p>
@@ -9174,7 +9220,7 @@
           <a:p>
             <a:fld id="{27427A1A-D24C-40A8-B4E4-DF295B3894B3}" type="datetime1">
               <a:rPr lang="ru-UA" smtClean="0"/>
-              <a:t>03.02.2024</a:t>
+              <a:t>26.02.2024</a:t>
             </a:fld>
             <a:endParaRPr lang="ru-UA"/>
           </a:p>
@@ -9446,7 +9492,7 @@
           <a:p>
             <a:fld id="{4AA50864-86EE-4112-A8FC-2861E0439497}" type="datetime1">
               <a:rPr lang="ru-UA" smtClean="0"/>
-              <a:t>03.02.2024</a:t>
+              <a:t>26.02.2024</a:t>
             </a:fld>
             <a:endParaRPr lang="ru-UA"/>
           </a:p>
@@ -9865,7 +9911,7 @@
           <a:p>
             <a:fld id="{023394B9-F4C7-4C1C-BDEB-BD75B21AFE2A}" type="datetime1">
               <a:rPr lang="ru-UA" smtClean="0"/>
-              <a:t>03.02.2024</a:t>
+              <a:t>26.02.2024</a:t>
             </a:fld>
             <a:endParaRPr lang="ru-UA"/>
           </a:p>
@@ -10011,7 +10057,7 @@
           <a:p>
             <a:fld id="{5048D38B-F341-4A69-9069-1B804D7E1EA2}" type="datetime1">
               <a:rPr lang="ru-UA" smtClean="0"/>
-              <a:t>03.02.2024</a:t>
+              <a:t>26.02.2024</a:t>
             </a:fld>
             <a:endParaRPr lang="ru-UA"/>
           </a:p>
@@ -10128,7 +10174,7 @@
           <a:p>
             <a:fld id="{8CE681F4-9664-4097-ABEB-4A429EE149A0}" type="datetime1">
               <a:rPr lang="ru-UA" smtClean="0"/>
-              <a:t>03.02.2024</a:t>
+              <a:t>26.02.2024</a:t>
             </a:fld>
             <a:endParaRPr lang="ru-UA"/>
           </a:p>
@@ -10445,7 +10491,7 @@
           <a:p>
             <a:fld id="{9F5ED7C2-3ADE-4010-AD45-2832E7C4716E}" type="datetime1">
               <a:rPr lang="ru-UA" smtClean="0"/>
-              <a:t>03.02.2024</a:t>
+              <a:t>26.02.2024</a:t>
             </a:fld>
             <a:endParaRPr lang="ru-UA"/>
           </a:p>
@@ -10738,7 +10784,7 @@
           <a:p>
             <a:fld id="{A524DA87-03E2-4918-90EE-30F700691340}" type="datetime1">
               <a:rPr lang="ru-UA" smtClean="0"/>
-              <a:t>03.02.2024</a:t>
+              <a:t>26.02.2024</a:t>
             </a:fld>
             <a:endParaRPr lang="ru-UA"/>
           </a:p>
@@ -10985,7 +11031,7 @@
           <a:p>
             <a:fld id="{85C20A39-E44B-4379-AC8D-EBF2BCE1F5FE}" type="datetime1">
               <a:rPr lang="ru-UA" smtClean="0"/>
-              <a:t>03.02.2024</a:t>
+              <a:t>26.02.2024</a:t>
             </a:fld>
             <a:endParaRPr lang="ru-UA"/>
           </a:p>
@@ -11560,7 +11606,7 @@
           <a:p>
             <a:fld id="{46C0FA1E-F6F3-4329-8BB0-847357D93AB7}" type="datetime1">
               <a:rPr lang="ru-UA" smtClean="0"/>
-              <a:t>03.02.2024</a:t>
+              <a:t>26.02.2024</a:t>
             </a:fld>
             <a:endParaRPr lang="ru-UA"/>
           </a:p>
@@ -14149,10 +14195,10 @@
       </p:sp>
       <p:pic>
         <p:nvPicPr>
-          <p:cNvPr id="5" name="Рисунок 4">
+          <p:cNvPr id="6" name="Picture 5" descr="A diagram of a computer network&#10;&#10;Description automatically generated">
             <a:extLst>
               <a:ext uri="{FF2B5EF4-FFF2-40B4-BE49-F238E27FC236}">
-                <a16:creationId xmlns:a16="http://schemas.microsoft.com/office/drawing/2014/main" id="{A065E73D-7090-4B6C-8393-D4C2F77A6430}"/>
+                <a16:creationId xmlns:a16="http://schemas.microsoft.com/office/drawing/2014/main" id="{8C55A539-5C30-9E59-451E-75B8B0B9C3FB}"/>
               </a:ext>
             </a:extLst>
           </p:cNvPr>
@@ -14162,15 +14208,21 @@
           <p:nvPr/>
         </p:nvPicPr>
         <p:blipFill>
-          <a:blip r:embed="rId2"/>
+          <a:blip r:embed="rId2">
+            <a:extLst>
+              <a:ext uri="{28A0092B-C50C-407E-A947-70E740481C1C}">
+                <a14:useLocalDpi xmlns:a14="http://schemas.microsoft.com/office/drawing/2010/main" val="0"/>
+              </a:ext>
+            </a:extLst>
+          </a:blip>
           <a:stretch>
             <a:fillRect/>
           </a:stretch>
         </p:blipFill>
         <p:spPr>
           <a:xfrm>
-            <a:off x="5516033" y="1684868"/>
-            <a:ext cx="5860141" cy="3076574"/>
+            <a:off x="4607053" y="859644"/>
+            <a:ext cx="6867525" cy="4762500"/>
           </a:xfrm>
           <a:prstGeom prst="rect">
             <a:avLst/>
